--- a/Team Xy Presentation.pptx
+++ b/Team Xy Presentation.pptx
@@ -3451,7 +3451,10 @@
             <a:rPr lang="en-CA" sz="900" dirty="0" err="1"/>
             <a:t>Findspark</a:t>
           </a:r>
-          <a:endParaRPr lang="en-CA" sz="900" dirty="0"/>
+          <a:r>
+            <a:rPr lang="en-CA" sz="900" dirty="0"/>
+            <a:t>.</a:t>
+          </a:r>
         </a:p>
       </dgm:t>
     </dgm:pt>
@@ -3527,7 +3530,7 @@
           </a:pPr>
           <a:r>
             <a:rPr lang="en-CA" sz="1000" i="0" dirty="0"/>
-            <a:t>Read data from DB</a:t>
+            <a:t>Read data from DB.</a:t>
           </a:r>
         </a:p>
       </dgm:t>
@@ -3567,7 +3570,7 @@
           </a:pPr>
           <a:r>
             <a:rPr lang="en-CA" sz="1000" dirty="0"/>
-            <a:t>Pull tables from DB</a:t>
+            <a:t>Pull tables from DB.</a:t>
           </a:r>
         </a:p>
       </dgm:t>
@@ -3643,7 +3646,7 @@
           </a:pPr>
           <a:r>
             <a:rPr lang="en-CA" sz="1000" dirty="0"/>
-            <a:t>Categorize into binary categories (binary) / Drop rows with 2 and 4 stars (3-category) / Keep all rows (5-category)</a:t>
+            <a:t>Categorize into binary categories (binary) / Drop rows with 2 and 4 stars (3-category) / Keep all rows (5-category).</a:t>
           </a:r>
         </a:p>
       </dgm:t>
@@ -3683,7 +3686,7 @@
           </a:pPr>
           <a:r>
             <a:rPr lang="en-CA" sz="1000" dirty="0"/>
-            <a:t>Remove punctuation</a:t>
+            <a:t>Remove punctuation.</a:t>
           </a:r>
         </a:p>
       </dgm:t>
@@ -3723,7 +3726,7 @@
           </a:pPr>
           <a:r>
             <a:rPr lang="en-CA" sz="900" dirty="0"/>
-            <a:t>Set Environment Variables</a:t>
+            <a:t>Set environment variables.</a:t>
           </a:r>
         </a:p>
       </dgm:t>
@@ -3763,7 +3766,15 @@
           </a:pPr>
           <a:r>
             <a:rPr lang="en-CA" sz="900" dirty="0"/>
-            <a:t>Start a SparkSession</a:t>
+            <a:t>Start a </a:t>
+          </a:r>
+          <a:r>
+            <a:rPr lang="en-CA" sz="900" dirty="0" err="1"/>
+            <a:t>SparkSession</a:t>
+          </a:r>
+          <a:r>
+            <a:rPr lang="en-CA" sz="900" dirty="0"/>
+            <a:t>.</a:t>
           </a:r>
         </a:p>
       </dgm:t>
@@ -3803,7 +3814,7 @@
           </a:pPr>
           <a:r>
             <a:rPr lang="en-CA" sz="900" dirty="0"/>
-            <a:t>Interact with SQL</a:t>
+            <a:t>Interact with SQL.</a:t>
           </a:r>
         </a:p>
       </dgm:t>
@@ -3843,7 +3854,7 @@
           </a:pPr>
           <a:r>
             <a:rPr lang="en-CA" sz="900" dirty="0"/>
-            <a:t>Create Spark application</a:t>
+            <a:t>Create Spark application.</a:t>
           </a:r>
         </a:p>
       </dgm:t>
@@ -3883,7 +3894,15 @@
           </a:pPr>
           <a:r>
             <a:rPr lang="en-US" sz="900" dirty="0"/>
-            <a:t>gcloud login and check the DB</a:t>
+            <a:t>Login to </a:t>
+          </a:r>
+          <a:r>
+            <a:rPr lang="en-US" sz="900" dirty="0" err="1"/>
+            <a:t>gcloud</a:t>
+          </a:r>
+          <a:r>
+            <a:rPr lang="en-US" sz="900" dirty="0"/>
+            <a:t> and check the DB.</a:t>
           </a:r>
           <a:endParaRPr lang="en-CA" sz="900" dirty="0"/>
         </a:p>
@@ -3924,7 +3943,7 @@
           </a:pPr>
           <a:r>
             <a:rPr lang="en-US" sz="900" dirty="0"/>
-            <a:t>download and initialize the SQL proxy</a:t>
+            <a:t>Download and initialize the SQL proxy.</a:t>
           </a:r>
           <a:endParaRPr lang="en-CA" sz="900" dirty="0"/>
         </a:p>
@@ -3965,7 +3984,7 @@
           </a:pPr>
           <a:r>
             <a:rPr lang="en-CA" sz="900" dirty="0"/>
-            <a:t>Configure settings for RDS</a:t>
+            <a:t>Configure settings for RDS.</a:t>
           </a:r>
         </a:p>
       </dgm:t>
@@ -4019,7 +4038,10 @@
             <a:rPr lang="en-CA" sz="1000" dirty="0" err="1"/>
             <a:t>DataFrame</a:t>
           </a:r>
-          <a:endParaRPr lang="en-CA" sz="1000" dirty="0"/>
+          <a:r>
+            <a:rPr lang="en-CA" sz="1000" dirty="0"/>
+            <a:t>.</a:t>
+          </a:r>
         </a:p>
       </dgm:t>
     </dgm:pt>
@@ -4064,7 +4086,10 @@
             <a:rPr lang="en-CA" sz="1000" dirty="0" err="1"/>
             <a:t>DataFrame</a:t>
           </a:r>
-          <a:endParaRPr lang="en-CA" sz="1000" dirty="0"/>
+          <a:r>
+            <a:rPr lang="en-CA" sz="1000" dirty="0"/>
+            <a:t>.</a:t>
+          </a:r>
         </a:p>
       </dgm:t>
     </dgm:pt>
@@ -4175,7 +4200,7 @@
           </a:pPr>
           <a:r>
             <a:rPr lang="en-CA" sz="1000" dirty="0"/>
-            <a:t>Tokenize data and change to lowercase</a:t>
+            <a:t>Tokenize data and change to lowercase.</a:t>
           </a:r>
         </a:p>
       </dgm:t>
@@ -4221,7 +4246,10 @@
             <a:rPr lang="en-CA" sz="1000" dirty="0" err="1"/>
             <a:t>stopwords</a:t>
           </a:r>
-          <a:endParaRPr lang="en-CA" sz="1000" dirty="0"/>
+          <a:r>
+            <a:rPr lang="en-CA" sz="1000" dirty="0"/>
+            <a:t>.</a:t>
+          </a:r>
         </a:p>
       </dgm:t>
     </dgm:pt>
@@ -4260,7 +4288,7 @@
           </a:pPr>
           <a:r>
             <a:rPr lang="en-CA" sz="1000" dirty="0"/>
-            <a:t>Stem and lemmatize remaining words</a:t>
+            <a:t>Stem and lemmatize remaining words.</a:t>
           </a:r>
         </a:p>
       </dgm:t>
@@ -4300,7 +4328,7 @@
           </a:pPr>
           <a:r>
             <a:rPr lang="en-CA" sz="1000" dirty="0"/>
-            <a:t>Add ‘length’ column</a:t>
+            <a:t>Add ‘length’ column.</a:t>
           </a:r>
         </a:p>
       </dgm:t>
@@ -4346,7 +4374,10 @@
             <a:rPr lang="en-CA" sz="900" dirty="0" err="1"/>
             <a:t>DataFrame</a:t>
           </a:r>
-          <a:endParaRPr lang="en-CA" sz="900" dirty="0"/>
+          <a:r>
+            <a:rPr lang="en-CA" sz="900" dirty="0"/>
+            <a:t>.</a:t>
+          </a:r>
         </a:p>
       </dgm:t>
     </dgm:pt>
@@ -4385,7 +4416,7 @@
           </a:pPr>
           <a:r>
             <a:rPr lang="en-CA" sz="900" dirty="0"/>
-            <a:t>Drop intermediate columns so ‘features’ and ‘labels’ are only ones</a:t>
+            <a:t>Drop intermediate columns so ‘features’ and ‘labels’ are only ones.</a:t>
           </a:r>
         </a:p>
       </dgm:t>
@@ -4425,7 +4456,7 @@
           </a:pPr>
           <a:r>
             <a:rPr lang="en-CA" sz="900" dirty="0"/>
-            <a:t>Change data type of ‘label’ (stars) to int</a:t>
+            <a:t>Change data type of ‘label’ (stars) to int.</a:t>
           </a:r>
         </a:p>
       </dgm:t>
@@ -4465,7 +4496,7 @@
           </a:pPr>
           <a:r>
             <a:rPr lang="en-CA" sz="900" dirty="0"/>
-            <a:t>Split data into training and testing sets</a:t>
+            <a:t>Split data into training and testing sets.</a:t>
           </a:r>
         </a:p>
       </dgm:t>
@@ -4505,7 +4536,7 @@
           </a:pPr>
           <a:r>
             <a:rPr lang="en-CA" sz="900" dirty="0"/>
-            <a:t> (Naïve Bayes / Logistic Regression): Create model and fit training data / (Neural Net): Specify layers, create and train model</a:t>
+            <a:t> (Naïve Bayes / Logistic Regression): Create model and fit training data / (Neural Net): Specify layers, create and train model.</a:t>
           </a:r>
         </a:p>
       </dgm:t>
@@ -4545,7 +4576,7 @@
           </a:pPr>
           <a:r>
             <a:rPr lang="en-CA" sz="900" dirty="0"/>
-            <a:t>Display accuracy of model prediction of rating</a:t>
+            <a:t>Display accuracy of model prediction of rating.</a:t>
           </a:r>
         </a:p>
       </dgm:t>
@@ -4599,7 +4630,10 @@
             <a:rPr lang="en-CA" sz="900" dirty="0" err="1"/>
             <a:t>DataFrame</a:t>
           </a:r>
-          <a:endParaRPr lang="en-CA" sz="900" dirty="0"/>
+          <a:r>
+            <a:rPr lang="en-CA" sz="900" dirty="0"/>
+            <a:t>.</a:t>
+          </a:r>
         </a:p>
       </dgm:t>
     </dgm:pt>
@@ -4626,211 +4660,6 @@
       </dgm:t>
     </dgm:pt>
     <dgm:pt modelId="{35E51F57-A897-49D2-99F8-47CBF27FF4B8}">
-      <dgm:prSet custT="1"/>
-      <dgm:spPr/>
-      <dgm:t>
-        <a:bodyPr anchor="b" anchorCtr="0"/>
-        <a:lstStyle/>
-        <a:p>
-          <a:pPr>
-            <a:buFont typeface="+mj-lt"/>
-            <a:buAutoNum type="arabicPeriod"/>
-          </a:pPr>
-          <a:r>
-            <a:rPr lang="en-CA" sz="900"/>
-            <a:t>Create star values list (array) column</a:t>
-          </a:r>
-          <a:endParaRPr lang="en-CA" sz="900" dirty="0"/>
-        </a:p>
-      </dgm:t>
-    </dgm:pt>
-    <dgm:pt modelId="{314B0363-D54F-4F52-8211-FB8A374974E1}" type="parTrans" cxnId="{2B979D74-0843-4AE3-93CF-C10ADABAADBF}">
-      <dgm:prSet/>
-      <dgm:spPr/>
-      <dgm:t>
-        <a:bodyPr/>
-        <a:lstStyle/>
-        <a:p>
-          <a:endParaRPr lang="en-CA"/>
-        </a:p>
-      </dgm:t>
-    </dgm:pt>
-    <dgm:pt modelId="{58665FF5-A4E0-4553-8AE7-FD40261D979F}" type="sibTrans" cxnId="{2B979D74-0843-4AE3-93CF-C10ADABAADBF}">
-      <dgm:prSet/>
-      <dgm:spPr/>
-      <dgm:t>
-        <a:bodyPr/>
-        <a:lstStyle/>
-        <a:p>
-          <a:endParaRPr lang="en-CA"/>
-        </a:p>
-      </dgm:t>
-    </dgm:pt>
-    <dgm:pt modelId="{24B36F21-8546-433A-B9D1-4725D002976B}">
-      <dgm:prSet custT="1"/>
-      <dgm:spPr/>
-      <dgm:t>
-        <a:bodyPr anchor="b" anchorCtr="0"/>
-        <a:lstStyle/>
-        <a:p>
-          <a:pPr>
-            <a:buFont typeface="+mj-lt"/>
-            <a:buAutoNum type="arabicPeriod"/>
-          </a:pPr>
-          <a:r>
-            <a:rPr lang="en-CA" sz="900"/>
-            <a:t>Initialize Count Vectorizer and create a vector model</a:t>
-          </a:r>
-          <a:endParaRPr lang="en-CA" sz="900" dirty="0"/>
-        </a:p>
-      </dgm:t>
-    </dgm:pt>
-    <dgm:pt modelId="{AD7FC10E-C001-4F45-AED8-E7FC39F6FFD4}" type="parTrans" cxnId="{45EB2C77-9431-4971-91C9-4CCD84E81CE0}">
-      <dgm:prSet/>
-      <dgm:spPr/>
-      <dgm:t>
-        <a:bodyPr/>
-        <a:lstStyle/>
-        <a:p>
-          <a:endParaRPr lang="en-CA"/>
-        </a:p>
-      </dgm:t>
-    </dgm:pt>
-    <dgm:pt modelId="{D6248BE3-ECDA-4716-B296-F18B23E52183}" type="sibTrans" cxnId="{45EB2C77-9431-4971-91C9-4CCD84E81CE0}">
-      <dgm:prSet/>
-      <dgm:spPr/>
-      <dgm:t>
-        <a:bodyPr/>
-        <a:lstStyle/>
-        <a:p>
-          <a:endParaRPr lang="en-CA"/>
-        </a:p>
-      </dgm:t>
-    </dgm:pt>
-    <dgm:pt modelId="{EDF3B1F8-3A2F-4B98-879D-D03AE77916AD}">
-      <dgm:prSet custT="1"/>
-      <dgm:spPr/>
-      <dgm:t>
-        <a:bodyPr anchor="b" anchorCtr="0"/>
-        <a:lstStyle/>
-        <a:p>
-          <a:pPr>
-            <a:buFont typeface="+mj-lt"/>
-            <a:buAutoNum type="arabicPeriod"/>
-          </a:pPr>
-          <a:r>
-            <a:rPr lang="en-CA" sz="900"/>
-            <a:t>One hot encode the vector model as column to the DataFrame</a:t>
-          </a:r>
-          <a:endParaRPr lang="en-CA" sz="900" dirty="0"/>
-        </a:p>
-      </dgm:t>
-    </dgm:pt>
-    <dgm:pt modelId="{D49F8028-EB80-4B9B-87FA-AA46D1F3E46F}" type="parTrans" cxnId="{3B10ADCE-67C3-4891-B5CC-FF4466AC6B11}">
-      <dgm:prSet/>
-      <dgm:spPr/>
-      <dgm:t>
-        <a:bodyPr/>
-        <a:lstStyle/>
-        <a:p>
-          <a:endParaRPr lang="en-CA"/>
-        </a:p>
-      </dgm:t>
-    </dgm:pt>
-    <dgm:pt modelId="{8E073775-42D3-4088-B498-2260D66D6B71}" type="sibTrans" cxnId="{3B10ADCE-67C3-4891-B5CC-FF4466AC6B11}">
-      <dgm:prSet/>
-      <dgm:spPr/>
-      <dgm:t>
-        <a:bodyPr/>
-        <a:lstStyle/>
-        <a:p>
-          <a:endParaRPr lang="en-CA"/>
-        </a:p>
-      </dgm:t>
-    </dgm:pt>
-    <dgm:pt modelId="{2F47178E-ED14-4A23-A568-4F9E22827203}">
-      <dgm:prSet custT="1"/>
-      <dgm:spPr/>
-      <dgm:t>
-        <a:bodyPr anchor="b" anchorCtr="0"/>
-        <a:lstStyle/>
-        <a:p>
-          <a:pPr>
-            <a:buFont typeface="+mj-lt"/>
-            <a:buAutoNum type="arabicPeriod"/>
-          </a:pPr>
-          <a:r>
-            <a:rPr lang="en-CA" sz="900"/>
-            <a:t>Create all features and feature vector</a:t>
-          </a:r>
-          <a:endParaRPr lang="en-CA" sz="900" dirty="0"/>
-        </a:p>
-      </dgm:t>
-    </dgm:pt>
-    <dgm:pt modelId="{81F41C83-A367-4716-BE4B-665C720720AF}" type="parTrans" cxnId="{4386946F-5F27-4E9C-8AAA-E9E8A9CD0B92}">
-      <dgm:prSet/>
-      <dgm:spPr/>
-      <dgm:t>
-        <a:bodyPr/>
-        <a:lstStyle/>
-        <a:p>
-          <a:endParaRPr lang="en-CA"/>
-        </a:p>
-      </dgm:t>
-    </dgm:pt>
-    <dgm:pt modelId="{64F8455E-34C5-43C6-AE49-15270811B1B7}" type="sibTrans" cxnId="{4386946F-5F27-4E9C-8AAA-E9E8A9CD0B92}">
-      <dgm:prSet/>
-      <dgm:spPr/>
-      <dgm:t>
-        <a:bodyPr/>
-        <a:lstStyle/>
-        <a:p>
-          <a:endParaRPr lang="en-CA"/>
-        </a:p>
-      </dgm:t>
-    </dgm:pt>
-    <dgm:pt modelId="{81083DD8-68E7-4116-9E6E-1FD5A8D52432}">
-      <dgm:prSet custT="1"/>
-      <dgm:spPr/>
-      <dgm:t>
-        <a:bodyPr anchor="b" anchorCtr="0"/>
-        <a:lstStyle/>
-        <a:p>
-          <a:pPr>
-            <a:buFont typeface="+mj-lt"/>
-            <a:buAutoNum type="arabicPeriod"/>
-          </a:pPr>
-          <a:r>
-            <a:rPr lang="en-CA" sz="900"/>
-            <a:t>Create and run data processing pipeline</a:t>
-          </a:r>
-          <a:endParaRPr lang="en-CA" sz="900" dirty="0"/>
-        </a:p>
-      </dgm:t>
-    </dgm:pt>
-    <dgm:pt modelId="{0CC15854-5C6D-4D83-B100-D5F339182890}" type="parTrans" cxnId="{22B3172E-2854-4C98-9FC0-39ADF5204DE6}">
-      <dgm:prSet/>
-      <dgm:spPr/>
-      <dgm:t>
-        <a:bodyPr/>
-        <a:lstStyle/>
-        <a:p>
-          <a:endParaRPr lang="en-CA"/>
-        </a:p>
-      </dgm:t>
-    </dgm:pt>
-    <dgm:pt modelId="{5D5AFF4F-62DD-46BA-83AC-44A1ECE20CAE}" type="sibTrans" cxnId="{22B3172E-2854-4C98-9FC0-39ADF5204DE6}">
-      <dgm:prSet/>
-      <dgm:spPr/>
-      <dgm:t>
-        <a:bodyPr/>
-        <a:lstStyle/>
-        <a:p>
-          <a:endParaRPr lang="en-CA"/>
-        </a:p>
-      </dgm:t>
-    </dgm:pt>
-    <dgm:pt modelId="{732D2F61-02B8-43E9-B308-CF68C56839E7}">
       <dgm:prSet custT="1"/>
       <dgm:spPr/>
       <dgm:t>
@@ -4843,7 +4672,215 @@
           </a:pPr>
           <a:r>
             <a:rPr lang="en-CA" sz="900" dirty="0"/>
-            <a:t>Fit and transform pipeline</a:t>
+            <a:t>Create star values list (array) column.</a:t>
+          </a:r>
+        </a:p>
+      </dgm:t>
+    </dgm:pt>
+    <dgm:pt modelId="{314B0363-D54F-4F52-8211-FB8A374974E1}" type="parTrans" cxnId="{2B979D74-0843-4AE3-93CF-C10ADABAADBF}">
+      <dgm:prSet/>
+      <dgm:spPr/>
+      <dgm:t>
+        <a:bodyPr/>
+        <a:lstStyle/>
+        <a:p>
+          <a:endParaRPr lang="en-CA"/>
+        </a:p>
+      </dgm:t>
+    </dgm:pt>
+    <dgm:pt modelId="{58665FF5-A4E0-4553-8AE7-FD40261D979F}" type="sibTrans" cxnId="{2B979D74-0843-4AE3-93CF-C10ADABAADBF}">
+      <dgm:prSet/>
+      <dgm:spPr/>
+      <dgm:t>
+        <a:bodyPr/>
+        <a:lstStyle/>
+        <a:p>
+          <a:endParaRPr lang="en-CA"/>
+        </a:p>
+      </dgm:t>
+    </dgm:pt>
+    <dgm:pt modelId="{24B36F21-8546-433A-B9D1-4725D002976B}">
+      <dgm:prSet custT="1"/>
+      <dgm:spPr/>
+      <dgm:t>
+        <a:bodyPr anchor="b" anchorCtr="0"/>
+        <a:lstStyle/>
+        <a:p>
+          <a:pPr>
+            <a:buFont typeface="+mj-lt"/>
+            <a:buAutoNum type="arabicPeriod"/>
+          </a:pPr>
+          <a:r>
+            <a:rPr lang="en-CA" sz="900" dirty="0"/>
+            <a:t>Initialize Count Vectorizer and create a vector model</a:t>
+          </a:r>
+        </a:p>
+      </dgm:t>
+    </dgm:pt>
+    <dgm:pt modelId="{AD7FC10E-C001-4F45-AED8-E7FC39F6FFD4}" type="parTrans" cxnId="{45EB2C77-9431-4971-91C9-4CCD84E81CE0}">
+      <dgm:prSet/>
+      <dgm:spPr/>
+      <dgm:t>
+        <a:bodyPr/>
+        <a:lstStyle/>
+        <a:p>
+          <a:endParaRPr lang="en-CA"/>
+        </a:p>
+      </dgm:t>
+    </dgm:pt>
+    <dgm:pt modelId="{D6248BE3-ECDA-4716-B296-F18B23E52183}" type="sibTrans" cxnId="{45EB2C77-9431-4971-91C9-4CCD84E81CE0}">
+      <dgm:prSet/>
+      <dgm:spPr/>
+      <dgm:t>
+        <a:bodyPr/>
+        <a:lstStyle/>
+        <a:p>
+          <a:endParaRPr lang="en-CA"/>
+        </a:p>
+      </dgm:t>
+    </dgm:pt>
+    <dgm:pt modelId="{EDF3B1F8-3A2F-4B98-879D-D03AE77916AD}">
+      <dgm:prSet custT="1"/>
+      <dgm:spPr/>
+      <dgm:t>
+        <a:bodyPr anchor="b" anchorCtr="0"/>
+        <a:lstStyle/>
+        <a:p>
+          <a:pPr>
+            <a:buFont typeface="+mj-lt"/>
+            <a:buAutoNum type="arabicPeriod"/>
+          </a:pPr>
+          <a:r>
+            <a:rPr lang="en-CA" sz="900" dirty="0"/>
+            <a:t>One hot encode the vector model as column to the </a:t>
+          </a:r>
+          <a:r>
+            <a:rPr lang="en-CA" sz="900" dirty="0" err="1"/>
+            <a:t>DataFrame</a:t>
+          </a:r>
+          <a:r>
+            <a:rPr lang="en-CA" sz="900" dirty="0"/>
+            <a:t>.</a:t>
+          </a:r>
+        </a:p>
+      </dgm:t>
+    </dgm:pt>
+    <dgm:pt modelId="{D49F8028-EB80-4B9B-87FA-AA46D1F3E46F}" type="parTrans" cxnId="{3B10ADCE-67C3-4891-B5CC-FF4466AC6B11}">
+      <dgm:prSet/>
+      <dgm:spPr/>
+      <dgm:t>
+        <a:bodyPr/>
+        <a:lstStyle/>
+        <a:p>
+          <a:endParaRPr lang="en-CA"/>
+        </a:p>
+      </dgm:t>
+    </dgm:pt>
+    <dgm:pt modelId="{8E073775-42D3-4088-B498-2260D66D6B71}" type="sibTrans" cxnId="{3B10ADCE-67C3-4891-B5CC-FF4466AC6B11}">
+      <dgm:prSet/>
+      <dgm:spPr/>
+      <dgm:t>
+        <a:bodyPr/>
+        <a:lstStyle/>
+        <a:p>
+          <a:endParaRPr lang="en-CA"/>
+        </a:p>
+      </dgm:t>
+    </dgm:pt>
+    <dgm:pt modelId="{2F47178E-ED14-4A23-A568-4F9E22827203}">
+      <dgm:prSet custT="1"/>
+      <dgm:spPr/>
+      <dgm:t>
+        <a:bodyPr anchor="b" anchorCtr="0"/>
+        <a:lstStyle/>
+        <a:p>
+          <a:pPr>
+            <a:buFont typeface="+mj-lt"/>
+            <a:buAutoNum type="arabicPeriod"/>
+          </a:pPr>
+          <a:r>
+            <a:rPr lang="en-CA" sz="900" dirty="0"/>
+            <a:t>Create all features and feature vector.</a:t>
+          </a:r>
+        </a:p>
+      </dgm:t>
+    </dgm:pt>
+    <dgm:pt modelId="{81F41C83-A367-4716-BE4B-665C720720AF}" type="parTrans" cxnId="{4386946F-5F27-4E9C-8AAA-E9E8A9CD0B92}">
+      <dgm:prSet/>
+      <dgm:spPr/>
+      <dgm:t>
+        <a:bodyPr/>
+        <a:lstStyle/>
+        <a:p>
+          <a:endParaRPr lang="en-CA"/>
+        </a:p>
+      </dgm:t>
+    </dgm:pt>
+    <dgm:pt modelId="{64F8455E-34C5-43C6-AE49-15270811B1B7}" type="sibTrans" cxnId="{4386946F-5F27-4E9C-8AAA-E9E8A9CD0B92}">
+      <dgm:prSet/>
+      <dgm:spPr/>
+      <dgm:t>
+        <a:bodyPr/>
+        <a:lstStyle/>
+        <a:p>
+          <a:endParaRPr lang="en-CA"/>
+        </a:p>
+      </dgm:t>
+    </dgm:pt>
+    <dgm:pt modelId="{81083DD8-68E7-4116-9E6E-1FD5A8D52432}">
+      <dgm:prSet custT="1"/>
+      <dgm:spPr/>
+      <dgm:t>
+        <a:bodyPr anchor="b" anchorCtr="0"/>
+        <a:lstStyle/>
+        <a:p>
+          <a:pPr>
+            <a:buFont typeface="+mj-lt"/>
+            <a:buAutoNum type="arabicPeriod"/>
+          </a:pPr>
+          <a:r>
+            <a:rPr lang="en-CA" sz="900" dirty="0"/>
+            <a:t>Create and run data processing pipeline.</a:t>
+          </a:r>
+        </a:p>
+      </dgm:t>
+    </dgm:pt>
+    <dgm:pt modelId="{0CC15854-5C6D-4D83-B100-D5F339182890}" type="parTrans" cxnId="{22B3172E-2854-4C98-9FC0-39ADF5204DE6}">
+      <dgm:prSet/>
+      <dgm:spPr/>
+      <dgm:t>
+        <a:bodyPr/>
+        <a:lstStyle/>
+        <a:p>
+          <a:endParaRPr lang="en-CA"/>
+        </a:p>
+      </dgm:t>
+    </dgm:pt>
+    <dgm:pt modelId="{5D5AFF4F-62DD-46BA-83AC-44A1ECE20CAE}" type="sibTrans" cxnId="{22B3172E-2854-4C98-9FC0-39ADF5204DE6}">
+      <dgm:prSet/>
+      <dgm:spPr/>
+      <dgm:t>
+        <a:bodyPr/>
+        <a:lstStyle/>
+        <a:p>
+          <a:endParaRPr lang="en-CA"/>
+        </a:p>
+      </dgm:t>
+    </dgm:pt>
+    <dgm:pt modelId="{732D2F61-02B8-43E9-B308-CF68C56839E7}">
+      <dgm:prSet custT="1"/>
+      <dgm:spPr/>
+      <dgm:t>
+        <a:bodyPr anchor="b" anchorCtr="0"/>
+        <a:lstStyle/>
+        <a:p>
+          <a:pPr>
+            <a:buFont typeface="+mj-lt"/>
+            <a:buAutoNum type="arabicPeriod"/>
+          </a:pPr>
+          <a:r>
+            <a:rPr lang="en-CA" sz="900" dirty="0"/>
+            <a:t>Fit and transform pipeline.</a:t>
           </a:r>
         </a:p>
       </dgm:t>
@@ -4901,7 +4938,7 @@
       <dgm:spPr/>
     </dgm:pt>
     <dgm:pt modelId="{24C95D2B-48EA-4A7B-8F0B-F1AC241A9DCF}" type="pres">
-      <dgm:prSet presAssocID="{3901DFD9-C5D7-442E-AEE2-90766AF8E80E}" presName="childNode1" presStyleLbl="bgAcc1" presStyleIdx="0" presStyleCnt="5" custScaleX="114460" custScaleY="106277" custLinFactNeighborX="18519" custLinFactNeighborY="-17260">
+      <dgm:prSet presAssocID="{3901DFD9-C5D7-442E-AEE2-90766AF8E80E}" presName="childNode1" presStyleLbl="bgAcc1" presStyleIdx="0" presStyleCnt="5" custScaleX="114460" custScaleY="106277" custLinFactNeighborX="17796" custLinFactNeighborY="-17260">
         <dgm:presLayoutVars>
           <dgm:bulletEnabled val="1"/>
         </dgm:presLayoutVars>
@@ -4983,7 +5020,7 @@
       <dgm:spPr/>
     </dgm:pt>
     <dgm:pt modelId="{D4643005-3B07-4333-B39F-EFEAC7771BAA}" type="pres">
-      <dgm:prSet presAssocID="{C9BA18C6-1688-44A3-B585-0F30B69F9C4F}" presName="childNode1" presStyleLbl="bgAcc1" presStyleIdx="2" presStyleCnt="5" custScaleX="136075" custScaleY="106277" custLinFactNeighborX="-7161" custLinFactNeighborY="-16882">
+      <dgm:prSet presAssocID="{C9BA18C6-1688-44A3-B585-0F30B69F9C4F}" presName="childNode1" presStyleLbl="bgAcc1" presStyleIdx="2" presStyleCnt="5" custScaleX="138751" custScaleY="106277" custLinFactNeighborX="-7161" custLinFactNeighborY="-16882">
         <dgm:presLayoutVars>
           <dgm:bulletEnabled val="1"/>
         </dgm:presLayoutVars>
@@ -6876,8 +6913,8 @@
       </dsp:nvSpPr>
       <dsp:spPr>
         <a:xfrm>
-          <a:off x="325361" y="2567330"/>
-          <a:ext cx="1983748" cy="1519203"/>
+          <a:off x="310447" y="2570940"/>
+          <a:ext cx="1976629" cy="1513751"/>
         </a:xfrm>
         <a:prstGeom prst="roundRect">
           <a:avLst>
@@ -6945,25 +6982,9 @@
             <a:rPr lang="en-CA" sz="900" kern="1200" dirty="0" err="1"/>
             <a:t>Findspark</a:t>
           </a:r>
-          <a:endParaRPr lang="en-CA" sz="900" kern="1200" dirty="0"/>
-        </a:p>
-        <a:p>
-          <a:pPr marL="57150" lvl="1" indent="-57150" algn="l" defTabSz="400050">
-            <a:lnSpc>
-              <a:spcPct val="90000"/>
-            </a:lnSpc>
-            <a:spcBef>
-              <a:spcPct val="0"/>
-            </a:spcBef>
-            <a:spcAft>
-              <a:spcPct val="15000"/>
-            </a:spcAft>
-            <a:buFont typeface="+mj-lt"/>
-            <a:buAutoNum type="arabicPeriod"/>
-          </a:pPr>
           <a:r>
             <a:rPr lang="en-CA" sz="900" kern="1200" dirty="0"/>
-            <a:t>Set Environment Variables</a:t>
+            <a:t>.</a:t>
           </a:r>
         </a:p>
         <a:p>
@@ -6982,7 +7003,7 @@
           </a:pPr>
           <a:r>
             <a:rPr lang="en-CA" sz="900" kern="1200" dirty="0"/>
-            <a:t>Start a SparkSession</a:t>
+            <a:t>Set environment variables.</a:t>
           </a:r>
         </a:p>
         <a:p>
@@ -7001,7 +7022,15 @@
           </a:pPr>
           <a:r>
             <a:rPr lang="en-CA" sz="900" kern="1200" dirty="0"/>
-            <a:t>Interact with SQL</a:t>
+            <a:t>Start a </a:t>
+          </a:r>
+          <a:r>
+            <a:rPr lang="en-CA" sz="900" kern="1200" dirty="0" err="1"/>
+            <a:t>SparkSession</a:t>
+          </a:r>
+          <a:r>
+            <a:rPr lang="en-CA" sz="900" kern="1200" dirty="0"/>
+            <a:t>.</a:t>
           </a:r>
         </a:p>
         <a:p>
@@ -7020,7 +7049,26 @@
           </a:pPr>
           <a:r>
             <a:rPr lang="en-CA" sz="900" kern="1200" dirty="0"/>
-            <a:t>Create Spark application</a:t>
+            <a:t>Interact with SQL.</a:t>
+          </a:r>
+        </a:p>
+        <a:p>
+          <a:pPr marL="57150" lvl="1" indent="-57150" algn="l" defTabSz="400050">
+            <a:lnSpc>
+              <a:spcPct val="90000"/>
+            </a:lnSpc>
+            <a:spcBef>
+              <a:spcPct val="0"/>
+            </a:spcBef>
+            <a:spcAft>
+              <a:spcPct val="15000"/>
+            </a:spcAft>
+            <a:buFont typeface="+mj-lt"/>
+            <a:buAutoNum type="arabicPeriod"/>
+          </a:pPr>
+          <a:r>
+            <a:rPr lang="en-CA" sz="900" kern="1200" dirty="0"/>
+            <a:t>Create Spark application.</a:t>
           </a:r>
         </a:p>
         <a:p>
@@ -7039,7 +7087,15 @@
           </a:pPr>
           <a:r>
             <a:rPr lang="en-US" sz="900" kern="1200" dirty="0"/>
-            <a:t>gcloud login and check the DB</a:t>
+            <a:t>Login to </a:t>
+          </a:r>
+          <a:r>
+            <a:rPr lang="en-US" sz="900" kern="1200" dirty="0" err="1"/>
+            <a:t>gcloud</a:t>
+          </a:r>
+          <a:r>
+            <a:rPr lang="en-US" sz="900" kern="1200" dirty="0"/>
+            <a:t> and check the DB.</a:t>
           </a:r>
           <a:endParaRPr lang="en-CA" sz="900" kern="1200" dirty="0"/>
         </a:p>
@@ -7059,7 +7115,7 @@
           </a:pPr>
           <a:r>
             <a:rPr lang="en-US" sz="900" kern="1200" dirty="0"/>
-            <a:t>download and initialize the SQL proxy</a:t>
+            <a:t>Download and initialize the SQL proxy.</a:t>
           </a:r>
           <a:endParaRPr lang="en-CA" sz="900" kern="1200" dirty="0"/>
         </a:p>
@@ -7079,13 +7135,13 @@
           </a:pPr>
           <a:r>
             <a:rPr lang="en-CA" sz="900" kern="1200" dirty="0"/>
-            <a:t>Configure settings for RDS</a:t>
+            <a:t>Configure settings for RDS.</a:t>
           </a:r>
         </a:p>
       </dsp:txBody>
       <dsp:txXfrm>
-        <a:off x="360322" y="2602291"/>
-        <a:ext cx="1913826" cy="1123737"/>
+        <a:off x="345283" y="2605776"/>
+        <a:ext cx="1906957" cy="1119704"/>
       </dsp:txXfrm>
     </dsp:sp>
     <dsp:sp modelId="{FFEAD238-735F-47A7-B527-83E9090472C1}">
@@ -7095,8 +7151,8 @@
       </dsp:nvSpPr>
       <dsp:spPr>
         <a:xfrm>
-          <a:off x="1413887" y="3324129"/>
-          <a:ext cx="1550740" cy="1550740"/>
+          <a:off x="1407553" y="3325023"/>
+          <a:ext cx="1545175" cy="1545175"/>
         </a:xfrm>
         <a:prstGeom prst="leftCircularArrow">
           <a:avLst>
@@ -7143,8 +7199,8 @@
       </dsp:nvSpPr>
       <dsp:spPr>
         <a:xfrm>
-          <a:off x="871721" y="3952956"/>
-          <a:ext cx="1540565" cy="612632"/>
+          <a:off x="867332" y="3951594"/>
+          <a:ext cx="1535037" cy="610433"/>
         </a:xfrm>
         <a:prstGeom prst="roundRect">
           <a:avLst>
@@ -7212,8 +7268,8 @@
         </a:p>
       </dsp:txBody>
       <dsp:txXfrm>
-        <a:off x="889664" y="3970899"/>
-        <a:ext cx="1504679" cy="576746"/>
+        <a:off x="885211" y="3969473"/>
+        <a:ext cx="1499279" cy="574675"/>
       </dsp:txXfrm>
     </dsp:sp>
     <dsp:sp modelId="{6A0EB708-BF17-40BD-A091-293B8939B770}">
@@ -7223,8 +7279,8 @@
       </dsp:nvSpPr>
       <dsp:spPr>
         <a:xfrm>
-          <a:off x="2467436" y="2549421"/>
-          <a:ext cx="1555940" cy="1519203"/>
+          <a:off x="2457321" y="2553095"/>
+          <a:ext cx="1550357" cy="1513751"/>
         </a:xfrm>
         <a:prstGeom prst="roundRect">
           <a:avLst>
@@ -7286,7 +7342,7 @@
           </a:pPr>
           <a:r>
             <a:rPr lang="en-CA" sz="1000" i="0" kern="1200" dirty="0"/>
-            <a:t>Read data from DB</a:t>
+            <a:t>Read data from DB.</a:t>
           </a:r>
         </a:p>
         <a:p>
@@ -7305,7 +7361,7 @@
           </a:pPr>
           <a:r>
             <a:rPr lang="en-CA" sz="1000" kern="1200" dirty="0"/>
-            <a:t>Pull tables from DB</a:t>
+            <a:t>Pull tables from DB.</a:t>
           </a:r>
         </a:p>
         <a:p>
@@ -7338,7 +7394,10 @@
             <a:rPr lang="en-CA" sz="1000" kern="1200" dirty="0" err="1"/>
             <a:t>DataFrame</a:t>
           </a:r>
-          <a:endParaRPr lang="en-CA" sz="1000" kern="1200" dirty="0"/>
+          <a:r>
+            <a:rPr lang="en-CA" sz="1000" kern="1200" dirty="0"/>
+            <a:t>.</a:t>
+          </a:r>
         </a:p>
         <a:p>
           <a:pPr marL="57150" lvl="1" indent="-57150" algn="l" defTabSz="444500">
@@ -7362,12 +7421,15 @@
             <a:rPr lang="en-CA" sz="1000" kern="1200" dirty="0" err="1"/>
             <a:t>DataFrame</a:t>
           </a:r>
-          <a:endParaRPr lang="en-CA" sz="1000" kern="1200" dirty="0"/>
+          <a:r>
+            <a:rPr lang="en-CA" sz="1000" kern="1200" dirty="0"/>
+            <a:t>.</a:t>
+          </a:r>
         </a:p>
       </dsp:txBody>
       <dsp:txXfrm>
-        <a:off x="2502397" y="2909925"/>
-        <a:ext cx="1486018" cy="1123737"/>
+        <a:off x="2492157" y="2912307"/>
+        <a:ext cx="1480685" cy="1119704"/>
       </dsp:txXfrm>
     </dsp:sp>
     <dsp:sp modelId="{29D44E95-17B6-4F1F-8ADE-3CE0117F29BA}">
@@ -7377,16 +7439,16 @@
       </dsp:nvSpPr>
       <dsp:spPr>
         <a:xfrm>
-          <a:off x="3248366" y="1587967"/>
-          <a:ext cx="2234547" cy="2234547"/>
+          <a:off x="3233836" y="1588486"/>
+          <a:ext cx="2252861" cy="2252861"/>
         </a:xfrm>
         <a:prstGeom prst="circularArrow">
           <a:avLst>
-            <a:gd name="adj1" fmla="val 2335"/>
-            <a:gd name="adj2" fmla="val 281956"/>
-            <a:gd name="adj3" fmla="val 20007686"/>
-            <a:gd name="adj4" fmla="val 13040663"/>
-            <a:gd name="adj5" fmla="val 2725"/>
+            <a:gd name="adj1" fmla="val 2308"/>
+            <a:gd name="adj2" fmla="val 278485"/>
+            <a:gd name="adj3" fmla="val 20005399"/>
+            <a:gd name="adj4" fmla="val 13034905"/>
+            <a:gd name="adj5" fmla="val 2693"/>
           </a:avLst>
         </a:prstGeom>
         <a:solidFill>
@@ -7425,8 +7487,8 @@
       </dsp:nvSpPr>
       <dsp:spPr>
         <a:xfrm>
-          <a:off x="2752065" y="2061791"/>
-          <a:ext cx="1540565" cy="612632"/>
+          <a:off x="2740928" y="2067215"/>
+          <a:ext cx="1535037" cy="610433"/>
         </a:xfrm>
         <a:prstGeom prst="roundRect">
           <a:avLst>
@@ -7494,8 +7556,8 @@
         </a:p>
       </dsp:txBody>
       <dsp:txXfrm>
-        <a:off x="2770008" y="2079734"/>
-        <a:ext cx="1504679" cy="576746"/>
+        <a:off x="2758807" y="2085094"/>
+        <a:ext cx="1499279" cy="574675"/>
       </dsp:txXfrm>
     </dsp:sp>
     <dsp:sp modelId="{D4643005-3B07-4333-B39F-EFEAC7771BAA}">
@@ -7505,8 +7567,8 @@
       </dsp:nvSpPr>
       <dsp:spPr>
         <a:xfrm>
-          <a:off x="4354011" y="2572733"/>
-          <a:ext cx="2358365" cy="1519203"/>
+          <a:off x="4337126" y="2576324"/>
+          <a:ext cx="2396114" cy="1513751"/>
         </a:xfrm>
         <a:prstGeom prst="roundRect">
           <a:avLst>
@@ -7568,7 +7630,7 @@
           </a:pPr>
           <a:r>
             <a:rPr lang="en-CA" sz="1000" kern="1200" dirty="0"/>
-            <a:t>Categorize into binary categories (binary) / Drop rows with 2 and 4 stars (3-category) / Keep all rows (5-category)</a:t>
+            <a:t>Categorize into binary categories (binary) / Drop rows with 2 and 4 stars (3-category) / Keep all rows (5-category).</a:t>
           </a:r>
         </a:p>
         <a:p>
@@ -7587,7 +7649,7 @@
           </a:pPr>
           <a:r>
             <a:rPr lang="en-CA" sz="1000" kern="1200" dirty="0"/>
-            <a:t>Remove punctuation</a:t>
+            <a:t>Remove punctuation.</a:t>
           </a:r>
         </a:p>
         <a:p>
@@ -7606,7 +7668,7 @@
           </a:pPr>
           <a:r>
             <a:rPr lang="en-CA" sz="1000" kern="1200" dirty="0"/>
-            <a:t>Tokenize data and change to lowercase</a:t>
+            <a:t>Tokenize data and change to lowercase.</a:t>
           </a:r>
         </a:p>
         <a:p>
@@ -7631,25 +7693,9 @@
             <a:rPr lang="en-CA" sz="1000" kern="1200" dirty="0" err="1"/>
             <a:t>stopwords</a:t>
           </a:r>
-          <a:endParaRPr lang="en-CA" sz="1000" kern="1200" dirty="0"/>
-        </a:p>
-        <a:p>
-          <a:pPr marL="57150" lvl="1" indent="-57150" algn="l" defTabSz="444500">
-            <a:lnSpc>
-              <a:spcPct val="90000"/>
-            </a:lnSpc>
-            <a:spcBef>
-              <a:spcPct val="0"/>
-            </a:spcBef>
-            <a:spcAft>
-              <a:spcPct val="15000"/>
-            </a:spcAft>
-            <a:buFont typeface="+mj-lt"/>
-            <a:buAutoNum type="arabicPeriod"/>
-          </a:pPr>
           <a:r>
             <a:rPr lang="en-CA" sz="1000" kern="1200" dirty="0"/>
-            <a:t>Stem and lemmatize remaining words</a:t>
+            <a:t>.</a:t>
           </a:r>
         </a:p>
         <a:p>
@@ -7668,13 +7714,32 @@
           </a:pPr>
           <a:r>
             <a:rPr lang="en-CA" sz="1000" kern="1200" dirty="0"/>
-            <a:t>Add ‘length’ column</a:t>
+            <a:t>Stem and lemmatize remaining words.</a:t>
+          </a:r>
+        </a:p>
+        <a:p>
+          <a:pPr marL="57150" lvl="1" indent="-57150" algn="l" defTabSz="444500">
+            <a:lnSpc>
+              <a:spcPct val="90000"/>
+            </a:lnSpc>
+            <a:spcBef>
+              <a:spcPct val="0"/>
+            </a:spcBef>
+            <a:spcAft>
+              <a:spcPct val="15000"/>
+            </a:spcAft>
+            <a:buFont typeface="+mj-lt"/>
+            <a:buAutoNum type="arabicPeriod"/>
+          </a:pPr>
+          <a:r>
+            <a:rPr lang="en-CA" sz="1000" kern="1200" dirty="0"/>
+            <a:t>Add ‘length’ column.</a:t>
           </a:r>
         </a:p>
       </dsp:txBody>
       <dsp:txXfrm>
-        <a:off x="4388972" y="2607694"/>
-        <a:ext cx="2288443" cy="1123737"/>
+        <a:off x="4371962" y="2611160"/>
+        <a:ext cx="2326442" cy="1119704"/>
       </dsp:txXfrm>
     </dsp:sp>
     <dsp:sp modelId="{7653ECB6-67B7-4855-9BD2-4E4CE71939F8}">
@@ -7684,16 +7749,16 @@
       </dsp:nvSpPr>
       <dsp:spPr>
         <a:xfrm>
-          <a:off x="5727296" y="2699863"/>
-          <a:ext cx="2058390" cy="2403482"/>
+          <a:off x="5728329" y="2683210"/>
+          <a:ext cx="2073659" cy="2421311"/>
         </a:xfrm>
         <a:prstGeom prst="leftCircularArrow">
           <a:avLst>
-            <a:gd name="adj1" fmla="val 2171"/>
-            <a:gd name="adj2" fmla="val 261149"/>
-            <a:gd name="adj3" fmla="val 1709405"/>
-            <a:gd name="adj4" fmla="val 8697235"/>
-            <a:gd name="adj5" fmla="val 2533"/>
+            <a:gd name="adj1" fmla="val 2148"/>
+            <a:gd name="adj2" fmla="val 258155"/>
+            <a:gd name="adj3" fmla="val 1710172"/>
+            <a:gd name="adj4" fmla="val 8700995"/>
+            <a:gd name="adj5" fmla="val 2505"/>
           </a:avLst>
         </a:prstGeom>
         <a:solidFill>
@@ -7732,8 +7797,8 @@
       </dsp:nvSpPr>
       <dsp:spPr>
         <a:xfrm>
-          <a:off x="5092717" y="3946591"/>
-          <a:ext cx="1540565" cy="612632"/>
+          <a:off x="5096288" y="3945251"/>
+          <a:ext cx="1535037" cy="610433"/>
         </a:xfrm>
         <a:prstGeom prst="roundRect">
           <a:avLst>
@@ -7800,8 +7865,8 @@
         </a:p>
       </dsp:txBody>
       <dsp:txXfrm>
-        <a:off x="5110660" y="3964534"/>
-        <a:ext cx="1504679" cy="576746"/>
+        <a:off x="5114167" y="3963130"/>
+        <a:ext cx="1499279" cy="574675"/>
       </dsp:txXfrm>
     </dsp:sp>
     <dsp:sp modelId="{F3B7B9E5-0788-4163-BD1D-3DEDCE2D6B32}">
@@ -7811,8 +7876,8 @@
       </dsp:nvSpPr>
       <dsp:spPr>
         <a:xfrm>
-          <a:off x="6949351" y="2588617"/>
-          <a:ext cx="2543620" cy="1519203"/>
+          <a:off x="6969365" y="2592151"/>
+          <a:ext cx="2534492" cy="1513751"/>
         </a:xfrm>
         <a:prstGeom prst="roundRect">
           <a:avLst>
@@ -7880,7 +7945,10 @@
             <a:rPr lang="en-CA" sz="900" kern="1200" dirty="0" err="1"/>
             <a:t>DataFrame</a:t>
           </a:r>
-          <a:endParaRPr lang="en-CA" sz="900" kern="1200" dirty="0"/>
+          <a:r>
+            <a:rPr lang="en-CA" sz="900" kern="1200" dirty="0"/>
+            <a:t>.</a:t>
+          </a:r>
         </a:p>
         <a:p>
           <a:pPr marL="57150" lvl="1" indent="-57150" algn="l" defTabSz="400050">
@@ -7912,107 +7980,10 @@
             <a:rPr lang="en-CA" sz="900" kern="1200" dirty="0" err="1"/>
             <a:t>DataFrame</a:t>
           </a:r>
-          <a:endParaRPr lang="en-CA" sz="900" kern="1200" dirty="0"/>
-        </a:p>
-        <a:p>
-          <a:pPr marL="57150" lvl="1" indent="-57150" algn="l" defTabSz="400050">
-            <a:lnSpc>
-              <a:spcPct val="90000"/>
-            </a:lnSpc>
-            <a:spcBef>
-              <a:spcPct val="0"/>
-            </a:spcBef>
-            <a:spcAft>
-              <a:spcPct val="15000"/>
-            </a:spcAft>
-            <a:buFont typeface="+mj-lt"/>
-            <a:buAutoNum type="arabicPeriod"/>
-          </a:pPr>
           <a:r>
-            <a:rPr lang="en-CA" sz="900" kern="1200"/>
-            <a:t>Create star values list (array) column</a:t>
+            <a:rPr lang="en-CA" sz="900" kern="1200" dirty="0"/>
+            <a:t>.</a:t>
           </a:r>
-          <a:endParaRPr lang="en-CA" sz="900" kern="1200" dirty="0"/>
-        </a:p>
-        <a:p>
-          <a:pPr marL="57150" lvl="1" indent="-57150" algn="l" defTabSz="400050">
-            <a:lnSpc>
-              <a:spcPct val="90000"/>
-            </a:lnSpc>
-            <a:spcBef>
-              <a:spcPct val="0"/>
-            </a:spcBef>
-            <a:spcAft>
-              <a:spcPct val="15000"/>
-            </a:spcAft>
-            <a:buFont typeface="+mj-lt"/>
-            <a:buAutoNum type="arabicPeriod"/>
-          </a:pPr>
-          <a:r>
-            <a:rPr lang="en-CA" sz="900" kern="1200"/>
-            <a:t>Initialize Count Vectorizer and create a vector model</a:t>
-          </a:r>
-          <a:endParaRPr lang="en-CA" sz="900" kern="1200" dirty="0"/>
-        </a:p>
-        <a:p>
-          <a:pPr marL="57150" lvl="1" indent="-57150" algn="l" defTabSz="400050">
-            <a:lnSpc>
-              <a:spcPct val="90000"/>
-            </a:lnSpc>
-            <a:spcBef>
-              <a:spcPct val="0"/>
-            </a:spcBef>
-            <a:spcAft>
-              <a:spcPct val="15000"/>
-            </a:spcAft>
-            <a:buFont typeface="+mj-lt"/>
-            <a:buAutoNum type="arabicPeriod"/>
-          </a:pPr>
-          <a:r>
-            <a:rPr lang="en-CA" sz="900" kern="1200"/>
-            <a:t>One hot encode the vector model as column to the DataFrame</a:t>
-          </a:r>
-          <a:endParaRPr lang="en-CA" sz="900" kern="1200" dirty="0"/>
-        </a:p>
-        <a:p>
-          <a:pPr marL="57150" lvl="1" indent="-57150" algn="l" defTabSz="400050">
-            <a:lnSpc>
-              <a:spcPct val="90000"/>
-            </a:lnSpc>
-            <a:spcBef>
-              <a:spcPct val="0"/>
-            </a:spcBef>
-            <a:spcAft>
-              <a:spcPct val="15000"/>
-            </a:spcAft>
-            <a:buFont typeface="+mj-lt"/>
-            <a:buAutoNum type="arabicPeriod"/>
-          </a:pPr>
-          <a:r>
-            <a:rPr lang="en-CA" sz="900" kern="1200"/>
-            <a:t>Create all features and feature vector</a:t>
-          </a:r>
-          <a:endParaRPr lang="en-CA" sz="900" kern="1200" dirty="0"/>
-        </a:p>
-        <a:p>
-          <a:pPr marL="57150" lvl="1" indent="-57150" algn="l" defTabSz="400050">
-            <a:lnSpc>
-              <a:spcPct val="90000"/>
-            </a:lnSpc>
-            <a:spcBef>
-              <a:spcPct val="0"/>
-            </a:spcBef>
-            <a:spcAft>
-              <a:spcPct val="15000"/>
-            </a:spcAft>
-            <a:buFont typeface="+mj-lt"/>
-            <a:buAutoNum type="arabicPeriod"/>
-          </a:pPr>
-          <a:r>
-            <a:rPr lang="en-CA" sz="900" kern="1200"/>
-            <a:t>Create and run data processing pipeline</a:t>
-          </a:r>
-          <a:endParaRPr lang="en-CA" sz="900" kern="1200" dirty="0"/>
         </a:p>
         <a:p>
           <a:pPr marL="57150" lvl="1" indent="-57150" algn="l" defTabSz="400050">
@@ -8030,13 +8001,116 @@
           </a:pPr>
           <a:r>
             <a:rPr lang="en-CA" sz="900" kern="1200" dirty="0"/>
-            <a:t>Fit and transform pipeline</a:t>
+            <a:t>Create star values list (array) column.</a:t>
+          </a:r>
+        </a:p>
+        <a:p>
+          <a:pPr marL="57150" lvl="1" indent="-57150" algn="l" defTabSz="400050">
+            <a:lnSpc>
+              <a:spcPct val="90000"/>
+            </a:lnSpc>
+            <a:spcBef>
+              <a:spcPct val="0"/>
+            </a:spcBef>
+            <a:spcAft>
+              <a:spcPct val="15000"/>
+            </a:spcAft>
+            <a:buFont typeface="+mj-lt"/>
+            <a:buAutoNum type="arabicPeriod"/>
+          </a:pPr>
+          <a:r>
+            <a:rPr lang="en-CA" sz="900" kern="1200" dirty="0"/>
+            <a:t>Initialize Count Vectorizer and create a vector model</a:t>
+          </a:r>
+        </a:p>
+        <a:p>
+          <a:pPr marL="57150" lvl="1" indent="-57150" algn="l" defTabSz="400050">
+            <a:lnSpc>
+              <a:spcPct val="90000"/>
+            </a:lnSpc>
+            <a:spcBef>
+              <a:spcPct val="0"/>
+            </a:spcBef>
+            <a:spcAft>
+              <a:spcPct val="15000"/>
+            </a:spcAft>
+            <a:buFont typeface="+mj-lt"/>
+            <a:buAutoNum type="arabicPeriod"/>
+          </a:pPr>
+          <a:r>
+            <a:rPr lang="en-CA" sz="900" kern="1200" dirty="0"/>
+            <a:t>One hot encode the vector model as column to the </a:t>
+          </a:r>
+          <a:r>
+            <a:rPr lang="en-CA" sz="900" kern="1200" dirty="0" err="1"/>
+            <a:t>DataFrame</a:t>
+          </a:r>
+          <a:r>
+            <a:rPr lang="en-CA" sz="900" kern="1200" dirty="0"/>
+            <a:t>.</a:t>
+          </a:r>
+        </a:p>
+        <a:p>
+          <a:pPr marL="57150" lvl="1" indent="-57150" algn="l" defTabSz="400050">
+            <a:lnSpc>
+              <a:spcPct val="90000"/>
+            </a:lnSpc>
+            <a:spcBef>
+              <a:spcPct val="0"/>
+            </a:spcBef>
+            <a:spcAft>
+              <a:spcPct val="15000"/>
+            </a:spcAft>
+            <a:buFont typeface="+mj-lt"/>
+            <a:buAutoNum type="arabicPeriod"/>
+          </a:pPr>
+          <a:r>
+            <a:rPr lang="en-CA" sz="900" kern="1200" dirty="0"/>
+            <a:t>Create all features and feature vector.</a:t>
+          </a:r>
+        </a:p>
+        <a:p>
+          <a:pPr marL="57150" lvl="1" indent="-57150" algn="l" defTabSz="400050">
+            <a:lnSpc>
+              <a:spcPct val="90000"/>
+            </a:lnSpc>
+            <a:spcBef>
+              <a:spcPct val="0"/>
+            </a:spcBef>
+            <a:spcAft>
+              <a:spcPct val="15000"/>
+            </a:spcAft>
+            <a:buFont typeface="+mj-lt"/>
+            <a:buAutoNum type="arabicPeriod"/>
+          </a:pPr>
+          <a:r>
+            <a:rPr lang="en-CA" sz="900" kern="1200" dirty="0"/>
+            <a:t>Create and run data processing pipeline.</a:t>
+          </a:r>
+        </a:p>
+        <a:p>
+          <a:pPr marL="57150" lvl="1" indent="-57150" algn="l" defTabSz="400050">
+            <a:lnSpc>
+              <a:spcPct val="90000"/>
+            </a:lnSpc>
+            <a:spcBef>
+              <a:spcPct val="0"/>
+            </a:spcBef>
+            <a:spcAft>
+              <a:spcPct val="15000"/>
+            </a:spcAft>
+            <a:buFont typeface="+mj-lt"/>
+            <a:buAutoNum type="arabicPeriod"/>
+          </a:pPr>
+          <a:r>
+            <a:rPr lang="en-CA" sz="900" kern="1200" dirty="0"/>
+            <a:t>Fit and transform pipeline.</a:t>
           </a:r>
         </a:p>
       </dsp:txBody>
       <dsp:txXfrm>
-        <a:off x="6984312" y="2949122"/>
-        <a:ext cx="2473698" cy="1123737"/>
+        <a:off x="7004201" y="2951362"/>
+        <a:ext cx="2464820" cy="1119704"/>
       </dsp:txXfrm>
     </dsp:sp>
     <dsp:sp modelId="{1B57AD0B-ED91-43E0-BCEB-BCFE3AF74457}">
@@ -8046,8 +8120,8 @@
       </dsp:nvSpPr>
       <dsp:spPr>
         <a:xfrm>
-          <a:off x="8641747" y="1649573"/>
-          <a:ext cx="2171791" cy="2171791"/>
+          <a:off x="8655688" y="1656476"/>
+          <a:ext cx="2163998" cy="2163998"/>
         </a:xfrm>
         <a:prstGeom prst="circularArrow">
           <a:avLst>
@@ -8094,8 +8168,8 @@
       </dsp:nvSpPr>
       <dsp:spPr>
         <a:xfrm>
-          <a:off x="8127406" y="2126565"/>
-          <a:ext cx="1540565" cy="612632"/>
+          <a:off x="8143193" y="2131757"/>
+          <a:ext cx="1535037" cy="610433"/>
         </a:xfrm>
         <a:prstGeom prst="roundRect">
           <a:avLst>
@@ -8162,8 +8236,8 @@
         </a:p>
       </dsp:txBody>
       <dsp:txXfrm>
-        <a:off x="8145349" y="2144508"/>
-        <a:ext cx="1504679" cy="576746"/>
+        <a:off x="8161072" y="2149636"/>
+        <a:ext cx="1499279" cy="574675"/>
       </dsp:txXfrm>
     </dsp:sp>
     <dsp:sp modelId="{B70387AF-3C9B-4E09-B2A1-3CDB21B2816D}">
@@ -8173,8 +8247,8 @@
       </dsp:nvSpPr>
       <dsp:spPr>
         <a:xfrm>
-          <a:off x="9711800" y="2596720"/>
-          <a:ext cx="2293788" cy="1519203"/>
+          <a:off x="9721901" y="2600224"/>
+          <a:ext cx="2285557" cy="1513751"/>
         </a:xfrm>
         <a:prstGeom prst="roundRect">
           <a:avLst>
@@ -8236,7 +8310,7 @@
           </a:pPr>
           <a:r>
             <a:rPr lang="en-CA" sz="900" kern="1200" dirty="0"/>
-            <a:t>Drop intermediate columns so ‘features’ and ‘labels’ are only ones</a:t>
+            <a:t>Drop intermediate columns so ‘features’ and ‘labels’ are only ones.</a:t>
           </a:r>
         </a:p>
         <a:p>
@@ -8255,7 +8329,7 @@
           </a:pPr>
           <a:r>
             <a:rPr lang="en-CA" sz="900" kern="1200" dirty="0"/>
-            <a:t>Change data type of ‘label’ (stars) to int</a:t>
+            <a:t>Change data type of ‘label’ (stars) to int.</a:t>
           </a:r>
         </a:p>
         <a:p>
@@ -8274,7 +8348,7 @@
           </a:pPr>
           <a:r>
             <a:rPr lang="en-CA" sz="900" kern="1200" dirty="0"/>
-            <a:t>Split data into training and testing sets</a:t>
+            <a:t>Split data into training and testing sets.</a:t>
           </a:r>
         </a:p>
         <a:p>
@@ -8293,7 +8367,7 @@
           </a:pPr>
           <a:r>
             <a:rPr lang="en-CA" sz="900" kern="1200" dirty="0"/>
-            <a:t> (Naïve Bayes / Logistic Regression): Create model and fit training data / (Neural Net): Specify layers, create and train model</a:t>
+            <a:t> (Naïve Bayes / Logistic Regression): Create model and fit training data / (Neural Net): Specify layers, create and train model.</a:t>
           </a:r>
         </a:p>
         <a:p>
@@ -8312,13 +8386,13 @@
           </a:pPr>
           <a:r>
             <a:rPr lang="en-CA" sz="900" kern="1200" dirty="0"/>
-            <a:t>Display accuracy of model prediction of rating</a:t>
+            <a:t>Display accuracy of model prediction of rating.</a:t>
           </a:r>
         </a:p>
       </dsp:txBody>
       <dsp:txXfrm>
-        <a:off x="9746761" y="2631681"/>
-        <a:ext cx="2223866" cy="1123737"/>
+        <a:off x="9756737" y="2635060"/>
+        <a:ext cx="2215885" cy="1119704"/>
       </dsp:txXfrm>
     </dsp:sp>
     <dsp:sp modelId="{1AACCFC4-407A-41E6-960F-0CCFFD36C6D3}">
@@ -8328,8 +8402,8 @@
       </dsp:nvSpPr>
       <dsp:spPr>
         <a:xfrm>
-          <a:off x="10473418" y="3800864"/>
-          <a:ext cx="1540565" cy="612632"/>
+          <a:off x="10480786" y="3800047"/>
+          <a:ext cx="1535037" cy="610433"/>
         </a:xfrm>
         <a:prstGeom prst="roundRect">
           <a:avLst>
@@ -8396,8 +8470,8 @@
         </a:p>
       </dsp:txBody>
       <dsp:txXfrm>
-        <a:off x="10491361" y="3818807"/>
-        <a:ext cx="1504679" cy="576746"/>
+        <a:off x="10498665" y="3817926"/>
+        <a:ext cx="1499279" cy="574675"/>
       </dsp:txXfrm>
     </dsp:sp>
   </dsp:spTree>
@@ -12640,7 +12714,7 @@
           <a:p>
             <a:fld id="{FE07523A-9918-4474-B554-9AB7DCF0E552}" type="datetimeFigureOut">
               <a:rPr lang="en-CA" smtClean="0"/>
-              <a:t>2020-07-30</a:t>
+              <a:t>2020-08-01</a:t>
             </a:fld>
             <a:endParaRPr lang="en-CA"/>
           </a:p>
@@ -13306,63 +13380,15 @@
             </a:r>
           </a:p>
           <a:p>
-            <a:r>
-              <a:rPr lang="en-CA" sz="1200" kern="1200" dirty="0">
-                <a:solidFill>
-                  <a:schemeClr val="tx1"/>
-                </a:solidFill>
-                <a:effectLst/>
-                <a:latin typeface="+mn-lt"/>
-                <a:ea typeface="+mn-ea"/>
-                <a:cs typeface="+mn-cs"/>
-              </a:rPr>
-              <a:t> </a:t>
-            </a:r>
-          </a:p>
-          <a:p>
-            <a:r>
-              <a:rPr lang="en-CA" sz="1200" kern="1200" dirty="0">
-                <a:solidFill>
-                  <a:schemeClr val="tx1"/>
-                </a:solidFill>
-                <a:effectLst/>
-                <a:latin typeface="+mn-lt"/>
-                <a:ea typeface="+mn-ea"/>
-                <a:cs typeface="+mn-cs"/>
-              </a:rPr>
-              <a:t>Unfortunately, the resampled data showed similar patterns to those observed in the sample dataset.</a:t>
-            </a:r>
-          </a:p>
-          <a:p>
-            <a:r>
-              <a:rPr lang="en-CA" sz="1200" kern="1200" dirty="0">
-                <a:solidFill>
-                  <a:schemeClr val="tx1"/>
-                </a:solidFill>
-                <a:effectLst/>
-                <a:latin typeface="+mn-lt"/>
-                <a:ea typeface="+mn-ea"/>
-                <a:cs typeface="+mn-cs"/>
-              </a:rPr>
-              <a:t> </a:t>
-            </a:r>
-          </a:p>
-          <a:p>
-            <a:r>
-              <a:rPr lang="en-CA" sz="1200" kern="1200" dirty="0">
-                <a:solidFill>
-                  <a:schemeClr val="tx1"/>
-                </a:solidFill>
-                <a:effectLst/>
-                <a:latin typeface="+mn-lt"/>
-                <a:ea typeface="+mn-ea"/>
-                <a:cs typeface="+mn-cs"/>
-              </a:rPr>
-              <a:t>We concluded that star rating does not seem to influence any of the factors considered in such a profound way. At a higher level, this demonstrates the need for NLP analysis to predict sentiment.</a:t>
-            </a:r>
-          </a:p>
-          <a:p>
-            <a:endParaRPr lang="en-CA" dirty="0"/>
+            <a:endParaRPr lang="en-CA" sz="1200" kern="1200" dirty="0">
+              <a:solidFill>
+                <a:schemeClr val="tx1"/>
+              </a:solidFill>
+              <a:effectLst/>
+              <a:latin typeface="+mn-lt"/>
+              <a:ea typeface="+mn-ea"/>
+              <a:cs typeface="+mn-cs"/>
+            </a:endParaRPr>
           </a:p>
         </p:txBody>
       </p:sp>
@@ -13456,114 +13482,6 @@
                 <a:ea typeface="+mn-ea"/>
                 <a:cs typeface="+mn-cs"/>
               </a:rPr>
-              <a:t>Using the sample dataset, the exploratory analysis and plotting revealed that there was an uneven distribution of reviews across the different star ratings, with most of the set being 4 and 5-star reviews. Despite the imbalance, we created various plots that looked at review text length, useful votes, cool votes, and funny votes to see if there were patterns that could be observed on the basis of star rating.</a:t>
-            </a:r>
-          </a:p>
-          <a:p>
-            <a:r>
-              <a:rPr lang="en-CA" sz="1200" kern="1200" dirty="0">
-                <a:solidFill>
-                  <a:schemeClr val="tx1"/>
-                </a:solidFill>
-                <a:effectLst/>
-                <a:latin typeface="+mn-lt"/>
-                <a:ea typeface="+mn-ea"/>
-                <a:cs typeface="+mn-cs"/>
-              </a:rPr>
-              <a:t> </a:t>
-            </a:r>
-          </a:p>
-          <a:p>
-            <a:r>
-              <a:rPr lang="en-CA" sz="1200" kern="1200" dirty="0">
-                <a:solidFill>
-                  <a:schemeClr val="tx1"/>
-                </a:solidFill>
-                <a:effectLst/>
-                <a:latin typeface="+mn-lt"/>
-                <a:ea typeface="+mn-ea"/>
-                <a:cs typeface="+mn-cs"/>
-              </a:rPr>
-              <a:t>We discovered immediately that there did not appear to be much variation between a 1-star review and a 5-star review across all metrics.</a:t>
-            </a:r>
-          </a:p>
-          <a:p>
-            <a:r>
-              <a:rPr lang="en-CA" sz="1200" kern="1200" dirty="0">
-                <a:solidFill>
-                  <a:schemeClr val="tx1"/>
-                </a:solidFill>
-                <a:effectLst/>
-                <a:latin typeface="+mn-lt"/>
-                <a:ea typeface="+mn-ea"/>
-                <a:cs typeface="+mn-cs"/>
-              </a:rPr>
-              <a:t> </a:t>
-            </a:r>
-          </a:p>
-          <a:p>
-            <a:r>
-              <a:rPr lang="en-CA" sz="1200" kern="1200" dirty="0">
-                <a:solidFill>
-                  <a:schemeClr val="tx1"/>
-                </a:solidFill>
-                <a:effectLst/>
-                <a:latin typeface="+mn-lt"/>
-                <a:ea typeface="+mn-ea"/>
-                <a:cs typeface="+mn-cs"/>
-              </a:rPr>
-              <a:t>In hopes of discovering more compelling patterns that might exist, we decided to draw from the larger dataset to see if this would make a difference. Based on the technical limitations of </a:t>
-            </a:r>
-            <a:r>
-              <a:rPr lang="en-CA" sz="1200" kern="1200" dirty="0" err="1">
-                <a:solidFill>
-                  <a:schemeClr val="tx1"/>
-                </a:solidFill>
-                <a:effectLst/>
-                <a:latin typeface="+mn-lt"/>
-                <a:ea typeface="+mn-ea"/>
-                <a:cs typeface="+mn-cs"/>
-              </a:rPr>
-              <a:t>Colab</a:t>
-            </a:r>
-            <a:r>
-              <a:rPr lang="en-CA" sz="1200" kern="1200" dirty="0">
-                <a:solidFill>
-                  <a:schemeClr val="tx1"/>
-                </a:solidFill>
-                <a:effectLst/>
-                <a:latin typeface="+mn-lt"/>
-                <a:ea typeface="+mn-ea"/>
-                <a:cs typeface="+mn-cs"/>
-              </a:rPr>
-              <a:t>, we realised that sampling more than 10 thousand rows would not be possible, so we decided to sample 10 thousand rows, ensuring equal representation from each star rating.</a:t>
-            </a:r>
-          </a:p>
-          <a:p>
-            <a:r>
-              <a:rPr lang="en-CA" sz="1200" kern="1200" dirty="0">
-                <a:solidFill>
-                  <a:schemeClr val="tx1"/>
-                </a:solidFill>
-                <a:effectLst/>
-                <a:latin typeface="+mn-lt"/>
-                <a:ea typeface="+mn-ea"/>
-                <a:cs typeface="+mn-cs"/>
-              </a:rPr>
-              <a:t> </a:t>
-            </a:r>
-          </a:p>
-          <a:p>
-            <a:r>
-              <a:rPr lang="en-CA" sz="1200" kern="1200" dirty="0">
-                <a:solidFill>
-                  <a:schemeClr val="tx1"/>
-                </a:solidFill>
-                <a:effectLst/>
-                <a:latin typeface="+mn-lt"/>
-                <a:ea typeface="+mn-ea"/>
-                <a:cs typeface="+mn-cs"/>
-              </a:rPr>
               <a:t>Unfortunately, the resampled data showed similar patterns to those observed in the sample dataset.</a:t>
             </a:r>
           </a:p>
@@ -13690,114 +13608,6 @@
                 <a:ea typeface="+mn-ea"/>
                 <a:cs typeface="+mn-cs"/>
               </a:rPr>
-              <a:t>Using the sample dataset, the exploratory analysis and plotting revealed that there was an uneven distribution of reviews across the different star ratings, with most of the set being 4 and 5-star reviews. Despite the imbalance, we created various plots that looked at review text length, useful votes, cool votes, and funny votes to see if there were patterns that could be observed on the basis of star rating.</a:t>
-            </a:r>
-          </a:p>
-          <a:p>
-            <a:r>
-              <a:rPr lang="en-CA" sz="1200" kern="1200" dirty="0">
-                <a:solidFill>
-                  <a:schemeClr val="tx1"/>
-                </a:solidFill>
-                <a:effectLst/>
-                <a:latin typeface="+mn-lt"/>
-                <a:ea typeface="+mn-ea"/>
-                <a:cs typeface="+mn-cs"/>
-              </a:rPr>
-              <a:t> </a:t>
-            </a:r>
-          </a:p>
-          <a:p>
-            <a:r>
-              <a:rPr lang="en-CA" sz="1200" kern="1200" dirty="0">
-                <a:solidFill>
-                  <a:schemeClr val="tx1"/>
-                </a:solidFill>
-                <a:effectLst/>
-                <a:latin typeface="+mn-lt"/>
-                <a:ea typeface="+mn-ea"/>
-                <a:cs typeface="+mn-cs"/>
-              </a:rPr>
-              <a:t>We discovered immediately that there did not appear to be much variation between a 1-star review and a 5-star review across all metrics.</a:t>
-            </a:r>
-          </a:p>
-          <a:p>
-            <a:r>
-              <a:rPr lang="en-CA" sz="1200" kern="1200" dirty="0">
-                <a:solidFill>
-                  <a:schemeClr val="tx1"/>
-                </a:solidFill>
-                <a:effectLst/>
-                <a:latin typeface="+mn-lt"/>
-                <a:ea typeface="+mn-ea"/>
-                <a:cs typeface="+mn-cs"/>
-              </a:rPr>
-              <a:t> </a:t>
-            </a:r>
-          </a:p>
-          <a:p>
-            <a:r>
-              <a:rPr lang="en-CA" sz="1200" kern="1200" dirty="0">
-                <a:solidFill>
-                  <a:schemeClr val="tx1"/>
-                </a:solidFill>
-                <a:effectLst/>
-                <a:latin typeface="+mn-lt"/>
-                <a:ea typeface="+mn-ea"/>
-                <a:cs typeface="+mn-cs"/>
-              </a:rPr>
-              <a:t>In hopes of discovering more compelling patterns that might exist, we decided to draw from the larger dataset to see if this would make a difference. Based on the technical limitations of </a:t>
-            </a:r>
-            <a:r>
-              <a:rPr lang="en-CA" sz="1200" kern="1200" dirty="0" err="1">
-                <a:solidFill>
-                  <a:schemeClr val="tx1"/>
-                </a:solidFill>
-                <a:effectLst/>
-                <a:latin typeface="+mn-lt"/>
-                <a:ea typeface="+mn-ea"/>
-                <a:cs typeface="+mn-cs"/>
-              </a:rPr>
-              <a:t>Colab</a:t>
-            </a:r>
-            <a:r>
-              <a:rPr lang="en-CA" sz="1200" kern="1200" dirty="0">
-                <a:solidFill>
-                  <a:schemeClr val="tx1"/>
-                </a:solidFill>
-                <a:effectLst/>
-                <a:latin typeface="+mn-lt"/>
-                <a:ea typeface="+mn-ea"/>
-                <a:cs typeface="+mn-cs"/>
-              </a:rPr>
-              <a:t>, we realised that sampling more than 10 thousand rows would not be possible, so we decided to sample 10 thousand rows, ensuring equal representation from each star rating.</a:t>
-            </a:r>
-          </a:p>
-          <a:p>
-            <a:r>
-              <a:rPr lang="en-CA" sz="1200" kern="1200" dirty="0">
-                <a:solidFill>
-                  <a:schemeClr val="tx1"/>
-                </a:solidFill>
-                <a:effectLst/>
-                <a:latin typeface="+mn-lt"/>
-                <a:ea typeface="+mn-ea"/>
-                <a:cs typeface="+mn-cs"/>
-              </a:rPr>
-              <a:t> </a:t>
-            </a:r>
-          </a:p>
-          <a:p>
-            <a:r>
-              <a:rPr lang="en-CA" sz="1200" kern="1200" dirty="0">
-                <a:solidFill>
-                  <a:schemeClr val="tx1"/>
-                </a:solidFill>
-                <a:effectLst/>
-                <a:latin typeface="+mn-lt"/>
-                <a:ea typeface="+mn-ea"/>
-                <a:cs typeface="+mn-cs"/>
-              </a:rPr>
               <a:t>Unfortunately, the resampled data showed similar patterns to those observed in the sample dataset.</a:t>
             </a:r>
           </a:p>
@@ -13924,114 +13734,6 @@
                 <a:ea typeface="+mn-ea"/>
                 <a:cs typeface="+mn-cs"/>
               </a:rPr>
-              <a:t>Using the sample dataset, the exploratory analysis and plotting revealed that there was an uneven distribution of reviews across the different star ratings, with most of the set being 4 and 5-star reviews. Despite the imbalance, we created various plots that looked at review text length, useful votes, cool votes, and funny votes to see if there were patterns that could be observed on the basis of star rating.</a:t>
-            </a:r>
-          </a:p>
-          <a:p>
-            <a:r>
-              <a:rPr lang="en-CA" sz="1200" kern="1200" dirty="0">
-                <a:solidFill>
-                  <a:schemeClr val="tx1"/>
-                </a:solidFill>
-                <a:effectLst/>
-                <a:latin typeface="+mn-lt"/>
-                <a:ea typeface="+mn-ea"/>
-                <a:cs typeface="+mn-cs"/>
-              </a:rPr>
-              <a:t> </a:t>
-            </a:r>
-          </a:p>
-          <a:p>
-            <a:r>
-              <a:rPr lang="en-CA" sz="1200" kern="1200" dirty="0">
-                <a:solidFill>
-                  <a:schemeClr val="tx1"/>
-                </a:solidFill>
-                <a:effectLst/>
-                <a:latin typeface="+mn-lt"/>
-                <a:ea typeface="+mn-ea"/>
-                <a:cs typeface="+mn-cs"/>
-              </a:rPr>
-              <a:t>We discovered immediately that there did not appear to be much variation between a 1-star review and a 5-star review across all metrics.</a:t>
-            </a:r>
-          </a:p>
-          <a:p>
-            <a:r>
-              <a:rPr lang="en-CA" sz="1200" kern="1200" dirty="0">
-                <a:solidFill>
-                  <a:schemeClr val="tx1"/>
-                </a:solidFill>
-                <a:effectLst/>
-                <a:latin typeface="+mn-lt"/>
-                <a:ea typeface="+mn-ea"/>
-                <a:cs typeface="+mn-cs"/>
-              </a:rPr>
-              <a:t> </a:t>
-            </a:r>
-          </a:p>
-          <a:p>
-            <a:r>
-              <a:rPr lang="en-CA" sz="1200" kern="1200" dirty="0">
-                <a:solidFill>
-                  <a:schemeClr val="tx1"/>
-                </a:solidFill>
-                <a:effectLst/>
-                <a:latin typeface="+mn-lt"/>
-                <a:ea typeface="+mn-ea"/>
-                <a:cs typeface="+mn-cs"/>
-              </a:rPr>
-              <a:t>In hopes of discovering more compelling patterns that might exist, we decided to draw from the larger dataset to see if this would make a difference. Based on the technical limitations of </a:t>
-            </a:r>
-            <a:r>
-              <a:rPr lang="en-CA" sz="1200" kern="1200" dirty="0" err="1">
-                <a:solidFill>
-                  <a:schemeClr val="tx1"/>
-                </a:solidFill>
-                <a:effectLst/>
-                <a:latin typeface="+mn-lt"/>
-                <a:ea typeface="+mn-ea"/>
-                <a:cs typeface="+mn-cs"/>
-              </a:rPr>
-              <a:t>Colab</a:t>
-            </a:r>
-            <a:r>
-              <a:rPr lang="en-CA" sz="1200" kern="1200" dirty="0">
-                <a:solidFill>
-                  <a:schemeClr val="tx1"/>
-                </a:solidFill>
-                <a:effectLst/>
-                <a:latin typeface="+mn-lt"/>
-                <a:ea typeface="+mn-ea"/>
-                <a:cs typeface="+mn-cs"/>
-              </a:rPr>
-              <a:t>, we realised that sampling more than 10 thousand rows would not be possible, so we decided to sample 10 thousand rows, ensuring equal representation from each star rating.</a:t>
-            </a:r>
-          </a:p>
-          <a:p>
-            <a:r>
-              <a:rPr lang="en-CA" sz="1200" kern="1200" dirty="0">
-                <a:solidFill>
-                  <a:schemeClr val="tx1"/>
-                </a:solidFill>
-                <a:effectLst/>
-                <a:latin typeface="+mn-lt"/>
-                <a:ea typeface="+mn-ea"/>
-                <a:cs typeface="+mn-cs"/>
-              </a:rPr>
-              <a:t> </a:t>
-            </a:r>
-          </a:p>
-          <a:p>
-            <a:r>
-              <a:rPr lang="en-CA" sz="1200" kern="1200" dirty="0">
-                <a:solidFill>
-                  <a:schemeClr val="tx1"/>
-                </a:solidFill>
-                <a:effectLst/>
-                <a:latin typeface="+mn-lt"/>
-                <a:ea typeface="+mn-ea"/>
-                <a:cs typeface="+mn-cs"/>
-              </a:rPr>
               <a:t>Unfortunately, the resampled data showed similar patterns to those observed in the sample dataset.</a:t>
             </a:r>
           </a:p>
@@ -14288,7 +13990,7 @@
                 <a:ea typeface="+mn-ea"/>
                 <a:cs typeface="+mn-cs"/>
               </a:rPr>
-              <a:t>Originally, we'd hoped to build a model for predicting the exact number of stars based on NLP machine learning; however, we opted to include binary classification as well as multiclass categories where there are 3 classes in addition to 5 classes. The decision to include binary and 3-category classification was due to the model predictions were initially quite low in terms of accuracy when predicting the exact number of stars.</a:t>
+              <a:t>Detailed process is explained in the boxes above; </a:t>
             </a:r>
             <a:endParaRPr lang="en-CA" dirty="0"/>
           </a:p>
@@ -14321,6 +14023,93 @@
     <p:extLst>
       <p:ext uri="{BB962C8B-B14F-4D97-AF65-F5344CB8AC3E}">
         <p14:creationId xmlns:p14="http://schemas.microsoft.com/office/powerpoint/2010/main" val="89144666"/>
+      </p:ext>
+    </p:extLst>
+  </p:cSld>
+  <p:clrMapOvr>
+    <a:masterClrMapping/>
+  </p:clrMapOvr>
+</p:notes>
+</file>
+
+<file path=ppt/notesSlides/notesSlide9.xml><?xml version="1.0" encoding="utf-8"?>
+<p:notes xmlns:a="http://schemas.openxmlformats.org/drawingml/2006/main" xmlns:r="http://schemas.openxmlformats.org/officeDocument/2006/relationships" xmlns:p="http://schemas.openxmlformats.org/presentationml/2006/main">
+  <p:cSld>
+    <p:spTree>
+      <p:nvGrpSpPr>
+        <p:cNvPr id="1" name=""/>
+        <p:cNvGrpSpPr/>
+        <p:nvPr/>
+      </p:nvGrpSpPr>
+      <p:grpSpPr>
+        <a:xfrm>
+          <a:off x="0" y="0"/>
+          <a:ext cx="0" cy="0"/>
+          <a:chOff x="0" y="0"/>
+          <a:chExt cx="0" cy="0"/>
+        </a:xfrm>
+      </p:grpSpPr>
+      <p:sp>
+        <p:nvSpPr>
+          <p:cNvPr id="2" name="Slide Image Placeholder 1"/>
+          <p:cNvSpPr>
+            <a:spLocks noGrp="1" noRot="1" noChangeAspect="1"/>
+          </p:cNvSpPr>
+          <p:nvPr>
+            <p:ph type="sldImg"/>
+          </p:nvPr>
+        </p:nvSpPr>
+        <p:spPr/>
+      </p:sp>
+      <p:sp>
+        <p:nvSpPr>
+          <p:cNvPr id="3" name="Notes Placeholder 2"/>
+          <p:cNvSpPr>
+            <a:spLocks noGrp="1"/>
+          </p:cNvSpPr>
+          <p:nvPr>
+            <p:ph type="body" idx="1"/>
+          </p:nvPr>
+        </p:nvSpPr>
+        <p:spPr/>
+        <p:txBody>
+          <a:bodyPr/>
+          <a:lstStyle/>
+          <a:p>
+            <a:r>
+              <a:rPr lang="en-CA" dirty="0"/>
+              <a:t>Take a few minutes to show the dashboard and do a live demo.</a:t>
+            </a:r>
+          </a:p>
+        </p:txBody>
+      </p:sp>
+      <p:sp>
+        <p:nvSpPr>
+          <p:cNvPr id="4" name="Slide Number Placeholder 3"/>
+          <p:cNvSpPr>
+            <a:spLocks noGrp="1"/>
+          </p:cNvSpPr>
+          <p:nvPr>
+            <p:ph type="sldNum" sz="quarter" idx="5"/>
+          </p:nvPr>
+        </p:nvSpPr>
+        <p:spPr/>
+        <p:txBody>
+          <a:bodyPr/>
+          <a:lstStyle/>
+          <a:p>
+            <a:fld id="{943012F3-EFBB-4220-B725-9B1359B19F49}" type="slidenum">
+              <a:rPr lang="en-CA" smtClean="0"/>
+              <a:t>13</a:t>
+            </a:fld>
+            <a:endParaRPr lang="en-CA"/>
+          </a:p>
+        </p:txBody>
+      </p:sp>
+    </p:spTree>
+    <p:extLst>
+      <p:ext uri="{BB962C8B-B14F-4D97-AF65-F5344CB8AC3E}">
+        <p14:creationId xmlns:p14="http://schemas.microsoft.com/office/powerpoint/2010/main" val="1282601095"/>
       </p:ext>
     </p:extLst>
   </p:cSld>
@@ -19319,7 +19108,7 @@
           <p:nvPr>
             <p:extLst>
               <p:ext uri="{D42A27DB-BD31-4B8C-83A1-F6EECF244321}">
-                <p14:modId xmlns:p14="http://schemas.microsoft.com/office/powerpoint/2010/main" val="702991321"/>
+                <p14:modId xmlns:p14="http://schemas.microsoft.com/office/powerpoint/2010/main" val="3691110820"/>
               </p:ext>
             </p:extLst>
           </p:nvPr>
@@ -20024,15 +19813,50 @@
             </a:r>
             <a:r>
               <a:rPr lang="en-CA" sz="3200" dirty="0"/>
-              <a:t> because it uses too much RAM, even when reducing </a:t>
-            </a:r>
-            <a:r>
-              <a:rPr lang="en-CA" sz="3200"/>
-              <a:t>the size </a:t>
-            </a:r>
+              <a:t> because it uses too much RAM, even when reducing the size of the dataset.</a:t>
+            </a:r>
+            <a:endParaRPr lang="en-CA" sz="1400" dirty="0"/>
+          </a:p>
+        </p:txBody>
+      </p:sp>
+      <p:sp>
+        <p:nvSpPr>
+          <p:cNvPr id="9" name="TextBox 8">
+            <a:extLst>
+              <a:ext uri="{FF2B5EF4-FFF2-40B4-BE49-F238E27FC236}">
+                <a16:creationId xmlns:a16="http://schemas.microsoft.com/office/drawing/2014/main" id="{E7DEE063-D8A0-4E32-8540-091E32CB8424}"/>
+              </a:ext>
+            </a:extLst>
+          </p:cNvPr>
+          <p:cNvSpPr txBox="1"/>
+          <p:nvPr/>
+        </p:nvSpPr>
+        <p:spPr>
+          <a:xfrm>
+            <a:off x="7450376" y="5495684"/>
+            <a:ext cx="4527864" cy="584775"/>
+          </a:xfrm>
+          <a:prstGeom prst="rect">
+            <a:avLst/>
+          </a:prstGeom>
+          <a:noFill/>
+        </p:spPr>
+        <p:txBody>
+          <a:bodyPr wrap="square" rtlCol="0">
+            <a:spAutoFit/>
+          </a:bodyPr>
+          <a:lstStyle/>
+          <a:p>
+            <a:pPr marL="285750" indent="-285750">
+              <a:buClr>
+                <a:srgbClr val="BF2419"/>
+              </a:buClr>
+              <a:buFont typeface="Wingdings" panose="05000000000000000000" pitchFamily="2" charset="2"/>
+              <a:buChar char="«"/>
+            </a:pPr>
             <a:r>
               <a:rPr lang="en-CA" sz="3200" dirty="0"/>
-              <a:t>of the dataset.</a:t>
+              <a:t>[Link to Dashboard]</a:t>
             </a:r>
             <a:endParaRPr lang="en-CA" sz="1400" dirty="0"/>
           </a:p>
@@ -20113,17 +19937,38 @@
             <p:ph idx="1"/>
           </p:nvPr>
         </p:nvSpPr>
-        <p:spPr/>
+        <p:spPr>
+          <a:xfrm>
+            <a:off x="1097280" y="2108201"/>
+            <a:ext cx="10058400" cy="1017043"/>
+          </a:xfrm>
+        </p:spPr>
         <p:txBody>
-          <a:bodyPr/>
+          <a:bodyPr>
+            <a:normAutofit/>
+          </a:bodyPr>
           <a:lstStyle/>
           <a:p>
             <a:pPr marL="0" indent="0">
+              <a:spcBef>
+                <a:spcPts val="0"/>
+              </a:spcBef>
+              <a:spcAft>
+                <a:spcPts val="0"/>
+              </a:spcAft>
               <a:buNone/>
             </a:pPr>
             <a:r>
+              <a:rPr lang="en-CA" sz="2800" b="1" dirty="0">
+                <a:solidFill>
+                  <a:srgbClr val="BF2419"/>
+                </a:solidFill>
+              </a:rPr>
+              <a:t>Technologies / Tools:</a:t>
+            </a:r>
+            <a:r>
               <a:rPr lang="en-CA" dirty="0"/>
-              <a:t>Technologies / Tools: Google Cloud Storage, Google </a:t>
+              <a:t> Google Cloud Storage, Google </a:t>
             </a:r>
             <a:r>
               <a:rPr lang="en-CA" dirty="0" err="1"/>
@@ -20141,156 +19986,29 @@
           </a:p>
           <a:p>
             <a:pPr marL="0" indent="0">
+              <a:spcBef>
+                <a:spcPts val="0"/>
+              </a:spcBef>
+              <a:spcAft>
+                <a:spcPts val="0"/>
+              </a:spcAft>
               <a:buNone/>
             </a:pPr>
             <a:r>
+              <a:rPr lang="en-CA" sz="2800" b="1" dirty="0">
+                <a:solidFill>
+                  <a:srgbClr val="BF2419"/>
+                </a:solidFill>
+              </a:rPr>
+              <a:t>Languages:</a:t>
+            </a:r>
+            <a:r>
+              <a:rPr lang="en-CA" sz="1800" dirty="0"/>
+              <a:t> </a:t>
+            </a:r>
+            <a:r>
               <a:rPr lang="en-CA" dirty="0"/>
-              <a:t>Languages: Python</a:t>
-            </a:r>
-          </a:p>
-          <a:p>
-            <a:pPr marL="0" indent="0">
-              <a:buNone/>
-            </a:pPr>
-            <a:r>
-              <a:rPr lang="en-CA" dirty="0"/>
-              <a:t>Libraries: Pandas, </a:t>
-            </a:r>
-            <a:r>
-              <a:rPr lang="en-CA" dirty="0" err="1"/>
-              <a:t>os</a:t>
-            </a:r>
-            <a:r>
-              <a:rPr lang="en-CA" dirty="0"/>
-              <a:t>, </a:t>
-            </a:r>
-            <a:r>
-              <a:rPr lang="en-CA" dirty="0" err="1"/>
-              <a:t>findspark</a:t>
-            </a:r>
-            <a:r>
-              <a:rPr lang="en-CA" dirty="0"/>
-              <a:t>, </a:t>
-            </a:r>
-            <a:r>
-              <a:rPr lang="en-CA" dirty="0" err="1"/>
-              <a:t>pyspark.sql</a:t>
-            </a:r>
-            <a:r>
-              <a:rPr lang="en-CA" dirty="0"/>
-              <a:t>, </a:t>
-            </a:r>
-            <a:r>
-              <a:rPr lang="en-CA" dirty="0" err="1"/>
-              <a:t>nltk</a:t>
-            </a:r>
-            <a:r>
-              <a:rPr lang="en-CA" dirty="0"/>
-              <a:t>, string, re, </a:t>
-            </a:r>
-            <a:r>
-              <a:rPr lang="en-CA" dirty="0" err="1"/>
-              <a:t>nltk.stem</a:t>
-            </a:r>
-            <a:r>
-              <a:rPr lang="en-CA" dirty="0"/>
-              <a:t> (</a:t>
-            </a:r>
-            <a:r>
-              <a:rPr lang="en-CA" dirty="0" err="1"/>
-              <a:t>PorterStemmer</a:t>
-            </a:r>
-            <a:r>
-              <a:rPr lang="en-CA" dirty="0"/>
-              <a:t>, </a:t>
-            </a:r>
-            <a:r>
-              <a:rPr lang="en-CA" dirty="0" err="1"/>
-              <a:t>WordNetLemmatizer</a:t>
-            </a:r>
-            <a:r>
-              <a:rPr lang="en-CA" dirty="0"/>
-              <a:t>), </a:t>
-            </a:r>
-            <a:r>
-              <a:rPr lang="en-CA" dirty="0" err="1"/>
-              <a:t>pyspark.ml.feature</a:t>
-            </a:r>
-            <a:r>
-              <a:rPr lang="en-CA" dirty="0"/>
-              <a:t> (</a:t>
-            </a:r>
-            <a:r>
-              <a:rPr lang="en-CA" dirty="0" err="1"/>
-              <a:t>HashingTF</a:t>
-            </a:r>
-            <a:r>
-              <a:rPr lang="en-CA" dirty="0"/>
-              <a:t>, IDF, </a:t>
-            </a:r>
-            <a:r>
-              <a:rPr lang="en-CA" dirty="0" err="1"/>
-              <a:t>VectorAssembler</a:t>
-            </a:r>
-            <a:r>
-              <a:rPr lang="en-CA" dirty="0"/>
-              <a:t>), </a:t>
-            </a:r>
-            <a:r>
-              <a:rPr lang="en-CA" dirty="0" err="1"/>
-              <a:t>pyspark.ml.linalg</a:t>
-            </a:r>
-            <a:r>
-              <a:rPr lang="en-CA" dirty="0"/>
-              <a:t> (Vector), pyspark.ml (Pipeline), </a:t>
-            </a:r>
-            <a:r>
-              <a:rPr lang="en-CA" dirty="0" err="1"/>
-              <a:t>pyspark.ml.classification</a:t>
-            </a:r>
-            <a:r>
-              <a:rPr lang="en-CA" dirty="0"/>
-              <a:t> (</a:t>
-            </a:r>
-            <a:r>
-              <a:rPr lang="en-CA" dirty="0" err="1"/>
-              <a:t>NaiveBayes</a:t>
-            </a:r>
-            <a:r>
-              <a:rPr lang="en-CA" dirty="0"/>
-              <a:t>, </a:t>
-            </a:r>
-            <a:r>
-              <a:rPr lang="en-CA" dirty="0" err="1"/>
-              <a:t>LogisticRegression</a:t>
-            </a:r>
-            <a:r>
-              <a:rPr lang="en-CA" dirty="0"/>
-              <a:t>, </a:t>
-            </a:r>
-            <a:r>
-              <a:rPr lang="en-CA" dirty="0" err="1"/>
-              <a:t>MultilayerPerceptronClassifier</a:t>
-            </a:r>
-            <a:r>
-              <a:rPr lang="en-CA" dirty="0"/>
-              <a:t>), </a:t>
-            </a:r>
-            <a:r>
-              <a:rPr lang="en-CA" dirty="0" err="1"/>
-              <a:t>pyspark.ml.evaluation</a:t>
-            </a:r>
-            <a:r>
-              <a:rPr lang="en-CA" dirty="0"/>
-              <a:t> (</a:t>
-            </a:r>
-            <a:r>
-              <a:rPr lang="en-CA" dirty="0" err="1"/>
-              <a:t>MulticlassClassificationEvaluator</a:t>
-            </a:r>
-            <a:r>
-              <a:rPr lang="en-CA" dirty="0"/>
-              <a:t>), </a:t>
+              <a:t>Python</a:t>
             </a:r>
           </a:p>
         </p:txBody>
@@ -20394,6 +20112,345 @@
               <a:t>14</a:t>
             </a:fld>
             <a:endParaRPr lang="en-US" dirty="0"/>
+          </a:p>
+        </p:txBody>
+      </p:sp>
+      <p:sp>
+        <p:nvSpPr>
+          <p:cNvPr id="7" name="TextBox 6">
+            <a:extLst>
+              <a:ext uri="{FF2B5EF4-FFF2-40B4-BE49-F238E27FC236}">
+                <a16:creationId xmlns:a16="http://schemas.microsoft.com/office/drawing/2014/main" id="{D89C2965-792B-482D-96E0-CDB6B64F094B}"/>
+              </a:ext>
+            </a:extLst>
+          </p:cNvPr>
+          <p:cNvSpPr txBox="1"/>
+          <p:nvPr/>
+        </p:nvSpPr>
+        <p:spPr>
+          <a:xfrm>
+            <a:off x="1014190" y="3192757"/>
+            <a:ext cx="10163620" cy="2031325"/>
+          </a:xfrm>
+          <a:prstGeom prst="rect">
+            <a:avLst/>
+          </a:prstGeom>
+          <a:noFill/>
+        </p:spPr>
+        <p:txBody>
+          <a:bodyPr wrap="square" numCol="3" rtlCol="0">
+            <a:spAutoFit/>
+          </a:bodyPr>
+          <a:lstStyle/>
+          <a:p>
+            <a:r>
+              <a:rPr lang="en-CA" sz="2800" b="1" dirty="0">
+                <a:solidFill>
+                  <a:srgbClr val="BF2419"/>
+                </a:solidFill>
+              </a:rPr>
+              <a:t>Libraries:</a:t>
+            </a:r>
+            <a:r>
+              <a:rPr lang="en-CA" dirty="0"/>
+              <a:t> </a:t>
+            </a:r>
+          </a:p>
+          <a:p>
+            <a:pPr>
+              <a:spcBef>
+                <a:spcPts val="0"/>
+              </a:spcBef>
+              <a:spcAft>
+                <a:spcPts val="0"/>
+              </a:spcAft>
+              <a:buFont typeface="Arial" panose="020B0604020202020204" pitchFamily="34" charset="0"/>
+              <a:buChar char="•"/>
+            </a:pPr>
+            <a:r>
+              <a:rPr lang="en-CA" dirty="0"/>
+              <a:t>Pandas</a:t>
+            </a:r>
+          </a:p>
+          <a:p>
+            <a:pPr>
+              <a:spcBef>
+                <a:spcPts val="0"/>
+              </a:spcBef>
+              <a:spcAft>
+                <a:spcPts val="0"/>
+              </a:spcAft>
+              <a:buFont typeface="Arial" panose="020B0604020202020204" pitchFamily="34" charset="0"/>
+              <a:buChar char="•"/>
+            </a:pPr>
+            <a:r>
+              <a:rPr lang="en-CA" dirty="0" err="1"/>
+              <a:t>Os</a:t>
+            </a:r>
+            <a:endParaRPr lang="en-CA" dirty="0"/>
+          </a:p>
+          <a:p>
+            <a:pPr>
+              <a:spcBef>
+                <a:spcPts val="0"/>
+              </a:spcBef>
+              <a:spcAft>
+                <a:spcPts val="0"/>
+              </a:spcAft>
+              <a:buFont typeface="Arial" panose="020B0604020202020204" pitchFamily="34" charset="0"/>
+              <a:buChar char="•"/>
+            </a:pPr>
+            <a:r>
+              <a:rPr lang="en-CA" dirty="0" err="1"/>
+              <a:t>findspark</a:t>
+            </a:r>
+            <a:endParaRPr lang="en-CA" dirty="0"/>
+          </a:p>
+          <a:p>
+            <a:pPr>
+              <a:spcBef>
+                <a:spcPts val="0"/>
+              </a:spcBef>
+              <a:spcAft>
+                <a:spcPts val="0"/>
+              </a:spcAft>
+              <a:buFont typeface="Arial" panose="020B0604020202020204" pitchFamily="34" charset="0"/>
+              <a:buChar char="•"/>
+            </a:pPr>
+            <a:r>
+              <a:rPr lang="en-CA" dirty="0" err="1"/>
+              <a:t>pyspark.sql</a:t>
+            </a:r>
+            <a:endParaRPr lang="en-CA" dirty="0"/>
+          </a:p>
+          <a:p>
+            <a:pPr>
+              <a:spcBef>
+                <a:spcPts val="0"/>
+              </a:spcBef>
+              <a:spcAft>
+                <a:spcPts val="0"/>
+              </a:spcAft>
+              <a:buFont typeface="Arial" panose="020B0604020202020204" pitchFamily="34" charset="0"/>
+              <a:buChar char="•"/>
+            </a:pPr>
+            <a:r>
+              <a:rPr lang="en-CA" dirty="0" err="1"/>
+              <a:t>nltk</a:t>
+            </a:r>
+            <a:endParaRPr lang="en-CA" dirty="0"/>
+          </a:p>
+          <a:p>
+            <a:pPr>
+              <a:spcBef>
+                <a:spcPts val="0"/>
+              </a:spcBef>
+              <a:spcAft>
+                <a:spcPts val="0"/>
+              </a:spcAft>
+              <a:buFont typeface="Arial" panose="020B0604020202020204" pitchFamily="34" charset="0"/>
+              <a:buChar char="•"/>
+            </a:pPr>
+            <a:r>
+              <a:rPr lang="en-CA" dirty="0" err="1"/>
+              <a:t>nltk.stem</a:t>
+            </a:r>
+            <a:r>
+              <a:rPr lang="en-CA" dirty="0"/>
+              <a:t> (</a:t>
+            </a:r>
+            <a:r>
+              <a:rPr lang="en-CA" dirty="0" err="1"/>
+              <a:t>PorterStemmer</a:t>
+            </a:r>
+            <a:r>
+              <a:rPr lang="en-CA" dirty="0"/>
+              <a:t>, </a:t>
+            </a:r>
+            <a:r>
+              <a:rPr lang="en-CA" dirty="0" err="1"/>
+              <a:t>WordNetLemmatizer</a:t>
+            </a:r>
+            <a:r>
+              <a:rPr lang="en-CA" dirty="0"/>
+              <a:t>)</a:t>
+            </a:r>
+          </a:p>
+          <a:p>
+            <a:pPr>
+              <a:spcBef>
+                <a:spcPts val="0"/>
+              </a:spcBef>
+              <a:spcAft>
+                <a:spcPts val="0"/>
+              </a:spcAft>
+              <a:buFont typeface="Arial" panose="020B0604020202020204" pitchFamily="34" charset="0"/>
+              <a:buChar char="•"/>
+            </a:pPr>
+            <a:r>
+              <a:rPr lang="en-CA" dirty="0"/>
+              <a:t>string</a:t>
+            </a:r>
+          </a:p>
+          <a:p>
+            <a:pPr>
+              <a:spcBef>
+                <a:spcPts val="0"/>
+              </a:spcBef>
+              <a:spcAft>
+                <a:spcPts val="0"/>
+              </a:spcAft>
+              <a:buFont typeface="Arial" panose="020B0604020202020204" pitchFamily="34" charset="0"/>
+              <a:buChar char="•"/>
+            </a:pPr>
+            <a:r>
+              <a:rPr lang="en-CA" dirty="0"/>
+              <a:t>Re</a:t>
+            </a:r>
+          </a:p>
+          <a:p>
+            <a:pPr>
+              <a:spcBef>
+                <a:spcPts val="0"/>
+              </a:spcBef>
+              <a:spcAft>
+                <a:spcPts val="0"/>
+              </a:spcAft>
+              <a:buFont typeface="Arial" panose="020B0604020202020204" pitchFamily="34" charset="0"/>
+              <a:buChar char="•"/>
+            </a:pPr>
+            <a:r>
+              <a:rPr lang="en-CA" dirty="0" err="1"/>
+              <a:t>pyspark.ml.feature</a:t>
+            </a:r>
+            <a:r>
+              <a:rPr lang="en-CA" dirty="0"/>
+              <a:t> (</a:t>
+            </a:r>
+            <a:r>
+              <a:rPr lang="en-CA" dirty="0" err="1"/>
+              <a:t>HashingTF</a:t>
+            </a:r>
+            <a:r>
+              <a:rPr lang="en-CA" dirty="0"/>
+              <a:t>, IDF, </a:t>
+            </a:r>
+            <a:r>
+              <a:rPr lang="en-CA" dirty="0" err="1"/>
+              <a:t>VectorAssembler</a:t>
+            </a:r>
+            <a:r>
+              <a:rPr lang="en-CA" dirty="0"/>
+              <a:t>)</a:t>
+            </a:r>
+          </a:p>
+          <a:p>
+            <a:pPr>
+              <a:spcBef>
+                <a:spcPts val="0"/>
+              </a:spcBef>
+              <a:spcAft>
+                <a:spcPts val="0"/>
+              </a:spcAft>
+              <a:buFont typeface="Arial" panose="020B0604020202020204" pitchFamily="34" charset="0"/>
+              <a:buChar char="•"/>
+            </a:pPr>
+            <a:r>
+              <a:rPr lang="en-CA" dirty="0" err="1"/>
+              <a:t>pyspark.ml.linalg</a:t>
+            </a:r>
+            <a:r>
+              <a:rPr lang="en-CA" dirty="0"/>
+              <a:t> (Vector)</a:t>
+            </a:r>
+          </a:p>
+          <a:p>
+            <a:pPr>
+              <a:spcBef>
+                <a:spcPts val="0"/>
+              </a:spcBef>
+              <a:spcAft>
+                <a:spcPts val="0"/>
+              </a:spcAft>
+              <a:buFont typeface="Arial" panose="020B0604020202020204" pitchFamily="34" charset="0"/>
+              <a:buChar char="•"/>
+            </a:pPr>
+            <a:r>
+              <a:rPr lang="en-CA" dirty="0"/>
+              <a:t>pyspark.ml (Pipeline)</a:t>
+            </a:r>
+          </a:p>
+          <a:p>
+            <a:pPr>
+              <a:spcBef>
+                <a:spcPts val="0"/>
+              </a:spcBef>
+              <a:spcAft>
+                <a:spcPts val="0"/>
+              </a:spcAft>
+              <a:buFont typeface="Arial" panose="020B0604020202020204" pitchFamily="34" charset="0"/>
+              <a:buChar char="•"/>
+            </a:pPr>
+            <a:r>
+              <a:rPr lang="en-CA" dirty="0" err="1"/>
+              <a:t>pyspark.ml.classification</a:t>
+            </a:r>
+            <a:r>
+              <a:rPr lang="en-CA" dirty="0"/>
+              <a:t> (</a:t>
+            </a:r>
+            <a:r>
+              <a:rPr lang="en-CA" dirty="0" err="1"/>
+              <a:t>NaiveBayes</a:t>
+            </a:r>
+            <a:r>
+              <a:rPr lang="en-CA" dirty="0"/>
+              <a:t>, </a:t>
+            </a:r>
+            <a:r>
+              <a:rPr lang="en-CA" dirty="0" err="1"/>
+              <a:t>LogisticRegression</a:t>
+            </a:r>
+            <a:r>
+              <a:rPr lang="en-CA" dirty="0"/>
+              <a:t>, </a:t>
+            </a:r>
+            <a:r>
+              <a:rPr lang="en-CA" dirty="0" err="1"/>
+              <a:t>MultilayerPerceptronClassifier</a:t>
+            </a:r>
+            <a:r>
+              <a:rPr lang="en-CA" dirty="0"/>
+              <a:t>)</a:t>
+            </a:r>
+          </a:p>
+          <a:p>
+            <a:pPr>
+              <a:spcBef>
+                <a:spcPts val="0"/>
+              </a:spcBef>
+              <a:spcAft>
+                <a:spcPts val="0"/>
+              </a:spcAft>
+              <a:buFont typeface="Arial" panose="020B0604020202020204" pitchFamily="34" charset="0"/>
+              <a:buChar char="•"/>
+            </a:pPr>
+            <a:r>
+              <a:rPr lang="en-CA" dirty="0" err="1"/>
+              <a:t>pyspark.ml.evaluation</a:t>
+            </a:r>
+            <a:r>
+              <a:rPr lang="en-CA" dirty="0"/>
+              <a:t> (</a:t>
+            </a:r>
+            <a:r>
+              <a:rPr lang="en-CA" dirty="0" err="1"/>
+              <a:t>MulticlassClassificationEvaluator</a:t>
+            </a:r>
+            <a:r>
+              <a:rPr lang="en-CA" dirty="0"/>
+              <a:t>)</a:t>
+            </a:r>
           </a:p>
         </p:txBody>
       </p:sp>
@@ -20474,10 +20531,37 @@
         </p:nvSpPr>
         <p:spPr/>
         <p:txBody>
-          <a:bodyPr/>
+          <a:bodyPr>
+            <a:normAutofit/>
+          </a:bodyPr>
           <a:lstStyle/>
           <a:p>
-            <a:endParaRPr lang="en-CA"/>
+            <a:pPr>
+              <a:buFont typeface="Wingdings" panose="05000000000000000000" pitchFamily="2" charset="2"/>
+              <a:buChar char="«"/>
+            </a:pPr>
+            <a:r>
+              <a:rPr lang="en-CA" sz="2800" dirty="0"/>
+              <a:t>For all the benefits of using Google Cloud Service, it turns out that Google </a:t>
+            </a:r>
+            <a:r>
+              <a:rPr lang="en-CA" sz="2800" dirty="0" err="1"/>
+              <a:t>Colab</a:t>
+            </a:r>
+            <a:r>
+              <a:rPr lang="en-CA" sz="2800" dirty="0"/>
+              <a:t> is unable to handle the volume of data our project had intended on using</a:t>
+            </a:r>
+          </a:p>
+          <a:p>
+            <a:pPr>
+              <a:buFont typeface="Wingdings" panose="05000000000000000000" pitchFamily="2" charset="2"/>
+              <a:buChar char="«"/>
+            </a:pPr>
+            <a:r>
+              <a:rPr lang="en-CA" sz="2800" dirty="0"/>
+              <a:t>If there had been more time, we may have allocated more time to researching cost-effective solutions that can handle big data and run a neural network machine learning model</a:t>
+            </a:r>
           </a:p>
         </p:txBody>
       </p:sp>
@@ -20629,31 +20713,6 @@
       </p:sp>
       <p:sp>
         <p:nvSpPr>
-          <p:cNvPr id="3" name="Content Placeholder 2">
-            <a:extLst>
-              <a:ext uri="{FF2B5EF4-FFF2-40B4-BE49-F238E27FC236}">
-                <a16:creationId xmlns:a16="http://schemas.microsoft.com/office/drawing/2014/main" id="{7DD044CB-16C9-4730-ADDE-4E884EC9DFDA}"/>
-              </a:ext>
-            </a:extLst>
-          </p:cNvPr>
-          <p:cNvSpPr>
-            <a:spLocks noGrp="1"/>
-          </p:cNvSpPr>
-          <p:nvPr>
-            <p:ph idx="1"/>
-          </p:nvPr>
-        </p:nvSpPr>
-        <p:spPr/>
-        <p:txBody>
-          <a:bodyPr/>
-          <a:lstStyle/>
-          <a:p>
-            <a:endParaRPr lang="en-CA"/>
-          </a:p>
-        </p:txBody>
-      </p:sp>
-      <p:sp>
-        <p:nvSpPr>
           <p:cNvPr id="4" name="Date Placeholder 3">
             <a:extLst>
               <a:ext uri="{FF2B5EF4-FFF2-40B4-BE49-F238E27FC236}">
@@ -20736,6 +20795,65 @@
               <a:t>16</a:t>
             </a:fld>
             <a:endParaRPr lang="en-US" dirty="0"/>
+          </a:p>
+        </p:txBody>
+      </p:sp>
+      <p:sp>
+        <p:nvSpPr>
+          <p:cNvPr id="7" name="Content Placeholder 2">
+            <a:extLst>
+              <a:ext uri="{FF2B5EF4-FFF2-40B4-BE49-F238E27FC236}">
+                <a16:creationId xmlns:a16="http://schemas.microsoft.com/office/drawing/2014/main" id="{C8D5885D-0094-4A96-96E6-A1AD76FD3B22}"/>
+              </a:ext>
+            </a:extLst>
+          </p:cNvPr>
+          <p:cNvSpPr>
+            <a:spLocks noGrp="1"/>
+          </p:cNvSpPr>
+          <p:nvPr>
+            <p:ph idx="1"/>
+          </p:nvPr>
+        </p:nvSpPr>
+        <p:spPr>
+          <a:xfrm>
+            <a:off x="1096963" y="2108200"/>
+            <a:ext cx="10058400" cy="3760788"/>
+          </a:xfrm>
+        </p:spPr>
+        <p:txBody>
+          <a:bodyPr>
+            <a:normAutofit/>
+          </a:bodyPr>
+          <a:lstStyle/>
+          <a:p>
+            <a:pPr>
+              <a:buFont typeface="Wingdings" panose="05000000000000000000" pitchFamily="2" charset="2"/>
+              <a:buChar char="«"/>
+            </a:pPr>
+            <a:r>
+              <a:rPr lang="en-CA" sz="2800" dirty="0"/>
+              <a:t>Train and Test ML models on larger dataset</a:t>
+            </a:r>
+          </a:p>
+          <a:p>
+            <a:pPr>
+              <a:buFont typeface="Wingdings" panose="05000000000000000000" pitchFamily="2" charset="2"/>
+              <a:buChar char="«"/>
+            </a:pPr>
+            <a:r>
+              <a:rPr lang="en-CA" sz="2800" dirty="0"/>
+              <a:t>Find a viable solution for running the neural network machine learning model</a:t>
+            </a:r>
+          </a:p>
+          <a:p>
+            <a:pPr>
+              <a:buFont typeface="Wingdings" panose="05000000000000000000" pitchFamily="2" charset="2"/>
+              <a:buChar char="«"/>
+            </a:pPr>
+            <a:r>
+              <a:rPr lang="en-CA" sz="2800" dirty="0"/>
+              <a:t>After a successful run of the neural network machine learning model, apply the model to different datasets (e.g. amazon reviews, IMDb reviews, Google reviews) to see its effectiveness in predicting sentiment when applied to different data</a:t>
+            </a:r>
           </a:p>
         </p:txBody>
       </p:sp>
@@ -20792,7 +20910,7 @@
           <a:p>
             <a:r>
               <a:rPr lang="en-US" dirty="0"/>
-              <a:t>Questions?</a:t>
+              <a:t>Thank you!</a:t>
             </a:r>
             <a:endParaRPr lang="en-CA" dirty="0"/>
           </a:p>
@@ -20882,6 +21000,48 @@
               <a:t>17</a:t>
             </a:fld>
             <a:endParaRPr lang="en-US" dirty="0"/>
+          </a:p>
+        </p:txBody>
+      </p:sp>
+      <p:sp>
+        <p:nvSpPr>
+          <p:cNvPr id="7" name="Content Placeholder 2">
+            <a:extLst>
+              <a:ext uri="{FF2B5EF4-FFF2-40B4-BE49-F238E27FC236}">
+                <a16:creationId xmlns:a16="http://schemas.microsoft.com/office/drawing/2014/main" id="{9FEC2709-46E0-44D2-91D3-82460D305D8C}"/>
+              </a:ext>
+            </a:extLst>
+          </p:cNvPr>
+          <p:cNvSpPr>
+            <a:spLocks noGrp="1"/>
+          </p:cNvSpPr>
+          <p:nvPr>
+            <p:ph idx="1"/>
+          </p:nvPr>
+        </p:nvSpPr>
+        <p:spPr>
+          <a:xfrm>
+            <a:off x="1096963" y="2108200"/>
+            <a:ext cx="10058400" cy="3760788"/>
+          </a:xfrm>
+        </p:spPr>
+        <p:txBody>
+          <a:bodyPr>
+            <a:normAutofit/>
+          </a:bodyPr>
+          <a:lstStyle/>
+          <a:p>
+            <a:pPr marL="0" indent="0">
+              <a:buNone/>
+            </a:pPr>
+            <a:r>
+              <a:rPr lang="en-CA" sz="13800" dirty="0">
+                <a:solidFill>
+                  <a:srgbClr val="BF2419"/>
+                </a:solidFill>
+              </a:rPr>
+              <a:t>Questions?</a:t>
+            </a:r>
           </a:p>
         </p:txBody>
       </p:sp>
@@ -23581,21 +23741,21 @@
 </file>
 
 <file path=customXml/item1.xml><?xml version="1.0" encoding="utf-8"?>
+<?mso-contentType ?>
+<FormTemplates xmlns="http://schemas.microsoft.com/sharepoint/v3/contenttype/forms">
+  <Display>DocumentLibraryForm</Display>
+  <Edit>DocumentLibraryForm</Edit>
+  <New>DocumentLibraryForm</New>
+</FormTemplates>
+</file>
+
+<file path=customXml/item2.xml><?xml version="1.0" encoding="utf-8"?>
 <p:properties xmlns:p="http://schemas.microsoft.com/office/2006/metadata/properties" xmlns:xsi="http://www.w3.org/2001/XMLSchema-instance" xmlns:pc="http://schemas.microsoft.com/office/infopath/2007/PartnerControls">
   <documentManagement>
     <Status xmlns="71af3243-3dd4-4a8d-8c0d-dd76da1f02a5">Not started</Status>
     <MediaServiceKeyPoints xmlns="71af3243-3dd4-4a8d-8c0d-dd76da1f02a5" xsi:nil="true"/>
   </documentManagement>
 </p:properties>
-</file>
-
-<file path=customXml/item2.xml><?xml version="1.0" encoding="utf-8"?>
-<?mso-contentType ?>
-<FormTemplates xmlns="http://schemas.microsoft.com/sharepoint/v3/contenttype/forms">
-  <Display>DocumentLibraryForm</Display>
-  <Edit>DocumentLibraryForm</Edit>
-  <New>DocumentLibraryForm</New>
-</FormTemplates>
 </file>
 
 <file path=customXml/item3.xml><?xml version="1.0" encoding="utf-8"?>
@@ -23820,19 +23980,19 @@
 </file>
 
 <file path=customXml/itemProps1.xml><?xml version="1.0" encoding="utf-8"?>
+<ds:datastoreItem xmlns:ds="http://schemas.openxmlformats.org/officeDocument/2006/customXml" ds:itemID="{2E5ECA37-C458-4BA2-A090-D7A19E07B434}">
+  <ds:schemaRefs>
+    <ds:schemaRef ds:uri="http://schemas.microsoft.com/sharepoint/v3/contenttype/forms"/>
+  </ds:schemaRefs>
+</ds:datastoreItem>
+</file>
+
+<file path=customXml/itemProps2.xml><?xml version="1.0" encoding="utf-8"?>
 <ds:datastoreItem xmlns:ds="http://schemas.openxmlformats.org/officeDocument/2006/customXml" ds:itemID="{84F503EC-3FFF-4193-A86F-39150E2BAC75}">
   <ds:schemaRefs>
     <ds:schemaRef ds:uri="http://schemas.microsoft.com/office/2006/metadata/properties"/>
     <ds:schemaRef ds:uri="http://schemas.microsoft.com/office/infopath/2007/PartnerControls"/>
     <ds:schemaRef ds:uri="71af3243-3dd4-4a8d-8c0d-dd76da1f02a5"/>
-  </ds:schemaRefs>
-</ds:datastoreItem>
-</file>
-
-<file path=customXml/itemProps2.xml><?xml version="1.0" encoding="utf-8"?>
-<ds:datastoreItem xmlns:ds="http://schemas.openxmlformats.org/officeDocument/2006/customXml" ds:itemID="{2E5ECA37-C458-4BA2-A090-D7A19E07B434}">
-  <ds:schemaRefs>
-    <ds:schemaRef ds:uri="http://schemas.microsoft.com/sharepoint/v3/contenttype/forms"/>
   </ds:schemaRefs>
 </ds:datastoreItem>
 </file>

--- a/Team Xy Presentation.pptx
+++ b/Team Xy Presentation.pptx
@@ -19,7 +19,7 @@
     <p:sldId id="264" r:id="rId13"/>
     <p:sldId id="265" r:id="rId14"/>
     <p:sldId id="273" r:id="rId15"/>
-    <p:sldId id="261" r:id="rId16"/>
+    <p:sldId id="274" r:id="rId16"/>
     <p:sldId id="267" r:id="rId17"/>
     <p:sldId id="271" r:id="rId18"/>
     <p:sldId id="269" r:id="rId19"/>
@@ -3375,7 +3375,7 @@
   <dgm:whole/>
   <dgm:extLst>
     <a:ext uri="http://schemas.microsoft.com/office/drawing/2008/diagram">
-      <dsp:dataModelExt xmlns:dsp="http://schemas.microsoft.com/office/drawing/2008/diagram" relId="rId6" minVer="http://schemas.openxmlformats.org/drawingml/2006/diagram"/>
+      <dsp:dataModelExt xmlns:dsp="http://schemas.microsoft.com/office/drawing/2008/diagram" relId="rId7" minVer="http://schemas.openxmlformats.org/drawingml/2006/diagram"/>
     </a:ext>
   </dgm:extLst>
 </dgm:dataModel>
@@ -3384,7 +3384,7 @@
 <file path=ppt/diagrams/data3.xml><?xml version="1.0" encoding="utf-8"?>
 <dgm:dataModel xmlns:dgm="http://schemas.openxmlformats.org/drawingml/2006/diagram" xmlns:a="http://schemas.openxmlformats.org/drawingml/2006/main">
   <dgm:ptLst>
-    <dgm:pt modelId="{1C2422C0-B61A-4C41-BFAC-0D8DA980EEFB}" type="doc">
+    <dgm:pt modelId="{BA93EB3D-5BFC-4577-86E1-5234490A1428}" type="doc">
       <dgm:prSet loTypeId="urn:microsoft.com/office/officeart/2005/8/layout/hProcess4" loCatId="process" qsTypeId="urn:microsoft.com/office/officeart/2005/8/quickstyle/simple1" qsCatId="simple" csTypeId="urn:microsoft.com/office/officeart/2005/8/colors/accent1_2" csCatId="accent1" phldr="1"/>
       <dgm:spPr/>
       <dgm:t>
@@ -3395,7 +3395,7 @@
         </a:p>
       </dgm:t>
     </dgm:pt>
-    <dgm:pt modelId="{3901DFD9-C5D7-442E-AEE2-90766AF8E80E}">
+    <dgm:pt modelId="{53D9A326-9940-4D5D-8F76-B5E8FE054708}">
       <dgm:prSet phldrT="[Text]"/>
       <dgm:spPr/>
       <dgm:t>
@@ -3403,14 +3403,13 @@
         <a:lstStyle/>
         <a:p>
           <a:r>
-            <a:rPr lang="en-CA" b="1" i="0" dirty="0"/>
+            <a:rPr lang="en-CA" b="1" dirty="0"/>
             <a:t>Connect to Database</a:t>
           </a:r>
-          <a:endParaRPr lang="en-CA" dirty="0"/>
         </a:p>
       </dgm:t>
     </dgm:pt>
-    <dgm:pt modelId="{F092B11E-55A8-4015-810B-71A62971B814}" type="parTrans" cxnId="{DC67A868-8BD7-4FCA-9B8F-5D869315514D}">
+    <dgm:pt modelId="{BE921C20-B692-479D-B318-1D2B74DC27B3}" type="parTrans" cxnId="{37CE5417-9A20-428A-872D-4BBF383F402D}">
       <dgm:prSet/>
       <dgm:spPr/>
       <dgm:t>
@@ -3421,7 +3420,7 @@
         </a:p>
       </dgm:t>
     </dgm:pt>
-    <dgm:pt modelId="{BB9A4A29-35DF-402C-BC31-14688EE1CBEF}" type="sibTrans" cxnId="{DC67A868-8BD7-4FCA-9B8F-5D869315514D}">
+    <dgm:pt modelId="{854A99E8-BF9F-43BE-87E6-9A96F07FF3CC}" type="sibTrans" cxnId="{37CE5417-9A20-428A-872D-4BBF383F402D}">
       <dgm:prSet/>
       <dgm:spPr/>
       <dgm:t>
@@ -3432,55 +3431,7 @@
         </a:p>
       </dgm:t>
     </dgm:pt>
-    <dgm:pt modelId="{07F5B093-F6B4-4E1C-A191-F2E98F9F6CFD}">
-      <dgm:prSet phldrT="[Text]" custT="1"/>
-      <dgm:spPr/>
-      <dgm:t>
-        <a:bodyPr lIns="36000" tIns="36000" rIns="36000" bIns="36000"/>
-        <a:lstStyle/>
-        <a:p>
-          <a:pPr>
-            <a:buFont typeface="+mj-lt"/>
-            <a:buAutoNum type="arabicPeriod"/>
-          </a:pPr>
-          <a:r>
-            <a:rPr lang="en-CA" sz="900" dirty="0"/>
-            <a:t>Install Java, Spark, and </a:t>
-          </a:r>
-          <a:r>
-            <a:rPr lang="en-CA" sz="900" dirty="0" err="1"/>
-            <a:t>Findspark</a:t>
-          </a:r>
-          <a:r>
-            <a:rPr lang="en-CA" sz="900" dirty="0"/>
-            <a:t>.</a:t>
-          </a:r>
-        </a:p>
-      </dgm:t>
-    </dgm:pt>
-    <dgm:pt modelId="{D7C69D5A-1DE5-4C03-9F41-8796895D251A}" type="parTrans" cxnId="{18830BCC-76E6-487D-A4B7-070C7AA52494}">
-      <dgm:prSet/>
-      <dgm:spPr/>
-      <dgm:t>
-        <a:bodyPr/>
-        <a:lstStyle/>
-        <a:p>
-          <a:endParaRPr lang="en-CA"/>
-        </a:p>
-      </dgm:t>
-    </dgm:pt>
-    <dgm:pt modelId="{A34A02E8-C77F-430A-B416-05919372839C}" type="sibTrans" cxnId="{18830BCC-76E6-487D-A4B7-070C7AA52494}">
-      <dgm:prSet/>
-      <dgm:spPr/>
-      <dgm:t>
-        <a:bodyPr/>
-        <a:lstStyle/>
-        <a:p>
-          <a:endParaRPr lang="en-CA"/>
-        </a:p>
-      </dgm:t>
-    </dgm:pt>
-    <dgm:pt modelId="{E3ADA3E2-F9E6-4359-A687-1A4F208B53F4}">
+    <dgm:pt modelId="{4E27F0F0-B813-491E-B4AB-366B13A0C9F8}">
       <dgm:prSet phldrT="[Text]"/>
       <dgm:spPr/>
       <dgm:t>
@@ -3495,7 +3446,7 @@
         </a:p>
       </dgm:t>
     </dgm:pt>
-    <dgm:pt modelId="{6AB906ED-C180-44FF-99CC-449117DB9B7B}" type="parTrans" cxnId="{4BA47D17-3642-441B-AF54-698BEC4B6994}">
+    <dgm:pt modelId="{A74A1626-0647-4DFE-92E6-CDC3B8051400}" type="parTrans" cxnId="{68460C70-A7C0-4A01-871A-38114B6D0A37}">
       <dgm:prSet/>
       <dgm:spPr/>
       <dgm:t>
@@ -3506,7 +3457,7 @@
         </a:p>
       </dgm:t>
     </dgm:pt>
-    <dgm:pt modelId="{F3A9534C-F4CA-47BD-A19A-F233B31D3001}" type="sibTrans" cxnId="{4BA47D17-3642-441B-AF54-698BEC4B6994}">
+    <dgm:pt modelId="{131E23C3-7153-4993-91E5-486FD503C40D}" type="sibTrans" cxnId="{68460C70-A7C0-4A01-871A-38114B6D0A37}">
       <dgm:prSet/>
       <dgm:spPr/>
       <dgm:t>
@@ -3517,7 +3468,7 @@
         </a:p>
       </dgm:t>
     </dgm:pt>
-    <dgm:pt modelId="{4C8E2CE7-66DC-48CE-930B-41AF0FC98836}">
+    <dgm:pt modelId="{0258D149-A1BE-433B-87AA-4DF0E415BA89}">
       <dgm:prSet phldrT="[Text]" custT="1"/>
       <dgm:spPr/>
       <dgm:t>
@@ -3532,10 +3483,11 @@
             <a:rPr lang="en-CA" sz="1000" i="0" dirty="0"/>
             <a:t>Read data from DB.</a:t>
           </a:r>
+          <a:endParaRPr lang="en-CA" sz="1000" dirty="0"/>
         </a:p>
       </dgm:t>
     </dgm:pt>
-    <dgm:pt modelId="{26DBAEB1-FE6E-4F64-B07B-3DCF3B1FE94C}" type="parTrans" cxnId="{DE5A256E-520C-49AD-A616-EB1AC2AF849A}">
+    <dgm:pt modelId="{71F7D9B2-44C5-4A4E-BEF2-D71F1CDDAEF4}" type="parTrans" cxnId="{6E9D1560-DCEF-4790-B10E-83D4FDF94E84}">
       <dgm:prSet/>
       <dgm:spPr/>
       <dgm:t>
@@ -3546,7 +3498,7 @@
         </a:p>
       </dgm:t>
     </dgm:pt>
-    <dgm:pt modelId="{492653B7-E483-4636-A17C-959E10A5EB34}" type="sibTrans" cxnId="{DE5A256E-520C-49AD-A616-EB1AC2AF849A}">
+    <dgm:pt modelId="{144FE671-4897-4CA2-AD24-43CCE3F6FC13}" type="sibTrans" cxnId="{6E9D1560-DCEF-4790-B10E-83D4FDF94E84}">
       <dgm:prSet/>
       <dgm:spPr/>
       <dgm:t>
@@ -3557,7 +3509,451 @@
         </a:p>
       </dgm:t>
     </dgm:pt>
-    <dgm:pt modelId="{7C816216-AC72-4884-9659-299196471423}">
+    <dgm:pt modelId="{4C6DAB58-6BF7-4A68-90F6-76CCD60BC396}">
+      <dgm:prSet phldrT="[Text]"/>
+      <dgm:spPr/>
+      <dgm:t>
+        <a:bodyPr/>
+        <a:lstStyle/>
+        <a:p>
+          <a:r>
+            <a:rPr lang="en-CA" b="1" dirty="0"/>
+            <a:t>Transform / Pipeline (NLP)</a:t>
+          </a:r>
+        </a:p>
+      </dgm:t>
+    </dgm:pt>
+    <dgm:pt modelId="{5351A743-A838-4E18-93BB-772232CBD5C6}" type="parTrans" cxnId="{B1289D15-C3F6-458E-9371-CBA1006B0667}">
+      <dgm:prSet/>
+      <dgm:spPr/>
+      <dgm:t>
+        <a:bodyPr/>
+        <a:lstStyle/>
+        <a:p>
+          <a:endParaRPr lang="en-CA"/>
+        </a:p>
+      </dgm:t>
+    </dgm:pt>
+    <dgm:pt modelId="{D87917C1-1C80-4515-932C-647BEEA13C97}" type="sibTrans" cxnId="{B1289D15-C3F6-458E-9371-CBA1006B0667}">
+      <dgm:prSet/>
+      <dgm:spPr/>
+      <dgm:t>
+        <a:bodyPr/>
+        <a:lstStyle/>
+        <a:p>
+          <a:endParaRPr lang="en-CA"/>
+        </a:p>
+      </dgm:t>
+    </dgm:pt>
+    <dgm:pt modelId="{71443189-7343-47C8-80D2-99EB4864C6BB}">
+      <dgm:prSet phldrT="[Text]" custT="1"/>
+      <dgm:spPr/>
+      <dgm:t>
+        <a:bodyPr lIns="36000" tIns="36000" rIns="36000" bIns="36000"/>
+        <a:lstStyle/>
+        <a:p>
+          <a:pPr>
+            <a:buFont typeface="+mj-lt"/>
+            <a:buAutoNum type="arabicPeriod"/>
+          </a:pPr>
+          <a:r>
+            <a:rPr lang="en-CA" sz="1000" dirty="0"/>
+            <a:t>Categorize into binary categories (binary) / Drop rows with 2 and 4 stars (3-category) / Keep all rows (5-category).</a:t>
+          </a:r>
+        </a:p>
+      </dgm:t>
+    </dgm:pt>
+    <dgm:pt modelId="{4DD340BD-4041-4A52-AC22-E7B927FE895B}" type="parTrans" cxnId="{840CBA0B-FFC2-48CA-8E6E-E3CCACC77BFE}">
+      <dgm:prSet/>
+      <dgm:spPr/>
+      <dgm:t>
+        <a:bodyPr/>
+        <a:lstStyle/>
+        <a:p>
+          <a:endParaRPr lang="en-CA"/>
+        </a:p>
+      </dgm:t>
+    </dgm:pt>
+    <dgm:pt modelId="{A265E9B6-9110-4989-8AD2-E3E22A04C13F}" type="sibTrans" cxnId="{840CBA0B-FFC2-48CA-8E6E-E3CCACC77BFE}">
+      <dgm:prSet/>
+      <dgm:spPr/>
+      <dgm:t>
+        <a:bodyPr/>
+        <a:lstStyle/>
+        <a:p>
+          <a:endParaRPr lang="en-CA"/>
+        </a:p>
+      </dgm:t>
+    </dgm:pt>
+    <dgm:pt modelId="{FB689ACF-14FA-42C1-8A06-730B9BE7D3E2}">
+      <dgm:prSet phldrT="[Text]"/>
+      <dgm:spPr/>
+      <dgm:t>
+        <a:bodyPr/>
+        <a:lstStyle/>
+        <a:p>
+          <a:r>
+            <a:rPr lang="en-CA" b="1" dirty="0"/>
+            <a:t>Run Machine Learning Models</a:t>
+          </a:r>
+        </a:p>
+      </dgm:t>
+    </dgm:pt>
+    <dgm:pt modelId="{33F470F1-9DF1-4330-8FD4-937F4F1CFE16}" type="parTrans" cxnId="{F24B4B62-0CC6-450F-B363-933898EA2AD2}">
+      <dgm:prSet/>
+      <dgm:spPr/>
+      <dgm:t>
+        <a:bodyPr/>
+        <a:lstStyle/>
+        <a:p>
+          <a:endParaRPr lang="en-CA"/>
+        </a:p>
+      </dgm:t>
+    </dgm:pt>
+    <dgm:pt modelId="{79A355A8-F1A7-40AA-A69F-34097B36C21F}" type="sibTrans" cxnId="{F24B4B62-0CC6-450F-B363-933898EA2AD2}">
+      <dgm:prSet/>
+      <dgm:spPr/>
+      <dgm:t>
+        <a:bodyPr/>
+        <a:lstStyle/>
+        <a:p>
+          <a:endParaRPr lang="en-CA"/>
+        </a:p>
+      </dgm:t>
+    </dgm:pt>
+    <dgm:pt modelId="{F8D75E48-9AAA-4085-809E-053F313A0330}">
+      <dgm:prSet phldrT="[Text]" custT="1"/>
+      <dgm:spPr/>
+      <dgm:t>
+        <a:bodyPr lIns="36000" tIns="72000" rIns="36000" bIns="36000"/>
+        <a:lstStyle/>
+        <a:p>
+          <a:pPr>
+            <a:buFont typeface="+mj-lt"/>
+            <a:buAutoNum type="arabicPeriod"/>
+          </a:pPr>
+          <a:r>
+            <a:rPr lang="en-CA" sz="1000" dirty="0"/>
+            <a:t>Install Java, Spark, and </a:t>
+          </a:r>
+          <a:r>
+            <a:rPr lang="en-CA" sz="1000" dirty="0" err="1"/>
+            <a:t>Findspark</a:t>
+          </a:r>
+          <a:r>
+            <a:rPr lang="en-CA" sz="1000" dirty="0"/>
+            <a:t>.</a:t>
+          </a:r>
+        </a:p>
+      </dgm:t>
+    </dgm:pt>
+    <dgm:pt modelId="{D9E1B4FB-A1DC-4B23-9A02-7E0FB9C5F7BD}" type="sibTrans" cxnId="{B1F83D6D-CFCC-45DF-9EC1-EEFD0B7CF6DF}">
+      <dgm:prSet/>
+      <dgm:spPr/>
+      <dgm:t>
+        <a:bodyPr/>
+        <a:lstStyle/>
+        <a:p>
+          <a:endParaRPr lang="en-CA"/>
+        </a:p>
+      </dgm:t>
+    </dgm:pt>
+    <dgm:pt modelId="{F06241B2-FEE1-49AD-86BF-507F6FD2032F}" type="parTrans" cxnId="{B1F83D6D-CFCC-45DF-9EC1-EEFD0B7CF6DF}">
+      <dgm:prSet/>
+      <dgm:spPr/>
+      <dgm:t>
+        <a:bodyPr/>
+        <a:lstStyle/>
+        <a:p>
+          <a:endParaRPr lang="en-CA"/>
+        </a:p>
+      </dgm:t>
+    </dgm:pt>
+    <dgm:pt modelId="{F41F1CCC-F372-4129-9639-7215FBC246D1}">
+      <dgm:prSet custT="1"/>
+      <dgm:spPr/>
+      <dgm:t>
+        <a:bodyPr lIns="36000" tIns="72000" rIns="36000" bIns="36000"/>
+        <a:lstStyle/>
+        <a:p>
+          <a:pPr>
+            <a:buFont typeface="+mj-lt"/>
+            <a:buAutoNum type="arabicPeriod"/>
+          </a:pPr>
+          <a:r>
+            <a:rPr lang="en-CA" sz="1000" dirty="0"/>
+            <a:t>Set environment variables.</a:t>
+          </a:r>
+        </a:p>
+      </dgm:t>
+    </dgm:pt>
+    <dgm:pt modelId="{22BBBE1B-5FD1-4320-AFB1-D7C911E79BA1}" type="parTrans" cxnId="{8269A281-C9F8-4FDB-8F4C-48BC6C4F2595}">
+      <dgm:prSet/>
+      <dgm:spPr/>
+      <dgm:t>
+        <a:bodyPr/>
+        <a:lstStyle/>
+        <a:p>
+          <a:endParaRPr lang="en-CA"/>
+        </a:p>
+      </dgm:t>
+    </dgm:pt>
+    <dgm:pt modelId="{088068E2-2B7C-449B-A03E-251999521D8F}" type="sibTrans" cxnId="{8269A281-C9F8-4FDB-8F4C-48BC6C4F2595}">
+      <dgm:prSet/>
+      <dgm:spPr/>
+      <dgm:t>
+        <a:bodyPr/>
+        <a:lstStyle/>
+        <a:p>
+          <a:endParaRPr lang="en-CA"/>
+        </a:p>
+      </dgm:t>
+    </dgm:pt>
+    <dgm:pt modelId="{B211B111-71CD-4CAC-BFBF-36712880C4BE}">
+      <dgm:prSet custT="1"/>
+      <dgm:spPr/>
+      <dgm:t>
+        <a:bodyPr lIns="36000" tIns="72000" rIns="36000" bIns="36000"/>
+        <a:lstStyle/>
+        <a:p>
+          <a:pPr>
+            <a:buFont typeface="+mj-lt"/>
+            <a:buAutoNum type="arabicPeriod"/>
+          </a:pPr>
+          <a:r>
+            <a:rPr lang="en-CA" sz="1000"/>
+            <a:t>Start a SparkSession.</a:t>
+          </a:r>
+          <a:endParaRPr lang="en-CA" sz="1000" dirty="0"/>
+        </a:p>
+      </dgm:t>
+    </dgm:pt>
+    <dgm:pt modelId="{E6761443-D009-4252-B9AE-65E7A6DB6210}" type="parTrans" cxnId="{68082239-48DB-4129-9717-0FA807D330C4}">
+      <dgm:prSet/>
+      <dgm:spPr/>
+      <dgm:t>
+        <a:bodyPr/>
+        <a:lstStyle/>
+        <a:p>
+          <a:endParaRPr lang="en-CA"/>
+        </a:p>
+      </dgm:t>
+    </dgm:pt>
+    <dgm:pt modelId="{BD8BD2DF-AD1B-455C-9CCF-AD42DE09551C}" type="sibTrans" cxnId="{68082239-48DB-4129-9717-0FA807D330C4}">
+      <dgm:prSet/>
+      <dgm:spPr/>
+      <dgm:t>
+        <a:bodyPr/>
+        <a:lstStyle/>
+        <a:p>
+          <a:endParaRPr lang="en-CA"/>
+        </a:p>
+      </dgm:t>
+    </dgm:pt>
+    <dgm:pt modelId="{F8C52B49-3B0B-4F40-869C-E424FC8E7427}">
+      <dgm:prSet custT="1"/>
+      <dgm:spPr/>
+      <dgm:t>
+        <a:bodyPr lIns="36000" tIns="72000" rIns="36000" bIns="36000"/>
+        <a:lstStyle/>
+        <a:p>
+          <a:pPr>
+            <a:buFont typeface="+mj-lt"/>
+            <a:buAutoNum type="arabicPeriod"/>
+          </a:pPr>
+          <a:r>
+            <a:rPr lang="en-CA" sz="1000" dirty="0"/>
+            <a:t>Interact with SQL.</a:t>
+          </a:r>
+        </a:p>
+      </dgm:t>
+    </dgm:pt>
+    <dgm:pt modelId="{8E5A7DBA-A4C5-49AA-BEA2-3C9AE56BFAF5}" type="parTrans" cxnId="{C1E0E18B-B436-4C7F-9EB8-F64F75FE5ACB}">
+      <dgm:prSet/>
+      <dgm:spPr/>
+      <dgm:t>
+        <a:bodyPr/>
+        <a:lstStyle/>
+        <a:p>
+          <a:endParaRPr lang="en-CA"/>
+        </a:p>
+      </dgm:t>
+    </dgm:pt>
+    <dgm:pt modelId="{AA968FC9-06D0-43AA-948E-F32D52A7ECD8}" type="sibTrans" cxnId="{C1E0E18B-B436-4C7F-9EB8-F64F75FE5ACB}">
+      <dgm:prSet/>
+      <dgm:spPr/>
+      <dgm:t>
+        <a:bodyPr/>
+        <a:lstStyle/>
+        <a:p>
+          <a:endParaRPr lang="en-CA"/>
+        </a:p>
+      </dgm:t>
+    </dgm:pt>
+    <dgm:pt modelId="{88958FCB-C4F1-40EF-A3D7-09BC02CF0C0E}">
+      <dgm:prSet custT="1"/>
+      <dgm:spPr/>
+      <dgm:t>
+        <a:bodyPr lIns="36000" tIns="72000" rIns="36000" bIns="36000"/>
+        <a:lstStyle/>
+        <a:p>
+          <a:pPr>
+            <a:buFont typeface="+mj-lt"/>
+            <a:buAutoNum type="arabicPeriod"/>
+          </a:pPr>
+          <a:r>
+            <a:rPr lang="en-CA" sz="1000"/>
+            <a:t>Create Spark application.</a:t>
+          </a:r>
+          <a:endParaRPr lang="en-CA" sz="1000" dirty="0"/>
+        </a:p>
+      </dgm:t>
+    </dgm:pt>
+    <dgm:pt modelId="{29FBF599-CADF-4511-A9B9-C8281EF8499C}" type="parTrans" cxnId="{64FA20C5-216B-47A4-8659-61A38665184F}">
+      <dgm:prSet/>
+      <dgm:spPr/>
+      <dgm:t>
+        <a:bodyPr/>
+        <a:lstStyle/>
+        <a:p>
+          <a:endParaRPr lang="en-CA"/>
+        </a:p>
+      </dgm:t>
+    </dgm:pt>
+    <dgm:pt modelId="{34E2AFF1-9324-4ED7-AD19-D26AE3E06B23}" type="sibTrans" cxnId="{64FA20C5-216B-47A4-8659-61A38665184F}">
+      <dgm:prSet/>
+      <dgm:spPr/>
+      <dgm:t>
+        <a:bodyPr/>
+        <a:lstStyle/>
+        <a:p>
+          <a:endParaRPr lang="en-CA"/>
+        </a:p>
+      </dgm:t>
+    </dgm:pt>
+    <dgm:pt modelId="{83E46B71-B847-401D-BB9A-0851B46F46D6}">
+      <dgm:prSet custT="1"/>
+      <dgm:spPr/>
+      <dgm:t>
+        <a:bodyPr lIns="36000" tIns="72000" rIns="36000" bIns="36000"/>
+        <a:lstStyle/>
+        <a:p>
+          <a:pPr>
+            <a:buFont typeface="+mj-lt"/>
+            <a:buAutoNum type="arabicPeriod"/>
+          </a:pPr>
+          <a:r>
+            <a:rPr lang="en-US" sz="1000"/>
+            <a:t>Login to gcloud and check the DB.</a:t>
+          </a:r>
+          <a:endParaRPr lang="en-CA" sz="1000" dirty="0"/>
+        </a:p>
+      </dgm:t>
+    </dgm:pt>
+    <dgm:pt modelId="{53399EC4-DA45-4A32-B969-CA824CF1EC16}" type="parTrans" cxnId="{044DDE03-78F0-42C7-A56F-5BE3C291857B}">
+      <dgm:prSet/>
+      <dgm:spPr/>
+      <dgm:t>
+        <a:bodyPr/>
+        <a:lstStyle/>
+        <a:p>
+          <a:endParaRPr lang="en-CA"/>
+        </a:p>
+      </dgm:t>
+    </dgm:pt>
+    <dgm:pt modelId="{60C97D8C-1F48-49DC-8A74-B963A216F1C0}" type="sibTrans" cxnId="{044DDE03-78F0-42C7-A56F-5BE3C291857B}">
+      <dgm:prSet/>
+      <dgm:spPr/>
+      <dgm:t>
+        <a:bodyPr/>
+        <a:lstStyle/>
+        <a:p>
+          <a:endParaRPr lang="en-CA"/>
+        </a:p>
+      </dgm:t>
+    </dgm:pt>
+    <dgm:pt modelId="{F9ACF090-0FCE-4D21-8A2B-C4213E6016E7}">
+      <dgm:prSet custT="1"/>
+      <dgm:spPr/>
+      <dgm:t>
+        <a:bodyPr lIns="36000" tIns="72000" rIns="36000" bIns="36000"/>
+        <a:lstStyle/>
+        <a:p>
+          <a:pPr>
+            <a:buFont typeface="+mj-lt"/>
+            <a:buAutoNum type="arabicPeriod"/>
+          </a:pPr>
+          <a:r>
+            <a:rPr lang="en-US" sz="1000"/>
+            <a:t>Download and initialize the SQL proxy.</a:t>
+          </a:r>
+          <a:endParaRPr lang="en-CA" sz="1000" dirty="0"/>
+        </a:p>
+      </dgm:t>
+    </dgm:pt>
+    <dgm:pt modelId="{FE0CB776-8947-45EF-A3EA-AC1589679681}" type="parTrans" cxnId="{2D695900-E19A-4B2C-ACA1-16DC2E2E1F2F}">
+      <dgm:prSet/>
+      <dgm:spPr/>
+      <dgm:t>
+        <a:bodyPr/>
+        <a:lstStyle/>
+        <a:p>
+          <a:endParaRPr lang="en-CA"/>
+        </a:p>
+      </dgm:t>
+    </dgm:pt>
+    <dgm:pt modelId="{AE51E16D-C711-495A-8611-8F198ED2EC9C}" type="sibTrans" cxnId="{2D695900-E19A-4B2C-ACA1-16DC2E2E1F2F}">
+      <dgm:prSet/>
+      <dgm:spPr/>
+      <dgm:t>
+        <a:bodyPr/>
+        <a:lstStyle/>
+        <a:p>
+          <a:endParaRPr lang="en-CA"/>
+        </a:p>
+      </dgm:t>
+    </dgm:pt>
+    <dgm:pt modelId="{1F15028F-33FF-4264-9B90-D9CD69979D54}">
+      <dgm:prSet custT="1"/>
+      <dgm:spPr/>
+      <dgm:t>
+        <a:bodyPr lIns="36000" tIns="72000" rIns="36000" bIns="36000"/>
+        <a:lstStyle/>
+        <a:p>
+          <a:pPr>
+            <a:buFont typeface="+mj-lt"/>
+            <a:buAutoNum type="arabicPeriod"/>
+          </a:pPr>
+          <a:r>
+            <a:rPr lang="en-CA" sz="1000" dirty="0"/>
+            <a:t>Configure settings for RDS.</a:t>
+          </a:r>
+        </a:p>
+      </dgm:t>
+    </dgm:pt>
+    <dgm:pt modelId="{3B810E17-9523-467D-A5A9-91A8ADD46B65}" type="parTrans" cxnId="{59AE938B-3E1B-4D31-A7D9-FDEC16FF94C6}">
+      <dgm:prSet/>
+      <dgm:spPr/>
+      <dgm:t>
+        <a:bodyPr/>
+        <a:lstStyle/>
+        <a:p>
+          <a:endParaRPr lang="en-CA"/>
+        </a:p>
+      </dgm:t>
+    </dgm:pt>
+    <dgm:pt modelId="{64F8B2BD-0C4E-4438-A844-4D9BBB14618D}" type="sibTrans" cxnId="{59AE938B-3E1B-4D31-A7D9-FDEC16FF94C6}">
+      <dgm:prSet/>
+      <dgm:spPr/>
+      <dgm:t>
+        <a:bodyPr/>
+        <a:lstStyle/>
+        <a:p>
+          <a:endParaRPr lang="en-CA"/>
+        </a:p>
+      </dgm:t>
+    </dgm:pt>
+    <dgm:pt modelId="{1093AC2E-5C63-417E-AE14-549B3CC21750}">
       <dgm:prSet phldrT="[Text]" custT="1"/>
       <dgm:spPr/>
       <dgm:t>
@@ -3575,7 +3971,7 @@
         </a:p>
       </dgm:t>
     </dgm:pt>
-    <dgm:pt modelId="{8A888A73-E822-45D4-86B9-E4E702FC61FF}" type="parTrans" cxnId="{FEB82C10-C2AE-406C-8F1E-69282AF0FC68}">
+    <dgm:pt modelId="{2FEE2CAA-36E8-4835-A5AC-EBD70C81D89C}" type="parTrans" cxnId="{82B8BAB6-0B80-492A-8B10-60053E2C1CFE}">
       <dgm:prSet/>
       <dgm:spPr/>
       <dgm:t>
@@ -3586,7 +3982,7 @@
         </a:p>
       </dgm:t>
     </dgm:pt>
-    <dgm:pt modelId="{45AB9B62-CF6D-4D73-ABC3-9361D7D29280}" type="sibTrans" cxnId="{FEB82C10-C2AE-406C-8F1E-69282AF0FC68}">
+    <dgm:pt modelId="{5EC42E26-83F2-406B-A86C-66AE88498FDE}" type="sibTrans" cxnId="{82B8BAB6-0B80-492A-8B10-60053E2C1CFE}">
       <dgm:prSet/>
       <dgm:spPr/>
       <dgm:t>
@@ -3597,421 +3993,7 @@
         </a:p>
       </dgm:t>
     </dgm:pt>
-    <dgm:pt modelId="{C9BA18C6-1688-44A3-B585-0F30B69F9C4F}">
-      <dgm:prSet phldrT="[Text]"/>
-      <dgm:spPr/>
-      <dgm:t>
-        <a:bodyPr/>
-        <a:lstStyle/>
-        <a:p>
-          <a:r>
-            <a:rPr lang="en-CA" dirty="0"/>
-            <a:t>Transform Data</a:t>
-          </a:r>
-        </a:p>
-      </dgm:t>
-    </dgm:pt>
-    <dgm:pt modelId="{C006B955-B80F-4759-A3B5-E3070D2402D3}" type="parTrans" cxnId="{B4A2D6C5-250B-4922-8BFD-D6D637403BFD}">
-      <dgm:prSet/>
-      <dgm:spPr/>
-      <dgm:t>
-        <a:bodyPr/>
-        <a:lstStyle/>
-        <a:p>
-          <a:endParaRPr lang="en-CA"/>
-        </a:p>
-      </dgm:t>
-    </dgm:pt>
-    <dgm:pt modelId="{F5428DDE-7489-4C84-8F56-19C505201CDE}" type="sibTrans" cxnId="{B4A2D6C5-250B-4922-8BFD-D6D637403BFD}">
-      <dgm:prSet/>
-      <dgm:spPr/>
-      <dgm:t>
-        <a:bodyPr/>
-        <a:lstStyle/>
-        <a:p>
-          <a:endParaRPr lang="en-CA"/>
-        </a:p>
-      </dgm:t>
-    </dgm:pt>
-    <dgm:pt modelId="{4B05E609-6F9E-4C6B-A35E-961AF9BFA7B8}">
-      <dgm:prSet phldrT="[Text]" custT="1"/>
-      <dgm:spPr/>
-      <dgm:t>
-        <a:bodyPr lIns="36000" tIns="36000" rIns="36000" bIns="36000"/>
-        <a:lstStyle/>
-        <a:p>
-          <a:pPr>
-            <a:buFont typeface="+mj-lt"/>
-            <a:buAutoNum type="arabicPeriod"/>
-          </a:pPr>
-          <a:r>
-            <a:rPr lang="en-CA" sz="1000" dirty="0"/>
-            <a:t>Categorize into binary categories (binary) / Drop rows with 2 and 4 stars (3-category) / Keep all rows (5-category).</a:t>
-          </a:r>
-        </a:p>
-      </dgm:t>
-    </dgm:pt>
-    <dgm:pt modelId="{86552A60-C3B4-4084-AFDE-69E522B5C09E}" type="parTrans" cxnId="{E3AC1998-DC89-457E-9688-E94C66D224D9}">
-      <dgm:prSet/>
-      <dgm:spPr/>
-      <dgm:t>
-        <a:bodyPr/>
-        <a:lstStyle/>
-        <a:p>
-          <a:endParaRPr lang="en-CA"/>
-        </a:p>
-      </dgm:t>
-    </dgm:pt>
-    <dgm:pt modelId="{97489A97-FA5C-482C-A9DA-994B0BFC6A94}" type="sibTrans" cxnId="{E3AC1998-DC89-457E-9688-E94C66D224D9}">
-      <dgm:prSet/>
-      <dgm:spPr/>
-      <dgm:t>
-        <a:bodyPr/>
-        <a:lstStyle/>
-        <a:p>
-          <a:endParaRPr lang="en-CA"/>
-        </a:p>
-      </dgm:t>
-    </dgm:pt>
-    <dgm:pt modelId="{174975FB-FEEF-4146-AADB-008F8D59677A}">
-      <dgm:prSet phldrT="[Text]" custT="1"/>
-      <dgm:spPr/>
-      <dgm:t>
-        <a:bodyPr lIns="36000" tIns="36000" rIns="36000" bIns="36000"/>
-        <a:lstStyle/>
-        <a:p>
-          <a:pPr>
-            <a:buFont typeface="+mj-lt"/>
-            <a:buAutoNum type="arabicPeriod"/>
-          </a:pPr>
-          <a:r>
-            <a:rPr lang="en-CA" sz="1000" dirty="0"/>
-            <a:t>Remove punctuation.</a:t>
-          </a:r>
-        </a:p>
-      </dgm:t>
-    </dgm:pt>
-    <dgm:pt modelId="{3569DAE8-36B1-40BE-A2DA-ED9DA307FA85}" type="parTrans" cxnId="{6A08B7DB-3ED0-4CAA-BBDC-8DFE9FAC6D01}">
-      <dgm:prSet/>
-      <dgm:spPr/>
-      <dgm:t>
-        <a:bodyPr/>
-        <a:lstStyle/>
-        <a:p>
-          <a:endParaRPr lang="en-CA"/>
-        </a:p>
-      </dgm:t>
-    </dgm:pt>
-    <dgm:pt modelId="{95AB8D7A-9E16-4C9C-8F43-A364CE604E01}" type="sibTrans" cxnId="{6A08B7DB-3ED0-4CAA-BBDC-8DFE9FAC6D01}">
-      <dgm:prSet/>
-      <dgm:spPr/>
-      <dgm:t>
-        <a:bodyPr/>
-        <a:lstStyle/>
-        <a:p>
-          <a:endParaRPr lang="en-CA"/>
-        </a:p>
-      </dgm:t>
-    </dgm:pt>
-    <dgm:pt modelId="{36C5E64D-F1EA-4DCB-A312-285C2C7F5224}">
-      <dgm:prSet custT="1"/>
-      <dgm:spPr/>
-      <dgm:t>
-        <a:bodyPr lIns="36000" tIns="36000" rIns="36000" bIns="36000"/>
-        <a:lstStyle/>
-        <a:p>
-          <a:pPr>
-            <a:buFont typeface="+mj-lt"/>
-            <a:buAutoNum type="arabicPeriod"/>
-          </a:pPr>
-          <a:r>
-            <a:rPr lang="en-CA" sz="900" dirty="0"/>
-            <a:t>Set environment variables.</a:t>
-          </a:r>
-        </a:p>
-      </dgm:t>
-    </dgm:pt>
-    <dgm:pt modelId="{8F931850-2DE2-4ED0-A253-CD6D16AA3CE2}" type="parTrans" cxnId="{92294CE3-0376-4673-8825-3471BA87409A}">
-      <dgm:prSet/>
-      <dgm:spPr/>
-      <dgm:t>
-        <a:bodyPr/>
-        <a:lstStyle/>
-        <a:p>
-          <a:endParaRPr lang="en-CA"/>
-        </a:p>
-      </dgm:t>
-    </dgm:pt>
-    <dgm:pt modelId="{7CE5BE7A-ECB5-437C-A775-5969E955677D}" type="sibTrans" cxnId="{92294CE3-0376-4673-8825-3471BA87409A}">
-      <dgm:prSet/>
-      <dgm:spPr/>
-      <dgm:t>
-        <a:bodyPr/>
-        <a:lstStyle/>
-        <a:p>
-          <a:endParaRPr lang="en-CA"/>
-        </a:p>
-      </dgm:t>
-    </dgm:pt>
-    <dgm:pt modelId="{899A00E3-3BDF-4282-BF88-5A88DD398E86}">
-      <dgm:prSet custT="1"/>
-      <dgm:spPr/>
-      <dgm:t>
-        <a:bodyPr lIns="36000" tIns="36000" rIns="36000" bIns="36000"/>
-        <a:lstStyle/>
-        <a:p>
-          <a:pPr>
-            <a:buFont typeface="+mj-lt"/>
-            <a:buAutoNum type="arabicPeriod"/>
-          </a:pPr>
-          <a:r>
-            <a:rPr lang="en-CA" sz="900" dirty="0"/>
-            <a:t>Start a </a:t>
-          </a:r>
-          <a:r>
-            <a:rPr lang="en-CA" sz="900" dirty="0" err="1"/>
-            <a:t>SparkSession</a:t>
-          </a:r>
-          <a:r>
-            <a:rPr lang="en-CA" sz="900" dirty="0"/>
-            <a:t>.</a:t>
-          </a:r>
-        </a:p>
-      </dgm:t>
-    </dgm:pt>
-    <dgm:pt modelId="{94399B44-773D-4908-9E8F-4F9D6937099B}" type="parTrans" cxnId="{A28AE026-D0DF-4C7D-9290-4D0E83CC069B}">
-      <dgm:prSet/>
-      <dgm:spPr/>
-      <dgm:t>
-        <a:bodyPr/>
-        <a:lstStyle/>
-        <a:p>
-          <a:endParaRPr lang="en-CA"/>
-        </a:p>
-      </dgm:t>
-    </dgm:pt>
-    <dgm:pt modelId="{44C7AD77-1C85-49D4-A1F2-B73C6F55289E}" type="sibTrans" cxnId="{A28AE026-D0DF-4C7D-9290-4D0E83CC069B}">
-      <dgm:prSet/>
-      <dgm:spPr/>
-      <dgm:t>
-        <a:bodyPr/>
-        <a:lstStyle/>
-        <a:p>
-          <a:endParaRPr lang="en-CA"/>
-        </a:p>
-      </dgm:t>
-    </dgm:pt>
-    <dgm:pt modelId="{F74405B0-5350-4719-8E5A-58864C98BB16}">
-      <dgm:prSet custT="1"/>
-      <dgm:spPr/>
-      <dgm:t>
-        <a:bodyPr lIns="36000" tIns="36000" rIns="36000" bIns="36000"/>
-        <a:lstStyle/>
-        <a:p>
-          <a:pPr>
-            <a:buFont typeface="+mj-lt"/>
-            <a:buAutoNum type="arabicPeriod"/>
-          </a:pPr>
-          <a:r>
-            <a:rPr lang="en-CA" sz="900" dirty="0"/>
-            <a:t>Interact with SQL.</a:t>
-          </a:r>
-        </a:p>
-      </dgm:t>
-    </dgm:pt>
-    <dgm:pt modelId="{91A1AB55-08F1-4540-94AA-0BD6DEFC1520}" type="parTrans" cxnId="{F9DE08A9-8F6B-4A42-981A-9B6F0A8E2AC8}">
-      <dgm:prSet/>
-      <dgm:spPr/>
-      <dgm:t>
-        <a:bodyPr/>
-        <a:lstStyle/>
-        <a:p>
-          <a:endParaRPr lang="en-CA"/>
-        </a:p>
-      </dgm:t>
-    </dgm:pt>
-    <dgm:pt modelId="{07897A09-A4B6-4F2A-A839-89C655246472}" type="sibTrans" cxnId="{F9DE08A9-8F6B-4A42-981A-9B6F0A8E2AC8}">
-      <dgm:prSet/>
-      <dgm:spPr/>
-      <dgm:t>
-        <a:bodyPr/>
-        <a:lstStyle/>
-        <a:p>
-          <a:endParaRPr lang="en-CA"/>
-        </a:p>
-      </dgm:t>
-    </dgm:pt>
-    <dgm:pt modelId="{D2DC0D10-0302-42CA-A122-08F81B73DE44}">
-      <dgm:prSet custT="1"/>
-      <dgm:spPr/>
-      <dgm:t>
-        <a:bodyPr lIns="36000" tIns="36000" rIns="36000" bIns="36000"/>
-        <a:lstStyle/>
-        <a:p>
-          <a:pPr>
-            <a:buFont typeface="+mj-lt"/>
-            <a:buAutoNum type="arabicPeriod"/>
-          </a:pPr>
-          <a:r>
-            <a:rPr lang="en-CA" sz="900" dirty="0"/>
-            <a:t>Create Spark application.</a:t>
-          </a:r>
-        </a:p>
-      </dgm:t>
-    </dgm:pt>
-    <dgm:pt modelId="{3920131A-E7EA-4639-AE30-DEEF90964183}" type="parTrans" cxnId="{6863CFA7-640D-49CA-8BFA-984728EF1E54}">
-      <dgm:prSet/>
-      <dgm:spPr/>
-      <dgm:t>
-        <a:bodyPr/>
-        <a:lstStyle/>
-        <a:p>
-          <a:endParaRPr lang="en-CA"/>
-        </a:p>
-      </dgm:t>
-    </dgm:pt>
-    <dgm:pt modelId="{D1927DE6-3251-4297-9E83-695BDAABD8C1}" type="sibTrans" cxnId="{6863CFA7-640D-49CA-8BFA-984728EF1E54}">
-      <dgm:prSet/>
-      <dgm:spPr/>
-      <dgm:t>
-        <a:bodyPr/>
-        <a:lstStyle/>
-        <a:p>
-          <a:endParaRPr lang="en-CA"/>
-        </a:p>
-      </dgm:t>
-    </dgm:pt>
-    <dgm:pt modelId="{7EDCD917-9861-4A67-A670-322E8DD8E704}">
-      <dgm:prSet custT="1"/>
-      <dgm:spPr/>
-      <dgm:t>
-        <a:bodyPr lIns="36000" tIns="36000" rIns="36000" bIns="36000"/>
-        <a:lstStyle/>
-        <a:p>
-          <a:pPr>
-            <a:buFont typeface="+mj-lt"/>
-            <a:buAutoNum type="arabicPeriod"/>
-          </a:pPr>
-          <a:r>
-            <a:rPr lang="en-US" sz="900" dirty="0"/>
-            <a:t>Login to </a:t>
-          </a:r>
-          <a:r>
-            <a:rPr lang="en-US" sz="900" dirty="0" err="1"/>
-            <a:t>gcloud</a:t>
-          </a:r>
-          <a:r>
-            <a:rPr lang="en-US" sz="900" dirty="0"/>
-            <a:t> and check the DB.</a:t>
-          </a:r>
-          <a:endParaRPr lang="en-CA" sz="900" dirty="0"/>
-        </a:p>
-      </dgm:t>
-    </dgm:pt>
-    <dgm:pt modelId="{7702E16E-12D0-4BCB-AD5B-FE8424414DD0}" type="parTrans" cxnId="{ADB7C1C7-3599-4228-9B04-03AE733440CA}">
-      <dgm:prSet/>
-      <dgm:spPr/>
-      <dgm:t>
-        <a:bodyPr/>
-        <a:lstStyle/>
-        <a:p>
-          <a:endParaRPr lang="en-CA"/>
-        </a:p>
-      </dgm:t>
-    </dgm:pt>
-    <dgm:pt modelId="{B5BD2D3C-6935-424B-8DA8-DB59F2A90D27}" type="sibTrans" cxnId="{ADB7C1C7-3599-4228-9B04-03AE733440CA}">
-      <dgm:prSet/>
-      <dgm:spPr/>
-      <dgm:t>
-        <a:bodyPr/>
-        <a:lstStyle/>
-        <a:p>
-          <a:endParaRPr lang="en-CA"/>
-        </a:p>
-      </dgm:t>
-    </dgm:pt>
-    <dgm:pt modelId="{F480A11D-E7F5-4DA5-8D15-5D626ED3BBA8}">
-      <dgm:prSet custT="1"/>
-      <dgm:spPr/>
-      <dgm:t>
-        <a:bodyPr lIns="36000" tIns="36000" rIns="36000" bIns="36000"/>
-        <a:lstStyle/>
-        <a:p>
-          <a:pPr>
-            <a:buFont typeface="+mj-lt"/>
-            <a:buAutoNum type="arabicPeriod"/>
-          </a:pPr>
-          <a:r>
-            <a:rPr lang="en-US" sz="900" dirty="0"/>
-            <a:t>Download and initialize the SQL proxy.</a:t>
-          </a:r>
-          <a:endParaRPr lang="en-CA" sz="900" dirty="0"/>
-        </a:p>
-      </dgm:t>
-    </dgm:pt>
-    <dgm:pt modelId="{14F54FCC-9F54-4856-AC40-EEDD145E833F}" type="parTrans" cxnId="{C9B49BA0-5813-45B0-A733-96ABF29C61B5}">
-      <dgm:prSet/>
-      <dgm:spPr/>
-      <dgm:t>
-        <a:bodyPr/>
-        <a:lstStyle/>
-        <a:p>
-          <a:endParaRPr lang="en-CA"/>
-        </a:p>
-      </dgm:t>
-    </dgm:pt>
-    <dgm:pt modelId="{D8148C1C-0A7E-4AB1-9757-375AF4C6C226}" type="sibTrans" cxnId="{C9B49BA0-5813-45B0-A733-96ABF29C61B5}">
-      <dgm:prSet/>
-      <dgm:spPr/>
-      <dgm:t>
-        <a:bodyPr/>
-        <a:lstStyle/>
-        <a:p>
-          <a:endParaRPr lang="en-CA"/>
-        </a:p>
-      </dgm:t>
-    </dgm:pt>
-    <dgm:pt modelId="{84EDE297-AC33-45B8-97D2-51FB2846EC1D}">
-      <dgm:prSet custT="1"/>
-      <dgm:spPr/>
-      <dgm:t>
-        <a:bodyPr lIns="36000" tIns="36000" rIns="36000" bIns="36000"/>
-        <a:lstStyle/>
-        <a:p>
-          <a:pPr>
-            <a:buFont typeface="+mj-lt"/>
-            <a:buAutoNum type="arabicPeriod"/>
-          </a:pPr>
-          <a:r>
-            <a:rPr lang="en-CA" sz="900" dirty="0"/>
-            <a:t>Configure settings for RDS.</a:t>
-          </a:r>
-        </a:p>
-      </dgm:t>
-    </dgm:pt>
-    <dgm:pt modelId="{5F5A7A66-747F-40BC-96A6-3AFB21FAD2FA}" type="parTrans" cxnId="{A8F532F7-9D40-4737-BEC1-E4D0CD0EF4D8}">
-      <dgm:prSet/>
-      <dgm:spPr/>
-      <dgm:t>
-        <a:bodyPr/>
-        <a:lstStyle/>
-        <a:p>
-          <a:endParaRPr lang="en-CA"/>
-        </a:p>
-      </dgm:t>
-    </dgm:pt>
-    <dgm:pt modelId="{E68AED9F-9518-4F0C-99BB-E49CEB966840}" type="sibTrans" cxnId="{A8F532F7-9D40-4737-BEC1-E4D0CD0EF4D8}">
-      <dgm:prSet/>
-      <dgm:spPr/>
-      <dgm:t>
-        <a:bodyPr/>
-        <a:lstStyle/>
-        <a:p>
-          <a:endParaRPr lang="en-CA"/>
-        </a:p>
-      </dgm:t>
-    </dgm:pt>
-    <dgm:pt modelId="{ABC61ACA-E58D-4196-B1B2-90C320C6CB09}">
+    <dgm:pt modelId="{318B1B04-595D-4CD9-A40A-6DA4B4F8AD31}">
       <dgm:prSet phldrT="[Text]" custT="1"/>
       <dgm:spPr/>
       <dgm:t>
@@ -4045,7 +4027,7 @@
         </a:p>
       </dgm:t>
     </dgm:pt>
-    <dgm:pt modelId="{1E73E330-063A-40FE-96D2-18152042A097}" type="parTrans" cxnId="{4733D80F-6D41-4E41-B0EB-C0003CA415FC}">
+    <dgm:pt modelId="{41FE8AF2-8C32-45FD-8685-92DC68BB3E22}" type="parTrans" cxnId="{91AB9384-67B6-4424-A9A6-63221DEE18FF}">
       <dgm:prSet/>
       <dgm:spPr/>
       <dgm:t>
@@ -4056,7 +4038,7 @@
         </a:p>
       </dgm:t>
     </dgm:pt>
-    <dgm:pt modelId="{1689FAC3-082E-463D-B1EF-A6CBD1354908}" type="sibTrans" cxnId="{4733D80F-6D41-4E41-B0EB-C0003CA415FC}">
+    <dgm:pt modelId="{B0226618-AC57-4360-B4A9-3EE143E2B7B0}" type="sibTrans" cxnId="{91AB9384-67B6-4424-A9A6-63221DEE18FF}">
       <dgm:prSet/>
       <dgm:spPr/>
       <dgm:t>
@@ -4067,7 +4049,7 @@
         </a:p>
       </dgm:t>
     </dgm:pt>
-    <dgm:pt modelId="{DE6B4893-3B97-4E21-965D-03A868B56735}">
+    <dgm:pt modelId="{33DC13FF-967D-4EED-9151-257A0271A4AC}">
       <dgm:prSet phldrT="[Text]" custT="1"/>
       <dgm:spPr/>
       <dgm:t>
@@ -4093,7 +4075,7 @@
         </a:p>
       </dgm:t>
     </dgm:pt>
-    <dgm:pt modelId="{5FA40E64-0A06-4261-B96C-2B896B66D522}" type="parTrans" cxnId="{3704616C-652A-4D02-8787-2A6C8068733E}">
+    <dgm:pt modelId="{309CB17F-619C-435A-9A41-616E76B5EF39}" type="parTrans" cxnId="{EE6063AF-5BF2-47E6-9B50-02C0D1946FC9}">
       <dgm:prSet/>
       <dgm:spPr/>
       <dgm:t>
@@ -4104,7 +4086,7 @@
         </a:p>
       </dgm:t>
     </dgm:pt>
-    <dgm:pt modelId="{6F1B05B9-4D1C-4BDF-8412-565F36B7A0A5}" type="sibTrans" cxnId="{3704616C-652A-4D02-8787-2A6C8068733E}">
+    <dgm:pt modelId="{5840AC29-D377-42DE-A295-73FB70DF18D8}" type="sibTrans" cxnId="{EE6063AF-5BF2-47E6-9B50-02C0D1946FC9}">
       <dgm:prSet/>
       <dgm:spPr/>
       <dgm:t>
@@ -4115,79 +4097,7 @@
         </a:p>
       </dgm:t>
     </dgm:pt>
-    <dgm:pt modelId="{7D49E842-6EF6-4C45-8534-EED3A2E484DD}">
-      <dgm:prSet phldrT="[Text]"/>
-      <dgm:spPr/>
-      <dgm:t>
-        <a:bodyPr/>
-        <a:lstStyle/>
-        <a:p>
-          <a:r>
-            <a:rPr lang="en-CA" dirty="0"/>
-            <a:t>Create Pipeline</a:t>
-          </a:r>
-        </a:p>
-      </dgm:t>
-    </dgm:pt>
-    <dgm:pt modelId="{7FF3CE6F-3FED-48AC-B7D7-58D23950BC1D}" type="parTrans" cxnId="{ED333E4E-BB85-46D3-87FA-0715534BEA39}">
-      <dgm:prSet/>
-      <dgm:spPr/>
-      <dgm:t>
-        <a:bodyPr/>
-        <a:lstStyle/>
-        <a:p>
-          <a:endParaRPr lang="en-CA"/>
-        </a:p>
-      </dgm:t>
-    </dgm:pt>
-    <dgm:pt modelId="{9A2DB8C4-8084-4709-AEFB-B50A1FEB1DD9}" type="sibTrans" cxnId="{ED333E4E-BB85-46D3-87FA-0715534BEA39}">
-      <dgm:prSet/>
-      <dgm:spPr/>
-      <dgm:t>
-        <a:bodyPr/>
-        <a:lstStyle/>
-        <a:p>
-          <a:endParaRPr lang="en-CA"/>
-        </a:p>
-      </dgm:t>
-    </dgm:pt>
-    <dgm:pt modelId="{E902D653-D8D5-40DC-A44D-C9E85ACF4D2F}">
-      <dgm:prSet phldrT="[Text]"/>
-      <dgm:spPr/>
-      <dgm:t>
-        <a:bodyPr/>
-        <a:lstStyle/>
-        <a:p>
-          <a:r>
-            <a:rPr lang="en-CA" dirty="0"/>
-            <a:t>Run Machine Learning Models</a:t>
-          </a:r>
-        </a:p>
-      </dgm:t>
-    </dgm:pt>
-    <dgm:pt modelId="{FB63C8BD-26DA-4542-8DF2-BFC7F9821156}" type="parTrans" cxnId="{93435F20-DF94-4293-B84D-CE5E03186EE0}">
-      <dgm:prSet/>
-      <dgm:spPr/>
-      <dgm:t>
-        <a:bodyPr/>
-        <a:lstStyle/>
-        <a:p>
-          <a:endParaRPr lang="en-CA"/>
-        </a:p>
-      </dgm:t>
-    </dgm:pt>
-    <dgm:pt modelId="{D8E18B71-69EB-4EFB-9A36-2C46597AF04E}" type="sibTrans" cxnId="{93435F20-DF94-4293-B84D-CE5E03186EE0}">
-      <dgm:prSet/>
-      <dgm:spPr/>
-      <dgm:t>
-        <a:bodyPr/>
-        <a:lstStyle/>
-        <a:p>
-          <a:endParaRPr lang="en-CA"/>
-        </a:p>
-      </dgm:t>
-    </dgm:pt>
-    <dgm:pt modelId="{E4BBAB24-779F-4D92-B8CD-92C9EDCEA1A8}">
+    <dgm:pt modelId="{3E227993-E421-432E-A313-6501DF006FA4}">
       <dgm:prSet phldrT="[Text]" custT="1"/>
       <dgm:spPr/>
       <dgm:t>
@@ -4200,12 +4110,12 @@
           </a:pPr>
           <a:r>
             <a:rPr lang="en-CA" sz="1000" dirty="0"/>
-            <a:t>Tokenize data and change to lowercase.</a:t>
+            <a:t>Remove punctuation.</a:t>
           </a:r>
         </a:p>
       </dgm:t>
     </dgm:pt>
-    <dgm:pt modelId="{DAFA2700-3B03-4CAB-AFA0-BD15D86A3350}" type="parTrans" cxnId="{6C3CA5F2-D4A2-446E-AE5D-E31044358F4E}">
+    <dgm:pt modelId="{4E55A96A-C9B6-42D2-986E-F6D6DAF1D4B5}" type="parTrans" cxnId="{D002FA8D-9553-43EA-81A3-DB0BD0D36EE5}">
       <dgm:prSet/>
       <dgm:spPr/>
       <dgm:t>
@@ -4216,7 +4126,7 @@
         </a:p>
       </dgm:t>
     </dgm:pt>
-    <dgm:pt modelId="{2EDAA3DA-C0E9-4EC2-B742-F02036C7F354}" type="sibTrans" cxnId="{6C3CA5F2-D4A2-446E-AE5D-E31044358F4E}">
+    <dgm:pt modelId="{B3274DE4-4C7A-44F9-B11F-3C9A36A62BA8}" type="sibTrans" cxnId="{D002FA8D-9553-43EA-81A3-DB0BD0D36EE5}">
       <dgm:prSet/>
       <dgm:spPr/>
       <dgm:t>
@@ -4227,7 +4137,47 @@
         </a:p>
       </dgm:t>
     </dgm:pt>
-    <dgm:pt modelId="{E30DFF50-46B4-4D5B-8936-8D26D3985491}">
+    <dgm:pt modelId="{2C27F7B8-4DDF-49EE-B269-B5F48DC095E9}">
+      <dgm:prSet phldrT="[Text]" custT="1"/>
+      <dgm:spPr/>
+      <dgm:t>
+        <a:bodyPr lIns="36000" tIns="36000" rIns="36000" bIns="36000"/>
+        <a:lstStyle/>
+        <a:p>
+          <a:pPr>
+            <a:buFont typeface="+mj-lt"/>
+            <a:buAutoNum type="arabicPeriod"/>
+          </a:pPr>
+          <a:r>
+            <a:rPr lang="en-CA" sz="1000" dirty="0"/>
+            <a:t>Tokenize words.</a:t>
+          </a:r>
+        </a:p>
+      </dgm:t>
+    </dgm:pt>
+    <dgm:pt modelId="{5FE1B81F-87CD-4322-AEF7-C598B77D6DF8}" type="parTrans" cxnId="{C6DDA8D2-F2FF-4CE4-9107-2FAFAFA6C9C6}">
+      <dgm:prSet/>
+      <dgm:spPr/>
+      <dgm:t>
+        <a:bodyPr/>
+        <a:lstStyle/>
+        <a:p>
+          <a:endParaRPr lang="en-CA"/>
+        </a:p>
+      </dgm:t>
+    </dgm:pt>
+    <dgm:pt modelId="{98513F7C-085F-4BD1-8AC7-171262021DD4}" type="sibTrans" cxnId="{C6DDA8D2-F2FF-4CE4-9107-2FAFAFA6C9C6}">
+      <dgm:prSet/>
+      <dgm:spPr/>
+      <dgm:t>
+        <a:bodyPr/>
+        <a:lstStyle/>
+        <a:p>
+          <a:endParaRPr lang="en-CA"/>
+        </a:p>
+      </dgm:t>
+    </dgm:pt>
+    <dgm:pt modelId="{8FE25FAD-F216-42B2-AAFE-472DDBF2976F}">
       <dgm:prSet phldrT="[Text]" custT="1"/>
       <dgm:spPr/>
       <dgm:t>
@@ -4253,7 +4203,7 @@
         </a:p>
       </dgm:t>
     </dgm:pt>
-    <dgm:pt modelId="{3207FB42-AB11-4B13-8A7E-BC8B1A9FD0A8}" type="parTrans" cxnId="{B71AA1CB-D3E1-40DA-B0AB-B918746DF493}">
+    <dgm:pt modelId="{8E355FDD-F809-4423-8276-241703F610CB}" type="parTrans" cxnId="{23B25EC0-4407-4817-B5D3-213CCCB5A1E0}">
       <dgm:prSet/>
       <dgm:spPr/>
       <dgm:t>
@@ -4264,7 +4214,7 @@
         </a:p>
       </dgm:t>
     </dgm:pt>
-    <dgm:pt modelId="{072295C7-B17F-48E4-A234-7B8E0A9FF3BE}" type="sibTrans" cxnId="{B71AA1CB-D3E1-40DA-B0AB-B918746DF493}">
+    <dgm:pt modelId="{609D1F17-4727-479C-9E53-C6FA4CB81871}" type="sibTrans" cxnId="{23B25EC0-4407-4817-B5D3-213CCCB5A1E0}">
       <dgm:prSet/>
       <dgm:spPr/>
       <dgm:t>
@@ -4275,7 +4225,7 @@
         </a:p>
       </dgm:t>
     </dgm:pt>
-    <dgm:pt modelId="{0A0CCE04-0465-4CDE-B14F-24B9E4B5D42B}">
+    <dgm:pt modelId="{0E96E493-1106-4EF6-A762-7EE3AA3670F8}">
       <dgm:prSet phldrT="[Text]" custT="1"/>
       <dgm:spPr/>
       <dgm:t>
@@ -4288,12 +4238,12 @@
           </a:pPr>
           <a:r>
             <a:rPr lang="en-CA" sz="1000" dirty="0"/>
-            <a:t>Stem and lemmatize remaining words.</a:t>
+            <a:t>Stem remaining words.</a:t>
           </a:r>
         </a:p>
       </dgm:t>
     </dgm:pt>
-    <dgm:pt modelId="{487A8CB8-0F85-4C8D-8078-B5544FE78FF4}" type="parTrans" cxnId="{8F733D26-1DC6-4AD3-B625-80D975B38113}">
+    <dgm:pt modelId="{8BDE3ADF-C290-4C94-BAF6-2A90FC450661}" type="parTrans" cxnId="{737A797A-B874-4BCD-BD0C-0661CE7392B4}">
       <dgm:prSet/>
       <dgm:spPr/>
       <dgm:t>
@@ -4304,7 +4254,7 @@
         </a:p>
       </dgm:t>
     </dgm:pt>
-    <dgm:pt modelId="{FADCD7E2-4452-4776-9D10-595BAA2012D6}" type="sibTrans" cxnId="{8F733D26-1DC6-4AD3-B625-80D975B38113}">
+    <dgm:pt modelId="{2AF21DF6-347F-4597-B6D5-03AE0B3AD322}" type="sibTrans" cxnId="{737A797A-B874-4BCD-BD0C-0661CE7392B4}">
       <dgm:prSet/>
       <dgm:spPr/>
       <dgm:t>
@@ -4315,16 +4265,16 @@
         </a:p>
       </dgm:t>
     </dgm:pt>
-    <dgm:pt modelId="{5016F1F8-65B7-48B4-8C3F-8B64AFBFC1D2}">
+    <dgm:pt modelId="{2FCC2A9B-548E-4DFF-BCE5-A6274084C448}">
       <dgm:prSet phldrT="[Text]" custT="1"/>
       <dgm:spPr/>
       <dgm:t>
-        <a:bodyPr lIns="36000" tIns="36000" rIns="36000" bIns="36000"/>
+        <a:bodyPr lIns="36000" tIns="0" rIns="0" bIns="0" anchor="t" anchorCtr="0"/>
         <a:lstStyle/>
         <a:p>
           <a:pPr>
             <a:buFont typeface="+mj-lt"/>
-            <a:buAutoNum type="arabicPeriod"/>
+            <a:buAutoNum type="arabicPeriod" startAt="6"/>
           </a:pPr>
           <a:r>
             <a:rPr lang="en-CA" sz="1000" dirty="0"/>
@@ -4333,7 +4283,7 @@
         </a:p>
       </dgm:t>
     </dgm:pt>
-    <dgm:pt modelId="{9B4E9A14-4A14-4967-AEF9-F88E47915CE7}" type="parTrans" cxnId="{68933AF1-0E05-4F0C-BAB9-79EDBBE92F14}">
+    <dgm:pt modelId="{90E95A32-85BA-42F2-A8C9-C70C60589226}" type="parTrans" cxnId="{19F13933-F119-421E-8C7C-CE17D58DEE74}">
       <dgm:prSet/>
       <dgm:spPr/>
       <dgm:t>
@@ -4344,7 +4294,7 @@
         </a:p>
       </dgm:t>
     </dgm:pt>
-    <dgm:pt modelId="{7EC280EC-3AAD-4FCB-94DB-5C84525243B0}" type="sibTrans" cxnId="{68933AF1-0E05-4F0C-BAB9-79EDBBE92F14}">
+    <dgm:pt modelId="{31B14589-CAD1-417C-9D80-0A533598AFBB}" type="sibTrans" cxnId="{19F13933-F119-421E-8C7C-CE17D58DEE74}">
       <dgm:prSet/>
       <dgm:spPr/>
       <dgm:t>
@@ -4355,33 +4305,25 @@
         </a:p>
       </dgm:t>
     </dgm:pt>
-    <dgm:pt modelId="{89DE5228-E33D-44E7-8BC5-C60BEB90310F}">
+    <dgm:pt modelId="{BD697209-77A4-4DE7-B323-52D18825A04A}">
       <dgm:prSet phldrT="[Text]" custT="1"/>
       <dgm:spPr/>
       <dgm:t>
-        <a:bodyPr lIns="36000" tIns="0" rIns="36000" bIns="0" anchor="b" anchorCtr="0"/>
+        <a:bodyPr lIns="36000" tIns="0" rIns="0" bIns="0" anchor="t" anchorCtr="0"/>
         <a:lstStyle/>
         <a:p>
           <a:pPr>
             <a:buFont typeface="+mj-lt"/>
-            <a:buAutoNum type="arabicPeriod"/>
+            <a:buAutoNum type="arabicPeriod" startAt="6"/>
           </a:pPr>
           <a:r>
-            <a:rPr lang="en-CA" sz="900" dirty="0"/>
-            <a:t>Make a copy of the </a:t>
-          </a:r>
-          <a:r>
-            <a:rPr lang="en-CA" sz="900" dirty="0" err="1"/>
-            <a:t>DataFrame</a:t>
-          </a:r>
-          <a:r>
-            <a:rPr lang="en-CA" sz="900" dirty="0"/>
-            <a:t>.</a:t>
+            <a:rPr lang="en-CA" sz="1000" dirty="0"/>
+            <a:t>Index stars column.</a:t>
           </a:r>
         </a:p>
       </dgm:t>
     </dgm:pt>
-    <dgm:pt modelId="{4F18584E-4C02-4B1C-B9FA-026D904139B4}" type="parTrans" cxnId="{9611553E-3C67-4C75-BEEE-978C7D8A2EFD}">
+    <dgm:pt modelId="{A4A5EAF4-2ECB-40B4-A79E-721D35C25EDE}" type="parTrans" cxnId="{A8CAEBFB-5EBF-418B-AA37-B6EAF0E58EC0}">
       <dgm:prSet/>
       <dgm:spPr/>
       <dgm:t>
@@ -4392,7 +4334,7 @@
         </a:p>
       </dgm:t>
     </dgm:pt>
-    <dgm:pt modelId="{2D5F13EC-3346-430D-8579-951D85CC7712}" type="sibTrans" cxnId="{9611553E-3C67-4C75-BEEE-978C7D8A2EFD}">
+    <dgm:pt modelId="{685C3ABF-EA7F-458D-855A-8E43A16280CB}" type="sibTrans" cxnId="{A8CAEBFB-5EBF-418B-AA37-B6EAF0E58EC0}">
       <dgm:prSet/>
       <dgm:spPr/>
       <dgm:t>
@@ -4403,25 +4345,25 @@
         </a:p>
       </dgm:t>
     </dgm:pt>
-    <dgm:pt modelId="{4FE520C8-5417-4BCB-99B2-F4383775D721}">
+    <dgm:pt modelId="{6A45A704-9AE5-4422-BEB6-433065D82919}">
       <dgm:prSet phldrT="[Text]" custT="1"/>
       <dgm:spPr/>
       <dgm:t>
-        <a:bodyPr lIns="36000" tIns="36000" rIns="36000" bIns="36000"/>
+        <a:bodyPr lIns="36000" tIns="0" rIns="0" bIns="0" anchor="t" anchorCtr="0"/>
         <a:lstStyle/>
         <a:p>
           <a:pPr>
             <a:buFont typeface="+mj-lt"/>
-            <a:buAutoNum type="arabicPeriod"/>
+            <a:buAutoNum type="arabicPeriod" startAt="6"/>
           </a:pPr>
           <a:r>
-            <a:rPr lang="en-CA" sz="900" dirty="0"/>
-            <a:t>Drop intermediate columns so ‘features’ and ‘labels’ are only ones.</a:t>
+            <a:rPr lang="en-CA" sz="1000" dirty="0"/>
+            <a:t>Hash stemmed data.</a:t>
           </a:r>
         </a:p>
       </dgm:t>
     </dgm:pt>
-    <dgm:pt modelId="{BF78EC2C-39F5-49E8-8EDF-3A8A3BD2165A}" type="parTrans" cxnId="{BA0B25B9-3846-45ED-A8BD-60177AE8B795}">
+    <dgm:pt modelId="{228D7FA2-FECB-4A29-B91E-10D2882FD6C5}" type="parTrans" cxnId="{B09A549F-D940-429E-88ED-49BAAD9F703C}">
       <dgm:prSet/>
       <dgm:spPr/>
       <dgm:t>
@@ -4432,7 +4374,7 @@
         </a:p>
       </dgm:t>
     </dgm:pt>
-    <dgm:pt modelId="{F73AF852-A5F5-4E28-84F9-DACF1D427BE0}" type="sibTrans" cxnId="{BA0B25B9-3846-45ED-A8BD-60177AE8B795}">
+    <dgm:pt modelId="{7AC97F92-222D-4671-A2EE-F9D2B2016AA7}" type="sibTrans" cxnId="{B09A549F-D940-429E-88ED-49BAAD9F703C}">
       <dgm:prSet/>
       <dgm:spPr/>
       <dgm:t>
@@ -4443,25 +4385,25 @@
         </a:p>
       </dgm:t>
     </dgm:pt>
-    <dgm:pt modelId="{E29D2F98-C2AB-4F72-962B-DBE6DBBCFEC7}">
+    <dgm:pt modelId="{684C9580-9C5C-493E-A636-9E503DA999C6}">
       <dgm:prSet phldrT="[Text]" custT="1"/>
       <dgm:spPr/>
       <dgm:t>
-        <a:bodyPr lIns="36000" tIns="36000" rIns="36000" bIns="36000"/>
+        <a:bodyPr lIns="36000" tIns="0" rIns="0" bIns="0" anchor="t" anchorCtr="0"/>
         <a:lstStyle/>
         <a:p>
           <a:pPr>
             <a:buFont typeface="+mj-lt"/>
-            <a:buAutoNum type="arabicPeriod"/>
+            <a:buAutoNum type="arabicPeriod" startAt="6"/>
           </a:pPr>
           <a:r>
-            <a:rPr lang="en-CA" sz="900" dirty="0"/>
-            <a:t>Change data type of ‘label’ (stars) to int.</a:t>
+            <a:rPr lang="en-CA" sz="1000" dirty="0"/>
+            <a:t>Find IDF of hashed text.</a:t>
           </a:r>
         </a:p>
       </dgm:t>
     </dgm:pt>
-    <dgm:pt modelId="{CDA92403-A636-43F8-9CCE-43C88B01C28E}" type="parTrans" cxnId="{68B16CF4-CF55-4288-B839-0434E94472A2}">
+    <dgm:pt modelId="{82F596E9-F4A4-4357-9B4A-27ED8C0F55E4}" type="parTrans" cxnId="{CE9560DE-4196-4229-B366-99272561098D}">
       <dgm:prSet/>
       <dgm:spPr/>
       <dgm:t>
@@ -4472,7 +4414,7 @@
         </a:p>
       </dgm:t>
     </dgm:pt>
-    <dgm:pt modelId="{9740D012-6A50-4FE1-AB8B-DFAE95655A6F}" type="sibTrans" cxnId="{68B16CF4-CF55-4288-B839-0434E94472A2}">
+    <dgm:pt modelId="{08530E72-22E8-4CA7-B898-707AB34365A0}" type="sibTrans" cxnId="{CE9560DE-4196-4229-B366-99272561098D}">
       <dgm:prSet/>
       <dgm:spPr/>
       <dgm:t>
@@ -4483,25 +4425,25 @@
         </a:p>
       </dgm:t>
     </dgm:pt>
-    <dgm:pt modelId="{987FE590-768A-47F3-BEFA-1A9E2988B912}">
+    <dgm:pt modelId="{3E28BBAE-7DA7-458D-80FD-E36313189078}">
       <dgm:prSet phldrT="[Text]" custT="1"/>
       <dgm:spPr/>
       <dgm:t>
-        <a:bodyPr lIns="36000" tIns="36000" rIns="36000" bIns="36000"/>
+        <a:bodyPr lIns="36000" tIns="0" rIns="0" bIns="0" anchor="t" anchorCtr="0"/>
         <a:lstStyle/>
         <a:p>
           <a:pPr>
             <a:buFont typeface="+mj-lt"/>
-            <a:buAutoNum type="arabicPeriod"/>
+            <a:buAutoNum type="arabicPeriod" startAt="6"/>
           </a:pPr>
           <a:r>
-            <a:rPr lang="en-CA" sz="900" dirty="0"/>
-            <a:t>Split data into training and testing sets.</a:t>
+            <a:rPr lang="en-CA" sz="1000" dirty="0"/>
+            <a:t>Vectorize IDF tokens and length.</a:t>
           </a:r>
         </a:p>
       </dgm:t>
     </dgm:pt>
-    <dgm:pt modelId="{44853482-86EC-4781-9950-7252027842E3}" type="parTrans" cxnId="{6E2997F2-34DB-42BF-ABE4-147CCD62E8A7}">
+    <dgm:pt modelId="{AC5E6C6F-6A23-41B9-ACBB-3FBF9D42042F}" type="parTrans" cxnId="{D7427A61-AA71-4785-9E27-1E7F3C85B602}">
       <dgm:prSet/>
       <dgm:spPr/>
       <dgm:t>
@@ -4512,7 +4454,7 @@
         </a:p>
       </dgm:t>
     </dgm:pt>
-    <dgm:pt modelId="{ADAB4843-E207-4CF8-B626-CD06D54D5872}" type="sibTrans" cxnId="{6E2997F2-34DB-42BF-ABE4-147CCD62E8A7}">
+    <dgm:pt modelId="{359D2024-1A63-4D09-AB21-DCC2E4740BDD}" type="sibTrans" cxnId="{D7427A61-AA71-4785-9E27-1E7F3C85B602}">
       <dgm:prSet/>
       <dgm:spPr/>
       <dgm:t>
@@ -4523,25 +4465,41 @@
         </a:p>
       </dgm:t>
     </dgm:pt>
-    <dgm:pt modelId="{95BB6840-8EB4-4B2A-8E20-280E4F72374F}">
+    <dgm:pt modelId="{62B77608-470A-4211-91ED-B152D947F948}">
       <dgm:prSet phldrT="[Text]" custT="1"/>
       <dgm:spPr/>
       <dgm:t>
-        <a:bodyPr lIns="36000" tIns="36000" rIns="36000" bIns="36000"/>
+        <a:bodyPr lIns="36000" tIns="0" rIns="0" bIns="0" anchor="t" anchorCtr="0"/>
         <a:lstStyle/>
         <a:p>
           <a:pPr>
             <a:buFont typeface="+mj-lt"/>
-            <a:buAutoNum type="arabicPeriod"/>
+            <a:buAutoNum type="arabicPeriod" startAt="6"/>
           </a:pPr>
           <a:r>
-            <a:rPr lang="en-CA" sz="900" dirty="0"/>
-            <a:t> (Naïve Bayes / Logistic Regression): Create model and fit training data / (Neural Net): Specify layers, create and train model.</a:t>
+            <a:rPr lang="en-CA" sz="1000" dirty="0"/>
+            <a:t>Convert to a </a:t>
+          </a:r>
+          <a:r>
+            <a:rPr lang="en-CA" sz="1000" dirty="0" err="1"/>
+            <a:t>PySpark</a:t>
+          </a:r>
+          <a:r>
+            <a:rPr lang="en-CA" sz="1000" dirty="0"/>
+            <a:t> </a:t>
+          </a:r>
+          <a:r>
+            <a:rPr lang="en-CA" sz="1000" dirty="0" err="1"/>
+            <a:t>DataFrame</a:t>
+          </a:r>
+          <a:r>
+            <a:rPr lang="en-CA" sz="1000" dirty="0"/>
+            <a:t>.</a:t>
           </a:r>
         </a:p>
       </dgm:t>
     </dgm:pt>
-    <dgm:pt modelId="{706C6988-3CCC-4E9C-B2BC-00785168C645}" type="parTrans" cxnId="{EAA14ECA-4450-40E5-A4A7-F8CDC014C7E9}">
+    <dgm:pt modelId="{D323E2AF-B091-4A7B-8374-20B9A078EE2F}" type="parTrans" cxnId="{9117D6E7-8082-40BA-861F-DD8E2781B98D}">
       <dgm:prSet/>
       <dgm:spPr/>
       <dgm:t>
@@ -4552,7 +4510,7 @@
         </a:p>
       </dgm:t>
     </dgm:pt>
-    <dgm:pt modelId="{7CCDAF6B-B22D-4C90-8E93-AF05809074D7}" type="sibTrans" cxnId="{EAA14ECA-4450-40E5-A4A7-F8CDC014C7E9}">
+    <dgm:pt modelId="{1DC5323B-3DF5-47F3-B6C0-B49921DE607E}" type="sibTrans" cxnId="{9117D6E7-8082-40BA-861F-DD8E2781B98D}">
       <dgm:prSet/>
       <dgm:spPr/>
       <dgm:t>
@@ -4563,11 +4521,11 @@
         </a:p>
       </dgm:t>
     </dgm:pt>
-    <dgm:pt modelId="{965A5DF1-1BCB-4ACA-A76D-10E11E072B37}">
+    <dgm:pt modelId="{D96FFF3E-D45D-462E-B806-DBE8C7D048E3}">
       <dgm:prSet phldrT="[Text]" custT="1"/>
       <dgm:spPr/>
       <dgm:t>
-        <a:bodyPr lIns="36000" tIns="36000" rIns="36000" bIns="36000"/>
+        <a:bodyPr lIns="36000" tIns="0" rIns="36000" bIns="0"/>
         <a:lstStyle/>
         <a:p>
           <a:pPr>
@@ -4575,13 +4533,13 @@
             <a:buAutoNum type="arabicPeriod"/>
           </a:pPr>
           <a:r>
-            <a:rPr lang="en-CA" sz="900" dirty="0"/>
-            <a:t>Display accuracy of model prediction of rating.</a:t>
+            <a:rPr lang="en-CA" sz="1000" dirty="0"/>
+            <a:t>Drop intermediate columns so ‘features’ and ‘labels’ are only ones remaining.</a:t>
           </a:r>
         </a:p>
       </dgm:t>
     </dgm:pt>
-    <dgm:pt modelId="{12CEDB47-C3E0-4AFE-932A-946E5F1FDB80}" type="parTrans" cxnId="{FB94D596-A3AD-4EA1-B9F5-39FC2262F09F}">
+    <dgm:pt modelId="{FA897661-C414-4560-910B-8FF7268D0B9C}" type="parTrans" cxnId="{3B2698CE-9AC5-4DA1-B84A-FDDA8D99AAA7}">
       <dgm:prSet/>
       <dgm:spPr/>
       <dgm:t>
@@ -4592,7 +4550,7 @@
         </a:p>
       </dgm:t>
     </dgm:pt>
-    <dgm:pt modelId="{E1120C53-4570-4459-87F0-A9F0687AB9C9}" type="sibTrans" cxnId="{FB94D596-A3AD-4EA1-B9F5-39FC2262F09F}">
+    <dgm:pt modelId="{C8FDD5C0-A1E2-4A63-B18A-35C2933C1307}" type="sibTrans" cxnId="{3B2698CE-9AC5-4DA1-B84A-FDDA8D99AAA7}">
       <dgm:prSet/>
       <dgm:spPr/>
       <dgm:t>
@@ -4603,11 +4561,11 @@
         </a:p>
       </dgm:t>
     </dgm:pt>
-    <dgm:pt modelId="{5FE65EEE-FB3B-445B-94DE-2F3039EF851B}">
-      <dgm:prSet custT="1"/>
+    <dgm:pt modelId="{B508B559-763F-430A-B735-8B7A4E20B7CE}">
+      <dgm:prSet phldrT="[Text]" custT="1"/>
       <dgm:spPr/>
       <dgm:t>
-        <a:bodyPr anchor="b" anchorCtr="0"/>
+        <a:bodyPr lIns="36000" tIns="0" rIns="36000" bIns="0"/>
         <a:lstStyle/>
         <a:p>
           <a:pPr>
@@ -4615,29 +4573,13 @@
             <a:buAutoNum type="arabicPeriod"/>
           </a:pPr>
           <a:r>
-            <a:rPr lang="en-CA" sz="900" dirty="0"/>
-            <a:t>Convert to a </a:t>
-          </a:r>
-          <a:r>
-            <a:rPr lang="en-CA" sz="900" dirty="0" err="1"/>
-            <a:t>PySpark</a:t>
-          </a:r>
-          <a:r>
-            <a:rPr lang="en-CA" sz="900" dirty="0"/>
-            <a:t> </a:t>
-          </a:r>
-          <a:r>
-            <a:rPr lang="en-CA" sz="900" dirty="0" err="1"/>
-            <a:t>DataFrame</a:t>
-          </a:r>
-          <a:r>
-            <a:rPr lang="en-CA" sz="900" dirty="0"/>
-            <a:t>.</a:t>
+            <a:rPr lang="en-CA" sz="1000" dirty="0"/>
+            <a:t>Split data into training and testing sets.</a:t>
           </a:r>
         </a:p>
       </dgm:t>
     </dgm:pt>
-    <dgm:pt modelId="{3BC1C9E6-50C8-48F3-84B3-BC183FBDECFD}" type="parTrans" cxnId="{49748687-B66F-47F1-B493-B1BF06C807BF}">
+    <dgm:pt modelId="{4624D9F2-35CA-4C68-8BDD-8FEF775AD287}" type="parTrans" cxnId="{A380E1F5-C020-4315-9E28-DEE5EFA72F0D}">
       <dgm:prSet/>
       <dgm:spPr/>
       <dgm:t>
@@ -4648,7 +4590,7 @@
         </a:p>
       </dgm:t>
     </dgm:pt>
-    <dgm:pt modelId="{212FE846-D221-4B28-8F9E-1AA7158367BE}" type="sibTrans" cxnId="{49748687-B66F-47F1-B493-B1BF06C807BF}">
+    <dgm:pt modelId="{761C8347-CF67-4EB9-B8A9-9781A9BA4CD7}" type="sibTrans" cxnId="{A380E1F5-C020-4315-9E28-DEE5EFA72F0D}">
       <dgm:prSet/>
       <dgm:spPr/>
       <dgm:t>
@@ -4659,11 +4601,11 @@
         </a:p>
       </dgm:t>
     </dgm:pt>
-    <dgm:pt modelId="{35E51F57-A897-49D2-99F8-47CBF27FF4B8}">
-      <dgm:prSet custT="1"/>
+    <dgm:pt modelId="{E9BAC397-7905-4471-9FB1-43B06E129B05}">
+      <dgm:prSet phldrT="[Text]" custT="1"/>
       <dgm:spPr/>
       <dgm:t>
-        <a:bodyPr anchor="b" anchorCtr="0"/>
+        <a:bodyPr lIns="36000" tIns="0" rIns="36000" bIns="0"/>
         <a:lstStyle/>
         <a:p>
           <a:pPr>
@@ -4671,13 +4613,13 @@
             <a:buAutoNum type="arabicPeriod"/>
           </a:pPr>
           <a:r>
-            <a:rPr lang="en-CA" sz="900" dirty="0"/>
-            <a:t>Create star values list (array) column.</a:t>
+            <a:rPr lang="en-CA" sz="1000" dirty="0"/>
+            <a:t> (Naïve Bayes / Logistic Regression): Create model and fit training data / (Neural Net): Specify layers, create and train model.</a:t>
           </a:r>
         </a:p>
       </dgm:t>
     </dgm:pt>
-    <dgm:pt modelId="{314B0363-D54F-4F52-8211-FB8A374974E1}" type="parTrans" cxnId="{2B979D74-0843-4AE3-93CF-C10ADABAADBF}">
+    <dgm:pt modelId="{DD4D4291-C518-43CA-9999-D455A168AD07}" type="parTrans" cxnId="{B5127949-882A-49F1-99F4-FA1B56B3DC7D}">
       <dgm:prSet/>
       <dgm:spPr/>
       <dgm:t>
@@ -4688,7 +4630,7 @@
         </a:p>
       </dgm:t>
     </dgm:pt>
-    <dgm:pt modelId="{58665FF5-A4E0-4553-8AE7-FD40261D979F}" type="sibTrans" cxnId="{2B979D74-0843-4AE3-93CF-C10ADABAADBF}">
+    <dgm:pt modelId="{EF174752-D179-45CD-A81A-ACC0621DAF1C}" type="sibTrans" cxnId="{B5127949-882A-49F1-99F4-FA1B56B3DC7D}">
       <dgm:prSet/>
       <dgm:spPr/>
       <dgm:t>
@@ -4699,11 +4641,11 @@
         </a:p>
       </dgm:t>
     </dgm:pt>
-    <dgm:pt modelId="{24B36F21-8546-433A-B9D1-4725D002976B}">
-      <dgm:prSet custT="1"/>
+    <dgm:pt modelId="{F5F62244-BD3E-41EE-BEFD-2336B583257B}">
+      <dgm:prSet phldrT="[Text]" custT="1"/>
       <dgm:spPr/>
       <dgm:t>
-        <a:bodyPr anchor="b" anchorCtr="0"/>
+        <a:bodyPr lIns="36000" tIns="0" rIns="36000" bIns="0"/>
         <a:lstStyle/>
         <a:p>
           <a:pPr>
@@ -4711,13 +4653,13 @@
             <a:buAutoNum type="arabicPeriod"/>
           </a:pPr>
           <a:r>
-            <a:rPr lang="en-CA" sz="900" dirty="0"/>
-            <a:t>Initialize Count Vectorizer and create a vector model</a:t>
+            <a:rPr lang="en-CA" sz="1000" dirty="0"/>
+            <a:t>Display accuracy of model prediction of rating.</a:t>
           </a:r>
         </a:p>
       </dgm:t>
     </dgm:pt>
-    <dgm:pt modelId="{AD7FC10E-C001-4F45-AED8-E7FC39F6FFD4}" type="parTrans" cxnId="{45EB2C77-9431-4971-91C9-4CCD84E81CE0}">
+    <dgm:pt modelId="{9309F3B2-8B5C-4FCD-9709-0E0E89CB980D}" type="parTrans" cxnId="{02D27D62-15CC-418B-9796-4E04320E4839}">
       <dgm:prSet/>
       <dgm:spPr/>
       <dgm:t>
@@ -4728,7 +4670,7 @@
         </a:p>
       </dgm:t>
     </dgm:pt>
-    <dgm:pt modelId="{D6248BE3-ECDA-4716-B296-F18B23E52183}" type="sibTrans" cxnId="{45EB2C77-9431-4971-91C9-4CCD84E81CE0}">
+    <dgm:pt modelId="{B0E8E6F2-545E-4E43-B924-78AC621A7DEE}" type="sibTrans" cxnId="{02D27D62-15CC-418B-9796-4E04320E4839}">
       <dgm:prSet/>
       <dgm:spPr/>
       <dgm:t>
@@ -4739,33 +4681,21 @@
         </a:p>
       </dgm:t>
     </dgm:pt>
-    <dgm:pt modelId="{EDF3B1F8-3A2F-4B98-879D-D03AE77916AD}">
-      <dgm:prSet custT="1"/>
+    <dgm:pt modelId="{0025D1CF-92D8-473C-A123-EC355F57FD4B}">
+      <dgm:prSet phldrT="[Text]" custT="1"/>
       <dgm:spPr/>
       <dgm:t>
-        <a:bodyPr anchor="b" anchorCtr="0"/>
+        <a:bodyPr/>
         <a:lstStyle/>
         <a:p>
-          <a:pPr>
-            <a:buFont typeface="+mj-lt"/>
-            <a:buAutoNum type="arabicPeriod"/>
-          </a:pPr>
           <a:r>
-            <a:rPr lang="en-CA" sz="900" dirty="0"/>
-            <a:t>One hot encode the vector model as column to the </a:t>
-          </a:r>
-          <a:r>
-            <a:rPr lang="en-CA" sz="900" dirty="0" err="1"/>
-            <a:t>DataFrame</a:t>
-          </a:r>
-          <a:r>
-            <a:rPr lang="en-CA" sz="900" dirty="0"/>
-            <a:t>.</a:t>
+            <a:rPr lang="en-CA" sz="1400" b="1" dirty="0"/>
+            <a:t>Transform / Pipeline (NLP)</a:t>
           </a:r>
         </a:p>
       </dgm:t>
     </dgm:pt>
-    <dgm:pt modelId="{D49F8028-EB80-4B9B-87FA-AA46D1F3E46F}" type="parTrans" cxnId="{3B10ADCE-67C3-4891-B5CC-FF4466AC6B11}">
+    <dgm:pt modelId="{6A79C8AB-B20C-47A9-B856-BFA9905E9411}" type="parTrans" cxnId="{2F23190F-3631-4B97-B9D6-D06ECB754DE3}">
       <dgm:prSet/>
       <dgm:spPr/>
       <dgm:t>
@@ -4776,7 +4706,7 @@
         </a:p>
       </dgm:t>
     </dgm:pt>
-    <dgm:pt modelId="{8E073775-42D3-4088-B498-2260D66D6B71}" type="sibTrans" cxnId="{3B10ADCE-67C3-4891-B5CC-FF4466AC6B11}">
+    <dgm:pt modelId="{3ECDB257-ABD4-4C46-B67F-629974B169CD}" type="sibTrans" cxnId="{2F23190F-3631-4B97-B9D6-D06ECB754DE3}">
       <dgm:prSet/>
       <dgm:spPr/>
       <dgm:t>
@@ -4787,128 +4717,8 @@
         </a:p>
       </dgm:t>
     </dgm:pt>
-    <dgm:pt modelId="{2F47178E-ED14-4A23-A568-4F9E22827203}">
-      <dgm:prSet custT="1"/>
-      <dgm:spPr/>
-      <dgm:t>
-        <a:bodyPr anchor="b" anchorCtr="0"/>
-        <a:lstStyle/>
-        <a:p>
-          <a:pPr>
-            <a:buFont typeface="+mj-lt"/>
-            <a:buAutoNum type="arabicPeriod"/>
-          </a:pPr>
-          <a:r>
-            <a:rPr lang="en-CA" sz="900" dirty="0"/>
-            <a:t>Create all features and feature vector.</a:t>
-          </a:r>
-        </a:p>
-      </dgm:t>
-    </dgm:pt>
-    <dgm:pt modelId="{81F41C83-A367-4716-BE4B-665C720720AF}" type="parTrans" cxnId="{4386946F-5F27-4E9C-8AAA-E9E8A9CD0B92}">
-      <dgm:prSet/>
-      <dgm:spPr/>
-      <dgm:t>
-        <a:bodyPr/>
-        <a:lstStyle/>
-        <a:p>
-          <a:endParaRPr lang="en-CA"/>
-        </a:p>
-      </dgm:t>
-    </dgm:pt>
-    <dgm:pt modelId="{64F8455E-34C5-43C6-AE49-15270811B1B7}" type="sibTrans" cxnId="{4386946F-5F27-4E9C-8AAA-E9E8A9CD0B92}">
-      <dgm:prSet/>
-      <dgm:spPr/>
-      <dgm:t>
-        <a:bodyPr/>
-        <a:lstStyle/>
-        <a:p>
-          <a:endParaRPr lang="en-CA"/>
-        </a:p>
-      </dgm:t>
-    </dgm:pt>
-    <dgm:pt modelId="{81083DD8-68E7-4116-9E6E-1FD5A8D52432}">
-      <dgm:prSet custT="1"/>
-      <dgm:spPr/>
-      <dgm:t>
-        <a:bodyPr anchor="b" anchorCtr="0"/>
-        <a:lstStyle/>
-        <a:p>
-          <a:pPr>
-            <a:buFont typeface="+mj-lt"/>
-            <a:buAutoNum type="arabicPeriod"/>
-          </a:pPr>
-          <a:r>
-            <a:rPr lang="en-CA" sz="900" dirty="0"/>
-            <a:t>Create and run data processing pipeline.</a:t>
-          </a:r>
-        </a:p>
-      </dgm:t>
-    </dgm:pt>
-    <dgm:pt modelId="{0CC15854-5C6D-4D83-B100-D5F339182890}" type="parTrans" cxnId="{22B3172E-2854-4C98-9FC0-39ADF5204DE6}">
-      <dgm:prSet/>
-      <dgm:spPr/>
-      <dgm:t>
-        <a:bodyPr/>
-        <a:lstStyle/>
-        <a:p>
-          <a:endParaRPr lang="en-CA"/>
-        </a:p>
-      </dgm:t>
-    </dgm:pt>
-    <dgm:pt modelId="{5D5AFF4F-62DD-46BA-83AC-44A1ECE20CAE}" type="sibTrans" cxnId="{22B3172E-2854-4C98-9FC0-39ADF5204DE6}">
-      <dgm:prSet/>
-      <dgm:spPr/>
-      <dgm:t>
-        <a:bodyPr/>
-        <a:lstStyle/>
-        <a:p>
-          <a:endParaRPr lang="en-CA"/>
-        </a:p>
-      </dgm:t>
-    </dgm:pt>
-    <dgm:pt modelId="{732D2F61-02B8-43E9-B308-CF68C56839E7}">
-      <dgm:prSet custT="1"/>
-      <dgm:spPr/>
-      <dgm:t>
-        <a:bodyPr anchor="b" anchorCtr="0"/>
-        <a:lstStyle/>
-        <a:p>
-          <a:pPr>
-            <a:buFont typeface="+mj-lt"/>
-            <a:buAutoNum type="arabicPeriod"/>
-          </a:pPr>
-          <a:r>
-            <a:rPr lang="en-CA" sz="900" dirty="0"/>
-            <a:t>Fit and transform pipeline.</a:t>
-          </a:r>
-        </a:p>
-      </dgm:t>
-    </dgm:pt>
-    <dgm:pt modelId="{B2250FB8-054B-4F4F-8596-F09AC105D28D}" type="parTrans" cxnId="{A1301947-CE60-4693-BCD2-D2F69BCAE609}">
-      <dgm:prSet/>
-      <dgm:spPr/>
-      <dgm:t>
-        <a:bodyPr/>
-        <a:lstStyle/>
-        <a:p>
-          <a:endParaRPr lang="en-CA"/>
-        </a:p>
-      </dgm:t>
-    </dgm:pt>
-    <dgm:pt modelId="{2C2002A3-7EB9-407E-BC7D-980E2B5C0B20}" type="sibTrans" cxnId="{A1301947-CE60-4693-BCD2-D2F69BCAE609}">
-      <dgm:prSet/>
-      <dgm:spPr/>
-      <dgm:t>
-        <a:bodyPr/>
-        <a:lstStyle/>
-        <a:p>
-          <a:endParaRPr lang="en-CA"/>
-        </a:p>
-      </dgm:t>
-    </dgm:pt>
-    <dgm:pt modelId="{F4DDD7AB-11CF-490E-8EA0-EC666606A38C}" type="pres">
-      <dgm:prSet presAssocID="{1C2422C0-B61A-4C41-BFAC-0D8DA980EEFB}" presName="Name0" presStyleCnt="0">
+    <dgm:pt modelId="{70FCF58C-F507-4620-9FB4-66A9C49857D0}" type="pres">
+      <dgm:prSet presAssocID="{BA93EB3D-5BFC-4577-86E1-5234490A1428}" presName="Name0" presStyleCnt="0">
         <dgm:presLayoutVars>
           <dgm:dir/>
           <dgm:animLvl val="lvl"/>
@@ -4917,44 +4727,44 @@
       </dgm:prSet>
       <dgm:spPr/>
     </dgm:pt>
-    <dgm:pt modelId="{E47F3AA7-D82D-4C4F-966F-37CD2B3B7E66}" type="pres">
-      <dgm:prSet presAssocID="{1C2422C0-B61A-4C41-BFAC-0D8DA980EEFB}" presName="tSp" presStyleCnt="0"/>
+    <dgm:pt modelId="{DE72027D-BE8D-4904-92B8-B54B4EC76C69}" type="pres">
+      <dgm:prSet presAssocID="{BA93EB3D-5BFC-4577-86E1-5234490A1428}" presName="tSp" presStyleCnt="0"/>
       <dgm:spPr/>
     </dgm:pt>
-    <dgm:pt modelId="{CE434696-0309-4AE0-A9E3-EC6EBB3A9B85}" type="pres">
-      <dgm:prSet presAssocID="{1C2422C0-B61A-4C41-BFAC-0D8DA980EEFB}" presName="bSp" presStyleCnt="0"/>
+    <dgm:pt modelId="{FBBF2827-EBB8-4918-98CF-4AFC9C085F09}" type="pres">
+      <dgm:prSet presAssocID="{BA93EB3D-5BFC-4577-86E1-5234490A1428}" presName="bSp" presStyleCnt="0"/>
       <dgm:spPr/>
     </dgm:pt>
-    <dgm:pt modelId="{8020A339-4D20-4841-8B6D-E4A58C8088E8}" type="pres">
-      <dgm:prSet presAssocID="{1C2422C0-B61A-4C41-BFAC-0D8DA980EEFB}" presName="process" presStyleCnt="0"/>
+    <dgm:pt modelId="{326BD2DC-67A0-4BC2-AE08-6EAFC6D134A7}" type="pres">
+      <dgm:prSet presAssocID="{BA93EB3D-5BFC-4577-86E1-5234490A1428}" presName="process" presStyleCnt="0"/>
       <dgm:spPr/>
     </dgm:pt>
-    <dgm:pt modelId="{0801C126-96C6-47E4-A2B1-FA40D7F68BE0}" type="pres">
-      <dgm:prSet presAssocID="{3901DFD9-C5D7-442E-AEE2-90766AF8E80E}" presName="composite1" presStyleCnt="0"/>
+    <dgm:pt modelId="{F45BC47F-7A1B-4850-998F-1EA1E7980B5B}" type="pres">
+      <dgm:prSet presAssocID="{53D9A326-9940-4D5D-8F76-B5E8FE054708}" presName="composite1" presStyleCnt="0"/>
       <dgm:spPr/>
     </dgm:pt>
-    <dgm:pt modelId="{A2573F38-D276-4096-8295-FF68DAA012DD}" type="pres">
-      <dgm:prSet presAssocID="{3901DFD9-C5D7-442E-AEE2-90766AF8E80E}" presName="dummyNode1" presStyleLbl="node1" presStyleIdx="0" presStyleCnt="5"/>
+    <dgm:pt modelId="{57CC5482-F8B5-4AA9-B1F4-8285F141551A}" type="pres">
+      <dgm:prSet presAssocID="{53D9A326-9940-4D5D-8F76-B5E8FE054708}" presName="dummyNode1" presStyleLbl="node1" presStyleIdx="0" presStyleCnt="5"/>
       <dgm:spPr/>
     </dgm:pt>
-    <dgm:pt modelId="{24C95D2B-48EA-4A7B-8F0B-F1AC241A9DCF}" type="pres">
-      <dgm:prSet presAssocID="{3901DFD9-C5D7-442E-AEE2-90766AF8E80E}" presName="childNode1" presStyleLbl="bgAcc1" presStyleIdx="0" presStyleCnt="5" custScaleX="114460" custScaleY="106277" custLinFactNeighborX="17796" custLinFactNeighborY="-17260">
+    <dgm:pt modelId="{4287ED29-4218-42A9-AA08-FAB40B41B667}" type="pres">
+      <dgm:prSet presAssocID="{53D9A326-9940-4D5D-8F76-B5E8FE054708}" presName="childNode1" presStyleLbl="bgAcc1" presStyleIdx="0" presStyleCnt="5" custScaleX="151930" custScaleY="116863" custLinFactNeighborY="20112">
         <dgm:presLayoutVars>
           <dgm:bulletEnabled val="1"/>
         </dgm:presLayoutVars>
       </dgm:prSet>
       <dgm:spPr/>
     </dgm:pt>
-    <dgm:pt modelId="{20E93B34-4B86-4499-992D-B414093AF437}" type="pres">
-      <dgm:prSet presAssocID="{3901DFD9-C5D7-442E-AEE2-90766AF8E80E}" presName="childNode1tx" presStyleLbl="bgAcc1" presStyleIdx="0" presStyleCnt="5">
+    <dgm:pt modelId="{9BB174B5-55E7-45CF-9F6D-837DD1D4987A}" type="pres">
+      <dgm:prSet presAssocID="{53D9A326-9940-4D5D-8F76-B5E8FE054708}" presName="childNode1tx" presStyleLbl="bgAcc1" presStyleIdx="0" presStyleCnt="5">
         <dgm:presLayoutVars>
           <dgm:bulletEnabled val="1"/>
         </dgm:presLayoutVars>
       </dgm:prSet>
       <dgm:spPr/>
     </dgm:pt>
-    <dgm:pt modelId="{576296D7-AC0D-4100-987D-75CEADE0ED92}" type="pres">
-      <dgm:prSet presAssocID="{3901DFD9-C5D7-442E-AEE2-90766AF8E80E}" presName="parentNode1" presStyleLbl="node1" presStyleIdx="0" presStyleCnt="5" custLinFactNeighborX="23165" custLinFactNeighborY="-4754">
+    <dgm:pt modelId="{AB4285F8-1FED-4AE8-96D2-2343764808F4}" type="pres">
+      <dgm:prSet presAssocID="{53D9A326-9940-4D5D-8F76-B5E8FE054708}" presName="parentNode1" presStyleLbl="node1" presStyleIdx="0" presStyleCnt="5" custLinFactNeighborX="31830" custLinFactNeighborY="90136">
         <dgm:presLayoutVars>
           <dgm:chMax val="1"/>
           <dgm:bulletEnabled val="1"/>
@@ -4962,40 +4772,40 @@
       </dgm:prSet>
       <dgm:spPr/>
     </dgm:pt>
-    <dgm:pt modelId="{0DBDA565-FA39-4D94-9A01-1D7046118DCF}" type="pres">
-      <dgm:prSet presAssocID="{3901DFD9-C5D7-442E-AEE2-90766AF8E80E}" presName="connSite1" presStyleCnt="0"/>
+    <dgm:pt modelId="{089F4C45-63F9-4F34-9290-EC0385412B43}" type="pres">
+      <dgm:prSet presAssocID="{53D9A326-9940-4D5D-8F76-B5E8FE054708}" presName="connSite1" presStyleCnt="0"/>
       <dgm:spPr/>
     </dgm:pt>
-    <dgm:pt modelId="{FFEAD238-735F-47A7-B527-83E9090472C1}" type="pres">
-      <dgm:prSet presAssocID="{BB9A4A29-35DF-402C-BC31-14688EE1CBEF}" presName="Name9" presStyleLbl="sibTrans2D1" presStyleIdx="0" presStyleCnt="4"/>
+    <dgm:pt modelId="{3596F136-9F9A-42A3-AAA4-EC15F13557C1}" type="pres">
+      <dgm:prSet presAssocID="{854A99E8-BF9F-43BE-87E6-9A96F07FF3CC}" presName="Name9" presStyleLbl="sibTrans2D1" presStyleIdx="0" presStyleCnt="4" custLinFactNeighborX="1260" custLinFactNeighborY="-1"/>
       <dgm:spPr/>
     </dgm:pt>
-    <dgm:pt modelId="{F26F090A-D0E2-4E8C-BEAE-05BDA436C661}" type="pres">
-      <dgm:prSet presAssocID="{E3ADA3E2-F9E6-4359-A687-1A4F208B53F4}" presName="composite2" presStyleCnt="0"/>
+    <dgm:pt modelId="{471A922E-5837-41FE-8DBF-58AA2A91A606}" type="pres">
+      <dgm:prSet presAssocID="{4E27F0F0-B813-491E-B4AB-366B13A0C9F8}" presName="composite2" presStyleCnt="0"/>
       <dgm:spPr/>
     </dgm:pt>
-    <dgm:pt modelId="{49DA25CB-1970-4577-BF70-66A51EA47742}" type="pres">
-      <dgm:prSet presAssocID="{E3ADA3E2-F9E6-4359-A687-1A4F208B53F4}" presName="dummyNode2" presStyleLbl="node1" presStyleIdx="0" presStyleCnt="5"/>
+    <dgm:pt modelId="{49827E29-83BD-4D5D-A9BC-AAC15A28D7B1}" type="pres">
+      <dgm:prSet presAssocID="{4E27F0F0-B813-491E-B4AB-366B13A0C9F8}" presName="dummyNode2" presStyleLbl="node1" presStyleIdx="0" presStyleCnt="5"/>
       <dgm:spPr/>
     </dgm:pt>
-    <dgm:pt modelId="{6A0EB708-BF17-40BD-A091-293B8939B770}" type="pres">
-      <dgm:prSet presAssocID="{E3ADA3E2-F9E6-4359-A687-1A4F208B53F4}" presName="childNode2" presStyleLbl="bgAcc1" presStyleIdx="1" presStyleCnt="5" custScaleX="89776" custScaleY="106277" custLinFactNeighborX="4323" custLinFactNeighborY="-18468">
+    <dgm:pt modelId="{7A92725C-D8DF-45AE-BD94-1D4296114181}" type="pres">
+      <dgm:prSet presAssocID="{4E27F0F0-B813-491E-B4AB-366B13A0C9F8}" presName="childNode2" presStyleLbl="bgAcc1" presStyleIdx="1" presStyleCnt="5" custScaleX="101519" custScaleY="116815" custLinFactNeighborX="-3767" custLinFactNeighborY="19919">
         <dgm:presLayoutVars>
           <dgm:bulletEnabled val="1"/>
         </dgm:presLayoutVars>
       </dgm:prSet>
       <dgm:spPr/>
     </dgm:pt>
-    <dgm:pt modelId="{C62541C4-5F1A-4423-A573-94B381767A37}" type="pres">
-      <dgm:prSet presAssocID="{E3ADA3E2-F9E6-4359-A687-1A4F208B53F4}" presName="childNode2tx" presStyleLbl="bgAcc1" presStyleIdx="1" presStyleCnt="5">
+    <dgm:pt modelId="{CF3B4BDF-3B78-411E-A3B5-1DB48FF34D14}" type="pres">
+      <dgm:prSet presAssocID="{4E27F0F0-B813-491E-B4AB-366B13A0C9F8}" presName="childNode2tx" presStyleLbl="bgAcc1" presStyleIdx="1" presStyleCnt="5">
         <dgm:presLayoutVars>
           <dgm:bulletEnabled val="1"/>
         </dgm:presLayoutVars>
       </dgm:prSet>
       <dgm:spPr/>
     </dgm:pt>
-    <dgm:pt modelId="{26B86AF0-925E-4019-A96B-21BCA7B66288}" type="pres">
-      <dgm:prSet presAssocID="{E3ADA3E2-F9E6-4359-A687-1A4F208B53F4}" presName="parentNode2" presStyleLbl="node1" presStyleIdx="1" presStyleCnt="5" custLinFactNeighborX="4090" custLinFactNeighborY="-80011">
+    <dgm:pt modelId="{0FE41569-B361-460C-B5E9-5AB17A593235}" type="pres">
+      <dgm:prSet presAssocID="{4E27F0F0-B813-491E-B4AB-366B13A0C9F8}" presName="parentNode2" presStyleLbl="node1" presStyleIdx="1" presStyleCnt="5" custLinFactNeighborX="4405" custLinFactNeighborY="25443">
         <dgm:presLayoutVars>
           <dgm:chMax val="0"/>
           <dgm:bulletEnabled val="1"/>
@@ -5003,40 +4813,40 @@
       </dgm:prSet>
       <dgm:spPr/>
     </dgm:pt>
-    <dgm:pt modelId="{D1A0C4BC-2A61-4536-90C6-6E0AE2B1B42A}" type="pres">
-      <dgm:prSet presAssocID="{E3ADA3E2-F9E6-4359-A687-1A4F208B53F4}" presName="connSite2" presStyleCnt="0"/>
+    <dgm:pt modelId="{C67FF6C8-9075-4FEE-9E91-35BDBB2A5DF8}" type="pres">
+      <dgm:prSet presAssocID="{4E27F0F0-B813-491E-B4AB-366B13A0C9F8}" presName="connSite2" presStyleCnt="0"/>
       <dgm:spPr/>
     </dgm:pt>
-    <dgm:pt modelId="{29D44E95-17B6-4F1F-8ADE-3CE0117F29BA}" type="pres">
-      <dgm:prSet presAssocID="{F3A9534C-F4CA-47BD-A19A-F233B31D3001}" presName="Name18" presStyleLbl="sibTrans2D1" presStyleIdx="1" presStyleCnt="4"/>
+    <dgm:pt modelId="{1A2FA48B-78E7-4721-AFD8-B2AE973E702E}" type="pres">
+      <dgm:prSet presAssocID="{131E23C3-7153-4993-91E5-486FD503C40D}" presName="Name18" presStyleLbl="sibTrans2D1" presStyleIdx="1" presStyleCnt="4"/>
       <dgm:spPr/>
     </dgm:pt>
-    <dgm:pt modelId="{84AAA9C9-A138-4660-BE5C-190568A920F2}" type="pres">
-      <dgm:prSet presAssocID="{C9BA18C6-1688-44A3-B585-0F30B69F9C4F}" presName="composite1" presStyleCnt="0"/>
+    <dgm:pt modelId="{EB585203-1943-4EBC-BE61-E08967269D45}" type="pres">
+      <dgm:prSet presAssocID="{4C6DAB58-6BF7-4A68-90F6-76CCD60BC396}" presName="composite1" presStyleCnt="0"/>
       <dgm:spPr/>
     </dgm:pt>
-    <dgm:pt modelId="{63D719C7-2D8B-4181-84B3-DFA8C2DDC5EB}" type="pres">
-      <dgm:prSet presAssocID="{C9BA18C6-1688-44A3-B585-0F30B69F9C4F}" presName="dummyNode1" presStyleLbl="node1" presStyleIdx="1" presStyleCnt="5"/>
+    <dgm:pt modelId="{62461A88-ABC4-4A9E-BC0B-7732FAEA9B9A}" type="pres">
+      <dgm:prSet presAssocID="{4C6DAB58-6BF7-4A68-90F6-76CCD60BC396}" presName="dummyNode1" presStyleLbl="node1" presStyleIdx="1" presStyleCnt="5"/>
       <dgm:spPr/>
     </dgm:pt>
-    <dgm:pt modelId="{D4643005-3B07-4333-B39F-EFEAC7771BAA}" type="pres">
-      <dgm:prSet presAssocID="{C9BA18C6-1688-44A3-B585-0F30B69F9C4F}" presName="childNode1" presStyleLbl="bgAcc1" presStyleIdx="2" presStyleCnt="5" custScaleX="138751" custScaleY="106277" custLinFactNeighborX="-7161" custLinFactNeighborY="-16882">
+    <dgm:pt modelId="{8103B998-7542-419E-BAFF-AF87BDE1FDDB}" type="pres">
+      <dgm:prSet presAssocID="{4C6DAB58-6BF7-4A68-90F6-76CCD60BC396}" presName="childNode1" presStyleLbl="bgAcc1" presStyleIdx="2" presStyleCnt="5" custScaleX="129630" custScaleY="116815" custLinFactNeighborX="-13124" custLinFactNeighborY="19387">
         <dgm:presLayoutVars>
           <dgm:bulletEnabled val="1"/>
         </dgm:presLayoutVars>
       </dgm:prSet>
       <dgm:spPr/>
     </dgm:pt>
-    <dgm:pt modelId="{8C87E3F0-E4D5-49C7-A3DF-2D35376135EE}" type="pres">
-      <dgm:prSet presAssocID="{C9BA18C6-1688-44A3-B585-0F30B69F9C4F}" presName="childNode1tx" presStyleLbl="bgAcc1" presStyleIdx="2" presStyleCnt="5">
+    <dgm:pt modelId="{8038B86E-1E40-4126-B039-D0EE11FC67EE}" type="pres">
+      <dgm:prSet presAssocID="{4C6DAB58-6BF7-4A68-90F6-76CCD60BC396}" presName="childNode1tx" presStyleLbl="bgAcc1" presStyleIdx="2" presStyleCnt="5">
         <dgm:presLayoutVars>
           <dgm:bulletEnabled val="1"/>
         </dgm:presLayoutVars>
       </dgm:prSet>
       <dgm:spPr/>
     </dgm:pt>
-    <dgm:pt modelId="{72F39B0A-90AB-409A-BD03-F848B3F13485}" type="pres">
-      <dgm:prSet presAssocID="{C9BA18C6-1688-44A3-B585-0F30B69F9C4F}" presName="parentNode1" presStyleLbl="node1" presStyleIdx="2" presStyleCnt="5" custLinFactNeighborX="-5398" custLinFactNeighborY="-5793">
+    <dgm:pt modelId="{BFA2C9D0-EDA8-46BE-8090-63D70F5C3D0D}" type="pres">
+      <dgm:prSet presAssocID="{4C6DAB58-6BF7-4A68-90F6-76CCD60BC396}" presName="parentNode1" presStyleLbl="node1" presStyleIdx="2" presStyleCnt="5" custLinFactNeighborX="8440" custLinFactNeighborY="73811">
         <dgm:presLayoutVars>
           <dgm:chMax val="1"/>
           <dgm:bulletEnabled val="1"/>
@@ -5044,40 +4854,40 @@
       </dgm:prSet>
       <dgm:spPr/>
     </dgm:pt>
-    <dgm:pt modelId="{F76AA4FF-9EB1-4A40-8651-CC93FDCDC70B}" type="pres">
-      <dgm:prSet presAssocID="{C9BA18C6-1688-44A3-B585-0F30B69F9C4F}" presName="connSite1" presStyleCnt="0"/>
+    <dgm:pt modelId="{E73CEA40-8FF5-499D-AAEA-1D0E2A6763B8}" type="pres">
+      <dgm:prSet presAssocID="{4C6DAB58-6BF7-4A68-90F6-76CCD60BC396}" presName="connSite1" presStyleCnt="0"/>
       <dgm:spPr/>
     </dgm:pt>
-    <dgm:pt modelId="{7653ECB6-67B7-4855-9BD2-4E4CE71939F8}" type="pres">
-      <dgm:prSet presAssocID="{F5428DDE-7489-4C84-8F56-19C505201CDE}" presName="Name9" presStyleLbl="sibTrans2D1" presStyleIdx="2" presStyleCnt="4" custScaleX="85642" custLinFactNeighborX="-1834"/>
+    <dgm:pt modelId="{D3BFA2D9-ACCC-40C4-9007-70FD9774FD51}" type="pres">
+      <dgm:prSet presAssocID="{D87917C1-1C80-4515-932C-647BEEA13C97}" presName="Name9" presStyleLbl="sibTrans2D1" presStyleIdx="2" presStyleCnt="4"/>
       <dgm:spPr/>
     </dgm:pt>
-    <dgm:pt modelId="{8CF548B6-497A-4B14-A1BB-99E610AF9133}" type="pres">
-      <dgm:prSet presAssocID="{7D49E842-6EF6-4C45-8534-EED3A2E484DD}" presName="composite2" presStyleCnt="0"/>
+    <dgm:pt modelId="{74476A94-EF06-45E9-BDFA-D391604B79F4}" type="pres">
+      <dgm:prSet presAssocID="{0025D1CF-92D8-473C-A123-EC355F57FD4B}" presName="composite2" presStyleCnt="0"/>
       <dgm:spPr/>
     </dgm:pt>
-    <dgm:pt modelId="{7DEC0749-F1D0-4ECD-B8BF-396D050CA1AB}" type="pres">
-      <dgm:prSet presAssocID="{7D49E842-6EF6-4C45-8534-EED3A2E484DD}" presName="dummyNode2" presStyleLbl="node1" presStyleIdx="2" presStyleCnt="5"/>
+    <dgm:pt modelId="{F85EF496-4115-4DFE-8231-661C0C8825CA}" type="pres">
+      <dgm:prSet presAssocID="{0025D1CF-92D8-473C-A123-EC355F57FD4B}" presName="dummyNode2" presStyleLbl="node1" presStyleIdx="2" presStyleCnt="5"/>
       <dgm:spPr/>
     </dgm:pt>
-    <dgm:pt modelId="{F3B7B9E5-0788-4163-BD1D-3DEDCE2D6B32}" type="pres">
-      <dgm:prSet presAssocID="{7D49E842-6EF6-4C45-8534-EED3A2E484DD}" presName="childNode2" presStyleLbl="bgAcc1" presStyleIdx="3" presStyleCnt="5" custScaleX="146764" custScaleY="106277" custLinFactNeighborX="-7826" custLinFactNeighborY="-15726">
+    <dgm:pt modelId="{709FE0EB-6284-463A-AE3D-3943AF96E1F5}" type="pres">
+      <dgm:prSet presAssocID="{0025D1CF-92D8-473C-A123-EC355F57FD4B}" presName="childNode2" presStyleLbl="bgAcc1" presStyleIdx="3" presStyleCnt="5" custScaleX="132635" custScaleY="116815" custLinFactNeighborX="-12016" custLinFactNeighborY="19873">
         <dgm:presLayoutVars>
           <dgm:bulletEnabled val="1"/>
         </dgm:presLayoutVars>
       </dgm:prSet>
       <dgm:spPr/>
     </dgm:pt>
-    <dgm:pt modelId="{A3A3943A-B1B1-432B-B532-80BA0AC452C9}" type="pres">
-      <dgm:prSet presAssocID="{7D49E842-6EF6-4C45-8534-EED3A2E484DD}" presName="childNode2tx" presStyleLbl="bgAcc1" presStyleIdx="3" presStyleCnt="5">
+    <dgm:pt modelId="{5830C27B-2EA2-4854-9BC6-BD198C526FD0}" type="pres">
+      <dgm:prSet presAssocID="{0025D1CF-92D8-473C-A123-EC355F57FD4B}" presName="childNode2tx" presStyleLbl="bgAcc1" presStyleIdx="3" presStyleCnt="5">
         <dgm:presLayoutVars>
           <dgm:bulletEnabled val="1"/>
         </dgm:presLayoutVars>
       </dgm:prSet>
       <dgm:spPr/>
     </dgm:pt>
-    <dgm:pt modelId="{980393BF-CC11-493E-8A97-0FD4CE4B1F09}" type="pres">
-      <dgm:prSet presAssocID="{7D49E842-6EF6-4C45-8534-EED3A2E484DD}" presName="parentNode2" presStyleLbl="node1" presStyleIdx="3" presStyleCnt="5" custLinFactNeighborX="16360" custLinFactNeighborY="-69438">
+    <dgm:pt modelId="{64C72429-576F-49F2-9F34-06F9CAEAB159}" type="pres">
+      <dgm:prSet presAssocID="{0025D1CF-92D8-473C-A123-EC355F57FD4B}" presName="parentNode2" presStyleLbl="node1" presStyleIdx="3" presStyleCnt="5" custLinFactNeighborX="24108" custLinFactNeighborY="26732">
         <dgm:presLayoutVars>
           <dgm:chMax val="0"/>
           <dgm:bulletEnabled val="1"/>
@@ -5085,40 +4895,40 @@
       </dgm:prSet>
       <dgm:spPr/>
     </dgm:pt>
-    <dgm:pt modelId="{23242733-9CCB-481B-94C8-2BEBD3BFAB09}" type="pres">
-      <dgm:prSet presAssocID="{7D49E842-6EF6-4C45-8534-EED3A2E484DD}" presName="connSite2" presStyleCnt="0"/>
+    <dgm:pt modelId="{8FFFE2D6-320C-4D6B-AC3E-44DFD074DF27}" type="pres">
+      <dgm:prSet presAssocID="{0025D1CF-92D8-473C-A123-EC355F57FD4B}" presName="connSite2" presStyleCnt="0"/>
       <dgm:spPr/>
     </dgm:pt>
-    <dgm:pt modelId="{1B57AD0B-ED91-43E0-BCEB-BCFE3AF74457}" type="pres">
-      <dgm:prSet presAssocID="{9A2DB8C4-8084-4709-AEFB-B50A1FEB1DD9}" presName="Name18" presStyleLbl="sibTrans2D1" presStyleIdx="3" presStyleCnt="4"/>
+    <dgm:pt modelId="{A620235A-8311-464E-944E-26FF0EA855B5}" type="pres">
+      <dgm:prSet presAssocID="{3ECDB257-ABD4-4C46-B67F-629974B169CD}" presName="Name18" presStyleLbl="sibTrans2D1" presStyleIdx="3" presStyleCnt="4" custScaleX="88724" custScaleY="91033"/>
       <dgm:spPr/>
     </dgm:pt>
-    <dgm:pt modelId="{03D1A9BE-80D3-4E04-B85A-207F6BF20CF0}" type="pres">
-      <dgm:prSet presAssocID="{E902D653-D8D5-40DC-A44D-C9E85ACF4D2F}" presName="composite1" presStyleCnt="0"/>
+    <dgm:pt modelId="{3D1E7471-8FD7-436A-BAD3-15663B679352}" type="pres">
+      <dgm:prSet presAssocID="{FB689ACF-14FA-42C1-8A06-730B9BE7D3E2}" presName="composite1" presStyleCnt="0"/>
       <dgm:spPr/>
     </dgm:pt>
-    <dgm:pt modelId="{2C6FEB56-FE17-41B7-8423-10A361FA7963}" type="pres">
-      <dgm:prSet presAssocID="{E902D653-D8D5-40DC-A44D-C9E85ACF4D2F}" presName="dummyNode1" presStyleLbl="node1" presStyleIdx="3" presStyleCnt="5"/>
+    <dgm:pt modelId="{4E7A83BF-F1A5-4A28-9532-9B746D3468BE}" type="pres">
+      <dgm:prSet presAssocID="{FB689ACF-14FA-42C1-8A06-730B9BE7D3E2}" presName="dummyNode1" presStyleLbl="node1" presStyleIdx="3" presStyleCnt="5"/>
       <dgm:spPr/>
     </dgm:pt>
-    <dgm:pt modelId="{B70387AF-3C9B-4E09-B2A1-3CDB21B2816D}" type="pres">
-      <dgm:prSet presAssocID="{E902D653-D8D5-40DC-A44D-C9E85ACF4D2F}" presName="childNode1" presStyleLbl="bgAcc1" presStyleIdx="4" presStyleCnt="5" custScaleX="132349" custScaleY="106277" custLinFactNeighborX="-9538" custLinFactNeighborY="-15204">
+    <dgm:pt modelId="{D9837A88-683C-4B66-9AB9-D5A72B071271}" type="pres">
+      <dgm:prSet presAssocID="{FB689ACF-14FA-42C1-8A06-730B9BE7D3E2}" presName="childNode1" presStyleLbl="bgAcc1" presStyleIdx="4" presStyleCnt="5" custScaleX="165073" custScaleY="116815" custLinFactNeighborX="1511" custLinFactNeighborY="20363">
         <dgm:presLayoutVars>
           <dgm:bulletEnabled val="1"/>
         </dgm:presLayoutVars>
       </dgm:prSet>
       <dgm:spPr/>
     </dgm:pt>
-    <dgm:pt modelId="{A826516E-D5D7-4A34-B03D-AB9FB7FB4977}" type="pres">
-      <dgm:prSet presAssocID="{E902D653-D8D5-40DC-A44D-C9E85ACF4D2F}" presName="childNode1tx" presStyleLbl="bgAcc1" presStyleIdx="4" presStyleCnt="5">
+    <dgm:pt modelId="{16E8422B-D81B-432A-86C1-918787F6F4F0}" type="pres">
+      <dgm:prSet presAssocID="{FB689ACF-14FA-42C1-8A06-730B9BE7D3E2}" presName="childNode1tx" presStyleLbl="bgAcc1" presStyleIdx="4" presStyleCnt="5">
         <dgm:presLayoutVars>
           <dgm:bulletEnabled val="1"/>
         </dgm:presLayoutVars>
       </dgm:prSet>
       <dgm:spPr/>
     </dgm:pt>
-    <dgm:pt modelId="{1AACCFC4-407A-41E6-960F-0CCFFD36C6D3}" type="pres">
-      <dgm:prSet presAssocID="{E902D653-D8D5-40DC-A44D-C9E85ACF4D2F}" presName="parentNode1" presStyleLbl="node1" presStyleIdx="4" presStyleCnt="5" custLinFactNeighborX="-4489" custLinFactNeighborY="-29580">
+    <dgm:pt modelId="{D0812395-5F2E-458F-B962-1A36CFCDF710}" type="pres">
+      <dgm:prSet presAssocID="{FB689ACF-14FA-42C1-8A06-730B9BE7D3E2}" presName="parentNode1" presStyleLbl="node1" presStyleIdx="4" presStyleCnt="5" custLinFactNeighborX="26257" custLinFactNeighborY="68850">
         <dgm:presLayoutVars>
           <dgm:chMax val="1"/>
           <dgm:bulletEnabled val="1"/>
@@ -5126,157 +4936,145 @@
       </dgm:prSet>
       <dgm:spPr/>
     </dgm:pt>
-    <dgm:pt modelId="{2C72E9A6-FF3C-4189-B2B1-464BF46F0209}" type="pres">
-      <dgm:prSet presAssocID="{E902D653-D8D5-40DC-A44D-C9E85ACF4D2F}" presName="connSite1" presStyleCnt="0"/>
+    <dgm:pt modelId="{0591F56A-7720-459E-9888-4F06D90D13E3}" type="pres">
+      <dgm:prSet presAssocID="{FB689ACF-14FA-42C1-8A06-730B9BE7D3E2}" presName="connSite1" presStyleCnt="0"/>
       <dgm:spPr/>
     </dgm:pt>
   </dgm:ptLst>
   <dgm:cxnLst>
-    <dgm:cxn modelId="{15BBF700-100A-47FB-823A-9F41808F4D70}" type="presOf" srcId="{95BB6840-8EB4-4B2A-8E20-280E4F72374F}" destId="{B70387AF-3C9B-4E09-B2A1-3CDB21B2816D}" srcOrd="0" destOrd="3" presId="urn:microsoft.com/office/officeart/2005/8/layout/hProcess4"/>
-    <dgm:cxn modelId="{4689EE05-503B-49AC-8427-DDDB53E25E52}" type="presOf" srcId="{7EDCD917-9861-4A67-A670-322E8DD8E704}" destId="{24C95D2B-48EA-4A7B-8F0B-F1AC241A9DCF}" srcOrd="0" destOrd="5" presId="urn:microsoft.com/office/officeart/2005/8/layout/hProcess4"/>
-    <dgm:cxn modelId="{9EF00E06-BD18-4E3B-B5C8-03EDC511CBEE}" type="presOf" srcId="{35E51F57-A897-49D2-99F8-47CBF27FF4B8}" destId="{A3A3943A-B1B1-432B-B532-80BA0AC452C9}" srcOrd="1" destOrd="2" presId="urn:microsoft.com/office/officeart/2005/8/layout/hProcess4"/>
-    <dgm:cxn modelId="{C5BB7209-AAF6-4318-880E-BB3B600F4D5C}" type="presOf" srcId="{07F5B093-F6B4-4E1C-A191-F2E98F9F6CFD}" destId="{24C95D2B-48EA-4A7B-8F0B-F1AC241A9DCF}" srcOrd="0" destOrd="0" presId="urn:microsoft.com/office/officeart/2005/8/layout/hProcess4"/>
-    <dgm:cxn modelId="{BF8B2B0C-F9BD-41CF-8F39-097BC64196B8}" type="presOf" srcId="{84EDE297-AC33-45B8-97D2-51FB2846EC1D}" destId="{24C95D2B-48EA-4A7B-8F0B-F1AC241A9DCF}" srcOrd="0" destOrd="7" presId="urn:microsoft.com/office/officeart/2005/8/layout/hProcess4"/>
-    <dgm:cxn modelId="{4733D80F-6D41-4E41-B0EB-C0003CA415FC}" srcId="{E3ADA3E2-F9E6-4359-A687-1A4F208B53F4}" destId="{ABC61ACA-E58D-4196-B1B2-90C320C6CB09}" srcOrd="2" destOrd="0" parTransId="{1E73E330-063A-40FE-96D2-18152042A097}" sibTransId="{1689FAC3-082E-463D-B1EF-A6CBD1354908}"/>
-    <dgm:cxn modelId="{FEB82C10-C2AE-406C-8F1E-69282AF0FC68}" srcId="{E3ADA3E2-F9E6-4359-A687-1A4F208B53F4}" destId="{7C816216-AC72-4884-9659-299196471423}" srcOrd="1" destOrd="0" parTransId="{8A888A73-E822-45D4-86B9-E4E702FC61FF}" sibTransId="{45AB9B62-CF6D-4D73-ABC3-9361D7D29280}"/>
-    <dgm:cxn modelId="{E8C8B510-DCA5-4142-B07C-D2EFC3CB0851}" type="presOf" srcId="{1C2422C0-B61A-4C41-BFAC-0D8DA980EEFB}" destId="{F4DDD7AB-11CF-490E-8EA0-EC666606A38C}" srcOrd="0" destOrd="0" presId="urn:microsoft.com/office/officeart/2005/8/layout/hProcess4"/>
-    <dgm:cxn modelId="{86B37211-60AB-4B2A-8F73-5A3D3E4C9D03}" type="presOf" srcId="{7D49E842-6EF6-4C45-8534-EED3A2E484DD}" destId="{980393BF-CC11-493E-8A97-0FD4CE4B1F09}" srcOrd="0" destOrd="0" presId="urn:microsoft.com/office/officeart/2005/8/layout/hProcess4"/>
-    <dgm:cxn modelId="{9F191114-7435-48B1-9573-3BC6D0F86229}" type="presOf" srcId="{7EDCD917-9861-4A67-A670-322E8DD8E704}" destId="{20E93B34-4B86-4499-992D-B414093AF437}" srcOrd="1" destOrd="5" presId="urn:microsoft.com/office/officeart/2005/8/layout/hProcess4"/>
-    <dgm:cxn modelId="{4BA47D17-3642-441B-AF54-698BEC4B6994}" srcId="{1C2422C0-B61A-4C41-BFAC-0D8DA980EEFB}" destId="{E3ADA3E2-F9E6-4359-A687-1A4F208B53F4}" srcOrd="1" destOrd="0" parTransId="{6AB906ED-C180-44FF-99CC-449117DB9B7B}" sibTransId="{F3A9534C-F4CA-47BD-A19A-F233B31D3001}"/>
-    <dgm:cxn modelId="{93435F20-DF94-4293-B84D-CE5E03186EE0}" srcId="{1C2422C0-B61A-4C41-BFAC-0D8DA980EEFB}" destId="{E902D653-D8D5-40DC-A44D-C9E85ACF4D2F}" srcOrd="4" destOrd="0" parTransId="{FB63C8BD-26DA-4542-8DF2-BFC7F9821156}" sibTransId="{D8E18B71-69EB-4EFB-9A36-2C46597AF04E}"/>
-    <dgm:cxn modelId="{93E01126-1E19-4BBE-AC19-6AA4309301F4}" type="presOf" srcId="{E29D2F98-C2AB-4F72-962B-DBE6DBBCFEC7}" destId="{B70387AF-3C9B-4E09-B2A1-3CDB21B2816D}" srcOrd="0" destOrd="1" presId="urn:microsoft.com/office/officeart/2005/8/layout/hProcess4"/>
-    <dgm:cxn modelId="{8F733D26-1DC6-4AD3-B625-80D975B38113}" srcId="{C9BA18C6-1688-44A3-B585-0F30B69F9C4F}" destId="{0A0CCE04-0465-4CDE-B14F-24B9E4B5D42B}" srcOrd="4" destOrd="0" parTransId="{487A8CB8-0F85-4C8D-8078-B5544FE78FF4}" sibTransId="{FADCD7E2-4452-4776-9D10-595BAA2012D6}"/>
-    <dgm:cxn modelId="{A28AE026-D0DF-4C7D-9290-4D0E83CC069B}" srcId="{3901DFD9-C5D7-442E-AEE2-90766AF8E80E}" destId="{899A00E3-3BDF-4282-BF88-5A88DD398E86}" srcOrd="2" destOrd="0" parTransId="{94399B44-773D-4908-9E8F-4F9D6937099B}" sibTransId="{44C7AD77-1C85-49D4-A1F2-B73C6F55289E}"/>
-    <dgm:cxn modelId="{994CB427-F074-4660-9697-212C0CBFDFD6}" type="presOf" srcId="{D2DC0D10-0302-42CA-A122-08F81B73DE44}" destId="{20E93B34-4B86-4499-992D-B414093AF437}" srcOrd="1" destOrd="4" presId="urn:microsoft.com/office/officeart/2005/8/layout/hProcess4"/>
-    <dgm:cxn modelId="{22B3172E-2854-4C98-9FC0-39ADF5204DE6}" srcId="{7D49E842-6EF6-4C45-8534-EED3A2E484DD}" destId="{81083DD8-68E7-4116-9E6E-1FD5A8D52432}" srcOrd="6" destOrd="0" parTransId="{0CC15854-5C6D-4D83-B100-D5F339182890}" sibTransId="{5D5AFF4F-62DD-46BA-83AC-44A1ECE20CAE}"/>
-    <dgm:cxn modelId="{4AB85134-5272-4981-B0C5-6A07AD430639}" type="presOf" srcId="{5016F1F8-65B7-48B4-8C3F-8B64AFBFC1D2}" destId="{8C87E3F0-E4D5-49C7-A3DF-2D35376135EE}" srcOrd="1" destOrd="5" presId="urn:microsoft.com/office/officeart/2005/8/layout/hProcess4"/>
-    <dgm:cxn modelId="{9611553E-3C67-4C75-BEEE-978C7D8A2EFD}" srcId="{7D49E842-6EF6-4C45-8534-EED3A2E484DD}" destId="{89DE5228-E33D-44E7-8BC5-C60BEB90310F}" srcOrd="0" destOrd="0" parTransId="{4F18584E-4C02-4B1C-B9FA-026D904139B4}" sibTransId="{2D5F13EC-3346-430D-8579-951D85CC7712}"/>
-    <dgm:cxn modelId="{8677CE3F-400E-4321-81A1-B5FC1784737B}" type="presOf" srcId="{F74405B0-5350-4719-8E5A-58864C98BB16}" destId="{20E93B34-4B86-4499-992D-B414093AF437}" srcOrd="1" destOrd="3" presId="urn:microsoft.com/office/officeart/2005/8/layout/hProcess4"/>
-    <dgm:cxn modelId="{95224A5D-A6C4-4371-9C1D-6C31B897FFD4}" type="presOf" srcId="{BB9A4A29-35DF-402C-BC31-14688EE1CBEF}" destId="{FFEAD238-735F-47A7-B527-83E9090472C1}" srcOrd="0" destOrd="0" presId="urn:microsoft.com/office/officeart/2005/8/layout/hProcess4"/>
-    <dgm:cxn modelId="{03E52741-8338-4E7C-B24B-C9CCEC2C0B30}" type="presOf" srcId="{E4BBAB24-779F-4D92-B8CD-92C9EDCEA1A8}" destId="{8C87E3F0-E4D5-49C7-A3DF-2D35376135EE}" srcOrd="1" destOrd="2" presId="urn:microsoft.com/office/officeart/2005/8/layout/hProcess4"/>
-    <dgm:cxn modelId="{EE4B8044-76F5-4201-8D55-9C6DC743922B}" type="presOf" srcId="{EDF3B1F8-3A2F-4B98-879D-D03AE77916AD}" destId="{A3A3943A-B1B1-432B-B532-80BA0AC452C9}" srcOrd="1" destOrd="4" presId="urn:microsoft.com/office/officeart/2005/8/layout/hProcess4"/>
-    <dgm:cxn modelId="{E224BE64-B343-462B-945A-19A1A2B6CBDD}" type="presOf" srcId="{7C816216-AC72-4884-9659-299196471423}" destId="{C62541C4-5F1A-4423-A573-94B381767A37}" srcOrd="1" destOrd="1" presId="urn:microsoft.com/office/officeart/2005/8/layout/hProcess4"/>
-    <dgm:cxn modelId="{A1301947-CE60-4693-BCD2-D2F69BCAE609}" srcId="{7D49E842-6EF6-4C45-8534-EED3A2E484DD}" destId="{732D2F61-02B8-43E9-B308-CF68C56839E7}" srcOrd="7" destOrd="0" parTransId="{B2250FB8-054B-4F4F-8596-F09AC105D28D}" sibTransId="{2C2002A3-7EB9-407E-BC7D-980E2B5C0B20}"/>
-    <dgm:cxn modelId="{1FF76647-9360-447C-8447-2196FA11E4F1}" type="presOf" srcId="{ABC61ACA-E58D-4196-B1B2-90C320C6CB09}" destId="{6A0EB708-BF17-40BD-A091-293B8939B770}" srcOrd="0" destOrd="2" presId="urn:microsoft.com/office/officeart/2005/8/layout/hProcess4"/>
-    <dgm:cxn modelId="{D9BC9048-50CA-417E-B2FF-4499A698DE1E}" type="presOf" srcId="{24B36F21-8546-433A-B9D1-4725D002976B}" destId="{F3B7B9E5-0788-4163-BD1D-3DEDCE2D6B32}" srcOrd="0" destOrd="3" presId="urn:microsoft.com/office/officeart/2005/8/layout/hProcess4"/>
-    <dgm:cxn modelId="{DC67A868-8BD7-4FCA-9B8F-5D869315514D}" srcId="{1C2422C0-B61A-4C41-BFAC-0D8DA980EEFB}" destId="{3901DFD9-C5D7-442E-AEE2-90766AF8E80E}" srcOrd="0" destOrd="0" parTransId="{F092B11E-55A8-4015-810B-71A62971B814}" sibTransId="{BB9A4A29-35DF-402C-BC31-14688EE1CBEF}"/>
-    <dgm:cxn modelId="{446A774B-6B37-4729-A49F-BD993A3207BF}" type="presOf" srcId="{3901DFD9-C5D7-442E-AEE2-90766AF8E80E}" destId="{576296D7-AC0D-4100-987D-75CEADE0ED92}" srcOrd="0" destOrd="0" presId="urn:microsoft.com/office/officeart/2005/8/layout/hProcess4"/>
-    <dgm:cxn modelId="{3704616C-652A-4D02-8787-2A6C8068733E}" srcId="{E3ADA3E2-F9E6-4359-A687-1A4F208B53F4}" destId="{DE6B4893-3B97-4E21-965D-03A868B56735}" srcOrd="3" destOrd="0" parTransId="{5FA40E64-0A06-4261-B96C-2B896B66D522}" sibTransId="{6F1B05B9-4D1C-4BDF-8412-565F36B7A0A5}"/>
-    <dgm:cxn modelId="{74F9E44D-2940-47C3-95AE-533F434AC2BD}" type="presOf" srcId="{F3A9534C-F4CA-47BD-A19A-F233B31D3001}" destId="{29D44E95-17B6-4F1F-8ADE-3CE0117F29BA}" srcOrd="0" destOrd="0" presId="urn:microsoft.com/office/officeart/2005/8/layout/hProcess4"/>
-    <dgm:cxn modelId="{C41D164E-FC14-496D-BF3C-D28E1F4B7F18}" type="presOf" srcId="{5FE65EEE-FB3B-445B-94DE-2F3039EF851B}" destId="{A3A3943A-B1B1-432B-B532-80BA0AC452C9}" srcOrd="1" destOrd="1" presId="urn:microsoft.com/office/officeart/2005/8/layout/hProcess4"/>
-    <dgm:cxn modelId="{DE5A256E-520C-49AD-A616-EB1AC2AF849A}" srcId="{E3ADA3E2-F9E6-4359-A687-1A4F208B53F4}" destId="{4C8E2CE7-66DC-48CE-930B-41AF0FC98836}" srcOrd="0" destOrd="0" parTransId="{26DBAEB1-FE6E-4F64-B07B-3DCF3B1FE94C}" sibTransId="{492653B7-E483-4636-A17C-959E10A5EB34}"/>
-    <dgm:cxn modelId="{ED333E4E-BB85-46D3-87FA-0715534BEA39}" srcId="{1C2422C0-B61A-4C41-BFAC-0D8DA980EEFB}" destId="{7D49E842-6EF6-4C45-8534-EED3A2E484DD}" srcOrd="3" destOrd="0" parTransId="{7FF3CE6F-3FED-48AC-B7D7-58D23950BC1D}" sibTransId="{9A2DB8C4-8084-4709-AEFB-B50A1FEB1DD9}"/>
-    <dgm:cxn modelId="{694D594E-3947-4D54-9593-C9644F3A7D62}" type="presOf" srcId="{36C5E64D-F1EA-4DCB-A312-285C2C7F5224}" destId="{24C95D2B-48EA-4A7B-8F0B-F1AC241A9DCF}" srcOrd="0" destOrd="1" presId="urn:microsoft.com/office/officeart/2005/8/layout/hProcess4"/>
-    <dgm:cxn modelId="{932DE44E-778E-4A80-8A4B-D4D0F13A63C0}" type="presOf" srcId="{E30DFF50-46B4-4D5B-8936-8D26D3985491}" destId="{8C87E3F0-E4D5-49C7-A3DF-2D35376135EE}" srcOrd="1" destOrd="3" presId="urn:microsoft.com/office/officeart/2005/8/layout/hProcess4"/>
-    <dgm:cxn modelId="{4386946F-5F27-4E9C-8AAA-E9E8A9CD0B92}" srcId="{7D49E842-6EF6-4C45-8534-EED3A2E484DD}" destId="{2F47178E-ED14-4A23-A568-4F9E22827203}" srcOrd="5" destOrd="0" parTransId="{81F41C83-A367-4716-BE4B-665C720720AF}" sibTransId="{64F8455E-34C5-43C6-AE49-15270811B1B7}"/>
-    <dgm:cxn modelId="{55F92170-293E-4893-A988-27D4EC880972}" type="presOf" srcId="{07F5B093-F6B4-4E1C-A191-F2E98F9F6CFD}" destId="{20E93B34-4B86-4499-992D-B414093AF437}" srcOrd="1" destOrd="0" presId="urn:microsoft.com/office/officeart/2005/8/layout/hProcess4"/>
-    <dgm:cxn modelId="{BCD9CC71-B0A4-4D91-9850-523238361A80}" type="presOf" srcId="{732D2F61-02B8-43E9-B308-CF68C56839E7}" destId="{A3A3943A-B1B1-432B-B532-80BA0AC452C9}" srcOrd="1" destOrd="7" presId="urn:microsoft.com/office/officeart/2005/8/layout/hProcess4"/>
-    <dgm:cxn modelId="{2B979D74-0843-4AE3-93CF-C10ADABAADBF}" srcId="{7D49E842-6EF6-4C45-8534-EED3A2E484DD}" destId="{35E51F57-A897-49D2-99F8-47CBF27FF4B8}" srcOrd="2" destOrd="0" parTransId="{314B0363-D54F-4F52-8211-FB8A374974E1}" sibTransId="{58665FF5-A4E0-4553-8AE7-FD40261D979F}"/>
-    <dgm:cxn modelId="{31455256-C93D-4AD1-8441-D7424C5BF9A7}" type="presOf" srcId="{24B36F21-8546-433A-B9D1-4725D002976B}" destId="{A3A3943A-B1B1-432B-B532-80BA0AC452C9}" srcOrd="1" destOrd="3" presId="urn:microsoft.com/office/officeart/2005/8/layout/hProcess4"/>
-    <dgm:cxn modelId="{2DB9F676-DB70-4DD6-9911-C5FB12D359C7}" type="presOf" srcId="{4FE520C8-5417-4BCB-99B2-F4383775D721}" destId="{B70387AF-3C9B-4E09-B2A1-3CDB21B2816D}" srcOrd="0" destOrd="0" presId="urn:microsoft.com/office/officeart/2005/8/layout/hProcess4"/>
-    <dgm:cxn modelId="{45EB2C77-9431-4971-91C9-4CCD84E81CE0}" srcId="{7D49E842-6EF6-4C45-8534-EED3A2E484DD}" destId="{24B36F21-8546-433A-B9D1-4725D002976B}" srcOrd="3" destOrd="0" parTransId="{AD7FC10E-C001-4F45-AED8-E7FC39F6FFD4}" sibTransId="{D6248BE3-ECDA-4716-B296-F18B23E52183}"/>
-    <dgm:cxn modelId="{9E1BBB78-6EA6-4CC6-8EA2-5E8EB43B24B3}" type="presOf" srcId="{5016F1F8-65B7-48B4-8C3F-8B64AFBFC1D2}" destId="{D4643005-3B07-4333-B39F-EFEAC7771BAA}" srcOrd="0" destOrd="5" presId="urn:microsoft.com/office/officeart/2005/8/layout/hProcess4"/>
-    <dgm:cxn modelId="{84440E59-3A52-4543-8CC0-406736665BB1}" type="presOf" srcId="{DE6B4893-3B97-4E21-965D-03A868B56735}" destId="{C62541C4-5F1A-4423-A573-94B381767A37}" srcOrd="1" destOrd="3" presId="urn:microsoft.com/office/officeart/2005/8/layout/hProcess4"/>
-    <dgm:cxn modelId="{55DC415A-4EA6-4F2F-A77D-9B47B4761902}" type="presOf" srcId="{4C8E2CE7-66DC-48CE-930B-41AF0FC98836}" destId="{6A0EB708-BF17-40BD-A091-293B8939B770}" srcOrd="0" destOrd="0" presId="urn:microsoft.com/office/officeart/2005/8/layout/hProcess4"/>
-    <dgm:cxn modelId="{27CBA87B-740A-43FA-992D-025483965B3B}" type="presOf" srcId="{DE6B4893-3B97-4E21-965D-03A868B56735}" destId="{6A0EB708-BF17-40BD-A091-293B8939B770}" srcOrd="0" destOrd="3" presId="urn:microsoft.com/office/officeart/2005/8/layout/hProcess4"/>
-    <dgm:cxn modelId="{44B4A57C-D0F7-4DA7-A39E-41245AB9883C}" type="presOf" srcId="{36C5E64D-F1EA-4DCB-A312-285C2C7F5224}" destId="{20E93B34-4B86-4499-992D-B414093AF437}" srcOrd="1" destOrd="1" presId="urn:microsoft.com/office/officeart/2005/8/layout/hProcess4"/>
-    <dgm:cxn modelId="{65746B81-4D2E-42E1-A452-9D13F95AD046}" type="presOf" srcId="{89DE5228-E33D-44E7-8BC5-C60BEB90310F}" destId="{A3A3943A-B1B1-432B-B532-80BA0AC452C9}" srcOrd="1" destOrd="0" presId="urn:microsoft.com/office/officeart/2005/8/layout/hProcess4"/>
-    <dgm:cxn modelId="{2461F882-128A-4F7D-8BC9-355ECC7CB49E}" type="presOf" srcId="{987FE590-768A-47F3-BEFA-1A9E2988B912}" destId="{B70387AF-3C9B-4E09-B2A1-3CDB21B2816D}" srcOrd="0" destOrd="2" presId="urn:microsoft.com/office/officeart/2005/8/layout/hProcess4"/>
-    <dgm:cxn modelId="{49748687-B66F-47F1-B493-B1BF06C807BF}" srcId="{7D49E842-6EF6-4C45-8534-EED3A2E484DD}" destId="{5FE65EEE-FB3B-445B-94DE-2F3039EF851B}" srcOrd="1" destOrd="0" parTransId="{3BC1C9E6-50C8-48F3-84B3-BC183FBDECFD}" sibTransId="{212FE846-D221-4B28-8F9E-1AA7158367BE}"/>
-    <dgm:cxn modelId="{4659F387-EDC1-4A9E-9CC2-BED8BA06A444}" type="presOf" srcId="{E4BBAB24-779F-4D92-B8CD-92C9EDCEA1A8}" destId="{D4643005-3B07-4333-B39F-EFEAC7771BAA}" srcOrd="0" destOrd="2" presId="urn:microsoft.com/office/officeart/2005/8/layout/hProcess4"/>
-    <dgm:cxn modelId="{015EEA8A-6CC6-4CA0-B9DF-9F9F53A51FF1}" type="presOf" srcId="{899A00E3-3BDF-4282-BF88-5A88DD398E86}" destId="{24C95D2B-48EA-4A7B-8F0B-F1AC241A9DCF}" srcOrd="0" destOrd="2" presId="urn:microsoft.com/office/officeart/2005/8/layout/hProcess4"/>
-    <dgm:cxn modelId="{DD53528D-4A46-4D94-B341-158B1ACB3BC3}" type="presOf" srcId="{E29D2F98-C2AB-4F72-962B-DBE6DBBCFEC7}" destId="{A826516E-D5D7-4A34-B03D-AB9FB7FB4977}" srcOrd="1" destOrd="1" presId="urn:microsoft.com/office/officeart/2005/8/layout/hProcess4"/>
-    <dgm:cxn modelId="{61FEF28D-5BB1-48E8-BE75-CC1D6A619AFD}" type="presOf" srcId="{ABC61ACA-E58D-4196-B1B2-90C320C6CB09}" destId="{C62541C4-5F1A-4423-A573-94B381767A37}" srcOrd="1" destOrd="2" presId="urn:microsoft.com/office/officeart/2005/8/layout/hProcess4"/>
-    <dgm:cxn modelId="{CAFB1294-60BA-4118-B72B-CD5E9C5D18A5}" type="presOf" srcId="{7C816216-AC72-4884-9659-299196471423}" destId="{6A0EB708-BF17-40BD-A091-293B8939B770}" srcOrd="0" destOrd="1" presId="urn:microsoft.com/office/officeart/2005/8/layout/hProcess4"/>
-    <dgm:cxn modelId="{FB94D596-A3AD-4EA1-B9F5-39FC2262F09F}" srcId="{E902D653-D8D5-40DC-A44D-C9E85ACF4D2F}" destId="{965A5DF1-1BCB-4ACA-A76D-10E11E072B37}" srcOrd="4" destOrd="0" parTransId="{12CEDB47-C3E0-4AFE-932A-946E5F1FDB80}" sibTransId="{E1120C53-4570-4459-87F0-A9F0687AB9C9}"/>
-    <dgm:cxn modelId="{E3AC1998-DC89-457E-9688-E94C66D224D9}" srcId="{C9BA18C6-1688-44A3-B585-0F30B69F9C4F}" destId="{4B05E609-6F9E-4C6B-A35E-961AF9BFA7B8}" srcOrd="0" destOrd="0" parTransId="{86552A60-C3B4-4084-AFDE-69E522B5C09E}" sibTransId="{97489A97-FA5C-482C-A9DA-994B0BFC6A94}"/>
-    <dgm:cxn modelId="{CBC7B49F-3F8F-4024-9FC7-CF3A09A40E1E}" type="presOf" srcId="{2F47178E-ED14-4A23-A568-4F9E22827203}" destId="{A3A3943A-B1B1-432B-B532-80BA0AC452C9}" srcOrd="1" destOrd="5" presId="urn:microsoft.com/office/officeart/2005/8/layout/hProcess4"/>
-    <dgm:cxn modelId="{C9B49BA0-5813-45B0-A733-96ABF29C61B5}" srcId="{3901DFD9-C5D7-442E-AEE2-90766AF8E80E}" destId="{F480A11D-E7F5-4DA5-8D15-5D626ED3BBA8}" srcOrd="6" destOrd="0" parTransId="{14F54FCC-9F54-4856-AC40-EEDD145E833F}" sibTransId="{D8148C1C-0A7E-4AB1-9757-375AF4C6C226}"/>
-    <dgm:cxn modelId="{E25879A1-36F5-438E-89FE-3FFCF739322F}" type="presOf" srcId="{732D2F61-02B8-43E9-B308-CF68C56839E7}" destId="{F3B7B9E5-0788-4163-BD1D-3DEDCE2D6B32}" srcOrd="0" destOrd="7" presId="urn:microsoft.com/office/officeart/2005/8/layout/hProcess4"/>
-    <dgm:cxn modelId="{D76952A2-9FD1-4181-B4EE-DA87E0757F9C}" type="presOf" srcId="{0A0CCE04-0465-4CDE-B14F-24B9E4B5D42B}" destId="{D4643005-3B07-4333-B39F-EFEAC7771BAA}" srcOrd="0" destOrd="4" presId="urn:microsoft.com/office/officeart/2005/8/layout/hProcess4"/>
-    <dgm:cxn modelId="{AB7A79A5-37A3-4117-9946-4E9EC10CA573}" type="presOf" srcId="{987FE590-768A-47F3-BEFA-1A9E2988B912}" destId="{A826516E-D5D7-4A34-B03D-AB9FB7FB4977}" srcOrd="1" destOrd="2" presId="urn:microsoft.com/office/officeart/2005/8/layout/hProcess4"/>
-    <dgm:cxn modelId="{6863CFA7-640D-49CA-8BFA-984728EF1E54}" srcId="{3901DFD9-C5D7-442E-AEE2-90766AF8E80E}" destId="{D2DC0D10-0302-42CA-A122-08F81B73DE44}" srcOrd="4" destOrd="0" parTransId="{3920131A-E7EA-4639-AE30-DEEF90964183}" sibTransId="{D1927DE6-3251-4297-9E83-695BDAABD8C1}"/>
-    <dgm:cxn modelId="{0D85DAA8-0F92-418A-9998-BE2FB73F57B1}" type="presOf" srcId="{965A5DF1-1BCB-4ACA-A76D-10E11E072B37}" destId="{A826516E-D5D7-4A34-B03D-AB9FB7FB4977}" srcOrd="1" destOrd="4" presId="urn:microsoft.com/office/officeart/2005/8/layout/hProcess4"/>
-    <dgm:cxn modelId="{F9DE08A9-8F6B-4A42-981A-9B6F0A8E2AC8}" srcId="{3901DFD9-C5D7-442E-AEE2-90766AF8E80E}" destId="{F74405B0-5350-4719-8E5A-58864C98BB16}" srcOrd="3" destOrd="0" parTransId="{91A1AB55-08F1-4540-94AA-0BD6DEFC1520}" sibTransId="{07897A09-A4B6-4F2A-A839-89C655246472}"/>
-    <dgm:cxn modelId="{C79942AB-6EA2-4C0F-AC58-880DE95DCDFE}" type="presOf" srcId="{89DE5228-E33D-44E7-8BC5-C60BEB90310F}" destId="{F3B7B9E5-0788-4163-BD1D-3DEDCE2D6B32}" srcOrd="0" destOrd="0" presId="urn:microsoft.com/office/officeart/2005/8/layout/hProcess4"/>
-    <dgm:cxn modelId="{6A231FAD-123F-416A-9145-ACB821C02378}" type="presOf" srcId="{0A0CCE04-0465-4CDE-B14F-24B9E4B5D42B}" destId="{8C87E3F0-E4D5-49C7-A3DF-2D35376135EE}" srcOrd="1" destOrd="4" presId="urn:microsoft.com/office/officeart/2005/8/layout/hProcess4"/>
-    <dgm:cxn modelId="{EA202CAE-7ED6-48A0-97D5-D98B9792A5E3}" type="presOf" srcId="{81083DD8-68E7-4116-9E6E-1FD5A8D52432}" destId="{F3B7B9E5-0788-4163-BD1D-3DEDCE2D6B32}" srcOrd="0" destOrd="6" presId="urn:microsoft.com/office/officeart/2005/8/layout/hProcess4"/>
-    <dgm:cxn modelId="{548432B0-6FDF-44EF-8C65-64B2CD3A3DA6}" type="presOf" srcId="{4B05E609-6F9E-4C6B-A35E-961AF9BFA7B8}" destId="{8C87E3F0-E4D5-49C7-A3DF-2D35376135EE}" srcOrd="1" destOrd="0" presId="urn:microsoft.com/office/officeart/2005/8/layout/hProcess4"/>
-    <dgm:cxn modelId="{0DBD7CB1-6BDB-4BC3-8B44-2C3CEB24AAA4}" type="presOf" srcId="{EDF3B1F8-3A2F-4B98-879D-D03AE77916AD}" destId="{F3B7B9E5-0788-4163-BD1D-3DEDCE2D6B32}" srcOrd="0" destOrd="4" presId="urn:microsoft.com/office/officeart/2005/8/layout/hProcess4"/>
-    <dgm:cxn modelId="{738BB1B2-D81F-479C-9956-D87FC5CA6855}" type="presOf" srcId="{C9BA18C6-1688-44A3-B585-0F30B69F9C4F}" destId="{72F39B0A-90AB-409A-BD03-F848B3F13485}" srcOrd="0" destOrd="0" presId="urn:microsoft.com/office/officeart/2005/8/layout/hProcess4"/>
-    <dgm:cxn modelId="{C6FBD2B4-6DC5-41A9-A0BE-0F5ACC348B2D}" type="presOf" srcId="{2F47178E-ED14-4A23-A568-4F9E22827203}" destId="{F3B7B9E5-0788-4163-BD1D-3DEDCE2D6B32}" srcOrd="0" destOrd="5" presId="urn:microsoft.com/office/officeart/2005/8/layout/hProcess4"/>
-    <dgm:cxn modelId="{1A0E11B5-2D19-491A-8C7A-BC63D38F44C0}" type="presOf" srcId="{E30DFF50-46B4-4D5B-8936-8D26D3985491}" destId="{D4643005-3B07-4333-B39F-EFEAC7771BAA}" srcOrd="0" destOrd="3" presId="urn:microsoft.com/office/officeart/2005/8/layout/hProcess4"/>
-    <dgm:cxn modelId="{0FD638B6-642F-4633-9660-8E78C54317C6}" type="presOf" srcId="{E902D653-D8D5-40DC-A44D-C9E85ACF4D2F}" destId="{1AACCFC4-407A-41E6-960F-0CCFFD36C6D3}" srcOrd="0" destOrd="0" presId="urn:microsoft.com/office/officeart/2005/8/layout/hProcess4"/>
-    <dgm:cxn modelId="{BA0B25B9-3846-45ED-A8BD-60177AE8B795}" srcId="{E902D653-D8D5-40DC-A44D-C9E85ACF4D2F}" destId="{4FE520C8-5417-4BCB-99B2-F4383775D721}" srcOrd="0" destOrd="0" parTransId="{BF78EC2C-39F5-49E8-8EDF-3A8A3BD2165A}" sibTransId="{F73AF852-A5F5-4E28-84F9-DACF1D427BE0}"/>
-    <dgm:cxn modelId="{EC710DBA-FA11-4AD0-8A2B-4BB2F580E203}" type="presOf" srcId="{4C8E2CE7-66DC-48CE-930B-41AF0FC98836}" destId="{C62541C4-5F1A-4423-A573-94B381767A37}" srcOrd="1" destOrd="0" presId="urn:microsoft.com/office/officeart/2005/8/layout/hProcess4"/>
-    <dgm:cxn modelId="{3B9696BA-529B-4F58-A201-7B7B6CA9BEF6}" type="presOf" srcId="{965A5DF1-1BCB-4ACA-A76D-10E11E072B37}" destId="{B70387AF-3C9B-4E09-B2A1-3CDB21B2816D}" srcOrd="0" destOrd="4" presId="urn:microsoft.com/office/officeart/2005/8/layout/hProcess4"/>
-    <dgm:cxn modelId="{1D0F27BD-6478-453A-A513-B5F280FBABFB}" type="presOf" srcId="{174975FB-FEEF-4146-AADB-008F8D59677A}" destId="{D4643005-3B07-4333-B39F-EFEAC7771BAA}" srcOrd="0" destOrd="1" presId="urn:microsoft.com/office/officeart/2005/8/layout/hProcess4"/>
-    <dgm:cxn modelId="{79D311C4-7F56-43A2-9FB7-AD13A98C5F72}" type="presOf" srcId="{F480A11D-E7F5-4DA5-8D15-5D626ED3BBA8}" destId="{20E93B34-4B86-4499-992D-B414093AF437}" srcOrd="1" destOrd="6" presId="urn:microsoft.com/office/officeart/2005/8/layout/hProcess4"/>
-    <dgm:cxn modelId="{B4A2D6C5-250B-4922-8BFD-D6D637403BFD}" srcId="{1C2422C0-B61A-4C41-BFAC-0D8DA980EEFB}" destId="{C9BA18C6-1688-44A3-B585-0F30B69F9C4F}" srcOrd="2" destOrd="0" parTransId="{C006B955-B80F-4759-A3B5-E3070D2402D3}" sibTransId="{F5428DDE-7489-4C84-8F56-19C505201CDE}"/>
-    <dgm:cxn modelId="{6BD6A9C7-3431-4C5E-9239-8FDAA2A30A33}" type="presOf" srcId="{5FE65EEE-FB3B-445B-94DE-2F3039EF851B}" destId="{F3B7B9E5-0788-4163-BD1D-3DEDCE2D6B32}" srcOrd="0" destOrd="1" presId="urn:microsoft.com/office/officeart/2005/8/layout/hProcess4"/>
-    <dgm:cxn modelId="{ADB7C1C7-3599-4228-9B04-03AE733440CA}" srcId="{3901DFD9-C5D7-442E-AEE2-90766AF8E80E}" destId="{7EDCD917-9861-4A67-A670-322E8DD8E704}" srcOrd="5" destOrd="0" parTransId="{7702E16E-12D0-4BCB-AD5B-FE8424414DD0}" sibTransId="{B5BD2D3C-6935-424B-8DA8-DB59F2A90D27}"/>
-    <dgm:cxn modelId="{5A1CB1C9-3342-48C3-8C74-E465DFC1C42B}" type="presOf" srcId="{F74405B0-5350-4719-8E5A-58864C98BB16}" destId="{24C95D2B-48EA-4A7B-8F0B-F1AC241A9DCF}" srcOrd="0" destOrd="3" presId="urn:microsoft.com/office/officeart/2005/8/layout/hProcess4"/>
-    <dgm:cxn modelId="{EAA14ECA-4450-40E5-A4A7-F8CDC014C7E9}" srcId="{E902D653-D8D5-40DC-A44D-C9E85ACF4D2F}" destId="{95BB6840-8EB4-4B2A-8E20-280E4F72374F}" srcOrd="3" destOrd="0" parTransId="{706C6988-3CCC-4E9C-B2BC-00785168C645}" sibTransId="{7CCDAF6B-B22D-4C90-8E93-AF05809074D7}"/>
-    <dgm:cxn modelId="{90639DCB-0B93-415B-A32E-5CC546FD6A1B}" type="presOf" srcId="{81083DD8-68E7-4116-9E6E-1FD5A8D52432}" destId="{A3A3943A-B1B1-432B-B532-80BA0AC452C9}" srcOrd="1" destOrd="6" presId="urn:microsoft.com/office/officeart/2005/8/layout/hProcess4"/>
-    <dgm:cxn modelId="{B71AA1CB-D3E1-40DA-B0AB-B918746DF493}" srcId="{C9BA18C6-1688-44A3-B585-0F30B69F9C4F}" destId="{E30DFF50-46B4-4D5B-8936-8D26D3985491}" srcOrd="3" destOrd="0" parTransId="{3207FB42-AB11-4B13-8A7E-BC8B1A9FD0A8}" sibTransId="{072295C7-B17F-48E4-A234-7B8E0A9FF3BE}"/>
-    <dgm:cxn modelId="{18830BCC-76E6-487D-A4B7-070C7AA52494}" srcId="{3901DFD9-C5D7-442E-AEE2-90766AF8E80E}" destId="{07F5B093-F6B4-4E1C-A191-F2E98F9F6CFD}" srcOrd="0" destOrd="0" parTransId="{D7C69D5A-1DE5-4C03-9F41-8796895D251A}" sibTransId="{A34A02E8-C77F-430A-B416-05919372839C}"/>
-    <dgm:cxn modelId="{3B10ADCE-67C3-4891-B5CC-FF4466AC6B11}" srcId="{7D49E842-6EF6-4C45-8534-EED3A2E484DD}" destId="{EDF3B1F8-3A2F-4B98-879D-D03AE77916AD}" srcOrd="4" destOrd="0" parTransId="{D49F8028-EB80-4B9B-87FA-AA46D1F3E46F}" sibTransId="{8E073775-42D3-4088-B498-2260D66D6B71}"/>
-    <dgm:cxn modelId="{2B0CFDCF-1512-4472-8AE3-98FED203CA0F}" type="presOf" srcId="{E3ADA3E2-F9E6-4359-A687-1A4F208B53F4}" destId="{26B86AF0-925E-4019-A96B-21BCA7B66288}" srcOrd="0" destOrd="0" presId="urn:microsoft.com/office/officeart/2005/8/layout/hProcess4"/>
-    <dgm:cxn modelId="{A2EAB4D1-DFBA-40EA-B437-854C9EBF7A7F}" type="presOf" srcId="{F480A11D-E7F5-4DA5-8D15-5D626ED3BBA8}" destId="{24C95D2B-48EA-4A7B-8F0B-F1AC241A9DCF}" srcOrd="0" destOrd="6" presId="urn:microsoft.com/office/officeart/2005/8/layout/hProcess4"/>
-    <dgm:cxn modelId="{17BEA8D7-AFE0-4AAC-8A1E-46DB61A1D210}" type="presOf" srcId="{84EDE297-AC33-45B8-97D2-51FB2846EC1D}" destId="{20E93B34-4B86-4499-992D-B414093AF437}" srcOrd="1" destOrd="7" presId="urn:microsoft.com/office/officeart/2005/8/layout/hProcess4"/>
-    <dgm:cxn modelId="{864D75DB-05DC-48E6-994B-63B46E73C0E3}" type="presOf" srcId="{D2DC0D10-0302-42CA-A122-08F81B73DE44}" destId="{24C95D2B-48EA-4A7B-8F0B-F1AC241A9DCF}" srcOrd="0" destOrd="4" presId="urn:microsoft.com/office/officeart/2005/8/layout/hProcess4"/>
-    <dgm:cxn modelId="{6A08B7DB-3ED0-4CAA-BBDC-8DFE9FAC6D01}" srcId="{C9BA18C6-1688-44A3-B585-0F30B69F9C4F}" destId="{174975FB-FEEF-4146-AADB-008F8D59677A}" srcOrd="1" destOrd="0" parTransId="{3569DAE8-36B1-40BE-A2DA-ED9DA307FA85}" sibTransId="{95AB8D7A-9E16-4C9C-8F43-A364CE604E01}"/>
-    <dgm:cxn modelId="{31F741DC-07ED-4A4F-8B8C-342C74917765}" type="presOf" srcId="{9A2DB8C4-8084-4709-AEFB-B50A1FEB1DD9}" destId="{1B57AD0B-ED91-43E0-BCEB-BCFE3AF74457}" srcOrd="0" destOrd="0" presId="urn:microsoft.com/office/officeart/2005/8/layout/hProcess4"/>
-    <dgm:cxn modelId="{288FCCDC-B68C-4662-8E63-4B3005C89965}" type="presOf" srcId="{174975FB-FEEF-4146-AADB-008F8D59677A}" destId="{8C87E3F0-E4D5-49C7-A3DF-2D35376135EE}" srcOrd="1" destOrd="1" presId="urn:microsoft.com/office/officeart/2005/8/layout/hProcess4"/>
-    <dgm:cxn modelId="{92294CE3-0376-4673-8825-3471BA87409A}" srcId="{3901DFD9-C5D7-442E-AEE2-90766AF8E80E}" destId="{36C5E64D-F1EA-4DCB-A312-285C2C7F5224}" srcOrd="1" destOrd="0" parTransId="{8F931850-2DE2-4ED0-A253-CD6D16AA3CE2}" sibTransId="{7CE5BE7A-ECB5-437C-A775-5969E955677D}"/>
-    <dgm:cxn modelId="{8EA284ED-7BA1-4DAF-85D4-D25AD48A6C85}" type="presOf" srcId="{F5428DDE-7489-4C84-8F56-19C505201CDE}" destId="{7653ECB6-67B7-4855-9BD2-4E4CE71939F8}" srcOrd="0" destOrd="0" presId="urn:microsoft.com/office/officeart/2005/8/layout/hProcess4"/>
-    <dgm:cxn modelId="{68933AF1-0E05-4F0C-BAB9-79EDBBE92F14}" srcId="{C9BA18C6-1688-44A3-B585-0F30B69F9C4F}" destId="{5016F1F8-65B7-48B4-8C3F-8B64AFBFC1D2}" srcOrd="5" destOrd="0" parTransId="{9B4E9A14-4A14-4967-AEF9-F88E47915CE7}" sibTransId="{7EC280EC-3AAD-4FCB-94DB-5C84525243B0}"/>
-    <dgm:cxn modelId="{0045AEF1-308F-490C-896F-09D37B273B75}" type="presOf" srcId="{95BB6840-8EB4-4B2A-8E20-280E4F72374F}" destId="{A826516E-D5D7-4A34-B03D-AB9FB7FB4977}" srcOrd="1" destOrd="3" presId="urn:microsoft.com/office/officeart/2005/8/layout/hProcess4"/>
-    <dgm:cxn modelId="{6E2997F2-34DB-42BF-ABE4-147CCD62E8A7}" srcId="{E902D653-D8D5-40DC-A44D-C9E85ACF4D2F}" destId="{987FE590-768A-47F3-BEFA-1A9E2988B912}" srcOrd="2" destOrd="0" parTransId="{44853482-86EC-4781-9950-7252027842E3}" sibTransId="{ADAB4843-E207-4CF8-B626-CD06D54D5872}"/>
-    <dgm:cxn modelId="{6C3CA5F2-D4A2-446E-AE5D-E31044358F4E}" srcId="{C9BA18C6-1688-44A3-B585-0F30B69F9C4F}" destId="{E4BBAB24-779F-4D92-B8CD-92C9EDCEA1A8}" srcOrd="2" destOrd="0" parTransId="{DAFA2700-3B03-4CAB-AFA0-BD15D86A3350}" sibTransId="{2EDAA3DA-C0E9-4EC2-B742-F02036C7F354}"/>
-    <dgm:cxn modelId="{68B16CF4-CF55-4288-B839-0434E94472A2}" srcId="{E902D653-D8D5-40DC-A44D-C9E85ACF4D2F}" destId="{E29D2F98-C2AB-4F72-962B-DBE6DBBCFEC7}" srcOrd="1" destOrd="0" parTransId="{CDA92403-A636-43F8-9CCE-43C88B01C28E}" sibTransId="{9740D012-6A50-4FE1-AB8B-DFAE95655A6F}"/>
-    <dgm:cxn modelId="{A8F532F7-9D40-4737-BEC1-E4D0CD0EF4D8}" srcId="{3901DFD9-C5D7-442E-AEE2-90766AF8E80E}" destId="{84EDE297-AC33-45B8-97D2-51FB2846EC1D}" srcOrd="7" destOrd="0" parTransId="{5F5A7A66-747F-40BC-96A6-3AFB21FAD2FA}" sibTransId="{E68AED9F-9518-4F0C-99BB-E49CEB966840}"/>
-    <dgm:cxn modelId="{506741F9-4F77-4486-B2F4-1D42CDE28646}" type="presOf" srcId="{4B05E609-6F9E-4C6B-A35E-961AF9BFA7B8}" destId="{D4643005-3B07-4333-B39F-EFEAC7771BAA}" srcOrd="0" destOrd="0" presId="urn:microsoft.com/office/officeart/2005/8/layout/hProcess4"/>
-    <dgm:cxn modelId="{AC92D2F9-1B45-4E13-BB65-E569D815E189}" type="presOf" srcId="{899A00E3-3BDF-4282-BF88-5A88DD398E86}" destId="{20E93B34-4B86-4499-992D-B414093AF437}" srcOrd="1" destOrd="2" presId="urn:microsoft.com/office/officeart/2005/8/layout/hProcess4"/>
-    <dgm:cxn modelId="{7AF303FC-C567-4E19-BE61-7D00F8BA37B2}" type="presOf" srcId="{4FE520C8-5417-4BCB-99B2-F4383775D721}" destId="{A826516E-D5D7-4A34-B03D-AB9FB7FB4977}" srcOrd="1" destOrd="0" presId="urn:microsoft.com/office/officeart/2005/8/layout/hProcess4"/>
-    <dgm:cxn modelId="{49E6CCFD-3732-42DF-9733-488E629CDBD9}" type="presOf" srcId="{35E51F57-A897-49D2-99F8-47CBF27FF4B8}" destId="{F3B7B9E5-0788-4163-BD1D-3DEDCE2D6B32}" srcOrd="0" destOrd="2" presId="urn:microsoft.com/office/officeart/2005/8/layout/hProcess4"/>
-    <dgm:cxn modelId="{88923CAE-BE36-4EDD-BDF8-366444CCDA73}" type="presParOf" srcId="{F4DDD7AB-11CF-490E-8EA0-EC666606A38C}" destId="{E47F3AA7-D82D-4C4F-966F-37CD2B3B7E66}" srcOrd="0" destOrd="0" presId="urn:microsoft.com/office/officeart/2005/8/layout/hProcess4"/>
-    <dgm:cxn modelId="{B33FA311-2EAB-44CC-8571-593144EDFDCA}" type="presParOf" srcId="{F4DDD7AB-11CF-490E-8EA0-EC666606A38C}" destId="{CE434696-0309-4AE0-A9E3-EC6EBB3A9B85}" srcOrd="1" destOrd="0" presId="urn:microsoft.com/office/officeart/2005/8/layout/hProcess4"/>
-    <dgm:cxn modelId="{50A86AEF-D77D-4A62-8107-0094B1BE986D}" type="presParOf" srcId="{F4DDD7AB-11CF-490E-8EA0-EC666606A38C}" destId="{8020A339-4D20-4841-8B6D-E4A58C8088E8}" srcOrd="2" destOrd="0" presId="urn:microsoft.com/office/officeart/2005/8/layout/hProcess4"/>
-    <dgm:cxn modelId="{99C7EC93-7D6A-4F82-A18B-6BA725846D1E}" type="presParOf" srcId="{8020A339-4D20-4841-8B6D-E4A58C8088E8}" destId="{0801C126-96C6-47E4-A2B1-FA40D7F68BE0}" srcOrd="0" destOrd="0" presId="urn:microsoft.com/office/officeart/2005/8/layout/hProcess4"/>
-    <dgm:cxn modelId="{A2D29561-0EB3-4D49-A384-AFE830CE99FC}" type="presParOf" srcId="{0801C126-96C6-47E4-A2B1-FA40D7F68BE0}" destId="{A2573F38-D276-4096-8295-FF68DAA012DD}" srcOrd="0" destOrd="0" presId="urn:microsoft.com/office/officeart/2005/8/layout/hProcess4"/>
-    <dgm:cxn modelId="{9C98A400-B16C-4318-BADE-7D80C89587A2}" type="presParOf" srcId="{0801C126-96C6-47E4-A2B1-FA40D7F68BE0}" destId="{24C95D2B-48EA-4A7B-8F0B-F1AC241A9DCF}" srcOrd="1" destOrd="0" presId="urn:microsoft.com/office/officeart/2005/8/layout/hProcess4"/>
-    <dgm:cxn modelId="{3B898ECC-FF5E-4F28-B19B-5E9C33C75E2B}" type="presParOf" srcId="{0801C126-96C6-47E4-A2B1-FA40D7F68BE0}" destId="{20E93B34-4B86-4499-992D-B414093AF437}" srcOrd="2" destOrd="0" presId="urn:microsoft.com/office/officeart/2005/8/layout/hProcess4"/>
-    <dgm:cxn modelId="{0AD0D416-7AE7-423F-93F0-7D9EDE652D5B}" type="presParOf" srcId="{0801C126-96C6-47E4-A2B1-FA40D7F68BE0}" destId="{576296D7-AC0D-4100-987D-75CEADE0ED92}" srcOrd="3" destOrd="0" presId="urn:microsoft.com/office/officeart/2005/8/layout/hProcess4"/>
-    <dgm:cxn modelId="{16704D9D-3526-4EA5-8842-12EEFBDFA81D}" type="presParOf" srcId="{0801C126-96C6-47E4-A2B1-FA40D7F68BE0}" destId="{0DBDA565-FA39-4D94-9A01-1D7046118DCF}" srcOrd="4" destOrd="0" presId="urn:microsoft.com/office/officeart/2005/8/layout/hProcess4"/>
-    <dgm:cxn modelId="{FB5F93A4-C0CF-4625-A59E-5502153F6DDB}" type="presParOf" srcId="{8020A339-4D20-4841-8B6D-E4A58C8088E8}" destId="{FFEAD238-735F-47A7-B527-83E9090472C1}" srcOrd="1" destOrd="0" presId="urn:microsoft.com/office/officeart/2005/8/layout/hProcess4"/>
-    <dgm:cxn modelId="{913B4BE1-4588-46E6-BFE6-051A25A0AC2E}" type="presParOf" srcId="{8020A339-4D20-4841-8B6D-E4A58C8088E8}" destId="{F26F090A-D0E2-4E8C-BEAE-05BDA436C661}" srcOrd="2" destOrd="0" presId="urn:microsoft.com/office/officeart/2005/8/layout/hProcess4"/>
-    <dgm:cxn modelId="{F4EE249A-9D44-4E8E-AFD2-CE82F5BCA3F2}" type="presParOf" srcId="{F26F090A-D0E2-4E8C-BEAE-05BDA436C661}" destId="{49DA25CB-1970-4577-BF70-66A51EA47742}" srcOrd="0" destOrd="0" presId="urn:microsoft.com/office/officeart/2005/8/layout/hProcess4"/>
-    <dgm:cxn modelId="{2D0E0225-33D5-4D92-ABEE-09E47C7193C1}" type="presParOf" srcId="{F26F090A-D0E2-4E8C-BEAE-05BDA436C661}" destId="{6A0EB708-BF17-40BD-A091-293B8939B770}" srcOrd="1" destOrd="0" presId="urn:microsoft.com/office/officeart/2005/8/layout/hProcess4"/>
-    <dgm:cxn modelId="{FE5E74A6-77E4-40E5-803A-56E1766AC2E0}" type="presParOf" srcId="{F26F090A-D0E2-4E8C-BEAE-05BDA436C661}" destId="{C62541C4-5F1A-4423-A573-94B381767A37}" srcOrd="2" destOrd="0" presId="urn:microsoft.com/office/officeart/2005/8/layout/hProcess4"/>
-    <dgm:cxn modelId="{9D455C1D-75A0-4724-BB2F-188F47B56EA4}" type="presParOf" srcId="{F26F090A-D0E2-4E8C-BEAE-05BDA436C661}" destId="{26B86AF0-925E-4019-A96B-21BCA7B66288}" srcOrd="3" destOrd="0" presId="urn:microsoft.com/office/officeart/2005/8/layout/hProcess4"/>
-    <dgm:cxn modelId="{297D0D8E-979C-4C47-8538-7E9902DEA759}" type="presParOf" srcId="{F26F090A-D0E2-4E8C-BEAE-05BDA436C661}" destId="{D1A0C4BC-2A61-4536-90C6-6E0AE2B1B42A}" srcOrd="4" destOrd="0" presId="urn:microsoft.com/office/officeart/2005/8/layout/hProcess4"/>
-    <dgm:cxn modelId="{5DCB9218-6602-44BD-968B-C589028C4F46}" type="presParOf" srcId="{8020A339-4D20-4841-8B6D-E4A58C8088E8}" destId="{29D44E95-17B6-4F1F-8ADE-3CE0117F29BA}" srcOrd="3" destOrd="0" presId="urn:microsoft.com/office/officeart/2005/8/layout/hProcess4"/>
-    <dgm:cxn modelId="{C810CBED-661E-46A5-B66F-3E33A01EBAB8}" type="presParOf" srcId="{8020A339-4D20-4841-8B6D-E4A58C8088E8}" destId="{84AAA9C9-A138-4660-BE5C-190568A920F2}" srcOrd="4" destOrd="0" presId="urn:microsoft.com/office/officeart/2005/8/layout/hProcess4"/>
-    <dgm:cxn modelId="{6F5C6909-F023-4F73-86F5-E0C9AB8ED29A}" type="presParOf" srcId="{84AAA9C9-A138-4660-BE5C-190568A920F2}" destId="{63D719C7-2D8B-4181-84B3-DFA8C2DDC5EB}" srcOrd="0" destOrd="0" presId="urn:microsoft.com/office/officeart/2005/8/layout/hProcess4"/>
-    <dgm:cxn modelId="{E9432A42-FD9F-4AC1-AC9F-03DFF4126FC0}" type="presParOf" srcId="{84AAA9C9-A138-4660-BE5C-190568A920F2}" destId="{D4643005-3B07-4333-B39F-EFEAC7771BAA}" srcOrd="1" destOrd="0" presId="urn:microsoft.com/office/officeart/2005/8/layout/hProcess4"/>
-    <dgm:cxn modelId="{202EB765-EA60-4461-8339-0B78FD7079BC}" type="presParOf" srcId="{84AAA9C9-A138-4660-BE5C-190568A920F2}" destId="{8C87E3F0-E4D5-49C7-A3DF-2D35376135EE}" srcOrd="2" destOrd="0" presId="urn:microsoft.com/office/officeart/2005/8/layout/hProcess4"/>
-    <dgm:cxn modelId="{7A651D3C-D937-4503-A6ED-2EC380F2FC83}" type="presParOf" srcId="{84AAA9C9-A138-4660-BE5C-190568A920F2}" destId="{72F39B0A-90AB-409A-BD03-F848B3F13485}" srcOrd="3" destOrd="0" presId="urn:microsoft.com/office/officeart/2005/8/layout/hProcess4"/>
-    <dgm:cxn modelId="{6F1E5D52-320F-41AF-AE2F-B9E9D66C142A}" type="presParOf" srcId="{84AAA9C9-A138-4660-BE5C-190568A920F2}" destId="{F76AA4FF-9EB1-4A40-8651-CC93FDCDC70B}" srcOrd="4" destOrd="0" presId="urn:microsoft.com/office/officeart/2005/8/layout/hProcess4"/>
-    <dgm:cxn modelId="{DA730009-42EA-4A07-BDD8-0C6DF21E2790}" type="presParOf" srcId="{8020A339-4D20-4841-8B6D-E4A58C8088E8}" destId="{7653ECB6-67B7-4855-9BD2-4E4CE71939F8}" srcOrd="5" destOrd="0" presId="urn:microsoft.com/office/officeart/2005/8/layout/hProcess4"/>
-    <dgm:cxn modelId="{BA2D42E1-B6C3-498A-9672-9167310A7D9D}" type="presParOf" srcId="{8020A339-4D20-4841-8B6D-E4A58C8088E8}" destId="{8CF548B6-497A-4B14-A1BB-99E610AF9133}" srcOrd="6" destOrd="0" presId="urn:microsoft.com/office/officeart/2005/8/layout/hProcess4"/>
-    <dgm:cxn modelId="{7E4D189B-B1CE-478A-93D7-C537190125A0}" type="presParOf" srcId="{8CF548B6-497A-4B14-A1BB-99E610AF9133}" destId="{7DEC0749-F1D0-4ECD-B8BF-396D050CA1AB}" srcOrd="0" destOrd="0" presId="urn:microsoft.com/office/officeart/2005/8/layout/hProcess4"/>
-    <dgm:cxn modelId="{476B423D-CF6F-4CDA-9172-A956CCA44729}" type="presParOf" srcId="{8CF548B6-497A-4B14-A1BB-99E610AF9133}" destId="{F3B7B9E5-0788-4163-BD1D-3DEDCE2D6B32}" srcOrd="1" destOrd="0" presId="urn:microsoft.com/office/officeart/2005/8/layout/hProcess4"/>
-    <dgm:cxn modelId="{F9D6C6FC-8249-4473-A197-58FFB5285225}" type="presParOf" srcId="{8CF548B6-497A-4B14-A1BB-99E610AF9133}" destId="{A3A3943A-B1B1-432B-B532-80BA0AC452C9}" srcOrd="2" destOrd="0" presId="urn:microsoft.com/office/officeart/2005/8/layout/hProcess4"/>
-    <dgm:cxn modelId="{D5BF3996-F3C3-4A9C-B41C-23E6E9C588FF}" type="presParOf" srcId="{8CF548B6-497A-4B14-A1BB-99E610AF9133}" destId="{980393BF-CC11-493E-8A97-0FD4CE4B1F09}" srcOrd="3" destOrd="0" presId="urn:microsoft.com/office/officeart/2005/8/layout/hProcess4"/>
-    <dgm:cxn modelId="{2FBC021F-528E-40AF-AE91-2B3B7141C397}" type="presParOf" srcId="{8CF548B6-497A-4B14-A1BB-99E610AF9133}" destId="{23242733-9CCB-481B-94C8-2BEBD3BFAB09}" srcOrd="4" destOrd="0" presId="urn:microsoft.com/office/officeart/2005/8/layout/hProcess4"/>
-    <dgm:cxn modelId="{FF485459-FB22-4E89-8CEB-E07726A06910}" type="presParOf" srcId="{8020A339-4D20-4841-8B6D-E4A58C8088E8}" destId="{1B57AD0B-ED91-43E0-BCEB-BCFE3AF74457}" srcOrd="7" destOrd="0" presId="urn:microsoft.com/office/officeart/2005/8/layout/hProcess4"/>
-    <dgm:cxn modelId="{206A8691-1A72-4536-9AD8-B750DD230FD4}" type="presParOf" srcId="{8020A339-4D20-4841-8B6D-E4A58C8088E8}" destId="{03D1A9BE-80D3-4E04-B85A-207F6BF20CF0}" srcOrd="8" destOrd="0" presId="urn:microsoft.com/office/officeart/2005/8/layout/hProcess4"/>
-    <dgm:cxn modelId="{3BA66A0A-6E75-4B92-AD96-56BBA04CA22E}" type="presParOf" srcId="{03D1A9BE-80D3-4E04-B85A-207F6BF20CF0}" destId="{2C6FEB56-FE17-41B7-8423-10A361FA7963}" srcOrd="0" destOrd="0" presId="urn:microsoft.com/office/officeart/2005/8/layout/hProcess4"/>
-    <dgm:cxn modelId="{62436037-FD29-460A-94B9-69E9F79AB575}" type="presParOf" srcId="{03D1A9BE-80D3-4E04-B85A-207F6BF20CF0}" destId="{B70387AF-3C9B-4E09-B2A1-3CDB21B2816D}" srcOrd="1" destOrd="0" presId="urn:microsoft.com/office/officeart/2005/8/layout/hProcess4"/>
-    <dgm:cxn modelId="{6D08E06C-7E6C-4ED8-8BB4-CFB87438EEBB}" type="presParOf" srcId="{03D1A9BE-80D3-4E04-B85A-207F6BF20CF0}" destId="{A826516E-D5D7-4A34-B03D-AB9FB7FB4977}" srcOrd="2" destOrd="0" presId="urn:microsoft.com/office/officeart/2005/8/layout/hProcess4"/>
-    <dgm:cxn modelId="{BD1BE24A-CBF7-4FCD-AFB1-9C6719C9547C}" type="presParOf" srcId="{03D1A9BE-80D3-4E04-B85A-207F6BF20CF0}" destId="{1AACCFC4-407A-41E6-960F-0CCFFD36C6D3}" srcOrd="3" destOrd="0" presId="urn:microsoft.com/office/officeart/2005/8/layout/hProcess4"/>
-    <dgm:cxn modelId="{9090C0F7-7A5A-41B8-BDFB-1A0BBF1E570E}" type="presParOf" srcId="{03D1A9BE-80D3-4E04-B85A-207F6BF20CF0}" destId="{2C72E9A6-FF3C-4189-B2B1-464BF46F0209}" srcOrd="4" destOrd="0" presId="urn:microsoft.com/office/officeart/2005/8/layout/hProcess4"/>
+    <dgm:cxn modelId="{2D695900-E19A-4B2C-ACA1-16DC2E2E1F2F}" srcId="{53D9A326-9940-4D5D-8F76-B5E8FE054708}" destId="{F9ACF090-0FCE-4D21-8A2B-C4213E6016E7}" srcOrd="6" destOrd="0" parTransId="{FE0CB776-8947-45EF-A3EA-AC1589679681}" sibTransId="{AE51E16D-C711-495A-8611-8F198ED2EC9C}"/>
+    <dgm:cxn modelId="{B072A101-FF60-48AD-ADB4-58621F2AE515}" type="presOf" srcId="{D96FFF3E-D45D-462E-B806-DBE8C7D048E3}" destId="{16E8422B-D81B-432A-86C1-918787F6F4F0}" srcOrd="1" destOrd="0" presId="urn:microsoft.com/office/officeart/2005/8/layout/hProcess4"/>
+    <dgm:cxn modelId="{044DDE03-78F0-42C7-A56F-5BE3C291857B}" srcId="{53D9A326-9940-4D5D-8F76-B5E8FE054708}" destId="{83E46B71-B847-401D-BB9A-0851B46F46D6}" srcOrd="5" destOrd="0" parTransId="{53399EC4-DA45-4A32-B969-CA824CF1EC16}" sibTransId="{60C97D8C-1F48-49DC-8A74-B963A216F1C0}"/>
+    <dgm:cxn modelId="{CF5EBB07-4D13-48E0-B6CC-FFAEF111A4FE}" type="presOf" srcId="{684C9580-9C5C-493E-A636-9E503DA999C6}" destId="{5830C27B-2EA2-4854-9BC6-BD198C526FD0}" srcOrd="1" destOrd="4" presId="urn:microsoft.com/office/officeart/2005/8/layout/hProcess4"/>
+    <dgm:cxn modelId="{D3515C09-DBF7-4E9F-B890-087BB4C1CEBE}" type="presOf" srcId="{F9ACF090-0FCE-4D21-8A2B-C4213E6016E7}" destId="{9BB174B5-55E7-45CF-9F6D-837DD1D4987A}" srcOrd="1" destOrd="6" presId="urn:microsoft.com/office/officeart/2005/8/layout/hProcess4"/>
+    <dgm:cxn modelId="{840CBA0B-FFC2-48CA-8E6E-E3CCACC77BFE}" srcId="{4C6DAB58-6BF7-4A68-90F6-76CCD60BC396}" destId="{71443189-7343-47C8-80D2-99EB4864C6BB}" srcOrd="0" destOrd="0" parTransId="{4DD340BD-4041-4A52-AC22-E7B927FE895B}" sibTransId="{A265E9B6-9110-4989-8AD2-E3E22A04C13F}"/>
+    <dgm:cxn modelId="{FEFD300C-7219-440F-9B87-0CAF620EF054}" type="presOf" srcId="{3E227993-E421-432E-A313-6501DF006FA4}" destId="{8038B86E-1E40-4126-B039-D0EE11FC67EE}" srcOrd="1" destOrd="1" presId="urn:microsoft.com/office/officeart/2005/8/layout/hProcess4"/>
+    <dgm:cxn modelId="{C0CD260D-AC79-40A7-B4B7-DD9738D1ECDD}" type="presOf" srcId="{B211B111-71CD-4CAC-BFBF-36712880C4BE}" destId="{4287ED29-4218-42A9-AA08-FAB40B41B667}" srcOrd="0" destOrd="2" presId="urn:microsoft.com/office/officeart/2005/8/layout/hProcess4"/>
+    <dgm:cxn modelId="{2F23190F-3631-4B97-B9D6-D06ECB754DE3}" srcId="{BA93EB3D-5BFC-4577-86E1-5234490A1428}" destId="{0025D1CF-92D8-473C-A123-EC355F57FD4B}" srcOrd="3" destOrd="0" parTransId="{6A79C8AB-B20C-47A9-B856-BFA9905E9411}" sibTransId="{3ECDB257-ABD4-4C46-B67F-629974B169CD}"/>
+    <dgm:cxn modelId="{0C07EA0F-FC83-47D8-B06C-D134B06A6346}" type="presOf" srcId="{88958FCB-C4F1-40EF-A3D7-09BC02CF0C0E}" destId="{4287ED29-4218-42A9-AA08-FAB40B41B667}" srcOrd="0" destOrd="4" presId="urn:microsoft.com/office/officeart/2005/8/layout/hProcess4"/>
+    <dgm:cxn modelId="{05C40711-729C-4973-8C0A-340DB1FDF9D1}" type="presOf" srcId="{E9BAC397-7905-4471-9FB1-43B06E129B05}" destId="{D9837A88-683C-4B66-9AB9-D5A72B071271}" srcOrd="0" destOrd="2" presId="urn:microsoft.com/office/officeart/2005/8/layout/hProcess4"/>
+    <dgm:cxn modelId="{631AEA12-EBA4-42F7-84AE-251C45A9BA56}" type="presOf" srcId="{0E96E493-1106-4EF6-A762-7EE3AA3670F8}" destId="{8103B998-7542-419E-BAFF-AF87BDE1FDDB}" srcOrd="0" destOrd="4" presId="urn:microsoft.com/office/officeart/2005/8/layout/hProcess4"/>
+    <dgm:cxn modelId="{B1289D15-C3F6-458E-9371-CBA1006B0667}" srcId="{BA93EB3D-5BFC-4577-86E1-5234490A1428}" destId="{4C6DAB58-6BF7-4A68-90F6-76CCD60BC396}" srcOrd="2" destOrd="0" parTransId="{5351A743-A838-4E18-93BB-772232CBD5C6}" sibTransId="{D87917C1-1C80-4515-932C-647BEEA13C97}"/>
+    <dgm:cxn modelId="{37CE5417-9A20-428A-872D-4BBF383F402D}" srcId="{BA93EB3D-5BFC-4577-86E1-5234490A1428}" destId="{53D9A326-9940-4D5D-8F76-B5E8FE054708}" srcOrd="0" destOrd="0" parTransId="{BE921C20-B692-479D-B318-1D2B74DC27B3}" sibTransId="{854A99E8-BF9F-43BE-87E6-9A96F07FF3CC}"/>
+    <dgm:cxn modelId="{9E3FA81B-35A5-4973-9138-098D175DB81C}" type="presOf" srcId="{33DC13FF-967D-4EED-9151-257A0271A4AC}" destId="{CF3B4BDF-3B78-411E-A3B5-1DB48FF34D14}" srcOrd="1" destOrd="3" presId="urn:microsoft.com/office/officeart/2005/8/layout/hProcess4"/>
+    <dgm:cxn modelId="{CC4B5828-61DB-4C8C-99A3-B392FB677532}" type="presOf" srcId="{1F15028F-33FF-4264-9B90-D9CD69979D54}" destId="{4287ED29-4218-42A9-AA08-FAB40B41B667}" srcOrd="0" destOrd="7" presId="urn:microsoft.com/office/officeart/2005/8/layout/hProcess4"/>
+    <dgm:cxn modelId="{ABD11C29-FB11-4D37-B992-4FEEBDA8F637}" type="presOf" srcId="{B508B559-763F-430A-B735-8B7A4E20B7CE}" destId="{D9837A88-683C-4B66-9AB9-D5A72B071271}" srcOrd="0" destOrd="1" presId="urn:microsoft.com/office/officeart/2005/8/layout/hProcess4"/>
+    <dgm:cxn modelId="{4A80A72A-1407-4017-90AB-C173079B69EA}" type="presOf" srcId="{71443189-7343-47C8-80D2-99EB4864C6BB}" destId="{8038B86E-1E40-4126-B039-D0EE11FC67EE}" srcOrd="1" destOrd="0" presId="urn:microsoft.com/office/officeart/2005/8/layout/hProcess4"/>
+    <dgm:cxn modelId="{94631B2B-CB39-464A-94F6-B56F095E9B8A}" type="presOf" srcId="{F8D75E48-9AAA-4085-809E-053F313A0330}" destId="{9BB174B5-55E7-45CF-9F6D-837DD1D4987A}" srcOrd="1" destOrd="0" presId="urn:microsoft.com/office/officeart/2005/8/layout/hProcess4"/>
+    <dgm:cxn modelId="{9441A42E-3AD1-4F3E-9DE8-F461F748EB85}" type="presOf" srcId="{83E46B71-B847-401D-BB9A-0851B46F46D6}" destId="{9BB174B5-55E7-45CF-9F6D-837DD1D4987A}" srcOrd="1" destOrd="5" presId="urn:microsoft.com/office/officeart/2005/8/layout/hProcess4"/>
+    <dgm:cxn modelId="{19F13933-F119-421E-8C7C-CE17D58DEE74}" srcId="{0025D1CF-92D8-473C-A123-EC355F57FD4B}" destId="{2FCC2A9B-548E-4DFF-BCE5-A6274084C448}" srcOrd="0" destOrd="0" parTransId="{90E95A32-85BA-42F2-A8C9-C70C60589226}" sibTransId="{31B14589-CAD1-417C-9D80-0A533598AFBB}"/>
+    <dgm:cxn modelId="{68082239-48DB-4129-9717-0FA807D330C4}" srcId="{53D9A326-9940-4D5D-8F76-B5E8FE054708}" destId="{B211B111-71CD-4CAC-BFBF-36712880C4BE}" srcOrd="2" destOrd="0" parTransId="{E6761443-D009-4252-B9AE-65E7A6DB6210}" sibTransId="{BD8BD2DF-AD1B-455C-9CCF-AD42DE09551C}"/>
+    <dgm:cxn modelId="{B06E553E-8BA9-44B2-9CEE-AFDD1FE0F35F}" type="presOf" srcId="{B211B111-71CD-4CAC-BFBF-36712880C4BE}" destId="{9BB174B5-55E7-45CF-9F6D-837DD1D4987A}" srcOrd="1" destOrd="2" presId="urn:microsoft.com/office/officeart/2005/8/layout/hProcess4"/>
+    <dgm:cxn modelId="{639AC15B-CCB3-4942-A9AA-E04A46322312}" type="presOf" srcId="{6A45A704-9AE5-4422-BEB6-433065D82919}" destId="{5830C27B-2EA2-4854-9BC6-BD198C526FD0}" srcOrd="1" destOrd="3" presId="urn:microsoft.com/office/officeart/2005/8/layout/hProcess4"/>
+    <dgm:cxn modelId="{90704A5E-4057-4A42-A385-3763C2995403}" type="presOf" srcId="{3ECDB257-ABD4-4C46-B67F-629974B169CD}" destId="{A620235A-8311-464E-944E-26FF0EA855B5}" srcOrd="0" destOrd="0" presId="urn:microsoft.com/office/officeart/2005/8/layout/hProcess4"/>
+    <dgm:cxn modelId="{5071045F-282D-4A7E-8ADC-9D086FBBB99D}" type="presOf" srcId="{B508B559-763F-430A-B735-8B7A4E20B7CE}" destId="{16E8422B-D81B-432A-86C1-918787F6F4F0}" srcOrd="1" destOrd="1" presId="urn:microsoft.com/office/officeart/2005/8/layout/hProcess4"/>
+    <dgm:cxn modelId="{6E9D1560-DCEF-4790-B10E-83D4FDF94E84}" srcId="{4E27F0F0-B813-491E-B4AB-366B13A0C9F8}" destId="{0258D149-A1BE-433B-87AA-4DF0E415BA89}" srcOrd="0" destOrd="0" parTransId="{71F7D9B2-44C5-4A4E-BEF2-D71F1CDDAEF4}" sibTransId="{144FE671-4897-4CA2-AD24-43CCE3F6FC13}"/>
+    <dgm:cxn modelId="{D7427A61-AA71-4785-9E27-1E7F3C85B602}" srcId="{0025D1CF-92D8-473C-A123-EC355F57FD4B}" destId="{3E28BBAE-7DA7-458D-80FD-E36313189078}" srcOrd="5" destOrd="0" parTransId="{AC5E6C6F-6A23-41B9-ACBB-3FBF9D42042F}" sibTransId="{359D2024-1A63-4D09-AB21-DCC2E4740BDD}"/>
+    <dgm:cxn modelId="{F24B4B62-0CC6-450F-B363-933898EA2AD2}" srcId="{BA93EB3D-5BFC-4577-86E1-5234490A1428}" destId="{FB689ACF-14FA-42C1-8A06-730B9BE7D3E2}" srcOrd="4" destOrd="0" parTransId="{33F470F1-9DF1-4330-8FD4-937F4F1CFE16}" sibTransId="{79A355A8-F1A7-40AA-A69F-34097B36C21F}"/>
+    <dgm:cxn modelId="{02D27D62-15CC-418B-9796-4E04320E4839}" srcId="{FB689ACF-14FA-42C1-8A06-730B9BE7D3E2}" destId="{F5F62244-BD3E-41EE-BEFD-2336B583257B}" srcOrd="3" destOrd="0" parTransId="{9309F3B2-8B5C-4FCD-9709-0E0E89CB980D}" sibTransId="{B0E8E6F2-545E-4E43-B924-78AC621A7DEE}"/>
+    <dgm:cxn modelId="{4830C162-CA9D-4EF8-9835-57F9DC100F53}" type="presOf" srcId="{1093AC2E-5C63-417E-AE14-549B3CC21750}" destId="{CF3B4BDF-3B78-411E-A3B5-1DB48FF34D14}" srcOrd="1" destOrd="1" presId="urn:microsoft.com/office/officeart/2005/8/layout/hProcess4"/>
+    <dgm:cxn modelId="{E7B74C66-4DBA-4303-82A0-AD361B4B4BE8}" type="presOf" srcId="{0E96E493-1106-4EF6-A762-7EE3AA3670F8}" destId="{8038B86E-1E40-4126-B039-D0EE11FC67EE}" srcOrd="1" destOrd="4" presId="urn:microsoft.com/office/officeart/2005/8/layout/hProcess4"/>
+    <dgm:cxn modelId="{B063FA66-0D10-4F54-A8FE-13D1E61501FC}" type="presOf" srcId="{318B1B04-595D-4CD9-A40A-6DA4B4F8AD31}" destId="{7A92725C-D8DF-45AE-BD94-1D4296114181}" srcOrd="0" destOrd="2" presId="urn:microsoft.com/office/officeart/2005/8/layout/hProcess4"/>
+    <dgm:cxn modelId="{B1196468-424C-47D7-80DB-658D0082A4CB}" type="presOf" srcId="{88958FCB-C4F1-40EF-A3D7-09BC02CF0C0E}" destId="{9BB174B5-55E7-45CF-9F6D-837DD1D4987A}" srcOrd="1" destOrd="4" presId="urn:microsoft.com/office/officeart/2005/8/layout/hProcess4"/>
+    <dgm:cxn modelId="{B5127949-882A-49F1-99F4-FA1B56B3DC7D}" srcId="{FB689ACF-14FA-42C1-8A06-730B9BE7D3E2}" destId="{E9BAC397-7905-4471-9FB1-43B06E129B05}" srcOrd="2" destOrd="0" parTransId="{DD4D4291-C518-43CA-9999-D455A168AD07}" sibTransId="{EF174752-D179-45CD-A81A-ACC0621DAF1C}"/>
+    <dgm:cxn modelId="{B1F83D6D-CFCC-45DF-9EC1-EEFD0B7CF6DF}" srcId="{53D9A326-9940-4D5D-8F76-B5E8FE054708}" destId="{F8D75E48-9AAA-4085-809E-053F313A0330}" srcOrd="0" destOrd="0" parTransId="{F06241B2-FEE1-49AD-86BF-507F6FD2032F}" sibTransId="{D9E1B4FB-A1DC-4B23-9A02-7E0FB9C5F7BD}"/>
+    <dgm:cxn modelId="{6EFAC26D-0F5C-4428-9837-71B7E1604E47}" type="presOf" srcId="{F41F1CCC-F372-4129-9639-7215FBC246D1}" destId="{9BB174B5-55E7-45CF-9F6D-837DD1D4987A}" srcOrd="1" destOrd="1" presId="urn:microsoft.com/office/officeart/2005/8/layout/hProcess4"/>
+    <dgm:cxn modelId="{D5480470-260B-41D1-8D73-F3F3EEF057C5}" type="presOf" srcId="{F5F62244-BD3E-41EE-BEFD-2336B583257B}" destId="{16E8422B-D81B-432A-86C1-918787F6F4F0}" srcOrd="1" destOrd="3" presId="urn:microsoft.com/office/officeart/2005/8/layout/hProcess4"/>
+    <dgm:cxn modelId="{68460C70-A7C0-4A01-871A-38114B6D0A37}" srcId="{BA93EB3D-5BFC-4577-86E1-5234490A1428}" destId="{4E27F0F0-B813-491E-B4AB-366B13A0C9F8}" srcOrd="1" destOrd="0" parTransId="{A74A1626-0647-4DFE-92E6-CDC3B8051400}" sibTransId="{131E23C3-7153-4993-91E5-486FD503C40D}"/>
+    <dgm:cxn modelId="{54A7DB50-DE58-478F-B021-F9F74D350E4D}" type="presOf" srcId="{4E27F0F0-B813-491E-B4AB-366B13A0C9F8}" destId="{0FE41569-B361-460C-B5E9-5AB17A593235}" srcOrd="0" destOrd="0" presId="urn:microsoft.com/office/officeart/2005/8/layout/hProcess4"/>
+    <dgm:cxn modelId="{A0411B52-21AE-4FA0-AC4F-3996631AA671}" type="presOf" srcId="{2FCC2A9B-548E-4DFF-BCE5-A6274084C448}" destId="{5830C27B-2EA2-4854-9BC6-BD198C526FD0}" srcOrd="1" destOrd="0" presId="urn:microsoft.com/office/officeart/2005/8/layout/hProcess4"/>
+    <dgm:cxn modelId="{2C3CF373-E8CE-407C-BA98-C244E9105BBA}" type="presOf" srcId="{F8C52B49-3B0B-4F40-869C-E424FC8E7427}" destId="{9BB174B5-55E7-45CF-9F6D-837DD1D4987A}" srcOrd="1" destOrd="3" presId="urn:microsoft.com/office/officeart/2005/8/layout/hProcess4"/>
+    <dgm:cxn modelId="{AB265154-3831-45FC-99BF-E54115E7BA6D}" type="presOf" srcId="{3E28BBAE-7DA7-458D-80FD-E36313189078}" destId="{5830C27B-2EA2-4854-9BC6-BD198C526FD0}" srcOrd="1" destOrd="5" presId="urn:microsoft.com/office/officeart/2005/8/layout/hProcess4"/>
+    <dgm:cxn modelId="{4959B554-D272-43A9-A746-B8FF29990D43}" type="presOf" srcId="{2C27F7B8-4DDF-49EE-B269-B5F48DC095E9}" destId="{8038B86E-1E40-4126-B039-D0EE11FC67EE}" srcOrd="1" destOrd="2" presId="urn:microsoft.com/office/officeart/2005/8/layout/hProcess4"/>
+    <dgm:cxn modelId="{9B355C77-4028-4F0E-97F3-2C601B110D34}" type="presOf" srcId="{53D9A326-9940-4D5D-8F76-B5E8FE054708}" destId="{AB4285F8-1FED-4AE8-96D2-2343764808F4}" srcOrd="0" destOrd="0" presId="urn:microsoft.com/office/officeart/2005/8/layout/hProcess4"/>
+    <dgm:cxn modelId="{1010B077-664E-4B91-B6D5-DB369B000B72}" type="presOf" srcId="{2C27F7B8-4DDF-49EE-B269-B5F48DC095E9}" destId="{8103B998-7542-419E-BAFF-AF87BDE1FDDB}" srcOrd="0" destOrd="2" presId="urn:microsoft.com/office/officeart/2005/8/layout/hProcess4"/>
+    <dgm:cxn modelId="{5FBB7658-8B4D-419E-9739-C5C35088BAF2}" type="presOf" srcId="{71443189-7343-47C8-80D2-99EB4864C6BB}" destId="{8103B998-7542-419E-BAFF-AF87BDE1FDDB}" srcOrd="0" destOrd="0" presId="urn:microsoft.com/office/officeart/2005/8/layout/hProcess4"/>
+    <dgm:cxn modelId="{84BE9D79-1017-4470-8F46-E912455D6382}" type="presOf" srcId="{2FCC2A9B-548E-4DFF-BCE5-A6274084C448}" destId="{709FE0EB-6284-463A-AE3D-3943AF96E1F5}" srcOrd="0" destOrd="0" presId="urn:microsoft.com/office/officeart/2005/8/layout/hProcess4"/>
+    <dgm:cxn modelId="{DB8A125A-5E18-4E0C-9AAE-D8944418C062}" type="presOf" srcId="{E9BAC397-7905-4471-9FB1-43B06E129B05}" destId="{16E8422B-D81B-432A-86C1-918787F6F4F0}" srcOrd="1" destOrd="2" presId="urn:microsoft.com/office/officeart/2005/8/layout/hProcess4"/>
+    <dgm:cxn modelId="{E1CC705A-7E50-4DBB-ADD2-3F05C6FE8212}" type="presOf" srcId="{FB689ACF-14FA-42C1-8A06-730B9BE7D3E2}" destId="{D0812395-5F2E-458F-B962-1A36CFCDF710}" srcOrd="0" destOrd="0" presId="urn:microsoft.com/office/officeart/2005/8/layout/hProcess4"/>
+    <dgm:cxn modelId="{737A797A-B874-4BCD-BD0C-0661CE7392B4}" srcId="{4C6DAB58-6BF7-4A68-90F6-76CCD60BC396}" destId="{0E96E493-1106-4EF6-A762-7EE3AA3670F8}" srcOrd="4" destOrd="0" parTransId="{8BDE3ADF-C290-4C94-BAF6-2A90FC450661}" sibTransId="{2AF21DF6-347F-4597-B6D5-03AE0B3AD322}"/>
+    <dgm:cxn modelId="{EDE5EF7B-42CB-43ED-ABA4-287CCAFA80F3}" type="presOf" srcId="{F8D75E48-9AAA-4085-809E-053F313A0330}" destId="{4287ED29-4218-42A9-AA08-FAB40B41B667}" srcOrd="0" destOrd="0" presId="urn:microsoft.com/office/officeart/2005/8/layout/hProcess4"/>
+    <dgm:cxn modelId="{5956567E-DA31-4C63-8E40-171EB36D1D5F}" type="presOf" srcId="{684C9580-9C5C-493E-A636-9E503DA999C6}" destId="{709FE0EB-6284-463A-AE3D-3943AF96E1F5}" srcOrd="0" destOrd="4" presId="urn:microsoft.com/office/officeart/2005/8/layout/hProcess4"/>
+    <dgm:cxn modelId="{8269A281-C9F8-4FDB-8F4C-48BC6C4F2595}" srcId="{53D9A326-9940-4D5D-8F76-B5E8FE054708}" destId="{F41F1CCC-F372-4129-9639-7215FBC246D1}" srcOrd="1" destOrd="0" parTransId="{22BBBE1B-5FD1-4320-AFB1-D7C911E79BA1}" sibTransId="{088068E2-2B7C-449B-A03E-251999521D8F}"/>
+    <dgm:cxn modelId="{2B8B5182-56F2-4BB0-94DE-25F1924D4DA2}" type="presOf" srcId="{6A45A704-9AE5-4422-BEB6-433065D82919}" destId="{709FE0EB-6284-463A-AE3D-3943AF96E1F5}" srcOrd="0" destOrd="3" presId="urn:microsoft.com/office/officeart/2005/8/layout/hProcess4"/>
+    <dgm:cxn modelId="{DC478083-EE64-47C8-BD9A-5A6A0F9A762C}" type="presOf" srcId="{4C6DAB58-6BF7-4A68-90F6-76CCD60BC396}" destId="{BFA2C9D0-EDA8-46BE-8090-63D70F5C3D0D}" srcOrd="0" destOrd="0" presId="urn:microsoft.com/office/officeart/2005/8/layout/hProcess4"/>
+    <dgm:cxn modelId="{91AB9384-67B6-4424-A9A6-63221DEE18FF}" srcId="{4E27F0F0-B813-491E-B4AB-366B13A0C9F8}" destId="{318B1B04-595D-4CD9-A40A-6DA4B4F8AD31}" srcOrd="2" destOrd="0" parTransId="{41FE8AF2-8C32-45FD-8685-92DC68BB3E22}" sibTransId="{B0226618-AC57-4360-B4A9-3EE143E2B7B0}"/>
+    <dgm:cxn modelId="{274C3B8B-F094-4073-88EA-BD590BD4CF4F}" type="presOf" srcId="{F5F62244-BD3E-41EE-BEFD-2336B583257B}" destId="{D9837A88-683C-4B66-9AB9-D5A72B071271}" srcOrd="0" destOrd="3" presId="urn:microsoft.com/office/officeart/2005/8/layout/hProcess4"/>
+    <dgm:cxn modelId="{59AE938B-3E1B-4D31-A7D9-FDEC16FF94C6}" srcId="{53D9A326-9940-4D5D-8F76-B5E8FE054708}" destId="{1F15028F-33FF-4264-9B90-D9CD69979D54}" srcOrd="7" destOrd="0" parTransId="{3B810E17-9523-467D-A5A9-91A8ADD46B65}" sibTransId="{64F8B2BD-0C4E-4438-A844-4D9BBB14618D}"/>
+    <dgm:cxn modelId="{C1E0E18B-B436-4C7F-9EB8-F64F75FE5ACB}" srcId="{53D9A326-9940-4D5D-8F76-B5E8FE054708}" destId="{F8C52B49-3B0B-4F40-869C-E424FC8E7427}" srcOrd="3" destOrd="0" parTransId="{8E5A7DBA-A4C5-49AA-BEA2-3C9AE56BFAF5}" sibTransId="{AA968FC9-06D0-43AA-948E-F32D52A7ECD8}"/>
+    <dgm:cxn modelId="{D002FA8D-9553-43EA-81A3-DB0BD0D36EE5}" srcId="{4C6DAB58-6BF7-4A68-90F6-76CCD60BC396}" destId="{3E227993-E421-432E-A313-6501DF006FA4}" srcOrd="1" destOrd="0" parTransId="{4E55A96A-C9B6-42D2-986E-F6D6DAF1D4B5}" sibTransId="{B3274DE4-4C7A-44F9-B11F-3C9A36A62BA8}"/>
+    <dgm:cxn modelId="{3F61DC90-4B1E-4C2C-B8B1-289A1BC7FF6B}" type="presOf" srcId="{3E227993-E421-432E-A313-6501DF006FA4}" destId="{8103B998-7542-419E-BAFF-AF87BDE1FDDB}" srcOrd="0" destOrd="1" presId="urn:microsoft.com/office/officeart/2005/8/layout/hProcess4"/>
+    <dgm:cxn modelId="{F0B4D292-811B-4EBF-A509-E1EBCCAF481E}" type="presOf" srcId="{3E28BBAE-7DA7-458D-80FD-E36313189078}" destId="{709FE0EB-6284-463A-AE3D-3943AF96E1F5}" srcOrd="0" destOrd="5" presId="urn:microsoft.com/office/officeart/2005/8/layout/hProcess4"/>
+    <dgm:cxn modelId="{61F24B99-E353-459A-B9A0-6FB4B432E42B}" type="presOf" srcId="{F9ACF090-0FCE-4D21-8A2B-C4213E6016E7}" destId="{4287ED29-4218-42A9-AA08-FAB40B41B667}" srcOrd="0" destOrd="6" presId="urn:microsoft.com/office/officeart/2005/8/layout/hProcess4"/>
+    <dgm:cxn modelId="{8DC9A09C-8134-43B4-B59B-32B11506991B}" type="presOf" srcId="{D87917C1-1C80-4515-932C-647BEEA13C97}" destId="{D3BFA2D9-ACCC-40C4-9007-70FD9774FD51}" srcOrd="0" destOrd="0" presId="urn:microsoft.com/office/officeart/2005/8/layout/hProcess4"/>
+    <dgm:cxn modelId="{B09A549F-D940-429E-88ED-49BAAD9F703C}" srcId="{0025D1CF-92D8-473C-A123-EC355F57FD4B}" destId="{6A45A704-9AE5-4422-BEB6-433065D82919}" srcOrd="3" destOrd="0" parTransId="{228D7FA2-FECB-4A29-B91E-10D2882FD6C5}" sibTransId="{7AC97F92-222D-4671-A2EE-F9D2B2016AA7}"/>
+    <dgm:cxn modelId="{6A48CDA2-C39E-4085-BE2F-D798B62D01BC}" type="presOf" srcId="{F8C52B49-3B0B-4F40-869C-E424FC8E7427}" destId="{4287ED29-4218-42A9-AA08-FAB40B41B667}" srcOrd="0" destOrd="3" presId="urn:microsoft.com/office/officeart/2005/8/layout/hProcess4"/>
+    <dgm:cxn modelId="{944723A7-0392-46FE-B11F-AAD57C40E7BF}" type="presOf" srcId="{33DC13FF-967D-4EED-9151-257A0271A4AC}" destId="{7A92725C-D8DF-45AE-BD94-1D4296114181}" srcOrd="0" destOrd="3" presId="urn:microsoft.com/office/officeart/2005/8/layout/hProcess4"/>
+    <dgm:cxn modelId="{9ACD88A8-9E55-4A00-863C-87AE9FAE4EA2}" type="presOf" srcId="{8FE25FAD-F216-42B2-AAFE-472DDBF2976F}" destId="{8038B86E-1E40-4126-B039-D0EE11FC67EE}" srcOrd="1" destOrd="3" presId="urn:microsoft.com/office/officeart/2005/8/layout/hProcess4"/>
+    <dgm:cxn modelId="{EE6063AF-5BF2-47E6-9B50-02C0D1946FC9}" srcId="{4E27F0F0-B813-491E-B4AB-366B13A0C9F8}" destId="{33DC13FF-967D-4EED-9151-257A0271A4AC}" srcOrd="3" destOrd="0" parTransId="{309CB17F-619C-435A-9A41-616E76B5EF39}" sibTransId="{5840AC29-D377-42DE-A295-73FB70DF18D8}"/>
+    <dgm:cxn modelId="{65773BB2-E1B4-43C7-8E4C-CF3DCEDCE627}" type="presOf" srcId="{854A99E8-BF9F-43BE-87E6-9A96F07FF3CC}" destId="{3596F136-9F9A-42A3-AAA4-EC15F13557C1}" srcOrd="0" destOrd="0" presId="urn:microsoft.com/office/officeart/2005/8/layout/hProcess4"/>
+    <dgm:cxn modelId="{82B8BAB6-0B80-492A-8B10-60053E2C1CFE}" srcId="{4E27F0F0-B813-491E-B4AB-366B13A0C9F8}" destId="{1093AC2E-5C63-417E-AE14-549B3CC21750}" srcOrd="1" destOrd="0" parTransId="{2FEE2CAA-36E8-4835-A5AC-EBD70C81D89C}" sibTransId="{5EC42E26-83F2-406B-A86C-66AE88498FDE}"/>
+    <dgm:cxn modelId="{EF0D3FB8-2CCF-4B2A-B3C9-91C804404559}" type="presOf" srcId="{D96FFF3E-D45D-462E-B806-DBE8C7D048E3}" destId="{D9837A88-683C-4B66-9AB9-D5A72B071271}" srcOrd="0" destOrd="0" presId="urn:microsoft.com/office/officeart/2005/8/layout/hProcess4"/>
+    <dgm:cxn modelId="{E47BC7B9-CE6B-455F-8CC3-794E3A8D7E78}" type="presOf" srcId="{0025D1CF-92D8-473C-A123-EC355F57FD4B}" destId="{64C72429-576F-49F2-9F34-06F9CAEAB159}" srcOrd="0" destOrd="0" presId="urn:microsoft.com/office/officeart/2005/8/layout/hProcess4"/>
+    <dgm:cxn modelId="{23B25EC0-4407-4817-B5D3-213CCCB5A1E0}" srcId="{4C6DAB58-6BF7-4A68-90F6-76CCD60BC396}" destId="{8FE25FAD-F216-42B2-AAFE-472DDBF2976F}" srcOrd="3" destOrd="0" parTransId="{8E355FDD-F809-4423-8276-241703F610CB}" sibTransId="{609D1F17-4727-479C-9E53-C6FA4CB81871}"/>
+    <dgm:cxn modelId="{64FA20C5-216B-47A4-8659-61A38665184F}" srcId="{53D9A326-9940-4D5D-8F76-B5E8FE054708}" destId="{88958FCB-C4F1-40EF-A3D7-09BC02CF0C0E}" srcOrd="4" destOrd="0" parTransId="{29FBF599-CADF-4511-A9B9-C8281EF8499C}" sibTransId="{34E2AFF1-9324-4ED7-AD19-D26AE3E06B23}"/>
+    <dgm:cxn modelId="{3B2698CE-9AC5-4DA1-B84A-FDDA8D99AAA7}" srcId="{FB689ACF-14FA-42C1-8A06-730B9BE7D3E2}" destId="{D96FFF3E-D45D-462E-B806-DBE8C7D048E3}" srcOrd="0" destOrd="0" parTransId="{FA897661-C414-4560-910B-8FF7268D0B9C}" sibTransId="{C8FDD5C0-A1E2-4A63-B18A-35C2933C1307}"/>
+    <dgm:cxn modelId="{C6DDA8D2-F2FF-4CE4-9107-2FAFAFA6C9C6}" srcId="{4C6DAB58-6BF7-4A68-90F6-76CCD60BC396}" destId="{2C27F7B8-4DDF-49EE-B269-B5F48DC095E9}" srcOrd="2" destOrd="0" parTransId="{5FE1B81F-87CD-4322-AEF7-C598B77D6DF8}" sibTransId="{98513F7C-085F-4BD1-8AC7-171262021DD4}"/>
+    <dgm:cxn modelId="{877E5DD4-F97B-4C96-93F5-0FB041155C54}" type="presOf" srcId="{1093AC2E-5C63-417E-AE14-549B3CC21750}" destId="{7A92725C-D8DF-45AE-BD94-1D4296114181}" srcOrd="0" destOrd="1" presId="urn:microsoft.com/office/officeart/2005/8/layout/hProcess4"/>
+    <dgm:cxn modelId="{B4A60CDA-4691-4EB4-B94A-D69390B24C99}" type="presOf" srcId="{62B77608-470A-4211-91ED-B152D947F948}" destId="{709FE0EB-6284-463A-AE3D-3943AF96E1F5}" srcOrd="0" destOrd="1" presId="urn:microsoft.com/office/officeart/2005/8/layout/hProcess4"/>
+    <dgm:cxn modelId="{E846ABDA-1BA1-48C2-A0AF-2D629A4C03F8}" type="presOf" srcId="{1F15028F-33FF-4264-9B90-D9CD69979D54}" destId="{9BB174B5-55E7-45CF-9F6D-837DD1D4987A}" srcOrd="1" destOrd="7" presId="urn:microsoft.com/office/officeart/2005/8/layout/hProcess4"/>
+    <dgm:cxn modelId="{B6FE3BDC-5164-40F3-8AA6-54D519CC60E8}" type="presOf" srcId="{318B1B04-595D-4CD9-A40A-6DA4B4F8AD31}" destId="{CF3B4BDF-3B78-411E-A3B5-1DB48FF34D14}" srcOrd="1" destOrd="2" presId="urn:microsoft.com/office/officeart/2005/8/layout/hProcess4"/>
+    <dgm:cxn modelId="{C61838DD-CF7F-4864-A25E-74041649F1F8}" type="presOf" srcId="{0258D149-A1BE-433B-87AA-4DF0E415BA89}" destId="{7A92725C-D8DF-45AE-BD94-1D4296114181}" srcOrd="0" destOrd="0" presId="urn:microsoft.com/office/officeart/2005/8/layout/hProcess4"/>
+    <dgm:cxn modelId="{21F751DD-C999-48F0-B48D-40985FE7EBDC}" type="presOf" srcId="{131E23C3-7153-4993-91E5-486FD503C40D}" destId="{1A2FA48B-78E7-4721-AFD8-B2AE973E702E}" srcOrd="0" destOrd="0" presId="urn:microsoft.com/office/officeart/2005/8/layout/hProcess4"/>
+    <dgm:cxn modelId="{E6A174DD-533C-4BD2-9956-B8B32BBF7BC0}" type="presOf" srcId="{BA93EB3D-5BFC-4577-86E1-5234490A1428}" destId="{70FCF58C-F507-4620-9FB4-66A9C49857D0}" srcOrd="0" destOrd="0" presId="urn:microsoft.com/office/officeart/2005/8/layout/hProcess4"/>
+    <dgm:cxn modelId="{CE9560DE-4196-4229-B366-99272561098D}" srcId="{0025D1CF-92D8-473C-A123-EC355F57FD4B}" destId="{684C9580-9C5C-493E-A636-9E503DA999C6}" srcOrd="4" destOrd="0" parTransId="{82F596E9-F4A4-4357-9B4A-27ED8C0F55E4}" sibTransId="{08530E72-22E8-4CA7-B898-707AB34365A0}"/>
+    <dgm:cxn modelId="{9117D6E7-8082-40BA-861F-DD8E2781B98D}" srcId="{0025D1CF-92D8-473C-A123-EC355F57FD4B}" destId="{62B77608-470A-4211-91ED-B152D947F948}" srcOrd="1" destOrd="0" parTransId="{D323E2AF-B091-4A7B-8374-20B9A078EE2F}" sibTransId="{1DC5323B-3DF5-47F3-B6C0-B49921DE607E}"/>
+    <dgm:cxn modelId="{6113F3EB-05DC-4614-975C-94BA1A34D6A1}" type="presOf" srcId="{BD697209-77A4-4DE7-B323-52D18825A04A}" destId="{5830C27B-2EA2-4854-9BC6-BD198C526FD0}" srcOrd="1" destOrd="2" presId="urn:microsoft.com/office/officeart/2005/8/layout/hProcess4"/>
+    <dgm:cxn modelId="{E74E2FF4-8989-43C4-9E62-98598FC34CDB}" type="presOf" srcId="{83E46B71-B847-401D-BB9A-0851B46F46D6}" destId="{4287ED29-4218-42A9-AA08-FAB40B41B667}" srcOrd="0" destOrd="5" presId="urn:microsoft.com/office/officeart/2005/8/layout/hProcess4"/>
+    <dgm:cxn modelId="{C209DDF5-2D91-4B44-9E59-4CB225F3DFA0}" type="presOf" srcId="{8FE25FAD-F216-42B2-AAFE-472DDBF2976F}" destId="{8103B998-7542-419E-BAFF-AF87BDE1FDDB}" srcOrd="0" destOrd="3" presId="urn:microsoft.com/office/officeart/2005/8/layout/hProcess4"/>
+    <dgm:cxn modelId="{A380E1F5-C020-4315-9E28-DEE5EFA72F0D}" srcId="{FB689ACF-14FA-42C1-8A06-730B9BE7D3E2}" destId="{B508B559-763F-430A-B735-8B7A4E20B7CE}" srcOrd="1" destOrd="0" parTransId="{4624D9F2-35CA-4C68-8BDD-8FEF775AD287}" sibTransId="{761C8347-CF67-4EB9-B8A9-9781A9BA4CD7}"/>
+    <dgm:cxn modelId="{AEB0D7F6-AC6A-43E2-AD76-1CB1481A60DF}" type="presOf" srcId="{F41F1CCC-F372-4129-9639-7215FBC246D1}" destId="{4287ED29-4218-42A9-AA08-FAB40B41B667}" srcOrd="0" destOrd="1" presId="urn:microsoft.com/office/officeart/2005/8/layout/hProcess4"/>
+    <dgm:cxn modelId="{BE218AF7-B5A6-4628-843B-1A3AE0C13BD2}" type="presOf" srcId="{0258D149-A1BE-433B-87AA-4DF0E415BA89}" destId="{CF3B4BDF-3B78-411E-A3B5-1DB48FF34D14}" srcOrd="1" destOrd="0" presId="urn:microsoft.com/office/officeart/2005/8/layout/hProcess4"/>
+    <dgm:cxn modelId="{A8CAEBFB-5EBF-418B-AA37-B6EAF0E58EC0}" srcId="{0025D1CF-92D8-473C-A123-EC355F57FD4B}" destId="{BD697209-77A4-4DE7-B323-52D18825A04A}" srcOrd="2" destOrd="0" parTransId="{A4A5EAF4-2ECB-40B4-A79E-721D35C25EDE}" sibTransId="{685C3ABF-EA7F-458D-855A-8E43A16280CB}"/>
+    <dgm:cxn modelId="{F9E772FE-F434-4DA1-9C86-D99DF6FD436B}" type="presOf" srcId="{62B77608-470A-4211-91ED-B152D947F948}" destId="{5830C27B-2EA2-4854-9BC6-BD198C526FD0}" srcOrd="1" destOrd="1" presId="urn:microsoft.com/office/officeart/2005/8/layout/hProcess4"/>
+    <dgm:cxn modelId="{B0DA72FF-5F4F-4B51-A407-DF27E9C80706}" type="presOf" srcId="{BD697209-77A4-4DE7-B323-52D18825A04A}" destId="{709FE0EB-6284-463A-AE3D-3943AF96E1F5}" srcOrd="0" destOrd="2" presId="urn:microsoft.com/office/officeart/2005/8/layout/hProcess4"/>
+    <dgm:cxn modelId="{7B42607E-917B-4412-9A76-9F6B647A16AA}" type="presParOf" srcId="{70FCF58C-F507-4620-9FB4-66A9C49857D0}" destId="{DE72027D-BE8D-4904-92B8-B54B4EC76C69}" srcOrd="0" destOrd="0" presId="urn:microsoft.com/office/officeart/2005/8/layout/hProcess4"/>
+    <dgm:cxn modelId="{7B5F8E8B-5F5C-47E5-B82D-7B4CADEC1C5D}" type="presParOf" srcId="{70FCF58C-F507-4620-9FB4-66A9C49857D0}" destId="{FBBF2827-EBB8-4918-98CF-4AFC9C085F09}" srcOrd="1" destOrd="0" presId="urn:microsoft.com/office/officeart/2005/8/layout/hProcess4"/>
+    <dgm:cxn modelId="{2C5FDFF3-C381-42E7-9DF5-6B2707CFA656}" type="presParOf" srcId="{70FCF58C-F507-4620-9FB4-66A9C49857D0}" destId="{326BD2DC-67A0-4BC2-AE08-6EAFC6D134A7}" srcOrd="2" destOrd="0" presId="urn:microsoft.com/office/officeart/2005/8/layout/hProcess4"/>
+    <dgm:cxn modelId="{B097A451-05D2-4E16-8E48-04959D6DD2B9}" type="presParOf" srcId="{326BD2DC-67A0-4BC2-AE08-6EAFC6D134A7}" destId="{F45BC47F-7A1B-4850-998F-1EA1E7980B5B}" srcOrd="0" destOrd="0" presId="urn:microsoft.com/office/officeart/2005/8/layout/hProcess4"/>
+    <dgm:cxn modelId="{217D7C06-04CA-4AD7-A071-D72CD119F6E5}" type="presParOf" srcId="{F45BC47F-7A1B-4850-998F-1EA1E7980B5B}" destId="{57CC5482-F8B5-4AA9-B1F4-8285F141551A}" srcOrd="0" destOrd="0" presId="urn:microsoft.com/office/officeart/2005/8/layout/hProcess4"/>
+    <dgm:cxn modelId="{3270122C-A05D-4BE1-AB8A-AFC05FC43D94}" type="presParOf" srcId="{F45BC47F-7A1B-4850-998F-1EA1E7980B5B}" destId="{4287ED29-4218-42A9-AA08-FAB40B41B667}" srcOrd="1" destOrd="0" presId="urn:microsoft.com/office/officeart/2005/8/layout/hProcess4"/>
+    <dgm:cxn modelId="{E0FACB20-0203-428D-863C-CEC3062958EC}" type="presParOf" srcId="{F45BC47F-7A1B-4850-998F-1EA1E7980B5B}" destId="{9BB174B5-55E7-45CF-9F6D-837DD1D4987A}" srcOrd="2" destOrd="0" presId="urn:microsoft.com/office/officeart/2005/8/layout/hProcess4"/>
+    <dgm:cxn modelId="{F25DBB5F-3F22-4E1E-B989-FD890AAB50BB}" type="presParOf" srcId="{F45BC47F-7A1B-4850-998F-1EA1E7980B5B}" destId="{AB4285F8-1FED-4AE8-96D2-2343764808F4}" srcOrd="3" destOrd="0" presId="urn:microsoft.com/office/officeart/2005/8/layout/hProcess4"/>
+    <dgm:cxn modelId="{581F413A-BF93-48B1-AF04-73363D9399B3}" type="presParOf" srcId="{F45BC47F-7A1B-4850-998F-1EA1E7980B5B}" destId="{089F4C45-63F9-4F34-9290-EC0385412B43}" srcOrd="4" destOrd="0" presId="urn:microsoft.com/office/officeart/2005/8/layout/hProcess4"/>
+    <dgm:cxn modelId="{7CA2FE46-F080-49D8-96CB-E0BA9AD57770}" type="presParOf" srcId="{326BD2DC-67A0-4BC2-AE08-6EAFC6D134A7}" destId="{3596F136-9F9A-42A3-AAA4-EC15F13557C1}" srcOrd="1" destOrd="0" presId="urn:microsoft.com/office/officeart/2005/8/layout/hProcess4"/>
+    <dgm:cxn modelId="{D26C01EB-BB61-4F3C-A908-CA2F4F564172}" type="presParOf" srcId="{326BD2DC-67A0-4BC2-AE08-6EAFC6D134A7}" destId="{471A922E-5837-41FE-8DBF-58AA2A91A606}" srcOrd="2" destOrd="0" presId="urn:microsoft.com/office/officeart/2005/8/layout/hProcess4"/>
+    <dgm:cxn modelId="{1167786A-2A1A-4E50-9527-890E1A581729}" type="presParOf" srcId="{471A922E-5837-41FE-8DBF-58AA2A91A606}" destId="{49827E29-83BD-4D5D-A9BC-AAC15A28D7B1}" srcOrd="0" destOrd="0" presId="urn:microsoft.com/office/officeart/2005/8/layout/hProcess4"/>
+    <dgm:cxn modelId="{08D78081-106F-4745-9D55-E4645C5C49D4}" type="presParOf" srcId="{471A922E-5837-41FE-8DBF-58AA2A91A606}" destId="{7A92725C-D8DF-45AE-BD94-1D4296114181}" srcOrd="1" destOrd="0" presId="urn:microsoft.com/office/officeart/2005/8/layout/hProcess4"/>
+    <dgm:cxn modelId="{D6D79958-74C3-4D54-ADC7-F3D0E689D7A7}" type="presParOf" srcId="{471A922E-5837-41FE-8DBF-58AA2A91A606}" destId="{CF3B4BDF-3B78-411E-A3B5-1DB48FF34D14}" srcOrd="2" destOrd="0" presId="urn:microsoft.com/office/officeart/2005/8/layout/hProcess4"/>
+    <dgm:cxn modelId="{3F11226C-AA22-49C0-BD60-EC294059A991}" type="presParOf" srcId="{471A922E-5837-41FE-8DBF-58AA2A91A606}" destId="{0FE41569-B361-460C-B5E9-5AB17A593235}" srcOrd="3" destOrd="0" presId="urn:microsoft.com/office/officeart/2005/8/layout/hProcess4"/>
+    <dgm:cxn modelId="{54EB0297-E3AD-4574-9DCE-ACC6ECA0D847}" type="presParOf" srcId="{471A922E-5837-41FE-8DBF-58AA2A91A606}" destId="{C67FF6C8-9075-4FEE-9E91-35BDBB2A5DF8}" srcOrd="4" destOrd="0" presId="urn:microsoft.com/office/officeart/2005/8/layout/hProcess4"/>
+    <dgm:cxn modelId="{064393B4-8D8F-4CC4-A9A5-E27B64E03C73}" type="presParOf" srcId="{326BD2DC-67A0-4BC2-AE08-6EAFC6D134A7}" destId="{1A2FA48B-78E7-4721-AFD8-B2AE973E702E}" srcOrd="3" destOrd="0" presId="urn:microsoft.com/office/officeart/2005/8/layout/hProcess4"/>
+    <dgm:cxn modelId="{3FA666EB-4D3D-4DEF-9942-2AAD120CC285}" type="presParOf" srcId="{326BD2DC-67A0-4BC2-AE08-6EAFC6D134A7}" destId="{EB585203-1943-4EBC-BE61-E08967269D45}" srcOrd="4" destOrd="0" presId="urn:microsoft.com/office/officeart/2005/8/layout/hProcess4"/>
+    <dgm:cxn modelId="{F3D46D8D-53C5-44ED-8E80-7731B360945E}" type="presParOf" srcId="{EB585203-1943-4EBC-BE61-E08967269D45}" destId="{62461A88-ABC4-4A9E-BC0B-7732FAEA9B9A}" srcOrd="0" destOrd="0" presId="urn:microsoft.com/office/officeart/2005/8/layout/hProcess4"/>
+    <dgm:cxn modelId="{F235F227-29EF-434A-9E28-87C50DB63CFE}" type="presParOf" srcId="{EB585203-1943-4EBC-BE61-E08967269D45}" destId="{8103B998-7542-419E-BAFF-AF87BDE1FDDB}" srcOrd="1" destOrd="0" presId="urn:microsoft.com/office/officeart/2005/8/layout/hProcess4"/>
+    <dgm:cxn modelId="{A45F6E22-1233-4429-8D6B-29504B89BFDD}" type="presParOf" srcId="{EB585203-1943-4EBC-BE61-E08967269D45}" destId="{8038B86E-1E40-4126-B039-D0EE11FC67EE}" srcOrd="2" destOrd="0" presId="urn:microsoft.com/office/officeart/2005/8/layout/hProcess4"/>
+    <dgm:cxn modelId="{70D6AAF9-AB77-4E9E-9326-1856D9406764}" type="presParOf" srcId="{EB585203-1943-4EBC-BE61-E08967269D45}" destId="{BFA2C9D0-EDA8-46BE-8090-63D70F5C3D0D}" srcOrd="3" destOrd="0" presId="urn:microsoft.com/office/officeart/2005/8/layout/hProcess4"/>
+    <dgm:cxn modelId="{9ACFABB3-1E9C-4248-B62C-E5076A2F1E8E}" type="presParOf" srcId="{EB585203-1943-4EBC-BE61-E08967269D45}" destId="{E73CEA40-8FF5-499D-AAEA-1D0E2A6763B8}" srcOrd="4" destOrd="0" presId="urn:microsoft.com/office/officeart/2005/8/layout/hProcess4"/>
+    <dgm:cxn modelId="{2D56BC5E-EA3F-4E6B-9B70-27B99AFFC5A2}" type="presParOf" srcId="{326BD2DC-67A0-4BC2-AE08-6EAFC6D134A7}" destId="{D3BFA2D9-ACCC-40C4-9007-70FD9774FD51}" srcOrd="5" destOrd="0" presId="urn:microsoft.com/office/officeart/2005/8/layout/hProcess4"/>
+    <dgm:cxn modelId="{42F7EC91-0935-401B-8EBA-56454FBC9C00}" type="presParOf" srcId="{326BD2DC-67A0-4BC2-AE08-6EAFC6D134A7}" destId="{74476A94-EF06-45E9-BDFA-D391604B79F4}" srcOrd="6" destOrd="0" presId="urn:microsoft.com/office/officeart/2005/8/layout/hProcess4"/>
+    <dgm:cxn modelId="{394122DF-9780-4CA7-85F4-EB8A5B8E2908}" type="presParOf" srcId="{74476A94-EF06-45E9-BDFA-D391604B79F4}" destId="{F85EF496-4115-4DFE-8231-661C0C8825CA}" srcOrd="0" destOrd="0" presId="urn:microsoft.com/office/officeart/2005/8/layout/hProcess4"/>
+    <dgm:cxn modelId="{75EA1838-DEC0-4B92-9872-3C31D7DF5560}" type="presParOf" srcId="{74476A94-EF06-45E9-BDFA-D391604B79F4}" destId="{709FE0EB-6284-463A-AE3D-3943AF96E1F5}" srcOrd="1" destOrd="0" presId="urn:microsoft.com/office/officeart/2005/8/layout/hProcess4"/>
+    <dgm:cxn modelId="{40103163-03EB-4663-A252-61353B564000}" type="presParOf" srcId="{74476A94-EF06-45E9-BDFA-D391604B79F4}" destId="{5830C27B-2EA2-4854-9BC6-BD198C526FD0}" srcOrd="2" destOrd="0" presId="urn:microsoft.com/office/officeart/2005/8/layout/hProcess4"/>
+    <dgm:cxn modelId="{ACF93B66-772C-4D93-AA37-79F8B67C20E4}" type="presParOf" srcId="{74476A94-EF06-45E9-BDFA-D391604B79F4}" destId="{64C72429-576F-49F2-9F34-06F9CAEAB159}" srcOrd="3" destOrd="0" presId="urn:microsoft.com/office/officeart/2005/8/layout/hProcess4"/>
+    <dgm:cxn modelId="{A8F838AC-F8AD-449F-B765-447C2CBA9A34}" type="presParOf" srcId="{74476A94-EF06-45E9-BDFA-D391604B79F4}" destId="{8FFFE2D6-320C-4D6B-AC3E-44DFD074DF27}" srcOrd="4" destOrd="0" presId="urn:microsoft.com/office/officeart/2005/8/layout/hProcess4"/>
+    <dgm:cxn modelId="{A7E3BB1C-29DA-45EF-A594-FE88FDEAC4D6}" type="presParOf" srcId="{326BD2DC-67A0-4BC2-AE08-6EAFC6D134A7}" destId="{A620235A-8311-464E-944E-26FF0EA855B5}" srcOrd="7" destOrd="0" presId="urn:microsoft.com/office/officeart/2005/8/layout/hProcess4"/>
+    <dgm:cxn modelId="{619F12B0-31FE-4876-962A-B5B4438783E8}" type="presParOf" srcId="{326BD2DC-67A0-4BC2-AE08-6EAFC6D134A7}" destId="{3D1E7471-8FD7-436A-BAD3-15663B679352}" srcOrd="8" destOrd="0" presId="urn:microsoft.com/office/officeart/2005/8/layout/hProcess4"/>
+    <dgm:cxn modelId="{013CE57E-5951-42EE-9BF6-649917DB2CE7}" type="presParOf" srcId="{3D1E7471-8FD7-436A-BAD3-15663B679352}" destId="{4E7A83BF-F1A5-4A28-9532-9B746D3468BE}" srcOrd="0" destOrd="0" presId="urn:microsoft.com/office/officeart/2005/8/layout/hProcess4"/>
+    <dgm:cxn modelId="{1BF69AC9-6C0A-4160-82F0-5D306F3A5926}" type="presParOf" srcId="{3D1E7471-8FD7-436A-BAD3-15663B679352}" destId="{D9837A88-683C-4B66-9AB9-D5A72B071271}" srcOrd="1" destOrd="0" presId="urn:microsoft.com/office/officeart/2005/8/layout/hProcess4"/>
+    <dgm:cxn modelId="{4CB60985-0B9F-4B5D-A5F7-4F965FDC0117}" type="presParOf" srcId="{3D1E7471-8FD7-436A-BAD3-15663B679352}" destId="{16E8422B-D81B-432A-86C1-918787F6F4F0}" srcOrd="2" destOrd="0" presId="urn:microsoft.com/office/officeart/2005/8/layout/hProcess4"/>
+    <dgm:cxn modelId="{B82FCA18-FA4B-4A15-AA97-C1E23962DCA8}" type="presParOf" srcId="{3D1E7471-8FD7-436A-BAD3-15663B679352}" destId="{D0812395-5F2E-458F-B962-1A36CFCDF710}" srcOrd="3" destOrd="0" presId="urn:microsoft.com/office/officeart/2005/8/layout/hProcess4"/>
+    <dgm:cxn modelId="{0654818E-DDFA-43B3-84E2-2891BDCAB42F}" type="presParOf" srcId="{3D1E7471-8FD7-436A-BAD3-15663B679352}" destId="{0591F56A-7720-459E-9888-4F06D90D13E3}" srcOrd="4" destOrd="0" presId="urn:microsoft.com/office/officeart/2005/8/layout/hProcess4"/>
   </dgm:cxnLst>
   <dgm:bg/>
   <dgm:whole/>
@@ -6906,15 +6704,15 @@
       <dsp:cNvGrpSpPr/>
     </dsp:nvGrpSpPr>
     <dsp:grpSpPr/>
-    <dsp:sp modelId="{24C95D2B-48EA-4A7B-8F0B-F1AC241A9DCF}">
+    <dsp:sp modelId="{4287ED29-4218-42A9-AA08-FAB40B41B667}">
       <dsp:nvSpPr>
         <dsp:cNvPr id="0" name=""/>
         <dsp:cNvSpPr/>
       </dsp:nvSpPr>
       <dsp:spPr>
         <a:xfrm>
-          <a:off x="310447" y="2570940"/>
-          <a:ext cx="1976629" cy="1513751"/>
+          <a:off x="4781" y="2254670"/>
+          <a:ext cx="2308842" cy="1464777"/>
         </a:xfrm>
         <a:prstGeom prst="roundRect">
           <a:avLst>
@@ -6956,12 +6754,12 @@
         <a:fontRef idx="minor"/>
       </dsp:style>
       <dsp:txBody>
-        <a:bodyPr spcFirstLastPara="0" vert="horz" wrap="square" lIns="36000" tIns="36000" rIns="36000" bIns="36000" numCol="1" spcCol="1270" anchor="t" anchorCtr="0">
+        <a:bodyPr spcFirstLastPara="0" vert="horz" wrap="square" lIns="36000" tIns="72000" rIns="36000" bIns="36000" numCol="1" spcCol="1270" anchor="t" anchorCtr="0">
           <a:noAutofit/>
         </a:bodyPr>
         <a:lstStyle/>
         <a:p>
-          <a:pPr marL="57150" lvl="1" indent="-57150" algn="l" defTabSz="400050">
+          <a:pPr marL="57150" lvl="1" indent="-57150" algn="l" defTabSz="444500">
             <a:lnSpc>
               <a:spcPct val="90000"/>
             </a:lnSpc>
@@ -6975,20 +6773,20 @@
             <a:buAutoNum type="arabicPeriod"/>
           </a:pPr>
           <a:r>
-            <a:rPr lang="en-CA" sz="900" kern="1200" dirty="0"/>
+            <a:rPr lang="en-CA" sz="1000" kern="1200" dirty="0"/>
             <a:t>Install Java, Spark, and </a:t>
           </a:r>
           <a:r>
-            <a:rPr lang="en-CA" sz="900" kern="1200" dirty="0" err="1"/>
+            <a:rPr lang="en-CA" sz="1000" kern="1200" dirty="0" err="1"/>
             <a:t>Findspark</a:t>
           </a:r>
           <a:r>
-            <a:rPr lang="en-CA" sz="900" kern="1200" dirty="0"/>
+            <a:rPr lang="en-CA" sz="1000" kern="1200" dirty="0"/>
             <a:t>.</a:t>
           </a:r>
         </a:p>
         <a:p>
-          <a:pPr marL="57150" lvl="1" indent="-57150" algn="l" defTabSz="400050">
+          <a:pPr marL="57150" lvl="1" indent="-57150" algn="l" defTabSz="444500">
             <a:lnSpc>
               <a:spcPct val="90000"/>
             </a:lnSpc>
@@ -7002,12 +6800,12 @@
             <a:buAutoNum type="arabicPeriod"/>
           </a:pPr>
           <a:r>
-            <a:rPr lang="en-CA" sz="900" kern="1200" dirty="0"/>
+            <a:rPr lang="en-CA" sz="1000" kern="1200" dirty="0"/>
             <a:t>Set environment variables.</a:t>
           </a:r>
         </a:p>
         <a:p>
-          <a:pPr marL="57150" lvl="1" indent="-57150" algn="l" defTabSz="400050">
+          <a:pPr marL="57150" lvl="1" indent="-57150" algn="l" defTabSz="444500">
             <a:lnSpc>
               <a:spcPct val="90000"/>
             </a:lnSpc>
@@ -7021,20 +6819,13 @@
             <a:buAutoNum type="arabicPeriod"/>
           </a:pPr>
           <a:r>
-            <a:rPr lang="en-CA" sz="900" kern="1200" dirty="0"/>
-            <a:t>Start a </a:t>
+            <a:rPr lang="en-CA" sz="1000" kern="1200"/>
+            <a:t>Start a SparkSession.</a:t>
           </a:r>
-          <a:r>
-            <a:rPr lang="en-CA" sz="900" kern="1200" dirty="0" err="1"/>
-            <a:t>SparkSession</a:t>
-          </a:r>
-          <a:r>
-            <a:rPr lang="en-CA" sz="900" kern="1200" dirty="0"/>
-            <a:t>.</a:t>
-          </a:r>
+          <a:endParaRPr lang="en-CA" sz="1000" kern="1200" dirty="0"/>
         </a:p>
         <a:p>
-          <a:pPr marL="57150" lvl="1" indent="-57150" algn="l" defTabSz="400050">
+          <a:pPr marL="57150" lvl="1" indent="-57150" algn="l" defTabSz="444500">
             <a:lnSpc>
               <a:spcPct val="90000"/>
             </a:lnSpc>
@@ -7048,12 +6839,12 @@
             <a:buAutoNum type="arabicPeriod"/>
           </a:pPr>
           <a:r>
-            <a:rPr lang="en-CA" sz="900" kern="1200" dirty="0"/>
+            <a:rPr lang="en-CA" sz="1000" kern="1200" dirty="0"/>
             <a:t>Interact with SQL.</a:t>
           </a:r>
         </a:p>
         <a:p>
-          <a:pPr marL="57150" lvl="1" indent="-57150" algn="l" defTabSz="400050">
+          <a:pPr marL="57150" lvl="1" indent="-57150" algn="l" defTabSz="444500">
             <a:lnSpc>
               <a:spcPct val="90000"/>
             </a:lnSpc>
@@ -7067,12 +6858,13 @@
             <a:buAutoNum type="arabicPeriod"/>
           </a:pPr>
           <a:r>
-            <a:rPr lang="en-CA" sz="900" kern="1200" dirty="0"/>
+            <a:rPr lang="en-CA" sz="1000" kern="1200"/>
             <a:t>Create Spark application.</a:t>
           </a:r>
+          <a:endParaRPr lang="en-CA" sz="1000" kern="1200" dirty="0"/>
         </a:p>
         <a:p>
-          <a:pPr marL="57150" lvl="1" indent="-57150" algn="l" defTabSz="400050">
+          <a:pPr marL="57150" lvl="1" indent="-57150" algn="l" defTabSz="444500">
             <a:lnSpc>
               <a:spcPct val="90000"/>
             </a:lnSpc>
@@ -7086,21 +6878,13 @@
             <a:buAutoNum type="arabicPeriod"/>
           </a:pPr>
           <a:r>
-            <a:rPr lang="en-US" sz="900" kern="1200" dirty="0"/>
-            <a:t>Login to </a:t>
+            <a:rPr lang="en-US" sz="1000" kern="1200"/>
+            <a:t>Login to gcloud and check the DB.</a:t>
           </a:r>
-          <a:r>
-            <a:rPr lang="en-US" sz="900" kern="1200" dirty="0" err="1"/>
-            <a:t>gcloud</a:t>
-          </a:r>
-          <a:r>
-            <a:rPr lang="en-US" sz="900" kern="1200" dirty="0"/>
-            <a:t> and check the DB.</a:t>
-          </a:r>
-          <a:endParaRPr lang="en-CA" sz="900" kern="1200" dirty="0"/>
+          <a:endParaRPr lang="en-CA" sz="1000" kern="1200" dirty="0"/>
         </a:p>
         <a:p>
-          <a:pPr marL="57150" lvl="1" indent="-57150" algn="l" defTabSz="400050">
+          <a:pPr marL="57150" lvl="1" indent="-57150" algn="l" defTabSz="444500">
             <a:lnSpc>
               <a:spcPct val="90000"/>
             </a:lnSpc>
@@ -7114,13 +6898,13 @@
             <a:buAutoNum type="arabicPeriod"/>
           </a:pPr>
           <a:r>
-            <a:rPr lang="en-US" sz="900" kern="1200" dirty="0"/>
+            <a:rPr lang="en-US" sz="1000" kern="1200"/>
             <a:t>Download and initialize the SQL proxy.</a:t>
           </a:r>
-          <a:endParaRPr lang="en-CA" sz="900" kern="1200" dirty="0"/>
+          <a:endParaRPr lang="en-CA" sz="1000" kern="1200" dirty="0"/>
         </a:p>
         <a:p>
-          <a:pPr marL="57150" lvl="1" indent="-57150" algn="l" defTabSz="400050">
+          <a:pPr marL="57150" lvl="1" indent="-57150" algn="l" defTabSz="444500">
             <a:lnSpc>
               <a:spcPct val="90000"/>
             </a:lnSpc>
@@ -7134,33 +6918,33 @@
             <a:buAutoNum type="arabicPeriod"/>
           </a:pPr>
           <a:r>
-            <a:rPr lang="en-CA" sz="900" kern="1200" dirty="0"/>
+            <a:rPr lang="en-CA" sz="1000" kern="1200" dirty="0"/>
             <a:t>Configure settings for RDS.</a:t>
           </a:r>
         </a:p>
       </dsp:txBody>
       <dsp:txXfrm>
-        <a:off x="345283" y="2605776"/>
-        <a:ext cx="1906957" cy="1119704"/>
+        <a:off x="38490" y="2288379"/>
+        <a:ext cx="2241424" cy="1083478"/>
       </dsp:txXfrm>
     </dsp:sp>
-    <dsp:sp modelId="{FFEAD238-735F-47A7-B527-83E9090472C1}">
+    <dsp:sp modelId="{3596F136-9F9A-42A3-AAA4-EC15F13557C1}">
       <dsp:nvSpPr>
         <dsp:cNvPr id="0" name=""/>
         <dsp:cNvSpPr/>
       </dsp:nvSpPr>
       <dsp:spPr>
         <a:xfrm>
-          <a:off x="1407553" y="3325023"/>
-          <a:ext cx="1545175" cy="1545175"/>
+          <a:off x="1633959" y="2953304"/>
+          <a:ext cx="1447572" cy="1447572"/>
         </a:xfrm>
         <a:prstGeom prst="leftCircularArrow">
           <a:avLst>
-            <a:gd name="adj1" fmla="val 3365"/>
-            <a:gd name="adj2" fmla="val 416201"/>
-            <a:gd name="adj3" fmla="val 1541987"/>
-            <a:gd name="adj4" fmla="val 8374765"/>
-            <a:gd name="adj5" fmla="val 3926"/>
+            <a:gd name="adj1" fmla="val 3935"/>
+            <a:gd name="adj2" fmla="val 493381"/>
+            <a:gd name="adj3" fmla="val 1563756"/>
+            <a:gd name="adj4" fmla="val 8319354"/>
+            <a:gd name="adj5" fmla="val 4591"/>
           </a:avLst>
         </a:prstGeom>
         <a:solidFill>
@@ -7192,15 +6976,15 @@
         </a:fontRef>
       </dsp:style>
     </dsp:sp>
-    <dsp:sp modelId="{576296D7-AC0D-4100-987D-75CEADE0ED92}">
+    <dsp:sp modelId="{AB4285F8-1FED-4AE8-96D2-2343764808F4}">
       <dsp:nvSpPr>
         <dsp:cNvPr id="0" name=""/>
         <dsp:cNvSpPr/>
       </dsp:nvSpPr>
       <dsp:spPr>
         <a:xfrm>
-          <a:off x="867332" y="3951594"/>
-          <a:ext cx="1535037" cy="610433"/>
+          <a:off x="1167037" y="3577281"/>
+          <a:ext cx="1350822" cy="537177"/>
         </a:xfrm>
         <a:prstGeom prst="roundRect">
           <a:avLst>
@@ -7243,12 +7027,12 @@
         </a:fontRef>
       </dsp:style>
       <dsp:txBody>
-        <a:bodyPr spcFirstLastPara="0" vert="horz" wrap="square" lIns="30480" tIns="20320" rIns="30480" bIns="20320" numCol="1" spcCol="1270" anchor="ctr" anchorCtr="0">
+        <a:bodyPr spcFirstLastPara="0" vert="horz" wrap="square" lIns="26670" tIns="17780" rIns="26670" bIns="17780" numCol="1" spcCol="1270" anchor="ctr" anchorCtr="0">
           <a:noAutofit/>
         </a:bodyPr>
         <a:lstStyle/>
         <a:p>
-          <a:pPr marL="0" lvl="0" indent="0" algn="ctr" defTabSz="711200">
+          <a:pPr marL="0" lvl="0" indent="0" algn="ctr" defTabSz="622300">
             <a:lnSpc>
               <a:spcPct val="90000"/>
             </a:lnSpc>
@@ -7261,26 +7045,25 @@
             <a:buNone/>
           </a:pPr>
           <a:r>
-            <a:rPr lang="en-CA" sz="1600" b="1" i="0" kern="1200" dirty="0"/>
+            <a:rPr lang="en-CA" sz="1400" b="1" kern="1200" dirty="0"/>
             <a:t>Connect to Database</a:t>
           </a:r>
-          <a:endParaRPr lang="en-CA" sz="1600" kern="1200" dirty="0"/>
         </a:p>
       </dsp:txBody>
       <dsp:txXfrm>
-        <a:off x="885211" y="3969473"/>
-        <a:ext cx="1499279" cy="574675"/>
+        <a:off x="1182770" y="3593014"/>
+        <a:ext cx="1319356" cy="505711"/>
       </dsp:txXfrm>
     </dsp:sp>
-    <dsp:sp modelId="{6A0EB708-BF17-40BD-A091-293B8939B770}">
+    <dsp:sp modelId="{7A92725C-D8DF-45AE-BD94-1D4296114181}">
       <dsp:nvSpPr>
         <dsp:cNvPr id="0" name=""/>
         <dsp:cNvSpPr/>
       </dsp:nvSpPr>
       <dsp:spPr>
         <a:xfrm>
-          <a:off x="2457321" y="2553095"/>
-          <a:ext cx="1550357" cy="1513751"/>
+          <a:off x="2527631" y="2251044"/>
+          <a:ext cx="1542759" cy="1464176"/>
         </a:xfrm>
         <a:prstGeom prst="roundRect">
           <a:avLst>
@@ -7344,6 +7127,7 @@
             <a:rPr lang="en-CA" sz="1000" i="0" kern="1200" dirty="0"/>
             <a:t>Read data from DB.</a:t>
           </a:r>
+          <a:endParaRPr lang="en-CA" sz="1000" kern="1200" dirty="0"/>
         </a:p>
         <a:p>
           <a:pPr marL="57150" lvl="1" indent="-57150" algn="l" defTabSz="444500">
@@ -7428,27 +7212,27 @@
         </a:p>
       </dsp:txBody>
       <dsp:txXfrm>
-        <a:off x="2492157" y="2912307"/>
-        <a:ext cx="1480685" cy="1119704"/>
+        <a:off x="2561326" y="2598491"/>
+        <a:ext cx="1475369" cy="1083034"/>
       </dsp:txXfrm>
     </dsp:sp>
-    <dsp:sp modelId="{29D44E95-17B6-4F1F-8ADE-3CE0117F29BA}">
+    <dsp:sp modelId="{1A2FA48B-78E7-4721-AFD8-B2AE973E702E}">
       <dsp:nvSpPr>
         <dsp:cNvPr id="0" name=""/>
         <dsp:cNvSpPr/>
       </dsp:nvSpPr>
       <dsp:spPr>
         <a:xfrm>
-          <a:off x="3233836" y="1588486"/>
-          <a:ext cx="2252861" cy="2252861"/>
+          <a:off x="3461571" y="1523990"/>
+          <a:ext cx="1866842" cy="1866842"/>
         </a:xfrm>
         <a:prstGeom prst="circularArrow">
           <a:avLst>
-            <a:gd name="adj1" fmla="val 2308"/>
-            <a:gd name="adj2" fmla="val 278485"/>
-            <a:gd name="adj3" fmla="val 20005399"/>
-            <a:gd name="adj4" fmla="val 13034905"/>
-            <a:gd name="adj5" fmla="val 2693"/>
+            <a:gd name="adj1" fmla="val 3051"/>
+            <a:gd name="adj2" fmla="val 374593"/>
+            <a:gd name="adj3" fmla="val 19691199"/>
+            <a:gd name="adj4" fmla="val 12816814"/>
+            <a:gd name="adj5" fmla="val 3560"/>
           </a:avLst>
         </a:prstGeom>
         <a:solidFill>
@@ -7480,15 +7264,15 @@
         </a:fontRef>
       </dsp:style>
     </dsp:sp>
-    <dsp:sp modelId="{26B86AF0-925E-4019-A96B-21BCA7B66288}">
+    <dsp:sp modelId="{0FE41569-B361-460C-B5E9-5AB17A593235}">
       <dsp:nvSpPr>
         <dsp:cNvPr id="0" name=""/>
         <dsp:cNvSpPr/>
       </dsp:nvSpPr>
       <dsp:spPr>
         <a:xfrm>
-          <a:off x="2740928" y="2067215"/>
-          <a:ext cx="1535037" cy="610433"/>
+          <a:off x="2993628" y="1974842"/>
+          <a:ext cx="1350822" cy="537177"/>
         </a:xfrm>
         <a:prstGeom prst="roundRect">
           <a:avLst>
@@ -7531,12 +7315,12 @@
         </a:fontRef>
       </dsp:style>
       <dsp:txBody>
-        <a:bodyPr spcFirstLastPara="0" vert="horz" wrap="square" lIns="30480" tIns="20320" rIns="30480" bIns="20320" numCol="1" spcCol="1270" anchor="ctr" anchorCtr="0">
+        <a:bodyPr spcFirstLastPara="0" vert="horz" wrap="square" lIns="26670" tIns="17780" rIns="26670" bIns="17780" numCol="1" spcCol="1270" anchor="ctr" anchorCtr="0">
           <a:noAutofit/>
         </a:bodyPr>
         <a:lstStyle/>
         <a:p>
-          <a:pPr marL="0" lvl="0" indent="0" algn="ctr" defTabSz="711200">
+          <a:pPr marL="0" lvl="0" indent="0" algn="ctr" defTabSz="622300">
             <a:lnSpc>
               <a:spcPct val="90000"/>
             </a:lnSpc>
@@ -7549,26 +7333,26 @@
             <a:buNone/>
           </a:pPr>
           <a:r>
-            <a:rPr lang="en-CA" sz="1600" b="1" i="0" kern="1200" dirty="0"/>
+            <a:rPr lang="en-CA" sz="1400" b="1" i="0" kern="1200" dirty="0"/>
             <a:t>Extract Tables</a:t>
           </a:r>
-          <a:endParaRPr lang="en-CA" sz="1600" kern="1200" dirty="0"/>
+          <a:endParaRPr lang="en-CA" sz="1400" kern="1200" dirty="0"/>
         </a:p>
       </dsp:txBody>
       <dsp:txXfrm>
-        <a:off x="2758807" y="2085094"/>
-        <a:ext cx="1499279" cy="574675"/>
+        <a:off x="3009361" y="1990575"/>
+        <a:ext cx="1319356" cy="505711"/>
       </dsp:txXfrm>
     </dsp:sp>
-    <dsp:sp modelId="{D4643005-3B07-4333-B39F-EFEAC7771BAA}">
+    <dsp:sp modelId="{8103B998-7542-419E-BAFF-AF87BDE1FDDB}">
       <dsp:nvSpPr>
         <dsp:cNvPr id="0" name=""/>
         <dsp:cNvSpPr/>
       </dsp:nvSpPr>
       <dsp:spPr>
         <a:xfrm>
-          <a:off x="4337126" y="2576324"/>
-          <a:ext cx="2396114" cy="1513751"/>
+          <a:off x="4356758" y="2245881"/>
+          <a:ext cx="1969955" cy="1464176"/>
         </a:xfrm>
         <a:prstGeom prst="roundRect">
           <a:avLst>
@@ -7668,7 +7452,7 @@
           </a:pPr>
           <a:r>
             <a:rPr lang="en-CA" sz="1000" kern="1200" dirty="0"/>
-            <a:t>Tokenize data and change to lowercase.</a:t>
+            <a:t>Tokenize words.</a:t>
           </a:r>
         </a:p>
         <a:p>
@@ -7714,51 +7498,32 @@
           </a:pPr>
           <a:r>
             <a:rPr lang="en-CA" sz="1000" kern="1200" dirty="0"/>
-            <a:t>Stem and lemmatize remaining words.</a:t>
-          </a:r>
-        </a:p>
-        <a:p>
-          <a:pPr marL="57150" lvl="1" indent="-57150" algn="l" defTabSz="444500">
-            <a:lnSpc>
-              <a:spcPct val="90000"/>
-            </a:lnSpc>
-            <a:spcBef>
-              <a:spcPct val="0"/>
-            </a:spcBef>
-            <a:spcAft>
-              <a:spcPct val="15000"/>
-            </a:spcAft>
-            <a:buFont typeface="+mj-lt"/>
-            <a:buAutoNum type="arabicPeriod"/>
-          </a:pPr>
-          <a:r>
-            <a:rPr lang="en-CA" sz="1000" kern="1200" dirty="0"/>
-            <a:t>Add ‘length’ column.</a:t>
+            <a:t>Stem remaining words.</a:t>
           </a:r>
         </a:p>
       </dsp:txBody>
       <dsp:txXfrm>
-        <a:off x="4371962" y="2611160"/>
-        <a:ext cx="2326442" cy="1119704"/>
+        <a:off x="4390453" y="2279576"/>
+        <a:ext cx="1902565" cy="1083034"/>
       </dsp:txXfrm>
     </dsp:sp>
-    <dsp:sp modelId="{7653ECB6-67B7-4855-9BD2-4E4CE71939F8}">
+    <dsp:sp modelId="{D3BFA2D9-ACCC-40C4-9007-70FD9774FD51}">
       <dsp:nvSpPr>
         <dsp:cNvPr id="0" name=""/>
         <dsp:cNvSpPr/>
       </dsp:nvSpPr>
       <dsp:spPr>
         <a:xfrm>
-          <a:off x="5728329" y="2683210"/>
-          <a:ext cx="2073659" cy="2421311"/>
+          <a:off x="5696537" y="2697310"/>
+          <a:ext cx="1725035" cy="1725035"/>
         </a:xfrm>
         <a:prstGeom prst="leftCircularArrow">
           <a:avLst>
-            <a:gd name="adj1" fmla="val 2148"/>
-            <a:gd name="adj2" fmla="val 258155"/>
-            <a:gd name="adj3" fmla="val 1710172"/>
-            <a:gd name="adj4" fmla="val 8700995"/>
-            <a:gd name="adj5" fmla="val 2505"/>
+            <a:gd name="adj1" fmla="val 3302"/>
+            <a:gd name="adj2" fmla="val 407797"/>
+            <a:gd name="adj3" fmla="val 1818771"/>
+            <a:gd name="adj4" fmla="val 8659953"/>
+            <a:gd name="adj5" fmla="val 3853"/>
           </a:avLst>
         </a:prstGeom>
         <a:solidFill>
@@ -7790,15 +7555,15 @@
         </a:fontRef>
       </dsp:style>
     </dsp:sp>
-    <dsp:sp modelId="{72F39B0A-90AB-409A-BD03-F848B3F13485}">
+    <dsp:sp modelId="{BFA2C9D0-EDA8-46BE-8090-63D70F5C3D0D}">
       <dsp:nvSpPr>
         <dsp:cNvPr id="0" name=""/>
         <dsp:cNvSpPr/>
       </dsp:nvSpPr>
       <dsp:spPr>
         <a:xfrm>
-          <a:off x="5096288" y="3945251"/>
-          <a:ext cx="1535037" cy="610433"/>
+          <a:off x="5233056" y="3489584"/>
+          <a:ext cx="1350822" cy="537177"/>
         </a:xfrm>
         <a:prstGeom prst="roundRect">
           <a:avLst>
@@ -7841,12 +7606,12 @@
         </a:fontRef>
       </dsp:style>
       <dsp:txBody>
-        <a:bodyPr spcFirstLastPara="0" vert="horz" wrap="square" lIns="30480" tIns="20320" rIns="30480" bIns="20320" numCol="1" spcCol="1270" anchor="ctr" anchorCtr="0">
+        <a:bodyPr spcFirstLastPara="0" vert="horz" wrap="square" lIns="26670" tIns="17780" rIns="26670" bIns="17780" numCol="1" spcCol="1270" anchor="ctr" anchorCtr="0">
           <a:noAutofit/>
         </a:bodyPr>
         <a:lstStyle/>
         <a:p>
-          <a:pPr marL="0" lvl="0" indent="0" algn="ctr" defTabSz="711200">
+          <a:pPr marL="0" lvl="0" indent="0" algn="ctr" defTabSz="622300">
             <a:lnSpc>
               <a:spcPct val="90000"/>
             </a:lnSpc>
@@ -7859,25 +7624,25 @@
             <a:buNone/>
           </a:pPr>
           <a:r>
-            <a:rPr lang="en-CA" sz="1600" kern="1200" dirty="0"/>
-            <a:t>Transform Data</a:t>
+            <a:rPr lang="en-CA" sz="1400" b="1" kern="1200" dirty="0"/>
+            <a:t>Transform / Pipeline (NLP)</a:t>
           </a:r>
         </a:p>
       </dsp:txBody>
       <dsp:txXfrm>
-        <a:off x="5114167" y="3963130"/>
-        <a:ext cx="1499279" cy="574675"/>
+        <a:off x="5248789" y="3505317"/>
+        <a:ext cx="1319356" cy="505711"/>
       </dsp:txXfrm>
     </dsp:sp>
-    <dsp:sp modelId="{F3B7B9E5-0788-4163-BD1D-3DEDCE2D6B32}">
+    <dsp:sp modelId="{709FE0EB-6284-463A-AE3D-3943AF96E1F5}">
       <dsp:nvSpPr>
         <dsp:cNvPr id="0" name=""/>
         <dsp:cNvSpPr/>
       </dsp:nvSpPr>
       <dsp:spPr>
         <a:xfrm>
-          <a:off x="6969365" y="2592151"/>
-          <a:ext cx="2534492" cy="1513751"/>
+          <a:off x="6614805" y="2250467"/>
+          <a:ext cx="2015621" cy="1464176"/>
         </a:xfrm>
         <a:prstGeom prst="roundRect">
           <a:avLst>
@@ -7919,12 +7684,12 @@
         <a:fontRef idx="minor"/>
       </dsp:style>
       <dsp:txBody>
-        <a:bodyPr spcFirstLastPara="0" vert="horz" wrap="square" lIns="36000" tIns="0" rIns="36000" bIns="0" numCol="1" spcCol="1270" anchor="b" anchorCtr="0">
+        <a:bodyPr spcFirstLastPara="0" vert="horz" wrap="square" lIns="36000" tIns="0" rIns="0" bIns="0" numCol="1" spcCol="1270" anchor="t" anchorCtr="0">
           <a:noAutofit/>
         </a:bodyPr>
         <a:lstStyle/>
         <a:p>
-          <a:pPr marL="57150" lvl="1" indent="-57150" algn="l" defTabSz="400050">
+          <a:pPr marL="57150" lvl="1" indent="-57150" algn="l" defTabSz="444500">
             <a:lnSpc>
               <a:spcPct val="90000"/>
             </a:lnSpc>
@@ -7935,23 +7700,15 @@
               <a:spcPct val="15000"/>
             </a:spcAft>
             <a:buFont typeface="+mj-lt"/>
-            <a:buAutoNum type="arabicPeriod"/>
+            <a:buAutoNum type="arabicPeriod" startAt="6"/>
           </a:pPr>
           <a:r>
-            <a:rPr lang="en-CA" sz="900" kern="1200" dirty="0"/>
-            <a:t>Make a copy of the </a:t>
-          </a:r>
-          <a:r>
-            <a:rPr lang="en-CA" sz="900" kern="1200" dirty="0" err="1"/>
-            <a:t>DataFrame</a:t>
-          </a:r>
-          <a:r>
-            <a:rPr lang="en-CA" sz="900" kern="1200" dirty="0"/>
-            <a:t>.</a:t>
+            <a:rPr lang="en-CA" sz="1000" kern="1200" dirty="0"/>
+            <a:t>Add ‘length’ column.</a:t>
           </a:r>
         </a:p>
         <a:p>
-          <a:pPr marL="57150" lvl="1" indent="-57150" algn="l" defTabSz="400050">
+          <a:pPr marL="57150" lvl="1" indent="-57150" algn="l" defTabSz="444500">
             <a:lnSpc>
               <a:spcPct val="90000"/>
             </a:lnSpc>
@@ -7962,31 +7719,31 @@
               <a:spcPct val="15000"/>
             </a:spcAft>
             <a:buFont typeface="+mj-lt"/>
-            <a:buAutoNum type="arabicPeriod"/>
+            <a:buAutoNum type="arabicPeriod" startAt="6"/>
           </a:pPr>
           <a:r>
-            <a:rPr lang="en-CA" sz="900" kern="1200" dirty="0"/>
+            <a:rPr lang="en-CA" sz="1000" kern="1200" dirty="0"/>
             <a:t>Convert to a </a:t>
           </a:r>
           <a:r>
-            <a:rPr lang="en-CA" sz="900" kern="1200" dirty="0" err="1"/>
+            <a:rPr lang="en-CA" sz="1000" kern="1200" dirty="0" err="1"/>
             <a:t>PySpark</a:t>
           </a:r>
           <a:r>
-            <a:rPr lang="en-CA" sz="900" kern="1200" dirty="0"/>
+            <a:rPr lang="en-CA" sz="1000" kern="1200" dirty="0"/>
             <a:t> </a:t>
           </a:r>
           <a:r>
-            <a:rPr lang="en-CA" sz="900" kern="1200" dirty="0" err="1"/>
+            <a:rPr lang="en-CA" sz="1000" kern="1200" dirty="0" err="1"/>
             <a:t>DataFrame</a:t>
           </a:r>
           <a:r>
-            <a:rPr lang="en-CA" sz="900" kern="1200" dirty="0"/>
+            <a:rPr lang="en-CA" sz="1000" kern="1200" dirty="0"/>
             <a:t>.</a:t>
           </a:r>
         </a:p>
         <a:p>
-          <a:pPr marL="57150" lvl="1" indent="-57150" algn="l" defTabSz="400050">
+          <a:pPr marL="57150" lvl="1" indent="-57150" algn="l" defTabSz="444500">
             <a:lnSpc>
               <a:spcPct val="90000"/>
             </a:lnSpc>
@@ -7997,15 +7754,15 @@
               <a:spcPct val="15000"/>
             </a:spcAft>
             <a:buFont typeface="+mj-lt"/>
-            <a:buAutoNum type="arabicPeriod"/>
+            <a:buAutoNum type="arabicPeriod" startAt="6"/>
           </a:pPr>
           <a:r>
-            <a:rPr lang="en-CA" sz="900" kern="1200" dirty="0"/>
-            <a:t>Create star values list (array) column.</a:t>
+            <a:rPr lang="en-CA" sz="1000" kern="1200" dirty="0"/>
+            <a:t>Index stars column.</a:t>
           </a:r>
         </a:p>
         <a:p>
-          <a:pPr marL="57150" lvl="1" indent="-57150" algn="l" defTabSz="400050">
+          <a:pPr marL="57150" lvl="1" indent="-57150" algn="l" defTabSz="444500">
             <a:lnSpc>
               <a:spcPct val="90000"/>
             </a:lnSpc>
@@ -8016,15 +7773,15 @@
               <a:spcPct val="15000"/>
             </a:spcAft>
             <a:buFont typeface="+mj-lt"/>
-            <a:buAutoNum type="arabicPeriod"/>
+            <a:buAutoNum type="arabicPeriod" startAt="6"/>
           </a:pPr>
           <a:r>
-            <a:rPr lang="en-CA" sz="900" kern="1200" dirty="0"/>
-            <a:t>Initialize Count Vectorizer and create a vector model</a:t>
+            <a:rPr lang="en-CA" sz="1000" kern="1200" dirty="0"/>
+            <a:t>Hash stemmed data.</a:t>
           </a:r>
         </a:p>
         <a:p>
-          <a:pPr marL="57150" lvl="1" indent="-57150" algn="l" defTabSz="400050">
+          <a:pPr marL="57150" lvl="1" indent="-57150" algn="l" defTabSz="444500">
             <a:lnSpc>
               <a:spcPct val="90000"/>
             </a:lnSpc>
@@ -8035,23 +7792,15 @@
               <a:spcPct val="15000"/>
             </a:spcAft>
             <a:buFont typeface="+mj-lt"/>
-            <a:buAutoNum type="arabicPeriod"/>
+            <a:buAutoNum type="arabicPeriod" startAt="6"/>
           </a:pPr>
           <a:r>
-            <a:rPr lang="en-CA" sz="900" kern="1200" dirty="0"/>
-            <a:t>One hot encode the vector model as column to the </a:t>
-          </a:r>
-          <a:r>
-            <a:rPr lang="en-CA" sz="900" kern="1200" dirty="0" err="1"/>
-            <a:t>DataFrame</a:t>
-          </a:r>
-          <a:r>
-            <a:rPr lang="en-CA" sz="900" kern="1200" dirty="0"/>
-            <a:t>.</a:t>
+            <a:rPr lang="en-CA" sz="1000" kern="1200" dirty="0"/>
+            <a:t>Find IDF of hashed text.</a:t>
           </a:r>
         </a:p>
         <a:p>
-          <a:pPr marL="57150" lvl="1" indent="-57150" algn="l" defTabSz="400050">
+          <a:pPr marL="57150" lvl="1" indent="-57150" algn="l" defTabSz="444500">
             <a:lnSpc>
               <a:spcPct val="90000"/>
             </a:lnSpc>
@@ -8062,74 +7811,36 @@
               <a:spcPct val="15000"/>
             </a:spcAft>
             <a:buFont typeface="+mj-lt"/>
-            <a:buAutoNum type="arabicPeriod"/>
+            <a:buAutoNum type="arabicPeriod" startAt="6"/>
           </a:pPr>
           <a:r>
-            <a:rPr lang="en-CA" sz="900" kern="1200" dirty="0"/>
-            <a:t>Create all features and feature vector.</a:t>
-          </a:r>
-        </a:p>
-        <a:p>
-          <a:pPr marL="57150" lvl="1" indent="-57150" algn="l" defTabSz="400050">
-            <a:lnSpc>
-              <a:spcPct val="90000"/>
-            </a:lnSpc>
-            <a:spcBef>
-              <a:spcPct val="0"/>
-            </a:spcBef>
-            <a:spcAft>
-              <a:spcPct val="15000"/>
-            </a:spcAft>
-            <a:buFont typeface="+mj-lt"/>
-            <a:buAutoNum type="arabicPeriod"/>
-          </a:pPr>
-          <a:r>
-            <a:rPr lang="en-CA" sz="900" kern="1200" dirty="0"/>
-            <a:t>Create and run data processing pipeline.</a:t>
-          </a:r>
-        </a:p>
-        <a:p>
-          <a:pPr marL="57150" lvl="1" indent="-57150" algn="l" defTabSz="400050">
-            <a:lnSpc>
-              <a:spcPct val="90000"/>
-            </a:lnSpc>
-            <a:spcBef>
-              <a:spcPct val="0"/>
-            </a:spcBef>
-            <a:spcAft>
-              <a:spcPct val="15000"/>
-            </a:spcAft>
-            <a:buFont typeface="+mj-lt"/>
-            <a:buAutoNum type="arabicPeriod"/>
-          </a:pPr>
-          <a:r>
-            <a:rPr lang="en-CA" sz="900" kern="1200" dirty="0"/>
-            <a:t>Fit and transform pipeline.</a:t>
+            <a:rPr lang="en-CA" sz="1000" kern="1200" dirty="0"/>
+            <a:t>Vectorize IDF tokens and length.</a:t>
           </a:r>
         </a:p>
       </dsp:txBody>
       <dsp:txXfrm>
-        <a:off x="7004201" y="2951362"/>
-        <a:ext cx="2464820" cy="1119704"/>
+        <a:off x="6648500" y="2597914"/>
+        <a:ext cx="1948231" cy="1083034"/>
       </dsp:txXfrm>
     </dsp:sp>
-    <dsp:sp modelId="{1B57AD0B-ED91-43E0-BCEB-BCFE3AF74457}">
+    <dsp:sp modelId="{A620235A-8311-464E-944E-26FF0EA855B5}">
       <dsp:nvSpPr>
         <dsp:cNvPr id="0" name=""/>
         <dsp:cNvSpPr/>
       </dsp:nvSpPr>
       <dsp:spPr>
         <a:xfrm>
-          <a:off x="8655688" y="1656476"/>
-          <a:ext cx="2163998" cy="2163998"/>
+          <a:off x="8277659" y="1548797"/>
+          <a:ext cx="1948383" cy="1999088"/>
         </a:xfrm>
         <a:prstGeom prst="circularArrow">
           <a:avLst>
-            <a:gd name="adj1" fmla="val 2403"/>
-            <a:gd name="adj2" fmla="val 290555"/>
-            <a:gd name="adj3" fmla="val 19934385"/>
-            <a:gd name="adj4" fmla="val 12975962"/>
-            <a:gd name="adj5" fmla="val 2803"/>
+            <a:gd name="adj1" fmla="val 2594"/>
+            <a:gd name="adj2" fmla="val 315055"/>
+            <a:gd name="adj3" fmla="val 19722511"/>
+            <a:gd name="adj4" fmla="val 12788587"/>
+            <a:gd name="adj5" fmla="val 3026"/>
           </a:avLst>
         </a:prstGeom>
         <a:solidFill>
@@ -8161,15 +7872,15 @@
         </a:fontRef>
       </dsp:style>
     </dsp:sp>
-    <dsp:sp modelId="{980393BF-CC11-493E-8A97-0FD4CE4B1F09}">
+    <dsp:sp modelId="{64C72429-576F-49F2-9F34-06F9CAEAB159}">
       <dsp:nvSpPr>
         <dsp:cNvPr id="0" name=""/>
         <dsp:cNvSpPr/>
       </dsp:nvSpPr>
       <dsp:spPr>
         <a:xfrm>
-          <a:off x="8143193" y="2131757"/>
-          <a:ext cx="1535037" cy="610433"/>
+          <a:off x="7708744" y="1981767"/>
+          <a:ext cx="1350822" cy="537177"/>
         </a:xfrm>
         <a:prstGeom prst="roundRect">
           <a:avLst>
@@ -8212,12 +7923,12 @@
         </a:fontRef>
       </dsp:style>
       <dsp:txBody>
-        <a:bodyPr spcFirstLastPara="0" vert="horz" wrap="square" lIns="30480" tIns="20320" rIns="30480" bIns="20320" numCol="1" spcCol="1270" anchor="ctr" anchorCtr="0">
+        <a:bodyPr spcFirstLastPara="0" vert="horz" wrap="square" lIns="26670" tIns="17780" rIns="26670" bIns="17780" numCol="1" spcCol="1270" anchor="ctr" anchorCtr="0">
           <a:noAutofit/>
         </a:bodyPr>
         <a:lstStyle/>
         <a:p>
-          <a:pPr marL="0" lvl="0" indent="0" algn="ctr" defTabSz="711200">
+          <a:pPr marL="0" lvl="0" indent="0" algn="ctr" defTabSz="622300">
             <a:lnSpc>
               <a:spcPct val="90000"/>
             </a:lnSpc>
@@ -8230,25 +7941,25 @@
             <a:buNone/>
           </a:pPr>
           <a:r>
-            <a:rPr lang="en-CA" sz="1600" kern="1200" dirty="0"/>
-            <a:t>Create Pipeline</a:t>
+            <a:rPr lang="en-CA" sz="1400" b="1" kern="1200" dirty="0"/>
+            <a:t>Transform / Pipeline (NLP)</a:t>
           </a:r>
         </a:p>
       </dsp:txBody>
       <dsp:txXfrm>
-        <a:off x="8161072" y="2149636"/>
-        <a:ext cx="1499279" cy="574675"/>
+        <a:off x="7724477" y="1997500"/>
+        <a:ext cx="1319356" cy="505711"/>
       </dsp:txXfrm>
     </dsp:sp>
-    <dsp:sp modelId="{B70387AF-3C9B-4E09-B2A1-3CDB21B2816D}">
+    <dsp:sp modelId="{D9837A88-683C-4B66-9AB9-D5A72B071271}">
       <dsp:nvSpPr>
         <dsp:cNvPr id="0" name=""/>
         <dsp:cNvSpPr/>
       </dsp:nvSpPr>
       <dsp:spPr>
         <a:xfrm>
-          <a:off x="9721901" y="2600224"/>
-          <a:ext cx="2285557" cy="1513751"/>
+          <a:off x="9089066" y="2258114"/>
+          <a:ext cx="2508573" cy="1464176"/>
         </a:xfrm>
         <a:prstGeom prst="roundRect">
           <a:avLst>
@@ -8290,12 +8001,12 @@
         <a:fontRef idx="minor"/>
       </dsp:style>
       <dsp:txBody>
-        <a:bodyPr spcFirstLastPara="0" vert="horz" wrap="square" lIns="36000" tIns="36000" rIns="36000" bIns="36000" numCol="1" spcCol="1270" anchor="t" anchorCtr="0">
+        <a:bodyPr spcFirstLastPara="0" vert="horz" wrap="square" lIns="36000" tIns="0" rIns="36000" bIns="0" numCol="1" spcCol="1270" anchor="t" anchorCtr="0">
           <a:noAutofit/>
         </a:bodyPr>
         <a:lstStyle/>
         <a:p>
-          <a:pPr marL="57150" lvl="1" indent="-57150" algn="l" defTabSz="400050">
+          <a:pPr marL="57150" lvl="1" indent="-57150" algn="l" defTabSz="444500">
             <a:lnSpc>
               <a:spcPct val="90000"/>
             </a:lnSpc>
@@ -8309,12 +8020,12 @@
             <a:buAutoNum type="arabicPeriod"/>
           </a:pPr>
           <a:r>
-            <a:rPr lang="en-CA" sz="900" kern="1200" dirty="0"/>
-            <a:t>Drop intermediate columns so ‘features’ and ‘labels’ are only ones.</a:t>
+            <a:rPr lang="en-CA" sz="1000" kern="1200" dirty="0"/>
+            <a:t>Drop intermediate columns so ‘features’ and ‘labels’ are only ones remaining.</a:t>
           </a:r>
         </a:p>
         <a:p>
-          <a:pPr marL="57150" lvl="1" indent="-57150" algn="l" defTabSz="400050">
+          <a:pPr marL="57150" lvl="1" indent="-57150" algn="l" defTabSz="444500">
             <a:lnSpc>
               <a:spcPct val="90000"/>
             </a:lnSpc>
@@ -8328,12 +8039,12 @@
             <a:buAutoNum type="arabicPeriod"/>
           </a:pPr>
           <a:r>
-            <a:rPr lang="en-CA" sz="900" kern="1200" dirty="0"/>
-            <a:t>Change data type of ‘label’ (stars) to int.</a:t>
+            <a:rPr lang="en-CA" sz="1000" kern="1200" dirty="0"/>
+            <a:t>Split data into training and testing sets.</a:t>
           </a:r>
         </a:p>
         <a:p>
-          <a:pPr marL="57150" lvl="1" indent="-57150" algn="l" defTabSz="400050">
+          <a:pPr marL="57150" lvl="1" indent="-57150" algn="l" defTabSz="444500">
             <a:lnSpc>
               <a:spcPct val="90000"/>
             </a:lnSpc>
@@ -8347,12 +8058,12 @@
             <a:buAutoNum type="arabicPeriod"/>
           </a:pPr>
           <a:r>
-            <a:rPr lang="en-CA" sz="900" kern="1200" dirty="0"/>
-            <a:t>Split data into training and testing sets.</a:t>
+            <a:rPr lang="en-CA" sz="1000" kern="1200" dirty="0"/>
+            <a:t> (Naïve Bayes / Logistic Regression): Create model and fit training data / (Neural Net): Specify layers, create and train model.</a:t>
           </a:r>
         </a:p>
         <a:p>
-          <a:pPr marL="57150" lvl="1" indent="-57150" algn="l" defTabSz="400050">
+          <a:pPr marL="57150" lvl="1" indent="-57150" algn="l" defTabSz="444500">
             <a:lnSpc>
               <a:spcPct val="90000"/>
             </a:lnSpc>
@@ -8366,44 +8077,25 @@
             <a:buAutoNum type="arabicPeriod"/>
           </a:pPr>
           <a:r>
-            <a:rPr lang="en-CA" sz="900" kern="1200" dirty="0"/>
-            <a:t> (Naïve Bayes / Logistic Regression): Create model and fit training data / (Neural Net): Specify layers, create and train model.</a:t>
-          </a:r>
-        </a:p>
-        <a:p>
-          <a:pPr marL="57150" lvl="1" indent="-57150" algn="l" defTabSz="400050">
-            <a:lnSpc>
-              <a:spcPct val="90000"/>
-            </a:lnSpc>
-            <a:spcBef>
-              <a:spcPct val="0"/>
-            </a:spcBef>
-            <a:spcAft>
-              <a:spcPct val="15000"/>
-            </a:spcAft>
-            <a:buFont typeface="+mj-lt"/>
-            <a:buAutoNum type="arabicPeriod"/>
-          </a:pPr>
-          <a:r>
-            <a:rPr lang="en-CA" sz="900" kern="1200" dirty="0"/>
+            <a:rPr lang="en-CA" sz="1000" kern="1200" dirty="0"/>
             <a:t>Display accuracy of model prediction of rating.</a:t>
           </a:r>
         </a:p>
       </dsp:txBody>
       <dsp:txXfrm>
-        <a:off x="9756737" y="2635060"/>
-        <a:ext cx="2215885" cy="1119704"/>
+        <a:off x="9122761" y="2291809"/>
+        <a:ext cx="2441183" cy="1083034"/>
       </dsp:txXfrm>
     </dsp:sp>
-    <dsp:sp modelId="{1AACCFC4-407A-41E6-960F-0CCFFD36C6D3}">
+    <dsp:sp modelId="{D0812395-5F2E-458F-B962-1A36CFCDF710}">
       <dsp:nvSpPr>
         <dsp:cNvPr id="0" name=""/>
         <dsp:cNvSpPr/>
       </dsp:nvSpPr>
       <dsp:spPr>
         <a:xfrm>
-          <a:off x="10480786" y="3800047"/>
-          <a:ext cx="1535037" cy="610433"/>
+          <a:off x="10246817" y="3462935"/>
+          <a:ext cx="1350822" cy="537177"/>
         </a:xfrm>
         <a:prstGeom prst="roundRect">
           <a:avLst>
@@ -8446,12 +8138,12 @@
         </a:fontRef>
       </dsp:style>
       <dsp:txBody>
-        <a:bodyPr spcFirstLastPara="0" vert="horz" wrap="square" lIns="30480" tIns="20320" rIns="30480" bIns="20320" numCol="1" spcCol="1270" anchor="ctr" anchorCtr="0">
+        <a:bodyPr spcFirstLastPara="0" vert="horz" wrap="square" lIns="26670" tIns="17780" rIns="26670" bIns="17780" numCol="1" spcCol="1270" anchor="ctr" anchorCtr="0">
           <a:noAutofit/>
         </a:bodyPr>
         <a:lstStyle/>
         <a:p>
-          <a:pPr marL="0" lvl="0" indent="0" algn="ctr" defTabSz="711200">
+          <a:pPr marL="0" lvl="0" indent="0" algn="ctr" defTabSz="622300">
             <a:lnSpc>
               <a:spcPct val="90000"/>
             </a:lnSpc>
@@ -8464,14 +8156,14 @@
             <a:buNone/>
           </a:pPr>
           <a:r>
-            <a:rPr lang="en-CA" sz="1600" kern="1200" dirty="0"/>
+            <a:rPr lang="en-CA" sz="1400" b="1" kern="1200" dirty="0"/>
             <a:t>Run Machine Learning Models</a:t>
           </a:r>
         </a:p>
       </dsp:txBody>
       <dsp:txXfrm>
-        <a:off x="10498665" y="3817926"/>
-        <a:ext cx="1499279" cy="574675"/>
+        <a:off x="10262550" y="3478668"/>
+        <a:ext cx="1319356" cy="505711"/>
       </dsp:txXfrm>
     </dsp:sp>
   </dsp:spTree>
@@ -12714,7 +12406,7 @@
           <a:p>
             <a:fld id="{FE07523A-9918-4474-B554-9AB7DCF0E552}" type="datetimeFigureOut">
               <a:rPr lang="en-CA" smtClean="0"/>
-              <a:t>2020-08-01</a:t>
+              <a:t>2020-08-02</a:t>
             </a:fld>
             <a:endParaRPr lang="en-CA"/>
           </a:p>
@@ -13158,6 +12850,93 @@
 </p:notes>
 </file>
 
+<file path=ppt/notesSlides/notesSlide10.xml><?xml version="1.0" encoding="utf-8"?>
+<p:notes xmlns:a="http://schemas.openxmlformats.org/drawingml/2006/main" xmlns:r="http://schemas.openxmlformats.org/officeDocument/2006/relationships" xmlns:p="http://schemas.openxmlformats.org/presentationml/2006/main">
+  <p:cSld>
+    <p:spTree>
+      <p:nvGrpSpPr>
+        <p:cNvPr id="1" name=""/>
+        <p:cNvGrpSpPr/>
+        <p:nvPr/>
+      </p:nvGrpSpPr>
+      <p:grpSpPr>
+        <a:xfrm>
+          <a:off x="0" y="0"/>
+          <a:ext cx="0" cy="0"/>
+          <a:chOff x="0" y="0"/>
+          <a:chExt cx="0" cy="0"/>
+        </a:xfrm>
+      </p:grpSpPr>
+      <p:sp>
+        <p:nvSpPr>
+          <p:cNvPr id="2" name="Slide Image Placeholder 1"/>
+          <p:cNvSpPr>
+            <a:spLocks noGrp="1" noRot="1" noChangeAspect="1"/>
+          </p:cNvSpPr>
+          <p:nvPr>
+            <p:ph type="sldImg"/>
+          </p:nvPr>
+        </p:nvSpPr>
+        <p:spPr/>
+      </p:sp>
+      <p:sp>
+        <p:nvSpPr>
+          <p:cNvPr id="3" name="Notes Placeholder 2"/>
+          <p:cNvSpPr>
+            <a:spLocks noGrp="1"/>
+          </p:cNvSpPr>
+          <p:nvPr>
+            <p:ph type="body" idx="1"/>
+          </p:nvPr>
+        </p:nvSpPr>
+        <p:spPr/>
+        <p:txBody>
+          <a:bodyPr/>
+          <a:lstStyle/>
+          <a:p>
+            <a:r>
+              <a:rPr lang="en-CA" dirty="0"/>
+              <a:t>Take a few minutes to show the dashboard and do a live demo.</a:t>
+            </a:r>
+          </a:p>
+        </p:txBody>
+      </p:sp>
+      <p:sp>
+        <p:nvSpPr>
+          <p:cNvPr id="4" name="Slide Number Placeholder 3"/>
+          <p:cNvSpPr>
+            <a:spLocks noGrp="1"/>
+          </p:cNvSpPr>
+          <p:nvPr>
+            <p:ph type="sldNum" sz="quarter" idx="5"/>
+          </p:nvPr>
+        </p:nvSpPr>
+        <p:spPr/>
+        <p:txBody>
+          <a:bodyPr/>
+          <a:lstStyle/>
+          <a:p>
+            <a:fld id="{943012F3-EFBB-4220-B725-9B1359B19F49}" type="slidenum">
+              <a:rPr lang="en-CA" smtClean="0"/>
+              <a:t>13</a:t>
+            </a:fld>
+            <a:endParaRPr lang="en-CA"/>
+          </a:p>
+        </p:txBody>
+      </p:sp>
+    </p:spTree>
+    <p:extLst>
+      <p:ext uri="{BB962C8B-B14F-4D97-AF65-F5344CB8AC3E}">
+        <p14:creationId xmlns:p14="http://schemas.microsoft.com/office/powerpoint/2010/main" val="1282601095"/>
+      </p:ext>
+    </p:extLst>
+  </p:cSld>
+  <p:clrMapOvr>
+    <a:masterClrMapping/>
+  </p:clrMapOvr>
+</p:notes>
+</file>
+
 <file path=ppt/notesSlides/notesSlide2.xml><?xml version="1.0" encoding="utf-8"?>
 <p:notes xmlns:a="http://schemas.openxmlformats.org/drawingml/2006/main" xmlns:r="http://schemas.openxmlformats.org/officeDocument/2006/relationships" xmlns:p="http://schemas.openxmlformats.org/presentationml/2006/main">
   <p:cSld>
@@ -13286,109 +13065,7 @@
           <a:bodyPr/>
           <a:lstStyle/>
           <a:p>
-            <a:r>
-              <a:rPr lang="en-CA" sz="1200" kern="1200" dirty="0">
-                <a:solidFill>
-                  <a:schemeClr val="tx1"/>
-                </a:solidFill>
-                <a:effectLst/>
-                <a:latin typeface="+mn-lt"/>
-                <a:ea typeface="+mn-ea"/>
-                <a:cs typeface="+mn-cs"/>
-              </a:rPr>
-              <a:t>Using the sample dataset, the exploratory analysis and plotting revealed that there was an uneven distribution of reviews across the different star ratings, with most of the set being 4 and 5-star reviews. Despite the imbalance, we created various plots that looked at review text length, useful votes, cool votes, and funny votes to see if there were patterns that could be observed on the basis of star rating.</a:t>
-            </a:r>
-          </a:p>
-          <a:p>
-            <a:r>
-              <a:rPr lang="en-CA" sz="1200" kern="1200" dirty="0">
-                <a:solidFill>
-                  <a:schemeClr val="tx1"/>
-                </a:solidFill>
-                <a:effectLst/>
-                <a:latin typeface="+mn-lt"/>
-                <a:ea typeface="+mn-ea"/>
-                <a:cs typeface="+mn-cs"/>
-              </a:rPr>
-              <a:t> </a:t>
-            </a:r>
-          </a:p>
-          <a:p>
-            <a:r>
-              <a:rPr lang="en-CA" sz="1200" kern="1200" dirty="0">
-                <a:solidFill>
-                  <a:schemeClr val="tx1"/>
-                </a:solidFill>
-                <a:effectLst/>
-                <a:latin typeface="+mn-lt"/>
-                <a:ea typeface="+mn-ea"/>
-                <a:cs typeface="+mn-cs"/>
-              </a:rPr>
-              <a:t>We discovered immediately that there did not appear to be much variation between a 1-star review and a 5-star review across all metrics.</a:t>
-            </a:r>
-          </a:p>
-          <a:p>
-            <a:r>
-              <a:rPr lang="en-CA" sz="1200" kern="1200" dirty="0">
-                <a:solidFill>
-                  <a:schemeClr val="tx1"/>
-                </a:solidFill>
-                <a:effectLst/>
-                <a:latin typeface="+mn-lt"/>
-                <a:ea typeface="+mn-ea"/>
-                <a:cs typeface="+mn-cs"/>
-              </a:rPr>
-              <a:t> </a:t>
-            </a:r>
-          </a:p>
-          <a:p>
-            <a:r>
-              <a:rPr lang="en-CA" sz="1200" kern="1200" dirty="0">
-                <a:solidFill>
-                  <a:schemeClr val="tx1"/>
-                </a:solidFill>
-                <a:effectLst/>
-                <a:latin typeface="+mn-lt"/>
-                <a:ea typeface="+mn-ea"/>
-                <a:cs typeface="+mn-cs"/>
-              </a:rPr>
-              <a:t>In hopes of discovering more compelling patterns that might exist, we decided to draw from the larger dataset to see if this would make a difference. Based on the technical limitations of </a:t>
-            </a:r>
-            <a:r>
-              <a:rPr lang="en-CA" sz="1200" kern="1200" dirty="0" err="1">
-                <a:solidFill>
-                  <a:schemeClr val="tx1"/>
-                </a:solidFill>
-                <a:effectLst/>
-                <a:latin typeface="+mn-lt"/>
-                <a:ea typeface="+mn-ea"/>
-                <a:cs typeface="+mn-cs"/>
-              </a:rPr>
-              <a:t>Colab</a:t>
-            </a:r>
-            <a:r>
-              <a:rPr lang="en-CA" sz="1200" kern="1200" dirty="0">
-                <a:solidFill>
-                  <a:schemeClr val="tx1"/>
-                </a:solidFill>
-                <a:effectLst/>
-                <a:latin typeface="+mn-lt"/>
-                <a:ea typeface="+mn-ea"/>
-                <a:cs typeface="+mn-cs"/>
-              </a:rPr>
-              <a:t>, we realised that sampling more than 10 thousand rows would not be possible, so we decided to sample 10 thousand rows, ensuring equal representation from each star rating.</a:t>
-            </a:r>
-          </a:p>
-          <a:p>
-            <a:endParaRPr lang="en-CA" sz="1200" kern="1200" dirty="0">
-              <a:solidFill>
-                <a:schemeClr val="tx1"/>
-              </a:solidFill>
-              <a:effectLst/>
-              <a:latin typeface="+mn-lt"/>
-              <a:ea typeface="+mn-ea"/>
-              <a:cs typeface="+mn-cs"/>
-            </a:endParaRPr>
+            <a:endParaRPr lang="en-CA" dirty="0"/>
           </a:p>
         </p:txBody>
       </p:sp>
@@ -13409,7 +13086,7 @@
           <a:p>
             <a:fld id="{943012F3-EFBB-4220-B725-9B1359B19F49}" type="slidenum">
               <a:rPr lang="en-CA" smtClean="0"/>
-              <a:t>7</a:t>
+              <a:t>6</a:t>
             </a:fld>
             <a:endParaRPr lang="en-CA"/>
           </a:p>
@@ -13418,7 +13095,7 @@
     </p:spTree>
     <p:extLst>
       <p:ext uri="{BB962C8B-B14F-4D97-AF65-F5344CB8AC3E}">
-        <p14:creationId xmlns:p14="http://schemas.microsoft.com/office/powerpoint/2010/main" val="1708550180"/>
+        <p14:creationId xmlns:p14="http://schemas.microsoft.com/office/powerpoint/2010/main" val="1396352613"/>
       </p:ext>
     </p:extLst>
   </p:cSld>
@@ -13482,7 +13159,7 @@
                 <a:ea typeface="+mn-ea"/>
                 <a:cs typeface="+mn-cs"/>
               </a:rPr>
-              <a:t>Unfortunately, the resampled data showed similar patterns to those observed in the sample dataset.</a:t>
+              <a:t>Using the sample dataset, the exploratory analysis and plotting revealed that there was an uneven distribution of reviews across the different star ratings, with most of the set being 4 and 5-star reviews. Despite the imbalance, we created various plots that looked at review text length, useful votes, cool votes, and funny votes to see if there were patterns that could be observed on the basis of star rating.</a:t>
             </a:r>
           </a:p>
           <a:p>
@@ -13510,11 +13187,71 @@
                 <a:ea typeface="+mn-ea"/>
                 <a:cs typeface="+mn-cs"/>
               </a:rPr>
-              <a:t>We concluded that star rating does not seem to influence any of the factors considered in such a profound way. At a higher level, this demonstrates the need for NLP analysis to predict sentiment.</a:t>
-            </a:r>
-          </a:p>
-          <a:p>
-            <a:endParaRPr lang="en-CA" dirty="0"/>
+              <a:t>We discovered immediately that there did not appear to be much variation between a 1-star review and a 5-star review across all metrics.</a:t>
+            </a:r>
+          </a:p>
+          <a:p>
+            <a:r>
+              <a:rPr lang="en-CA" sz="1200" kern="1200" dirty="0">
+                <a:solidFill>
+                  <a:schemeClr val="tx1"/>
+                </a:solidFill>
+                <a:effectLst/>
+                <a:latin typeface="+mn-lt"/>
+                <a:ea typeface="+mn-ea"/>
+                <a:cs typeface="+mn-cs"/>
+              </a:rPr>
+              <a:t> </a:t>
+            </a:r>
+          </a:p>
+          <a:p>
+            <a:r>
+              <a:rPr lang="en-CA" sz="1200" kern="1200" dirty="0">
+                <a:solidFill>
+                  <a:schemeClr val="tx1"/>
+                </a:solidFill>
+                <a:effectLst/>
+                <a:latin typeface="+mn-lt"/>
+                <a:ea typeface="+mn-ea"/>
+                <a:cs typeface="+mn-cs"/>
+              </a:rPr>
+              <a:t>In hopes of discovering more compelling patterns that might exist, we decided to draw from the larger dataset to see if this would make a difference. Based on the technical limitations of </a:t>
+            </a:r>
+            <a:r>
+              <a:rPr lang="en-CA" sz="1200" kern="1200" dirty="0" err="1">
+                <a:solidFill>
+                  <a:schemeClr val="tx1"/>
+                </a:solidFill>
+                <a:effectLst/>
+                <a:latin typeface="+mn-lt"/>
+                <a:ea typeface="+mn-ea"/>
+                <a:cs typeface="+mn-cs"/>
+              </a:rPr>
+              <a:t>Colab</a:t>
+            </a:r>
+            <a:r>
+              <a:rPr lang="en-CA" sz="1200" kern="1200" dirty="0">
+                <a:solidFill>
+                  <a:schemeClr val="tx1"/>
+                </a:solidFill>
+                <a:effectLst/>
+                <a:latin typeface="+mn-lt"/>
+                <a:ea typeface="+mn-ea"/>
+                <a:cs typeface="+mn-cs"/>
+              </a:rPr>
+              <a:t>, we realised that sampling more than 10 thousand rows would not be possible, so we decided to sample 10 thousand rows, ensuring equal representation from each star rating.</a:t>
+            </a:r>
+          </a:p>
+          <a:p>
+            <a:endParaRPr lang="en-CA" sz="1200" kern="1200" dirty="0">
+              <a:solidFill>
+                <a:schemeClr val="tx1"/>
+              </a:solidFill>
+              <a:effectLst/>
+              <a:latin typeface="+mn-lt"/>
+              <a:ea typeface="+mn-ea"/>
+              <a:cs typeface="+mn-cs"/>
+            </a:endParaRPr>
           </a:p>
         </p:txBody>
       </p:sp>
@@ -13535,7 +13272,7 @@
           <a:p>
             <a:fld id="{943012F3-EFBB-4220-B725-9B1359B19F49}" type="slidenum">
               <a:rPr lang="en-CA" smtClean="0"/>
-              <a:t>8</a:t>
+              <a:t>7</a:t>
             </a:fld>
             <a:endParaRPr lang="en-CA"/>
           </a:p>
@@ -13544,7 +13281,7 @@
     </p:spTree>
     <p:extLst>
       <p:ext uri="{BB962C8B-B14F-4D97-AF65-F5344CB8AC3E}">
-        <p14:creationId xmlns:p14="http://schemas.microsoft.com/office/powerpoint/2010/main" val="2503990559"/>
+        <p14:creationId xmlns:p14="http://schemas.microsoft.com/office/powerpoint/2010/main" val="1708550180"/>
       </p:ext>
     </p:extLst>
   </p:cSld>
@@ -13661,7 +13398,7 @@
           <a:p>
             <a:fld id="{943012F3-EFBB-4220-B725-9B1359B19F49}" type="slidenum">
               <a:rPr lang="en-CA" smtClean="0"/>
-              <a:t>9</a:t>
+              <a:t>8</a:t>
             </a:fld>
             <a:endParaRPr lang="en-CA"/>
           </a:p>
@@ -13670,7 +13407,7 @@
     </p:spTree>
     <p:extLst>
       <p:ext uri="{BB962C8B-B14F-4D97-AF65-F5344CB8AC3E}">
-        <p14:creationId xmlns:p14="http://schemas.microsoft.com/office/powerpoint/2010/main" val="1994159683"/>
+        <p14:creationId xmlns:p14="http://schemas.microsoft.com/office/powerpoint/2010/main" val="2503990559"/>
       </p:ext>
     </p:extLst>
   </p:cSld>
@@ -13787,7 +13524,7 @@
           <a:p>
             <a:fld id="{943012F3-EFBB-4220-B725-9B1359B19F49}" type="slidenum">
               <a:rPr lang="en-CA" smtClean="0"/>
-              <a:t>10</a:t>
+              <a:t>9</a:t>
             </a:fld>
             <a:endParaRPr lang="en-CA"/>
           </a:p>
@@ -13796,7 +13533,7 @@
     </p:spTree>
     <p:extLst>
       <p:ext uri="{BB962C8B-B14F-4D97-AF65-F5344CB8AC3E}">
-        <p14:creationId xmlns:p14="http://schemas.microsoft.com/office/powerpoint/2010/main" val="640657789"/>
+        <p14:creationId xmlns:p14="http://schemas.microsoft.com/office/powerpoint/2010/main" val="1994159683"/>
       </p:ext>
     </p:extLst>
   </p:cSld>
@@ -13850,25 +13587,8 @@
           <a:bodyPr/>
           <a:lstStyle/>
           <a:p>
-            <a:pPr marL="0" marR="0" lvl="0" indent="0" algn="l" defTabSz="914400" rtl="0" eaLnBrk="1" fontAlgn="auto" latinLnBrk="0" hangingPunct="1">
-              <a:lnSpc>
-                <a:spcPct val="100000"/>
-              </a:lnSpc>
-              <a:spcBef>
-                <a:spcPts val="0"/>
-              </a:spcBef>
-              <a:spcAft>
-                <a:spcPts val="0"/>
-              </a:spcAft>
-              <a:buClrTx/>
-              <a:buSzTx/>
-              <a:buFontTx/>
-              <a:buNone/>
-              <a:tabLst/>
-              <a:defRPr/>
-            </a:pPr>
-            <a:r>
-              <a:rPr lang="en-US" sz="1200" kern="1200" dirty="0">
+            <a:r>
+              <a:rPr lang="en-CA" sz="1200" kern="1200" dirty="0">
                 <a:solidFill>
                   <a:schemeClr val="tx1"/>
                 </a:solidFill>
@@ -13877,8 +13597,38 @@
                 <a:ea typeface="+mn-ea"/>
                 <a:cs typeface="+mn-cs"/>
               </a:rPr>
-              <a:t>Originally, we'd hoped to build a model for predicting the exact number of stars based on NLP machine learning; however, we opted to include binary classification as well as multiclass categories where there are 3 classes in addition to 5 classes. The decision to include binary and 3-category classification was due to the model predictions were initially quite low in terms of accuracy when predicting the exact number of stars.</a:t>
-            </a:r>
+              <a:t>Unfortunately, the resampled data showed similar patterns to those observed in the sample dataset.</a:t>
+            </a:r>
+          </a:p>
+          <a:p>
+            <a:r>
+              <a:rPr lang="en-CA" sz="1200" kern="1200" dirty="0">
+                <a:solidFill>
+                  <a:schemeClr val="tx1"/>
+                </a:solidFill>
+                <a:effectLst/>
+                <a:latin typeface="+mn-lt"/>
+                <a:ea typeface="+mn-ea"/>
+                <a:cs typeface="+mn-cs"/>
+              </a:rPr>
+              <a:t> </a:t>
+            </a:r>
+          </a:p>
+          <a:p>
+            <a:r>
+              <a:rPr lang="en-CA" sz="1200" kern="1200" dirty="0">
+                <a:solidFill>
+                  <a:schemeClr val="tx1"/>
+                </a:solidFill>
+                <a:effectLst/>
+                <a:latin typeface="+mn-lt"/>
+                <a:ea typeface="+mn-ea"/>
+                <a:cs typeface="+mn-cs"/>
+              </a:rPr>
+              <a:t>We concluded that star rating does not seem to influence any of the factors considered in such a profound way. At a higher level, this demonstrates the need for NLP analysis to predict sentiment.</a:t>
+            </a:r>
+          </a:p>
+          <a:p>
             <a:endParaRPr lang="en-CA" dirty="0"/>
           </a:p>
         </p:txBody>
@@ -13900,7 +13650,7 @@
           <a:p>
             <a:fld id="{943012F3-EFBB-4220-B725-9B1359B19F49}" type="slidenum">
               <a:rPr lang="en-CA" smtClean="0"/>
-              <a:t>11</a:t>
+              <a:t>10</a:t>
             </a:fld>
             <a:endParaRPr lang="en-CA"/>
           </a:p>
@@ -13909,7 +13659,7 @@
     </p:spTree>
     <p:extLst>
       <p:ext uri="{BB962C8B-B14F-4D97-AF65-F5344CB8AC3E}">
-        <p14:creationId xmlns:p14="http://schemas.microsoft.com/office/powerpoint/2010/main" val="1130062079"/>
+        <p14:creationId xmlns:p14="http://schemas.microsoft.com/office/powerpoint/2010/main" val="640657789"/>
       </p:ext>
     </p:extLst>
   </p:cSld>
@@ -13990,7 +13740,7 @@
                 <a:ea typeface="+mn-ea"/>
                 <a:cs typeface="+mn-cs"/>
               </a:rPr>
-              <a:t>Detailed process is explained in the boxes above; </a:t>
+              <a:t>Originally, we'd hoped to build a model for predicting the exact number of stars based on NLP machine learning; however, we opted to include binary classification as well as multiclass categories where there are 3 classes in addition to 5 classes. The decision to include binary and 3-category classification was due to the model predictions were initially quite low in terms of accuracy when predicting the exact number of stars.</a:t>
             </a:r>
             <a:endParaRPr lang="en-CA" dirty="0"/>
           </a:p>
@@ -14013,7 +13763,7 @@
           <a:p>
             <a:fld id="{943012F3-EFBB-4220-B725-9B1359B19F49}" type="slidenum">
               <a:rPr lang="en-CA" smtClean="0"/>
-              <a:t>12</a:t>
+              <a:t>11</a:t>
             </a:fld>
             <a:endParaRPr lang="en-CA"/>
           </a:p>
@@ -14022,7 +13772,7 @@
     </p:spTree>
     <p:extLst>
       <p:ext uri="{BB962C8B-B14F-4D97-AF65-F5344CB8AC3E}">
-        <p14:creationId xmlns:p14="http://schemas.microsoft.com/office/powerpoint/2010/main" val="89144666"/>
+        <p14:creationId xmlns:p14="http://schemas.microsoft.com/office/powerpoint/2010/main" val="1130062079"/>
       </p:ext>
     </p:extLst>
   </p:cSld>
@@ -14076,10 +13826,36 @@
           <a:bodyPr/>
           <a:lstStyle/>
           <a:p>
-            <a:r>
-              <a:rPr lang="en-CA" dirty="0"/>
-              <a:t>Take a few minutes to show the dashboard and do a live demo.</a:t>
-            </a:r>
+            <a:pPr marL="0" marR="0" lvl="0" indent="0" algn="l" defTabSz="914400" rtl="0" eaLnBrk="1" fontAlgn="auto" latinLnBrk="0" hangingPunct="1">
+              <a:lnSpc>
+                <a:spcPct val="100000"/>
+              </a:lnSpc>
+              <a:spcBef>
+                <a:spcPts val="0"/>
+              </a:spcBef>
+              <a:spcAft>
+                <a:spcPts val="0"/>
+              </a:spcAft>
+              <a:buClrTx/>
+              <a:buSzTx/>
+              <a:buFontTx/>
+              <a:buNone/>
+              <a:tabLst/>
+              <a:defRPr/>
+            </a:pPr>
+            <a:r>
+              <a:rPr lang="en-US" sz="1200" kern="1200" dirty="0">
+                <a:solidFill>
+                  <a:schemeClr val="tx1"/>
+                </a:solidFill>
+                <a:effectLst/>
+                <a:latin typeface="+mn-lt"/>
+                <a:ea typeface="+mn-ea"/>
+                <a:cs typeface="+mn-cs"/>
+              </a:rPr>
+              <a:t>Detailed process is explained in the boxes above; </a:t>
+            </a:r>
+            <a:endParaRPr lang="en-CA" dirty="0"/>
           </a:p>
         </p:txBody>
       </p:sp>
@@ -14100,7 +13876,7 @@
           <a:p>
             <a:fld id="{943012F3-EFBB-4220-B725-9B1359B19F49}" type="slidenum">
               <a:rPr lang="en-CA" smtClean="0"/>
-              <a:t>13</a:t>
+              <a:t>12</a:t>
             </a:fld>
             <a:endParaRPr lang="en-CA"/>
           </a:p>
@@ -14109,7 +13885,7 @@
     </p:spTree>
     <p:extLst>
       <p:ext uri="{BB962C8B-B14F-4D97-AF65-F5344CB8AC3E}">
-        <p14:creationId xmlns:p14="http://schemas.microsoft.com/office/powerpoint/2010/main" val="1282601095"/>
+        <p14:creationId xmlns:p14="http://schemas.microsoft.com/office/powerpoint/2010/main" val="2527776680"/>
       </p:ext>
     </p:extLst>
   </p:cSld>
@@ -17695,7 +17471,7 @@
         </p:spPr>
         <p:txBody>
           <a:bodyPr>
-            <a:normAutofit fontScale="90000"/>
+            <a:normAutofit/>
           </a:bodyPr>
           <a:lstStyle/>
           <a:p>
@@ -17705,22 +17481,7 @@
                   <a:srgbClr val="FFFFFF"/>
                 </a:solidFill>
               </a:rPr>
-              <a:t>Sentiment analysis using NLP for</a:t>
-            </a:r>
-            <a:br>
-              <a:rPr lang="en-US" sz="4100" dirty="0">
-                <a:solidFill>
-                  <a:srgbClr val="FFFFFF"/>
-                </a:solidFill>
-              </a:rPr>
-            </a:br>
-            <a:r>
-              <a:rPr lang="en-US" sz="4100" dirty="0">
-                <a:solidFill>
-                  <a:srgbClr val="FFFFFF"/>
-                </a:solidFill>
-              </a:rPr>
-              <a:t>predicting Yelp review rating</a:t>
+              <a:t>NLP and Sentiment Analysis of Yelp Reviews</a:t>
             </a:r>
           </a:p>
         </p:txBody>
@@ -18283,7 +18044,7 @@
             <p:ph idx="1"/>
             <p:extLst>
               <p:ext uri="{D42A27DB-BD31-4B8C-83A1-F6EECF244321}">
-                <p14:modId xmlns:p14="http://schemas.microsoft.com/office/powerpoint/2010/main" val="2304305307"/>
+                <p14:modId xmlns:p14="http://schemas.microsoft.com/office/powerpoint/2010/main" val="1616194873"/>
               </p:ext>
             </p:extLst>
           </p:nvPr>
@@ -18412,7 +18173,7 @@
                       </a:pPr>
                       <a:r>
                         <a:rPr lang="en-CA" dirty="0"/>
-                        <a:t>Negative = ‘1 star’, ‘2 stars’, ‘3 stars’</a:t>
+                        <a:t>Negative = ‘1 star’, ‘2 stars’</a:t>
                       </a:r>
                     </a:p>
                   </a:txBody>
@@ -18892,7 +18653,7 @@
         </p:nvCxnSpPr>
         <p:spPr>
           <a:xfrm>
-            <a:off x="1389053" y="4296821"/>
+            <a:off x="1238741" y="4315610"/>
             <a:ext cx="4286758" cy="0"/>
           </a:xfrm>
           <a:prstGeom prst="line">
@@ -19097,10 +18858,10 @@
       </p:sp>
       <p:graphicFrame>
         <p:nvGraphicFramePr>
-          <p:cNvPr id="11" name="Diagram 10">
+          <p:cNvPr id="3" name="Diagram 2">
             <a:extLst>
               <a:ext uri="{FF2B5EF4-FFF2-40B4-BE49-F238E27FC236}">
-                <a16:creationId xmlns:a16="http://schemas.microsoft.com/office/drawing/2014/main" id="{5D328D8E-77D7-4545-8DD5-D57526C07324}"/>
+                <a16:creationId xmlns:a16="http://schemas.microsoft.com/office/drawing/2014/main" id="{E15588DE-F156-4563-9FF4-7268D3637DD4}"/>
               </a:ext>
             </a:extLst>
           </p:cNvPr>
@@ -19108,14 +18869,14 @@
           <p:nvPr>
             <p:extLst>
               <p:ext uri="{D42A27DB-BD31-4B8C-83A1-F6EECF244321}">
-                <p14:modId xmlns:p14="http://schemas.microsoft.com/office/powerpoint/2010/main" val="3691110820"/>
+                <p14:modId xmlns:p14="http://schemas.microsoft.com/office/powerpoint/2010/main" val="3997147525"/>
               </p:ext>
             </p:extLst>
           </p:nvPr>
         </p:nvGraphicFramePr>
         <p:xfrm>
-          <a:off x="12525" y="577301"/>
-          <a:ext cx="12175298" cy="7146678"/>
+          <a:off x="259081" y="889602"/>
+          <a:ext cx="11597640" cy="5468435"/>
         </p:xfrm>
         <a:graphic>
           <a:graphicData uri="http://schemas.openxmlformats.org/drawingml/2006/diagram">
@@ -19126,7 +18887,7 @@
     </p:spTree>
     <p:extLst>
       <p:ext uri="{BB962C8B-B14F-4D97-AF65-F5344CB8AC3E}">
-        <p14:creationId xmlns:p14="http://schemas.microsoft.com/office/powerpoint/2010/main" val="98248292"/>
+        <p14:creationId xmlns:p14="http://schemas.microsoft.com/office/powerpoint/2010/main" val="1314899535"/>
       </p:ext>
     </p:extLst>
   </p:cSld>
@@ -19197,7 +18958,7 @@
             <p:ph idx="1"/>
             <p:extLst>
               <p:ext uri="{D42A27DB-BD31-4B8C-83A1-F6EECF244321}">
-                <p14:modId xmlns:p14="http://schemas.microsoft.com/office/powerpoint/2010/main" val="452555088"/>
+                <p14:modId xmlns:p14="http://schemas.microsoft.com/office/powerpoint/2010/main" val="2569783436"/>
               </p:ext>
             </p:extLst>
           </p:nvPr>
@@ -19315,7 +19076,7 @@
                     <a:p>
                       <a:r>
                         <a:rPr lang="en-CA" dirty="0"/>
-                        <a:t>0.802866</a:t>
+                        <a:t>0.811435</a:t>
                       </a:r>
                     </a:p>
                   </a:txBody>
@@ -19358,7 +19119,7 @@
                     <a:p>
                       <a:r>
                         <a:rPr lang="en-CA" dirty="0"/>
-                        <a:t>0.877527</a:t>
+                        <a:t>0.853571</a:t>
                       </a:r>
                     </a:p>
                   </a:txBody>
@@ -19447,7 +19208,7 @@
                     <a:p>
                       <a:r>
                         <a:rPr lang="en-CA" dirty="0"/>
-                        <a:t>0.586072</a:t>
+                        <a:t>0.613871</a:t>
                       </a:r>
                     </a:p>
                   </a:txBody>
@@ -19490,7 +19251,7 @@
                     <a:p>
                       <a:r>
                         <a:rPr lang="en-CA" dirty="0"/>
-                        <a:t>0.750741</a:t>
+                        <a:t>0.736837</a:t>
                       </a:r>
                     </a:p>
                   </a:txBody>
@@ -19579,7 +19340,7 @@
                     <a:p>
                       <a:r>
                         <a:rPr lang="en-CA" dirty="0"/>
-                        <a:t>0.373853</a:t>
+                        <a:t>0.391433</a:t>
                       </a:r>
                     </a:p>
                   </a:txBody>
@@ -19622,7 +19383,7 @@
                     <a:p>
                       <a:r>
                         <a:rPr lang="en-CA" dirty="0"/>
-                        <a:t>0.435023</a:t>
+                        <a:t>0.453939</a:t>
                       </a:r>
                     </a:p>
                   </a:txBody>
@@ -19783,7 +19544,7 @@
         <p:spPr>
           <a:xfrm>
             <a:off x="7429499" y="2082318"/>
-            <a:ext cx="4527864" cy="3046988"/>
+            <a:ext cx="4527864" cy="3539430"/>
           </a:xfrm>
           <a:prstGeom prst="rect">
             <a:avLst/>
@@ -19813,50 +19574,7 @@
             </a:r>
             <a:r>
               <a:rPr lang="en-CA" sz="3200" dirty="0"/>
-              <a:t> because it uses too much RAM, even when reducing the size of the dataset.</a:t>
-            </a:r>
-            <a:endParaRPr lang="en-CA" sz="1400" dirty="0"/>
-          </a:p>
-        </p:txBody>
-      </p:sp>
-      <p:sp>
-        <p:nvSpPr>
-          <p:cNvPr id="9" name="TextBox 8">
-            <a:extLst>
-              <a:ext uri="{FF2B5EF4-FFF2-40B4-BE49-F238E27FC236}">
-                <a16:creationId xmlns:a16="http://schemas.microsoft.com/office/drawing/2014/main" id="{E7DEE063-D8A0-4E32-8540-091E32CB8424}"/>
-              </a:ext>
-            </a:extLst>
-          </p:cNvPr>
-          <p:cNvSpPr txBox="1"/>
-          <p:nvPr/>
-        </p:nvSpPr>
-        <p:spPr>
-          <a:xfrm>
-            <a:off x="7450376" y="5495684"/>
-            <a:ext cx="4527864" cy="584775"/>
-          </a:xfrm>
-          <a:prstGeom prst="rect">
-            <a:avLst/>
-          </a:prstGeom>
-          <a:noFill/>
-        </p:spPr>
-        <p:txBody>
-          <a:bodyPr wrap="square" rtlCol="0">
-            <a:spAutoFit/>
-          </a:bodyPr>
-          <a:lstStyle/>
-          <a:p>
-            <a:pPr marL="285750" indent="-285750">
-              <a:buClr>
-                <a:srgbClr val="BF2419"/>
-              </a:buClr>
-              <a:buFont typeface="Wingdings" panose="05000000000000000000" pitchFamily="2" charset="2"/>
-              <a:buChar char="«"/>
-            </a:pPr>
-            <a:r>
-              <a:rPr lang="en-CA" sz="3200" dirty="0"/>
-              <a:t>[Link to Dashboard]</a:t>
+              <a:t> because it uses too much RAM, even when reducing the dimensionality of the dataset.</a:t>
             </a:r>
             <a:endParaRPr lang="en-CA" sz="1400" dirty="0"/>
           </a:p>
@@ -19915,7 +19633,7 @@
           <a:p>
             <a:r>
               <a:rPr lang="en-US" dirty="0"/>
-              <a:t>Technologies, tools, and languages</a:t>
+              <a:t>Technologies and languages</a:t>
             </a:r>
             <a:endParaRPr lang="en-CA" dirty="0"/>
           </a:p>
@@ -19939,8 +19657,8 @@
         </p:nvSpPr>
         <p:spPr>
           <a:xfrm>
-            <a:off x="1097280" y="2108201"/>
-            <a:ext cx="10058400" cy="1017043"/>
+            <a:off x="1196339" y="1849121"/>
+            <a:ext cx="10492741" cy="1027005"/>
           </a:xfrm>
         </p:spPr>
         <p:txBody>
@@ -20115,345 +19833,804 @@
           </a:p>
         </p:txBody>
       </p:sp>
-      <p:sp>
-        <p:nvSpPr>
-          <p:cNvPr id="7" name="TextBox 6">
+      <p:graphicFrame>
+        <p:nvGraphicFramePr>
+          <p:cNvPr id="8" name="Table 8">
             <a:extLst>
               <a:ext uri="{FF2B5EF4-FFF2-40B4-BE49-F238E27FC236}">
-                <a16:creationId xmlns:a16="http://schemas.microsoft.com/office/drawing/2014/main" id="{D89C2965-792B-482D-96E0-CDB6B64F094B}"/>
+                <a16:creationId xmlns:a16="http://schemas.microsoft.com/office/drawing/2014/main" id="{0A43AB48-2C3C-443B-BC0F-92BA88D6CC5F}"/>
               </a:ext>
             </a:extLst>
           </p:cNvPr>
-          <p:cNvSpPr txBox="1"/>
-          <p:nvPr/>
-        </p:nvSpPr>
-        <p:spPr>
-          <a:xfrm>
-            <a:off x="1014190" y="3192757"/>
-            <a:ext cx="10163620" cy="2031325"/>
-          </a:xfrm>
-          <a:prstGeom prst="rect">
-            <a:avLst/>
-          </a:prstGeom>
-          <a:noFill/>
-        </p:spPr>
-        <p:txBody>
-          <a:bodyPr wrap="square" numCol="3" rtlCol="0">
-            <a:spAutoFit/>
-          </a:bodyPr>
-          <a:lstStyle/>
-          <a:p>
-            <a:r>
-              <a:rPr lang="en-CA" sz="2800" b="1" dirty="0">
-                <a:solidFill>
-                  <a:srgbClr val="BF2419"/>
-                </a:solidFill>
-              </a:rPr>
-              <a:t>Libraries:</a:t>
-            </a:r>
-            <a:r>
-              <a:rPr lang="en-CA" dirty="0"/>
-              <a:t> </a:t>
-            </a:r>
-          </a:p>
-          <a:p>
-            <a:pPr>
-              <a:spcBef>
-                <a:spcPts val="0"/>
-              </a:spcBef>
-              <a:spcAft>
-                <a:spcPts val="0"/>
-              </a:spcAft>
-              <a:buFont typeface="Arial" panose="020B0604020202020204" pitchFamily="34" charset="0"/>
-              <a:buChar char="•"/>
-            </a:pPr>
-            <a:r>
-              <a:rPr lang="en-CA" dirty="0"/>
-              <a:t>Pandas</a:t>
-            </a:r>
-          </a:p>
-          <a:p>
-            <a:pPr>
-              <a:spcBef>
-                <a:spcPts val="0"/>
-              </a:spcBef>
-              <a:spcAft>
-                <a:spcPts val="0"/>
-              </a:spcAft>
-              <a:buFont typeface="Arial" panose="020B0604020202020204" pitchFamily="34" charset="0"/>
-              <a:buChar char="•"/>
-            </a:pPr>
-            <a:r>
-              <a:rPr lang="en-CA" dirty="0" err="1"/>
-              <a:t>Os</a:t>
-            </a:r>
-            <a:endParaRPr lang="en-CA" dirty="0"/>
-          </a:p>
-          <a:p>
-            <a:pPr>
-              <a:spcBef>
-                <a:spcPts val="0"/>
-              </a:spcBef>
-              <a:spcAft>
-                <a:spcPts val="0"/>
-              </a:spcAft>
-              <a:buFont typeface="Arial" panose="020B0604020202020204" pitchFamily="34" charset="0"/>
-              <a:buChar char="•"/>
-            </a:pPr>
-            <a:r>
-              <a:rPr lang="en-CA" dirty="0" err="1"/>
-              <a:t>findspark</a:t>
-            </a:r>
-            <a:endParaRPr lang="en-CA" dirty="0"/>
-          </a:p>
-          <a:p>
-            <a:pPr>
-              <a:spcBef>
-                <a:spcPts val="0"/>
-              </a:spcBef>
-              <a:spcAft>
-                <a:spcPts val="0"/>
-              </a:spcAft>
-              <a:buFont typeface="Arial" panose="020B0604020202020204" pitchFamily="34" charset="0"/>
-              <a:buChar char="•"/>
-            </a:pPr>
-            <a:r>
-              <a:rPr lang="en-CA" dirty="0" err="1"/>
-              <a:t>pyspark.sql</a:t>
-            </a:r>
-            <a:endParaRPr lang="en-CA" dirty="0"/>
-          </a:p>
-          <a:p>
-            <a:pPr>
-              <a:spcBef>
-                <a:spcPts val="0"/>
-              </a:spcBef>
-              <a:spcAft>
-                <a:spcPts val="0"/>
-              </a:spcAft>
-              <a:buFont typeface="Arial" panose="020B0604020202020204" pitchFamily="34" charset="0"/>
-              <a:buChar char="•"/>
-            </a:pPr>
-            <a:r>
-              <a:rPr lang="en-CA" dirty="0" err="1"/>
-              <a:t>nltk</a:t>
-            </a:r>
-            <a:endParaRPr lang="en-CA" dirty="0"/>
-          </a:p>
-          <a:p>
-            <a:pPr>
-              <a:spcBef>
-                <a:spcPts val="0"/>
-              </a:spcBef>
-              <a:spcAft>
-                <a:spcPts val="0"/>
-              </a:spcAft>
-              <a:buFont typeface="Arial" panose="020B0604020202020204" pitchFamily="34" charset="0"/>
-              <a:buChar char="•"/>
-            </a:pPr>
-            <a:r>
-              <a:rPr lang="en-CA" dirty="0" err="1"/>
-              <a:t>nltk.stem</a:t>
-            </a:r>
-            <a:r>
-              <a:rPr lang="en-CA" dirty="0"/>
-              <a:t> (</a:t>
-            </a:r>
-            <a:r>
-              <a:rPr lang="en-CA" dirty="0" err="1"/>
-              <a:t>PorterStemmer</a:t>
-            </a:r>
-            <a:r>
-              <a:rPr lang="en-CA" dirty="0"/>
-              <a:t>, </a:t>
-            </a:r>
-            <a:r>
-              <a:rPr lang="en-CA" dirty="0" err="1"/>
-              <a:t>WordNetLemmatizer</a:t>
-            </a:r>
-            <a:r>
-              <a:rPr lang="en-CA" dirty="0"/>
-              <a:t>)</a:t>
-            </a:r>
-          </a:p>
-          <a:p>
-            <a:pPr>
-              <a:spcBef>
-                <a:spcPts val="0"/>
-              </a:spcBef>
-              <a:spcAft>
-                <a:spcPts val="0"/>
-              </a:spcAft>
-              <a:buFont typeface="Arial" panose="020B0604020202020204" pitchFamily="34" charset="0"/>
-              <a:buChar char="•"/>
-            </a:pPr>
-            <a:r>
-              <a:rPr lang="en-CA" dirty="0"/>
-              <a:t>string</a:t>
-            </a:r>
-          </a:p>
-          <a:p>
-            <a:pPr>
-              <a:spcBef>
-                <a:spcPts val="0"/>
-              </a:spcBef>
-              <a:spcAft>
-                <a:spcPts val="0"/>
-              </a:spcAft>
-              <a:buFont typeface="Arial" panose="020B0604020202020204" pitchFamily="34" charset="0"/>
-              <a:buChar char="•"/>
-            </a:pPr>
-            <a:r>
-              <a:rPr lang="en-CA" dirty="0"/>
-              <a:t>Re</a:t>
-            </a:r>
-          </a:p>
-          <a:p>
-            <a:pPr>
-              <a:spcBef>
-                <a:spcPts val="0"/>
-              </a:spcBef>
-              <a:spcAft>
-                <a:spcPts val="0"/>
-              </a:spcAft>
-              <a:buFont typeface="Arial" panose="020B0604020202020204" pitchFamily="34" charset="0"/>
-              <a:buChar char="•"/>
-            </a:pPr>
-            <a:r>
-              <a:rPr lang="en-CA" dirty="0" err="1"/>
-              <a:t>pyspark.ml.feature</a:t>
-            </a:r>
-            <a:r>
-              <a:rPr lang="en-CA" dirty="0"/>
-              <a:t> (</a:t>
-            </a:r>
-            <a:r>
-              <a:rPr lang="en-CA" dirty="0" err="1"/>
-              <a:t>HashingTF</a:t>
-            </a:r>
-            <a:r>
-              <a:rPr lang="en-CA" dirty="0"/>
-              <a:t>, IDF, </a:t>
-            </a:r>
-            <a:r>
-              <a:rPr lang="en-CA" dirty="0" err="1"/>
-              <a:t>VectorAssembler</a:t>
-            </a:r>
-            <a:r>
-              <a:rPr lang="en-CA" dirty="0"/>
-              <a:t>)</a:t>
-            </a:r>
-          </a:p>
-          <a:p>
-            <a:pPr>
-              <a:spcBef>
-                <a:spcPts val="0"/>
-              </a:spcBef>
-              <a:spcAft>
-                <a:spcPts val="0"/>
-              </a:spcAft>
-              <a:buFont typeface="Arial" panose="020B0604020202020204" pitchFamily="34" charset="0"/>
-              <a:buChar char="•"/>
-            </a:pPr>
-            <a:r>
-              <a:rPr lang="en-CA" dirty="0" err="1"/>
-              <a:t>pyspark.ml.linalg</a:t>
-            </a:r>
-            <a:r>
-              <a:rPr lang="en-CA" dirty="0"/>
-              <a:t> (Vector)</a:t>
-            </a:r>
-          </a:p>
-          <a:p>
-            <a:pPr>
-              <a:spcBef>
-                <a:spcPts val="0"/>
-              </a:spcBef>
-              <a:spcAft>
-                <a:spcPts val="0"/>
-              </a:spcAft>
-              <a:buFont typeface="Arial" panose="020B0604020202020204" pitchFamily="34" charset="0"/>
-              <a:buChar char="•"/>
-            </a:pPr>
-            <a:r>
-              <a:rPr lang="en-CA" dirty="0"/>
-              <a:t>pyspark.ml (Pipeline)</a:t>
-            </a:r>
-          </a:p>
-          <a:p>
-            <a:pPr>
-              <a:spcBef>
-                <a:spcPts val="0"/>
-              </a:spcBef>
-              <a:spcAft>
-                <a:spcPts val="0"/>
-              </a:spcAft>
-              <a:buFont typeface="Arial" panose="020B0604020202020204" pitchFamily="34" charset="0"/>
-              <a:buChar char="•"/>
-            </a:pPr>
-            <a:r>
-              <a:rPr lang="en-CA" dirty="0" err="1"/>
-              <a:t>pyspark.ml.classification</a:t>
-            </a:r>
-            <a:r>
-              <a:rPr lang="en-CA" dirty="0"/>
-              <a:t> (</a:t>
-            </a:r>
-            <a:r>
-              <a:rPr lang="en-CA" dirty="0" err="1"/>
-              <a:t>NaiveBayes</a:t>
-            </a:r>
-            <a:r>
-              <a:rPr lang="en-CA" dirty="0"/>
-              <a:t>, </a:t>
-            </a:r>
-            <a:r>
-              <a:rPr lang="en-CA" dirty="0" err="1"/>
-              <a:t>LogisticRegression</a:t>
-            </a:r>
-            <a:r>
-              <a:rPr lang="en-CA" dirty="0"/>
-              <a:t>, </a:t>
-            </a:r>
-            <a:r>
-              <a:rPr lang="en-CA" dirty="0" err="1"/>
-              <a:t>MultilayerPerceptronClassifier</a:t>
-            </a:r>
-            <a:r>
-              <a:rPr lang="en-CA" dirty="0"/>
-              <a:t>)</a:t>
-            </a:r>
-          </a:p>
-          <a:p>
-            <a:pPr>
-              <a:spcBef>
-                <a:spcPts val="0"/>
-              </a:spcBef>
-              <a:spcAft>
-                <a:spcPts val="0"/>
-              </a:spcAft>
-              <a:buFont typeface="Arial" panose="020B0604020202020204" pitchFamily="34" charset="0"/>
-              <a:buChar char="•"/>
-            </a:pPr>
-            <a:r>
-              <a:rPr lang="en-CA" dirty="0" err="1"/>
-              <a:t>pyspark.ml.evaluation</a:t>
-            </a:r>
-            <a:r>
-              <a:rPr lang="en-CA" dirty="0"/>
-              <a:t> (</a:t>
-            </a:r>
-            <a:r>
-              <a:rPr lang="en-CA" dirty="0" err="1"/>
-              <a:t>MulticlassClassificationEvaluator</a:t>
-            </a:r>
-            <a:r>
-              <a:rPr lang="en-CA" dirty="0"/>
-              <a:t>)</a:t>
-            </a:r>
-          </a:p>
-        </p:txBody>
-      </p:sp>
+          <p:cNvGraphicFramePr>
+            <a:graphicFrameLocks noGrp="1"/>
+          </p:cNvGraphicFramePr>
+          <p:nvPr>
+            <p:extLst>
+              <p:ext uri="{D42A27DB-BD31-4B8C-83A1-F6EECF244321}">
+                <p14:modId xmlns:p14="http://schemas.microsoft.com/office/powerpoint/2010/main" val="746676847"/>
+              </p:ext>
+            </p:extLst>
+          </p:nvPr>
+        </p:nvGraphicFramePr>
+        <p:xfrm>
+          <a:off x="1181101" y="2811780"/>
+          <a:ext cx="7534978" cy="3553460"/>
+        </p:xfrm>
+        <a:graphic>
+          <a:graphicData uri="http://schemas.openxmlformats.org/drawingml/2006/table">
+            <a:tbl>
+              <a:tblPr firstRow="1" bandRow="1">
+                <a:tableStyleId>{5C22544A-7EE6-4342-B048-85BDC9FD1C3A}</a:tableStyleId>
+              </a:tblPr>
+              <a:tblGrid>
+                <a:gridCol w="1387128">
+                  <a:extLst>
+                    <a:ext uri="{9D8B030D-6E8A-4147-A177-3AD203B41FA5}">
+                      <a16:colId xmlns:a16="http://schemas.microsoft.com/office/drawing/2014/main" val="3158589833"/>
+                    </a:ext>
+                  </a:extLst>
+                </a:gridCol>
+                <a:gridCol w="2061596">
+                  <a:extLst>
+                    <a:ext uri="{9D8B030D-6E8A-4147-A177-3AD203B41FA5}">
+                      <a16:colId xmlns:a16="http://schemas.microsoft.com/office/drawing/2014/main" val="1060516589"/>
+                    </a:ext>
+                  </a:extLst>
+                </a:gridCol>
+                <a:gridCol w="4086254">
+                  <a:extLst>
+                    <a:ext uri="{9D8B030D-6E8A-4147-A177-3AD203B41FA5}">
+                      <a16:colId xmlns:a16="http://schemas.microsoft.com/office/drawing/2014/main" val="700239988"/>
+                    </a:ext>
+                  </a:extLst>
+                </a:gridCol>
+              </a:tblGrid>
+              <a:tr h="522016">
+                <a:tc gridSpan="3">
+                  <a:txBody>
+                    <a:bodyPr/>
+                    <a:lstStyle/>
+                    <a:p>
+                      <a:r>
+                        <a:rPr lang="en-CA" sz="2800" dirty="0"/>
+                        <a:t>Libraries</a:t>
+                      </a:r>
+                      <a:endParaRPr lang="en-CA" dirty="0"/>
+                    </a:p>
+                  </a:txBody>
+                  <a:tcPr/>
+                </a:tc>
+                <a:tc hMerge="1">
+                  <a:txBody>
+                    <a:bodyPr/>
+                    <a:lstStyle/>
+                    <a:p>
+                      <a:endParaRPr lang="en-CA" dirty="0"/>
+                    </a:p>
+                  </a:txBody>
+                  <a:tcPr/>
+                </a:tc>
+                <a:tc hMerge="1">
+                  <a:txBody>
+                    <a:bodyPr/>
+                    <a:lstStyle/>
+                    <a:p>
+                      <a:endParaRPr lang="en-CA" dirty="0"/>
+                    </a:p>
+                  </a:txBody>
+                  <a:tcPr/>
+                </a:tc>
+                <a:extLst>
+                  <a:ext uri="{0D108BD9-81ED-4DB2-BD59-A6C34878D82A}">
+                    <a16:rowId xmlns:a16="http://schemas.microsoft.com/office/drawing/2014/main" val="967727483"/>
+                  </a:ext>
+                </a:extLst>
+              </a:tr>
+              <a:tr h="214948">
+                <a:tc>
+                  <a:txBody>
+                    <a:bodyPr/>
+                    <a:lstStyle/>
+                    <a:p>
+                      <a:r>
+                        <a:rPr lang="en-CA" sz="1400" dirty="0"/>
+                        <a:t>Pandas</a:t>
+                      </a:r>
+                    </a:p>
+                  </a:txBody>
+                  <a:tcPr marL="36000" marR="36000" marT="0" marB="0"/>
+                </a:tc>
+                <a:tc>
+                  <a:txBody>
+                    <a:bodyPr/>
+                    <a:lstStyle/>
+                    <a:p>
+                      <a:r>
+                        <a:rPr lang="en-CA" sz="1400" dirty="0"/>
+                        <a:t>--</a:t>
+                      </a:r>
+                    </a:p>
+                  </a:txBody>
+                  <a:tcPr marL="36000" marR="36000" marT="0" marB="0"/>
+                </a:tc>
+                <a:tc>
+                  <a:txBody>
+                    <a:bodyPr/>
+                    <a:lstStyle/>
+                    <a:p>
+                      <a:r>
+                        <a:rPr lang="en-CA" sz="1400" dirty="0"/>
+                        <a:t>--</a:t>
+                      </a:r>
+                    </a:p>
+                  </a:txBody>
+                  <a:tcPr marL="36000" marR="36000" marT="0" marB="0"/>
+                </a:tc>
+                <a:extLst>
+                  <a:ext uri="{0D108BD9-81ED-4DB2-BD59-A6C34878D82A}">
+                    <a16:rowId xmlns:a16="http://schemas.microsoft.com/office/drawing/2014/main" val="3402510472"/>
+                  </a:ext>
+                </a:extLst>
+              </a:tr>
+              <a:tr h="229449">
+                <a:tc>
+                  <a:txBody>
+                    <a:bodyPr/>
+                    <a:lstStyle/>
+                    <a:p>
+                      <a:r>
+                        <a:rPr lang="en-CA" sz="1400" dirty="0" err="1"/>
+                        <a:t>nltk</a:t>
+                      </a:r>
+                      <a:endParaRPr lang="en-CA" sz="1400" dirty="0"/>
+                    </a:p>
+                  </a:txBody>
+                  <a:tcPr marL="36000" marR="36000" marT="0" marB="0"/>
+                </a:tc>
+                <a:tc>
+                  <a:txBody>
+                    <a:bodyPr/>
+                    <a:lstStyle/>
+                    <a:p>
+                      <a:r>
+                        <a:rPr lang="en-CA" sz="1400" dirty="0"/>
+                        <a:t>--</a:t>
+                      </a:r>
+                    </a:p>
+                  </a:txBody>
+                  <a:tcPr marL="36000" marR="36000" marT="0" marB="0"/>
+                </a:tc>
+                <a:tc>
+                  <a:txBody>
+                    <a:bodyPr/>
+                    <a:lstStyle/>
+                    <a:p>
+                      <a:r>
+                        <a:rPr lang="en-CA" sz="1400" dirty="0"/>
+                        <a:t>--</a:t>
+                      </a:r>
+                    </a:p>
+                  </a:txBody>
+                  <a:tcPr marL="36000" marR="36000" marT="0" marB="0"/>
+                </a:tc>
+                <a:extLst>
+                  <a:ext uri="{0D108BD9-81ED-4DB2-BD59-A6C34878D82A}">
+                    <a16:rowId xmlns:a16="http://schemas.microsoft.com/office/drawing/2014/main" val="1648359301"/>
+                  </a:ext>
+                </a:extLst>
+              </a:tr>
+              <a:tr h="261008">
+                <a:tc>
+                  <a:txBody>
+                    <a:bodyPr/>
+                    <a:lstStyle/>
+                    <a:p>
+                      <a:pPr marL="0" marR="0" lvl="0" indent="0" algn="l" defTabSz="914400" rtl="0" eaLnBrk="1" fontAlgn="auto" latinLnBrk="0" hangingPunct="1">
+                        <a:lnSpc>
+                          <a:spcPct val="100000"/>
+                        </a:lnSpc>
+                        <a:spcBef>
+                          <a:spcPts val="0"/>
+                        </a:spcBef>
+                        <a:spcAft>
+                          <a:spcPts val="0"/>
+                        </a:spcAft>
+                        <a:buClrTx/>
+                        <a:buSzTx/>
+                        <a:buFontTx/>
+                        <a:buNone/>
+                        <a:tabLst/>
+                        <a:defRPr/>
+                      </a:pPr>
+                      <a:r>
+                        <a:rPr lang="en-CA" sz="1400" dirty="0" err="1"/>
+                        <a:t>nltk.stem</a:t>
+                      </a:r>
+                      <a:r>
+                        <a:rPr lang="en-CA" sz="1400" dirty="0"/>
+                        <a:t> :</a:t>
+                      </a:r>
+                    </a:p>
+                  </a:txBody>
+                  <a:tcPr marL="36000" marR="36000" marT="0" marB="0"/>
+                </a:tc>
+                <a:tc>
+                  <a:txBody>
+                    <a:bodyPr/>
+                    <a:lstStyle/>
+                    <a:p>
+                      <a:pPr marL="0" marR="0" lvl="0" indent="0" algn="l" defTabSz="914400" rtl="0" eaLnBrk="1" fontAlgn="auto" latinLnBrk="0" hangingPunct="1">
+                        <a:lnSpc>
+                          <a:spcPct val="100000"/>
+                        </a:lnSpc>
+                        <a:spcBef>
+                          <a:spcPts val="0"/>
+                        </a:spcBef>
+                        <a:spcAft>
+                          <a:spcPts val="0"/>
+                        </a:spcAft>
+                        <a:buClrTx/>
+                        <a:buSzTx/>
+                        <a:buFontTx/>
+                        <a:buNone/>
+                        <a:tabLst/>
+                        <a:defRPr/>
+                      </a:pPr>
+                      <a:r>
+                        <a:rPr lang="en-CA" sz="1400" dirty="0" err="1"/>
+                        <a:t>PorterStemmer</a:t>
+                      </a:r>
+                      <a:endParaRPr lang="en-CA" sz="1400" dirty="0"/>
+                    </a:p>
+                  </a:txBody>
+                  <a:tcPr marL="36000" marR="36000" marT="0" marB="0"/>
+                </a:tc>
+                <a:tc>
+                  <a:txBody>
+                    <a:bodyPr/>
+                    <a:lstStyle/>
+                    <a:p>
+                      <a:pPr marL="0" marR="0" lvl="0" indent="0" algn="l" defTabSz="914400" rtl="0" eaLnBrk="1" fontAlgn="auto" latinLnBrk="0" hangingPunct="1">
+                        <a:lnSpc>
+                          <a:spcPct val="100000"/>
+                        </a:lnSpc>
+                        <a:spcBef>
+                          <a:spcPts val="0"/>
+                        </a:spcBef>
+                        <a:spcAft>
+                          <a:spcPts val="0"/>
+                        </a:spcAft>
+                        <a:buClrTx/>
+                        <a:buSzTx/>
+                        <a:buFontTx/>
+                        <a:buNone/>
+                        <a:tabLst/>
+                        <a:defRPr/>
+                      </a:pPr>
+                      <a:r>
+                        <a:rPr lang="en-CA" sz="1400" dirty="0"/>
+                        <a:t>--</a:t>
+                      </a:r>
+                    </a:p>
+                  </a:txBody>
+                  <a:tcPr marL="36000" marR="36000" marT="0" marB="0"/>
+                </a:tc>
+                <a:extLst>
+                  <a:ext uri="{0D108BD9-81ED-4DB2-BD59-A6C34878D82A}">
+                    <a16:rowId xmlns:a16="http://schemas.microsoft.com/office/drawing/2014/main" val="42264139"/>
+                  </a:ext>
+                </a:extLst>
+              </a:tr>
+              <a:tr h="253331">
+                <a:tc>
+                  <a:txBody>
+                    <a:bodyPr/>
+                    <a:lstStyle/>
+                    <a:p>
+                      <a:r>
+                        <a:rPr lang="en-CA" sz="1400" dirty="0"/>
+                        <a:t>String</a:t>
+                      </a:r>
+                    </a:p>
+                  </a:txBody>
+                  <a:tcPr marL="36000" marR="36000" marT="0" marB="0"/>
+                </a:tc>
+                <a:tc>
+                  <a:txBody>
+                    <a:bodyPr/>
+                    <a:lstStyle/>
+                    <a:p>
+                      <a:r>
+                        <a:rPr lang="en-CA" sz="1400" dirty="0"/>
+                        <a:t>--</a:t>
+                      </a:r>
+                    </a:p>
+                  </a:txBody>
+                  <a:tcPr marL="36000" marR="36000" marT="0" marB="0"/>
+                </a:tc>
+                <a:tc>
+                  <a:txBody>
+                    <a:bodyPr/>
+                    <a:lstStyle/>
+                    <a:p>
+                      <a:r>
+                        <a:rPr lang="en-CA" sz="1400" dirty="0"/>
+                        <a:t>--</a:t>
+                      </a:r>
+                    </a:p>
+                  </a:txBody>
+                  <a:tcPr marL="36000" marR="36000" marT="0" marB="0"/>
+                </a:tc>
+                <a:extLst>
+                  <a:ext uri="{0D108BD9-81ED-4DB2-BD59-A6C34878D82A}">
+                    <a16:rowId xmlns:a16="http://schemas.microsoft.com/office/drawing/2014/main" val="421355364"/>
+                  </a:ext>
+                </a:extLst>
+              </a:tr>
+              <a:tr h="245654">
+                <a:tc>
+                  <a:txBody>
+                    <a:bodyPr/>
+                    <a:lstStyle/>
+                    <a:p>
+                      <a:r>
+                        <a:rPr lang="en-CA" sz="1400" dirty="0"/>
+                        <a:t>Re</a:t>
+                      </a:r>
+                    </a:p>
+                  </a:txBody>
+                  <a:tcPr marL="36000" marR="36000" marT="0" marB="0"/>
+                </a:tc>
+                <a:tc>
+                  <a:txBody>
+                    <a:bodyPr/>
+                    <a:lstStyle/>
+                    <a:p>
+                      <a:r>
+                        <a:rPr lang="en-CA" sz="1400" dirty="0"/>
+                        <a:t>--</a:t>
+                      </a:r>
+                    </a:p>
+                  </a:txBody>
+                  <a:tcPr marL="36000" marR="36000" marT="0" marB="0"/>
+                </a:tc>
+                <a:tc>
+                  <a:txBody>
+                    <a:bodyPr/>
+                    <a:lstStyle/>
+                    <a:p>
+                      <a:r>
+                        <a:rPr lang="en-CA" sz="1400" dirty="0"/>
+                        <a:t>--</a:t>
+                      </a:r>
+                    </a:p>
+                  </a:txBody>
+                  <a:tcPr marL="36000" marR="36000" marT="0" marB="0"/>
+                </a:tc>
+                <a:extLst>
+                  <a:ext uri="{0D108BD9-81ED-4DB2-BD59-A6C34878D82A}">
+                    <a16:rowId xmlns:a16="http://schemas.microsoft.com/office/drawing/2014/main" val="3675972903"/>
+                  </a:ext>
+                </a:extLst>
+              </a:tr>
+              <a:tr h="245654">
+                <a:tc>
+                  <a:txBody>
+                    <a:bodyPr/>
+                    <a:lstStyle/>
+                    <a:p>
+                      <a:r>
+                        <a:rPr lang="en-CA" sz="1400" dirty="0" err="1"/>
+                        <a:t>PySpark.sql</a:t>
+                      </a:r>
+                      <a:endParaRPr lang="en-CA" sz="1400" dirty="0"/>
+                    </a:p>
+                  </a:txBody>
+                  <a:tcPr marL="36000" marR="36000" marT="0" marB="0"/>
+                </a:tc>
+                <a:tc>
+                  <a:txBody>
+                    <a:bodyPr/>
+                    <a:lstStyle/>
+                    <a:p>
+                      <a:r>
+                        <a:rPr lang="en-CA" sz="1400" dirty="0"/>
+                        <a:t>--</a:t>
+                      </a:r>
+                    </a:p>
+                  </a:txBody>
+                  <a:tcPr marL="36000" marR="36000" marT="0" marB="0"/>
+                </a:tc>
+                <a:tc>
+                  <a:txBody>
+                    <a:bodyPr/>
+                    <a:lstStyle/>
+                    <a:p>
+                      <a:r>
+                        <a:rPr lang="en-CA" sz="1400" dirty="0"/>
+                        <a:t>--</a:t>
+                      </a:r>
+                    </a:p>
+                  </a:txBody>
+                  <a:tcPr marL="36000" marR="36000" marT="0" marB="0"/>
+                </a:tc>
+                <a:extLst>
+                  <a:ext uri="{0D108BD9-81ED-4DB2-BD59-A6C34878D82A}">
+                    <a16:rowId xmlns:a16="http://schemas.microsoft.com/office/drawing/2014/main" val="2656838137"/>
+                  </a:ext>
+                </a:extLst>
+              </a:tr>
+              <a:tr h="237978">
+                <a:tc>
+                  <a:txBody>
+                    <a:bodyPr/>
+                    <a:lstStyle/>
+                    <a:p>
+                      <a:r>
+                        <a:rPr lang="en-CA" sz="1400" dirty="0"/>
+                        <a:t>PySpark.ml</a:t>
+                      </a:r>
+                    </a:p>
+                  </a:txBody>
+                  <a:tcPr marL="36000" marR="36000" marT="0" marB="0"/>
+                </a:tc>
+                <a:tc>
+                  <a:txBody>
+                    <a:bodyPr/>
+                    <a:lstStyle/>
+                    <a:p>
+                      <a:pPr marL="0" marR="0" lvl="0" indent="0" algn="l" defTabSz="914400" rtl="0" eaLnBrk="1" fontAlgn="auto" latinLnBrk="0" hangingPunct="1">
+                        <a:lnSpc>
+                          <a:spcPct val="100000"/>
+                        </a:lnSpc>
+                        <a:spcBef>
+                          <a:spcPts val="0"/>
+                        </a:spcBef>
+                        <a:spcAft>
+                          <a:spcPts val="0"/>
+                        </a:spcAft>
+                        <a:buClrTx/>
+                        <a:buSzTx/>
+                        <a:buFontTx/>
+                        <a:buNone/>
+                        <a:tabLst/>
+                        <a:defRPr/>
+                      </a:pPr>
+                      <a:r>
+                        <a:rPr lang="en-CA" sz="1400" dirty="0"/>
+                        <a:t>Pipeline</a:t>
+                      </a:r>
+                    </a:p>
+                  </a:txBody>
+                  <a:tcPr marL="36000" marR="36000" marT="0" marB="0"/>
+                </a:tc>
+                <a:tc>
+                  <a:txBody>
+                    <a:bodyPr/>
+                    <a:lstStyle/>
+                    <a:p>
+                      <a:r>
+                        <a:rPr lang="en-CA" sz="1400" dirty="0"/>
+                        <a:t>--</a:t>
+                      </a:r>
+                    </a:p>
+                  </a:txBody>
+                  <a:tcPr marL="36000" marR="36000" marT="0" marB="0"/>
+                </a:tc>
+                <a:extLst>
+                  <a:ext uri="{0D108BD9-81ED-4DB2-BD59-A6C34878D82A}">
+                    <a16:rowId xmlns:a16="http://schemas.microsoft.com/office/drawing/2014/main" val="2247049402"/>
+                  </a:ext>
+                </a:extLst>
+              </a:tr>
+              <a:tr h="429895">
+                <a:tc>
+                  <a:txBody>
+                    <a:bodyPr/>
+                    <a:lstStyle/>
+                    <a:p>
+                      <a:r>
+                        <a:rPr lang="en-CA" sz="1400" dirty="0"/>
+                        <a:t>PySpark.ml.</a:t>
+                      </a:r>
+                    </a:p>
+                  </a:txBody>
+                  <a:tcPr marL="36000" marR="36000" marT="0" marB="0"/>
+                </a:tc>
+                <a:tc>
+                  <a:txBody>
+                    <a:bodyPr/>
+                    <a:lstStyle/>
+                    <a:p>
+                      <a:r>
+                        <a:rPr lang="en-CA" sz="1400" dirty="0"/>
+                        <a:t>.feature :</a:t>
+                      </a:r>
+                    </a:p>
+                  </a:txBody>
+                  <a:tcPr marL="36000" marR="36000" marT="0" marB="0"/>
+                </a:tc>
+                <a:tc>
+                  <a:txBody>
+                    <a:bodyPr/>
+                    <a:lstStyle/>
+                    <a:p>
+                      <a:pPr marL="0" marR="0" lvl="0" indent="0" algn="l" defTabSz="914400" rtl="0" eaLnBrk="1" fontAlgn="auto" latinLnBrk="0" hangingPunct="1">
+                        <a:lnSpc>
+                          <a:spcPct val="100000"/>
+                        </a:lnSpc>
+                        <a:spcBef>
+                          <a:spcPts val="0"/>
+                        </a:spcBef>
+                        <a:spcAft>
+                          <a:spcPts val="0"/>
+                        </a:spcAft>
+                        <a:buClrTx/>
+                        <a:buSzTx/>
+                        <a:buFontTx/>
+                        <a:buNone/>
+                        <a:tabLst/>
+                        <a:defRPr/>
+                      </a:pPr>
+                      <a:r>
+                        <a:rPr lang="en-CA" sz="1400" dirty="0" err="1"/>
+                        <a:t>HashingTF</a:t>
+                      </a:r>
+                      <a:r>
+                        <a:rPr lang="en-CA" sz="1400" dirty="0"/>
+                        <a:t>, IDF, </a:t>
+                      </a:r>
+                      <a:r>
+                        <a:rPr lang="en-CA" sz="1400" dirty="0" err="1"/>
+                        <a:t>StringIndexer</a:t>
+                      </a:r>
+                      <a:r>
+                        <a:rPr lang="en-CA" sz="1400" dirty="0"/>
+                        <a:t>, </a:t>
+                      </a:r>
+                      <a:r>
+                        <a:rPr lang="en-CA" sz="1400" dirty="0" err="1"/>
+                        <a:t>CountVectorizer</a:t>
+                      </a:r>
+                      <a:r>
+                        <a:rPr lang="en-CA" sz="1400" dirty="0"/>
+                        <a:t>, </a:t>
+                      </a:r>
+                      <a:r>
+                        <a:rPr lang="en-CA" sz="1400" dirty="0" err="1"/>
+                        <a:t>VectorAssembler</a:t>
+                      </a:r>
+                      <a:endParaRPr lang="en-CA" sz="1400" dirty="0"/>
+                    </a:p>
+                  </a:txBody>
+                  <a:tcPr marL="36000" marR="36000" marT="0" marB="0"/>
+                </a:tc>
+                <a:extLst>
+                  <a:ext uri="{0D108BD9-81ED-4DB2-BD59-A6C34878D82A}">
+                    <a16:rowId xmlns:a16="http://schemas.microsoft.com/office/drawing/2014/main" val="3653490582"/>
+                  </a:ext>
+                </a:extLst>
+              </a:tr>
+              <a:tr h="237978">
+                <a:tc>
+                  <a:txBody>
+                    <a:bodyPr/>
+                    <a:lstStyle/>
+                    <a:p>
+                      <a:pPr marL="0" marR="0" lvl="0" indent="0" algn="l" defTabSz="914400" rtl="0" eaLnBrk="1" fontAlgn="auto" latinLnBrk="0" hangingPunct="1">
+                        <a:lnSpc>
+                          <a:spcPct val="100000"/>
+                        </a:lnSpc>
+                        <a:spcBef>
+                          <a:spcPts val="0"/>
+                        </a:spcBef>
+                        <a:spcAft>
+                          <a:spcPts val="0"/>
+                        </a:spcAft>
+                        <a:buClrTx/>
+                        <a:buSzTx/>
+                        <a:buFontTx/>
+                        <a:buNone/>
+                        <a:tabLst/>
+                        <a:defRPr/>
+                      </a:pPr>
+                      <a:r>
+                        <a:rPr lang="en-CA" sz="1400" dirty="0"/>
+                        <a:t>PySpark.ml.</a:t>
+                      </a:r>
+                    </a:p>
+                  </a:txBody>
+                  <a:tcPr marL="36000" marR="36000" marT="0" marB="0"/>
+                </a:tc>
+                <a:tc>
+                  <a:txBody>
+                    <a:bodyPr/>
+                    <a:lstStyle/>
+                    <a:p>
+                      <a:r>
+                        <a:rPr lang="en-CA" sz="1400" dirty="0"/>
+                        <a:t>.</a:t>
+                      </a:r>
+                      <a:r>
+                        <a:rPr lang="en-CA" sz="1400" dirty="0" err="1"/>
+                        <a:t>linalg</a:t>
+                      </a:r>
+                      <a:r>
+                        <a:rPr lang="en-CA" sz="1400" dirty="0"/>
+                        <a:t> :</a:t>
+                      </a:r>
+                    </a:p>
+                  </a:txBody>
+                  <a:tcPr marL="36000" marR="36000" marT="0" marB="0"/>
+                </a:tc>
+                <a:tc>
+                  <a:txBody>
+                    <a:bodyPr/>
+                    <a:lstStyle/>
+                    <a:p>
+                      <a:r>
+                        <a:rPr lang="en-CA" sz="1400" dirty="0"/>
+                        <a:t>Vector</a:t>
+                      </a:r>
+                    </a:p>
+                  </a:txBody>
+                  <a:tcPr marL="36000" marR="36000" marT="0" marB="0"/>
+                </a:tc>
+                <a:extLst>
+                  <a:ext uri="{0D108BD9-81ED-4DB2-BD59-A6C34878D82A}">
+                    <a16:rowId xmlns:a16="http://schemas.microsoft.com/office/drawing/2014/main" val="787876921"/>
+                  </a:ext>
+                </a:extLst>
+              </a:tr>
+              <a:tr h="429895">
+                <a:tc>
+                  <a:txBody>
+                    <a:bodyPr/>
+                    <a:lstStyle/>
+                    <a:p>
+                      <a:pPr marL="0" marR="0" lvl="0" indent="0" algn="l" defTabSz="914400" rtl="0" eaLnBrk="1" fontAlgn="auto" latinLnBrk="0" hangingPunct="1">
+                        <a:lnSpc>
+                          <a:spcPct val="100000"/>
+                        </a:lnSpc>
+                        <a:spcBef>
+                          <a:spcPts val="0"/>
+                        </a:spcBef>
+                        <a:spcAft>
+                          <a:spcPts val="0"/>
+                        </a:spcAft>
+                        <a:buClrTx/>
+                        <a:buSzTx/>
+                        <a:buFontTx/>
+                        <a:buNone/>
+                        <a:tabLst/>
+                        <a:defRPr/>
+                      </a:pPr>
+                      <a:r>
+                        <a:rPr lang="en-CA" sz="1400" dirty="0"/>
+                        <a:t>PySpark.ml.</a:t>
+                      </a:r>
+                    </a:p>
+                  </a:txBody>
+                  <a:tcPr marL="36000" marR="36000" marT="0" marB="0"/>
+                </a:tc>
+                <a:tc>
+                  <a:txBody>
+                    <a:bodyPr/>
+                    <a:lstStyle/>
+                    <a:p>
+                      <a:r>
+                        <a:rPr lang="en-CA" sz="1400" dirty="0"/>
+                        <a:t>.classification :</a:t>
+                      </a:r>
+                    </a:p>
+                  </a:txBody>
+                  <a:tcPr marL="36000" marR="36000" marT="0" marB="0"/>
+                </a:tc>
+                <a:tc>
+                  <a:txBody>
+                    <a:bodyPr/>
+                    <a:lstStyle/>
+                    <a:p>
+                      <a:r>
+                        <a:rPr lang="en-CA" sz="1400" dirty="0" err="1"/>
+                        <a:t>NaiveBayes</a:t>
+                      </a:r>
+                      <a:r>
+                        <a:rPr lang="en-CA" sz="1400" dirty="0"/>
+                        <a:t>, </a:t>
+                      </a:r>
+                      <a:r>
+                        <a:rPr lang="en-CA" sz="1400" dirty="0" err="1"/>
+                        <a:t>LogisticRegression</a:t>
+                      </a:r>
+                      <a:r>
+                        <a:rPr lang="en-CA" sz="1400" dirty="0"/>
+                        <a:t>, </a:t>
+                      </a:r>
+                      <a:r>
+                        <a:rPr lang="en-CA" sz="1400" dirty="0" err="1"/>
+                        <a:t>MultilayerPerceptronClassifier</a:t>
+                      </a:r>
+                      <a:endParaRPr lang="en-CA" sz="1400" dirty="0"/>
+                    </a:p>
+                  </a:txBody>
+                  <a:tcPr marL="36000" marR="36000" marT="0" marB="0"/>
+                </a:tc>
+                <a:extLst>
+                  <a:ext uri="{0D108BD9-81ED-4DB2-BD59-A6C34878D82A}">
+                    <a16:rowId xmlns:a16="http://schemas.microsoft.com/office/drawing/2014/main" val="4251407347"/>
+                  </a:ext>
+                </a:extLst>
+              </a:tr>
+              <a:tr h="245654">
+                <a:tc>
+                  <a:txBody>
+                    <a:bodyPr/>
+                    <a:lstStyle/>
+                    <a:p>
+                      <a:pPr marL="0" marR="0" lvl="0" indent="0" algn="l" defTabSz="914400" rtl="0" eaLnBrk="1" fontAlgn="auto" latinLnBrk="0" hangingPunct="1">
+                        <a:lnSpc>
+                          <a:spcPct val="100000"/>
+                        </a:lnSpc>
+                        <a:spcBef>
+                          <a:spcPts val="0"/>
+                        </a:spcBef>
+                        <a:spcAft>
+                          <a:spcPts val="0"/>
+                        </a:spcAft>
+                        <a:buClrTx/>
+                        <a:buSzTx/>
+                        <a:buFontTx/>
+                        <a:buNone/>
+                        <a:tabLst/>
+                        <a:defRPr/>
+                      </a:pPr>
+                      <a:r>
+                        <a:rPr lang="en-CA" sz="1400" dirty="0"/>
+                        <a:t>PySpark.ml.</a:t>
+                      </a:r>
+                    </a:p>
+                  </a:txBody>
+                  <a:tcPr marL="36000" marR="36000" marT="0" marB="0"/>
+                </a:tc>
+                <a:tc>
+                  <a:txBody>
+                    <a:bodyPr/>
+                    <a:lstStyle/>
+                    <a:p>
+                      <a:r>
+                        <a:rPr lang="en-CA" sz="1400" dirty="0"/>
+                        <a:t>.evaluation :</a:t>
+                      </a:r>
+                    </a:p>
+                  </a:txBody>
+                  <a:tcPr marL="36000" marR="36000" marT="0" marB="0"/>
+                </a:tc>
+                <a:tc>
+                  <a:txBody>
+                    <a:bodyPr/>
+                    <a:lstStyle/>
+                    <a:p>
+                      <a:r>
+                        <a:rPr lang="en-CA" sz="1400" dirty="0" err="1"/>
+                        <a:t>MulticlassClassificationEvaluator</a:t>
+                      </a:r>
+                      <a:endParaRPr lang="en-CA" sz="1400" dirty="0"/>
+                    </a:p>
+                  </a:txBody>
+                  <a:tcPr marL="36000" marR="36000" marT="0" marB="0"/>
+                </a:tc>
+                <a:extLst>
+                  <a:ext uri="{0D108BD9-81ED-4DB2-BD59-A6C34878D82A}">
+                    <a16:rowId xmlns:a16="http://schemas.microsoft.com/office/drawing/2014/main" val="785773069"/>
+                  </a:ext>
+                </a:extLst>
+              </a:tr>
+            </a:tbl>
+          </a:graphicData>
+        </a:graphic>
+      </p:graphicFrame>
     </p:spTree>
     <p:extLst>
       <p:ext uri="{BB962C8B-B14F-4D97-AF65-F5344CB8AC3E}">
@@ -20542,7 +20719,7 @@
             </a:pPr>
             <a:r>
               <a:rPr lang="en-CA" sz="2800" dirty="0"/>
-              <a:t>For all the benefits of using Google Cloud Service, it turns out that Google </a:t>
+              <a:t>Despite the benefits of Google Cloud Service, Google </a:t>
             </a:r>
             <a:r>
               <a:rPr lang="en-CA" sz="2800" dirty="0" err="1"/>
@@ -20550,7 +20727,7 @@
             </a:r>
             <a:r>
               <a:rPr lang="en-CA" sz="2800" dirty="0"/>
-              <a:t> is unable to handle the volume of data our project had intended on using</a:t>
+              <a:t> was a bottleneck, and ultimately unable to perform what we intended</a:t>
             </a:r>
           </a:p>
           <a:p>
@@ -20560,7 +20737,17 @@
             </a:pPr>
             <a:r>
               <a:rPr lang="en-CA" sz="2800" dirty="0"/>
-              <a:t>If there had been more time, we may have allocated more time to researching cost-effective solutions that can handle big data and run a neural network machine learning model</a:t>
+              <a:t>Dense layers of neural networks use much more RAM than other ML models when using sparse matrices for hashed text</a:t>
+            </a:r>
+          </a:p>
+          <a:p>
+            <a:pPr>
+              <a:buFont typeface="Wingdings" panose="05000000000000000000" pitchFamily="2" charset="2"/>
+              <a:buChar char="«"/>
+            </a:pPr>
+            <a:r>
+              <a:rPr lang="en-CA" sz="2800" dirty="0"/>
+              <a:t>We may have identified cost-effective solutions that could handle big data AND run a neural network machine learning model, had there been more time</a:t>
             </a:r>
           </a:p>
         </p:txBody>
@@ -20705,7 +20892,7 @@
           <a:p>
             <a:r>
               <a:rPr lang="en-US" dirty="0"/>
-              <a:t>Recommendation for future analysis</a:t>
+              <a:t>Recommendations for future analysis</a:t>
             </a:r>
             <a:endParaRPr lang="en-CA" dirty="0"/>
           </a:p>
@@ -20832,7 +21019,7 @@
             </a:pPr>
             <a:r>
               <a:rPr lang="en-CA" sz="2800" dirty="0"/>
-              <a:t>Train and Test ML models on larger dataset</a:t>
+              <a:t>Train and test ML models on larger dataset</a:t>
             </a:r>
           </a:p>
           <a:p>
@@ -20852,7 +21039,7 @@
             </a:pPr>
             <a:r>
               <a:rPr lang="en-CA" sz="2800" dirty="0"/>
-              <a:t>After a successful run of the neural network machine learning model, apply the model to different datasets (e.g. amazon reviews, IMDb reviews, Google reviews) to see its effectiveness in predicting sentiment when applied to different data</a:t>
+              <a:t>After a successful run of the neural network machine learning model, apply the model to different datasets (e.g. amazon reviews, IMDb reviews, Google reviews) to see its effectiveness in predicting sentiment when applied to different datasets</a:t>
             </a:r>
           </a:p>
         </p:txBody>
@@ -22330,7 +22517,7 @@
         </p:xfrm>
         <a:graphic>
           <a:graphicData uri="http://schemas.openxmlformats.org/drawingml/2006/diagram">
-            <dgm:relIds xmlns:dgm="http://schemas.openxmlformats.org/drawingml/2006/diagram" xmlns:r="http://schemas.openxmlformats.org/officeDocument/2006/relationships" r:dm="rId2" r:lo="rId3" r:qs="rId4" r:cs="rId5"/>
+            <dgm:relIds xmlns:dgm="http://schemas.openxmlformats.org/drawingml/2006/diagram" xmlns:r="http://schemas.openxmlformats.org/officeDocument/2006/relationships" r:dm="rId3" r:lo="rId4" r:qs="rId5" r:cs="rId6"/>
           </a:graphicData>
         </a:graphic>
       </p:graphicFrame>

--- a/Team Xy Presentation.pptx
+++ b/Team Xy Presentation.pptx
@@ -10,18 +10,18 @@
   <p:sldIdLst>
     <p:sldId id="256" r:id="rId5"/>
     <p:sldId id="257" r:id="rId6"/>
-    <p:sldId id="258" r:id="rId7"/>
-    <p:sldId id="259" r:id="rId8"/>
-    <p:sldId id="262" r:id="rId9"/>
-    <p:sldId id="272" r:id="rId10"/>
-    <p:sldId id="260" r:id="rId11"/>
-    <p:sldId id="263" r:id="rId12"/>
-    <p:sldId id="264" r:id="rId13"/>
-    <p:sldId id="265" r:id="rId14"/>
-    <p:sldId id="273" r:id="rId15"/>
+    <p:sldId id="259" r:id="rId7"/>
+    <p:sldId id="258" r:id="rId8"/>
+    <p:sldId id="271" r:id="rId9"/>
+    <p:sldId id="262" r:id="rId10"/>
+    <p:sldId id="272" r:id="rId11"/>
+    <p:sldId id="260" r:id="rId12"/>
+    <p:sldId id="263" r:id="rId13"/>
+    <p:sldId id="264" r:id="rId14"/>
+    <p:sldId id="265" r:id="rId15"/>
     <p:sldId id="274" r:id="rId16"/>
-    <p:sldId id="267" r:id="rId17"/>
-    <p:sldId id="271" r:id="rId18"/>
+    <p:sldId id="273" r:id="rId17"/>
+    <p:sldId id="267" r:id="rId18"/>
     <p:sldId id="269" r:id="rId19"/>
     <p:sldId id="268" r:id="rId20"/>
     <p:sldId id="270" r:id="rId21"/>
@@ -12406,7 +12406,7 @@
           <a:p>
             <a:fld id="{FE07523A-9918-4474-B554-9AB7DCF0E552}" type="datetimeFigureOut">
               <a:rPr lang="en-CA" smtClean="0"/>
-              <a:t>2020-08-02</a:t>
+              <a:t>2020-08-03</a:t>
             </a:fld>
             <a:endParaRPr lang="en-CA"/>
           </a:p>
@@ -12918,7 +12918,7 @@
           <a:p>
             <a:fld id="{943012F3-EFBB-4220-B725-9B1359B19F49}" type="slidenum">
               <a:rPr lang="en-CA" smtClean="0"/>
-              <a:t>13</a:t>
+              <a:t>14</a:t>
             </a:fld>
             <a:endParaRPr lang="en-CA"/>
           </a:p>
@@ -13002,7 +13002,7 @@
           <a:p>
             <a:fld id="{943012F3-EFBB-4220-B725-9B1359B19F49}" type="slidenum">
               <a:rPr lang="en-CA" smtClean="0"/>
-              <a:t>3</a:t>
+              <a:t>4</a:t>
             </a:fld>
             <a:endParaRPr lang="en-CA"/>
           </a:p>
@@ -13086,7 +13086,7 @@
           <a:p>
             <a:fld id="{943012F3-EFBB-4220-B725-9B1359B19F49}" type="slidenum">
               <a:rPr lang="en-CA" smtClean="0"/>
-              <a:t>6</a:t>
+              <a:t>7</a:t>
             </a:fld>
             <a:endParaRPr lang="en-CA"/>
           </a:p>
@@ -13272,7 +13272,7 @@
           <a:p>
             <a:fld id="{943012F3-EFBB-4220-B725-9B1359B19F49}" type="slidenum">
               <a:rPr lang="en-CA" smtClean="0"/>
-              <a:t>7</a:t>
+              <a:t>8</a:t>
             </a:fld>
             <a:endParaRPr lang="en-CA"/>
           </a:p>
@@ -13398,7 +13398,7 @@
           <a:p>
             <a:fld id="{943012F3-EFBB-4220-B725-9B1359B19F49}" type="slidenum">
               <a:rPr lang="en-CA" smtClean="0"/>
-              <a:t>8</a:t>
+              <a:t>9</a:t>
             </a:fld>
             <a:endParaRPr lang="en-CA"/>
           </a:p>
@@ -13524,7 +13524,7 @@
           <a:p>
             <a:fld id="{943012F3-EFBB-4220-B725-9B1359B19F49}" type="slidenum">
               <a:rPr lang="en-CA" smtClean="0"/>
-              <a:t>9</a:t>
+              <a:t>10</a:t>
             </a:fld>
             <a:endParaRPr lang="en-CA"/>
           </a:p>
@@ -13650,7 +13650,7 @@
           <a:p>
             <a:fld id="{943012F3-EFBB-4220-B725-9B1359B19F49}" type="slidenum">
               <a:rPr lang="en-CA" smtClean="0"/>
-              <a:t>10</a:t>
+              <a:t>11</a:t>
             </a:fld>
             <a:endParaRPr lang="en-CA"/>
           </a:p>
@@ -13740,7 +13740,7 @@
                 <a:ea typeface="+mn-ea"/>
                 <a:cs typeface="+mn-cs"/>
               </a:rPr>
-              <a:t>Originally, we'd hoped to build a model for predicting the exact number of stars based on NLP machine learning; however, we opted to include binary classification as well as multiclass categories where there are 3 classes in addition to 5 classes. The decision to include binary and 3-category classification was due to the model predictions were initially quite low in terms of accuracy when predicting the exact number of stars.</a:t>
+              <a:t>Detailed process is explained in the boxes above; </a:t>
             </a:r>
             <a:endParaRPr lang="en-CA" dirty="0"/>
           </a:p>
@@ -13763,7 +13763,7 @@
           <a:p>
             <a:fld id="{943012F3-EFBB-4220-B725-9B1359B19F49}" type="slidenum">
               <a:rPr lang="en-CA" smtClean="0"/>
-              <a:t>11</a:t>
+              <a:t>12</a:t>
             </a:fld>
             <a:endParaRPr lang="en-CA"/>
           </a:p>
@@ -13772,7 +13772,7 @@
     </p:spTree>
     <p:extLst>
       <p:ext uri="{BB962C8B-B14F-4D97-AF65-F5344CB8AC3E}">
-        <p14:creationId xmlns:p14="http://schemas.microsoft.com/office/powerpoint/2010/main" val="1130062079"/>
+        <p14:creationId xmlns:p14="http://schemas.microsoft.com/office/powerpoint/2010/main" val="2527776680"/>
       </p:ext>
     </p:extLst>
   </p:cSld>
@@ -13853,7 +13853,7 @@
                 <a:ea typeface="+mn-ea"/>
                 <a:cs typeface="+mn-cs"/>
               </a:rPr>
-              <a:t>Detailed process is explained in the boxes above; </a:t>
+              <a:t>Originally, we'd hoped to build a model for predicting the exact number of stars based on NLP machine learning; however, we opted to include binary classification as well as multiclass categories where there are 3 classes in addition to 5 classes. The decision to include binary and 3-category classification was due to the model predictions were initially quite low in terms of accuracy when predicting the exact number of stars.</a:t>
             </a:r>
             <a:endParaRPr lang="en-CA" dirty="0"/>
           </a:p>
@@ -13876,7 +13876,7 @@
           <a:p>
             <a:fld id="{943012F3-EFBB-4220-B725-9B1359B19F49}" type="slidenum">
               <a:rPr lang="en-CA" smtClean="0"/>
-              <a:t>12</a:t>
+              <a:t>13</a:t>
             </a:fld>
             <a:endParaRPr lang="en-CA"/>
           </a:p>
@@ -13885,7 +13885,7 @@
     </p:spTree>
     <p:extLst>
       <p:ext uri="{BB962C8B-B14F-4D97-AF65-F5344CB8AC3E}">
-        <p14:creationId xmlns:p14="http://schemas.microsoft.com/office/powerpoint/2010/main" val="2527776680"/>
+        <p14:creationId xmlns:p14="http://schemas.microsoft.com/office/powerpoint/2010/main" val="1130062079"/>
       </p:ext>
     </p:extLst>
   </p:cSld>
@@ -17912,6 +17912,276 @@
       </p:sp>
       <p:pic>
         <p:nvPicPr>
+          <p:cNvPr id="13" name="Picture 12">
+            <a:extLst>
+              <a:ext uri="{FF2B5EF4-FFF2-40B4-BE49-F238E27FC236}">
+                <a16:creationId xmlns:a16="http://schemas.microsoft.com/office/drawing/2014/main" id="{BA072E5C-D54A-4CF4-BECE-9F48E1F9E2A8}"/>
+              </a:ext>
+            </a:extLst>
+          </p:cNvPr>
+          <p:cNvPicPr>
+            <a:picLocks noChangeAspect="1"/>
+          </p:cNvPicPr>
+          <p:nvPr/>
+        </p:nvPicPr>
+        <p:blipFill rotWithShape="1">
+          <a:blip r:embed="rId3"/>
+          <a:srcRect t="3582" b="1"/>
+          <a:stretch/>
+        </p:blipFill>
+        <p:spPr>
+          <a:xfrm>
+            <a:off x="6515944" y="2963783"/>
+            <a:ext cx="4730993" cy="3189995"/>
+          </a:xfrm>
+          <a:prstGeom prst="rect">
+            <a:avLst/>
+          </a:prstGeom>
+        </p:spPr>
+      </p:pic>
+      <p:pic>
+        <p:nvPicPr>
+          <p:cNvPr id="11" name="Picture 10">
+            <a:extLst>
+              <a:ext uri="{FF2B5EF4-FFF2-40B4-BE49-F238E27FC236}">
+                <a16:creationId xmlns:a16="http://schemas.microsoft.com/office/drawing/2014/main" id="{029D0A8E-0278-4B7A-B945-213B014F9209}"/>
+              </a:ext>
+            </a:extLst>
+          </p:cNvPr>
+          <p:cNvPicPr>
+            <a:picLocks noChangeAspect="1"/>
+          </p:cNvPicPr>
+          <p:nvPr/>
+        </p:nvPicPr>
+        <p:blipFill rotWithShape="1">
+          <a:blip r:embed="rId4"/>
+          <a:srcRect r="2614"/>
+          <a:stretch/>
+        </p:blipFill>
+        <p:spPr>
+          <a:xfrm>
+            <a:off x="1129486" y="2965914"/>
+            <a:ext cx="4730993" cy="3187864"/>
+          </a:xfrm>
+          <a:prstGeom prst="rect">
+            <a:avLst/>
+          </a:prstGeom>
+        </p:spPr>
+      </p:pic>
+    </p:spTree>
+    <p:extLst>
+      <p:ext uri="{BB962C8B-B14F-4D97-AF65-F5344CB8AC3E}">
+        <p14:creationId xmlns:p14="http://schemas.microsoft.com/office/powerpoint/2010/main" val="3682828029"/>
+      </p:ext>
+    </p:extLst>
+  </p:cSld>
+  <p:clrMapOvr>
+    <a:masterClrMapping/>
+  </p:clrMapOvr>
+</p:sld>
+</file>
+
+<file path=ppt/slides/slide11.xml><?xml version="1.0" encoding="utf-8"?>
+<p:sld xmlns:a="http://schemas.openxmlformats.org/drawingml/2006/main" xmlns:r="http://schemas.openxmlformats.org/officeDocument/2006/relationships" xmlns:p="http://schemas.openxmlformats.org/presentationml/2006/main">
+  <p:cSld>
+    <p:spTree>
+      <p:nvGrpSpPr>
+        <p:cNvPr id="1" name=""/>
+        <p:cNvGrpSpPr/>
+        <p:nvPr/>
+      </p:nvGrpSpPr>
+      <p:grpSpPr>
+        <a:xfrm>
+          <a:off x="0" y="0"/>
+          <a:ext cx="0" cy="0"/>
+          <a:chOff x="0" y="0"/>
+          <a:chExt cx="0" cy="0"/>
+        </a:xfrm>
+      </p:grpSpPr>
+      <p:sp>
+        <p:nvSpPr>
+          <p:cNvPr id="2" name="Title 1">
+            <a:extLst>
+              <a:ext uri="{FF2B5EF4-FFF2-40B4-BE49-F238E27FC236}">
+                <a16:creationId xmlns:a16="http://schemas.microsoft.com/office/drawing/2014/main" id="{122CF454-B4A7-43A5-823B-CAAB7B17CDEB}"/>
+              </a:ext>
+            </a:extLst>
+          </p:cNvPr>
+          <p:cNvSpPr>
+            <a:spLocks noGrp="1"/>
+          </p:cNvSpPr>
+          <p:nvPr>
+            <p:ph type="title"/>
+          </p:nvPr>
+        </p:nvSpPr>
+        <p:spPr/>
+        <p:txBody>
+          <a:bodyPr/>
+          <a:lstStyle/>
+          <a:p>
+            <a:r>
+              <a:rPr lang="en-CA" dirty="0"/>
+              <a:t>Data Exploration</a:t>
+            </a:r>
+          </a:p>
+        </p:txBody>
+      </p:sp>
+      <p:sp>
+        <p:nvSpPr>
+          <p:cNvPr id="3" name="Text Placeholder 2">
+            <a:extLst>
+              <a:ext uri="{FF2B5EF4-FFF2-40B4-BE49-F238E27FC236}">
+                <a16:creationId xmlns:a16="http://schemas.microsoft.com/office/drawing/2014/main" id="{001B9389-223D-4982-8708-BD9CD25FDB43}"/>
+              </a:ext>
+            </a:extLst>
+          </p:cNvPr>
+          <p:cNvSpPr>
+            <a:spLocks noGrp="1"/>
+          </p:cNvSpPr>
+          <p:nvPr>
+            <p:ph type="body" idx="1"/>
+          </p:nvPr>
+        </p:nvSpPr>
+        <p:spPr/>
+        <p:txBody>
+          <a:bodyPr>
+            <a:normAutofit lnSpcReduction="10000"/>
+          </a:bodyPr>
+          <a:lstStyle/>
+          <a:p>
+            <a:r>
+              <a:rPr lang="en-CA" dirty="0"/>
+              <a:t>Sample Dataset</a:t>
+            </a:r>
+            <a:br>
+              <a:rPr lang="en-CA" dirty="0"/>
+            </a:br>
+            <a:r>
+              <a:rPr lang="en-CA" dirty="0"/>
+              <a:t>(‘yelp.csv’)</a:t>
+            </a:r>
+          </a:p>
+        </p:txBody>
+      </p:sp>
+      <p:sp>
+        <p:nvSpPr>
+          <p:cNvPr id="5" name="Text Placeholder 4">
+            <a:extLst>
+              <a:ext uri="{FF2B5EF4-FFF2-40B4-BE49-F238E27FC236}">
+                <a16:creationId xmlns:a16="http://schemas.microsoft.com/office/drawing/2014/main" id="{34589841-6B01-4ACE-A3B2-5CCF26C10F1B}"/>
+              </a:ext>
+            </a:extLst>
+          </p:cNvPr>
+          <p:cNvSpPr>
+            <a:spLocks noGrp="1"/>
+          </p:cNvSpPr>
+          <p:nvPr>
+            <p:ph type="body" sz="quarter" idx="3"/>
+          </p:nvPr>
+        </p:nvSpPr>
+        <p:spPr/>
+        <p:txBody>
+          <a:bodyPr>
+            <a:normAutofit lnSpcReduction="10000"/>
+          </a:bodyPr>
+          <a:lstStyle/>
+          <a:p>
+            <a:r>
+              <a:rPr lang="en-CA" dirty="0"/>
+              <a:t>SAMPLE from Big Dataset (‘yelp_reviews.csv’)</a:t>
+            </a:r>
+          </a:p>
+        </p:txBody>
+      </p:sp>
+      <p:sp>
+        <p:nvSpPr>
+          <p:cNvPr id="7" name="Date Placeholder 6">
+            <a:extLst>
+              <a:ext uri="{FF2B5EF4-FFF2-40B4-BE49-F238E27FC236}">
+                <a16:creationId xmlns:a16="http://schemas.microsoft.com/office/drawing/2014/main" id="{B953523D-9346-4ECE-8504-3C481FD6EC45}"/>
+              </a:ext>
+            </a:extLst>
+          </p:cNvPr>
+          <p:cNvSpPr>
+            <a:spLocks noGrp="1"/>
+          </p:cNvSpPr>
+          <p:nvPr>
+            <p:ph type="dt" sz="half" idx="10"/>
+          </p:nvPr>
+        </p:nvSpPr>
+        <p:spPr/>
+        <p:txBody>
+          <a:bodyPr/>
+          <a:lstStyle/>
+          <a:p>
+            <a:r>
+              <a:rPr lang="en-US"/>
+              <a:t>August 2020</a:t>
+            </a:r>
+            <a:endParaRPr lang="en-US" dirty="0"/>
+          </a:p>
+        </p:txBody>
+      </p:sp>
+      <p:sp>
+        <p:nvSpPr>
+          <p:cNvPr id="8" name="Footer Placeholder 7">
+            <a:extLst>
+              <a:ext uri="{FF2B5EF4-FFF2-40B4-BE49-F238E27FC236}">
+                <a16:creationId xmlns:a16="http://schemas.microsoft.com/office/drawing/2014/main" id="{0DB6EF6F-F7DF-4C97-AB46-AF0115F35B28}"/>
+              </a:ext>
+            </a:extLst>
+          </p:cNvPr>
+          <p:cNvSpPr>
+            <a:spLocks noGrp="1"/>
+          </p:cNvSpPr>
+          <p:nvPr>
+            <p:ph type="ftr" sz="quarter" idx="11"/>
+          </p:nvPr>
+        </p:nvSpPr>
+        <p:spPr/>
+        <p:txBody>
+          <a:bodyPr/>
+          <a:lstStyle/>
+          <a:p>
+            <a:r>
+              <a:rPr lang="en-US"/>
+              <a:t>Team Xy: Blake Belnap, Helen Ly, Jasmeer Sangha, Karen Bennis</a:t>
+            </a:r>
+            <a:endParaRPr lang="en-US" dirty="0"/>
+          </a:p>
+        </p:txBody>
+      </p:sp>
+      <p:sp>
+        <p:nvSpPr>
+          <p:cNvPr id="9" name="Slide Number Placeholder 8">
+            <a:extLst>
+              <a:ext uri="{FF2B5EF4-FFF2-40B4-BE49-F238E27FC236}">
+                <a16:creationId xmlns:a16="http://schemas.microsoft.com/office/drawing/2014/main" id="{F19C7AC5-117A-4A35-A75D-52C0841356AB}"/>
+              </a:ext>
+            </a:extLst>
+          </p:cNvPr>
+          <p:cNvSpPr>
+            <a:spLocks noGrp="1"/>
+          </p:cNvSpPr>
+          <p:nvPr>
+            <p:ph type="sldNum" sz="quarter" idx="12"/>
+          </p:nvPr>
+        </p:nvSpPr>
+        <p:spPr/>
+        <p:txBody>
+          <a:bodyPr/>
+          <a:lstStyle/>
+          <a:p>
+            <a:fld id="{3A98EE3D-8CD1-4C3F-BD1C-C98C9596463C}" type="slidenum">
+              <a:rPr lang="en-US" smtClean="0"/>
+              <a:t>11</a:t>
+            </a:fld>
+            <a:endParaRPr lang="en-US" dirty="0"/>
+          </a:p>
+        </p:txBody>
+      </p:sp>
+      <p:pic>
+        <p:nvPicPr>
           <p:cNvPr id="12" name="Picture 11">
             <a:extLst>
               <a:ext uri="{FF2B5EF4-FFF2-40B4-BE49-F238E27FC236}">
@@ -17983,7 +18253,180 @@
 </p:sld>
 </file>
 
-<file path=ppt/slides/slide11.xml><?xml version="1.0" encoding="utf-8"?>
+<file path=ppt/slides/slide12.xml><?xml version="1.0" encoding="utf-8"?>
+<p:sld xmlns:a="http://schemas.openxmlformats.org/drawingml/2006/main" xmlns:r="http://schemas.openxmlformats.org/officeDocument/2006/relationships" xmlns:p="http://schemas.openxmlformats.org/presentationml/2006/main">
+  <p:cSld>
+    <p:spTree>
+      <p:nvGrpSpPr>
+        <p:cNvPr id="1" name=""/>
+        <p:cNvGrpSpPr/>
+        <p:nvPr/>
+      </p:nvGrpSpPr>
+      <p:grpSpPr>
+        <a:xfrm>
+          <a:off x="0" y="0"/>
+          <a:ext cx="0" cy="0"/>
+          <a:chOff x="0" y="0"/>
+          <a:chExt cx="0" cy="0"/>
+        </a:xfrm>
+      </p:grpSpPr>
+      <p:sp>
+        <p:nvSpPr>
+          <p:cNvPr id="2" name="Title 1">
+            <a:extLst>
+              <a:ext uri="{FF2B5EF4-FFF2-40B4-BE49-F238E27FC236}">
+                <a16:creationId xmlns:a16="http://schemas.microsoft.com/office/drawing/2014/main" id="{5490B7AB-D125-4380-B99A-C5C6518C98B2}"/>
+              </a:ext>
+            </a:extLst>
+          </p:cNvPr>
+          <p:cNvSpPr>
+            <a:spLocks noGrp="1"/>
+          </p:cNvSpPr>
+          <p:nvPr>
+            <p:ph type="title"/>
+          </p:nvPr>
+        </p:nvSpPr>
+        <p:spPr/>
+        <p:txBody>
+          <a:bodyPr/>
+          <a:lstStyle/>
+          <a:p>
+            <a:r>
+              <a:rPr lang="en-CA" dirty="0"/>
+              <a:t>Data Analysis</a:t>
+            </a:r>
+          </a:p>
+        </p:txBody>
+      </p:sp>
+      <p:sp>
+        <p:nvSpPr>
+          <p:cNvPr id="4" name="Date Placeholder 3">
+            <a:extLst>
+              <a:ext uri="{FF2B5EF4-FFF2-40B4-BE49-F238E27FC236}">
+                <a16:creationId xmlns:a16="http://schemas.microsoft.com/office/drawing/2014/main" id="{3FA713D1-EA9A-4D86-A141-CD3B7CEEC289}"/>
+              </a:ext>
+            </a:extLst>
+          </p:cNvPr>
+          <p:cNvSpPr>
+            <a:spLocks noGrp="1"/>
+          </p:cNvSpPr>
+          <p:nvPr>
+            <p:ph type="dt" sz="half" idx="10"/>
+          </p:nvPr>
+        </p:nvSpPr>
+        <p:spPr/>
+        <p:txBody>
+          <a:bodyPr/>
+          <a:lstStyle/>
+          <a:p>
+            <a:r>
+              <a:rPr lang="en-US"/>
+              <a:t>August 2020</a:t>
+            </a:r>
+            <a:endParaRPr lang="en-US" dirty="0"/>
+          </a:p>
+        </p:txBody>
+      </p:sp>
+      <p:sp>
+        <p:nvSpPr>
+          <p:cNvPr id="5" name="Footer Placeholder 4">
+            <a:extLst>
+              <a:ext uri="{FF2B5EF4-FFF2-40B4-BE49-F238E27FC236}">
+                <a16:creationId xmlns:a16="http://schemas.microsoft.com/office/drawing/2014/main" id="{61DAE74E-F6DA-46E3-B125-A321D434B6CD}"/>
+              </a:ext>
+            </a:extLst>
+          </p:cNvPr>
+          <p:cNvSpPr>
+            <a:spLocks noGrp="1"/>
+          </p:cNvSpPr>
+          <p:nvPr>
+            <p:ph type="ftr" sz="quarter" idx="11"/>
+          </p:nvPr>
+        </p:nvSpPr>
+        <p:spPr/>
+        <p:txBody>
+          <a:bodyPr/>
+          <a:lstStyle/>
+          <a:p>
+            <a:r>
+              <a:rPr lang="en-US"/>
+              <a:t>Team Xy: Blake Belnap, Helen Ly, Jasmeer Sangha, Karen Bennis</a:t>
+            </a:r>
+            <a:endParaRPr lang="en-US" dirty="0"/>
+          </a:p>
+        </p:txBody>
+      </p:sp>
+      <p:sp>
+        <p:nvSpPr>
+          <p:cNvPr id="6" name="Slide Number Placeholder 5">
+            <a:extLst>
+              <a:ext uri="{FF2B5EF4-FFF2-40B4-BE49-F238E27FC236}">
+                <a16:creationId xmlns:a16="http://schemas.microsoft.com/office/drawing/2014/main" id="{FAA4A434-CD86-4E00-8640-40136392DA96}"/>
+              </a:ext>
+            </a:extLst>
+          </p:cNvPr>
+          <p:cNvSpPr>
+            <a:spLocks noGrp="1"/>
+          </p:cNvSpPr>
+          <p:nvPr>
+            <p:ph type="sldNum" sz="quarter" idx="12"/>
+          </p:nvPr>
+        </p:nvSpPr>
+        <p:spPr/>
+        <p:txBody>
+          <a:bodyPr/>
+          <a:lstStyle/>
+          <a:p>
+            <a:fld id="{3A98EE3D-8CD1-4C3F-BD1C-C98C9596463C}" type="slidenum">
+              <a:rPr lang="en-US" smtClean="0"/>
+              <a:t>12</a:t>
+            </a:fld>
+            <a:endParaRPr lang="en-US" dirty="0"/>
+          </a:p>
+        </p:txBody>
+      </p:sp>
+      <p:graphicFrame>
+        <p:nvGraphicFramePr>
+          <p:cNvPr id="3" name="Diagram 2">
+            <a:extLst>
+              <a:ext uri="{FF2B5EF4-FFF2-40B4-BE49-F238E27FC236}">
+                <a16:creationId xmlns:a16="http://schemas.microsoft.com/office/drawing/2014/main" id="{E15588DE-F156-4563-9FF4-7268D3637DD4}"/>
+              </a:ext>
+            </a:extLst>
+          </p:cNvPr>
+          <p:cNvGraphicFramePr/>
+          <p:nvPr>
+            <p:extLst>
+              <p:ext uri="{D42A27DB-BD31-4B8C-83A1-F6EECF244321}">
+                <p14:modId xmlns:p14="http://schemas.microsoft.com/office/powerpoint/2010/main" val="3997147525"/>
+              </p:ext>
+            </p:extLst>
+          </p:nvPr>
+        </p:nvGraphicFramePr>
+        <p:xfrm>
+          <a:off x="259081" y="889602"/>
+          <a:ext cx="11597640" cy="5468435"/>
+        </p:xfrm>
+        <a:graphic>
+          <a:graphicData uri="http://schemas.openxmlformats.org/drawingml/2006/diagram">
+            <dgm:relIds xmlns:dgm="http://schemas.openxmlformats.org/drawingml/2006/diagram" xmlns:r="http://schemas.openxmlformats.org/officeDocument/2006/relationships" r:dm="rId3" r:lo="rId4" r:qs="rId5" r:cs="rId6"/>
+          </a:graphicData>
+        </a:graphic>
+      </p:graphicFrame>
+    </p:spTree>
+    <p:extLst>
+      <p:ext uri="{BB962C8B-B14F-4D97-AF65-F5344CB8AC3E}">
+        <p14:creationId xmlns:p14="http://schemas.microsoft.com/office/powerpoint/2010/main" val="1314899535"/>
+      </p:ext>
+    </p:extLst>
+  </p:cSld>
+  <p:clrMapOvr>
+    <a:masterClrMapping/>
+  </p:clrMapOvr>
+</p:sld>
+</file>
+
+<file path=ppt/slides/slide13.xml><?xml version="1.0" encoding="utf-8"?>
 <p:sld xmlns:a="http://schemas.openxmlformats.org/drawingml/2006/main" xmlns:r="http://schemas.openxmlformats.org/officeDocument/2006/relationships" xmlns:p="http://schemas.openxmlformats.org/presentationml/2006/main">
   <p:cSld>
     <p:spTree>
@@ -18462,7 +18905,7 @@
           <a:p>
             <a:fld id="{3A98EE3D-8CD1-4C3F-BD1C-C98C9596463C}" type="slidenum">
               <a:rPr lang="en-US" smtClean="0"/>
-              <a:t>11</a:t>
+              <a:t>13</a:t>
             </a:fld>
             <a:endParaRPr lang="en-US" dirty="0"/>
           </a:p>
@@ -18724,180 +19167,7 @@
 </p:sld>
 </file>
 
-<file path=ppt/slides/slide12.xml><?xml version="1.0" encoding="utf-8"?>
-<p:sld xmlns:a="http://schemas.openxmlformats.org/drawingml/2006/main" xmlns:r="http://schemas.openxmlformats.org/officeDocument/2006/relationships" xmlns:p="http://schemas.openxmlformats.org/presentationml/2006/main">
-  <p:cSld>
-    <p:spTree>
-      <p:nvGrpSpPr>
-        <p:cNvPr id="1" name=""/>
-        <p:cNvGrpSpPr/>
-        <p:nvPr/>
-      </p:nvGrpSpPr>
-      <p:grpSpPr>
-        <a:xfrm>
-          <a:off x="0" y="0"/>
-          <a:ext cx="0" cy="0"/>
-          <a:chOff x="0" y="0"/>
-          <a:chExt cx="0" cy="0"/>
-        </a:xfrm>
-      </p:grpSpPr>
-      <p:sp>
-        <p:nvSpPr>
-          <p:cNvPr id="2" name="Title 1">
-            <a:extLst>
-              <a:ext uri="{FF2B5EF4-FFF2-40B4-BE49-F238E27FC236}">
-                <a16:creationId xmlns:a16="http://schemas.microsoft.com/office/drawing/2014/main" id="{5490B7AB-D125-4380-B99A-C5C6518C98B2}"/>
-              </a:ext>
-            </a:extLst>
-          </p:cNvPr>
-          <p:cNvSpPr>
-            <a:spLocks noGrp="1"/>
-          </p:cNvSpPr>
-          <p:nvPr>
-            <p:ph type="title"/>
-          </p:nvPr>
-        </p:nvSpPr>
-        <p:spPr/>
-        <p:txBody>
-          <a:bodyPr/>
-          <a:lstStyle/>
-          <a:p>
-            <a:r>
-              <a:rPr lang="en-CA" dirty="0"/>
-              <a:t>Data Analysis</a:t>
-            </a:r>
-          </a:p>
-        </p:txBody>
-      </p:sp>
-      <p:sp>
-        <p:nvSpPr>
-          <p:cNvPr id="4" name="Date Placeholder 3">
-            <a:extLst>
-              <a:ext uri="{FF2B5EF4-FFF2-40B4-BE49-F238E27FC236}">
-                <a16:creationId xmlns:a16="http://schemas.microsoft.com/office/drawing/2014/main" id="{3FA713D1-EA9A-4D86-A141-CD3B7CEEC289}"/>
-              </a:ext>
-            </a:extLst>
-          </p:cNvPr>
-          <p:cNvSpPr>
-            <a:spLocks noGrp="1"/>
-          </p:cNvSpPr>
-          <p:nvPr>
-            <p:ph type="dt" sz="half" idx="10"/>
-          </p:nvPr>
-        </p:nvSpPr>
-        <p:spPr/>
-        <p:txBody>
-          <a:bodyPr/>
-          <a:lstStyle/>
-          <a:p>
-            <a:r>
-              <a:rPr lang="en-US"/>
-              <a:t>August 2020</a:t>
-            </a:r>
-            <a:endParaRPr lang="en-US" dirty="0"/>
-          </a:p>
-        </p:txBody>
-      </p:sp>
-      <p:sp>
-        <p:nvSpPr>
-          <p:cNvPr id="5" name="Footer Placeholder 4">
-            <a:extLst>
-              <a:ext uri="{FF2B5EF4-FFF2-40B4-BE49-F238E27FC236}">
-                <a16:creationId xmlns:a16="http://schemas.microsoft.com/office/drawing/2014/main" id="{61DAE74E-F6DA-46E3-B125-A321D434B6CD}"/>
-              </a:ext>
-            </a:extLst>
-          </p:cNvPr>
-          <p:cNvSpPr>
-            <a:spLocks noGrp="1"/>
-          </p:cNvSpPr>
-          <p:nvPr>
-            <p:ph type="ftr" sz="quarter" idx="11"/>
-          </p:nvPr>
-        </p:nvSpPr>
-        <p:spPr/>
-        <p:txBody>
-          <a:bodyPr/>
-          <a:lstStyle/>
-          <a:p>
-            <a:r>
-              <a:rPr lang="en-US"/>
-              <a:t>Team Xy: Blake Belnap, Helen Ly, Jasmeer Sangha, Karen Bennis</a:t>
-            </a:r>
-            <a:endParaRPr lang="en-US" dirty="0"/>
-          </a:p>
-        </p:txBody>
-      </p:sp>
-      <p:sp>
-        <p:nvSpPr>
-          <p:cNvPr id="6" name="Slide Number Placeholder 5">
-            <a:extLst>
-              <a:ext uri="{FF2B5EF4-FFF2-40B4-BE49-F238E27FC236}">
-                <a16:creationId xmlns:a16="http://schemas.microsoft.com/office/drawing/2014/main" id="{FAA4A434-CD86-4E00-8640-40136392DA96}"/>
-              </a:ext>
-            </a:extLst>
-          </p:cNvPr>
-          <p:cNvSpPr>
-            <a:spLocks noGrp="1"/>
-          </p:cNvSpPr>
-          <p:nvPr>
-            <p:ph type="sldNum" sz="quarter" idx="12"/>
-          </p:nvPr>
-        </p:nvSpPr>
-        <p:spPr/>
-        <p:txBody>
-          <a:bodyPr/>
-          <a:lstStyle/>
-          <a:p>
-            <a:fld id="{3A98EE3D-8CD1-4C3F-BD1C-C98C9596463C}" type="slidenum">
-              <a:rPr lang="en-US" smtClean="0"/>
-              <a:t>12</a:t>
-            </a:fld>
-            <a:endParaRPr lang="en-US" dirty="0"/>
-          </a:p>
-        </p:txBody>
-      </p:sp>
-      <p:graphicFrame>
-        <p:nvGraphicFramePr>
-          <p:cNvPr id="3" name="Diagram 2">
-            <a:extLst>
-              <a:ext uri="{FF2B5EF4-FFF2-40B4-BE49-F238E27FC236}">
-                <a16:creationId xmlns:a16="http://schemas.microsoft.com/office/drawing/2014/main" id="{E15588DE-F156-4563-9FF4-7268D3637DD4}"/>
-              </a:ext>
-            </a:extLst>
-          </p:cNvPr>
-          <p:cNvGraphicFramePr/>
-          <p:nvPr>
-            <p:extLst>
-              <p:ext uri="{D42A27DB-BD31-4B8C-83A1-F6EECF244321}">
-                <p14:modId xmlns:p14="http://schemas.microsoft.com/office/powerpoint/2010/main" val="3997147525"/>
-              </p:ext>
-            </p:extLst>
-          </p:nvPr>
-        </p:nvGraphicFramePr>
-        <p:xfrm>
-          <a:off x="259081" y="889602"/>
-          <a:ext cx="11597640" cy="5468435"/>
-        </p:xfrm>
-        <a:graphic>
-          <a:graphicData uri="http://schemas.openxmlformats.org/drawingml/2006/diagram">
-            <dgm:relIds xmlns:dgm="http://schemas.openxmlformats.org/drawingml/2006/diagram" xmlns:r="http://schemas.openxmlformats.org/officeDocument/2006/relationships" r:dm="rId3" r:lo="rId4" r:qs="rId5" r:cs="rId6"/>
-          </a:graphicData>
-        </a:graphic>
-      </p:graphicFrame>
-    </p:spTree>
-    <p:extLst>
-      <p:ext uri="{BB962C8B-B14F-4D97-AF65-F5344CB8AC3E}">
-        <p14:creationId xmlns:p14="http://schemas.microsoft.com/office/powerpoint/2010/main" val="1314899535"/>
-      </p:ext>
-    </p:extLst>
-  </p:cSld>
-  <p:clrMapOvr>
-    <a:masterClrMapping/>
-  </p:clrMapOvr>
-</p:sld>
-</file>
-
-<file path=ppt/slides/slide13.xml><?xml version="1.0" encoding="utf-8"?>
+<file path=ppt/slides/slide14.xml><?xml version="1.0" encoding="utf-8"?>
 <p:sld xmlns:a="http://schemas.openxmlformats.org/drawingml/2006/main" xmlns:r="http://schemas.openxmlformats.org/officeDocument/2006/relationships" xmlns:p="http://schemas.openxmlformats.org/presentationml/2006/main">
   <p:cSld>
     <p:spTree>
@@ -18958,7 +19228,7 @@
             <p:ph idx="1"/>
             <p:extLst>
               <p:ext uri="{D42A27DB-BD31-4B8C-83A1-F6EECF244321}">
-                <p14:modId xmlns:p14="http://schemas.microsoft.com/office/powerpoint/2010/main" val="2569783436"/>
+                <p14:modId xmlns:p14="http://schemas.microsoft.com/office/powerpoint/2010/main" val="2871334209"/>
               </p:ext>
             </p:extLst>
           </p:nvPr>
@@ -19076,7 +19346,7 @@
                     <a:p>
                       <a:r>
                         <a:rPr lang="en-CA" dirty="0"/>
-                        <a:t>0.811435</a:t>
+                        <a:t>0.811</a:t>
                       </a:r>
                     </a:p>
                   </a:txBody>
@@ -19119,7 +19389,7 @@
                     <a:p>
                       <a:r>
                         <a:rPr lang="en-CA" dirty="0"/>
-                        <a:t>0.853571</a:t>
+                        <a:t>0.854</a:t>
                       </a:r>
                     </a:p>
                   </a:txBody>
@@ -19208,7 +19478,7 @@
                     <a:p>
                       <a:r>
                         <a:rPr lang="en-CA" dirty="0"/>
-                        <a:t>0.613871</a:t>
+                        <a:t>0.614</a:t>
                       </a:r>
                     </a:p>
                   </a:txBody>
@@ -19251,7 +19521,7 @@
                     <a:p>
                       <a:r>
                         <a:rPr lang="en-CA" dirty="0"/>
-                        <a:t>0.736837</a:t>
+                        <a:t>0.737</a:t>
                       </a:r>
                     </a:p>
                   </a:txBody>
@@ -19340,7 +19610,7 @@
                     <a:p>
                       <a:r>
                         <a:rPr lang="en-CA" dirty="0"/>
-                        <a:t>0.391433</a:t>
+                        <a:t>0.391</a:t>
                       </a:r>
                     </a:p>
                   </a:txBody>
@@ -19383,7 +19653,7 @@
                     <a:p>
                       <a:r>
                         <a:rPr lang="en-CA" dirty="0"/>
-                        <a:t>0.453939</a:t>
+                        <a:t>0.454</a:t>
                       </a:r>
                     </a:p>
                   </a:txBody>
@@ -19523,7 +19793,7 @@
           <a:p>
             <a:fld id="{3A98EE3D-8CD1-4C3F-BD1C-C98C9596463C}" type="slidenum">
               <a:rPr lang="en-US" smtClean="0"/>
-              <a:t>13</a:t>
+              <a:t>14</a:t>
             </a:fld>
             <a:endParaRPr lang="en-US" dirty="0"/>
           </a:p>
@@ -19593,7 +19863,7 @@
 </p:sld>
 </file>
 
-<file path=ppt/slides/slide14.xml><?xml version="1.0" encoding="utf-8"?>
+<file path=ppt/slides/slide15.xml><?xml version="1.0" encoding="utf-8"?>
 <p:sld xmlns:a="http://schemas.openxmlformats.org/drawingml/2006/main" xmlns:r="http://schemas.openxmlformats.org/officeDocument/2006/relationships" xmlns:p="http://schemas.openxmlformats.org/presentationml/2006/main">
   <p:cSld>
     <p:spTree>
@@ -19633,6 +19903,1369 @@
           <a:p>
             <a:r>
               <a:rPr lang="en-US" dirty="0"/>
+              <a:t>Lessons learned</a:t>
+            </a:r>
+            <a:endParaRPr lang="en-CA" dirty="0"/>
+          </a:p>
+        </p:txBody>
+      </p:sp>
+      <p:sp>
+        <p:nvSpPr>
+          <p:cNvPr id="3" name="Content Placeholder 2">
+            <a:extLst>
+              <a:ext uri="{FF2B5EF4-FFF2-40B4-BE49-F238E27FC236}">
+                <a16:creationId xmlns:a16="http://schemas.microsoft.com/office/drawing/2014/main" id="{7DD044CB-16C9-4730-ADDE-4E884EC9DFDA}"/>
+              </a:ext>
+            </a:extLst>
+          </p:cNvPr>
+          <p:cNvSpPr>
+            <a:spLocks noGrp="1"/>
+          </p:cNvSpPr>
+          <p:nvPr>
+            <p:ph idx="1"/>
+          </p:nvPr>
+        </p:nvSpPr>
+        <p:spPr/>
+        <p:txBody>
+          <a:bodyPr>
+            <a:normAutofit fontScale="92500" lnSpcReduction="10000"/>
+          </a:bodyPr>
+          <a:lstStyle/>
+          <a:p>
+            <a:pPr>
+              <a:buFont typeface="Wingdings" panose="05000000000000000000" pitchFamily="2" charset="2"/>
+              <a:buChar char="«"/>
+            </a:pPr>
+            <a:r>
+              <a:rPr lang="en-CA" sz="2800" dirty="0"/>
+              <a:t>Despite the benefits of Google Cloud Service, Google </a:t>
+            </a:r>
+            <a:r>
+              <a:rPr lang="en-CA" sz="2800" dirty="0" err="1"/>
+              <a:t>Colab</a:t>
+            </a:r>
+            <a:r>
+              <a:rPr lang="en-CA" sz="2800" dirty="0"/>
+              <a:t> was a bottleneck, and ultimately unable to perform what we intended; models which did work also needed to be recoded for the dashboard</a:t>
+            </a:r>
+          </a:p>
+          <a:p>
+            <a:pPr>
+              <a:buFont typeface="Wingdings" panose="05000000000000000000" pitchFamily="2" charset="2"/>
+              <a:buChar char="«"/>
+            </a:pPr>
+            <a:r>
+              <a:rPr lang="en-CA" sz="2800" dirty="0"/>
+              <a:t>Dense layers of neural networks use much more RAM than other ML models when using sparse matrices for hashed text</a:t>
+            </a:r>
+          </a:p>
+          <a:p>
+            <a:pPr>
+              <a:buFont typeface="Wingdings" panose="05000000000000000000" pitchFamily="2" charset="2"/>
+              <a:buChar char="«"/>
+            </a:pPr>
+            <a:r>
+              <a:rPr lang="en-CA" sz="2800" dirty="0"/>
+              <a:t>We may have identified cost-effective solutions that could handle big data AND run a neural network machine learning model, had there been more time</a:t>
+            </a:r>
+          </a:p>
+        </p:txBody>
+      </p:sp>
+      <p:sp>
+        <p:nvSpPr>
+          <p:cNvPr id="4" name="Date Placeholder 3">
+            <a:extLst>
+              <a:ext uri="{FF2B5EF4-FFF2-40B4-BE49-F238E27FC236}">
+                <a16:creationId xmlns:a16="http://schemas.microsoft.com/office/drawing/2014/main" id="{A83AB89B-ED85-49CB-B5C9-2CD42ED10FEE}"/>
+              </a:ext>
+            </a:extLst>
+          </p:cNvPr>
+          <p:cNvSpPr>
+            <a:spLocks noGrp="1"/>
+          </p:cNvSpPr>
+          <p:nvPr>
+            <p:ph type="dt" sz="half" idx="10"/>
+          </p:nvPr>
+        </p:nvSpPr>
+        <p:spPr/>
+        <p:txBody>
+          <a:bodyPr/>
+          <a:lstStyle/>
+          <a:p>
+            <a:r>
+              <a:rPr lang="en-US"/>
+              <a:t>August 2020</a:t>
+            </a:r>
+            <a:endParaRPr lang="en-US" dirty="0"/>
+          </a:p>
+        </p:txBody>
+      </p:sp>
+      <p:sp>
+        <p:nvSpPr>
+          <p:cNvPr id="5" name="Footer Placeholder 4">
+            <a:extLst>
+              <a:ext uri="{FF2B5EF4-FFF2-40B4-BE49-F238E27FC236}">
+                <a16:creationId xmlns:a16="http://schemas.microsoft.com/office/drawing/2014/main" id="{3A33C639-C4A9-4449-8810-7F87EF8CFE26}"/>
+              </a:ext>
+            </a:extLst>
+          </p:cNvPr>
+          <p:cNvSpPr>
+            <a:spLocks noGrp="1"/>
+          </p:cNvSpPr>
+          <p:nvPr>
+            <p:ph type="ftr" sz="quarter" idx="11"/>
+          </p:nvPr>
+        </p:nvSpPr>
+        <p:spPr/>
+        <p:txBody>
+          <a:bodyPr/>
+          <a:lstStyle/>
+          <a:p>
+            <a:r>
+              <a:rPr lang="en-US"/>
+              <a:t>Team Xy: Blake Belnap, Helen Ly, Jasmeer Sangha, Karen Bennis</a:t>
+            </a:r>
+            <a:endParaRPr lang="en-US" dirty="0"/>
+          </a:p>
+        </p:txBody>
+      </p:sp>
+      <p:sp>
+        <p:nvSpPr>
+          <p:cNvPr id="6" name="Slide Number Placeholder 5">
+            <a:extLst>
+              <a:ext uri="{FF2B5EF4-FFF2-40B4-BE49-F238E27FC236}">
+                <a16:creationId xmlns:a16="http://schemas.microsoft.com/office/drawing/2014/main" id="{C8014711-EC9B-4038-93D0-88647B081188}"/>
+              </a:ext>
+            </a:extLst>
+          </p:cNvPr>
+          <p:cNvSpPr>
+            <a:spLocks noGrp="1"/>
+          </p:cNvSpPr>
+          <p:nvPr>
+            <p:ph type="sldNum" sz="quarter" idx="12"/>
+          </p:nvPr>
+        </p:nvSpPr>
+        <p:spPr/>
+        <p:txBody>
+          <a:bodyPr/>
+          <a:lstStyle/>
+          <a:p>
+            <a:fld id="{3A98EE3D-8CD1-4C3F-BD1C-C98C9596463C}" type="slidenum">
+              <a:rPr lang="en-US" smtClean="0"/>
+              <a:t>15</a:t>
+            </a:fld>
+            <a:endParaRPr lang="en-US" dirty="0"/>
+          </a:p>
+        </p:txBody>
+      </p:sp>
+    </p:spTree>
+    <p:extLst>
+      <p:ext uri="{BB962C8B-B14F-4D97-AF65-F5344CB8AC3E}">
+        <p14:creationId xmlns:p14="http://schemas.microsoft.com/office/powerpoint/2010/main" val="1052060576"/>
+      </p:ext>
+    </p:extLst>
+  </p:cSld>
+  <p:clrMapOvr>
+    <a:masterClrMapping/>
+  </p:clrMapOvr>
+</p:sld>
+</file>
+
+<file path=ppt/slides/slide16.xml><?xml version="1.0" encoding="utf-8"?>
+<p:sld xmlns:a="http://schemas.openxmlformats.org/drawingml/2006/main" xmlns:r="http://schemas.openxmlformats.org/officeDocument/2006/relationships" xmlns:p="http://schemas.openxmlformats.org/presentationml/2006/main">
+  <p:cSld>
+    <p:spTree>
+      <p:nvGrpSpPr>
+        <p:cNvPr id="1" name=""/>
+        <p:cNvGrpSpPr/>
+        <p:nvPr/>
+      </p:nvGrpSpPr>
+      <p:grpSpPr>
+        <a:xfrm>
+          <a:off x="0" y="0"/>
+          <a:ext cx="0" cy="0"/>
+          <a:chOff x="0" y="0"/>
+          <a:chExt cx="0" cy="0"/>
+        </a:xfrm>
+      </p:grpSpPr>
+      <p:sp>
+        <p:nvSpPr>
+          <p:cNvPr id="2" name="Title 1">
+            <a:extLst>
+              <a:ext uri="{FF2B5EF4-FFF2-40B4-BE49-F238E27FC236}">
+                <a16:creationId xmlns:a16="http://schemas.microsoft.com/office/drawing/2014/main" id="{0BF2C67F-E120-441B-B239-01E4697E31EB}"/>
+              </a:ext>
+            </a:extLst>
+          </p:cNvPr>
+          <p:cNvSpPr>
+            <a:spLocks noGrp="1"/>
+          </p:cNvSpPr>
+          <p:nvPr>
+            <p:ph type="title"/>
+          </p:nvPr>
+        </p:nvSpPr>
+        <p:spPr/>
+        <p:txBody>
+          <a:bodyPr/>
+          <a:lstStyle/>
+          <a:p>
+            <a:r>
+              <a:rPr lang="en-US" dirty="0"/>
+              <a:t>Recommendations for future analysis</a:t>
+            </a:r>
+            <a:endParaRPr lang="en-CA" dirty="0"/>
+          </a:p>
+        </p:txBody>
+      </p:sp>
+      <p:sp>
+        <p:nvSpPr>
+          <p:cNvPr id="4" name="Date Placeholder 3">
+            <a:extLst>
+              <a:ext uri="{FF2B5EF4-FFF2-40B4-BE49-F238E27FC236}">
+                <a16:creationId xmlns:a16="http://schemas.microsoft.com/office/drawing/2014/main" id="{A83AB89B-ED85-49CB-B5C9-2CD42ED10FEE}"/>
+              </a:ext>
+            </a:extLst>
+          </p:cNvPr>
+          <p:cNvSpPr>
+            <a:spLocks noGrp="1"/>
+          </p:cNvSpPr>
+          <p:nvPr>
+            <p:ph type="dt" sz="half" idx="10"/>
+          </p:nvPr>
+        </p:nvSpPr>
+        <p:spPr/>
+        <p:txBody>
+          <a:bodyPr/>
+          <a:lstStyle/>
+          <a:p>
+            <a:r>
+              <a:rPr lang="en-US"/>
+              <a:t>August 2020</a:t>
+            </a:r>
+            <a:endParaRPr lang="en-US" dirty="0"/>
+          </a:p>
+        </p:txBody>
+      </p:sp>
+      <p:sp>
+        <p:nvSpPr>
+          <p:cNvPr id="5" name="Footer Placeholder 4">
+            <a:extLst>
+              <a:ext uri="{FF2B5EF4-FFF2-40B4-BE49-F238E27FC236}">
+                <a16:creationId xmlns:a16="http://schemas.microsoft.com/office/drawing/2014/main" id="{3A33C639-C4A9-4449-8810-7F87EF8CFE26}"/>
+              </a:ext>
+            </a:extLst>
+          </p:cNvPr>
+          <p:cNvSpPr>
+            <a:spLocks noGrp="1"/>
+          </p:cNvSpPr>
+          <p:nvPr>
+            <p:ph type="ftr" sz="quarter" idx="11"/>
+          </p:nvPr>
+        </p:nvSpPr>
+        <p:spPr/>
+        <p:txBody>
+          <a:bodyPr/>
+          <a:lstStyle/>
+          <a:p>
+            <a:r>
+              <a:rPr lang="en-US"/>
+              <a:t>Team Xy: Blake Belnap, Helen Ly, Jasmeer Sangha, Karen Bennis</a:t>
+            </a:r>
+            <a:endParaRPr lang="en-US" dirty="0"/>
+          </a:p>
+        </p:txBody>
+      </p:sp>
+      <p:sp>
+        <p:nvSpPr>
+          <p:cNvPr id="6" name="Slide Number Placeholder 5">
+            <a:extLst>
+              <a:ext uri="{FF2B5EF4-FFF2-40B4-BE49-F238E27FC236}">
+                <a16:creationId xmlns:a16="http://schemas.microsoft.com/office/drawing/2014/main" id="{C8014711-EC9B-4038-93D0-88647B081188}"/>
+              </a:ext>
+            </a:extLst>
+          </p:cNvPr>
+          <p:cNvSpPr>
+            <a:spLocks noGrp="1"/>
+          </p:cNvSpPr>
+          <p:nvPr>
+            <p:ph type="sldNum" sz="quarter" idx="12"/>
+          </p:nvPr>
+        </p:nvSpPr>
+        <p:spPr/>
+        <p:txBody>
+          <a:bodyPr/>
+          <a:lstStyle/>
+          <a:p>
+            <a:fld id="{3A98EE3D-8CD1-4C3F-BD1C-C98C9596463C}" type="slidenum">
+              <a:rPr lang="en-US" smtClean="0"/>
+              <a:t>16</a:t>
+            </a:fld>
+            <a:endParaRPr lang="en-US" dirty="0"/>
+          </a:p>
+        </p:txBody>
+      </p:sp>
+      <p:sp>
+        <p:nvSpPr>
+          <p:cNvPr id="7" name="Content Placeholder 2">
+            <a:extLst>
+              <a:ext uri="{FF2B5EF4-FFF2-40B4-BE49-F238E27FC236}">
+                <a16:creationId xmlns:a16="http://schemas.microsoft.com/office/drawing/2014/main" id="{C8D5885D-0094-4A96-96E6-A1AD76FD3B22}"/>
+              </a:ext>
+            </a:extLst>
+          </p:cNvPr>
+          <p:cNvSpPr>
+            <a:spLocks noGrp="1"/>
+          </p:cNvSpPr>
+          <p:nvPr>
+            <p:ph idx="1"/>
+          </p:nvPr>
+        </p:nvSpPr>
+        <p:spPr>
+          <a:xfrm>
+            <a:off x="1096963" y="2108200"/>
+            <a:ext cx="10058400" cy="3760788"/>
+          </a:xfrm>
+        </p:spPr>
+        <p:txBody>
+          <a:bodyPr>
+            <a:normAutofit/>
+          </a:bodyPr>
+          <a:lstStyle/>
+          <a:p>
+            <a:pPr>
+              <a:buFont typeface="Wingdings" panose="05000000000000000000" pitchFamily="2" charset="2"/>
+              <a:buChar char="«"/>
+            </a:pPr>
+            <a:r>
+              <a:rPr lang="en-CA" sz="2800" dirty="0"/>
+              <a:t>Train and test ML models on larger dataset</a:t>
+            </a:r>
+          </a:p>
+          <a:p>
+            <a:pPr>
+              <a:buFont typeface="Wingdings" panose="05000000000000000000" pitchFamily="2" charset="2"/>
+              <a:buChar char="«"/>
+            </a:pPr>
+            <a:r>
+              <a:rPr lang="en-CA" sz="2800" dirty="0"/>
+              <a:t>Find a viable solution for running the neural network machine learning model</a:t>
+            </a:r>
+          </a:p>
+          <a:p>
+            <a:pPr>
+              <a:buFont typeface="Wingdings" panose="05000000000000000000" pitchFamily="2" charset="2"/>
+              <a:buChar char="«"/>
+            </a:pPr>
+            <a:r>
+              <a:rPr lang="en-CA" sz="2800" dirty="0"/>
+              <a:t>After a successful run of the neural network machine learning model, apply the model to different datasets (e.g. amazon reviews, IMDb reviews, Google reviews) to see its effectiveness in predicting sentiment when applied to different datasets</a:t>
+            </a:r>
+          </a:p>
+        </p:txBody>
+      </p:sp>
+    </p:spTree>
+    <p:extLst>
+      <p:ext uri="{BB962C8B-B14F-4D97-AF65-F5344CB8AC3E}">
+        <p14:creationId xmlns:p14="http://schemas.microsoft.com/office/powerpoint/2010/main" val="826369165"/>
+      </p:ext>
+    </p:extLst>
+  </p:cSld>
+  <p:clrMapOvr>
+    <a:masterClrMapping/>
+  </p:clrMapOvr>
+</p:sld>
+</file>
+
+<file path=ppt/slides/slide17.xml><?xml version="1.0" encoding="utf-8"?>
+<p:sld xmlns:a="http://schemas.openxmlformats.org/drawingml/2006/main" xmlns:r="http://schemas.openxmlformats.org/officeDocument/2006/relationships" xmlns:p="http://schemas.openxmlformats.org/presentationml/2006/main">
+  <p:cSld>
+    <p:spTree>
+      <p:nvGrpSpPr>
+        <p:cNvPr id="1" name=""/>
+        <p:cNvGrpSpPr/>
+        <p:nvPr/>
+      </p:nvGrpSpPr>
+      <p:grpSpPr>
+        <a:xfrm>
+          <a:off x="0" y="0"/>
+          <a:ext cx="0" cy="0"/>
+          <a:chOff x="0" y="0"/>
+          <a:chExt cx="0" cy="0"/>
+        </a:xfrm>
+      </p:grpSpPr>
+      <p:sp>
+        <p:nvSpPr>
+          <p:cNvPr id="2" name="Title 1">
+            <a:extLst>
+              <a:ext uri="{FF2B5EF4-FFF2-40B4-BE49-F238E27FC236}">
+                <a16:creationId xmlns:a16="http://schemas.microsoft.com/office/drawing/2014/main" id="{0BF2C67F-E120-441B-B239-01E4697E31EB}"/>
+              </a:ext>
+            </a:extLst>
+          </p:cNvPr>
+          <p:cNvSpPr>
+            <a:spLocks noGrp="1"/>
+          </p:cNvSpPr>
+          <p:nvPr>
+            <p:ph type="title"/>
+          </p:nvPr>
+        </p:nvSpPr>
+        <p:spPr/>
+        <p:txBody>
+          <a:bodyPr/>
+          <a:lstStyle/>
+          <a:p>
+            <a:r>
+              <a:rPr lang="en-US" dirty="0"/>
+              <a:t>Thank you!</a:t>
+            </a:r>
+            <a:endParaRPr lang="en-CA" dirty="0"/>
+          </a:p>
+        </p:txBody>
+      </p:sp>
+      <p:sp>
+        <p:nvSpPr>
+          <p:cNvPr id="4" name="Date Placeholder 3">
+            <a:extLst>
+              <a:ext uri="{FF2B5EF4-FFF2-40B4-BE49-F238E27FC236}">
+                <a16:creationId xmlns:a16="http://schemas.microsoft.com/office/drawing/2014/main" id="{A83AB89B-ED85-49CB-B5C9-2CD42ED10FEE}"/>
+              </a:ext>
+            </a:extLst>
+          </p:cNvPr>
+          <p:cNvSpPr>
+            <a:spLocks noGrp="1"/>
+          </p:cNvSpPr>
+          <p:nvPr>
+            <p:ph type="dt" sz="half" idx="10"/>
+          </p:nvPr>
+        </p:nvSpPr>
+        <p:spPr/>
+        <p:txBody>
+          <a:bodyPr/>
+          <a:lstStyle/>
+          <a:p>
+            <a:r>
+              <a:rPr lang="en-US"/>
+              <a:t>August 2020</a:t>
+            </a:r>
+            <a:endParaRPr lang="en-US" dirty="0"/>
+          </a:p>
+        </p:txBody>
+      </p:sp>
+      <p:sp>
+        <p:nvSpPr>
+          <p:cNvPr id="5" name="Footer Placeholder 4">
+            <a:extLst>
+              <a:ext uri="{FF2B5EF4-FFF2-40B4-BE49-F238E27FC236}">
+                <a16:creationId xmlns:a16="http://schemas.microsoft.com/office/drawing/2014/main" id="{3A33C639-C4A9-4449-8810-7F87EF8CFE26}"/>
+              </a:ext>
+            </a:extLst>
+          </p:cNvPr>
+          <p:cNvSpPr>
+            <a:spLocks noGrp="1"/>
+          </p:cNvSpPr>
+          <p:nvPr>
+            <p:ph type="ftr" sz="quarter" idx="11"/>
+          </p:nvPr>
+        </p:nvSpPr>
+        <p:spPr/>
+        <p:txBody>
+          <a:bodyPr/>
+          <a:lstStyle/>
+          <a:p>
+            <a:r>
+              <a:rPr lang="en-US"/>
+              <a:t>Team Xy: Blake Belnap, Helen Ly, Jasmeer Sangha, Karen Bennis</a:t>
+            </a:r>
+            <a:endParaRPr lang="en-US" dirty="0"/>
+          </a:p>
+        </p:txBody>
+      </p:sp>
+      <p:sp>
+        <p:nvSpPr>
+          <p:cNvPr id="6" name="Slide Number Placeholder 5">
+            <a:extLst>
+              <a:ext uri="{FF2B5EF4-FFF2-40B4-BE49-F238E27FC236}">
+                <a16:creationId xmlns:a16="http://schemas.microsoft.com/office/drawing/2014/main" id="{C8014711-EC9B-4038-93D0-88647B081188}"/>
+              </a:ext>
+            </a:extLst>
+          </p:cNvPr>
+          <p:cNvSpPr>
+            <a:spLocks noGrp="1"/>
+          </p:cNvSpPr>
+          <p:nvPr>
+            <p:ph type="sldNum" sz="quarter" idx="12"/>
+          </p:nvPr>
+        </p:nvSpPr>
+        <p:spPr/>
+        <p:txBody>
+          <a:bodyPr/>
+          <a:lstStyle/>
+          <a:p>
+            <a:fld id="{3A98EE3D-8CD1-4C3F-BD1C-C98C9596463C}" type="slidenum">
+              <a:rPr lang="en-US" smtClean="0"/>
+              <a:t>17</a:t>
+            </a:fld>
+            <a:endParaRPr lang="en-US" dirty="0"/>
+          </a:p>
+        </p:txBody>
+      </p:sp>
+      <p:sp>
+        <p:nvSpPr>
+          <p:cNvPr id="7" name="Content Placeholder 2">
+            <a:extLst>
+              <a:ext uri="{FF2B5EF4-FFF2-40B4-BE49-F238E27FC236}">
+                <a16:creationId xmlns:a16="http://schemas.microsoft.com/office/drawing/2014/main" id="{9FEC2709-46E0-44D2-91D3-82460D305D8C}"/>
+              </a:ext>
+            </a:extLst>
+          </p:cNvPr>
+          <p:cNvSpPr>
+            <a:spLocks noGrp="1"/>
+          </p:cNvSpPr>
+          <p:nvPr>
+            <p:ph idx="1"/>
+          </p:nvPr>
+        </p:nvSpPr>
+        <p:spPr>
+          <a:xfrm>
+            <a:off x="1096963" y="2108200"/>
+            <a:ext cx="10058400" cy="3760788"/>
+          </a:xfrm>
+        </p:spPr>
+        <p:txBody>
+          <a:bodyPr>
+            <a:normAutofit/>
+          </a:bodyPr>
+          <a:lstStyle/>
+          <a:p>
+            <a:pPr marL="0" indent="0">
+              <a:buNone/>
+            </a:pPr>
+            <a:r>
+              <a:rPr lang="en-CA" sz="13800" dirty="0">
+                <a:solidFill>
+                  <a:srgbClr val="BF2419"/>
+                </a:solidFill>
+              </a:rPr>
+              <a:t>Questions?</a:t>
+            </a:r>
+          </a:p>
+        </p:txBody>
+      </p:sp>
+    </p:spTree>
+    <p:extLst>
+      <p:ext uri="{BB962C8B-B14F-4D97-AF65-F5344CB8AC3E}">
+        <p14:creationId xmlns:p14="http://schemas.microsoft.com/office/powerpoint/2010/main" val="842155356"/>
+      </p:ext>
+    </p:extLst>
+  </p:cSld>
+  <p:clrMapOvr>
+    <a:masterClrMapping/>
+  </p:clrMapOvr>
+</p:sld>
+</file>
+
+<file path=ppt/slides/slide2.xml><?xml version="1.0" encoding="utf-8"?>
+<p:sld xmlns:a="http://schemas.openxmlformats.org/drawingml/2006/main" xmlns:r="http://schemas.openxmlformats.org/officeDocument/2006/relationships" xmlns:p="http://schemas.openxmlformats.org/presentationml/2006/main">
+  <p:cSld>
+    <p:spTree>
+      <p:nvGrpSpPr>
+        <p:cNvPr id="1" name=""/>
+        <p:cNvGrpSpPr/>
+        <p:nvPr/>
+      </p:nvGrpSpPr>
+      <p:grpSpPr>
+        <a:xfrm>
+          <a:off x="0" y="0"/>
+          <a:ext cx="0" cy="0"/>
+          <a:chOff x="0" y="0"/>
+          <a:chExt cx="0" cy="0"/>
+        </a:xfrm>
+      </p:grpSpPr>
+      <p:sp>
+        <p:nvSpPr>
+          <p:cNvPr id="2" name="Title 1">
+            <a:extLst>
+              <a:ext uri="{FF2B5EF4-FFF2-40B4-BE49-F238E27FC236}">
+                <a16:creationId xmlns:a16="http://schemas.microsoft.com/office/drawing/2014/main" id="{2FCC808F-BA6C-455B-A37C-38D9818593C7}"/>
+              </a:ext>
+            </a:extLst>
+          </p:cNvPr>
+          <p:cNvSpPr>
+            <a:spLocks noGrp="1"/>
+          </p:cNvSpPr>
+          <p:nvPr>
+            <p:ph type="title"/>
+          </p:nvPr>
+        </p:nvSpPr>
+        <p:spPr/>
+        <p:txBody>
+          <a:bodyPr/>
+          <a:lstStyle/>
+          <a:p>
+            <a:r>
+              <a:rPr lang="en-CA" dirty="0"/>
+              <a:t>Topic</a:t>
+            </a:r>
+          </a:p>
+        </p:txBody>
+      </p:sp>
+      <p:sp>
+        <p:nvSpPr>
+          <p:cNvPr id="3" name="Content Placeholder 2">
+            <a:extLst>
+              <a:ext uri="{FF2B5EF4-FFF2-40B4-BE49-F238E27FC236}">
+                <a16:creationId xmlns:a16="http://schemas.microsoft.com/office/drawing/2014/main" id="{EFE654CA-E749-49D4-89BB-C5EF0F67C521}"/>
+              </a:ext>
+            </a:extLst>
+          </p:cNvPr>
+          <p:cNvSpPr>
+            <a:spLocks noGrp="1"/>
+          </p:cNvSpPr>
+          <p:nvPr>
+            <p:ph idx="1"/>
+          </p:nvPr>
+        </p:nvSpPr>
+        <p:spPr/>
+        <p:txBody>
+          <a:bodyPr>
+            <a:normAutofit/>
+          </a:bodyPr>
+          <a:lstStyle/>
+          <a:p>
+            <a:pPr marL="201168" lvl="1" indent="0">
+              <a:buNone/>
+            </a:pPr>
+            <a:r>
+              <a:rPr lang="en-CA" sz="2800" b="1" i="1" dirty="0">
+                <a:solidFill>
+                  <a:srgbClr val="BF2419"/>
+                </a:solidFill>
+              </a:rPr>
+              <a:t>Sentiment analysis using natural language processing (NLP) and machine learning techniques to classify Yelp reviews by star rating</a:t>
+            </a:r>
+          </a:p>
+          <a:p>
+            <a:pPr marL="201168" lvl="1" indent="0">
+              <a:buNone/>
+            </a:pPr>
+            <a:endParaRPr lang="en-CA" sz="2800" b="1" i="1" dirty="0">
+              <a:solidFill>
+                <a:srgbClr val="BF2419"/>
+              </a:solidFill>
+            </a:endParaRPr>
+          </a:p>
+          <a:p>
+            <a:r>
+              <a:rPr lang="en-CA" sz="2800" b="1" dirty="0"/>
+              <a:t>Reason for topic selection:</a:t>
+            </a:r>
+          </a:p>
+          <a:p>
+            <a:pPr>
+              <a:buFont typeface="Wingdings" panose="05000000000000000000" pitchFamily="2" charset="2"/>
+              <a:buChar char=""/>
+            </a:pPr>
+            <a:r>
+              <a:rPr lang="en-CA" dirty="0"/>
+              <a:t>To expand upon the course content covering NLP</a:t>
+            </a:r>
+          </a:p>
+          <a:p>
+            <a:pPr>
+              <a:buFont typeface="Wingdings" panose="05000000000000000000" pitchFamily="2" charset="2"/>
+              <a:buChar char=""/>
+            </a:pPr>
+            <a:r>
+              <a:rPr lang="en-CA" dirty="0"/>
+              <a:t>To cover a topic with universal appeal and relevance to everyday life</a:t>
+            </a:r>
+          </a:p>
+        </p:txBody>
+      </p:sp>
+      <p:sp>
+        <p:nvSpPr>
+          <p:cNvPr id="4" name="Date Placeholder 3">
+            <a:extLst>
+              <a:ext uri="{FF2B5EF4-FFF2-40B4-BE49-F238E27FC236}">
+                <a16:creationId xmlns:a16="http://schemas.microsoft.com/office/drawing/2014/main" id="{05DAE0B8-3F7D-477E-B30E-DBFD59B952A2}"/>
+              </a:ext>
+            </a:extLst>
+          </p:cNvPr>
+          <p:cNvSpPr>
+            <a:spLocks noGrp="1"/>
+          </p:cNvSpPr>
+          <p:nvPr>
+            <p:ph type="dt" sz="half" idx="10"/>
+          </p:nvPr>
+        </p:nvSpPr>
+        <p:spPr/>
+        <p:txBody>
+          <a:bodyPr/>
+          <a:lstStyle/>
+          <a:p>
+            <a:r>
+              <a:rPr lang="en-US"/>
+              <a:t>August 2020</a:t>
+            </a:r>
+            <a:endParaRPr lang="en-US" dirty="0"/>
+          </a:p>
+        </p:txBody>
+      </p:sp>
+      <p:sp>
+        <p:nvSpPr>
+          <p:cNvPr id="5" name="Footer Placeholder 4">
+            <a:extLst>
+              <a:ext uri="{FF2B5EF4-FFF2-40B4-BE49-F238E27FC236}">
+                <a16:creationId xmlns:a16="http://schemas.microsoft.com/office/drawing/2014/main" id="{0D576905-1740-4FB0-8DC9-E1BA0D426DB6}"/>
+              </a:ext>
+            </a:extLst>
+          </p:cNvPr>
+          <p:cNvSpPr>
+            <a:spLocks noGrp="1"/>
+          </p:cNvSpPr>
+          <p:nvPr>
+            <p:ph type="ftr" sz="quarter" idx="11"/>
+          </p:nvPr>
+        </p:nvSpPr>
+        <p:spPr/>
+        <p:txBody>
+          <a:bodyPr/>
+          <a:lstStyle/>
+          <a:p>
+            <a:r>
+              <a:rPr lang="en-US"/>
+              <a:t>Team Xy: Blake Belnap, Helen Ly, Jasmeer Sangha, Karen Bennis</a:t>
+            </a:r>
+            <a:endParaRPr lang="en-US" dirty="0"/>
+          </a:p>
+        </p:txBody>
+      </p:sp>
+      <p:sp>
+        <p:nvSpPr>
+          <p:cNvPr id="6" name="Slide Number Placeholder 5">
+            <a:extLst>
+              <a:ext uri="{FF2B5EF4-FFF2-40B4-BE49-F238E27FC236}">
+                <a16:creationId xmlns:a16="http://schemas.microsoft.com/office/drawing/2014/main" id="{BFB12F51-B2BE-4012-A367-EF18620AF7CA}"/>
+              </a:ext>
+            </a:extLst>
+          </p:cNvPr>
+          <p:cNvSpPr>
+            <a:spLocks noGrp="1"/>
+          </p:cNvSpPr>
+          <p:nvPr>
+            <p:ph type="sldNum" sz="quarter" idx="12"/>
+          </p:nvPr>
+        </p:nvSpPr>
+        <p:spPr/>
+        <p:txBody>
+          <a:bodyPr/>
+          <a:lstStyle/>
+          <a:p>
+            <a:fld id="{3A98EE3D-8CD1-4C3F-BD1C-C98C9596463C}" type="slidenum">
+              <a:rPr lang="en-US" smtClean="0"/>
+              <a:t>2</a:t>
+            </a:fld>
+            <a:endParaRPr lang="en-US" dirty="0"/>
+          </a:p>
+        </p:txBody>
+      </p:sp>
+    </p:spTree>
+    <p:extLst>
+      <p:ext uri="{BB962C8B-B14F-4D97-AF65-F5344CB8AC3E}">
+        <p14:creationId xmlns:p14="http://schemas.microsoft.com/office/powerpoint/2010/main" val="1708545650"/>
+      </p:ext>
+    </p:extLst>
+  </p:cSld>
+  <p:clrMapOvr>
+    <a:masterClrMapping/>
+  </p:clrMapOvr>
+</p:sld>
+</file>
+
+<file path=ppt/slides/slide3.xml><?xml version="1.0" encoding="utf-8"?>
+<p:sld xmlns:a="http://schemas.openxmlformats.org/drawingml/2006/main" xmlns:r="http://schemas.openxmlformats.org/officeDocument/2006/relationships" xmlns:p="http://schemas.openxmlformats.org/presentationml/2006/main">
+  <p:cSld>
+    <p:spTree>
+      <p:nvGrpSpPr>
+        <p:cNvPr id="1" name=""/>
+        <p:cNvGrpSpPr/>
+        <p:nvPr/>
+      </p:nvGrpSpPr>
+      <p:grpSpPr>
+        <a:xfrm>
+          <a:off x="0" y="0"/>
+          <a:ext cx="0" cy="0"/>
+          <a:chOff x="0" y="0"/>
+          <a:chExt cx="0" cy="0"/>
+        </a:xfrm>
+      </p:grpSpPr>
+      <p:sp>
+        <p:nvSpPr>
+          <p:cNvPr id="2" name="Title 1">
+            <a:extLst>
+              <a:ext uri="{FF2B5EF4-FFF2-40B4-BE49-F238E27FC236}">
+                <a16:creationId xmlns:a16="http://schemas.microsoft.com/office/drawing/2014/main" id="{8E299D43-8881-4B47-AA8E-5DE2CDEBE033}"/>
+              </a:ext>
+            </a:extLst>
+          </p:cNvPr>
+          <p:cNvSpPr>
+            <a:spLocks noGrp="1"/>
+          </p:cNvSpPr>
+          <p:nvPr>
+            <p:ph type="title"/>
+          </p:nvPr>
+        </p:nvSpPr>
+        <p:spPr/>
+        <p:txBody>
+          <a:bodyPr/>
+          <a:lstStyle/>
+          <a:p>
+            <a:r>
+              <a:rPr lang="en-CA" dirty="0"/>
+              <a:t>Research questions</a:t>
+            </a:r>
+          </a:p>
+        </p:txBody>
+      </p:sp>
+      <p:sp>
+        <p:nvSpPr>
+          <p:cNvPr id="3" name="Content Placeholder 2">
+            <a:extLst>
+              <a:ext uri="{FF2B5EF4-FFF2-40B4-BE49-F238E27FC236}">
+                <a16:creationId xmlns:a16="http://schemas.microsoft.com/office/drawing/2014/main" id="{82619945-ED80-4A62-BBB1-6640E7C45F05}"/>
+              </a:ext>
+            </a:extLst>
+          </p:cNvPr>
+          <p:cNvSpPr>
+            <a:spLocks noGrp="1"/>
+          </p:cNvSpPr>
+          <p:nvPr>
+            <p:ph idx="1"/>
+          </p:nvPr>
+        </p:nvSpPr>
+        <p:spPr/>
+        <p:txBody>
+          <a:bodyPr>
+            <a:normAutofit/>
+          </a:bodyPr>
+          <a:lstStyle/>
+          <a:p>
+            <a:pPr>
+              <a:buFont typeface="Wingdings" panose="05000000000000000000" pitchFamily="2" charset="2"/>
+              <a:buChar char="«"/>
+            </a:pPr>
+            <a:r>
+              <a:rPr lang="en-US" sz="3600" i="1" dirty="0"/>
+              <a:t>Can NLP be used to predict sentiment of Yelp reviews?</a:t>
+            </a:r>
+          </a:p>
+          <a:p>
+            <a:pPr>
+              <a:buFont typeface="Wingdings" panose="05000000000000000000" pitchFamily="2" charset="2"/>
+              <a:buChar char="«"/>
+            </a:pPr>
+            <a:r>
+              <a:rPr lang="en-US" sz="3600" i="1" dirty="0"/>
+              <a:t>Which machine learning model predicts Yelp sentiment with the highest accuracy?</a:t>
+            </a:r>
+          </a:p>
+          <a:p>
+            <a:pPr>
+              <a:buFont typeface="Wingdings" panose="05000000000000000000" pitchFamily="2" charset="2"/>
+              <a:buChar char="«"/>
+            </a:pPr>
+            <a:endParaRPr lang="en-US" sz="3200" i="1" dirty="0"/>
+          </a:p>
+        </p:txBody>
+      </p:sp>
+      <p:sp>
+        <p:nvSpPr>
+          <p:cNvPr id="4" name="Date Placeholder 3">
+            <a:extLst>
+              <a:ext uri="{FF2B5EF4-FFF2-40B4-BE49-F238E27FC236}">
+                <a16:creationId xmlns:a16="http://schemas.microsoft.com/office/drawing/2014/main" id="{FC87BE0D-E79B-4D82-96BD-661EE0215A70}"/>
+              </a:ext>
+            </a:extLst>
+          </p:cNvPr>
+          <p:cNvSpPr>
+            <a:spLocks noGrp="1"/>
+          </p:cNvSpPr>
+          <p:nvPr>
+            <p:ph type="dt" sz="half" idx="10"/>
+          </p:nvPr>
+        </p:nvSpPr>
+        <p:spPr/>
+        <p:txBody>
+          <a:bodyPr/>
+          <a:lstStyle/>
+          <a:p>
+            <a:r>
+              <a:rPr lang="en-US"/>
+              <a:t>August 2020</a:t>
+            </a:r>
+            <a:endParaRPr lang="en-US" dirty="0"/>
+          </a:p>
+        </p:txBody>
+      </p:sp>
+      <p:sp>
+        <p:nvSpPr>
+          <p:cNvPr id="5" name="Footer Placeholder 4">
+            <a:extLst>
+              <a:ext uri="{FF2B5EF4-FFF2-40B4-BE49-F238E27FC236}">
+                <a16:creationId xmlns:a16="http://schemas.microsoft.com/office/drawing/2014/main" id="{D9F82AA2-67EE-4823-A9CB-EAA6D1C07927}"/>
+              </a:ext>
+            </a:extLst>
+          </p:cNvPr>
+          <p:cNvSpPr>
+            <a:spLocks noGrp="1"/>
+          </p:cNvSpPr>
+          <p:nvPr>
+            <p:ph type="ftr" sz="quarter" idx="11"/>
+          </p:nvPr>
+        </p:nvSpPr>
+        <p:spPr/>
+        <p:txBody>
+          <a:bodyPr/>
+          <a:lstStyle/>
+          <a:p>
+            <a:r>
+              <a:rPr lang="en-US"/>
+              <a:t>Team Xy: Blake Belnap, Helen Ly, Jasmeer Sangha, Karen Bennis</a:t>
+            </a:r>
+            <a:endParaRPr lang="en-US" dirty="0"/>
+          </a:p>
+        </p:txBody>
+      </p:sp>
+      <p:sp>
+        <p:nvSpPr>
+          <p:cNvPr id="6" name="Slide Number Placeholder 5">
+            <a:extLst>
+              <a:ext uri="{FF2B5EF4-FFF2-40B4-BE49-F238E27FC236}">
+                <a16:creationId xmlns:a16="http://schemas.microsoft.com/office/drawing/2014/main" id="{CA8978D7-2A85-40B8-A830-7A3D10DC5CBF}"/>
+              </a:ext>
+            </a:extLst>
+          </p:cNvPr>
+          <p:cNvSpPr>
+            <a:spLocks noGrp="1"/>
+          </p:cNvSpPr>
+          <p:nvPr>
+            <p:ph type="sldNum" sz="quarter" idx="12"/>
+          </p:nvPr>
+        </p:nvSpPr>
+        <p:spPr/>
+        <p:txBody>
+          <a:bodyPr/>
+          <a:lstStyle/>
+          <a:p>
+            <a:fld id="{3A98EE3D-8CD1-4C3F-BD1C-C98C9596463C}" type="slidenum">
+              <a:rPr lang="en-US" smtClean="0"/>
+              <a:t>3</a:t>
+            </a:fld>
+            <a:endParaRPr lang="en-US" dirty="0"/>
+          </a:p>
+        </p:txBody>
+      </p:sp>
+    </p:spTree>
+    <p:extLst>
+      <p:ext uri="{BB962C8B-B14F-4D97-AF65-F5344CB8AC3E}">
+        <p14:creationId xmlns:p14="http://schemas.microsoft.com/office/powerpoint/2010/main" val="4026736371"/>
+      </p:ext>
+    </p:extLst>
+  </p:cSld>
+  <p:clrMapOvr>
+    <a:masterClrMapping/>
+  </p:clrMapOvr>
+</p:sld>
+</file>
+
+<file path=ppt/slides/slide4.xml><?xml version="1.0" encoding="utf-8"?>
+<p:sld xmlns:a="http://schemas.openxmlformats.org/drawingml/2006/main" xmlns:r="http://schemas.openxmlformats.org/officeDocument/2006/relationships" xmlns:p="http://schemas.openxmlformats.org/presentationml/2006/main">
+  <p:cSld>
+    <p:spTree>
+      <p:nvGrpSpPr>
+        <p:cNvPr id="1" name=""/>
+        <p:cNvGrpSpPr/>
+        <p:nvPr/>
+      </p:nvGrpSpPr>
+      <p:grpSpPr>
+        <a:xfrm>
+          <a:off x="0" y="0"/>
+          <a:ext cx="0" cy="0"/>
+          <a:chOff x="0" y="0"/>
+          <a:chExt cx="0" cy="0"/>
+        </a:xfrm>
+      </p:grpSpPr>
+      <p:sp>
+        <p:nvSpPr>
+          <p:cNvPr id="2" name="Title 1">
+            <a:extLst>
+              <a:ext uri="{FF2B5EF4-FFF2-40B4-BE49-F238E27FC236}">
+                <a16:creationId xmlns:a16="http://schemas.microsoft.com/office/drawing/2014/main" id="{05E46F92-88CA-47BB-95E4-BDA990263DB2}"/>
+              </a:ext>
+            </a:extLst>
+          </p:cNvPr>
+          <p:cNvSpPr>
+            <a:spLocks noGrp="1"/>
+          </p:cNvSpPr>
+          <p:nvPr>
+            <p:ph type="title"/>
+          </p:nvPr>
+        </p:nvSpPr>
+        <p:spPr/>
+        <p:txBody>
+          <a:bodyPr/>
+          <a:lstStyle/>
+          <a:p>
+            <a:r>
+              <a:rPr lang="en-CA" dirty="0"/>
+              <a:t>Data sources</a:t>
+            </a:r>
+          </a:p>
+        </p:txBody>
+      </p:sp>
+      <p:sp>
+        <p:nvSpPr>
+          <p:cNvPr id="3" name="Content Placeholder 2">
+            <a:extLst>
+              <a:ext uri="{FF2B5EF4-FFF2-40B4-BE49-F238E27FC236}">
+                <a16:creationId xmlns:a16="http://schemas.microsoft.com/office/drawing/2014/main" id="{79D8873A-9B33-4A62-8657-57A6FA451BE8}"/>
+              </a:ext>
+            </a:extLst>
+          </p:cNvPr>
+          <p:cNvSpPr>
+            <a:spLocks noGrp="1"/>
+          </p:cNvSpPr>
+          <p:nvPr>
+            <p:ph sz="half" idx="1"/>
+          </p:nvPr>
+        </p:nvSpPr>
+        <p:spPr/>
+        <p:txBody>
+          <a:bodyPr>
+            <a:normAutofit fontScale="70000" lnSpcReduction="20000"/>
+          </a:bodyPr>
+          <a:lstStyle/>
+          <a:p>
+            <a:r>
+              <a:rPr lang="en-CA" sz="2900" b="1" dirty="0">
+                <a:solidFill>
+                  <a:srgbClr val="BF2419"/>
+                </a:solidFill>
+              </a:rPr>
+              <a:t> Sample Dataset</a:t>
+            </a:r>
+          </a:p>
+          <a:p>
+            <a:r>
+              <a:rPr lang="en-CA" sz="2300" b="1" dirty="0">
+                <a:hlinkClick r:id="rId3"/>
+              </a:rPr>
+              <a:t>Raw dataset ('yelp.csv'), source: </a:t>
+            </a:r>
+            <a:r>
+              <a:rPr lang="en-CA" sz="2300" b="1" dirty="0" err="1">
+                <a:hlinkClick r:id="rId3"/>
+              </a:rPr>
+              <a:t>kaggle</a:t>
+            </a:r>
+            <a:endParaRPr lang="en-CA" sz="2300" dirty="0"/>
+          </a:p>
+          <a:p>
+            <a:pPr>
+              <a:spcAft>
+                <a:spcPts val="1200"/>
+              </a:spcAft>
+              <a:buFont typeface="Wingdings" panose="05000000000000000000" pitchFamily="2" charset="2"/>
+              <a:buChar char=""/>
+            </a:pPr>
+            <a:r>
+              <a:rPr lang="en-US" sz="2800" dirty="0"/>
+              <a:t>.csv file with 10 thousand rows</a:t>
+            </a:r>
+          </a:p>
+          <a:p>
+            <a:pPr>
+              <a:spcAft>
+                <a:spcPts val="1200"/>
+              </a:spcAft>
+              <a:buFont typeface="Wingdings" panose="05000000000000000000" pitchFamily="2" charset="2"/>
+              <a:buChar char=""/>
+            </a:pPr>
+            <a:r>
+              <a:rPr lang="en-US" sz="2800" dirty="0"/>
+              <a:t>Has same columns as large dataset (therefore suitable as a sample dataset)</a:t>
+            </a:r>
+          </a:p>
+          <a:p>
+            <a:pPr>
+              <a:spcAft>
+                <a:spcPts val="1200"/>
+              </a:spcAft>
+              <a:buFont typeface="Wingdings" panose="05000000000000000000" pitchFamily="2" charset="2"/>
+              <a:buChar char=""/>
+            </a:pPr>
+            <a:r>
+              <a:rPr lang="en-US" sz="2800" dirty="0"/>
+              <a:t>Unequal distribution of reviews corresponding with  each star rating</a:t>
+            </a:r>
+          </a:p>
+          <a:p>
+            <a:pPr>
+              <a:spcAft>
+                <a:spcPts val="1200"/>
+              </a:spcAft>
+              <a:buFont typeface="Wingdings" panose="05000000000000000000" pitchFamily="2" charset="2"/>
+              <a:buChar char=""/>
+            </a:pPr>
+            <a:endParaRPr lang="en-CA" sz="2800" dirty="0"/>
+          </a:p>
+        </p:txBody>
+      </p:sp>
+      <p:sp>
+        <p:nvSpPr>
+          <p:cNvPr id="4" name="Content Placeholder 3">
+            <a:extLst>
+              <a:ext uri="{FF2B5EF4-FFF2-40B4-BE49-F238E27FC236}">
+                <a16:creationId xmlns:a16="http://schemas.microsoft.com/office/drawing/2014/main" id="{C3CC2B4C-80E7-464C-9293-ED35CC4C327B}"/>
+              </a:ext>
+            </a:extLst>
+          </p:cNvPr>
+          <p:cNvSpPr>
+            <a:spLocks noGrp="1"/>
+          </p:cNvSpPr>
+          <p:nvPr>
+            <p:ph sz="half" idx="2"/>
+          </p:nvPr>
+        </p:nvSpPr>
+        <p:spPr/>
+        <p:txBody>
+          <a:bodyPr>
+            <a:normAutofit fontScale="70000" lnSpcReduction="20000"/>
+          </a:bodyPr>
+          <a:lstStyle/>
+          <a:p>
+            <a:r>
+              <a:rPr lang="en-CA" sz="2900" b="1" dirty="0">
+                <a:solidFill>
+                  <a:srgbClr val="BF2419"/>
+                </a:solidFill>
+              </a:rPr>
+              <a:t>Dataset (big data)</a:t>
+            </a:r>
+            <a:endParaRPr lang="en-CA" sz="2900" b="1" dirty="0">
+              <a:hlinkClick r:id="rId4"/>
+            </a:endParaRPr>
+          </a:p>
+          <a:p>
+            <a:r>
+              <a:rPr lang="en-CA" sz="2300" b="1" dirty="0">
+                <a:hlinkClick r:id="rId4"/>
+              </a:rPr>
+              <a:t>Raw dataset ('yelp_review.csv'), source: </a:t>
+            </a:r>
+            <a:r>
+              <a:rPr lang="en-CA" sz="2300" b="1" dirty="0" err="1">
+                <a:hlinkClick r:id="rId4"/>
+              </a:rPr>
+              <a:t>kaggle</a:t>
+            </a:r>
+            <a:endParaRPr lang="en-CA" sz="2700" dirty="0"/>
+          </a:p>
+          <a:p>
+            <a:pPr>
+              <a:spcAft>
+                <a:spcPts val="1200"/>
+              </a:spcAft>
+              <a:buFont typeface="Wingdings" panose="05000000000000000000" pitchFamily="2" charset="2"/>
+              <a:buChar char=""/>
+            </a:pPr>
+            <a:r>
+              <a:rPr lang="en-US" sz="2800" dirty="0"/>
+              <a:t> .csv file with 5.25 million rows</a:t>
+            </a:r>
+          </a:p>
+          <a:p>
+            <a:pPr>
+              <a:spcAft>
+                <a:spcPts val="1200"/>
+              </a:spcAft>
+              <a:buFont typeface="Wingdings" panose="05000000000000000000" pitchFamily="2" charset="2"/>
+              <a:buChar char=""/>
+            </a:pPr>
+            <a:r>
+              <a:rPr lang="en-US" sz="2800" dirty="0"/>
+              <a:t>Selected on basis that ML model accuracy would improve with more data</a:t>
+            </a:r>
+          </a:p>
+          <a:p>
+            <a:pPr>
+              <a:spcAft>
+                <a:spcPts val="1200"/>
+              </a:spcAft>
+              <a:buFont typeface="Wingdings" panose="05000000000000000000" pitchFamily="2" charset="2"/>
+              <a:buChar char=""/>
+            </a:pPr>
+            <a:r>
+              <a:rPr lang="en-US" sz="2800" dirty="0"/>
+              <a:t>Technological limitations (running </a:t>
+            </a:r>
+            <a:r>
+              <a:rPr lang="en-US" sz="2800" dirty="0" err="1"/>
+              <a:t>Colab</a:t>
+            </a:r>
+            <a:r>
+              <a:rPr lang="en-US" sz="2800" dirty="0"/>
+              <a:t>) prevented us from including more data, unfortunately</a:t>
+            </a:r>
+          </a:p>
+          <a:p>
+            <a:endParaRPr lang="en-CA" dirty="0"/>
+          </a:p>
+          <a:p>
+            <a:endParaRPr lang="en-CA" dirty="0"/>
+          </a:p>
+        </p:txBody>
+      </p:sp>
+      <p:sp>
+        <p:nvSpPr>
+          <p:cNvPr id="5" name="Date Placeholder 4">
+            <a:extLst>
+              <a:ext uri="{FF2B5EF4-FFF2-40B4-BE49-F238E27FC236}">
+                <a16:creationId xmlns:a16="http://schemas.microsoft.com/office/drawing/2014/main" id="{95BFFE8B-9711-478E-85C9-D7291666A9E1}"/>
+              </a:ext>
+            </a:extLst>
+          </p:cNvPr>
+          <p:cNvSpPr>
+            <a:spLocks noGrp="1"/>
+          </p:cNvSpPr>
+          <p:nvPr>
+            <p:ph type="dt" sz="half" idx="10"/>
+          </p:nvPr>
+        </p:nvSpPr>
+        <p:spPr/>
+        <p:txBody>
+          <a:bodyPr/>
+          <a:lstStyle/>
+          <a:p>
+            <a:r>
+              <a:rPr lang="en-US"/>
+              <a:t>August 2020</a:t>
+            </a:r>
+            <a:endParaRPr lang="en-US" dirty="0"/>
+          </a:p>
+        </p:txBody>
+      </p:sp>
+      <p:sp>
+        <p:nvSpPr>
+          <p:cNvPr id="6" name="Footer Placeholder 5">
+            <a:extLst>
+              <a:ext uri="{FF2B5EF4-FFF2-40B4-BE49-F238E27FC236}">
+                <a16:creationId xmlns:a16="http://schemas.microsoft.com/office/drawing/2014/main" id="{1DD9717C-0EF9-44A7-BB15-FF8BD3A4B9A9}"/>
+              </a:ext>
+            </a:extLst>
+          </p:cNvPr>
+          <p:cNvSpPr>
+            <a:spLocks noGrp="1"/>
+          </p:cNvSpPr>
+          <p:nvPr>
+            <p:ph type="ftr" sz="quarter" idx="11"/>
+          </p:nvPr>
+        </p:nvSpPr>
+        <p:spPr/>
+        <p:txBody>
+          <a:bodyPr/>
+          <a:lstStyle/>
+          <a:p>
+            <a:r>
+              <a:rPr lang="en-US"/>
+              <a:t>Team Xy: Blake Belnap, Helen Ly, Jasmeer Sangha, Karen Bennis</a:t>
+            </a:r>
+            <a:endParaRPr lang="en-US" dirty="0"/>
+          </a:p>
+        </p:txBody>
+      </p:sp>
+      <p:sp>
+        <p:nvSpPr>
+          <p:cNvPr id="7" name="Slide Number Placeholder 6">
+            <a:extLst>
+              <a:ext uri="{FF2B5EF4-FFF2-40B4-BE49-F238E27FC236}">
+                <a16:creationId xmlns:a16="http://schemas.microsoft.com/office/drawing/2014/main" id="{4C3EB512-D91B-4D38-B7D3-9FE0C0597F6D}"/>
+              </a:ext>
+            </a:extLst>
+          </p:cNvPr>
+          <p:cNvSpPr>
+            <a:spLocks noGrp="1"/>
+          </p:cNvSpPr>
+          <p:nvPr>
+            <p:ph type="sldNum" sz="quarter" idx="12"/>
+          </p:nvPr>
+        </p:nvSpPr>
+        <p:spPr/>
+        <p:txBody>
+          <a:bodyPr/>
+          <a:lstStyle/>
+          <a:p>
+            <a:fld id="{3A98EE3D-8CD1-4C3F-BD1C-C98C9596463C}" type="slidenum">
+              <a:rPr lang="en-US" smtClean="0"/>
+              <a:t>4</a:t>
+            </a:fld>
+            <a:endParaRPr lang="en-US" dirty="0"/>
+          </a:p>
+        </p:txBody>
+      </p:sp>
+    </p:spTree>
+    <p:extLst>
+      <p:ext uri="{BB962C8B-B14F-4D97-AF65-F5344CB8AC3E}">
+        <p14:creationId xmlns:p14="http://schemas.microsoft.com/office/powerpoint/2010/main" val="199863788"/>
+      </p:ext>
+    </p:extLst>
+  </p:cSld>
+  <p:clrMapOvr>
+    <a:masterClrMapping/>
+  </p:clrMapOvr>
+</p:sld>
+</file>
+
+<file path=ppt/slides/slide5.xml><?xml version="1.0" encoding="utf-8"?>
+<p:sld xmlns:a="http://schemas.openxmlformats.org/drawingml/2006/main" xmlns:r="http://schemas.openxmlformats.org/officeDocument/2006/relationships" xmlns:p="http://schemas.openxmlformats.org/presentationml/2006/main">
+  <p:cSld>
+    <p:spTree>
+      <p:nvGrpSpPr>
+        <p:cNvPr id="1" name=""/>
+        <p:cNvGrpSpPr/>
+        <p:nvPr/>
+      </p:nvGrpSpPr>
+      <p:grpSpPr>
+        <a:xfrm>
+          <a:off x="0" y="0"/>
+          <a:ext cx="0" cy="0"/>
+          <a:chOff x="0" y="0"/>
+          <a:chExt cx="0" cy="0"/>
+        </a:xfrm>
+      </p:grpSpPr>
+      <p:sp>
+        <p:nvSpPr>
+          <p:cNvPr id="2" name="Title 1">
+            <a:extLst>
+              <a:ext uri="{FF2B5EF4-FFF2-40B4-BE49-F238E27FC236}">
+                <a16:creationId xmlns:a16="http://schemas.microsoft.com/office/drawing/2014/main" id="{0BF2C67F-E120-441B-B239-01E4697E31EB}"/>
+              </a:ext>
+            </a:extLst>
+          </p:cNvPr>
+          <p:cNvSpPr>
+            <a:spLocks noGrp="1"/>
+          </p:cNvSpPr>
+          <p:nvPr>
+            <p:ph type="title"/>
+          </p:nvPr>
+        </p:nvSpPr>
+        <p:spPr/>
+        <p:txBody>
+          <a:bodyPr/>
+          <a:lstStyle/>
+          <a:p>
+            <a:r>
+              <a:rPr lang="en-US" dirty="0"/>
               <a:t>Technologies and languages</a:t>
             </a:r>
             <a:endParaRPr lang="en-CA" dirty="0"/>
@@ -19827,7 +21460,7 @@
           <a:p>
             <a:fld id="{3A98EE3D-8CD1-4C3F-BD1C-C98C9596463C}" type="slidenum">
               <a:rPr lang="en-US" smtClean="0"/>
-              <a:t>14</a:t>
+              <a:t>5</a:t>
             </a:fld>
             <a:endParaRPr lang="en-US" dirty="0"/>
           </a:p>
@@ -20644,7 +22277,7 @@
 </p:sld>
 </file>
 
-<file path=ppt/slides/slide15.xml><?xml version="1.0" encoding="utf-8"?>
+<file path=ppt/slides/slide6.xml><?xml version="1.0" encoding="utf-8"?>
 <p:sld xmlns:a="http://schemas.openxmlformats.org/drawingml/2006/main" xmlns:r="http://schemas.openxmlformats.org/officeDocument/2006/relationships" xmlns:p="http://schemas.openxmlformats.org/presentationml/2006/main">
   <p:cSld>
     <p:spTree>
@@ -20684,1369 +22317,6 @@
           <a:p>
             <a:r>
               <a:rPr lang="en-US" dirty="0"/>
-              <a:t>Lessons learned</a:t>
-            </a:r>
-            <a:endParaRPr lang="en-CA" dirty="0"/>
-          </a:p>
-        </p:txBody>
-      </p:sp>
-      <p:sp>
-        <p:nvSpPr>
-          <p:cNvPr id="3" name="Content Placeholder 2">
-            <a:extLst>
-              <a:ext uri="{FF2B5EF4-FFF2-40B4-BE49-F238E27FC236}">
-                <a16:creationId xmlns:a16="http://schemas.microsoft.com/office/drawing/2014/main" id="{7DD044CB-16C9-4730-ADDE-4E884EC9DFDA}"/>
-              </a:ext>
-            </a:extLst>
-          </p:cNvPr>
-          <p:cNvSpPr>
-            <a:spLocks noGrp="1"/>
-          </p:cNvSpPr>
-          <p:nvPr>
-            <p:ph idx="1"/>
-          </p:nvPr>
-        </p:nvSpPr>
-        <p:spPr/>
-        <p:txBody>
-          <a:bodyPr>
-            <a:normAutofit/>
-          </a:bodyPr>
-          <a:lstStyle/>
-          <a:p>
-            <a:pPr>
-              <a:buFont typeface="Wingdings" panose="05000000000000000000" pitchFamily="2" charset="2"/>
-              <a:buChar char="«"/>
-            </a:pPr>
-            <a:r>
-              <a:rPr lang="en-CA" sz="2800" dirty="0"/>
-              <a:t>Despite the benefits of Google Cloud Service, Google </a:t>
-            </a:r>
-            <a:r>
-              <a:rPr lang="en-CA" sz="2800" dirty="0" err="1"/>
-              <a:t>Colab</a:t>
-            </a:r>
-            <a:r>
-              <a:rPr lang="en-CA" sz="2800" dirty="0"/>
-              <a:t> was a bottleneck, and ultimately unable to perform what we intended</a:t>
-            </a:r>
-          </a:p>
-          <a:p>
-            <a:pPr>
-              <a:buFont typeface="Wingdings" panose="05000000000000000000" pitchFamily="2" charset="2"/>
-              <a:buChar char="«"/>
-            </a:pPr>
-            <a:r>
-              <a:rPr lang="en-CA" sz="2800" dirty="0"/>
-              <a:t>Dense layers of neural networks use much more RAM than other ML models when using sparse matrices for hashed text</a:t>
-            </a:r>
-          </a:p>
-          <a:p>
-            <a:pPr>
-              <a:buFont typeface="Wingdings" panose="05000000000000000000" pitchFamily="2" charset="2"/>
-              <a:buChar char="«"/>
-            </a:pPr>
-            <a:r>
-              <a:rPr lang="en-CA" sz="2800" dirty="0"/>
-              <a:t>We may have identified cost-effective solutions that could handle big data AND run a neural network machine learning model, had there been more time</a:t>
-            </a:r>
-          </a:p>
-        </p:txBody>
-      </p:sp>
-      <p:sp>
-        <p:nvSpPr>
-          <p:cNvPr id="4" name="Date Placeholder 3">
-            <a:extLst>
-              <a:ext uri="{FF2B5EF4-FFF2-40B4-BE49-F238E27FC236}">
-                <a16:creationId xmlns:a16="http://schemas.microsoft.com/office/drawing/2014/main" id="{A83AB89B-ED85-49CB-B5C9-2CD42ED10FEE}"/>
-              </a:ext>
-            </a:extLst>
-          </p:cNvPr>
-          <p:cNvSpPr>
-            <a:spLocks noGrp="1"/>
-          </p:cNvSpPr>
-          <p:nvPr>
-            <p:ph type="dt" sz="half" idx="10"/>
-          </p:nvPr>
-        </p:nvSpPr>
-        <p:spPr/>
-        <p:txBody>
-          <a:bodyPr/>
-          <a:lstStyle/>
-          <a:p>
-            <a:r>
-              <a:rPr lang="en-US"/>
-              <a:t>August 2020</a:t>
-            </a:r>
-            <a:endParaRPr lang="en-US" dirty="0"/>
-          </a:p>
-        </p:txBody>
-      </p:sp>
-      <p:sp>
-        <p:nvSpPr>
-          <p:cNvPr id="5" name="Footer Placeholder 4">
-            <a:extLst>
-              <a:ext uri="{FF2B5EF4-FFF2-40B4-BE49-F238E27FC236}">
-                <a16:creationId xmlns:a16="http://schemas.microsoft.com/office/drawing/2014/main" id="{3A33C639-C4A9-4449-8810-7F87EF8CFE26}"/>
-              </a:ext>
-            </a:extLst>
-          </p:cNvPr>
-          <p:cNvSpPr>
-            <a:spLocks noGrp="1"/>
-          </p:cNvSpPr>
-          <p:nvPr>
-            <p:ph type="ftr" sz="quarter" idx="11"/>
-          </p:nvPr>
-        </p:nvSpPr>
-        <p:spPr/>
-        <p:txBody>
-          <a:bodyPr/>
-          <a:lstStyle/>
-          <a:p>
-            <a:r>
-              <a:rPr lang="en-US"/>
-              <a:t>Team Xy: Blake Belnap, Helen Ly, Jasmeer Sangha, Karen Bennis</a:t>
-            </a:r>
-            <a:endParaRPr lang="en-US" dirty="0"/>
-          </a:p>
-        </p:txBody>
-      </p:sp>
-      <p:sp>
-        <p:nvSpPr>
-          <p:cNvPr id="6" name="Slide Number Placeholder 5">
-            <a:extLst>
-              <a:ext uri="{FF2B5EF4-FFF2-40B4-BE49-F238E27FC236}">
-                <a16:creationId xmlns:a16="http://schemas.microsoft.com/office/drawing/2014/main" id="{C8014711-EC9B-4038-93D0-88647B081188}"/>
-              </a:ext>
-            </a:extLst>
-          </p:cNvPr>
-          <p:cNvSpPr>
-            <a:spLocks noGrp="1"/>
-          </p:cNvSpPr>
-          <p:nvPr>
-            <p:ph type="sldNum" sz="quarter" idx="12"/>
-          </p:nvPr>
-        </p:nvSpPr>
-        <p:spPr/>
-        <p:txBody>
-          <a:bodyPr/>
-          <a:lstStyle/>
-          <a:p>
-            <a:fld id="{3A98EE3D-8CD1-4C3F-BD1C-C98C9596463C}" type="slidenum">
-              <a:rPr lang="en-US" smtClean="0"/>
-              <a:t>15</a:t>
-            </a:fld>
-            <a:endParaRPr lang="en-US" dirty="0"/>
-          </a:p>
-        </p:txBody>
-      </p:sp>
-    </p:spTree>
-    <p:extLst>
-      <p:ext uri="{BB962C8B-B14F-4D97-AF65-F5344CB8AC3E}">
-        <p14:creationId xmlns:p14="http://schemas.microsoft.com/office/powerpoint/2010/main" val="1052060576"/>
-      </p:ext>
-    </p:extLst>
-  </p:cSld>
-  <p:clrMapOvr>
-    <a:masterClrMapping/>
-  </p:clrMapOvr>
-</p:sld>
-</file>
-
-<file path=ppt/slides/slide16.xml><?xml version="1.0" encoding="utf-8"?>
-<p:sld xmlns:a="http://schemas.openxmlformats.org/drawingml/2006/main" xmlns:r="http://schemas.openxmlformats.org/officeDocument/2006/relationships" xmlns:p="http://schemas.openxmlformats.org/presentationml/2006/main">
-  <p:cSld>
-    <p:spTree>
-      <p:nvGrpSpPr>
-        <p:cNvPr id="1" name=""/>
-        <p:cNvGrpSpPr/>
-        <p:nvPr/>
-      </p:nvGrpSpPr>
-      <p:grpSpPr>
-        <a:xfrm>
-          <a:off x="0" y="0"/>
-          <a:ext cx="0" cy="0"/>
-          <a:chOff x="0" y="0"/>
-          <a:chExt cx="0" cy="0"/>
-        </a:xfrm>
-      </p:grpSpPr>
-      <p:sp>
-        <p:nvSpPr>
-          <p:cNvPr id="2" name="Title 1">
-            <a:extLst>
-              <a:ext uri="{FF2B5EF4-FFF2-40B4-BE49-F238E27FC236}">
-                <a16:creationId xmlns:a16="http://schemas.microsoft.com/office/drawing/2014/main" id="{0BF2C67F-E120-441B-B239-01E4697E31EB}"/>
-              </a:ext>
-            </a:extLst>
-          </p:cNvPr>
-          <p:cNvSpPr>
-            <a:spLocks noGrp="1"/>
-          </p:cNvSpPr>
-          <p:nvPr>
-            <p:ph type="title"/>
-          </p:nvPr>
-        </p:nvSpPr>
-        <p:spPr/>
-        <p:txBody>
-          <a:bodyPr/>
-          <a:lstStyle/>
-          <a:p>
-            <a:r>
-              <a:rPr lang="en-US" dirty="0"/>
-              <a:t>Recommendations for future analysis</a:t>
-            </a:r>
-            <a:endParaRPr lang="en-CA" dirty="0"/>
-          </a:p>
-        </p:txBody>
-      </p:sp>
-      <p:sp>
-        <p:nvSpPr>
-          <p:cNvPr id="4" name="Date Placeholder 3">
-            <a:extLst>
-              <a:ext uri="{FF2B5EF4-FFF2-40B4-BE49-F238E27FC236}">
-                <a16:creationId xmlns:a16="http://schemas.microsoft.com/office/drawing/2014/main" id="{A83AB89B-ED85-49CB-B5C9-2CD42ED10FEE}"/>
-              </a:ext>
-            </a:extLst>
-          </p:cNvPr>
-          <p:cNvSpPr>
-            <a:spLocks noGrp="1"/>
-          </p:cNvSpPr>
-          <p:nvPr>
-            <p:ph type="dt" sz="half" idx="10"/>
-          </p:nvPr>
-        </p:nvSpPr>
-        <p:spPr/>
-        <p:txBody>
-          <a:bodyPr/>
-          <a:lstStyle/>
-          <a:p>
-            <a:r>
-              <a:rPr lang="en-US"/>
-              <a:t>August 2020</a:t>
-            </a:r>
-            <a:endParaRPr lang="en-US" dirty="0"/>
-          </a:p>
-        </p:txBody>
-      </p:sp>
-      <p:sp>
-        <p:nvSpPr>
-          <p:cNvPr id="5" name="Footer Placeholder 4">
-            <a:extLst>
-              <a:ext uri="{FF2B5EF4-FFF2-40B4-BE49-F238E27FC236}">
-                <a16:creationId xmlns:a16="http://schemas.microsoft.com/office/drawing/2014/main" id="{3A33C639-C4A9-4449-8810-7F87EF8CFE26}"/>
-              </a:ext>
-            </a:extLst>
-          </p:cNvPr>
-          <p:cNvSpPr>
-            <a:spLocks noGrp="1"/>
-          </p:cNvSpPr>
-          <p:nvPr>
-            <p:ph type="ftr" sz="quarter" idx="11"/>
-          </p:nvPr>
-        </p:nvSpPr>
-        <p:spPr/>
-        <p:txBody>
-          <a:bodyPr/>
-          <a:lstStyle/>
-          <a:p>
-            <a:r>
-              <a:rPr lang="en-US"/>
-              <a:t>Team Xy: Blake Belnap, Helen Ly, Jasmeer Sangha, Karen Bennis</a:t>
-            </a:r>
-            <a:endParaRPr lang="en-US" dirty="0"/>
-          </a:p>
-        </p:txBody>
-      </p:sp>
-      <p:sp>
-        <p:nvSpPr>
-          <p:cNvPr id="6" name="Slide Number Placeholder 5">
-            <a:extLst>
-              <a:ext uri="{FF2B5EF4-FFF2-40B4-BE49-F238E27FC236}">
-                <a16:creationId xmlns:a16="http://schemas.microsoft.com/office/drawing/2014/main" id="{C8014711-EC9B-4038-93D0-88647B081188}"/>
-              </a:ext>
-            </a:extLst>
-          </p:cNvPr>
-          <p:cNvSpPr>
-            <a:spLocks noGrp="1"/>
-          </p:cNvSpPr>
-          <p:nvPr>
-            <p:ph type="sldNum" sz="quarter" idx="12"/>
-          </p:nvPr>
-        </p:nvSpPr>
-        <p:spPr/>
-        <p:txBody>
-          <a:bodyPr/>
-          <a:lstStyle/>
-          <a:p>
-            <a:fld id="{3A98EE3D-8CD1-4C3F-BD1C-C98C9596463C}" type="slidenum">
-              <a:rPr lang="en-US" smtClean="0"/>
-              <a:t>16</a:t>
-            </a:fld>
-            <a:endParaRPr lang="en-US" dirty="0"/>
-          </a:p>
-        </p:txBody>
-      </p:sp>
-      <p:sp>
-        <p:nvSpPr>
-          <p:cNvPr id="7" name="Content Placeholder 2">
-            <a:extLst>
-              <a:ext uri="{FF2B5EF4-FFF2-40B4-BE49-F238E27FC236}">
-                <a16:creationId xmlns:a16="http://schemas.microsoft.com/office/drawing/2014/main" id="{C8D5885D-0094-4A96-96E6-A1AD76FD3B22}"/>
-              </a:ext>
-            </a:extLst>
-          </p:cNvPr>
-          <p:cNvSpPr>
-            <a:spLocks noGrp="1"/>
-          </p:cNvSpPr>
-          <p:nvPr>
-            <p:ph idx="1"/>
-          </p:nvPr>
-        </p:nvSpPr>
-        <p:spPr>
-          <a:xfrm>
-            <a:off x="1096963" y="2108200"/>
-            <a:ext cx="10058400" cy="3760788"/>
-          </a:xfrm>
-        </p:spPr>
-        <p:txBody>
-          <a:bodyPr>
-            <a:normAutofit/>
-          </a:bodyPr>
-          <a:lstStyle/>
-          <a:p>
-            <a:pPr>
-              <a:buFont typeface="Wingdings" panose="05000000000000000000" pitchFamily="2" charset="2"/>
-              <a:buChar char="«"/>
-            </a:pPr>
-            <a:r>
-              <a:rPr lang="en-CA" sz="2800" dirty="0"/>
-              <a:t>Train and test ML models on larger dataset</a:t>
-            </a:r>
-          </a:p>
-          <a:p>
-            <a:pPr>
-              <a:buFont typeface="Wingdings" panose="05000000000000000000" pitchFamily="2" charset="2"/>
-              <a:buChar char="«"/>
-            </a:pPr>
-            <a:r>
-              <a:rPr lang="en-CA" sz="2800" dirty="0"/>
-              <a:t>Find a viable solution for running the neural network machine learning model</a:t>
-            </a:r>
-          </a:p>
-          <a:p>
-            <a:pPr>
-              <a:buFont typeface="Wingdings" panose="05000000000000000000" pitchFamily="2" charset="2"/>
-              <a:buChar char="«"/>
-            </a:pPr>
-            <a:r>
-              <a:rPr lang="en-CA" sz="2800" dirty="0"/>
-              <a:t>After a successful run of the neural network machine learning model, apply the model to different datasets (e.g. amazon reviews, IMDb reviews, Google reviews) to see its effectiveness in predicting sentiment when applied to different datasets</a:t>
-            </a:r>
-          </a:p>
-        </p:txBody>
-      </p:sp>
-    </p:spTree>
-    <p:extLst>
-      <p:ext uri="{BB962C8B-B14F-4D97-AF65-F5344CB8AC3E}">
-        <p14:creationId xmlns:p14="http://schemas.microsoft.com/office/powerpoint/2010/main" val="826369165"/>
-      </p:ext>
-    </p:extLst>
-  </p:cSld>
-  <p:clrMapOvr>
-    <a:masterClrMapping/>
-  </p:clrMapOvr>
-</p:sld>
-</file>
-
-<file path=ppt/slides/slide17.xml><?xml version="1.0" encoding="utf-8"?>
-<p:sld xmlns:a="http://schemas.openxmlformats.org/drawingml/2006/main" xmlns:r="http://schemas.openxmlformats.org/officeDocument/2006/relationships" xmlns:p="http://schemas.openxmlformats.org/presentationml/2006/main">
-  <p:cSld>
-    <p:spTree>
-      <p:nvGrpSpPr>
-        <p:cNvPr id="1" name=""/>
-        <p:cNvGrpSpPr/>
-        <p:nvPr/>
-      </p:nvGrpSpPr>
-      <p:grpSpPr>
-        <a:xfrm>
-          <a:off x="0" y="0"/>
-          <a:ext cx="0" cy="0"/>
-          <a:chOff x="0" y="0"/>
-          <a:chExt cx="0" cy="0"/>
-        </a:xfrm>
-      </p:grpSpPr>
-      <p:sp>
-        <p:nvSpPr>
-          <p:cNvPr id="2" name="Title 1">
-            <a:extLst>
-              <a:ext uri="{FF2B5EF4-FFF2-40B4-BE49-F238E27FC236}">
-                <a16:creationId xmlns:a16="http://schemas.microsoft.com/office/drawing/2014/main" id="{0BF2C67F-E120-441B-B239-01E4697E31EB}"/>
-              </a:ext>
-            </a:extLst>
-          </p:cNvPr>
-          <p:cNvSpPr>
-            <a:spLocks noGrp="1"/>
-          </p:cNvSpPr>
-          <p:nvPr>
-            <p:ph type="title"/>
-          </p:nvPr>
-        </p:nvSpPr>
-        <p:spPr/>
-        <p:txBody>
-          <a:bodyPr/>
-          <a:lstStyle/>
-          <a:p>
-            <a:r>
-              <a:rPr lang="en-US" dirty="0"/>
-              <a:t>Thank you!</a:t>
-            </a:r>
-            <a:endParaRPr lang="en-CA" dirty="0"/>
-          </a:p>
-        </p:txBody>
-      </p:sp>
-      <p:sp>
-        <p:nvSpPr>
-          <p:cNvPr id="4" name="Date Placeholder 3">
-            <a:extLst>
-              <a:ext uri="{FF2B5EF4-FFF2-40B4-BE49-F238E27FC236}">
-                <a16:creationId xmlns:a16="http://schemas.microsoft.com/office/drawing/2014/main" id="{A83AB89B-ED85-49CB-B5C9-2CD42ED10FEE}"/>
-              </a:ext>
-            </a:extLst>
-          </p:cNvPr>
-          <p:cNvSpPr>
-            <a:spLocks noGrp="1"/>
-          </p:cNvSpPr>
-          <p:nvPr>
-            <p:ph type="dt" sz="half" idx="10"/>
-          </p:nvPr>
-        </p:nvSpPr>
-        <p:spPr/>
-        <p:txBody>
-          <a:bodyPr/>
-          <a:lstStyle/>
-          <a:p>
-            <a:r>
-              <a:rPr lang="en-US"/>
-              <a:t>August 2020</a:t>
-            </a:r>
-            <a:endParaRPr lang="en-US" dirty="0"/>
-          </a:p>
-        </p:txBody>
-      </p:sp>
-      <p:sp>
-        <p:nvSpPr>
-          <p:cNvPr id="5" name="Footer Placeholder 4">
-            <a:extLst>
-              <a:ext uri="{FF2B5EF4-FFF2-40B4-BE49-F238E27FC236}">
-                <a16:creationId xmlns:a16="http://schemas.microsoft.com/office/drawing/2014/main" id="{3A33C639-C4A9-4449-8810-7F87EF8CFE26}"/>
-              </a:ext>
-            </a:extLst>
-          </p:cNvPr>
-          <p:cNvSpPr>
-            <a:spLocks noGrp="1"/>
-          </p:cNvSpPr>
-          <p:nvPr>
-            <p:ph type="ftr" sz="quarter" idx="11"/>
-          </p:nvPr>
-        </p:nvSpPr>
-        <p:spPr/>
-        <p:txBody>
-          <a:bodyPr/>
-          <a:lstStyle/>
-          <a:p>
-            <a:r>
-              <a:rPr lang="en-US"/>
-              <a:t>Team Xy: Blake Belnap, Helen Ly, Jasmeer Sangha, Karen Bennis</a:t>
-            </a:r>
-            <a:endParaRPr lang="en-US" dirty="0"/>
-          </a:p>
-        </p:txBody>
-      </p:sp>
-      <p:sp>
-        <p:nvSpPr>
-          <p:cNvPr id="6" name="Slide Number Placeholder 5">
-            <a:extLst>
-              <a:ext uri="{FF2B5EF4-FFF2-40B4-BE49-F238E27FC236}">
-                <a16:creationId xmlns:a16="http://schemas.microsoft.com/office/drawing/2014/main" id="{C8014711-EC9B-4038-93D0-88647B081188}"/>
-              </a:ext>
-            </a:extLst>
-          </p:cNvPr>
-          <p:cNvSpPr>
-            <a:spLocks noGrp="1"/>
-          </p:cNvSpPr>
-          <p:nvPr>
-            <p:ph type="sldNum" sz="quarter" idx="12"/>
-          </p:nvPr>
-        </p:nvSpPr>
-        <p:spPr/>
-        <p:txBody>
-          <a:bodyPr/>
-          <a:lstStyle/>
-          <a:p>
-            <a:fld id="{3A98EE3D-8CD1-4C3F-BD1C-C98C9596463C}" type="slidenum">
-              <a:rPr lang="en-US" smtClean="0"/>
-              <a:t>17</a:t>
-            </a:fld>
-            <a:endParaRPr lang="en-US" dirty="0"/>
-          </a:p>
-        </p:txBody>
-      </p:sp>
-      <p:sp>
-        <p:nvSpPr>
-          <p:cNvPr id="7" name="Content Placeholder 2">
-            <a:extLst>
-              <a:ext uri="{FF2B5EF4-FFF2-40B4-BE49-F238E27FC236}">
-                <a16:creationId xmlns:a16="http://schemas.microsoft.com/office/drawing/2014/main" id="{9FEC2709-46E0-44D2-91D3-82460D305D8C}"/>
-              </a:ext>
-            </a:extLst>
-          </p:cNvPr>
-          <p:cNvSpPr>
-            <a:spLocks noGrp="1"/>
-          </p:cNvSpPr>
-          <p:nvPr>
-            <p:ph idx="1"/>
-          </p:nvPr>
-        </p:nvSpPr>
-        <p:spPr>
-          <a:xfrm>
-            <a:off x="1096963" y="2108200"/>
-            <a:ext cx="10058400" cy="3760788"/>
-          </a:xfrm>
-        </p:spPr>
-        <p:txBody>
-          <a:bodyPr>
-            <a:normAutofit/>
-          </a:bodyPr>
-          <a:lstStyle/>
-          <a:p>
-            <a:pPr marL="0" indent="0">
-              <a:buNone/>
-            </a:pPr>
-            <a:r>
-              <a:rPr lang="en-CA" sz="13800" dirty="0">
-                <a:solidFill>
-                  <a:srgbClr val="BF2419"/>
-                </a:solidFill>
-              </a:rPr>
-              <a:t>Questions?</a:t>
-            </a:r>
-          </a:p>
-        </p:txBody>
-      </p:sp>
-    </p:spTree>
-    <p:extLst>
-      <p:ext uri="{BB962C8B-B14F-4D97-AF65-F5344CB8AC3E}">
-        <p14:creationId xmlns:p14="http://schemas.microsoft.com/office/powerpoint/2010/main" val="842155356"/>
-      </p:ext>
-    </p:extLst>
-  </p:cSld>
-  <p:clrMapOvr>
-    <a:masterClrMapping/>
-  </p:clrMapOvr>
-</p:sld>
-</file>
-
-<file path=ppt/slides/slide2.xml><?xml version="1.0" encoding="utf-8"?>
-<p:sld xmlns:a="http://schemas.openxmlformats.org/drawingml/2006/main" xmlns:r="http://schemas.openxmlformats.org/officeDocument/2006/relationships" xmlns:p="http://schemas.openxmlformats.org/presentationml/2006/main">
-  <p:cSld>
-    <p:spTree>
-      <p:nvGrpSpPr>
-        <p:cNvPr id="1" name=""/>
-        <p:cNvGrpSpPr/>
-        <p:nvPr/>
-      </p:nvGrpSpPr>
-      <p:grpSpPr>
-        <a:xfrm>
-          <a:off x="0" y="0"/>
-          <a:ext cx="0" cy="0"/>
-          <a:chOff x="0" y="0"/>
-          <a:chExt cx="0" cy="0"/>
-        </a:xfrm>
-      </p:grpSpPr>
-      <p:sp>
-        <p:nvSpPr>
-          <p:cNvPr id="2" name="Title 1">
-            <a:extLst>
-              <a:ext uri="{FF2B5EF4-FFF2-40B4-BE49-F238E27FC236}">
-                <a16:creationId xmlns:a16="http://schemas.microsoft.com/office/drawing/2014/main" id="{2FCC808F-BA6C-455B-A37C-38D9818593C7}"/>
-              </a:ext>
-            </a:extLst>
-          </p:cNvPr>
-          <p:cNvSpPr>
-            <a:spLocks noGrp="1"/>
-          </p:cNvSpPr>
-          <p:nvPr>
-            <p:ph type="title"/>
-          </p:nvPr>
-        </p:nvSpPr>
-        <p:spPr/>
-        <p:txBody>
-          <a:bodyPr/>
-          <a:lstStyle/>
-          <a:p>
-            <a:r>
-              <a:rPr lang="en-CA" dirty="0"/>
-              <a:t>Topic</a:t>
-            </a:r>
-          </a:p>
-        </p:txBody>
-      </p:sp>
-      <p:sp>
-        <p:nvSpPr>
-          <p:cNvPr id="3" name="Content Placeholder 2">
-            <a:extLst>
-              <a:ext uri="{FF2B5EF4-FFF2-40B4-BE49-F238E27FC236}">
-                <a16:creationId xmlns:a16="http://schemas.microsoft.com/office/drawing/2014/main" id="{EFE654CA-E749-49D4-89BB-C5EF0F67C521}"/>
-              </a:ext>
-            </a:extLst>
-          </p:cNvPr>
-          <p:cNvSpPr>
-            <a:spLocks noGrp="1"/>
-          </p:cNvSpPr>
-          <p:nvPr>
-            <p:ph idx="1"/>
-          </p:nvPr>
-        </p:nvSpPr>
-        <p:spPr/>
-        <p:txBody>
-          <a:bodyPr>
-            <a:normAutofit/>
-          </a:bodyPr>
-          <a:lstStyle/>
-          <a:p>
-            <a:pPr marL="201168" lvl="1" indent="0">
-              <a:buNone/>
-            </a:pPr>
-            <a:r>
-              <a:rPr lang="en-CA" sz="2800" b="1" i="1" dirty="0">
-                <a:solidFill>
-                  <a:srgbClr val="BF2419"/>
-                </a:solidFill>
-              </a:rPr>
-              <a:t>Sentiment analysis using natural language processing (NLP) and machine learning techniques to classify Yelp reviews by star rating</a:t>
-            </a:r>
-          </a:p>
-          <a:p>
-            <a:pPr marL="201168" lvl="1" indent="0">
-              <a:buNone/>
-            </a:pPr>
-            <a:endParaRPr lang="en-CA" sz="2800" b="1" i="1" dirty="0">
-              <a:solidFill>
-                <a:srgbClr val="BF2419"/>
-              </a:solidFill>
-            </a:endParaRPr>
-          </a:p>
-          <a:p>
-            <a:r>
-              <a:rPr lang="en-CA" sz="2800" b="1" dirty="0"/>
-              <a:t>Reason for topic selection:</a:t>
-            </a:r>
-          </a:p>
-          <a:p>
-            <a:pPr>
-              <a:buFont typeface="Wingdings" panose="05000000000000000000" pitchFamily="2" charset="2"/>
-              <a:buChar char=""/>
-            </a:pPr>
-            <a:r>
-              <a:rPr lang="en-CA" dirty="0"/>
-              <a:t>To expand upon the course content covering NLP</a:t>
-            </a:r>
-          </a:p>
-          <a:p>
-            <a:pPr>
-              <a:buFont typeface="Wingdings" panose="05000000000000000000" pitchFamily="2" charset="2"/>
-              <a:buChar char=""/>
-            </a:pPr>
-            <a:r>
-              <a:rPr lang="en-CA" dirty="0"/>
-              <a:t>To cover a topic with universal appeal and relevance to everyday life</a:t>
-            </a:r>
-          </a:p>
-        </p:txBody>
-      </p:sp>
-      <p:sp>
-        <p:nvSpPr>
-          <p:cNvPr id="4" name="Date Placeholder 3">
-            <a:extLst>
-              <a:ext uri="{FF2B5EF4-FFF2-40B4-BE49-F238E27FC236}">
-                <a16:creationId xmlns:a16="http://schemas.microsoft.com/office/drawing/2014/main" id="{05DAE0B8-3F7D-477E-B30E-DBFD59B952A2}"/>
-              </a:ext>
-            </a:extLst>
-          </p:cNvPr>
-          <p:cNvSpPr>
-            <a:spLocks noGrp="1"/>
-          </p:cNvSpPr>
-          <p:nvPr>
-            <p:ph type="dt" sz="half" idx="10"/>
-          </p:nvPr>
-        </p:nvSpPr>
-        <p:spPr/>
-        <p:txBody>
-          <a:bodyPr/>
-          <a:lstStyle/>
-          <a:p>
-            <a:r>
-              <a:rPr lang="en-US"/>
-              <a:t>August 2020</a:t>
-            </a:r>
-            <a:endParaRPr lang="en-US" dirty="0"/>
-          </a:p>
-        </p:txBody>
-      </p:sp>
-      <p:sp>
-        <p:nvSpPr>
-          <p:cNvPr id="5" name="Footer Placeholder 4">
-            <a:extLst>
-              <a:ext uri="{FF2B5EF4-FFF2-40B4-BE49-F238E27FC236}">
-                <a16:creationId xmlns:a16="http://schemas.microsoft.com/office/drawing/2014/main" id="{0D576905-1740-4FB0-8DC9-E1BA0D426DB6}"/>
-              </a:ext>
-            </a:extLst>
-          </p:cNvPr>
-          <p:cNvSpPr>
-            <a:spLocks noGrp="1"/>
-          </p:cNvSpPr>
-          <p:nvPr>
-            <p:ph type="ftr" sz="quarter" idx="11"/>
-          </p:nvPr>
-        </p:nvSpPr>
-        <p:spPr/>
-        <p:txBody>
-          <a:bodyPr/>
-          <a:lstStyle/>
-          <a:p>
-            <a:r>
-              <a:rPr lang="en-US"/>
-              <a:t>Team Xy: Blake Belnap, Helen Ly, Jasmeer Sangha, Karen Bennis</a:t>
-            </a:r>
-            <a:endParaRPr lang="en-US" dirty="0"/>
-          </a:p>
-        </p:txBody>
-      </p:sp>
-      <p:sp>
-        <p:nvSpPr>
-          <p:cNvPr id="6" name="Slide Number Placeholder 5">
-            <a:extLst>
-              <a:ext uri="{FF2B5EF4-FFF2-40B4-BE49-F238E27FC236}">
-                <a16:creationId xmlns:a16="http://schemas.microsoft.com/office/drawing/2014/main" id="{BFB12F51-B2BE-4012-A367-EF18620AF7CA}"/>
-              </a:ext>
-            </a:extLst>
-          </p:cNvPr>
-          <p:cNvSpPr>
-            <a:spLocks noGrp="1"/>
-          </p:cNvSpPr>
-          <p:nvPr>
-            <p:ph type="sldNum" sz="quarter" idx="12"/>
-          </p:nvPr>
-        </p:nvSpPr>
-        <p:spPr/>
-        <p:txBody>
-          <a:bodyPr/>
-          <a:lstStyle/>
-          <a:p>
-            <a:fld id="{3A98EE3D-8CD1-4C3F-BD1C-C98C9596463C}" type="slidenum">
-              <a:rPr lang="en-US" smtClean="0"/>
-              <a:t>2</a:t>
-            </a:fld>
-            <a:endParaRPr lang="en-US" dirty="0"/>
-          </a:p>
-        </p:txBody>
-      </p:sp>
-    </p:spTree>
-    <p:extLst>
-      <p:ext uri="{BB962C8B-B14F-4D97-AF65-F5344CB8AC3E}">
-        <p14:creationId xmlns:p14="http://schemas.microsoft.com/office/powerpoint/2010/main" val="1708545650"/>
-      </p:ext>
-    </p:extLst>
-  </p:cSld>
-  <p:clrMapOvr>
-    <a:masterClrMapping/>
-  </p:clrMapOvr>
-</p:sld>
-</file>
-
-<file path=ppt/slides/slide3.xml><?xml version="1.0" encoding="utf-8"?>
-<p:sld xmlns:a="http://schemas.openxmlformats.org/drawingml/2006/main" xmlns:r="http://schemas.openxmlformats.org/officeDocument/2006/relationships" xmlns:p="http://schemas.openxmlformats.org/presentationml/2006/main">
-  <p:cSld>
-    <p:spTree>
-      <p:nvGrpSpPr>
-        <p:cNvPr id="1" name=""/>
-        <p:cNvGrpSpPr/>
-        <p:nvPr/>
-      </p:nvGrpSpPr>
-      <p:grpSpPr>
-        <a:xfrm>
-          <a:off x="0" y="0"/>
-          <a:ext cx="0" cy="0"/>
-          <a:chOff x="0" y="0"/>
-          <a:chExt cx="0" cy="0"/>
-        </a:xfrm>
-      </p:grpSpPr>
-      <p:sp>
-        <p:nvSpPr>
-          <p:cNvPr id="2" name="Title 1">
-            <a:extLst>
-              <a:ext uri="{FF2B5EF4-FFF2-40B4-BE49-F238E27FC236}">
-                <a16:creationId xmlns:a16="http://schemas.microsoft.com/office/drawing/2014/main" id="{05E46F92-88CA-47BB-95E4-BDA990263DB2}"/>
-              </a:ext>
-            </a:extLst>
-          </p:cNvPr>
-          <p:cNvSpPr>
-            <a:spLocks noGrp="1"/>
-          </p:cNvSpPr>
-          <p:nvPr>
-            <p:ph type="title"/>
-          </p:nvPr>
-        </p:nvSpPr>
-        <p:spPr/>
-        <p:txBody>
-          <a:bodyPr/>
-          <a:lstStyle/>
-          <a:p>
-            <a:r>
-              <a:rPr lang="en-CA" dirty="0"/>
-              <a:t>Data sources</a:t>
-            </a:r>
-          </a:p>
-        </p:txBody>
-      </p:sp>
-      <p:sp>
-        <p:nvSpPr>
-          <p:cNvPr id="3" name="Content Placeholder 2">
-            <a:extLst>
-              <a:ext uri="{FF2B5EF4-FFF2-40B4-BE49-F238E27FC236}">
-                <a16:creationId xmlns:a16="http://schemas.microsoft.com/office/drawing/2014/main" id="{79D8873A-9B33-4A62-8657-57A6FA451BE8}"/>
-              </a:ext>
-            </a:extLst>
-          </p:cNvPr>
-          <p:cNvSpPr>
-            <a:spLocks noGrp="1"/>
-          </p:cNvSpPr>
-          <p:nvPr>
-            <p:ph sz="half" idx="1"/>
-          </p:nvPr>
-        </p:nvSpPr>
-        <p:spPr/>
-        <p:txBody>
-          <a:bodyPr>
-            <a:normAutofit fontScale="70000" lnSpcReduction="20000"/>
-          </a:bodyPr>
-          <a:lstStyle/>
-          <a:p>
-            <a:r>
-              <a:rPr lang="en-CA" sz="2900" b="1" dirty="0">
-                <a:solidFill>
-                  <a:srgbClr val="BF2419"/>
-                </a:solidFill>
-              </a:rPr>
-              <a:t> Sample Dataset</a:t>
-            </a:r>
-          </a:p>
-          <a:p>
-            <a:r>
-              <a:rPr lang="en-CA" sz="2300" b="1" dirty="0">
-                <a:hlinkClick r:id="rId3"/>
-              </a:rPr>
-              <a:t>Raw dataset ('yelp.csv'), source: </a:t>
-            </a:r>
-            <a:r>
-              <a:rPr lang="en-CA" sz="2300" b="1" dirty="0" err="1">
-                <a:hlinkClick r:id="rId3"/>
-              </a:rPr>
-              <a:t>kaggle</a:t>
-            </a:r>
-            <a:endParaRPr lang="en-CA" sz="2300" dirty="0"/>
-          </a:p>
-          <a:p>
-            <a:pPr>
-              <a:spcAft>
-                <a:spcPts val="1200"/>
-              </a:spcAft>
-              <a:buFont typeface="Wingdings" panose="05000000000000000000" pitchFamily="2" charset="2"/>
-              <a:buChar char=""/>
-            </a:pPr>
-            <a:r>
-              <a:rPr lang="en-US" sz="2800" dirty="0"/>
-              <a:t>.csv file with 10 thousand rows</a:t>
-            </a:r>
-          </a:p>
-          <a:p>
-            <a:pPr>
-              <a:spcAft>
-                <a:spcPts val="1200"/>
-              </a:spcAft>
-              <a:buFont typeface="Wingdings" panose="05000000000000000000" pitchFamily="2" charset="2"/>
-              <a:buChar char=""/>
-            </a:pPr>
-            <a:r>
-              <a:rPr lang="en-US" sz="2800" dirty="0"/>
-              <a:t>Has same columns as large dataset (therefore suitable as a sample dataset)</a:t>
-            </a:r>
-          </a:p>
-          <a:p>
-            <a:pPr>
-              <a:spcAft>
-                <a:spcPts val="1200"/>
-              </a:spcAft>
-              <a:buFont typeface="Wingdings" panose="05000000000000000000" pitchFamily="2" charset="2"/>
-              <a:buChar char=""/>
-            </a:pPr>
-            <a:r>
-              <a:rPr lang="en-US" sz="2800" dirty="0"/>
-              <a:t>Unequal distribution of reviews corresponding with  each star rating</a:t>
-            </a:r>
-          </a:p>
-          <a:p>
-            <a:pPr>
-              <a:spcAft>
-                <a:spcPts val="1200"/>
-              </a:spcAft>
-              <a:buFont typeface="Wingdings" panose="05000000000000000000" pitchFamily="2" charset="2"/>
-              <a:buChar char=""/>
-            </a:pPr>
-            <a:endParaRPr lang="en-CA" sz="2800" dirty="0"/>
-          </a:p>
-        </p:txBody>
-      </p:sp>
-      <p:sp>
-        <p:nvSpPr>
-          <p:cNvPr id="4" name="Content Placeholder 3">
-            <a:extLst>
-              <a:ext uri="{FF2B5EF4-FFF2-40B4-BE49-F238E27FC236}">
-                <a16:creationId xmlns:a16="http://schemas.microsoft.com/office/drawing/2014/main" id="{C3CC2B4C-80E7-464C-9293-ED35CC4C327B}"/>
-              </a:ext>
-            </a:extLst>
-          </p:cNvPr>
-          <p:cNvSpPr>
-            <a:spLocks noGrp="1"/>
-          </p:cNvSpPr>
-          <p:nvPr>
-            <p:ph sz="half" idx="2"/>
-          </p:nvPr>
-        </p:nvSpPr>
-        <p:spPr/>
-        <p:txBody>
-          <a:bodyPr>
-            <a:normAutofit fontScale="70000" lnSpcReduction="20000"/>
-          </a:bodyPr>
-          <a:lstStyle/>
-          <a:p>
-            <a:r>
-              <a:rPr lang="en-CA" sz="2900" b="1" dirty="0">
-                <a:solidFill>
-                  <a:srgbClr val="BF2419"/>
-                </a:solidFill>
-              </a:rPr>
-              <a:t>Dataset (big data)</a:t>
-            </a:r>
-            <a:endParaRPr lang="en-CA" sz="2900" b="1" dirty="0">
-              <a:hlinkClick r:id="rId4"/>
-            </a:endParaRPr>
-          </a:p>
-          <a:p>
-            <a:r>
-              <a:rPr lang="en-CA" sz="2300" b="1" dirty="0">
-                <a:hlinkClick r:id="rId4"/>
-              </a:rPr>
-              <a:t>Raw dataset ('yelp_review.csv'), source: </a:t>
-            </a:r>
-            <a:r>
-              <a:rPr lang="en-CA" sz="2300" b="1" dirty="0" err="1">
-                <a:hlinkClick r:id="rId4"/>
-              </a:rPr>
-              <a:t>kaggle</a:t>
-            </a:r>
-            <a:endParaRPr lang="en-CA" sz="2700" dirty="0"/>
-          </a:p>
-          <a:p>
-            <a:pPr>
-              <a:spcAft>
-                <a:spcPts val="1200"/>
-              </a:spcAft>
-              <a:buFont typeface="Wingdings" panose="05000000000000000000" pitchFamily="2" charset="2"/>
-              <a:buChar char=""/>
-            </a:pPr>
-            <a:r>
-              <a:rPr lang="en-US" sz="2800" dirty="0"/>
-              <a:t> .csv file with 5.25 million rows</a:t>
-            </a:r>
-          </a:p>
-          <a:p>
-            <a:pPr>
-              <a:spcAft>
-                <a:spcPts val="1200"/>
-              </a:spcAft>
-              <a:buFont typeface="Wingdings" panose="05000000000000000000" pitchFamily="2" charset="2"/>
-              <a:buChar char=""/>
-            </a:pPr>
-            <a:r>
-              <a:rPr lang="en-US" sz="2800" dirty="0"/>
-              <a:t>Selected on basis that ML model accuracy would improve with more data</a:t>
-            </a:r>
-          </a:p>
-          <a:p>
-            <a:pPr>
-              <a:spcAft>
-                <a:spcPts val="1200"/>
-              </a:spcAft>
-              <a:buFont typeface="Wingdings" panose="05000000000000000000" pitchFamily="2" charset="2"/>
-              <a:buChar char=""/>
-            </a:pPr>
-            <a:r>
-              <a:rPr lang="en-US" sz="2800" dirty="0"/>
-              <a:t>Technological limitations (running </a:t>
-            </a:r>
-            <a:r>
-              <a:rPr lang="en-US" sz="2800" dirty="0" err="1"/>
-              <a:t>Colab</a:t>
-            </a:r>
-            <a:r>
-              <a:rPr lang="en-US" sz="2800" dirty="0"/>
-              <a:t>) prevented us from including more data, unfortunately</a:t>
-            </a:r>
-          </a:p>
-          <a:p>
-            <a:endParaRPr lang="en-CA" dirty="0"/>
-          </a:p>
-          <a:p>
-            <a:endParaRPr lang="en-CA" dirty="0"/>
-          </a:p>
-        </p:txBody>
-      </p:sp>
-      <p:sp>
-        <p:nvSpPr>
-          <p:cNvPr id="5" name="Date Placeholder 4">
-            <a:extLst>
-              <a:ext uri="{FF2B5EF4-FFF2-40B4-BE49-F238E27FC236}">
-                <a16:creationId xmlns:a16="http://schemas.microsoft.com/office/drawing/2014/main" id="{95BFFE8B-9711-478E-85C9-D7291666A9E1}"/>
-              </a:ext>
-            </a:extLst>
-          </p:cNvPr>
-          <p:cNvSpPr>
-            <a:spLocks noGrp="1"/>
-          </p:cNvSpPr>
-          <p:nvPr>
-            <p:ph type="dt" sz="half" idx="10"/>
-          </p:nvPr>
-        </p:nvSpPr>
-        <p:spPr/>
-        <p:txBody>
-          <a:bodyPr/>
-          <a:lstStyle/>
-          <a:p>
-            <a:r>
-              <a:rPr lang="en-US"/>
-              <a:t>August 2020</a:t>
-            </a:r>
-            <a:endParaRPr lang="en-US" dirty="0"/>
-          </a:p>
-        </p:txBody>
-      </p:sp>
-      <p:sp>
-        <p:nvSpPr>
-          <p:cNvPr id="6" name="Footer Placeholder 5">
-            <a:extLst>
-              <a:ext uri="{FF2B5EF4-FFF2-40B4-BE49-F238E27FC236}">
-                <a16:creationId xmlns:a16="http://schemas.microsoft.com/office/drawing/2014/main" id="{1DD9717C-0EF9-44A7-BB15-FF8BD3A4B9A9}"/>
-              </a:ext>
-            </a:extLst>
-          </p:cNvPr>
-          <p:cNvSpPr>
-            <a:spLocks noGrp="1"/>
-          </p:cNvSpPr>
-          <p:nvPr>
-            <p:ph type="ftr" sz="quarter" idx="11"/>
-          </p:nvPr>
-        </p:nvSpPr>
-        <p:spPr/>
-        <p:txBody>
-          <a:bodyPr/>
-          <a:lstStyle/>
-          <a:p>
-            <a:r>
-              <a:rPr lang="en-US"/>
-              <a:t>Team Xy: Blake Belnap, Helen Ly, Jasmeer Sangha, Karen Bennis</a:t>
-            </a:r>
-            <a:endParaRPr lang="en-US" dirty="0"/>
-          </a:p>
-        </p:txBody>
-      </p:sp>
-      <p:sp>
-        <p:nvSpPr>
-          <p:cNvPr id="7" name="Slide Number Placeholder 6">
-            <a:extLst>
-              <a:ext uri="{FF2B5EF4-FFF2-40B4-BE49-F238E27FC236}">
-                <a16:creationId xmlns:a16="http://schemas.microsoft.com/office/drawing/2014/main" id="{4C3EB512-D91B-4D38-B7D3-9FE0C0597F6D}"/>
-              </a:ext>
-            </a:extLst>
-          </p:cNvPr>
-          <p:cNvSpPr>
-            <a:spLocks noGrp="1"/>
-          </p:cNvSpPr>
-          <p:nvPr>
-            <p:ph type="sldNum" sz="quarter" idx="12"/>
-          </p:nvPr>
-        </p:nvSpPr>
-        <p:spPr/>
-        <p:txBody>
-          <a:bodyPr/>
-          <a:lstStyle/>
-          <a:p>
-            <a:fld id="{3A98EE3D-8CD1-4C3F-BD1C-C98C9596463C}" type="slidenum">
-              <a:rPr lang="en-US" smtClean="0"/>
-              <a:t>3</a:t>
-            </a:fld>
-            <a:endParaRPr lang="en-US" dirty="0"/>
-          </a:p>
-        </p:txBody>
-      </p:sp>
-    </p:spTree>
-    <p:extLst>
-      <p:ext uri="{BB962C8B-B14F-4D97-AF65-F5344CB8AC3E}">
-        <p14:creationId xmlns:p14="http://schemas.microsoft.com/office/powerpoint/2010/main" val="199863788"/>
-      </p:ext>
-    </p:extLst>
-  </p:cSld>
-  <p:clrMapOvr>
-    <a:masterClrMapping/>
-  </p:clrMapOvr>
-</p:sld>
-</file>
-
-<file path=ppt/slides/slide4.xml><?xml version="1.0" encoding="utf-8"?>
-<p:sld xmlns:a="http://schemas.openxmlformats.org/drawingml/2006/main" xmlns:r="http://schemas.openxmlformats.org/officeDocument/2006/relationships" xmlns:p="http://schemas.openxmlformats.org/presentationml/2006/main">
-  <p:cSld>
-    <p:spTree>
-      <p:nvGrpSpPr>
-        <p:cNvPr id="1" name=""/>
-        <p:cNvGrpSpPr/>
-        <p:nvPr/>
-      </p:nvGrpSpPr>
-      <p:grpSpPr>
-        <a:xfrm>
-          <a:off x="0" y="0"/>
-          <a:ext cx="0" cy="0"/>
-          <a:chOff x="0" y="0"/>
-          <a:chExt cx="0" cy="0"/>
-        </a:xfrm>
-      </p:grpSpPr>
-      <p:sp>
-        <p:nvSpPr>
-          <p:cNvPr id="2" name="Title 1">
-            <a:extLst>
-              <a:ext uri="{FF2B5EF4-FFF2-40B4-BE49-F238E27FC236}">
-                <a16:creationId xmlns:a16="http://schemas.microsoft.com/office/drawing/2014/main" id="{8E299D43-8881-4B47-AA8E-5DE2CDEBE033}"/>
-              </a:ext>
-            </a:extLst>
-          </p:cNvPr>
-          <p:cNvSpPr>
-            <a:spLocks noGrp="1"/>
-          </p:cNvSpPr>
-          <p:nvPr>
-            <p:ph type="title"/>
-          </p:nvPr>
-        </p:nvSpPr>
-        <p:spPr/>
-        <p:txBody>
-          <a:bodyPr/>
-          <a:lstStyle/>
-          <a:p>
-            <a:r>
-              <a:rPr lang="en-CA" dirty="0"/>
-              <a:t>Research questions</a:t>
-            </a:r>
-          </a:p>
-        </p:txBody>
-      </p:sp>
-      <p:sp>
-        <p:nvSpPr>
-          <p:cNvPr id="3" name="Content Placeholder 2">
-            <a:extLst>
-              <a:ext uri="{FF2B5EF4-FFF2-40B4-BE49-F238E27FC236}">
-                <a16:creationId xmlns:a16="http://schemas.microsoft.com/office/drawing/2014/main" id="{82619945-ED80-4A62-BBB1-6640E7C45F05}"/>
-              </a:ext>
-            </a:extLst>
-          </p:cNvPr>
-          <p:cNvSpPr>
-            <a:spLocks noGrp="1"/>
-          </p:cNvSpPr>
-          <p:nvPr>
-            <p:ph idx="1"/>
-          </p:nvPr>
-        </p:nvSpPr>
-        <p:spPr/>
-        <p:txBody>
-          <a:bodyPr>
-            <a:normAutofit/>
-          </a:bodyPr>
-          <a:lstStyle/>
-          <a:p>
-            <a:pPr>
-              <a:buFont typeface="Wingdings" panose="05000000000000000000" pitchFamily="2" charset="2"/>
-              <a:buChar char="«"/>
-            </a:pPr>
-            <a:r>
-              <a:rPr lang="en-US" sz="3600" i="1" dirty="0"/>
-              <a:t>Can NLP be used to predict sentiment of Yelp reviews?</a:t>
-            </a:r>
-          </a:p>
-          <a:p>
-            <a:pPr>
-              <a:buFont typeface="Wingdings" panose="05000000000000000000" pitchFamily="2" charset="2"/>
-              <a:buChar char="«"/>
-            </a:pPr>
-            <a:r>
-              <a:rPr lang="en-US" sz="3600" i="1" dirty="0"/>
-              <a:t>Which machine learning model predicts Yelp sentiment with the highest accuracy?</a:t>
-            </a:r>
-          </a:p>
-          <a:p>
-            <a:pPr>
-              <a:buFont typeface="Wingdings" panose="05000000000000000000" pitchFamily="2" charset="2"/>
-              <a:buChar char="«"/>
-            </a:pPr>
-            <a:endParaRPr lang="en-US" sz="3200" i="1" dirty="0"/>
-          </a:p>
-        </p:txBody>
-      </p:sp>
-      <p:sp>
-        <p:nvSpPr>
-          <p:cNvPr id="4" name="Date Placeholder 3">
-            <a:extLst>
-              <a:ext uri="{FF2B5EF4-FFF2-40B4-BE49-F238E27FC236}">
-                <a16:creationId xmlns:a16="http://schemas.microsoft.com/office/drawing/2014/main" id="{FC87BE0D-E79B-4D82-96BD-661EE0215A70}"/>
-              </a:ext>
-            </a:extLst>
-          </p:cNvPr>
-          <p:cNvSpPr>
-            <a:spLocks noGrp="1"/>
-          </p:cNvSpPr>
-          <p:nvPr>
-            <p:ph type="dt" sz="half" idx="10"/>
-          </p:nvPr>
-        </p:nvSpPr>
-        <p:spPr/>
-        <p:txBody>
-          <a:bodyPr/>
-          <a:lstStyle/>
-          <a:p>
-            <a:r>
-              <a:rPr lang="en-US"/>
-              <a:t>August 2020</a:t>
-            </a:r>
-            <a:endParaRPr lang="en-US" dirty="0"/>
-          </a:p>
-        </p:txBody>
-      </p:sp>
-      <p:sp>
-        <p:nvSpPr>
-          <p:cNvPr id="5" name="Footer Placeholder 4">
-            <a:extLst>
-              <a:ext uri="{FF2B5EF4-FFF2-40B4-BE49-F238E27FC236}">
-                <a16:creationId xmlns:a16="http://schemas.microsoft.com/office/drawing/2014/main" id="{D9F82AA2-67EE-4823-A9CB-EAA6D1C07927}"/>
-              </a:ext>
-            </a:extLst>
-          </p:cNvPr>
-          <p:cNvSpPr>
-            <a:spLocks noGrp="1"/>
-          </p:cNvSpPr>
-          <p:nvPr>
-            <p:ph type="ftr" sz="quarter" idx="11"/>
-          </p:nvPr>
-        </p:nvSpPr>
-        <p:spPr/>
-        <p:txBody>
-          <a:bodyPr/>
-          <a:lstStyle/>
-          <a:p>
-            <a:r>
-              <a:rPr lang="en-US"/>
-              <a:t>Team Xy: Blake Belnap, Helen Ly, Jasmeer Sangha, Karen Bennis</a:t>
-            </a:r>
-            <a:endParaRPr lang="en-US" dirty="0"/>
-          </a:p>
-        </p:txBody>
-      </p:sp>
-      <p:sp>
-        <p:nvSpPr>
-          <p:cNvPr id="6" name="Slide Number Placeholder 5">
-            <a:extLst>
-              <a:ext uri="{FF2B5EF4-FFF2-40B4-BE49-F238E27FC236}">
-                <a16:creationId xmlns:a16="http://schemas.microsoft.com/office/drawing/2014/main" id="{CA8978D7-2A85-40B8-A830-7A3D10DC5CBF}"/>
-              </a:ext>
-            </a:extLst>
-          </p:cNvPr>
-          <p:cNvSpPr>
-            <a:spLocks noGrp="1"/>
-          </p:cNvSpPr>
-          <p:nvPr>
-            <p:ph type="sldNum" sz="quarter" idx="12"/>
-          </p:nvPr>
-        </p:nvSpPr>
-        <p:spPr/>
-        <p:txBody>
-          <a:bodyPr/>
-          <a:lstStyle/>
-          <a:p>
-            <a:fld id="{3A98EE3D-8CD1-4C3F-BD1C-C98C9596463C}" type="slidenum">
-              <a:rPr lang="en-US" smtClean="0"/>
-              <a:t>4</a:t>
-            </a:fld>
-            <a:endParaRPr lang="en-US" dirty="0"/>
-          </a:p>
-        </p:txBody>
-      </p:sp>
-    </p:spTree>
-    <p:extLst>
-      <p:ext uri="{BB962C8B-B14F-4D97-AF65-F5344CB8AC3E}">
-        <p14:creationId xmlns:p14="http://schemas.microsoft.com/office/powerpoint/2010/main" val="4026736371"/>
-      </p:ext>
-    </p:extLst>
-  </p:cSld>
-  <p:clrMapOvr>
-    <a:masterClrMapping/>
-  </p:clrMapOvr>
-</p:sld>
-</file>
-
-<file path=ppt/slides/slide5.xml><?xml version="1.0" encoding="utf-8"?>
-<p:sld xmlns:a="http://schemas.openxmlformats.org/drawingml/2006/main" xmlns:r="http://schemas.openxmlformats.org/officeDocument/2006/relationships" xmlns:p="http://schemas.openxmlformats.org/presentationml/2006/main">
-  <p:cSld>
-    <p:spTree>
-      <p:nvGrpSpPr>
-        <p:cNvPr id="1" name=""/>
-        <p:cNvGrpSpPr/>
-        <p:nvPr/>
-      </p:nvGrpSpPr>
-      <p:grpSpPr>
-        <a:xfrm>
-          <a:off x="0" y="0"/>
-          <a:ext cx="0" cy="0"/>
-          <a:chOff x="0" y="0"/>
-          <a:chExt cx="0" cy="0"/>
-        </a:xfrm>
-      </p:grpSpPr>
-      <p:sp>
-        <p:nvSpPr>
-          <p:cNvPr id="2" name="Title 1">
-            <a:extLst>
-              <a:ext uri="{FF2B5EF4-FFF2-40B4-BE49-F238E27FC236}">
-                <a16:creationId xmlns:a16="http://schemas.microsoft.com/office/drawing/2014/main" id="{0BF2C67F-E120-441B-B239-01E4697E31EB}"/>
-              </a:ext>
-            </a:extLst>
-          </p:cNvPr>
-          <p:cNvSpPr>
-            <a:spLocks noGrp="1"/>
-          </p:cNvSpPr>
-          <p:nvPr>
-            <p:ph type="title"/>
-          </p:nvPr>
-        </p:nvSpPr>
-        <p:spPr/>
-        <p:txBody>
-          <a:bodyPr/>
-          <a:lstStyle/>
-          <a:p>
-            <a:r>
-              <a:rPr lang="en-US" dirty="0"/>
               <a:t>Database Setup</a:t>
             </a:r>
             <a:endParaRPr lang="en-CA" dirty="0"/>
@@ -22245,7 +22515,7 @@
           <a:p>
             <a:fld id="{3A98EE3D-8CD1-4C3F-BD1C-C98C9596463C}" type="slidenum">
               <a:rPr lang="en-US" smtClean="0"/>
-              <a:t>5</a:t>
+              <a:t>6</a:t>
             </a:fld>
             <a:endParaRPr lang="en-US" dirty="0"/>
           </a:p>
@@ -22292,7 +22562,7 @@
 </p:sld>
 </file>
 
-<file path=ppt/slides/slide6.xml><?xml version="1.0" encoding="utf-8"?>
+<file path=ppt/slides/slide7.xml><?xml version="1.0" encoding="utf-8"?>
 <p:sld xmlns:a="http://schemas.openxmlformats.org/drawingml/2006/main" xmlns:r="http://schemas.openxmlformats.org/officeDocument/2006/relationships" xmlns:p="http://schemas.openxmlformats.org/presentationml/2006/main">
   <p:cSld>
     <p:spTree>
@@ -22487,7 +22757,7 @@
           <a:p>
             <a:fld id="{3A98EE3D-8CD1-4C3F-BD1C-C98C9596463C}" type="slidenum">
               <a:rPr lang="en-US" smtClean="0"/>
-              <a:t>6</a:t>
+              <a:t>7</a:t>
             </a:fld>
             <a:endParaRPr lang="en-US" dirty="0"/>
           </a:p>
@@ -22534,7 +22804,7 @@
 </p:sld>
 </file>
 
-<file path=ppt/slides/slide7.xml><?xml version="1.0" encoding="utf-8"?>
+<file path=ppt/slides/slide8.xml><?xml version="1.0" encoding="utf-8"?>
 <p:sld xmlns:a="http://schemas.openxmlformats.org/drawingml/2006/main" xmlns:r="http://schemas.openxmlformats.org/officeDocument/2006/relationships" xmlns:p="http://schemas.openxmlformats.org/presentationml/2006/main">
   <p:cSld>
     <p:spTree>
@@ -22727,7 +22997,7 @@
           <a:p>
             <a:fld id="{3A98EE3D-8CD1-4C3F-BD1C-C98C9596463C}" type="slidenum">
               <a:rPr lang="en-US" smtClean="0"/>
-              <a:t>7</a:t>
+              <a:t>8</a:t>
             </a:fld>
             <a:endParaRPr lang="en-US" dirty="0"/>
           </a:p>
@@ -22806,7 +23076,7 @@
 </p:sld>
 </file>
 
-<file path=ppt/slides/slide8.xml><?xml version="1.0" encoding="utf-8"?>
+<file path=ppt/slides/slide9.xml><?xml version="1.0" encoding="utf-8"?>
 <p:sld xmlns:a="http://schemas.openxmlformats.org/drawingml/2006/main" xmlns:r="http://schemas.openxmlformats.org/officeDocument/2006/relationships" xmlns:p="http://schemas.openxmlformats.org/presentationml/2006/main">
   <p:cSld>
     <p:spTree>
@@ -23002,7 +23272,7 @@
           <a:p>
             <a:fld id="{3A98EE3D-8CD1-4C3F-BD1C-C98C9596463C}" type="slidenum">
               <a:rPr lang="en-US" smtClean="0"/>
-              <a:t>8</a:t>
+              <a:t>9</a:t>
             </a:fld>
             <a:endParaRPr lang="en-US" dirty="0"/>
           </a:p>
@@ -23070,276 +23340,6 @@
     <p:extLst>
       <p:ext uri="{BB962C8B-B14F-4D97-AF65-F5344CB8AC3E}">
         <p14:creationId xmlns:p14="http://schemas.microsoft.com/office/powerpoint/2010/main" val="4098872700"/>
-      </p:ext>
-    </p:extLst>
-  </p:cSld>
-  <p:clrMapOvr>
-    <a:masterClrMapping/>
-  </p:clrMapOvr>
-</p:sld>
-</file>
-
-<file path=ppt/slides/slide9.xml><?xml version="1.0" encoding="utf-8"?>
-<p:sld xmlns:a="http://schemas.openxmlformats.org/drawingml/2006/main" xmlns:r="http://schemas.openxmlformats.org/officeDocument/2006/relationships" xmlns:p="http://schemas.openxmlformats.org/presentationml/2006/main">
-  <p:cSld>
-    <p:spTree>
-      <p:nvGrpSpPr>
-        <p:cNvPr id="1" name=""/>
-        <p:cNvGrpSpPr/>
-        <p:nvPr/>
-      </p:nvGrpSpPr>
-      <p:grpSpPr>
-        <a:xfrm>
-          <a:off x="0" y="0"/>
-          <a:ext cx="0" cy="0"/>
-          <a:chOff x="0" y="0"/>
-          <a:chExt cx="0" cy="0"/>
-        </a:xfrm>
-      </p:grpSpPr>
-      <p:sp>
-        <p:nvSpPr>
-          <p:cNvPr id="2" name="Title 1">
-            <a:extLst>
-              <a:ext uri="{FF2B5EF4-FFF2-40B4-BE49-F238E27FC236}">
-                <a16:creationId xmlns:a16="http://schemas.microsoft.com/office/drawing/2014/main" id="{122CF454-B4A7-43A5-823B-CAAB7B17CDEB}"/>
-              </a:ext>
-            </a:extLst>
-          </p:cNvPr>
-          <p:cNvSpPr>
-            <a:spLocks noGrp="1"/>
-          </p:cNvSpPr>
-          <p:nvPr>
-            <p:ph type="title"/>
-          </p:nvPr>
-        </p:nvSpPr>
-        <p:spPr/>
-        <p:txBody>
-          <a:bodyPr/>
-          <a:lstStyle/>
-          <a:p>
-            <a:r>
-              <a:rPr lang="en-CA" dirty="0"/>
-              <a:t>Data Exploration</a:t>
-            </a:r>
-          </a:p>
-        </p:txBody>
-      </p:sp>
-      <p:sp>
-        <p:nvSpPr>
-          <p:cNvPr id="3" name="Text Placeholder 2">
-            <a:extLst>
-              <a:ext uri="{FF2B5EF4-FFF2-40B4-BE49-F238E27FC236}">
-                <a16:creationId xmlns:a16="http://schemas.microsoft.com/office/drawing/2014/main" id="{001B9389-223D-4982-8708-BD9CD25FDB43}"/>
-              </a:ext>
-            </a:extLst>
-          </p:cNvPr>
-          <p:cNvSpPr>
-            <a:spLocks noGrp="1"/>
-          </p:cNvSpPr>
-          <p:nvPr>
-            <p:ph type="body" idx="1"/>
-          </p:nvPr>
-        </p:nvSpPr>
-        <p:spPr/>
-        <p:txBody>
-          <a:bodyPr>
-            <a:normAutofit lnSpcReduction="10000"/>
-          </a:bodyPr>
-          <a:lstStyle/>
-          <a:p>
-            <a:r>
-              <a:rPr lang="en-CA" dirty="0"/>
-              <a:t>Sample Dataset</a:t>
-            </a:r>
-            <a:br>
-              <a:rPr lang="en-CA" dirty="0"/>
-            </a:br>
-            <a:r>
-              <a:rPr lang="en-CA" dirty="0"/>
-              <a:t>(‘yelp.csv’)</a:t>
-            </a:r>
-          </a:p>
-        </p:txBody>
-      </p:sp>
-      <p:sp>
-        <p:nvSpPr>
-          <p:cNvPr id="5" name="Text Placeholder 4">
-            <a:extLst>
-              <a:ext uri="{FF2B5EF4-FFF2-40B4-BE49-F238E27FC236}">
-                <a16:creationId xmlns:a16="http://schemas.microsoft.com/office/drawing/2014/main" id="{34589841-6B01-4ACE-A3B2-5CCF26C10F1B}"/>
-              </a:ext>
-            </a:extLst>
-          </p:cNvPr>
-          <p:cNvSpPr>
-            <a:spLocks noGrp="1"/>
-          </p:cNvSpPr>
-          <p:nvPr>
-            <p:ph type="body" sz="quarter" idx="3"/>
-          </p:nvPr>
-        </p:nvSpPr>
-        <p:spPr/>
-        <p:txBody>
-          <a:bodyPr>
-            <a:normAutofit lnSpcReduction="10000"/>
-          </a:bodyPr>
-          <a:lstStyle/>
-          <a:p>
-            <a:r>
-              <a:rPr lang="en-CA" dirty="0"/>
-              <a:t>SAMPLE from Big Dataset (‘yelp_reviews.csv’)</a:t>
-            </a:r>
-          </a:p>
-        </p:txBody>
-      </p:sp>
-      <p:sp>
-        <p:nvSpPr>
-          <p:cNvPr id="7" name="Date Placeholder 6">
-            <a:extLst>
-              <a:ext uri="{FF2B5EF4-FFF2-40B4-BE49-F238E27FC236}">
-                <a16:creationId xmlns:a16="http://schemas.microsoft.com/office/drawing/2014/main" id="{B953523D-9346-4ECE-8504-3C481FD6EC45}"/>
-              </a:ext>
-            </a:extLst>
-          </p:cNvPr>
-          <p:cNvSpPr>
-            <a:spLocks noGrp="1"/>
-          </p:cNvSpPr>
-          <p:nvPr>
-            <p:ph type="dt" sz="half" idx="10"/>
-          </p:nvPr>
-        </p:nvSpPr>
-        <p:spPr/>
-        <p:txBody>
-          <a:bodyPr/>
-          <a:lstStyle/>
-          <a:p>
-            <a:r>
-              <a:rPr lang="en-US"/>
-              <a:t>August 2020</a:t>
-            </a:r>
-            <a:endParaRPr lang="en-US" dirty="0"/>
-          </a:p>
-        </p:txBody>
-      </p:sp>
-      <p:sp>
-        <p:nvSpPr>
-          <p:cNvPr id="8" name="Footer Placeholder 7">
-            <a:extLst>
-              <a:ext uri="{FF2B5EF4-FFF2-40B4-BE49-F238E27FC236}">
-                <a16:creationId xmlns:a16="http://schemas.microsoft.com/office/drawing/2014/main" id="{0DB6EF6F-F7DF-4C97-AB46-AF0115F35B28}"/>
-              </a:ext>
-            </a:extLst>
-          </p:cNvPr>
-          <p:cNvSpPr>
-            <a:spLocks noGrp="1"/>
-          </p:cNvSpPr>
-          <p:nvPr>
-            <p:ph type="ftr" sz="quarter" idx="11"/>
-          </p:nvPr>
-        </p:nvSpPr>
-        <p:spPr/>
-        <p:txBody>
-          <a:bodyPr/>
-          <a:lstStyle/>
-          <a:p>
-            <a:r>
-              <a:rPr lang="en-US"/>
-              <a:t>Team Xy: Blake Belnap, Helen Ly, Jasmeer Sangha, Karen Bennis</a:t>
-            </a:r>
-            <a:endParaRPr lang="en-US" dirty="0"/>
-          </a:p>
-        </p:txBody>
-      </p:sp>
-      <p:sp>
-        <p:nvSpPr>
-          <p:cNvPr id="9" name="Slide Number Placeholder 8">
-            <a:extLst>
-              <a:ext uri="{FF2B5EF4-FFF2-40B4-BE49-F238E27FC236}">
-                <a16:creationId xmlns:a16="http://schemas.microsoft.com/office/drawing/2014/main" id="{F19C7AC5-117A-4A35-A75D-52C0841356AB}"/>
-              </a:ext>
-            </a:extLst>
-          </p:cNvPr>
-          <p:cNvSpPr>
-            <a:spLocks noGrp="1"/>
-          </p:cNvSpPr>
-          <p:nvPr>
-            <p:ph type="sldNum" sz="quarter" idx="12"/>
-          </p:nvPr>
-        </p:nvSpPr>
-        <p:spPr/>
-        <p:txBody>
-          <a:bodyPr/>
-          <a:lstStyle/>
-          <a:p>
-            <a:fld id="{3A98EE3D-8CD1-4C3F-BD1C-C98C9596463C}" type="slidenum">
-              <a:rPr lang="en-US" smtClean="0"/>
-              <a:t>9</a:t>
-            </a:fld>
-            <a:endParaRPr lang="en-US" dirty="0"/>
-          </a:p>
-        </p:txBody>
-      </p:sp>
-      <p:pic>
-        <p:nvPicPr>
-          <p:cNvPr id="13" name="Picture 12">
-            <a:extLst>
-              <a:ext uri="{FF2B5EF4-FFF2-40B4-BE49-F238E27FC236}">
-                <a16:creationId xmlns:a16="http://schemas.microsoft.com/office/drawing/2014/main" id="{BA072E5C-D54A-4CF4-BECE-9F48E1F9E2A8}"/>
-              </a:ext>
-            </a:extLst>
-          </p:cNvPr>
-          <p:cNvPicPr>
-            <a:picLocks noChangeAspect="1"/>
-          </p:cNvPicPr>
-          <p:nvPr/>
-        </p:nvPicPr>
-        <p:blipFill rotWithShape="1">
-          <a:blip r:embed="rId3"/>
-          <a:srcRect t="3582" b="1"/>
-          <a:stretch/>
-        </p:blipFill>
-        <p:spPr>
-          <a:xfrm>
-            <a:off x="6515944" y="2963783"/>
-            <a:ext cx="4730993" cy="3189995"/>
-          </a:xfrm>
-          <a:prstGeom prst="rect">
-            <a:avLst/>
-          </a:prstGeom>
-        </p:spPr>
-      </p:pic>
-      <p:pic>
-        <p:nvPicPr>
-          <p:cNvPr id="11" name="Picture 10">
-            <a:extLst>
-              <a:ext uri="{FF2B5EF4-FFF2-40B4-BE49-F238E27FC236}">
-                <a16:creationId xmlns:a16="http://schemas.microsoft.com/office/drawing/2014/main" id="{029D0A8E-0278-4B7A-B945-213B014F9209}"/>
-              </a:ext>
-            </a:extLst>
-          </p:cNvPr>
-          <p:cNvPicPr>
-            <a:picLocks noChangeAspect="1"/>
-          </p:cNvPicPr>
-          <p:nvPr/>
-        </p:nvPicPr>
-        <p:blipFill rotWithShape="1">
-          <a:blip r:embed="rId4"/>
-          <a:srcRect r="2614"/>
-          <a:stretch/>
-        </p:blipFill>
-        <p:spPr>
-          <a:xfrm>
-            <a:off x="1129486" y="2965914"/>
-            <a:ext cx="4730993" cy="3187864"/>
-          </a:xfrm>
-          <a:prstGeom prst="rect">
-            <a:avLst/>
-          </a:prstGeom>
-        </p:spPr>
-      </p:pic>
-    </p:spTree>
-    <p:extLst>
-      <p:ext uri="{BB962C8B-B14F-4D97-AF65-F5344CB8AC3E}">
-        <p14:creationId xmlns:p14="http://schemas.microsoft.com/office/powerpoint/2010/main" val="3682828029"/>
       </p:ext>
     </p:extLst>
   </p:cSld>
@@ -23928,21 +23928,21 @@
 </file>
 
 <file path=customXml/item1.xml><?xml version="1.0" encoding="utf-8"?>
+<p:properties xmlns:p="http://schemas.microsoft.com/office/2006/metadata/properties" xmlns:xsi="http://www.w3.org/2001/XMLSchema-instance" xmlns:pc="http://schemas.microsoft.com/office/infopath/2007/PartnerControls">
+  <documentManagement>
+    <Status xmlns="71af3243-3dd4-4a8d-8c0d-dd76da1f02a5">Not started</Status>
+    <MediaServiceKeyPoints xmlns="71af3243-3dd4-4a8d-8c0d-dd76da1f02a5" xsi:nil="true"/>
+  </documentManagement>
+</p:properties>
+</file>
+
+<file path=customXml/item2.xml><?xml version="1.0" encoding="utf-8"?>
 <?mso-contentType ?>
 <FormTemplates xmlns="http://schemas.microsoft.com/sharepoint/v3/contenttype/forms">
   <Display>DocumentLibraryForm</Display>
   <Edit>DocumentLibraryForm</Edit>
   <New>DocumentLibraryForm</New>
 </FormTemplates>
-</file>
-
-<file path=customXml/item2.xml><?xml version="1.0" encoding="utf-8"?>
-<p:properties xmlns:p="http://schemas.microsoft.com/office/2006/metadata/properties" xmlns:xsi="http://www.w3.org/2001/XMLSchema-instance" xmlns:pc="http://schemas.microsoft.com/office/infopath/2007/PartnerControls">
-  <documentManagement>
-    <Status xmlns="71af3243-3dd4-4a8d-8c0d-dd76da1f02a5">Not started</Status>
-    <MediaServiceKeyPoints xmlns="71af3243-3dd4-4a8d-8c0d-dd76da1f02a5" xsi:nil="true"/>
-  </documentManagement>
-</p:properties>
 </file>
 
 <file path=customXml/item3.xml><?xml version="1.0" encoding="utf-8"?>
@@ -24167,19 +24167,19 @@
 </file>
 
 <file path=customXml/itemProps1.xml><?xml version="1.0" encoding="utf-8"?>
-<ds:datastoreItem xmlns:ds="http://schemas.openxmlformats.org/officeDocument/2006/customXml" ds:itemID="{2E5ECA37-C458-4BA2-A090-D7A19E07B434}">
+<ds:datastoreItem xmlns:ds="http://schemas.openxmlformats.org/officeDocument/2006/customXml" ds:itemID="{84F503EC-3FFF-4193-A86F-39150E2BAC75}">
   <ds:schemaRefs>
-    <ds:schemaRef ds:uri="http://schemas.microsoft.com/sharepoint/v3/contenttype/forms"/>
+    <ds:schemaRef ds:uri="http://schemas.microsoft.com/office/2006/metadata/properties"/>
+    <ds:schemaRef ds:uri="http://schemas.microsoft.com/office/infopath/2007/PartnerControls"/>
+    <ds:schemaRef ds:uri="71af3243-3dd4-4a8d-8c0d-dd76da1f02a5"/>
   </ds:schemaRefs>
 </ds:datastoreItem>
 </file>
 
 <file path=customXml/itemProps2.xml><?xml version="1.0" encoding="utf-8"?>
-<ds:datastoreItem xmlns:ds="http://schemas.openxmlformats.org/officeDocument/2006/customXml" ds:itemID="{84F503EC-3FFF-4193-A86F-39150E2BAC75}">
+<ds:datastoreItem xmlns:ds="http://schemas.openxmlformats.org/officeDocument/2006/customXml" ds:itemID="{2E5ECA37-C458-4BA2-A090-D7A19E07B434}">
   <ds:schemaRefs>
-    <ds:schemaRef ds:uri="http://schemas.microsoft.com/office/2006/metadata/properties"/>
-    <ds:schemaRef ds:uri="http://schemas.microsoft.com/office/infopath/2007/PartnerControls"/>
-    <ds:schemaRef ds:uri="71af3243-3dd4-4a8d-8c0d-dd76da1f02a5"/>
+    <ds:schemaRef ds:uri="http://schemas.microsoft.com/sharepoint/v3/contenttype/forms"/>
   </ds:schemaRefs>
 </ds:datastoreItem>
 </file>

--- a/Team Xy Presentation.pptx
+++ b/Team Xy Presentation.pptx
@@ -19,7 +19,7 @@
     <p:sldId id="263" r:id="rId13"/>
     <p:sldId id="264" r:id="rId14"/>
     <p:sldId id="265" r:id="rId15"/>
-    <p:sldId id="274" r:id="rId16"/>
+    <p:sldId id="276" r:id="rId16"/>
     <p:sldId id="273" r:id="rId17"/>
     <p:sldId id="267" r:id="rId18"/>
     <p:sldId id="269" r:id="rId19"/>
@@ -879,753 +879,6 @@
 </file>
 
 <file path=ppt/diagrams/colors2.xml><?xml version="1.0" encoding="utf-8"?>
-<dgm:colorsDef xmlns:dgm="http://schemas.openxmlformats.org/drawingml/2006/diagram" xmlns:a="http://schemas.openxmlformats.org/drawingml/2006/main" uniqueId="urn:microsoft.com/office/officeart/2005/8/colors/accent1_2">
-  <dgm:title val=""/>
-  <dgm:desc val=""/>
-  <dgm:catLst>
-    <dgm:cat type="accent1" pri="11200"/>
-  </dgm:catLst>
-  <dgm:styleLbl name="node0">
-    <dgm:fillClrLst meth="repeat">
-      <a:schemeClr val="accent1"/>
-    </dgm:fillClrLst>
-    <dgm:linClrLst meth="repeat">
-      <a:schemeClr val="lt1"/>
-    </dgm:linClrLst>
-    <dgm:effectClrLst/>
-    <dgm:txLinClrLst/>
-    <dgm:txFillClrLst/>
-    <dgm:txEffectClrLst/>
-  </dgm:styleLbl>
-  <dgm:styleLbl name="alignNode1">
-    <dgm:fillClrLst meth="repeat">
-      <a:schemeClr val="accent1"/>
-    </dgm:fillClrLst>
-    <dgm:linClrLst meth="repeat">
-      <a:schemeClr val="accent1"/>
-    </dgm:linClrLst>
-    <dgm:effectClrLst/>
-    <dgm:txLinClrLst/>
-    <dgm:txFillClrLst/>
-    <dgm:txEffectClrLst/>
-  </dgm:styleLbl>
-  <dgm:styleLbl name="node1">
-    <dgm:fillClrLst meth="repeat">
-      <a:schemeClr val="accent1"/>
-    </dgm:fillClrLst>
-    <dgm:linClrLst meth="repeat">
-      <a:schemeClr val="lt1"/>
-    </dgm:linClrLst>
-    <dgm:effectClrLst/>
-    <dgm:txLinClrLst/>
-    <dgm:txFillClrLst/>
-    <dgm:txEffectClrLst/>
-  </dgm:styleLbl>
-  <dgm:styleLbl name="lnNode1">
-    <dgm:fillClrLst meth="repeat">
-      <a:schemeClr val="accent1"/>
-    </dgm:fillClrLst>
-    <dgm:linClrLst meth="repeat">
-      <a:schemeClr val="lt1"/>
-    </dgm:linClrLst>
-    <dgm:effectClrLst/>
-    <dgm:txLinClrLst/>
-    <dgm:txFillClrLst/>
-    <dgm:txEffectClrLst/>
-  </dgm:styleLbl>
-  <dgm:styleLbl name="vennNode1">
-    <dgm:fillClrLst meth="repeat">
-      <a:schemeClr val="accent1">
-        <a:alpha val="50000"/>
-      </a:schemeClr>
-    </dgm:fillClrLst>
-    <dgm:linClrLst meth="repeat">
-      <a:schemeClr val="lt1"/>
-    </dgm:linClrLst>
-    <dgm:effectClrLst/>
-    <dgm:txLinClrLst/>
-    <dgm:txFillClrLst/>
-    <dgm:txEffectClrLst/>
-  </dgm:styleLbl>
-  <dgm:styleLbl name="node2">
-    <dgm:fillClrLst meth="repeat">
-      <a:schemeClr val="accent1"/>
-    </dgm:fillClrLst>
-    <dgm:linClrLst meth="repeat">
-      <a:schemeClr val="lt1"/>
-    </dgm:linClrLst>
-    <dgm:effectClrLst/>
-    <dgm:txLinClrLst/>
-    <dgm:txFillClrLst/>
-    <dgm:txEffectClrLst/>
-  </dgm:styleLbl>
-  <dgm:styleLbl name="node3">
-    <dgm:fillClrLst meth="repeat">
-      <a:schemeClr val="accent1"/>
-    </dgm:fillClrLst>
-    <dgm:linClrLst meth="repeat">
-      <a:schemeClr val="lt1"/>
-    </dgm:linClrLst>
-    <dgm:effectClrLst/>
-    <dgm:txLinClrLst/>
-    <dgm:txFillClrLst/>
-    <dgm:txEffectClrLst/>
-  </dgm:styleLbl>
-  <dgm:styleLbl name="node4">
-    <dgm:fillClrLst meth="repeat">
-      <a:schemeClr val="accent1"/>
-    </dgm:fillClrLst>
-    <dgm:linClrLst meth="repeat">
-      <a:schemeClr val="lt1"/>
-    </dgm:linClrLst>
-    <dgm:effectClrLst/>
-    <dgm:txLinClrLst/>
-    <dgm:txFillClrLst/>
-    <dgm:txEffectClrLst/>
-  </dgm:styleLbl>
-  <dgm:styleLbl name="fgImgPlace1">
-    <dgm:fillClrLst meth="repeat">
-      <a:schemeClr val="accent1">
-        <a:tint val="50000"/>
-      </a:schemeClr>
-    </dgm:fillClrLst>
-    <dgm:linClrLst meth="repeat">
-      <a:schemeClr val="lt1"/>
-    </dgm:linClrLst>
-    <dgm:effectClrLst/>
-    <dgm:txLinClrLst/>
-    <dgm:txFillClrLst meth="repeat">
-      <a:schemeClr val="lt1"/>
-    </dgm:txFillClrLst>
-    <dgm:txEffectClrLst/>
-  </dgm:styleLbl>
-  <dgm:styleLbl name="alignImgPlace1">
-    <dgm:fillClrLst meth="repeat">
-      <a:schemeClr val="accent1">
-        <a:tint val="50000"/>
-      </a:schemeClr>
-    </dgm:fillClrLst>
-    <dgm:linClrLst meth="repeat">
-      <a:schemeClr val="lt1"/>
-    </dgm:linClrLst>
-    <dgm:effectClrLst/>
-    <dgm:txLinClrLst/>
-    <dgm:txFillClrLst meth="repeat">
-      <a:schemeClr val="lt1"/>
-    </dgm:txFillClrLst>
-    <dgm:txEffectClrLst/>
-  </dgm:styleLbl>
-  <dgm:styleLbl name="bgImgPlace1">
-    <dgm:fillClrLst meth="repeat">
-      <a:schemeClr val="accent1">
-        <a:tint val="50000"/>
-      </a:schemeClr>
-    </dgm:fillClrLst>
-    <dgm:linClrLst meth="repeat">
-      <a:schemeClr val="lt1"/>
-    </dgm:linClrLst>
-    <dgm:effectClrLst/>
-    <dgm:txLinClrLst/>
-    <dgm:txFillClrLst meth="repeat">
-      <a:schemeClr val="lt1"/>
-    </dgm:txFillClrLst>
-    <dgm:txEffectClrLst/>
-  </dgm:styleLbl>
-  <dgm:styleLbl name="sibTrans2D1">
-    <dgm:fillClrLst meth="repeat">
-      <a:schemeClr val="accent1">
-        <a:tint val="60000"/>
-      </a:schemeClr>
-    </dgm:fillClrLst>
-    <dgm:linClrLst meth="repeat">
-      <a:schemeClr val="accent1">
-        <a:tint val="60000"/>
-      </a:schemeClr>
-    </dgm:linClrLst>
-    <dgm:effectClrLst/>
-    <dgm:txLinClrLst/>
-    <dgm:txFillClrLst/>
-    <dgm:txEffectClrLst/>
-  </dgm:styleLbl>
-  <dgm:styleLbl name="fgSibTrans2D1">
-    <dgm:fillClrLst meth="repeat">
-      <a:schemeClr val="accent1">
-        <a:tint val="60000"/>
-      </a:schemeClr>
-    </dgm:fillClrLst>
-    <dgm:linClrLst meth="repeat">
-      <a:schemeClr val="accent1">
-        <a:tint val="60000"/>
-      </a:schemeClr>
-    </dgm:linClrLst>
-    <dgm:effectClrLst/>
-    <dgm:txLinClrLst/>
-    <dgm:txFillClrLst/>
-    <dgm:txEffectClrLst/>
-  </dgm:styleLbl>
-  <dgm:styleLbl name="bgSibTrans2D1">
-    <dgm:fillClrLst meth="repeat">
-      <a:schemeClr val="accent1">
-        <a:tint val="60000"/>
-      </a:schemeClr>
-    </dgm:fillClrLst>
-    <dgm:linClrLst meth="repeat">
-      <a:schemeClr val="accent1">
-        <a:tint val="60000"/>
-      </a:schemeClr>
-    </dgm:linClrLst>
-    <dgm:effectClrLst/>
-    <dgm:txLinClrLst/>
-    <dgm:txFillClrLst/>
-    <dgm:txEffectClrLst/>
-  </dgm:styleLbl>
-  <dgm:styleLbl name="sibTrans1D1">
-    <dgm:fillClrLst meth="repeat">
-      <a:schemeClr val="accent1"/>
-    </dgm:fillClrLst>
-    <dgm:linClrLst meth="repeat">
-      <a:schemeClr val="accent1"/>
-    </dgm:linClrLst>
-    <dgm:effectClrLst/>
-    <dgm:txLinClrLst/>
-    <dgm:txFillClrLst meth="repeat">
-      <a:schemeClr val="tx1"/>
-    </dgm:txFillClrLst>
-    <dgm:txEffectClrLst/>
-  </dgm:styleLbl>
-  <dgm:styleLbl name="callout">
-    <dgm:fillClrLst meth="repeat">
-      <a:schemeClr val="accent1"/>
-    </dgm:fillClrLst>
-    <dgm:linClrLst meth="repeat">
-      <a:schemeClr val="accent1">
-        <a:tint val="50000"/>
-      </a:schemeClr>
-    </dgm:linClrLst>
-    <dgm:effectClrLst/>
-    <dgm:txLinClrLst/>
-    <dgm:txFillClrLst meth="repeat">
-      <a:schemeClr val="tx1"/>
-    </dgm:txFillClrLst>
-    <dgm:txEffectClrLst/>
-  </dgm:styleLbl>
-  <dgm:styleLbl name="asst0">
-    <dgm:fillClrLst meth="repeat">
-      <a:schemeClr val="accent1"/>
-    </dgm:fillClrLst>
-    <dgm:linClrLst meth="repeat">
-      <a:schemeClr val="lt1"/>
-    </dgm:linClrLst>
-    <dgm:effectClrLst/>
-    <dgm:txLinClrLst/>
-    <dgm:txFillClrLst/>
-    <dgm:txEffectClrLst/>
-  </dgm:styleLbl>
-  <dgm:styleLbl name="asst1">
-    <dgm:fillClrLst meth="repeat">
-      <a:schemeClr val="accent1"/>
-    </dgm:fillClrLst>
-    <dgm:linClrLst meth="repeat">
-      <a:schemeClr val="lt1"/>
-    </dgm:linClrLst>
-    <dgm:effectClrLst/>
-    <dgm:txLinClrLst/>
-    <dgm:txFillClrLst/>
-    <dgm:txEffectClrLst/>
-  </dgm:styleLbl>
-  <dgm:styleLbl name="asst2">
-    <dgm:fillClrLst meth="repeat">
-      <a:schemeClr val="accent1"/>
-    </dgm:fillClrLst>
-    <dgm:linClrLst meth="repeat">
-      <a:schemeClr val="lt1"/>
-    </dgm:linClrLst>
-    <dgm:effectClrLst/>
-    <dgm:txLinClrLst/>
-    <dgm:txFillClrLst/>
-    <dgm:txEffectClrLst/>
-  </dgm:styleLbl>
-  <dgm:styleLbl name="asst3">
-    <dgm:fillClrLst meth="repeat">
-      <a:schemeClr val="accent1"/>
-    </dgm:fillClrLst>
-    <dgm:linClrLst meth="repeat">
-      <a:schemeClr val="lt1"/>
-    </dgm:linClrLst>
-    <dgm:effectClrLst/>
-    <dgm:txLinClrLst/>
-    <dgm:txFillClrLst/>
-    <dgm:txEffectClrLst/>
-  </dgm:styleLbl>
-  <dgm:styleLbl name="asst4">
-    <dgm:fillClrLst meth="repeat">
-      <a:schemeClr val="accent1"/>
-    </dgm:fillClrLst>
-    <dgm:linClrLst meth="repeat">
-      <a:schemeClr val="lt1"/>
-    </dgm:linClrLst>
-    <dgm:effectClrLst/>
-    <dgm:txLinClrLst/>
-    <dgm:txFillClrLst/>
-    <dgm:txEffectClrLst/>
-  </dgm:styleLbl>
-  <dgm:styleLbl name="parChTrans2D1">
-    <dgm:fillClrLst meth="repeat">
-      <a:schemeClr val="accent1">
-        <a:tint val="60000"/>
-      </a:schemeClr>
-    </dgm:fillClrLst>
-    <dgm:linClrLst meth="repeat">
-      <a:schemeClr val="accent1">
-        <a:tint val="60000"/>
-      </a:schemeClr>
-    </dgm:linClrLst>
-    <dgm:effectClrLst/>
-    <dgm:txLinClrLst/>
-    <dgm:txFillClrLst meth="repeat">
-      <a:schemeClr val="lt1"/>
-    </dgm:txFillClrLst>
-    <dgm:txEffectClrLst/>
-  </dgm:styleLbl>
-  <dgm:styleLbl name="parChTrans2D2">
-    <dgm:fillClrLst meth="repeat">
-      <a:schemeClr val="accent1"/>
-    </dgm:fillClrLst>
-    <dgm:linClrLst meth="repeat">
-      <a:schemeClr val="accent1"/>
-    </dgm:linClrLst>
-    <dgm:effectClrLst/>
-    <dgm:txLinClrLst/>
-    <dgm:txFillClrLst meth="repeat">
-      <a:schemeClr val="lt1"/>
-    </dgm:txFillClrLst>
-    <dgm:txEffectClrLst/>
-  </dgm:styleLbl>
-  <dgm:styleLbl name="parChTrans2D3">
-    <dgm:fillClrLst meth="repeat">
-      <a:schemeClr val="accent1"/>
-    </dgm:fillClrLst>
-    <dgm:linClrLst meth="repeat">
-      <a:schemeClr val="accent1"/>
-    </dgm:linClrLst>
-    <dgm:effectClrLst/>
-    <dgm:txLinClrLst/>
-    <dgm:txFillClrLst meth="repeat">
-      <a:schemeClr val="lt1"/>
-    </dgm:txFillClrLst>
-    <dgm:txEffectClrLst/>
-  </dgm:styleLbl>
-  <dgm:styleLbl name="parChTrans2D4">
-    <dgm:fillClrLst meth="repeat">
-      <a:schemeClr val="accent1"/>
-    </dgm:fillClrLst>
-    <dgm:linClrLst meth="repeat">
-      <a:schemeClr val="accent1"/>
-    </dgm:linClrLst>
-    <dgm:effectClrLst/>
-    <dgm:txLinClrLst/>
-    <dgm:txFillClrLst meth="repeat">
-      <a:schemeClr val="lt1"/>
-    </dgm:txFillClrLst>
-    <dgm:txEffectClrLst/>
-  </dgm:styleLbl>
-  <dgm:styleLbl name="parChTrans1D1">
-    <dgm:fillClrLst meth="repeat">
-      <a:schemeClr val="accent1"/>
-    </dgm:fillClrLst>
-    <dgm:linClrLst meth="repeat">
-      <a:schemeClr val="accent1">
-        <a:shade val="60000"/>
-      </a:schemeClr>
-    </dgm:linClrLst>
-    <dgm:effectClrLst/>
-    <dgm:txLinClrLst/>
-    <dgm:txFillClrLst meth="repeat">
-      <a:schemeClr val="tx1"/>
-    </dgm:txFillClrLst>
-    <dgm:txEffectClrLst/>
-  </dgm:styleLbl>
-  <dgm:styleLbl name="parChTrans1D2">
-    <dgm:fillClrLst meth="repeat">
-      <a:schemeClr val="accent1"/>
-    </dgm:fillClrLst>
-    <dgm:linClrLst meth="repeat">
-      <a:schemeClr val="accent1">
-        <a:shade val="60000"/>
-      </a:schemeClr>
-    </dgm:linClrLst>
-    <dgm:effectClrLst/>
-    <dgm:txLinClrLst/>
-    <dgm:txFillClrLst meth="repeat">
-      <a:schemeClr val="tx1"/>
-    </dgm:txFillClrLst>
-    <dgm:txEffectClrLst/>
-  </dgm:styleLbl>
-  <dgm:styleLbl name="parChTrans1D3">
-    <dgm:fillClrLst meth="repeat">
-      <a:schemeClr val="accent1"/>
-    </dgm:fillClrLst>
-    <dgm:linClrLst meth="repeat">
-      <a:schemeClr val="accent1">
-        <a:shade val="80000"/>
-      </a:schemeClr>
-    </dgm:linClrLst>
-    <dgm:effectClrLst/>
-    <dgm:txLinClrLst/>
-    <dgm:txFillClrLst meth="repeat">
-      <a:schemeClr val="tx1"/>
-    </dgm:txFillClrLst>
-    <dgm:txEffectClrLst/>
-  </dgm:styleLbl>
-  <dgm:styleLbl name="parChTrans1D4">
-    <dgm:fillClrLst meth="repeat">
-      <a:schemeClr val="accent1"/>
-    </dgm:fillClrLst>
-    <dgm:linClrLst meth="repeat">
-      <a:schemeClr val="accent1">
-        <a:shade val="80000"/>
-      </a:schemeClr>
-    </dgm:linClrLst>
-    <dgm:effectClrLst/>
-    <dgm:txLinClrLst/>
-    <dgm:txFillClrLst meth="repeat">
-      <a:schemeClr val="tx1"/>
-    </dgm:txFillClrLst>
-    <dgm:txEffectClrLst/>
-  </dgm:styleLbl>
-  <dgm:styleLbl name="fgAcc1">
-    <dgm:fillClrLst meth="repeat">
-      <a:schemeClr val="lt1">
-        <a:alpha val="90000"/>
-      </a:schemeClr>
-    </dgm:fillClrLst>
-    <dgm:linClrLst meth="repeat">
-      <a:schemeClr val="accent1"/>
-    </dgm:linClrLst>
-    <dgm:effectClrLst/>
-    <dgm:txLinClrLst/>
-    <dgm:txFillClrLst meth="repeat">
-      <a:schemeClr val="dk1"/>
-    </dgm:txFillClrLst>
-    <dgm:txEffectClrLst/>
-  </dgm:styleLbl>
-  <dgm:styleLbl name="conFgAcc1">
-    <dgm:fillClrLst meth="repeat">
-      <a:schemeClr val="lt1">
-        <a:alpha val="90000"/>
-      </a:schemeClr>
-    </dgm:fillClrLst>
-    <dgm:linClrLst meth="repeat">
-      <a:schemeClr val="accent1"/>
-    </dgm:linClrLst>
-    <dgm:effectClrLst/>
-    <dgm:txLinClrLst/>
-    <dgm:txFillClrLst meth="repeat">
-      <a:schemeClr val="dk1"/>
-    </dgm:txFillClrLst>
-    <dgm:txEffectClrLst/>
-  </dgm:styleLbl>
-  <dgm:styleLbl name="alignAcc1">
-    <dgm:fillClrLst meth="repeat">
-      <a:schemeClr val="lt1">
-        <a:alpha val="90000"/>
-      </a:schemeClr>
-    </dgm:fillClrLst>
-    <dgm:linClrLst meth="repeat">
-      <a:schemeClr val="accent1"/>
-    </dgm:linClrLst>
-    <dgm:effectClrLst/>
-    <dgm:txLinClrLst/>
-    <dgm:txFillClrLst meth="repeat">
-      <a:schemeClr val="dk1"/>
-    </dgm:txFillClrLst>
-    <dgm:txEffectClrLst/>
-  </dgm:styleLbl>
-  <dgm:styleLbl name="trAlignAcc1">
-    <dgm:fillClrLst meth="repeat">
-      <a:schemeClr val="lt1">
-        <a:alpha val="40000"/>
-      </a:schemeClr>
-    </dgm:fillClrLst>
-    <dgm:linClrLst meth="repeat">
-      <a:schemeClr val="accent1"/>
-    </dgm:linClrLst>
-    <dgm:effectClrLst/>
-    <dgm:txLinClrLst/>
-    <dgm:txFillClrLst meth="repeat">
-      <a:schemeClr val="dk1"/>
-    </dgm:txFillClrLst>
-    <dgm:txEffectClrLst/>
-  </dgm:styleLbl>
-  <dgm:styleLbl name="bgAcc1">
-    <dgm:fillClrLst meth="repeat">
-      <a:schemeClr val="lt1">
-        <a:alpha val="90000"/>
-      </a:schemeClr>
-    </dgm:fillClrLst>
-    <dgm:linClrLst meth="repeat">
-      <a:schemeClr val="accent1"/>
-    </dgm:linClrLst>
-    <dgm:effectClrLst/>
-    <dgm:txLinClrLst/>
-    <dgm:txFillClrLst meth="repeat">
-      <a:schemeClr val="dk1"/>
-    </dgm:txFillClrLst>
-    <dgm:txEffectClrLst/>
-  </dgm:styleLbl>
-  <dgm:styleLbl name="solidFgAcc1">
-    <dgm:fillClrLst meth="repeat">
-      <a:schemeClr val="lt1"/>
-    </dgm:fillClrLst>
-    <dgm:linClrLst meth="repeat">
-      <a:schemeClr val="accent1"/>
-    </dgm:linClrLst>
-    <dgm:effectClrLst/>
-    <dgm:txLinClrLst/>
-    <dgm:txFillClrLst meth="repeat">
-      <a:schemeClr val="dk1"/>
-    </dgm:txFillClrLst>
-    <dgm:txEffectClrLst/>
-  </dgm:styleLbl>
-  <dgm:styleLbl name="solidAlignAcc1">
-    <dgm:fillClrLst meth="repeat">
-      <a:schemeClr val="lt1"/>
-    </dgm:fillClrLst>
-    <dgm:linClrLst meth="repeat">
-      <a:schemeClr val="accent1"/>
-    </dgm:linClrLst>
-    <dgm:effectClrLst/>
-    <dgm:txLinClrLst/>
-    <dgm:txFillClrLst meth="repeat">
-      <a:schemeClr val="dk1"/>
-    </dgm:txFillClrLst>
-    <dgm:txEffectClrLst/>
-  </dgm:styleLbl>
-  <dgm:styleLbl name="solidBgAcc1">
-    <dgm:fillClrLst meth="repeat">
-      <a:schemeClr val="lt1"/>
-    </dgm:fillClrLst>
-    <dgm:linClrLst meth="repeat">
-      <a:schemeClr val="accent1"/>
-    </dgm:linClrLst>
-    <dgm:effectClrLst/>
-    <dgm:txLinClrLst/>
-    <dgm:txFillClrLst meth="repeat">
-      <a:schemeClr val="dk1"/>
-    </dgm:txFillClrLst>
-    <dgm:txEffectClrLst/>
-  </dgm:styleLbl>
-  <dgm:styleLbl name="fgAccFollowNode1">
-    <dgm:fillClrLst meth="repeat">
-      <a:schemeClr val="accent1">
-        <a:alpha val="90000"/>
-        <a:tint val="40000"/>
-      </a:schemeClr>
-    </dgm:fillClrLst>
-    <dgm:linClrLst meth="repeat">
-      <a:schemeClr val="accent1">
-        <a:alpha val="90000"/>
-        <a:tint val="40000"/>
-      </a:schemeClr>
-    </dgm:linClrLst>
-    <dgm:effectClrLst/>
-    <dgm:txLinClrLst/>
-    <dgm:txFillClrLst meth="repeat">
-      <a:schemeClr val="dk1"/>
-    </dgm:txFillClrLst>
-    <dgm:txEffectClrLst/>
-  </dgm:styleLbl>
-  <dgm:styleLbl name="alignAccFollowNode1">
-    <dgm:fillClrLst meth="repeat">
-      <a:schemeClr val="accent1">
-        <a:alpha val="90000"/>
-        <a:tint val="40000"/>
-      </a:schemeClr>
-    </dgm:fillClrLst>
-    <dgm:linClrLst meth="repeat">
-      <a:schemeClr val="accent1">
-        <a:alpha val="90000"/>
-        <a:tint val="40000"/>
-      </a:schemeClr>
-    </dgm:linClrLst>
-    <dgm:effectClrLst/>
-    <dgm:txLinClrLst/>
-    <dgm:txFillClrLst meth="repeat">
-      <a:schemeClr val="dk1"/>
-    </dgm:txFillClrLst>
-    <dgm:txEffectClrLst/>
-  </dgm:styleLbl>
-  <dgm:styleLbl name="bgAccFollowNode1">
-    <dgm:fillClrLst meth="repeat">
-      <a:schemeClr val="accent1">
-        <a:alpha val="90000"/>
-        <a:tint val="40000"/>
-      </a:schemeClr>
-    </dgm:fillClrLst>
-    <dgm:linClrLst meth="repeat">
-      <a:schemeClr val="accent1">
-        <a:alpha val="90000"/>
-        <a:tint val="40000"/>
-      </a:schemeClr>
-    </dgm:linClrLst>
-    <dgm:effectClrLst/>
-    <dgm:txLinClrLst/>
-    <dgm:txFillClrLst meth="repeat">
-      <a:schemeClr val="dk1"/>
-    </dgm:txFillClrLst>
-    <dgm:txEffectClrLst/>
-  </dgm:styleLbl>
-  <dgm:styleLbl name="fgAcc0">
-    <dgm:fillClrLst meth="repeat">
-      <a:schemeClr val="lt1">
-        <a:alpha val="90000"/>
-      </a:schemeClr>
-    </dgm:fillClrLst>
-    <dgm:linClrLst meth="repeat">
-      <a:schemeClr val="accent1"/>
-    </dgm:linClrLst>
-    <dgm:effectClrLst/>
-    <dgm:txLinClrLst/>
-    <dgm:txFillClrLst meth="repeat">
-      <a:schemeClr val="dk1"/>
-    </dgm:txFillClrLst>
-    <dgm:txEffectClrLst/>
-  </dgm:styleLbl>
-  <dgm:styleLbl name="fgAcc2">
-    <dgm:fillClrLst meth="repeat">
-      <a:schemeClr val="lt1">
-        <a:alpha val="90000"/>
-      </a:schemeClr>
-    </dgm:fillClrLst>
-    <dgm:linClrLst meth="repeat">
-      <a:schemeClr val="accent1"/>
-    </dgm:linClrLst>
-    <dgm:effectClrLst/>
-    <dgm:txLinClrLst/>
-    <dgm:txFillClrLst meth="repeat">
-      <a:schemeClr val="dk1"/>
-    </dgm:txFillClrLst>
-    <dgm:txEffectClrLst/>
-  </dgm:styleLbl>
-  <dgm:styleLbl name="fgAcc3">
-    <dgm:fillClrLst meth="repeat">
-      <a:schemeClr val="lt1">
-        <a:alpha val="90000"/>
-      </a:schemeClr>
-    </dgm:fillClrLst>
-    <dgm:linClrLst meth="repeat">
-      <a:schemeClr val="accent1"/>
-    </dgm:linClrLst>
-    <dgm:effectClrLst/>
-    <dgm:txLinClrLst/>
-    <dgm:txFillClrLst meth="repeat">
-      <a:schemeClr val="dk1"/>
-    </dgm:txFillClrLst>
-    <dgm:txEffectClrLst/>
-  </dgm:styleLbl>
-  <dgm:styleLbl name="fgAcc4">
-    <dgm:fillClrLst meth="repeat">
-      <a:schemeClr val="lt1">
-        <a:alpha val="90000"/>
-      </a:schemeClr>
-    </dgm:fillClrLst>
-    <dgm:linClrLst meth="repeat">
-      <a:schemeClr val="accent1"/>
-    </dgm:linClrLst>
-    <dgm:effectClrLst/>
-    <dgm:txLinClrLst/>
-    <dgm:txFillClrLst meth="repeat">
-      <a:schemeClr val="dk1"/>
-    </dgm:txFillClrLst>
-    <dgm:txEffectClrLst/>
-  </dgm:styleLbl>
-  <dgm:styleLbl name="bgShp">
-    <dgm:fillClrLst meth="repeat">
-      <a:schemeClr val="accent1">
-        <a:tint val="40000"/>
-      </a:schemeClr>
-    </dgm:fillClrLst>
-    <dgm:linClrLst meth="repeat">
-      <a:schemeClr val="accent1"/>
-    </dgm:linClrLst>
-    <dgm:effectClrLst/>
-    <dgm:txLinClrLst/>
-    <dgm:txFillClrLst meth="repeat">
-      <a:schemeClr val="dk1"/>
-    </dgm:txFillClrLst>
-    <dgm:txEffectClrLst/>
-  </dgm:styleLbl>
-  <dgm:styleLbl name="dkBgShp">
-    <dgm:fillClrLst meth="repeat">
-      <a:schemeClr val="accent1">
-        <a:shade val="80000"/>
-      </a:schemeClr>
-    </dgm:fillClrLst>
-    <dgm:linClrLst meth="repeat">
-      <a:schemeClr val="accent1"/>
-    </dgm:linClrLst>
-    <dgm:effectClrLst/>
-    <dgm:txLinClrLst/>
-    <dgm:txFillClrLst meth="repeat">
-      <a:schemeClr val="lt1"/>
-    </dgm:txFillClrLst>
-    <dgm:txEffectClrLst/>
-  </dgm:styleLbl>
-  <dgm:styleLbl name="trBgShp">
-    <dgm:fillClrLst meth="repeat">
-      <a:schemeClr val="accent1">
-        <a:tint val="50000"/>
-        <a:alpha val="40000"/>
-      </a:schemeClr>
-    </dgm:fillClrLst>
-    <dgm:linClrLst meth="repeat">
-      <a:schemeClr val="accent1"/>
-    </dgm:linClrLst>
-    <dgm:effectClrLst/>
-    <dgm:txLinClrLst/>
-    <dgm:txFillClrLst meth="repeat">
-      <a:schemeClr val="lt1"/>
-    </dgm:txFillClrLst>
-    <dgm:txEffectClrLst/>
-  </dgm:styleLbl>
-  <dgm:styleLbl name="fgShp">
-    <dgm:fillClrLst meth="repeat">
-      <a:schemeClr val="accent1">
-        <a:tint val="60000"/>
-      </a:schemeClr>
-    </dgm:fillClrLst>
-    <dgm:linClrLst meth="repeat">
-      <a:schemeClr val="lt1"/>
-    </dgm:linClrLst>
-    <dgm:effectClrLst/>
-    <dgm:txLinClrLst/>
-    <dgm:txFillClrLst meth="repeat">
-      <a:schemeClr val="dk1"/>
-    </dgm:txFillClrLst>
-    <dgm:txEffectClrLst/>
-  </dgm:styleLbl>
-  <dgm:styleLbl name="revTx">
-    <dgm:fillClrLst meth="repeat">
-      <a:schemeClr val="lt1">
-        <a:alpha val="0"/>
-      </a:schemeClr>
-    </dgm:fillClrLst>
-    <dgm:linClrLst meth="repeat">
-      <a:schemeClr val="dk1">
-        <a:alpha val="0"/>
-      </a:schemeClr>
-    </dgm:linClrLst>
-    <dgm:effectClrLst/>
-    <dgm:txLinClrLst/>
-    <dgm:txFillClrLst meth="repeat">
-      <a:schemeClr val="tx1"/>
-    </dgm:txFillClrLst>
-    <dgm:txEffectClrLst/>
-  </dgm:styleLbl>
-</dgm:colorsDef>
-</file>
-
-<file path=ppt/diagrams/colors3.xml><?xml version="1.0" encoding="utf-8"?>
 <dgm:colorsDef xmlns:dgm="http://schemas.openxmlformats.org/drawingml/2006/diagram" xmlns:a="http://schemas.openxmlformats.org/drawingml/2006/main" uniqueId="urn:microsoft.com/office/officeart/2005/8/colors/accent1_2">
   <dgm:title val=""/>
   <dgm:desc val=""/>
@@ -3381,1711 +2634,6 @@
 </dgm:dataModel>
 </file>
 
-<file path=ppt/diagrams/data3.xml><?xml version="1.0" encoding="utf-8"?>
-<dgm:dataModel xmlns:dgm="http://schemas.openxmlformats.org/drawingml/2006/diagram" xmlns:a="http://schemas.openxmlformats.org/drawingml/2006/main">
-  <dgm:ptLst>
-    <dgm:pt modelId="{BA93EB3D-5BFC-4577-86E1-5234490A1428}" type="doc">
-      <dgm:prSet loTypeId="urn:microsoft.com/office/officeart/2005/8/layout/hProcess4" loCatId="process" qsTypeId="urn:microsoft.com/office/officeart/2005/8/quickstyle/simple1" qsCatId="simple" csTypeId="urn:microsoft.com/office/officeart/2005/8/colors/accent1_2" csCatId="accent1" phldr="1"/>
-      <dgm:spPr/>
-      <dgm:t>
-        <a:bodyPr/>
-        <a:lstStyle/>
-        <a:p>
-          <a:endParaRPr lang="en-CA"/>
-        </a:p>
-      </dgm:t>
-    </dgm:pt>
-    <dgm:pt modelId="{53D9A326-9940-4D5D-8F76-B5E8FE054708}">
-      <dgm:prSet phldrT="[Text]"/>
-      <dgm:spPr/>
-      <dgm:t>
-        <a:bodyPr/>
-        <a:lstStyle/>
-        <a:p>
-          <a:r>
-            <a:rPr lang="en-CA" b="1" dirty="0"/>
-            <a:t>Connect to Database</a:t>
-          </a:r>
-        </a:p>
-      </dgm:t>
-    </dgm:pt>
-    <dgm:pt modelId="{BE921C20-B692-479D-B318-1D2B74DC27B3}" type="parTrans" cxnId="{37CE5417-9A20-428A-872D-4BBF383F402D}">
-      <dgm:prSet/>
-      <dgm:spPr/>
-      <dgm:t>
-        <a:bodyPr/>
-        <a:lstStyle/>
-        <a:p>
-          <a:endParaRPr lang="en-CA"/>
-        </a:p>
-      </dgm:t>
-    </dgm:pt>
-    <dgm:pt modelId="{854A99E8-BF9F-43BE-87E6-9A96F07FF3CC}" type="sibTrans" cxnId="{37CE5417-9A20-428A-872D-4BBF383F402D}">
-      <dgm:prSet/>
-      <dgm:spPr/>
-      <dgm:t>
-        <a:bodyPr/>
-        <a:lstStyle/>
-        <a:p>
-          <a:endParaRPr lang="en-CA"/>
-        </a:p>
-      </dgm:t>
-    </dgm:pt>
-    <dgm:pt modelId="{4E27F0F0-B813-491E-B4AB-366B13A0C9F8}">
-      <dgm:prSet phldrT="[Text]"/>
-      <dgm:spPr/>
-      <dgm:t>
-        <a:bodyPr/>
-        <a:lstStyle/>
-        <a:p>
-          <a:r>
-            <a:rPr lang="en-CA" b="1" i="0" dirty="0"/>
-            <a:t>Extract Tables</a:t>
-          </a:r>
-          <a:endParaRPr lang="en-CA" dirty="0"/>
-        </a:p>
-      </dgm:t>
-    </dgm:pt>
-    <dgm:pt modelId="{A74A1626-0647-4DFE-92E6-CDC3B8051400}" type="parTrans" cxnId="{68460C70-A7C0-4A01-871A-38114B6D0A37}">
-      <dgm:prSet/>
-      <dgm:spPr/>
-      <dgm:t>
-        <a:bodyPr/>
-        <a:lstStyle/>
-        <a:p>
-          <a:endParaRPr lang="en-CA"/>
-        </a:p>
-      </dgm:t>
-    </dgm:pt>
-    <dgm:pt modelId="{131E23C3-7153-4993-91E5-486FD503C40D}" type="sibTrans" cxnId="{68460C70-A7C0-4A01-871A-38114B6D0A37}">
-      <dgm:prSet/>
-      <dgm:spPr/>
-      <dgm:t>
-        <a:bodyPr/>
-        <a:lstStyle/>
-        <a:p>
-          <a:endParaRPr lang="en-CA"/>
-        </a:p>
-      </dgm:t>
-    </dgm:pt>
-    <dgm:pt modelId="{0258D149-A1BE-433B-87AA-4DF0E415BA89}">
-      <dgm:prSet phldrT="[Text]" custT="1"/>
-      <dgm:spPr/>
-      <dgm:t>
-        <a:bodyPr lIns="36000" tIns="36000" rIns="36000" bIns="36000"/>
-        <a:lstStyle/>
-        <a:p>
-          <a:pPr>
-            <a:buFont typeface="+mj-lt"/>
-            <a:buAutoNum type="arabicPeriod"/>
-          </a:pPr>
-          <a:r>
-            <a:rPr lang="en-CA" sz="1000" i="0" dirty="0"/>
-            <a:t>Read data from DB.</a:t>
-          </a:r>
-          <a:endParaRPr lang="en-CA" sz="1000" dirty="0"/>
-        </a:p>
-      </dgm:t>
-    </dgm:pt>
-    <dgm:pt modelId="{71F7D9B2-44C5-4A4E-BEF2-D71F1CDDAEF4}" type="parTrans" cxnId="{6E9D1560-DCEF-4790-B10E-83D4FDF94E84}">
-      <dgm:prSet/>
-      <dgm:spPr/>
-      <dgm:t>
-        <a:bodyPr/>
-        <a:lstStyle/>
-        <a:p>
-          <a:endParaRPr lang="en-CA"/>
-        </a:p>
-      </dgm:t>
-    </dgm:pt>
-    <dgm:pt modelId="{144FE671-4897-4CA2-AD24-43CCE3F6FC13}" type="sibTrans" cxnId="{6E9D1560-DCEF-4790-B10E-83D4FDF94E84}">
-      <dgm:prSet/>
-      <dgm:spPr/>
-      <dgm:t>
-        <a:bodyPr/>
-        <a:lstStyle/>
-        <a:p>
-          <a:endParaRPr lang="en-CA"/>
-        </a:p>
-      </dgm:t>
-    </dgm:pt>
-    <dgm:pt modelId="{4C6DAB58-6BF7-4A68-90F6-76CCD60BC396}">
-      <dgm:prSet phldrT="[Text]"/>
-      <dgm:spPr/>
-      <dgm:t>
-        <a:bodyPr/>
-        <a:lstStyle/>
-        <a:p>
-          <a:r>
-            <a:rPr lang="en-CA" b="1" dirty="0"/>
-            <a:t>Transform / Pipeline (NLP)</a:t>
-          </a:r>
-        </a:p>
-      </dgm:t>
-    </dgm:pt>
-    <dgm:pt modelId="{5351A743-A838-4E18-93BB-772232CBD5C6}" type="parTrans" cxnId="{B1289D15-C3F6-458E-9371-CBA1006B0667}">
-      <dgm:prSet/>
-      <dgm:spPr/>
-      <dgm:t>
-        <a:bodyPr/>
-        <a:lstStyle/>
-        <a:p>
-          <a:endParaRPr lang="en-CA"/>
-        </a:p>
-      </dgm:t>
-    </dgm:pt>
-    <dgm:pt modelId="{D87917C1-1C80-4515-932C-647BEEA13C97}" type="sibTrans" cxnId="{B1289D15-C3F6-458E-9371-CBA1006B0667}">
-      <dgm:prSet/>
-      <dgm:spPr/>
-      <dgm:t>
-        <a:bodyPr/>
-        <a:lstStyle/>
-        <a:p>
-          <a:endParaRPr lang="en-CA"/>
-        </a:p>
-      </dgm:t>
-    </dgm:pt>
-    <dgm:pt modelId="{71443189-7343-47C8-80D2-99EB4864C6BB}">
-      <dgm:prSet phldrT="[Text]" custT="1"/>
-      <dgm:spPr/>
-      <dgm:t>
-        <a:bodyPr lIns="36000" tIns="36000" rIns="36000" bIns="36000"/>
-        <a:lstStyle/>
-        <a:p>
-          <a:pPr>
-            <a:buFont typeface="+mj-lt"/>
-            <a:buAutoNum type="arabicPeriod"/>
-          </a:pPr>
-          <a:r>
-            <a:rPr lang="en-CA" sz="1000" dirty="0"/>
-            <a:t>Categorize into binary categories (binary) / Drop rows with 2 and 4 stars (3-category) / Keep all rows (5-category).</a:t>
-          </a:r>
-        </a:p>
-      </dgm:t>
-    </dgm:pt>
-    <dgm:pt modelId="{4DD340BD-4041-4A52-AC22-E7B927FE895B}" type="parTrans" cxnId="{840CBA0B-FFC2-48CA-8E6E-E3CCACC77BFE}">
-      <dgm:prSet/>
-      <dgm:spPr/>
-      <dgm:t>
-        <a:bodyPr/>
-        <a:lstStyle/>
-        <a:p>
-          <a:endParaRPr lang="en-CA"/>
-        </a:p>
-      </dgm:t>
-    </dgm:pt>
-    <dgm:pt modelId="{A265E9B6-9110-4989-8AD2-E3E22A04C13F}" type="sibTrans" cxnId="{840CBA0B-FFC2-48CA-8E6E-E3CCACC77BFE}">
-      <dgm:prSet/>
-      <dgm:spPr/>
-      <dgm:t>
-        <a:bodyPr/>
-        <a:lstStyle/>
-        <a:p>
-          <a:endParaRPr lang="en-CA"/>
-        </a:p>
-      </dgm:t>
-    </dgm:pt>
-    <dgm:pt modelId="{FB689ACF-14FA-42C1-8A06-730B9BE7D3E2}">
-      <dgm:prSet phldrT="[Text]"/>
-      <dgm:spPr/>
-      <dgm:t>
-        <a:bodyPr/>
-        <a:lstStyle/>
-        <a:p>
-          <a:r>
-            <a:rPr lang="en-CA" b="1" dirty="0"/>
-            <a:t>Run Machine Learning Models</a:t>
-          </a:r>
-        </a:p>
-      </dgm:t>
-    </dgm:pt>
-    <dgm:pt modelId="{33F470F1-9DF1-4330-8FD4-937F4F1CFE16}" type="parTrans" cxnId="{F24B4B62-0CC6-450F-B363-933898EA2AD2}">
-      <dgm:prSet/>
-      <dgm:spPr/>
-      <dgm:t>
-        <a:bodyPr/>
-        <a:lstStyle/>
-        <a:p>
-          <a:endParaRPr lang="en-CA"/>
-        </a:p>
-      </dgm:t>
-    </dgm:pt>
-    <dgm:pt modelId="{79A355A8-F1A7-40AA-A69F-34097B36C21F}" type="sibTrans" cxnId="{F24B4B62-0CC6-450F-B363-933898EA2AD2}">
-      <dgm:prSet/>
-      <dgm:spPr/>
-      <dgm:t>
-        <a:bodyPr/>
-        <a:lstStyle/>
-        <a:p>
-          <a:endParaRPr lang="en-CA"/>
-        </a:p>
-      </dgm:t>
-    </dgm:pt>
-    <dgm:pt modelId="{F8D75E48-9AAA-4085-809E-053F313A0330}">
-      <dgm:prSet phldrT="[Text]" custT="1"/>
-      <dgm:spPr/>
-      <dgm:t>
-        <a:bodyPr lIns="36000" tIns="72000" rIns="36000" bIns="36000"/>
-        <a:lstStyle/>
-        <a:p>
-          <a:pPr>
-            <a:buFont typeface="+mj-lt"/>
-            <a:buAutoNum type="arabicPeriod"/>
-          </a:pPr>
-          <a:r>
-            <a:rPr lang="en-CA" sz="1000" dirty="0"/>
-            <a:t>Install Java, Spark, and </a:t>
-          </a:r>
-          <a:r>
-            <a:rPr lang="en-CA" sz="1000" dirty="0" err="1"/>
-            <a:t>Findspark</a:t>
-          </a:r>
-          <a:r>
-            <a:rPr lang="en-CA" sz="1000" dirty="0"/>
-            <a:t>.</a:t>
-          </a:r>
-        </a:p>
-      </dgm:t>
-    </dgm:pt>
-    <dgm:pt modelId="{D9E1B4FB-A1DC-4B23-9A02-7E0FB9C5F7BD}" type="sibTrans" cxnId="{B1F83D6D-CFCC-45DF-9EC1-EEFD0B7CF6DF}">
-      <dgm:prSet/>
-      <dgm:spPr/>
-      <dgm:t>
-        <a:bodyPr/>
-        <a:lstStyle/>
-        <a:p>
-          <a:endParaRPr lang="en-CA"/>
-        </a:p>
-      </dgm:t>
-    </dgm:pt>
-    <dgm:pt modelId="{F06241B2-FEE1-49AD-86BF-507F6FD2032F}" type="parTrans" cxnId="{B1F83D6D-CFCC-45DF-9EC1-EEFD0B7CF6DF}">
-      <dgm:prSet/>
-      <dgm:spPr/>
-      <dgm:t>
-        <a:bodyPr/>
-        <a:lstStyle/>
-        <a:p>
-          <a:endParaRPr lang="en-CA"/>
-        </a:p>
-      </dgm:t>
-    </dgm:pt>
-    <dgm:pt modelId="{F41F1CCC-F372-4129-9639-7215FBC246D1}">
-      <dgm:prSet custT="1"/>
-      <dgm:spPr/>
-      <dgm:t>
-        <a:bodyPr lIns="36000" tIns="72000" rIns="36000" bIns="36000"/>
-        <a:lstStyle/>
-        <a:p>
-          <a:pPr>
-            <a:buFont typeface="+mj-lt"/>
-            <a:buAutoNum type="arabicPeriod"/>
-          </a:pPr>
-          <a:r>
-            <a:rPr lang="en-CA" sz="1000" dirty="0"/>
-            <a:t>Set environment variables.</a:t>
-          </a:r>
-        </a:p>
-      </dgm:t>
-    </dgm:pt>
-    <dgm:pt modelId="{22BBBE1B-5FD1-4320-AFB1-D7C911E79BA1}" type="parTrans" cxnId="{8269A281-C9F8-4FDB-8F4C-48BC6C4F2595}">
-      <dgm:prSet/>
-      <dgm:spPr/>
-      <dgm:t>
-        <a:bodyPr/>
-        <a:lstStyle/>
-        <a:p>
-          <a:endParaRPr lang="en-CA"/>
-        </a:p>
-      </dgm:t>
-    </dgm:pt>
-    <dgm:pt modelId="{088068E2-2B7C-449B-A03E-251999521D8F}" type="sibTrans" cxnId="{8269A281-C9F8-4FDB-8F4C-48BC6C4F2595}">
-      <dgm:prSet/>
-      <dgm:spPr/>
-      <dgm:t>
-        <a:bodyPr/>
-        <a:lstStyle/>
-        <a:p>
-          <a:endParaRPr lang="en-CA"/>
-        </a:p>
-      </dgm:t>
-    </dgm:pt>
-    <dgm:pt modelId="{B211B111-71CD-4CAC-BFBF-36712880C4BE}">
-      <dgm:prSet custT="1"/>
-      <dgm:spPr/>
-      <dgm:t>
-        <a:bodyPr lIns="36000" tIns="72000" rIns="36000" bIns="36000"/>
-        <a:lstStyle/>
-        <a:p>
-          <a:pPr>
-            <a:buFont typeface="+mj-lt"/>
-            <a:buAutoNum type="arabicPeriod"/>
-          </a:pPr>
-          <a:r>
-            <a:rPr lang="en-CA" sz="1000"/>
-            <a:t>Start a SparkSession.</a:t>
-          </a:r>
-          <a:endParaRPr lang="en-CA" sz="1000" dirty="0"/>
-        </a:p>
-      </dgm:t>
-    </dgm:pt>
-    <dgm:pt modelId="{E6761443-D009-4252-B9AE-65E7A6DB6210}" type="parTrans" cxnId="{68082239-48DB-4129-9717-0FA807D330C4}">
-      <dgm:prSet/>
-      <dgm:spPr/>
-      <dgm:t>
-        <a:bodyPr/>
-        <a:lstStyle/>
-        <a:p>
-          <a:endParaRPr lang="en-CA"/>
-        </a:p>
-      </dgm:t>
-    </dgm:pt>
-    <dgm:pt modelId="{BD8BD2DF-AD1B-455C-9CCF-AD42DE09551C}" type="sibTrans" cxnId="{68082239-48DB-4129-9717-0FA807D330C4}">
-      <dgm:prSet/>
-      <dgm:spPr/>
-      <dgm:t>
-        <a:bodyPr/>
-        <a:lstStyle/>
-        <a:p>
-          <a:endParaRPr lang="en-CA"/>
-        </a:p>
-      </dgm:t>
-    </dgm:pt>
-    <dgm:pt modelId="{F8C52B49-3B0B-4F40-869C-E424FC8E7427}">
-      <dgm:prSet custT="1"/>
-      <dgm:spPr/>
-      <dgm:t>
-        <a:bodyPr lIns="36000" tIns="72000" rIns="36000" bIns="36000"/>
-        <a:lstStyle/>
-        <a:p>
-          <a:pPr>
-            <a:buFont typeface="+mj-lt"/>
-            <a:buAutoNum type="arabicPeriod"/>
-          </a:pPr>
-          <a:r>
-            <a:rPr lang="en-CA" sz="1000" dirty="0"/>
-            <a:t>Interact with SQL.</a:t>
-          </a:r>
-        </a:p>
-      </dgm:t>
-    </dgm:pt>
-    <dgm:pt modelId="{8E5A7DBA-A4C5-49AA-BEA2-3C9AE56BFAF5}" type="parTrans" cxnId="{C1E0E18B-B436-4C7F-9EB8-F64F75FE5ACB}">
-      <dgm:prSet/>
-      <dgm:spPr/>
-      <dgm:t>
-        <a:bodyPr/>
-        <a:lstStyle/>
-        <a:p>
-          <a:endParaRPr lang="en-CA"/>
-        </a:p>
-      </dgm:t>
-    </dgm:pt>
-    <dgm:pt modelId="{AA968FC9-06D0-43AA-948E-F32D52A7ECD8}" type="sibTrans" cxnId="{C1E0E18B-B436-4C7F-9EB8-F64F75FE5ACB}">
-      <dgm:prSet/>
-      <dgm:spPr/>
-      <dgm:t>
-        <a:bodyPr/>
-        <a:lstStyle/>
-        <a:p>
-          <a:endParaRPr lang="en-CA"/>
-        </a:p>
-      </dgm:t>
-    </dgm:pt>
-    <dgm:pt modelId="{88958FCB-C4F1-40EF-A3D7-09BC02CF0C0E}">
-      <dgm:prSet custT="1"/>
-      <dgm:spPr/>
-      <dgm:t>
-        <a:bodyPr lIns="36000" tIns="72000" rIns="36000" bIns="36000"/>
-        <a:lstStyle/>
-        <a:p>
-          <a:pPr>
-            <a:buFont typeface="+mj-lt"/>
-            <a:buAutoNum type="arabicPeriod"/>
-          </a:pPr>
-          <a:r>
-            <a:rPr lang="en-CA" sz="1000"/>
-            <a:t>Create Spark application.</a:t>
-          </a:r>
-          <a:endParaRPr lang="en-CA" sz="1000" dirty="0"/>
-        </a:p>
-      </dgm:t>
-    </dgm:pt>
-    <dgm:pt modelId="{29FBF599-CADF-4511-A9B9-C8281EF8499C}" type="parTrans" cxnId="{64FA20C5-216B-47A4-8659-61A38665184F}">
-      <dgm:prSet/>
-      <dgm:spPr/>
-      <dgm:t>
-        <a:bodyPr/>
-        <a:lstStyle/>
-        <a:p>
-          <a:endParaRPr lang="en-CA"/>
-        </a:p>
-      </dgm:t>
-    </dgm:pt>
-    <dgm:pt modelId="{34E2AFF1-9324-4ED7-AD19-D26AE3E06B23}" type="sibTrans" cxnId="{64FA20C5-216B-47A4-8659-61A38665184F}">
-      <dgm:prSet/>
-      <dgm:spPr/>
-      <dgm:t>
-        <a:bodyPr/>
-        <a:lstStyle/>
-        <a:p>
-          <a:endParaRPr lang="en-CA"/>
-        </a:p>
-      </dgm:t>
-    </dgm:pt>
-    <dgm:pt modelId="{83E46B71-B847-401D-BB9A-0851B46F46D6}">
-      <dgm:prSet custT="1"/>
-      <dgm:spPr/>
-      <dgm:t>
-        <a:bodyPr lIns="36000" tIns="72000" rIns="36000" bIns="36000"/>
-        <a:lstStyle/>
-        <a:p>
-          <a:pPr>
-            <a:buFont typeface="+mj-lt"/>
-            <a:buAutoNum type="arabicPeriod"/>
-          </a:pPr>
-          <a:r>
-            <a:rPr lang="en-US" sz="1000"/>
-            <a:t>Login to gcloud and check the DB.</a:t>
-          </a:r>
-          <a:endParaRPr lang="en-CA" sz="1000" dirty="0"/>
-        </a:p>
-      </dgm:t>
-    </dgm:pt>
-    <dgm:pt modelId="{53399EC4-DA45-4A32-B969-CA824CF1EC16}" type="parTrans" cxnId="{044DDE03-78F0-42C7-A56F-5BE3C291857B}">
-      <dgm:prSet/>
-      <dgm:spPr/>
-      <dgm:t>
-        <a:bodyPr/>
-        <a:lstStyle/>
-        <a:p>
-          <a:endParaRPr lang="en-CA"/>
-        </a:p>
-      </dgm:t>
-    </dgm:pt>
-    <dgm:pt modelId="{60C97D8C-1F48-49DC-8A74-B963A216F1C0}" type="sibTrans" cxnId="{044DDE03-78F0-42C7-A56F-5BE3C291857B}">
-      <dgm:prSet/>
-      <dgm:spPr/>
-      <dgm:t>
-        <a:bodyPr/>
-        <a:lstStyle/>
-        <a:p>
-          <a:endParaRPr lang="en-CA"/>
-        </a:p>
-      </dgm:t>
-    </dgm:pt>
-    <dgm:pt modelId="{F9ACF090-0FCE-4D21-8A2B-C4213E6016E7}">
-      <dgm:prSet custT="1"/>
-      <dgm:spPr/>
-      <dgm:t>
-        <a:bodyPr lIns="36000" tIns="72000" rIns="36000" bIns="36000"/>
-        <a:lstStyle/>
-        <a:p>
-          <a:pPr>
-            <a:buFont typeface="+mj-lt"/>
-            <a:buAutoNum type="arabicPeriod"/>
-          </a:pPr>
-          <a:r>
-            <a:rPr lang="en-US" sz="1000"/>
-            <a:t>Download and initialize the SQL proxy.</a:t>
-          </a:r>
-          <a:endParaRPr lang="en-CA" sz="1000" dirty="0"/>
-        </a:p>
-      </dgm:t>
-    </dgm:pt>
-    <dgm:pt modelId="{FE0CB776-8947-45EF-A3EA-AC1589679681}" type="parTrans" cxnId="{2D695900-E19A-4B2C-ACA1-16DC2E2E1F2F}">
-      <dgm:prSet/>
-      <dgm:spPr/>
-      <dgm:t>
-        <a:bodyPr/>
-        <a:lstStyle/>
-        <a:p>
-          <a:endParaRPr lang="en-CA"/>
-        </a:p>
-      </dgm:t>
-    </dgm:pt>
-    <dgm:pt modelId="{AE51E16D-C711-495A-8611-8F198ED2EC9C}" type="sibTrans" cxnId="{2D695900-E19A-4B2C-ACA1-16DC2E2E1F2F}">
-      <dgm:prSet/>
-      <dgm:spPr/>
-      <dgm:t>
-        <a:bodyPr/>
-        <a:lstStyle/>
-        <a:p>
-          <a:endParaRPr lang="en-CA"/>
-        </a:p>
-      </dgm:t>
-    </dgm:pt>
-    <dgm:pt modelId="{1F15028F-33FF-4264-9B90-D9CD69979D54}">
-      <dgm:prSet custT="1"/>
-      <dgm:spPr/>
-      <dgm:t>
-        <a:bodyPr lIns="36000" tIns="72000" rIns="36000" bIns="36000"/>
-        <a:lstStyle/>
-        <a:p>
-          <a:pPr>
-            <a:buFont typeface="+mj-lt"/>
-            <a:buAutoNum type="arabicPeriod"/>
-          </a:pPr>
-          <a:r>
-            <a:rPr lang="en-CA" sz="1000" dirty="0"/>
-            <a:t>Configure settings for RDS.</a:t>
-          </a:r>
-        </a:p>
-      </dgm:t>
-    </dgm:pt>
-    <dgm:pt modelId="{3B810E17-9523-467D-A5A9-91A8ADD46B65}" type="parTrans" cxnId="{59AE938B-3E1B-4D31-A7D9-FDEC16FF94C6}">
-      <dgm:prSet/>
-      <dgm:spPr/>
-      <dgm:t>
-        <a:bodyPr/>
-        <a:lstStyle/>
-        <a:p>
-          <a:endParaRPr lang="en-CA"/>
-        </a:p>
-      </dgm:t>
-    </dgm:pt>
-    <dgm:pt modelId="{64F8B2BD-0C4E-4438-A844-4D9BBB14618D}" type="sibTrans" cxnId="{59AE938B-3E1B-4D31-A7D9-FDEC16FF94C6}">
-      <dgm:prSet/>
-      <dgm:spPr/>
-      <dgm:t>
-        <a:bodyPr/>
-        <a:lstStyle/>
-        <a:p>
-          <a:endParaRPr lang="en-CA"/>
-        </a:p>
-      </dgm:t>
-    </dgm:pt>
-    <dgm:pt modelId="{1093AC2E-5C63-417E-AE14-549B3CC21750}">
-      <dgm:prSet phldrT="[Text]" custT="1"/>
-      <dgm:spPr/>
-      <dgm:t>
-        <a:bodyPr lIns="36000" tIns="36000" rIns="36000" bIns="36000"/>
-        <a:lstStyle/>
-        <a:p>
-          <a:pPr>
-            <a:buFont typeface="+mj-lt"/>
-            <a:buAutoNum type="arabicPeriod"/>
-          </a:pPr>
-          <a:r>
-            <a:rPr lang="en-CA" sz="1000" dirty="0"/>
-            <a:t>Pull tables from DB.</a:t>
-          </a:r>
-        </a:p>
-      </dgm:t>
-    </dgm:pt>
-    <dgm:pt modelId="{2FEE2CAA-36E8-4835-A5AC-EBD70C81D89C}" type="parTrans" cxnId="{82B8BAB6-0B80-492A-8B10-60053E2C1CFE}">
-      <dgm:prSet/>
-      <dgm:spPr/>
-      <dgm:t>
-        <a:bodyPr/>
-        <a:lstStyle/>
-        <a:p>
-          <a:endParaRPr lang="en-CA"/>
-        </a:p>
-      </dgm:t>
-    </dgm:pt>
-    <dgm:pt modelId="{5EC42E26-83F2-406B-A86C-66AE88498FDE}" type="sibTrans" cxnId="{82B8BAB6-0B80-492A-8B10-60053E2C1CFE}">
-      <dgm:prSet/>
-      <dgm:spPr/>
-      <dgm:t>
-        <a:bodyPr/>
-        <a:lstStyle/>
-        <a:p>
-          <a:endParaRPr lang="en-CA"/>
-        </a:p>
-      </dgm:t>
-    </dgm:pt>
-    <dgm:pt modelId="{318B1B04-595D-4CD9-A40A-6DA4B4F8AD31}">
-      <dgm:prSet phldrT="[Text]" custT="1"/>
-      <dgm:spPr/>
-      <dgm:t>
-        <a:bodyPr lIns="36000" tIns="36000" rIns="36000" bIns="36000"/>
-        <a:lstStyle/>
-        <a:p>
-          <a:pPr>
-            <a:buFont typeface="+mj-lt"/>
-            <a:buAutoNum type="arabicPeriod"/>
-          </a:pPr>
-          <a:r>
-            <a:rPr lang="en-CA" sz="1000" dirty="0"/>
-            <a:t>Join tables into </a:t>
-          </a:r>
-          <a:r>
-            <a:rPr lang="en-CA" sz="1000" dirty="0" err="1"/>
-            <a:t>PySpark</a:t>
-          </a:r>
-          <a:r>
-            <a:rPr lang="en-CA" sz="1000" dirty="0"/>
-            <a:t> </a:t>
-          </a:r>
-          <a:r>
-            <a:rPr lang="en-CA" sz="1000" dirty="0" err="1"/>
-            <a:t>DataFrame</a:t>
-          </a:r>
-          <a:r>
-            <a:rPr lang="en-CA" sz="1000" dirty="0"/>
-            <a:t>.</a:t>
-          </a:r>
-        </a:p>
-      </dgm:t>
-    </dgm:pt>
-    <dgm:pt modelId="{41FE8AF2-8C32-45FD-8685-92DC68BB3E22}" type="parTrans" cxnId="{91AB9384-67B6-4424-A9A6-63221DEE18FF}">
-      <dgm:prSet/>
-      <dgm:spPr/>
-      <dgm:t>
-        <a:bodyPr/>
-        <a:lstStyle/>
-        <a:p>
-          <a:endParaRPr lang="en-CA"/>
-        </a:p>
-      </dgm:t>
-    </dgm:pt>
-    <dgm:pt modelId="{B0226618-AC57-4360-B4A9-3EE143E2B7B0}" type="sibTrans" cxnId="{91AB9384-67B6-4424-A9A6-63221DEE18FF}">
-      <dgm:prSet/>
-      <dgm:spPr/>
-      <dgm:t>
-        <a:bodyPr/>
-        <a:lstStyle/>
-        <a:p>
-          <a:endParaRPr lang="en-CA"/>
-        </a:p>
-      </dgm:t>
-    </dgm:pt>
-    <dgm:pt modelId="{33DC13FF-967D-4EED-9151-257A0271A4AC}">
-      <dgm:prSet phldrT="[Text]" custT="1"/>
-      <dgm:spPr/>
-      <dgm:t>
-        <a:bodyPr lIns="36000" tIns="36000" rIns="36000" bIns="36000"/>
-        <a:lstStyle/>
-        <a:p>
-          <a:pPr>
-            <a:buFont typeface="+mj-lt"/>
-            <a:buAutoNum type="arabicPeriod"/>
-          </a:pPr>
-          <a:r>
-            <a:rPr lang="en-CA" sz="1000" dirty="0"/>
-            <a:t>Convert to Pandas </a:t>
-          </a:r>
-          <a:r>
-            <a:rPr lang="en-CA" sz="1000" dirty="0" err="1"/>
-            <a:t>DataFrame</a:t>
-          </a:r>
-          <a:r>
-            <a:rPr lang="en-CA" sz="1000" dirty="0"/>
-            <a:t>.</a:t>
-          </a:r>
-        </a:p>
-      </dgm:t>
-    </dgm:pt>
-    <dgm:pt modelId="{309CB17F-619C-435A-9A41-616E76B5EF39}" type="parTrans" cxnId="{EE6063AF-5BF2-47E6-9B50-02C0D1946FC9}">
-      <dgm:prSet/>
-      <dgm:spPr/>
-      <dgm:t>
-        <a:bodyPr/>
-        <a:lstStyle/>
-        <a:p>
-          <a:endParaRPr lang="en-CA"/>
-        </a:p>
-      </dgm:t>
-    </dgm:pt>
-    <dgm:pt modelId="{5840AC29-D377-42DE-A295-73FB70DF18D8}" type="sibTrans" cxnId="{EE6063AF-5BF2-47E6-9B50-02C0D1946FC9}">
-      <dgm:prSet/>
-      <dgm:spPr/>
-      <dgm:t>
-        <a:bodyPr/>
-        <a:lstStyle/>
-        <a:p>
-          <a:endParaRPr lang="en-CA"/>
-        </a:p>
-      </dgm:t>
-    </dgm:pt>
-    <dgm:pt modelId="{3E227993-E421-432E-A313-6501DF006FA4}">
-      <dgm:prSet phldrT="[Text]" custT="1"/>
-      <dgm:spPr/>
-      <dgm:t>
-        <a:bodyPr lIns="36000" tIns="36000" rIns="36000" bIns="36000"/>
-        <a:lstStyle/>
-        <a:p>
-          <a:pPr>
-            <a:buFont typeface="+mj-lt"/>
-            <a:buAutoNum type="arabicPeriod"/>
-          </a:pPr>
-          <a:r>
-            <a:rPr lang="en-CA" sz="1000" dirty="0"/>
-            <a:t>Remove punctuation.</a:t>
-          </a:r>
-        </a:p>
-      </dgm:t>
-    </dgm:pt>
-    <dgm:pt modelId="{4E55A96A-C9B6-42D2-986E-F6D6DAF1D4B5}" type="parTrans" cxnId="{D002FA8D-9553-43EA-81A3-DB0BD0D36EE5}">
-      <dgm:prSet/>
-      <dgm:spPr/>
-      <dgm:t>
-        <a:bodyPr/>
-        <a:lstStyle/>
-        <a:p>
-          <a:endParaRPr lang="en-CA"/>
-        </a:p>
-      </dgm:t>
-    </dgm:pt>
-    <dgm:pt modelId="{B3274DE4-4C7A-44F9-B11F-3C9A36A62BA8}" type="sibTrans" cxnId="{D002FA8D-9553-43EA-81A3-DB0BD0D36EE5}">
-      <dgm:prSet/>
-      <dgm:spPr/>
-      <dgm:t>
-        <a:bodyPr/>
-        <a:lstStyle/>
-        <a:p>
-          <a:endParaRPr lang="en-CA"/>
-        </a:p>
-      </dgm:t>
-    </dgm:pt>
-    <dgm:pt modelId="{2C27F7B8-4DDF-49EE-B269-B5F48DC095E9}">
-      <dgm:prSet phldrT="[Text]" custT="1"/>
-      <dgm:spPr/>
-      <dgm:t>
-        <a:bodyPr lIns="36000" tIns="36000" rIns="36000" bIns="36000"/>
-        <a:lstStyle/>
-        <a:p>
-          <a:pPr>
-            <a:buFont typeface="+mj-lt"/>
-            <a:buAutoNum type="arabicPeriod"/>
-          </a:pPr>
-          <a:r>
-            <a:rPr lang="en-CA" sz="1000" dirty="0"/>
-            <a:t>Tokenize words.</a:t>
-          </a:r>
-        </a:p>
-      </dgm:t>
-    </dgm:pt>
-    <dgm:pt modelId="{5FE1B81F-87CD-4322-AEF7-C598B77D6DF8}" type="parTrans" cxnId="{C6DDA8D2-F2FF-4CE4-9107-2FAFAFA6C9C6}">
-      <dgm:prSet/>
-      <dgm:spPr/>
-      <dgm:t>
-        <a:bodyPr/>
-        <a:lstStyle/>
-        <a:p>
-          <a:endParaRPr lang="en-CA"/>
-        </a:p>
-      </dgm:t>
-    </dgm:pt>
-    <dgm:pt modelId="{98513F7C-085F-4BD1-8AC7-171262021DD4}" type="sibTrans" cxnId="{C6DDA8D2-F2FF-4CE4-9107-2FAFAFA6C9C6}">
-      <dgm:prSet/>
-      <dgm:spPr/>
-      <dgm:t>
-        <a:bodyPr/>
-        <a:lstStyle/>
-        <a:p>
-          <a:endParaRPr lang="en-CA"/>
-        </a:p>
-      </dgm:t>
-    </dgm:pt>
-    <dgm:pt modelId="{8FE25FAD-F216-42B2-AAFE-472DDBF2976F}">
-      <dgm:prSet phldrT="[Text]" custT="1"/>
-      <dgm:spPr/>
-      <dgm:t>
-        <a:bodyPr lIns="36000" tIns="36000" rIns="36000" bIns="36000"/>
-        <a:lstStyle/>
-        <a:p>
-          <a:pPr>
-            <a:buFont typeface="+mj-lt"/>
-            <a:buAutoNum type="arabicPeriod"/>
-          </a:pPr>
-          <a:r>
-            <a:rPr lang="en-CA" sz="1000" dirty="0"/>
-            <a:t>Remove </a:t>
-          </a:r>
-          <a:r>
-            <a:rPr lang="en-CA" sz="1000" dirty="0" err="1"/>
-            <a:t>stopwords</a:t>
-          </a:r>
-          <a:r>
-            <a:rPr lang="en-CA" sz="1000" dirty="0"/>
-            <a:t>.</a:t>
-          </a:r>
-        </a:p>
-      </dgm:t>
-    </dgm:pt>
-    <dgm:pt modelId="{8E355FDD-F809-4423-8276-241703F610CB}" type="parTrans" cxnId="{23B25EC0-4407-4817-B5D3-213CCCB5A1E0}">
-      <dgm:prSet/>
-      <dgm:spPr/>
-      <dgm:t>
-        <a:bodyPr/>
-        <a:lstStyle/>
-        <a:p>
-          <a:endParaRPr lang="en-CA"/>
-        </a:p>
-      </dgm:t>
-    </dgm:pt>
-    <dgm:pt modelId="{609D1F17-4727-479C-9E53-C6FA4CB81871}" type="sibTrans" cxnId="{23B25EC0-4407-4817-B5D3-213CCCB5A1E0}">
-      <dgm:prSet/>
-      <dgm:spPr/>
-      <dgm:t>
-        <a:bodyPr/>
-        <a:lstStyle/>
-        <a:p>
-          <a:endParaRPr lang="en-CA"/>
-        </a:p>
-      </dgm:t>
-    </dgm:pt>
-    <dgm:pt modelId="{0E96E493-1106-4EF6-A762-7EE3AA3670F8}">
-      <dgm:prSet phldrT="[Text]" custT="1"/>
-      <dgm:spPr/>
-      <dgm:t>
-        <a:bodyPr lIns="36000" tIns="36000" rIns="36000" bIns="36000"/>
-        <a:lstStyle/>
-        <a:p>
-          <a:pPr>
-            <a:buFont typeface="+mj-lt"/>
-            <a:buAutoNum type="arabicPeriod"/>
-          </a:pPr>
-          <a:r>
-            <a:rPr lang="en-CA" sz="1000" dirty="0"/>
-            <a:t>Stem remaining words.</a:t>
-          </a:r>
-        </a:p>
-      </dgm:t>
-    </dgm:pt>
-    <dgm:pt modelId="{8BDE3ADF-C290-4C94-BAF6-2A90FC450661}" type="parTrans" cxnId="{737A797A-B874-4BCD-BD0C-0661CE7392B4}">
-      <dgm:prSet/>
-      <dgm:spPr/>
-      <dgm:t>
-        <a:bodyPr/>
-        <a:lstStyle/>
-        <a:p>
-          <a:endParaRPr lang="en-CA"/>
-        </a:p>
-      </dgm:t>
-    </dgm:pt>
-    <dgm:pt modelId="{2AF21DF6-347F-4597-B6D5-03AE0B3AD322}" type="sibTrans" cxnId="{737A797A-B874-4BCD-BD0C-0661CE7392B4}">
-      <dgm:prSet/>
-      <dgm:spPr/>
-      <dgm:t>
-        <a:bodyPr/>
-        <a:lstStyle/>
-        <a:p>
-          <a:endParaRPr lang="en-CA"/>
-        </a:p>
-      </dgm:t>
-    </dgm:pt>
-    <dgm:pt modelId="{2FCC2A9B-548E-4DFF-BCE5-A6274084C448}">
-      <dgm:prSet phldrT="[Text]" custT="1"/>
-      <dgm:spPr/>
-      <dgm:t>
-        <a:bodyPr lIns="36000" tIns="0" rIns="0" bIns="0" anchor="t" anchorCtr="0"/>
-        <a:lstStyle/>
-        <a:p>
-          <a:pPr>
-            <a:buFont typeface="+mj-lt"/>
-            <a:buAutoNum type="arabicPeriod" startAt="6"/>
-          </a:pPr>
-          <a:r>
-            <a:rPr lang="en-CA" sz="1000" dirty="0"/>
-            <a:t>Add ‘length’ column.</a:t>
-          </a:r>
-        </a:p>
-      </dgm:t>
-    </dgm:pt>
-    <dgm:pt modelId="{90E95A32-85BA-42F2-A8C9-C70C60589226}" type="parTrans" cxnId="{19F13933-F119-421E-8C7C-CE17D58DEE74}">
-      <dgm:prSet/>
-      <dgm:spPr/>
-      <dgm:t>
-        <a:bodyPr/>
-        <a:lstStyle/>
-        <a:p>
-          <a:endParaRPr lang="en-CA"/>
-        </a:p>
-      </dgm:t>
-    </dgm:pt>
-    <dgm:pt modelId="{31B14589-CAD1-417C-9D80-0A533598AFBB}" type="sibTrans" cxnId="{19F13933-F119-421E-8C7C-CE17D58DEE74}">
-      <dgm:prSet/>
-      <dgm:spPr/>
-      <dgm:t>
-        <a:bodyPr/>
-        <a:lstStyle/>
-        <a:p>
-          <a:endParaRPr lang="en-CA"/>
-        </a:p>
-      </dgm:t>
-    </dgm:pt>
-    <dgm:pt modelId="{BD697209-77A4-4DE7-B323-52D18825A04A}">
-      <dgm:prSet phldrT="[Text]" custT="1"/>
-      <dgm:spPr/>
-      <dgm:t>
-        <a:bodyPr lIns="36000" tIns="0" rIns="0" bIns="0" anchor="t" anchorCtr="0"/>
-        <a:lstStyle/>
-        <a:p>
-          <a:pPr>
-            <a:buFont typeface="+mj-lt"/>
-            <a:buAutoNum type="arabicPeriod" startAt="6"/>
-          </a:pPr>
-          <a:r>
-            <a:rPr lang="en-CA" sz="1000" dirty="0"/>
-            <a:t>Index stars column.</a:t>
-          </a:r>
-        </a:p>
-      </dgm:t>
-    </dgm:pt>
-    <dgm:pt modelId="{A4A5EAF4-2ECB-40B4-A79E-721D35C25EDE}" type="parTrans" cxnId="{A8CAEBFB-5EBF-418B-AA37-B6EAF0E58EC0}">
-      <dgm:prSet/>
-      <dgm:spPr/>
-      <dgm:t>
-        <a:bodyPr/>
-        <a:lstStyle/>
-        <a:p>
-          <a:endParaRPr lang="en-CA"/>
-        </a:p>
-      </dgm:t>
-    </dgm:pt>
-    <dgm:pt modelId="{685C3ABF-EA7F-458D-855A-8E43A16280CB}" type="sibTrans" cxnId="{A8CAEBFB-5EBF-418B-AA37-B6EAF0E58EC0}">
-      <dgm:prSet/>
-      <dgm:spPr/>
-      <dgm:t>
-        <a:bodyPr/>
-        <a:lstStyle/>
-        <a:p>
-          <a:endParaRPr lang="en-CA"/>
-        </a:p>
-      </dgm:t>
-    </dgm:pt>
-    <dgm:pt modelId="{6A45A704-9AE5-4422-BEB6-433065D82919}">
-      <dgm:prSet phldrT="[Text]" custT="1"/>
-      <dgm:spPr/>
-      <dgm:t>
-        <a:bodyPr lIns="36000" tIns="0" rIns="0" bIns="0" anchor="t" anchorCtr="0"/>
-        <a:lstStyle/>
-        <a:p>
-          <a:pPr>
-            <a:buFont typeface="+mj-lt"/>
-            <a:buAutoNum type="arabicPeriod" startAt="6"/>
-          </a:pPr>
-          <a:r>
-            <a:rPr lang="en-CA" sz="1000" dirty="0"/>
-            <a:t>Hash stemmed data.</a:t>
-          </a:r>
-        </a:p>
-      </dgm:t>
-    </dgm:pt>
-    <dgm:pt modelId="{228D7FA2-FECB-4A29-B91E-10D2882FD6C5}" type="parTrans" cxnId="{B09A549F-D940-429E-88ED-49BAAD9F703C}">
-      <dgm:prSet/>
-      <dgm:spPr/>
-      <dgm:t>
-        <a:bodyPr/>
-        <a:lstStyle/>
-        <a:p>
-          <a:endParaRPr lang="en-CA"/>
-        </a:p>
-      </dgm:t>
-    </dgm:pt>
-    <dgm:pt modelId="{7AC97F92-222D-4671-A2EE-F9D2B2016AA7}" type="sibTrans" cxnId="{B09A549F-D940-429E-88ED-49BAAD9F703C}">
-      <dgm:prSet/>
-      <dgm:spPr/>
-      <dgm:t>
-        <a:bodyPr/>
-        <a:lstStyle/>
-        <a:p>
-          <a:endParaRPr lang="en-CA"/>
-        </a:p>
-      </dgm:t>
-    </dgm:pt>
-    <dgm:pt modelId="{684C9580-9C5C-493E-A636-9E503DA999C6}">
-      <dgm:prSet phldrT="[Text]" custT="1"/>
-      <dgm:spPr/>
-      <dgm:t>
-        <a:bodyPr lIns="36000" tIns="0" rIns="0" bIns="0" anchor="t" anchorCtr="0"/>
-        <a:lstStyle/>
-        <a:p>
-          <a:pPr>
-            <a:buFont typeface="+mj-lt"/>
-            <a:buAutoNum type="arabicPeriod" startAt="6"/>
-          </a:pPr>
-          <a:r>
-            <a:rPr lang="en-CA" sz="1000" dirty="0"/>
-            <a:t>Find IDF of hashed text.</a:t>
-          </a:r>
-        </a:p>
-      </dgm:t>
-    </dgm:pt>
-    <dgm:pt modelId="{82F596E9-F4A4-4357-9B4A-27ED8C0F55E4}" type="parTrans" cxnId="{CE9560DE-4196-4229-B366-99272561098D}">
-      <dgm:prSet/>
-      <dgm:spPr/>
-      <dgm:t>
-        <a:bodyPr/>
-        <a:lstStyle/>
-        <a:p>
-          <a:endParaRPr lang="en-CA"/>
-        </a:p>
-      </dgm:t>
-    </dgm:pt>
-    <dgm:pt modelId="{08530E72-22E8-4CA7-B898-707AB34365A0}" type="sibTrans" cxnId="{CE9560DE-4196-4229-B366-99272561098D}">
-      <dgm:prSet/>
-      <dgm:spPr/>
-      <dgm:t>
-        <a:bodyPr/>
-        <a:lstStyle/>
-        <a:p>
-          <a:endParaRPr lang="en-CA"/>
-        </a:p>
-      </dgm:t>
-    </dgm:pt>
-    <dgm:pt modelId="{3E28BBAE-7DA7-458D-80FD-E36313189078}">
-      <dgm:prSet phldrT="[Text]" custT="1"/>
-      <dgm:spPr/>
-      <dgm:t>
-        <a:bodyPr lIns="36000" tIns="0" rIns="0" bIns="0" anchor="t" anchorCtr="0"/>
-        <a:lstStyle/>
-        <a:p>
-          <a:pPr>
-            <a:buFont typeface="+mj-lt"/>
-            <a:buAutoNum type="arabicPeriod" startAt="6"/>
-          </a:pPr>
-          <a:r>
-            <a:rPr lang="en-CA" sz="1000" dirty="0"/>
-            <a:t>Vectorize IDF tokens and length.</a:t>
-          </a:r>
-        </a:p>
-      </dgm:t>
-    </dgm:pt>
-    <dgm:pt modelId="{AC5E6C6F-6A23-41B9-ACBB-3FBF9D42042F}" type="parTrans" cxnId="{D7427A61-AA71-4785-9E27-1E7F3C85B602}">
-      <dgm:prSet/>
-      <dgm:spPr/>
-      <dgm:t>
-        <a:bodyPr/>
-        <a:lstStyle/>
-        <a:p>
-          <a:endParaRPr lang="en-CA"/>
-        </a:p>
-      </dgm:t>
-    </dgm:pt>
-    <dgm:pt modelId="{359D2024-1A63-4D09-AB21-DCC2E4740BDD}" type="sibTrans" cxnId="{D7427A61-AA71-4785-9E27-1E7F3C85B602}">
-      <dgm:prSet/>
-      <dgm:spPr/>
-      <dgm:t>
-        <a:bodyPr/>
-        <a:lstStyle/>
-        <a:p>
-          <a:endParaRPr lang="en-CA"/>
-        </a:p>
-      </dgm:t>
-    </dgm:pt>
-    <dgm:pt modelId="{62B77608-470A-4211-91ED-B152D947F948}">
-      <dgm:prSet phldrT="[Text]" custT="1"/>
-      <dgm:spPr/>
-      <dgm:t>
-        <a:bodyPr lIns="36000" tIns="0" rIns="0" bIns="0" anchor="t" anchorCtr="0"/>
-        <a:lstStyle/>
-        <a:p>
-          <a:pPr>
-            <a:buFont typeface="+mj-lt"/>
-            <a:buAutoNum type="arabicPeriod" startAt="6"/>
-          </a:pPr>
-          <a:r>
-            <a:rPr lang="en-CA" sz="1000" dirty="0"/>
-            <a:t>Convert to a </a:t>
-          </a:r>
-          <a:r>
-            <a:rPr lang="en-CA" sz="1000" dirty="0" err="1"/>
-            <a:t>PySpark</a:t>
-          </a:r>
-          <a:r>
-            <a:rPr lang="en-CA" sz="1000" dirty="0"/>
-            <a:t> </a:t>
-          </a:r>
-          <a:r>
-            <a:rPr lang="en-CA" sz="1000" dirty="0" err="1"/>
-            <a:t>DataFrame</a:t>
-          </a:r>
-          <a:r>
-            <a:rPr lang="en-CA" sz="1000" dirty="0"/>
-            <a:t>.</a:t>
-          </a:r>
-        </a:p>
-      </dgm:t>
-    </dgm:pt>
-    <dgm:pt modelId="{D323E2AF-B091-4A7B-8374-20B9A078EE2F}" type="parTrans" cxnId="{9117D6E7-8082-40BA-861F-DD8E2781B98D}">
-      <dgm:prSet/>
-      <dgm:spPr/>
-      <dgm:t>
-        <a:bodyPr/>
-        <a:lstStyle/>
-        <a:p>
-          <a:endParaRPr lang="en-CA"/>
-        </a:p>
-      </dgm:t>
-    </dgm:pt>
-    <dgm:pt modelId="{1DC5323B-3DF5-47F3-B6C0-B49921DE607E}" type="sibTrans" cxnId="{9117D6E7-8082-40BA-861F-DD8E2781B98D}">
-      <dgm:prSet/>
-      <dgm:spPr/>
-      <dgm:t>
-        <a:bodyPr/>
-        <a:lstStyle/>
-        <a:p>
-          <a:endParaRPr lang="en-CA"/>
-        </a:p>
-      </dgm:t>
-    </dgm:pt>
-    <dgm:pt modelId="{D96FFF3E-D45D-462E-B806-DBE8C7D048E3}">
-      <dgm:prSet phldrT="[Text]" custT="1"/>
-      <dgm:spPr/>
-      <dgm:t>
-        <a:bodyPr lIns="36000" tIns="0" rIns="36000" bIns="0"/>
-        <a:lstStyle/>
-        <a:p>
-          <a:pPr>
-            <a:buFont typeface="+mj-lt"/>
-            <a:buAutoNum type="arabicPeriod"/>
-          </a:pPr>
-          <a:r>
-            <a:rPr lang="en-CA" sz="1000" dirty="0"/>
-            <a:t>Drop intermediate columns so ‘features’ and ‘labels’ are only ones remaining.</a:t>
-          </a:r>
-        </a:p>
-      </dgm:t>
-    </dgm:pt>
-    <dgm:pt modelId="{FA897661-C414-4560-910B-8FF7268D0B9C}" type="parTrans" cxnId="{3B2698CE-9AC5-4DA1-B84A-FDDA8D99AAA7}">
-      <dgm:prSet/>
-      <dgm:spPr/>
-      <dgm:t>
-        <a:bodyPr/>
-        <a:lstStyle/>
-        <a:p>
-          <a:endParaRPr lang="en-CA"/>
-        </a:p>
-      </dgm:t>
-    </dgm:pt>
-    <dgm:pt modelId="{C8FDD5C0-A1E2-4A63-B18A-35C2933C1307}" type="sibTrans" cxnId="{3B2698CE-9AC5-4DA1-B84A-FDDA8D99AAA7}">
-      <dgm:prSet/>
-      <dgm:spPr/>
-      <dgm:t>
-        <a:bodyPr/>
-        <a:lstStyle/>
-        <a:p>
-          <a:endParaRPr lang="en-CA"/>
-        </a:p>
-      </dgm:t>
-    </dgm:pt>
-    <dgm:pt modelId="{B508B559-763F-430A-B735-8B7A4E20B7CE}">
-      <dgm:prSet phldrT="[Text]" custT="1"/>
-      <dgm:spPr/>
-      <dgm:t>
-        <a:bodyPr lIns="36000" tIns="0" rIns="36000" bIns="0"/>
-        <a:lstStyle/>
-        <a:p>
-          <a:pPr>
-            <a:buFont typeface="+mj-lt"/>
-            <a:buAutoNum type="arabicPeriod"/>
-          </a:pPr>
-          <a:r>
-            <a:rPr lang="en-CA" sz="1000" dirty="0"/>
-            <a:t>Split data into training and testing sets.</a:t>
-          </a:r>
-        </a:p>
-      </dgm:t>
-    </dgm:pt>
-    <dgm:pt modelId="{4624D9F2-35CA-4C68-8BDD-8FEF775AD287}" type="parTrans" cxnId="{A380E1F5-C020-4315-9E28-DEE5EFA72F0D}">
-      <dgm:prSet/>
-      <dgm:spPr/>
-      <dgm:t>
-        <a:bodyPr/>
-        <a:lstStyle/>
-        <a:p>
-          <a:endParaRPr lang="en-CA"/>
-        </a:p>
-      </dgm:t>
-    </dgm:pt>
-    <dgm:pt modelId="{761C8347-CF67-4EB9-B8A9-9781A9BA4CD7}" type="sibTrans" cxnId="{A380E1F5-C020-4315-9E28-DEE5EFA72F0D}">
-      <dgm:prSet/>
-      <dgm:spPr/>
-      <dgm:t>
-        <a:bodyPr/>
-        <a:lstStyle/>
-        <a:p>
-          <a:endParaRPr lang="en-CA"/>
-        </a:p>
-      </dgm:t>
-    </dgm:pt>
-    <dgm:pt modelId="{E9BAC397-7905-4471-9FB1-43B06E129B05}">
-      <dgm:prSet phldrT="[Text]" custT="1"/>
-      <dgm:spPr/>
-      <dgm:t>
-        <a:bodyPr lIns="36000" tIns="0" rIns="36000" bIns="0"/>
-        <a:lstStyle/>
-        <a:p>
-          <a:pPr>
-            <a:buFont typeface="+mj-lt"/>
-            <a:buAutoNum type="arabicPeriod"/>
-          </a:pPr>
-          <a:r>
-            <a:rPr lang="en-CA" sz="1000" dirty="0"/>
-            <a:t> (Naïve Bayes / Logistic Regression): Create model and fit training data / (Neural Net): Specify layers, create and train model.</a:t>
-          </a:r>
-        </a:p>
-      </dgm:t>
-    </dgm:pt>
-    <dgm:pt modelId="{DD4D4291-C518-43CA-9999-D455A168AD07}" type="parTrans" cxnId="{B5127949-882A-49F1-99F4-FA1B56B3DC7D}">
-      <dgm:prSet/>
-      <dgm:spPr/>
-      <dgm:t>
-        <a:bodyPr/>
-        <a:lstStyle/>
-        <a:p>
-          <a:endParaRPr lang="en-CA"/>
-        </a:p>
-      </dgm:t>
-    </dgm:pt>
-    <dgm:pt modelId="{EF174752-D179-45CD-A81A-ACC0621DAF1C}" type="sibTrans" cxnId="{B5127949-882A-49F1-99F4-FA1B56B3DC7D}">
-      <dgm:prSet/>
-      <dgm:spPr/>
-      <dgm:t>
-        <a:bodyPr/>
-        <a:lstStyle/>
-        <a:p>
-          <a:endParaRPr lang="en-CA"/>
-        </a:p>
-      </dgm:t>
-    </dgm:pt>
-    <dgm:pt modelId="{F5F62244-BD3E-41EE-BEFD-2336B583257B}">
-      <dgm:prSet phldrT="[Text]" custT="1"/>
-      <dgm:spPr/>
-      <dgm:t>
-        <a:bodyPr lIns="36000" tIns="0" rIns="36000" bIns="0"/>
-        <a:lstStyle/>
-        <a:p>
-          <a:pPr>
-            <a:buFont typeface="+mj-lt"/>
-            <a:buAutoNum type="arabicPeriod"/>
-          </a:pPr>
-          <a:r>
-            <a:rPr lang="en-CA" sz="1000" dirty="0"/>
-            <a:t>Display accuracy of model prediction of rating.</a:t>
-          </a:r>
-        </a:p>
-      </dgm:t>
-    </dgm:pt>
-    <dgm:pt modelId="{9309F3B2-8B5C-4FCD-9709-0E0E89CB980D}" type="parTrans" cxnId="{02D27D62-15CC-418B-9796-4E04320E4839}">
-      <dgm:prSet/>
-      <dgm:spPr/>
-      <dgm:t>
-        <a:bodyPr/>
-        <a:lstStyle/>
-        <a:p>
-          <a:endParaRPr lang="en-CA"/>
-        </a:p>
-      </dgm:t>
-    </dgm:pt>
-    <dgm:pt modelId="{B0E8E6F2-545E-4E43-B924-78AC621A7DEE}" type="sibTrans" cxnId="{02D27D62-15CC-418B-9796-4E04320E4839}">
-      <dgm:prSet/>
-      <dgm:spPr/>
-      <dgm:t>
-        <a:bodyPr/>
-        <a:lstStyle/>
-        <a:p>
-          <a:endParaRPr lang="en-CA"/>
-        </a:p>
-      </dgm:t>
-    </dgm:pt>
-    <dgm:pt modelId="{0025D1CF-92D8-473C-A123-EC355F57FD4B}">
-      <dgm:prSet phldrT="[Text]" custT="1"/>
-      <dgm:spPr/>
-      <dgm:t>
-        <a:bodyPr/>
-        <a:lstStyle/>
-        <a:p>
-          <a:r>
-            <a:rPr lang="en-CA" sz="1400" b="1" dirty="0"/>
-            <a:t>Transform / Pipeline (NLP)</a:t>
-          </a:r>
-        </a:p>
-      </dgm:t>
-    </dgm:pt>
-    <dgm:pt modelId="{6A79C8AB-B20C-47A9-B856-BFA9905E9411}" type="parTrans" cxnId="{2F23190F-3631-4B97-B9D6-D06ECB754DE3}">
-      <dgm:prSet/>
-      <dgm:spPr/>
-      <dgm:t>
-        <a:bodyPr/>
-        <a:lstStyle/>
-        <a:p>
-          <a:endParaRPr lang="en-CA"/>
-        </a:p>
-      </dgm:t>
-    </dgm:pt>
-    <dgm:pt modelId="{3ECDB257-ABD4-4C46-B67F-629974B169CD}" type="sibTrans" cxnId="{2F23190F-3631-4B97-B9D6-D06ECB754DE3}">
-      <dgm:prSet/>
-      <dgm:spPr/>
-      <dgm:t>
-        <a:bodyPr/>
-        <a:lstStyle/>
-        <a:p>
-          <a:endParaRPr lang="en-CA"/>
-        </a:p>
-      </dgm:t>
-    </dgm:pt>
-    <dgm:pt modelId="{70FCF58C-F507-4620-9FB4-66A9C49857D0}" type="pres">
-      <dgm:prSet presAssocID="{BA93EB3D-5BFC-4577-86E1-5234490A1428}" presName="Name0" presStyleCnt="0">
-        <dgm:presLayoutVars>
-          <dgm:dir/>
-          <dgm:animLvl val="lvl"/>
-          <dgm:resizeHandles val="exact"/>
-        </dgm:presLayoutVars>
-      </dgm:prSet>
-      <dgm:spPr/>
-    </dgm:pt>
-    <dgm:pt modelId="{DE72027D-BE8D-4904-92B8-B54B4EC76C69}" type="pres">
-      <dgm:prSet presAssocID="{BA93EB3D-5BFC-4577-86E1-5234490A1428}" presName="tSp" presStyleCnt="0"/>
-      <dgm:spPr/>
-    </dgm:pt>
-    <dgm:pt modelId="{FBBF2827-EBB8-4918-98CF-4AFC9C085F09}" type="pres">
-      <dgm:prSet presAssocID="{BA93EB3D-5BFC-4577-86E1-5234490A1428}" presName="bSp" presStyleCnt="0"/>
-      <dgm:spPr/>
-    </dgm:pt>
-    <dgm:pt modelId="{326BD2DC-67A0-4BC2-AE08-6EAFC6D134A7}" type="pres">
-      <dgm:prSet presAssocID="{BA93EB3D-5BFC-4577-86E1-5234490A1428}" presName="process" presStyleCnt="0"/>
-      <dgm:spPr/>
-    </dgm:pt>
-    <dgm:pt modelId="{F45BC47F-7A1B-4850-998F-1EA1E7980B5B}" type="pres">
-      <dgm:prSet presAssocID="{53D9A326-9940-4D5D-8F76-B5E8FE054708}" presName="composite1" presStyleCnt="0"/>
-      <dgm:spPr/>
-    </dgm:pt>
-    <dgm:pt modelId="{57CC5482-F8B5-4AA9-B1F4-8285F141551A}" type="pres">
-      <dgm:prSet presAssocID="{53D9A326-9940-4D5D-8F76-B5E8FE054708}" presName="dummyNode1" presStyleLbl="node1" presStyleIdx="0" presStyleCnt="5"/>
-      <dgm:spPr/>
-    </dgm:pt>
-    <dgm:pt modelId="{4287ED29-4218-42A9-AA08-FAB40B41B667}" type="pres">
-      <dgm:prSet presAssocID="{53D9A326-9940-4D5D-8F76-B5E8FE054708}" presName="childNode1" presStyleLbl="bgAcc1" presStyleIdx="0" presStyleCnt="5" custScaleX="151930" custScaleY="116863" custLinFactNeighborY="20112">
-        <dgm:presLayoutVars>
-          <dgm:bulletEnabled val="1"/>
-        </dgm:presLayoutVars>
-      </dgm:prSet>
-      <dgm:spPr/>
-    </dgm:pt>
-    <dgm:pt modelId="{9BB174B5-55E7-45CF-9F6D-837DD1D4987A}" type="pres">
-      <dgm:prSet presAssocID="{53D9A326-9940-4D5D-8F76-B5E8FE054708}" presName="childNode1tx" presStyleLbl="bgAcc1" presStyleIdx="0" presStyleCnt="5">
-        <dgm:presLayoutVars>
-          <dgm:bulletEnabled val="1"/>
-        </dgm:presLayoutVars>
-      </dgm:prSet>
-      <dgm:spPr/>
-    </dgm:pt>
-    <dgm:pt modelId="{AB4285F8-1FED-4AE8-96D2-2343764808F4}" type="pres">
-      <dgm:prSet presAssocID="{53D9A326-9940-4D5D-8F76-B5E8FE054708}" presName="parentNode1" presStyleLbl="node1" presStyleIdx="0" presStyleCnt="5" custLinFactNeighborX="31830" custLinFactNeighborY="90136">
-        <dgm:presLayoutVars>
-          <dgm:chMax val="1"/>
-          <dgm:bulletEnabled val="1"/>
-        </dgm:presLayoutVars>
-      </dgm:prSet>
-      <dgm:spPr/>
-    </dgm:pt>
-    <dgm:pt modelId="{089F4C45-63F9-4F34-9290-EC0385412B43}" type="pres">
-      <dgm:prSet presAssocID="{53D9A326-9940-4D5D-8F76-B5E8FE054708}" presName="connSite1" presStyleCnt="0"/>
-      <dgm:spPr/>
-    </dgm:pt>
-    <dgm:pt modelId="{3596F136-9F9A-42A3-AAA4-EC15F13557C1}" type="pres">
-      <dgm:prSet presAssocID="{854A99E8-BF9F-43BE-87E6-9A96F07FF3CC}" presName="Name9" presStyleLbl="sibTrans2D1" presStyleIdx="0" presStyleCnt="4" custLinFactNeighborX="1260" custLinFactNeighborY="-1"/>
-      <dgm:spPr/>
-    </dgm:pt>
-    <dgm:pt modelId="{471A922E-5837-41FE-8DBF-58AA2A91A606}" type="pres">
-      <dgm:prSet presAssocID="{4E27F0F0-B813-491E-B4AB-366B13A0C9F8}" presName="composite2" presStyleCnt="0"/>
-      <dgm:spPr/>
-    </dgm:pt>
-    <dgm:pt modelId="{49827E29-83BD-4D5D-A9BC-AAC15A28D7B1}" type="pres">
-      <dgm:prSet presAssocID="{4E27F0F0-B813-491E-B4AB-366B13A0C9F8}" presName="dummyNode2" presStyleLbl="node1" presStyleIdx="0" presStyleCnt="5"/>
-      <dgm:spPr/>
-    </dgm:pt>
-    <dgm:pt modelId="{7A92725C-D8DF-45AE-BD94-1D4296114181}" type="pres">
-      <dgm:prSet presAssocID="{4E27F0F0-B813-491E-B4AB-366B13A0C9F8}" presName="childNode2" presStyleLbl="bgAcc1" presStyleIdx="1" presStyleCnt="5" custScaleX="101519" custScaleY="116815" custLinFactNeighborX="-3767" custLinFactNeighborY="19919">
-        <dgm:presLayoutVars>
-          <dgm:bulletEnabled val="1"/>
-        </dgm:presLayoutVars>
-      </dgm:prSet>
-      <dgm:spPr/>
-    </dgm:pt>
-    <dgm:pt modelId="{CF3B4BDF-3B78-411E-A3B5-1DB48FF34D14}" type="pres">
-      <dgm:prSet presAssocID="{4E27F0F0-B813-491E-B4AB-366B13A0C9F8}" presName="childNode2tx" presStyleLbl="bgAcc1" presStyleIdx="1" presStyleCnt="5">
-        <dgm:presLayoutVars>
-          <dgm:bulletEnabled val="1"/>
-        </dgm:presLayoutVars>
-      </dgm:prSet>
-      <dgm:spPr/>
-    </dgm:pt>
-    <dgm:pt modelId="{0FE41569-B361-460C-B5E9-5AB17A593235}" type="pres">
-      <dgm:prSet presAssocID="{4E27F0F0-B813-491E-B4AB-366B13A0C9F8}" presName="parentNode2" presStyleLbl="node1" presStyleIdx="1" presStyleCnt="5" custLinFactNeighborX="4405" custLinFactNeighborY="25443">
-        <dgm:presLayoutVars>
-          <dgm:chMax val="0"/>
-          <dgm:bulletEnabled val="1"/>
-        </dgm:presLayoutVars>
-      </dgm:prSet>
-      <dgm:spPr/>
-    </dgm:pt>
-    <dgm:pt modelId="{C67FF6C8-9075-4FEE-9E91-35BDBB2A5DF8}" type="pres">
-      <dgm:prSet presAssocID="{4E27F0F0-B813-491E-B4AB-366B13A0C9F8}" presName="connSite2" presStyleCnt="0"/>
-      <dgm:spPr/>
-    </dgm:pt>
-    <dgm:pt modelId="{1A2FA48B-78E7-4721-AFD8-B2AE973E702E}" type="pres">
-      <dgm:prSet presAssocID="{131E23C3-7153-4993-91E5-486FD503C40D}" presName="Name18" presStyleLbl="sibTrans2D1" presStyleIdx="1" presStyleCnt="4"/>
-      <dgm:spPr/>
-    </dgm:pt>
-    <dgm:pt modelId="{EB585203-1943-4EBC-BE61-E08967269D45}" type="pres">
-      <dgm:prSet presAssocID="{4C6DAB58-6BF7-4A68-90F6-76CCD60BC396}" presName="composite1" presStyleCnt="0"/>
-      <dgm:spPr/>
-    </dgm:pt>
-    <dgm:pt modelId="{62461A88-ABC4-4A9E-BC0B-7732FAEA9B9A}" type="pres">
-      <dgm:prSet presAssocID="{4C6DAB58-6BF7-4A68-90F6-76CCD60BC396}" presName="dummyNode1" presStyleLbl="node1" presStyleIdx="1" presStyleCnt="5"/>
-      <dgm:spPr/>
-    </dgm:pt>
-    <dgm:pt modelId="{8103B998-7542-419E-BAFF-AF87BDE1FDDB}" type="pres">
-      <dgm:prSet presAssocID="{4C6DAB58-6BF7-4A68-90F6-76CCD60BC396}" presName="childNode1" presStyleLbl="bgAcc1" presStyleIdx="2" presStyleCnt="5" custScaleX="129630" custScaleY="116815" custLinFactNeighborX="-13124" custLinFactNeighborY="19387">
-        <dgm:presLayoutVars>
-          <dgm:bulletEnabled val="1"/>
-        </dgm:presLayoutVars>
-      </dgm:prSet>
-      <dgm:spPr/>
-    </dgm:pt>
-    <dgm:pt modelId="{8038B86E-1E40-4126-B039-D0EE11FC67EE}" type="pres">
-      <dgm:prSet presAssocID="{4C6DAB58-6BF7-4A68-90F6-76CCD60BC396}" presName="childNode1tx" presStyleLbl="bgAcc1" presStyleIdx="2" presStyleCnt="5">
-        <dgm:presLayoutVars>
-          <dgm:bulletEnabled val="1"/>
-        </dgm:presLayoutVars>
-      </dgm:prSet>
-      <dgm:spPr/>
-    </dgm:pt>
-    <dgm:pt modelId="{BFA2C9D0-EDA8-46BE-8090-63D70F5C3D0D}" type="pres">
-      <dgm:prSet presAssocID="{4C6DAB58-6BF7-4A68-90F6-76CCD60BC396}" presName="parentNode1" presStyleLbl="node1" presStyleIdx="2" presStyleCnt="5" custLinFactNeighborX="8440" custLinFactNeighborY="73811">
-        <dgm:presLayoutVars>
-          <dgm:chMax val="1"/>
-          <dgm:bulletEnabled val="1"/>
-        </dgm:presLayoutVars>
-      </dgm:prSet>
-      <dgm:spPr/>
-    </dgm:pt>
-    <dgm:pt modelId="{E73CEA40-8FF5-499D-AAEA-1D0E2A6763B8}" type="pres">
-      <dgm:prSet presAssocID="{4C6DAB58-6BF7-4A68-90F6-76CCD60BC396}" presName="connSite1" presStyleCnt="0"/>
-      <dgm:spPr/>
-    </dgm:pt>
-    <dgm:pt modelId="{D3BFA2D9-ACCC-40C4-9007-70FD9774FD51}" type="pres">
-      <dgm:prSet presAssocID="{D87917C1-1C80-4515-932C-647BEEA13C97}" presName="Name9" presStyleLbl="sibTrans2D1" presStyleIdx="2" presStyleCnt="4"/>
-      <dgm:spPr/>
-    </dgm:pt>
-    <dgm:pt modelId="{74476A94-EF06-45E9-BDFA-D391604B79F4}" type="pres">
-      <dgm:prSet presAssocID="{0025D1CF-92D8-473C-A123-EC355F57FD4B}" presName="composite2" presStyleCnt="0"/>
-      <dgm:spPr/>
-    </dgm:pt>
-    <dgm:pt modelId="{F85EF496-4115-4DFE-8231-661C0C8825CA}" type="pres">
-      <dgm:prSet presAssocID="{0025D1CF-92D8-473C-A123-EC355F57FD4B}" presName="dummyNode2" presStyleLbl="node1" presStyleIdx="2" presStyleCnt="5"/>
-      <dgm:spPr/>
-    </dgm:pt>
-    <dgm:pt modelId="{709FE0EB-6284-463A-AE3D-3943AF96E1F5}" type="pres">
-      <dgm:prSet presAssocID="{0025D1CF-92D8-473C-A123-EC355F57FD4B}" presName="childNode2" presStyleLbl="bgAcc1" presStyleIdx="3" presStyleCnt="5" custScaleX="132635" custScaleY="116815" custLinFactNeighborX="-12016" custLinFactNeighborY="19873">
-        <dgm:presLayoutVars>
-          <dgm:bulletEnabled val="1"/>
-        </dgm:presLayoutVars>
-      </dgm:prSet>
-      <dgm:spPr/>
-    </dgm:pt>
-    <dgm:pt modelId="{5830C27B-2EA2-4854-9BC6-BD198C526FD0}" type="pres">
-      <dgm:prSet presAssocID="{0025D1CF-92D8-473C-A123-EC355F57FD4B}" presName="childNode2tx" presStyleLbl="bgAcc1" presStyleIdx="3" presStyleCnt="5">
-        <dgm:presLayoutVars>
-          <dgm:bulletEnabled val="1"/>
-        </dgm:presLayoutVars>
-      </dgm:prSet>
-      <dgm:spPr/>
-    </dgm:pt>
-    <dgm:pt modelId="{64C72429-576F-49F2-9F34-06F9CAEAB159}" type="pres">
-      <dgm:prSet presAssocID="{0025D1CF-92D8-473C-A123-EC355F57FD4B}" presName="parentNode2" presStyleLbl="node1" presStyleIdx="3" presStyleCnt="5" custLinFactNeighborX="24108" custLinFactNeighborY="26732">
-        <dgm:presLayoutVars>
-          <dgm:chMax val="0"/>
-          <dgm:bulletEnabled val="1"/>
-        </dgm:presLayoutVars>
-      </dgm:prSet>
-      <dgm:spPr/>
-    </dgm:pt>
-    <dgm:pt modelId="{8FFFE2D6-320C-4D6B-AC3E-44DFD074DF27}" type="pres">
-      <dgm:prSet presAssocID="{0025D1CF-92D8-473C-A123-EC355F57FD4B}" presName="connSite2" presStyleCnt="0"/>
-      <dgm:spPr/>
-    </dgm:pt>
-    <dgm:pt modelId="{A620235A-8311-464E-944E-26FF0EA855B5}" type="pres">
-      <dgm:prSet presAssocID="{3ECDB257-ABD4-4C46-B67F-629974B169CD}" presName="Name18" presStyleLbl="sibTrans2D1" presStyleIdx="3" presStyleCnt="4" custScaleX="88724" custScaleY="91033"/>
-      <dgm:spPr/>
-    </dgm:pt>
-    <dgm:pt modelId="{3D1E7471-8FD7-436A-BAD3-15663B679352}" type="pres">
-      <dgm:prSet presAssocID="{FB689ACF-14FA-42C1-8A06-730B9BE7D3E2}" presName="composite1" presStyleCnt="0"/>
-      <dgm:spPr/>
-    </dgm:pt>
-    <dgm:pt modelId="{4E7A83BF-F1A5-4A28-9532-9B746D3468BE}" type="pres">
-      <dgm:prSet presAssocID="{FB689ACF-14FA-42C1-8A06-730B9BE7D3E2}" presName="dummyNode1" presStyleLbl="node1" presStyleIdx="3" presStyleCnt="5"/>
-      <dgm:spPr/>
-    </dgm:pt>
-    <dgm:pt modelId="{D9837A88-683C-4B66-9AB9-D5A72B071271}" type="pres">
-      <dgm:prSet presAssocID="{FB689ACF-14FA-42C1-8A06-730B9BE7D3E2}" presName="childNode1" presStyleLbl="bgAcc1" presStyleIdx="4" presStyleCnt="5" custScaleX="165073" custScaleY="116815" custLinFactNeighborX="1511" custLinFactNeighborY="20363">
-        <dgm:presLayoutVars>
-          <dgm:bulletEnabled val="1"/>
-        </dgm:presLayoutVars>
-      </dgm:prSet>
-      <dgm:spPr/>
-    </dgm:pt>
-    <dgm:pt modelId="{16E8422B-D81B-432A-86C1-918787F6F4F0}" type="pres">
-      <dgm:prSet presAssocID="{FB689ACF-14FA-42C1-8A06-730B9BE7D3E2}" presName="childNode1tx" presStyleLbl="bgAcc1" presStyleIdx="4" presStyleCnt="5">
-        <dgm:presLayoutVars>
-          <dgm:bulletEnabled val="1"/>
-        </dgm:presLayoutVars>
-      </dgm:prSet>
-      <dgm:spPr/>
-    </dgm:pt>
-    <dgm:pt modelId="{D0812395-5F2E-458F-B962-1A36CFCDF710}" type="pres">
-      <dgm:prSet presAssocID="{FB689ACF-14FA-42C1-8A06-730B9BE7D3E2}" presName="parentNode1" presStyleLbl="node1" presStyleIdx="4" presStyleCnt="5" custLinFactNeighborX="26257" custLinFactNeighborY="68850">
-        <dgm:presLayoutVars>
-          <dgm:chMax val="1"/>
-          <dgm:bulletEnabled val="1"/>
-        </dgm:presLayoutVars>
-      </dgm:prSet>
-      <dgm:spPr/>
-    </dgm:pt>
-    <dgm:pt modelId="{0591F56A-7720-459E-9888-4F06D90D13E3}" type="pres">
-      <dgm:prSet presAssocID="{FB689ACF-14FA-42C1-8A06-730B9BE7D3E2}" presName="connSite1" presStyleCnt="0"/>
-      <dgm:spPr/>
-    </dgm:pt>
-  </dgm:ptLst>
-  <dgm:cxnLst>
-    <dgm:cxn modelId="{2D695900-E19A-4B2C-ACA1-16DC2E2E1F2F}" srcId="{53D9A326-9940-4D5D-8F76-B5E8FE054708}" destId="{F9ACF090-0FCE-4D21-8A2B-C4213E6016E7}" srcOrd="6" destOrd="0" parTransId="{FE0CB776-8947-45EF-A3EA-AC1589679681}" sibTransId="{AE51E16D-C711-495A-8611-8F198ED2EC9C}"/>
-    <dgm:cxn modelId="{B072A101-FF60-48AD-ADB4-58621F2AE515}" type="presOf" srcId="{D96FFF3E-D45D-462E-B806-DBE8C7D048E3}" destId="{16E8422B-D81B-432A-86C1-918787F6F4F0}" srcOrd="1" destOrd="0" presId="urn:microsoft.com/office/officeart/2005/8/layout/hProcess4"/>
-    <dgm:cxn modelId="{044DDE03-78F0-42C7-A56F-5BE3C291857B}" srcId="{53D9A326-9940-4D5D-8F76-B5E8FE054708}" destId="{83E46B71-B847-401D-BB9A-0851B46F46D6}" srcOrd="5" destOrd="0" parTransId="{53399EC4-DA45-4A32-B969-CA824CF1EC16}" sibTransId="{60C97D8C-1F48-49DC-8A74-B963A216F1C0}"/>
-    <dgm:cxn modelId="{CF5EBB07-4D13-48E0-B6CC-FFAEF111A4FE}" type="presOf" srcId="{684C9580-9C5C-493E-A636-9E503DA999C6}" destId="{5830C27B-2EA2-4854-9BC6-BD198C526FD0}" srcOrd="1" destOrd="4" presId="urn:microsoft.com/office/officeart/2005/8/layout/hProcess4"/>
-    <dgm:cxn modelId="{D3515C09-DBF7-4E9F-B890-087BB4C1CEBE}" type="presOf" srcId="{F9ACF090-0FCE-4D21-8A2B-C4213E6016E7}" destId="{9BB174B5-55E7-45CF-9F6D-837DD1D4987A}" srcOrd="1" destOrd="6" presId="urn:microsoft.com/office/officeart/2005/8/layout/hProcess4"/>
-    <dgm:cxn modelId="{840CBA0B-FFC2-48CA-8E6E-E3CCACC77BFE}" srcId="{4C6DAB58-6BF7-4A68-90F6-76CCD60BC396}" destId="{71443189-7343-47C8-80D2-99EB4864C6BB}" srcOrd="0" destOrd="0" parTransId="{4DD340BD-4041-4A52-AC22-E7B927FE895B}" sibTransId="{A265E9B6-9110-4989-8AD2-E3E22A04C13F}"/>
-    <dgm:cxn modelId="{FEFD300C-7219-440F-9B87-0CAF620EF054}" type="presOf" srcId="{3E227993-E421-432E-A313-6501DF006FA4}" destId="{8038B86E-1E40-4126-B039-D0EE11FC67EE}" srcOrd="1" destOrd="1" presId="urn:microsoft.com/office/officeart/2005/8/layout/hProcess4"/>
-    <dgm:cxn modelId="{C0CD260D-AC79-40A7-B4B7-DD9738D1ECDD}" type="presOf" srcId="{B211B111-71CD-4CAC-BFBF-36712880C4BE}" destId="{4287ED29-4218-42A9-AA08-FAB40B41B667}" srcOrd="0" destOrd="2" presId="urn:microsoft.com/office/officeart/2005/8/layout/hProcess4"/>
-    <dgm:cxn modelId="{2F23190F-3631-4B97-B9D6-D06ECB754DE3}" srcId="{BA93EB3D-5BFC-4577-86E1-5234490A1428}" destId="{0025D1CF-92D8-473C-A123-EC355F57FD4B}" srcOrd="3" destOrd="0" parTransId="{6A79C8AB-B20C-47A9-B856-BFA9905E9411}" sibTransId="{3ECDB257-ABD4-4C46-B67F-629974B169CD}"/>
-    <dgm:cxn modelId="{0C07EA0F-FC83-47D8-B06C-D134B06A6346}" type="presOf" srcId="{88958FCB-C4F1-40EF-A3D7-09BC02CF0C0E}" destId="{4287ED29-4218-42A9-AA08-FAB40B41B667}" srcOrd="0" destOrd="4" presId="urn:microsoft.com/office/officeart/2005/8/layout/hProcess4"/>
-    <dgm:cxn modelId="{05C40711-729C-4973-8C0A-340DB1FDF9D1}" type="presOf" srcId="{E9BAC397-7905-4471-9FB1-43B06E129B05}" destId="{D9837A88-683C-4B66-9AB9-D5A72B071271}" srcOrd="0" destOrd="2" presId="urn:microsoft.com/office/officeart/2005/8/layout/hProcess4"/>
-    <dgm:cxn modelId="{631AEA12-EBA4-42F7-84AE-251C45A9BA56}" type="presOf" srcId="{0E96E493-1106-4EF6-A762-7EE3AA3670F8}" destId="{8103B998-7542-419E-BAFF-AF87BDE1FDDB}" srcOrd="0" destOrd="4" presId="urn:microsoft.com/office/officeart/2005/8/layout/hProcess4"/>
-    <dgm:cxn modelId="{B1289D15-C3F6-458E-9371-CBA1006B0667}" srcId="{BA93EB3D-5BFC-4577-86E1-5234490A1428}" destId="{4C6DAB58-6BF7-4A68-90F6-76CCD60BC396}" srcOrd="2" destOrd="0" parTransId="{5351A743-A838-4E18-93BB-772232CBD5C6}" sibTransId="{D87917C1-1C80-4515-932C-647BEEA13C97}"/>
-    <dgm:cxn modelId="{37CE5417-9A20-428A-872D-4BBF383F402D}" srcId="{BA93EB3D-5BFC-4577-86E1-5234490A1428}" destId="{53D9A326-9940-4D5D-8F76-B5E8FE054708}" srcOrd="0" destOrd="0" parTransId="{BE921C20-B692-479D-B318-1D2B74DC27B3}" sibTransId="{854A99E8-BF9F-43BE-87E6-9A96F07FF3CC}"/>
-    <dgm:cxn modelId="{9E3FA81B-35A5-4973-9138-098D175DB81C}" type="presOf" srcId="{33DC13FF-967D-4EED-9151-257A0271A4AC}" destId="{CF3B4BDF-3B78-411E-A3B5-1DB48FF34D14}" srcOrd="1" destOrd="3" presId="urn:microsoft.com/office/officeart/2005/8/layout/hProcess4"/>
-    <dgm:cxn modelId="{CC4B5828-61DB-4C8C-99A3-B392FB677532}" type="presOf" srcId="{1F15028F-33FF-4264-9B90-D9CD69979D54}" destId="{4287ED29-4218-42A9-AA08-FAB40B41B667}" srcOrd="0" destOrd="7" presId="urn:microsoft.com/office/officeart/2005/8/layout/hProcess4"/>
-    <dgm:cxn modelId="{ABD11C29-FB11-4D37-B992-4FEEBDA8F637}" type="presOf" srcId="{B508B559-763F-430A-B735-8B7A4E20B7CE}" destId="{D9837A88-683C-4B66-9AB9-D5A72B071271}" srcOrd="0" destOrd="1" presId="urn:microsoft.com/office/officeart/2005/8/layout/hProcess4"/>
-    <dgm:cxn modelId="{4A80A72A-1407-4017-90AB-C173079B69EA}" type="presOf" srcId="{71443189-7343-47C8-80D2-99EB4864C6BB}" destId="{8038B86E-1E40-4126-B039-D0EE11FC67EE}" srcOrd="1" destOrd="0" presId="urn:microsoft.com/office/officeart/2005/8/layout/hProcess4"/>
-    <dgm:cxn modelId="{94631B2B-CB39-464A-94F6-B56F095E9B8A}" type="presOf" srcId="{F8D75E48-9AAA-4085-809E-053F313A0330}" destId="{9BB174B5-55E7-45CF-9F6D-837DD1D4987A}" srcOrd="1" destOrd="0" presId="urn:microsoft.com/office/officeart/2005/8/layout/hProcess4"/>
-    <dgm:cxn modelId="{9441A42E-3AD1-4F3E-9DE8-F461F748EB85}" type="presOf" srcId="{83E46B71-B847-401D-BB9A-0851B46F46D6}" destId="{9BB174B5-55E7-45CF-9F6D-837DD1D4987A}" srcOrd="1" destOrd="5" presId="urn:microsoft.com/office/officeart/2005/8/layout/hProcess4"/>
-    <dgm:cxn modelId="{19F13933-F119-421E-8C7C-CE17D58DEE74}" srcId="{0025D1CF-92D8-473C-A123-EC355F57FD4B}" destId="{2FCC2A9B-548E-4DFF-BCE5-A6274084C448}" srcOrd="0" destOrd="0" parTransId="{90E95A32-85BA-42F2-A8C9-C70C60589226}" sibTransId="{31B14589-CAD1-417C-9D80-0A533598AFBB}"/>
-    <dgm:cxn modelId="{68082239-48DB-4129-9717-0FA807D330C4}" srcId="{53D9A326-9940-4D5D-8F76-B5E8FE054708}" destId="{B211B111-71CD-4CAC-BFBF-36712880C4BE}" srcOrd="2" destOrd="0" parTransId="{E6761443-D009-4252-B9AE-65E7A6DB6210}" sibTransId="{BD8BD2DF-AD1B-455C-9CCF-AD42DE09551C}"/>
-    <dgm:cxn modelId="{B06E553E-8BA9-44B2-9CEE-AFDD1FE0F35F}" type="presOf" srcId="{B211B111-71CD-4CAC-BFBF-36712880C4BE}" destId="{9BB174B5-55E7-45CF-9F6D-837DD1D4987A}" srcOrd="1" destOrd="2" presId="urn:microsoft.com/office/officeart/2005/8/layout/hProcess4"/>
-    <dgm:cxn modelId="{639AC15B-CCB3-4942-A9AA-E04A46322312}" type="presOf" srcId="{6A45A704-9AE5-4422-BEB6-433065D82919}" destId="{5830C27B-2EA2-4854-9BC6-BD198C526FD0}" srcOrd="1" destOrd="3" presId="urn:microsoft.com/office/officeart/2005/8/layout/hProcess4"/>
-    <dgm:cxn modelId="{90704A5E-4057-4A42-A385-3763C2995403}" type="presOf" srcId="{3ECDB257-ABD4-4C46-B67F-629974B169CD}" destId="{A620235A-8311-464E-944E-26FF0EA855B5}" srcOrd="0" destOrd="0" presId="urn:microsoft.com/office/officeart/2005/8/layout/hProcess4"/>
-    <dgm:cxn modelId="{5071045F-282D-4A7E-8ADC-9D086FBBB99D}" type="presOf" srcId="{B508B559-763F-430A-B735-8B7A4E20B7CE}" destId="{16E8422B-D81B-432A-86C1-918787F6F4F0}" srcOrd="1" destOrd="1" presId="urn:microsoft.com/office/officeart/2005/8/layout/hProcess4"/>
-    <dgm:cxn modelId="{6E9D1560-DCEF-4790-B10E-83D4FDF94E84}" srcId="{4E27F0F0-B813-491E-B4AB-366B13A0C9F8}" destId="{0258D149-A1BE-433B-87AA-4DF0E415BA89}" srcOrd="0" destOrd="0" parTransId="{71F7D9B2-44C5-4A4E-BEF2-D71F1CDDAEF4}" sibTransId="{144FE671-4897-4CA2-AD24-43CCE3F6FC13}"/>
-    <dgm:cxn modelId="{D7427A61-AA71-4785-9E27-1E7F3C85B602}" srcId="{0025D1CF-92D8-473C-A123-EC355F57FD4B}" destId="{3E28BBAE-7DA7-458D-80FD-E36313189078}" srcOrd="5" destOrd="0" parTransId="{AC5E6C6F-6A23-41B9-ACBB-3FBF9D42042F}" sibTransId="{359D2024-1A63-4D09-AB21-DCC2E4740BDD}"/>
-    <dgm:cxn modelId="{F24B4B62-0CC6-450F-B363-933898EA2AD2}" srcId="{BA93EB3D-5BFC-4577-86E1-5234490A1428}" destId="{FB689ACF-14FA-42C1-8A06-730B9BE7D3E2}" srcOrd="4" destOrd="0" parTransId="{33F470F1-9DF1-4330-8FD4-937F4F1CFE16}" sibTransId="{79A355A8-F1A7-40AA-A69F-34097B36C21F}"/>
-    <dgm:cxn modelId="{02D27D62-15CC-418B-9796-4E04320E4839}" srcId="{FB689ACF-14FA-42C1-8A06-730B9BE7D3E2}" destId="{F5F62244-BD3E-41EE-BEFD-2336B583257B}" srcOrd="3" destOrd="0" parTransId="{9309F3B2-8B5C-4FCD-9709-0E0E89CB980D}" sibTransId="{B0E8E6F2-545E-4E43-B924-78AC621A7DEE}"/>
-    <dgm:cxn modelId="{4830C162-CA9D-4EF8-9835-57F9DC100F53}" type="presOf" srcId="{1093AC2E-5C63-417E-AE14-549B3CC21750}" destId="{CF3B4BDF-3B78-411E-A3B5-1DB48FF34D14}" srcOrd="1" destOrd="1" presId="urn:microsoft.com/office/officeart/2005/8/layout/hProcess4"/>
-    <dgm:cxn modelId="{E7B74C66-4DBA-4303-82A0-AD361B4B4BE8}" type="presOf" srcId="{0E96E493-1106-4EF6-A762-7EE3AA3670F8}" destId="{8038B86E-1E40-4126-B039-D0EE11FC67EE}" srcOrd="1" destOrd="4" presId="urn:microsoft.com/office/officeart/2005/8/layout/hProcess4"/>
-    <dgm:cxn modelId="{B063FA66-0D10-4F54-A8FE-13D1E61501FC}" type="presOf" srcId="{318B1B04-595D-4CD9-A40A-6DA4B4F8AD31}" destId="{7A92725C-D8DF-45AE-BD94-1D4296114181}" srcOrd="0" destOrd="2" presId="urn:microsoft.com/office/officeart/2005/8/layout/hProcess4"/>
-    <dgm:cxn modelId="{B1196468-424C-47D7-80DB-658D0082A4CB}" type="presOf" srcId="{88958FCB-C4F1-40EF-A3D7-09BC02CF0C0E}" destId="{9BB174B5-55E7-45CF-9F6D-837DD1D4987A}" srcOrd="1" destOrd="4" presId="urn:microsoft.com/office/officeart/2005/8/layout/hProcess4"/>
-    <dgm:cxn modelId="{B5127949-882A-49F1-99F4-FA1B56B3DC7D}" srcId="{FB689ACF-14FA-42C1-8A06-730B9BE7D3E2}" destId="{E9BAC397-7905-4471-9FB1-43B06E129B05}" srcOrd="2" destOrd="0" parTransId="{DD4D4291-C518-43CA-9999-D455A168AD07}" sibTransId="{EF174752-D179-45CD-A81A-ACC0621DAF1C}"/>
-    <dgm:cxn modelId="{B1F83D6D-CFCC-45DF-9EC1-EEFD0B7CF6DF}" srcId="{53D9A326-9940-4D5D-8F76-B5E8FE054708}" destId="{F8D75E48-9AAA-4085-809E-053F313A0330}" srcOrd="0" destOrd="0" parTransId="{F06241B2-FEE1-49AD-86BF-507F6FD2032F}" sibTransId="{D9E1B4FB-A1DC-4B23-9A02-7E0FB9C5F7BD}"/>
-    <dgm:cxn modelId="{6EFAC26D-0F5C-4428-9837-71B7E1604E47}" type="presOf" srcId="{F41F1CCC-F372-4129-9639-7215FBC246D1}" destId="{9BB174B5-55E7-45CF-9F6D-837DD1D4987A}" srcOrd="1" destOrd="1" presId="urn:microsoft.com/office/officeart/2005/8/layout/hProcess4"/>
-    <dgm:cxn modelId="{D5480470-260B-41D1-8D73-F3F3EEF057C5}" type="presOf" srcId="{F5F62244-BD3E-41EE-BEFD-2336B583257B}" destId="{16E8422B-D81B-432A-86C1-918787F6F4F0}" srcOrd="1" destOrd="3" presId="urn:microsoft.com/office/officeart/2005/8/layout/hProcess4"/>
-    <dgm:cxn modelId="{68460C70-A7C0-4A01-871A-38114B6D0A37}" srcId="{BA93EB3D-5BFC-4577-86E1-5234490A1428}" destId="{4E27F0F0-B813-491E-B4AB-366B13A0C9F8}" srcOrd="1" destOrd="0" parTransId="{A74A1626-0647-4DFE-92E6-CDC3B8051400}" sibTransId="{131E23C3-7153-4993-91E5-486FD503C40D}"/>
-    <dgm:cxn modelId="{54A7DB50-DE58-478F-B021-F9F74D350E4D}" type="presOf" srcId="{4E27F0F0-B813-491E-B4AB-366B13A0C9F8}" destId="{0FE41569-B361-460C-B5E9-5AB17A593235}" srcOrd="0" destOrd="0" presId="urn:microsoft.com/office/officeart/2005/8/layout/hProcess4"/>
-    <dgm:cxn modelId="{A0411B52-21AE-4FA0-AC4F-3996631AA671}" type="presOf" srcId="{2FCC2A9B-548E-4DFF-BCE5-A6274084C448}" destId="{5830C27B-2EA2-4854-9BC6-BD198C526FD0}" srcOrd="1" destOrd="0" presId="urn:microsoft.com/office/officeart/2005/8/layout/hProcess4"/>
-    <dgm:cxn modelId="{2C3CF373-E8CE-407C-BA98-C244E9105BBA}" type="presOf" srcId="{F8C52B49-3B0B-4F40-869C-E424FC8E7427}" destId="{9BB174B5-55E7-45CF-9F6D-837DD1D4987A}" srcOrd="1" destOrd="3" presId="urn:microsoft.com/office/officeart/2005/8/layout/hProcess4"/>
-    <dgm:cxn modelId="{AB265154-3831-45FC-99BF-E54115E7BA6D}" type="presOf" srcId="{3E28BBAE-7DA7-458D-80FD-E36313189078}" destId="{5830C27B-2EA2-4854-9BC6-BD198C526FD0}" srcOrd="1" destOrd="5" presId="urn:microsoft.com/office/officeart/2005/8/layout/hProcess4"/>
-    <dgm:cxn modelId="{4959B554-D272-43A9-A746-B8FF29990D43}" type="presOf" srcId="{2C27F7B8-4DDF-49EE-B269-B5F48DC095E9}" destId="{8038B86E-1E40-4126-B039-D0EE11FC67EE}" srcOrd="1" destOrd="2" presId="urn:microsoft.com/office/officeart/2005/8/layout/hProcess4"/>
-    <dgm:cxn modelId="{9B355C77-4028-4F0E-97F3-2C601B110D34}" type="presOf" srcId="{53D9A326-9940-4D5D-8F76-B5E8FE054708}" destId="{AB4285F8-1FED-4AE8-96D2-2343764808F4}" srcOrd="0" destOrd="0" presId="urn:microsoft.com/office/officeart/2005/8/layout/hProcess4"/>
-    <dgm:cxn modelId="{1010B077-664E-4B91-B6D5-DB369B000B72}" type="presOf" srcId="{2C27F7B8-4DDF-49EE-B269-B5F48DC095E9}" destId="{8103B998-7542-419E-BAFF-AF87BDE1FDDB}" srcOrd="0" destOrd="2" presId="urn:microsoft.com/office/officeart/2005/8/layout/hProcess4"/>
-    <dgm:cxn modelId="{5FBB7658-8B4D-419E-9739-C5C35088BAF2}" type="presOf" srcId="{71443189-7343-47C8-80D2-99EB4864C6BB}" destId="{8103B998-7542-419E-BAFF-AF87BDE1FDDB}" srcOrd="0" destOrd="0" presId="urn:microsoft.com/office/officeart/2005/8/layout/hProcess4"/>
-    <dgm:cxn modelId="{84BE9D79-1017-4470-8F46-E912455D6382}" type="presOf" srcId="{2FCC2A9B-548E-4DFF-BCE5-A6274084C448}" destId="{709FE0EB-6284-463A-AE3D-3943AF96E1F5}" srcOrd="0" destOrd="0" presId="urn:microsoft.com/office/officeart/2005/8/layout/hProcess4"/>
-    <dgm:cxn modelId="{DB8A125A-5E18-4E0C-9AAE-D8944418C062}" type="presOf" srcId="{E9BAC397-7905-4471-9FB1-43B06E129B05}" destId="{16E8422B-D81B-432A-86C1-918787F6F4F0}" srcOrd="1" destOrd="2" presId="urn:microsoft.com/office/officeart/2005/8/layout/hProcess4"/>
-    <dgm:cxn modelId="{E1CC705A-7E50-4DBB-ADD2-3F05C6FE8212}" type="presOf" srcId="{FB689ACF-14FA-42C1-8A06-730B9BE7D3E2}" destId="{D0812395-5F2E-458F-B962-1A36CFCDF710}" srcOrd="0" destOrd="0" presId="urn:microsoft.com/office/officeart/2005/8/layout/hProcess4"/>
-    <dgm:cxn modelId="{737A797A-B874-4BCD-BD0C-0661CE7392B4}" srcId="{4C6DAB58-6BF7-4A68-90F6-76CCD60BC396}" destId="{0E96E493-1106-4EF6-A762-7EE3AA3670F8}" srcOrd="4" destOrd="0" parTransId="{8BDE3ADF-C290-4C94-BAF6-2A90FC450661}" sibTransId="{2AF21DF6-347F-4597-B6D5-03AE0B3AD322}"/>
-    <dgm:cxn modelId="{EDE5EF7B-42CB-43ED-ABA4-287CCAFA80F3}" type="presOf" srcId="{F8D75E48-9AAA-4085-809E-053F313A0330}" destId="{4287ED29-4218-42A9-AA08-FAB40B41B667}" srcOrd="0" destOrd="0" presId="urn:microsoft.com/office/officeart/2005/8/layout/hProcess4"/>
-    <dgm:cxn modelId="{5956567E-DA31-4C63-8E40-171EB36D1D5F}" type="presOf" srcId="{684C9580-9C5C-493E-A636-9E503DA999C6}" destId="{709FE0EB-6284-463A-AE3D-3943AF96E1F5}" srcOrd="0" destOrd="4" presId="urn:microsoft.com/office/officeart/2005/8/layout/hProcess4"/>
-    <dgm:cxn modelId="{8269A281-C9F8-4FDB-8F4C-48BC6C4F2595}" srcId="{53D9A326-9940-4D5D-8F76-B5E8FE054708}" destId="{F41F1CCC-F372-4129-9639-7215FBC246D1}" srcOrd="1" destOrd="0" parTransId="{22BBBE1B-5FD1-4320-AFB1-D7C911E79BA1}" sibTransId="{088068E2-2B7C-449B-A03E-251999521D8F}"/>
-    <dgm:cxn modelId="{2B8B5182-56F2-4BB0-94DE-25F1924D4DA2}" type="presOf" srcId="{6A45A704-9AE5-4422-BEB6-433065D82919}" destId="{709FE0EB-6284-463A-AE3D-3943AF96E1F5}" srcOrd="0" destOrd="3" presId="urn:microsoft.com/office/officeart/2005/8/layout/hProcess4"/>
-    <dgm:cxn modelId="{DC478083-EE64-47C8-BD9A-5A6A0F9A762C}" type="presOf" srcId="{4C6DAB58-6BF7-4A68-90F6-76CCD60BC396}" destId="{BFA2C9D0-EDA8-46BE-8090-63D70F5C3D0D}" srcOrd="0" destOrd="0" presId="urn:microsoft.com/office/officeart/2005/8/layout/hProcess4"/>
-    <dgm:cxn modelId="{91AB9384-67B6-4424-A9A6-63221DEE18FF}" srcId="{4E27F0F0-B813-491E-B4AB-366B13A0C9F8}" destId="{318B1B04-595D-4CD9-A40A-6DA4B4F8AD31}" srcOrd="2" destOrd="0" parTransId="{41FE8AF2-8C32-45FD-8685-92DC68BB3E22}" sibTransId="{B0226618-AC57-4360-B4A9-3EE143E2B7B0}"/>
-    <dgm:cxn modelId="{274C3B8B-F094-4073-88EA-BD590BD4CF4F}" type="presOf" srcId="{F5F62244-BD3E-41EE-BEFD-2336B583257B}" destId="{D9837A88-683C-4B66-9AB9-D5A72B071271}" srcOrd="0" destOrd="3" presId="urn:microsoft.com/office/officeart/2005/8/layout/hProcess4"/>
-    <dgm:cxn modelId="{59AE938B-3E1B-4D31-A7D9-FDEC16FF94C6}" srcId="{53D9A326-9940-4D5D-8F76-B5E8FE054708}" destId="{1F15028F-33FF-4264-9B90-D9CD69979D54}" srcOrd="7" destOrd="0" parTransId="{3B810E17-9523-467D-A5A9-91A8ADD46B65}" sibTransId="{64F8B2BD-0C4E-4438-A844-4D9BBB14618D}"/>
-    <dgm:cxn modelId="{C1E0E18B-B436-4C7F-9EB8-F64F75FE5ACB}" srcId="{53D9A326-9940-4D5D-8F76-B5E8FE054708}" destId="{F8C52B49-3B0B-4F40-869C-E424FC8E7427}" srcOrd="3" destOrd="0" parTransId="{8E5A7DBA-A4C5-49AA-BEA2-3C9AE56BFAF5}" sibTransId="{AA968FC9-06D0-43AA-948E-F32D52A7ECD8}"/>
-    <dgm:cxn modelId="{D002FA8D-9553-43EA-81A3-DB0BD0D36EE5}" srcId="{4C6DAB58-6BF7-4A68-90F6-76CCD60BC396}" destId="{3E227993-E421-432E-A313-6501DF006FA4}" srcOrd="1" destOrd="0" parTransId="{4E55A96A-C9B6-42D2-986E-F6D6DAF1D4B5}" sibTransId="{B3274DE4-4C7A-44F9-B11F-3C9A36A62BA8}"/>
-    <dgm:cxn modelId="{3F61DC90-4B1E-4C2C-B8B1-289A1BC7FF6B}" type="presOf" srcId="{3E227993-E421-432E-A313-6501DF006FA4}" destId="{8103B998-7542-419E-BAFF-AF87BDE1FDDB}" srcOrd="0" destOrd="1" presId="urn:microsoft.com/office/officeart/2005/8/layout/hProcess4"/>
-    <dgm:cxn modelId="{F0B4D292-811B-4EBF-A509-E1EBCCAF481E}" type="presOf" srcId="{3E28BBAE-7DA7-458D-80FD-E36313189078}" destId="{709FE0EB-6284-463A-AE3D-3943AF96E1F5}" srcOrd="0" destOrd="5" presId="urn:microsoft.com/office/officeart/2005/8/layout/hProcess4"/>
-    <dgm:cxn modelId="{61F24B99-E353-459A-B9A0-6FB4B432E42B}" type="presOf" srcId="{F9ACF090-0FCE-4D21-8A2B-C4213E6016E7}" destId="{4287ED29-4218-42A9-AA08-FAB40B41B667}" srcOrd="0" destOrd="6" presId="urn:microsoft.com/office/officeart/2005/8/layout/hProcess4"/>
-    <dgm:cxn modelId="{8DC9A09C-8134-43B4-B59B-32B11506991B}" type="presOf" srcId="{D87917C1-1C80-4515-932C-647BEEA13C97}" destId="{D3BFA2D9-ACCC-40C4-9007-70FD9774FD51}" srcOrd="0" destOrd="0" presId="urn:microsoft.com/office/officeart/2005/8/layout/hProcess4"/>
-    <dgm:cxn modelId="{B09A549F-D940-429E-88ED-49BAAD9F703C}" srcId="{0025D1CF-92D8-473C-A123-EC355F57FD4B}" destId="{6A45A704-9AE5-4422-BEB6-433065D82919}" srcOrd="3" destOrd="0" parTransId="{228D7FA2-FECB-4A29-B91E-10D2882FD6C5}" sibTransId="{7AC97F92-222D-4671-A2EE-F9D2B2016AA7}"/>
-    <dgm:cxn modelId="{6A48CDA2-C39E-4085-BE2F-D798B62D01BC}" type="presOf" srcId="{F8C52B49-3B0B-4F40-869C-E424FC8E7427}" destId="{4287ED29-4218-42A9-AA08-FAB40B41B667}" srcOrd="0" destOrd="3" presId="urn:microsoft.com/office/officeart/2005/8/layout/hProcess4"/>
-    <dgm:cxn modelId="{944723A7-0392-46FE-B11F-AAD57C40E7BF}" type="presOf" srcId="{33DC13FF-967D-4EED-9151-257A0271A4AC}" destId="{7A92725C-D8DF-45AE-BD94-1D4296114181}" srcOrd="0" destOrd="3" presId="urn:microsoft.com/office/officeart/2005/8/layout/hProcess4"/>
-    <dgm:cxn modelId="{9ACD88A8-9E55-4A00-863C-87AE9FAE4EA2}" type="presOf" srcId="{8FE25FAD-F216-42B2-AAFE-472DDBF2976F}" destId="{8038B86E-1E40-4126-B039-D0EE11FC67EE}" srcOrd="1" destOrd="3" presId="urn:microsoft.com/office/officeart/2005/8/layout/hProcess4"/>
-    <dgm:cxn modelId="{EE6063AF-5BF2-47E6-9B50-02C0D1946FC9}" srcId="{4E27F0F0-B813-491E-B4AB-366B13A0C9F8}" destId="{33DC13FF-967D-4EED-9151-257A0271A4AC}" srcOrd="3" destOrd="0" parTransId="{309CB17F-619C-435A-9A41-616E76B5EF39}" sibTransId="{5840AC29-D377-42DE-A295-73FB70DF18D8}"/>
-    <dgm:cxn modelId="{65773BB2-E1B4-43C7-8E4C-CF3DCEDCE627}" type="presOf" srcId="{854A99E8-BF9F-43BE-87E6-9A96F07FF3CC}" destId="{3596F136-9F9A-42A3-AAA4-EC15F13557C1}" srcOrd="0" destOrd="0" presId="urn:microsoft.com/office/officeart/2005/8/layout/hProcess4"/>
-    <dgm:cxn modelId="{82B8BAB6-0B80-492A-8B10-60053E2C1CFE}" srcId="{4E27F0F0-B813-491E-B4AB-366B13A0C9F8}" destId="{1093AC2E-5C63-417E-AE14-549B3CC21750}" srcOrd="1" destOrd="0" parTransId="{2FEE2CAA-36E8-4835-A5AC-EBD70C81D89C}" sibTransId="{5EC42E26-83F2-406B-A86C-66AE88498FDE}"/>
-    <dgm:cxn modelId="{EF0D3FB8-2CCF-4B2A-B3C9-91C804404559}" type="presOf" srcId="{D96FFF3E-D45D-462E-B806-DBE8C7D048E3}" destId="{D9837A88-683C-4B66-9AB9-D5A72B071271}" srcOrd="0" destOrd="0" presId="urn:microsoft.com/office/officeart/2005/8/layout/hProcess4"/>
-    <dgm:cxn modelId="{E47BC7B9-CE6B-455F-8CC3-794E3A8D7E78}" type="presOf" srcId="{0025D1CF-92D8-473C-A123-EC355F57FD4B}" destId="{64C72429-576F-49F2-9F34-06F9CAEAB159}" srcOrd="0" destOrd="0" presId="urn:microsoft.com/office/officeart/2005/8/layout/hProcess4"/>
-    <dgm:cxn modelId="{23B25EC0-4407-4817-B5D3-213CCCB5A1E0}" srcId="{4C6DAB58-6BF7-4A68-90F6-76CCD60BC396}" destId="{8FE25FAD-F216-42B2-AAFE-472DDBF2976F}" srcOrd="3" destOrd="0" parTransId="{8E355FDD-F809-4423-8276-241703F610CB}" sibTransId="{609D1F17-4727-479C-9E53-C6FA4CB81871}"/>
-    <dgm:cxn modelId="{64FA20C5-216B-47A4-8659-61A38665184F}" srcId="{53D9A326-9940-4D5D-8F76-B5E8FE054708}" destId="{88958FCB-C4F1-40EF-A3D7-09BC02CF0C0E}" srcOrd="4" destOrd="0" parTransId="{29FBF599-CADF-4511-A9B9-C8281EF8499C}" sibTransId="{34E2AFF1-9324-4ED7-AD19-D26AE3E06B23}"/>
-    <dgm:cxn modelId="{3B2698CE-9AC5-4DA1-B84A-FDDA8D99AAA7}" srcId="{FB689ACF-14FA-42C1-8A06-730B9BE7D3E2}" destId="{D96FFF3E-D45D-462E-B806-DBE8C7D048E3}" srcOrd="0" destOrd="0" parTransId="{FA897661-C414-4560-910B-8FF7268D0B9C}" sibTransId="{C8FDD5C0-A1E2-4A63-B18A-35C2933C1307}"/>
-    <dgm:cxn modelId="{C6DDA8D2-F2FF-4CE4-9107-2FAFAFA6C9C6}" srcId="{4C6DAB58-6BF7-4A68-90F6-76CCD60BC396}" destId="{2C27F7B8-4DDF-49EE-B269-B5F48DC095E9}" srcOrd="2" destOrd="0" parTransId="{5FE1B81F-87CD-4322-AEF7-C598B77D6DF8}" sibTransId="{98513F7C-085F-4BD1-8AC7-171262021DD4}"/>
-    <dgm:cxn modelId="{877E5DD4-F97B-4C96-93F5-0FB041155C54}" type="presOf" srcId="{1093AC2E-5C63-417E-AE14-549B3CC21750}" destId="{7A92725C-D8DF-45AE-BD94-1D4296114181}" srcOrd="0" destOrd="1" presId="urn:microsoft.com/office/officeart/2005/8/layout/hProcess4"/>
-    <dgm:cxn modelId="{B4A60CDA-4691-4EB4-B94A-D69390B24C99}" type="presOf" srcId="{62B77608-470A-4211-91ED-B152D947F948}" destId="{709FE0EB-6284-463A-AE3D-3943AF96E1F5}" srcOrd="0" destOrd="1" presId="urn:microsoft.com/office/officeart/2005/8/layout/hProcess4"/>
-    <dgm:cxn modelId="{E846ABDA-1BA1-48C2-A0AF-2D629A4C03F8}" type="presOf" srcId="{1F15028F-33FF-4264-9B90-D9CD69979D54}" destId="{9BB174B5-55E7-45CF-9F6D-837DD1D4987A}" srcOrd="1" destOrd="7" presId="urn:microsoft.com/office/officeart/2005/8/layout/hProcess4"/>
-    <dgm:cxn modelId="{B6FE3BDC-5164-40F3-8AA6-54D519CC60E8}" type="presOf" srcId="{318B1B04-595D-4CD9-A40A-6DA4B4F8AD31}" destId="{CF3B4BDF-3B78-411E-A3B5-1DB48FF34D14}" srcOrd="1" destOrd="2" presId="urn:microsoft.com/office/officeart/2005/8/layout/hProcess4"/>
-    <dgm:cxn modelId="{C61838DD-CF7F-4864-A25E-74041649F1F8}" type="presOf" srcId="{0258D149-A1BE-433B-87AA-4DF0E415BA89}" destId="{7A92725C-D8DF-45AE-BD94-1D4296114181}" srcOrd="0" destOrd="0" presId="urn:microsoft.com/office/officeart/2005/8/layout/hProcess4"/>
-    <dgm:cxn modelId="{21F751DD-C999-48F0-B48D-40985FE7EBDC}" type="presOf" srcId="{131E23C3-7153-4993-91E5-486FD503C40D}" destId="{1A2FA48B-78E7-4721-AFD8-B2AE973E702E}" srcOrd="0" destOrd="0" presId="urn:microsoft.com/office/officeart/2005/8/layout/hProcess4"/>
-    <dgm:cxn modelId="{E6A174DD-533C-4BD2-9956-B8B32BBF7BC0}" type="presOf" srcId="{BA93EB3D-5BFC-4577-86E1-5234490A1428}" destId="{70FCF58C-F507-4620-9FB4-66A9C49857D0}" srcOrd="0" destOrd="0" presId="urn:microsoft.com/office/officeart/2005/8/layout/hProcess4"/>
-    <dgm:cxn modelId="{CE9560DE-4196-4229-B366-99272561098D}" srcId="{0025D1CF-92D8-473C-A123-EC355F57FD4B}" destId="{684C9580-9C5C-493E-A636-9E503DA999C6}" srcOrd="4" destOrd="0" parTransId="{82F596E9-F4A4-4357-9B4A-27ED8C0F55E4}" sibTransId="{08530E72-22E8-4CA7-B898-707AB34365A0}"/>
-    <dgm:cxn modelId="{9117D6E7-8082-40BA-861F-DD8E2781B98D}" srcId="{0025D1CF-92D8-473C-A123-EC355F57FD4B}" destId="{62B77608-470A-4211-91ED-B152D947F948}" srcOrd="1" destOrd="0" parTransId="{D323E2AF-B091-4A7B-8374-20B9A078EE2F}" sibTransId="{1DC5323B-3DF5-47F3-B6C0-B49921DE607E}"/>
-    <dgm:cxn modelId="{6113F3EB-05DC-4614-975C-94BA1A34D6A1}" type="presOf" srcId="{BD697209-77A4-4DE7-B323-52D18825A04A}" destId="{5830C27B-2EA2-4854-9BC6-BD198C526FD0}" srcOrd="1" destOrd="2" presId="urn:microsoft.com/office/officeart/2005/8/layout/hProcess4"/>
-    <dgm:cxn modelId="{E74E2FF4-8989-43C4-9E62-98598FC34CDB}" type="presOf" srcId="{83E46B71-B847-401D-BB9A-0851B46F46D6}" destId="{4287ED29-4218-42A9-AA08-FAB40B41B667}" srcOrd="0" destOrd="5" presId="urn:microsoft.com/office/officeart/2005/8/layout/hProcess4"/>
-    <dgm:cxn modelId="{C209DDF5-2D91-4B44-9E59-4CB225F3DFA0}" type="presOf" srcId="{8FE25FAD-F216-42B2-AAFE-472DDBF2976F}" destId="{8103B998-7542-419E-BAFF-AF87BDE1FDDB}" srcOrd="0" destOrd="3" presId="urn:microsoft.com/office/officeart/2005/8/layout/hProcess4"/>
-    <dgm:cxn modelId="{A380E1F5-C020-4315-9E28-DEE5EFA72F0D}" srcId="{FB689ACF-14FA-42C1-8A06-730B9BE7D3E2}" destId="{B508B559-763F-430A-B735-8B7A4E20B7CE}" srcOrd="1" destOrd="0" parTransId="{4624D9F2-35CA-4C68-8BDD-8FEF775AD287}" sibTransId="{761C8347-CF67-4EB9-B8A9-9781A9BA4CD7}"/>
-    <dgm:cxn modelId="{AEB0D7F6-AC6A-43E2-AD76-1CB1481A60DF}" type="presOf" srcId="{F41F1CCC-F372-4129-9639-7215FBC246D1}" destId="{4287ED29-4218-42A9-AA08-FAB40B41B667}" srcOrd="0" destOrd="1" presId="urn:microsoft.com/office/officeart/2005/8/layout/hProcess4"/>
-    <dgm:cxn modelId="{BE218AF7-B5A6-4628-843B-1A3AE0C13BD2}" type="presOf" srcId="{0258D149-A1BE-433B-87AA-4DF0E415BA89}" destId="{CF3B4BDF-3B78-411E-A3B5-1DB48FF34D14}" srcOrd="1" destOrd="0" presId="urn:microsoft.com/office/officeart/2005/8/layout/hProcess4"/>
-    <dgm:cxn modelId="{A8CAEBFB-5EBF-418B-AA37-B6EAF0E58EC0}" srcId="{0025D1CF-92D8-473C-A123-EC355F57FD4B}" destId="{BD697209-77A4-4DE7-B323-52D18825A04A}" srcOrd="2" destOrd="0" parTransId="{A4A5EAF4-2ECB-40B4-A79E-721D35C25EDE}" sibTransId="{685C3ABF-EA7F-458D-855A-8E43A16280CB}"/>
-    <dgm:cxn modelId="{F9E772FE-F434-4DA1-9C86-D99DF6FD436B}" type="presOf" srcId="{62B77608-470A-4211-91ED-B152D947F948}" destId="{5830C27B-2EA2-4854-9BC6-BD198C526FD0}" srcOrd="1" destOrd="1" presId="urn:microsoft.com/office/officeart/2005/8/layout/hProcess4"/>
-    <dgm:cxn modelId="{B0DA72FF-5F4F-4B51-A407-DF27E9C80706}" type="presOf" srcId="{BD697209-77A4-4DE7-B323-52D18825A04A}" destId="{709FE0EB-6284-463A-AE3D-3943AF96E1F5}" srcOrd="0" destOrd="2" presId="urn:microsoft.com/office/officeart/2005/8/layout/hProcess4"/>
-    <dgm:cxn modelId="{7B42607E-917B-4412-9A76-9F6B647A16AA}" type="presParOf" srcId="{70FCF58C-F507-4620-9FB4-66A9C49857D0}" destId="{DE72027D-BE8D-4904-92B8-B54B4EC76C69}" srcOrd="0" destOrd="0" presId="urn:microsoft.com/office/officeart/2005/8/layout/hProcess4"/>
-    <dgm:cxn modelId="{7B5F8E8B-5F5C-47E5-B82D-7B4CADEC1C5D}" type="presParOf" srcId="{70FCF58C-F507-4620-9FB4-66A9C49857D0}" destId="{FBBF2827-EBB8-4918-98CF-4AFC9C085F09}" srcOrd="1" destOrd="0" presId="urn:microsoft.com/office/officeart/2005/8/layout/hProcess4"/>
-    <dgm:cxn modelId="{2C5FDFF3-C381-42E7-9DF5-6B2707CFA656}" type="presParOf" srcId="{70FCF58C-F507-4620-9FB4-66A9C49857D0}" destId="{326BD2DC-67A0-4BC2-AE08-6EAFC6D134A7}" srcOrd="2" destOrd="0" presId="urn:microsoft.com/office/officeart/2005/8/layout/hProcess4"/>
-    <dgm:cxn modelId="{B097A451-05D2-4E16-8E48-04959D6DD2B9}" type="presParOf" srcId="{326BD2DC-67A0-4BC2-AE08-6EAFC6D134A7}" destId="{F45BC47F-7A1B-4850-998F-1EA1E7980B5B}" srcOrd="0" destOrd="0" presId="urn:microsoft.com/office/officeart/2005/8/layout/hProcess4"/>
-    <dgm:cxn modelId="{217D7C06-04CA-4AD7-A071-D72CD119F6E5}" type="presParOf" srcId="{F45BC47F-7A1B-4850-998F-1EA1E7980B5B}" destId="{57CC5482-F8B5-4AA9-B1F4-8285F141551A}" srcOrd="0" destOrd="0" presId="urn:microsoft.com/office/officeart/2005/8/layout/hProcess4"/>
-    <dgm:cxn modelId="{3270122C-A05D-4BE1-AB8A-AFC05FC43D94}" type="presParOf" srcId="{F45BC47F-7A1B-4850-998F-1EA1E7980B5B}" destId="{4287ED29-4218-42A9-AA08-FAB40B41B667}" srcOrd="1" destOrd="0" presId="urn:microsoft.com/office/officeart/2005/8/layout/hProcess4"/>
-    <dgm:cxn modelId="{E0FACB20-0203-428D-863C-CEC3062958EC}" type="presParOf" srcId="{F45BC47F-7A1B-4850-998F-1EA1E7980B5B}" destId="{9BB174B5-55E7-45CF-9F6D-837DD1D4987A}" srcOrd="2" destOrd="0" presId="urn:microsoft.com/office/officeart/2005/8/layout/hProcess4"/>
-    <dgm:cxn modelId="{F25DBB5F-3F22-4E1E-B989-FD890AAB50BB}" type="presParOf" srcId="{F45BC47F-7A1B-4850-998F-1EA1E7980B5B}" destId="{AB4285F8-1FED-4AE8-96D2-2343764808F4}" srcOrd="3" destOrd="0" presId="urn:microsoft.com/office/officeart/2005/8/layout/hProcess4"/>
-    <dgm:cxn modelId="{581F413A-BF93-48B1-AF04-73363D9399B3}" type="presParOf" srcId="{F45BC47F-7A1B-4850-998F-1EA1E7980B5B}" destId="{089F4C45-63F9-4F34-9290-EC0385412B43}" srcOrd="4" destOrd="0" presId="urn:microsoft.com/office/officeart/2005/8/layout/hProcess4"/>
-    <dgm:cxn modelId="{7CA2FE46-F080-49D8-96CB-E0BA9AD57770}" type="presParOf" srcId="{326BD2DC-67A0-4BC2-AE08-6EAFC6D134A7}" destId="{3596F136-9F9A-42A3-AAA4-EC15F13557C1}" srcOrd="1" destOrd="0" presId="urn:microsoft.com/office/officeart/2005/8/layout/hProcess4"/>
-    <dgm:cxn modelId="{D26C01EB-BB61-4F3C-A908-CA2F4F564172}" type="presParOf" srcId="{326BD2DC-67A0-4BC2-AE08-6EAFC6D134A7}" destId="{471A922E-5837-41FE-8DBF-58AA2A91A606}" srcOrd="2" destOrd="0" presId="urn:microsoft.com/office/officeart/2005/8/layout/hProcess4"/>
-    <dgm:cxn modelId="{1167786A-2A1A-4E50-9527-890E1A581729}" type="presParOf" srcId="{471A922E-5837-41FE-8DBF-58AA2A91A606}" destId="{49827E29-83BD-4D5D-A9BC-AAC15A28D7B1}" srcOrd="0" destOrd="0" presId="urn:microsoft.com/office/officeart/2005/8/layout/hProcess4"/>
-    <dgm:cxn modelId="{08D78081-106F-4745-9D55-E4645C5C49D4}" type="presParOf" srcId="{471A922E-5837-41FE-8DBF-58AA2A91A606}" destId="{7A92725C-D8DF-45AE-BD94-1D4296114181}" srcOrd="1" destOrd="0" presId="urn:microsoft.com/office/officeart/2005/8/layout/hProcess4"/>
-    <dgm:cxn modelId="{D6D79958-74C3-4D54-ADC7-F3D0E689D7A7}" type="presParOf" srcId="{471A922E-5837-41FE-8DBF-58AA2A91A606}" destId="{CF3B4BDF-3B78-411E-A3B5-1DB48FF34D14}" srcOrd="2" destOrd="0" presId="urn:microsoft.com/office/officeart/2005/8/layout/hProcess4"/>
-    <dgm:cxn modelId="{3F11226C-AA22-49C0-BD60-EC294059A991}" type="presParOf" srcId="{471A922E-5837-41FE-8DBF-58AA2A91A606}" destId="{0FE41569-B361-460C-B5E9-5AB17A593235}" srcOrd="3" destOrd="0" presId="urn:microsoft.com/office/officeart/2005/8/layout/hProcess4"/>
-    <dgm:cxn modelId="{54EB0297-E3AD-4574-9DCE-ACC6ECA0D847}" type="presParOf" srcId="{471A922E-5837-41FE-8DBF-58AA2A91A606}" destId="{C67FF6C8-9075-4FEE-9E91-35BDBB2A5DF8}" srcOrd="4" destOrd="0" presId="urn:microsoft.com/office/officeart/2005/8/layout/hProcess4"/>
-    <dgm:cxn modelId="{064393B4-8D8F-4CC4-A9A5-E27B64E03C73}" type="presParOf" srcId="{326BD2DC-67A0-4BC2-AE08-6EAFC6D134A7}" destId="{1A2FA48B-78E7-4721-AFD8-B2AE973E702E}" srcOrd="3" destOrd="0" presId="urn:microsoft.com/office/officeart/2005/8/layout/hProcess4"/>
-    <dgm:cxn modelId="{3FA666EB-4D3D-4DEF-9942-2AAD120CC285}" type="presParOf" srcId="{326BD2DC-67A0-4BC2-AE08-6EAFC6D134A7}" destId="{EB585203-1943-4EBC-BE61-E08967269D45}" srcOrd="4" destOrd="0" presId="urn:microsoft.com/office/officeart/2005/8/layout/hProcess4"/>
-    <dgm:cxn modelId="{F3D46D8D-53C5-44ED-8E80-7731B360945E}" type="presParOf" srcId="{EB585203-1943-4EBC-BE61-E08967269D45}" destId="{62461A88-ABC4-4A9E-BC0B-7732FAEA9B9A}" srcOrd="0" destOrd="0" presId="urn:microsoft.com/office/officeart/2005/8/layout/hProcess4"/>
-    <dgm:cxn modelId="{F235F227-29EF-434A-9E28-87C50DB63CFE}" type="presParOf" srcId="{EB585203-1943-4EBC-BE61-E08967269D45}" destId="{8103B998-7542-419E-BAFF-AF87BDE1FDDB}" srcOrd="1" destOrd="0" presId="urn:microsoft.com/office/officeart/2005/8/layout/hProcess4"/>
-    <dgm:cxn modelId="{A45F6E22-1233-4429-8D6B-29504B89BFDD}" type="presParOf" srcId="{EB585203-1943-4EBC-BE61-E08967269D45}" destId="{8038B86E-1E40-4126-B039-D0EE11FC67EE}" srcOrd="2" destOrd="0" presId="urn:microsoft.com/office/officeart/2005/8/layout/hProcess4"/>
-    <dgm:cxn modelId="{70D6AAF9-AB77-4E9E-9326-1856D9406764}" type="presParOf" srcId="{EB585203-1943-4EBC-BE61-E08967269D45}" destId="{BFA2C9D0-EDA8-46BE-8090-63D70F5C3D0D}" srcOrd="3" destOrd="0" presId="urn:microsoft.com/office/officeart/2005/8/layout/hProcess4"/>
-    <dgm:cxn modelId="{9ACFABB3-1E9C-4248-B62C-E5076A2F1E8E}" type="presParOf" srcId="{EB585203-1943-4EBC-BE61-E08967269D45}" destId="{E73CEA40-8FF5-499D-AAEA-1D0E2A6763B8}" srcOrd="4" destOrd="0" presId="urn:microsoft.com/office/officeart/2005/8/layout/hProcess4"/>
-    <dgm:cxn modelId="{2D56BC5E-EA3F-4E6B-9B70-27B99AFFC5A2}" type="presParOf" srcId="{326BD2DC-67A0-4BC2-AE08-6EAFC6D134A7}" destId="{D3BFA2D9-ACCC-40C4-9007-70FD9774FD51}" srcOrd="5" destOrd="0" presId="urn:microsoft.com/office/officeart/2005/8/layout/hProcess4"/>
-    <dgm:cxn modelId="{42F7EC91-0935-401B-8EBA-56454FBC9C00}" type="presParOf" srcId="{326BD2DC-67A0-4BC2-AE08-6EAFC6D134A7}" destId="{74476A94-EF06-45E9-BDFA-D391604B79F4}" srcOrd="6" destOrd="0" presId="urn:microsoft.com/office/officeart/2005/8/layout/hProcess4"/>
-    <dgm:cxn modelId="{394122DF-9780-4CA7-85F4-EB8A5B8E2908}" type="presParOf" srcId="{74476A94-EF06-45E9-BDFA-D391604B79F4}" destId="{F85EF496-4115-4DFE-8231-661C0C8825CA}" srcOrd="0" destOrd="0" presId="urn:microsoft.com/office/officeart/2005/8/layout/hProcess4"/>
-    <dgm:cxn modelId="{75EA1838-DEC0-4B92-9872-3C31D7DF5560}" type="presParOf" srcId="{74476A94-EF06-45E9-BDFA-D391604B79F4}" destId="{709FE0EB-6284-463A-AE3D-3943AF96E1F5}" srcOrd="1" destOrd="0" presId="urn:microsoft.com/office/officeart/2005/8/layout/hProcess4"/>
-    <dgm:cxn modelId="{40103163-03EB-4663-A252-61353B564000}" type="presParOf" srcId="{74476A94-EF06-45E9-BDFA-D391604B79F4}" destId="{5830C27B-2EA2-4854-9BC6-BD198C526FD0}" srcOrd="2" destOrd="0" presId="urn:microsoft.com/office/officeart/2005/8/layout/hProcess4"/>
-    <dgm:cxn modelId="{ACF93B66-772C-4D93-AA37-79F8B67C20E4}" type="presParOf" srcId="{74476A94-EF06-45E9-BDFA-D391604B79F4}" destId="{64C72429-576F-49F2-9F34-06F9CAEAB159}" srcOrd="3" destOrd="0" presId="urn:microsoft.com/office/officeart/2005/8/layout/hProcess4"/>
-    <dgm:cxn modelId="{A8F838AC-F8AD-449F-B765-447C2CBA9A34}" type="presParOf" srcId="{74476A94-EF06-45E9-BDFA-D391604B79F4}" destId="{8FFFE2D6-320C-4D6B-AC3E-44DFD074DF27}" srcOrd="4" destOrd="0" presId="urn:microsoft.com/office/officeart/2005/8/layout/hProcess4"/>
-    <dgm:cxn modelId="{A7E3BB1C-29DA-45EF-A594-FE88FDEAC4D6}" type="presParOf" srcId="{326BD2DC-67A0-4BC2-AE08-6EAFC6D134A7}" destId="{A620235A-8311-464E-944E-26FF0EA855B5}" srcOrd="7" destOrd="0" presId="urn:microsoft.com/office/officeart/2005/8/layout/hProcess4"/>
-    <dgm:cxn modelId="{619F12B0-31FE-4876-962A-B5B4438783E8}" type="presParOf" srcId="{326BD2DC-67A0-4BC2-AE08-6EAFC6D134A7}" destId="{3D1E7471-8FD7-436A-BAD3-15663B679352}" srcOrd="8" destOrd="0" presId="urn:microsoft.com/office/officeart/2005/8/layout/hProcess4"/>
-    <dgm:cxn modelId="{013CE57E-5951-42EE-9BF6-649917DB2CE7}" type="presParOf" srcId="{3D1E7471-8FD7-436A-BAD3-15663B679352}" destId="{4E7A83BF-F1A5-4A28-9532-9B746D3468BE}" srcOrd="0" destOrd="0" presId="urn:microsoft.com/office/officeart/2005/8/layout/hProcess4"/>
-    <dgm:cxn modelId="{1BF69AC9-6C0A-4160-82F0-5D306F3A5926}" type="presParOf" srcId="{3D1E7471-8FD7-436A-BAD3-15663B679352}" destId="{D9837A88-683C-4B66-9AB9-D5A72B071271}" srcOrd="1" destOrd="0" presId="urn:microsoft.com/office/officeart/2005/8/layout/hProcess4"/>
-    <dgm:cxn modelId="{4CB60985-0B9F-4B5D-A5F7-4F965FDC0117}" type="presParOf" srcId="{3D1E7471-8FD7-436A-BAD3-15663B679352}" destId="{16E8422B-D81B-432A-86C1-918787F6F4F0}" srcOrd="2" destOrd="0" presId="urn:microsoft.com/office/officeart/2005/8/layout/hProcess4"/>
-    <dgm:cxn modelId="{B82FCA18-FA4B-4A15-AA97-C1E23962DCA8}" type="presParOf" srcId="{3D1E7471-8FD7-436A-BAD3-15663B679352}" destId="{D0812395-5F2E-458F-B962-1A36CFCDF710}" srcOrd="3" destOrd="0" presId="urn:microsoft.com/office/officeart/2005/8/layout/hProcess4"/>
-    <dgm:cxn modelId="{0654818E-DDFA-43B3-84E2-2891BDCAB42F}" type="presParOf" srcId="{3D1E7471-8FD7-436A-BAD3-15663B679352}" destId="{0591F56A-7720-459E-9888-4F06D90D13E3}" srcOrd="4" destOrd="0" presId="urn:microsoft.com/office/officeart/2005/8/layout/hProcess4"/>
-  </dgm:cxnLst>
-  <dgm:bg/>
-  <dgm:whole/>
-  <dgm:extLst>
-    <a:ext uri="http://schemas.microsoft.com/office/drawing/2008/diagram">
-      <dsp:dataModelExt xmlns:dsp="http://schemas.microsoft.com/office/drawing/2008/diagram" relId="rId7" minVer="http://schemas.openxmlformats.org/drawingml/2006/diagram"/>
-    </a:ext>
-  </dgm:extLst>
-</dgm:dataModel>
-</file>
-
 <file path=ppt/diagrams/drawing1.xml><?xml version="1.0" encoding="utf-8"?>
 <dsp:drawing xmlns:dgm="http://schemas.openxmlformats.org/drawingml/2006/diagram" xmlns:dsp="http://schemas.microsoft.com/office/drawing/2008/diagram" xmlns:a="http://schemas.openxmlformats.org/drawingml/2006/main">
   <dsp:spTree>
@@ -6696,1480 +4244,6 @@
 </dsp:drawing>
 </file>
 
-<file path=ppt/diagrams/drawing3.xml><?xml version="1.0" encoding="utf-8"?>
-<dsp:drawing xmlns:dgm="http://schemas.openxmlformats.org/drawingml/2006/diagram" xmlns:dsp="http://schemas.microsoft.com/office/drawing/2008/diagram" xmlns:a="http://schemas.openxmlformats.org/drawingml/2006/main">
-  <dsp:spTree>
-    <dsp:nvGrpSpPr>
-      <dsp:cNvPr id="0" name=""/>
-      <dsp:cNvGrpSpPr/>
-    </dsp:nvGrpSpPr>
-    <dsp:grpSpPr/>
-    <dsp:sp modelId="{4287ED29-4218-42A9-AA08-FAB40B41B667}">
-      <dsp:nvSpPr>
-        <dsp:cNvPr id="0" name=""/>
-        <dsp:cNvSpPr/>
-      </dsp:nvSpPr>
-      <dsp:spPr>
-        <a:xfrm>
-          <a:off x="4781" y="2254670"/>
-          <a:ext cx="2308842" cy="1464777"/>
-        </a:xfrm>
-        <a:prstGeom prst="roundRect">
-          <a:avLst>
-            <a:gd name="adj" fmla="val 10000"/>
-          </a:avLst>
-        </a:prstGeom>
-        <a:solidFill>
-          <a:schemeClr val="lt1">
-            <a:alpha val="90000"/>
-            <a:hueOff val="0"/>
-            <a:satOff val="0"/>
-            <a:lumOff val="0"/>
-            <a:alphaOff val="0"/>
-          </a:schemeClr>
-        </a:solidFill>
-        <a:ln w="15875" cap="flat" cmpd="sng" algn="ctr">
-          <a:solidFill>
-            <a:schemeClr val="accent1">
-              <a:hueOff val="0"/>
-              <a:satOff val="0"/>
-              <a:lumOff val="0"/>
-              <a:alphaOff val="0"/>
-            </a:schemeClr>
-          </a:solidFill>
-          <a:prstDash val="solid"/>
-        </a:ln>
-        <a:effectLst/>
-      </dsp:spPr>
-      <dsp:style>
-        <a:lnRef idx="2">
-          <a:scrgbClr r="0" g="0" b="0"/>
-        </a:lnRef>
-        <a:fillRef idx="1">
-          <a:scrgbClr r="0" g="0" b="0"/>
-        </a:fillRef>
-        <a:effectRef idx="0">
-          <a:scrgbClr r="0" g="0" b="0"/>
-        </a:effectRef>
-        <a:fontRef idx="minor"/>
-      </dsp:style>
-      <dsp:txBody>
-        <a:bodyPr spcFirstLastPara="0" vert="horz" wrap="square" lIns="36000" tIns="72000" rIns="36000" bIns="36000" numCol="1" spcCol="1270" anchor="t" anchorCtr="0">
-          <a:noAutofit/>
-        </a:bodyPr>
-        <a:lstStyle/>
-        <a:p>
-          <a:pPr marL="57150" lvl="1" indent="-57150" algn="l" defTabSz="444500">
-            <a:lnSpc>
-              <a:spcPct val="90000"/>
-            </a:lnSpc>
-            <a:spcBef>
-              <a:spcPct val="0"/>
-            </a:spcBef>
-            <a:spcAft>
-              <a:spcPct val="15000"/>
-            </a:spcAft>
-            <a:buFont typeface="+mj-lt"/>
-            <a:buAutoNum type="arabicPeriod"/>
-          </a:pPr>
-          <a:r>
-            <a:rPr lang="en-CA" sz="1000" kern="1200" dirty="0"/>
-            <a:t>Install Java, Spark, and </a:t>
-          </a:r>
-          <a:r>
-            <a:rPr lang="en-CA" sz="1000" kern="1200" dirty="0" err="1"/>
-            <a:t>Findspark</a:t>
-          </a:r>
-          <a:r>
-            <a:rPr lang="en-CA" sz="1000" kern="1200" dirty="0"/>
-            <a:t>.</a:t>
-          </a:r>
-        </a:p>
-        <a:p>
-          <a:pPr marL="57150" lvl="1" indent="-57150" algn="l" defTabSz="444500">
-            <a:lnSpc>
-              <a:spcPct val="90000"/>
-            </a:lnSpc>
-            <a:spcBef>
-              <a:spcPct val="0"/>
-            </a:spcBef>
-            <a:spcAft>
-              <a:spcPct val="15000"/>
-            </a:spcAft>
-            <a:buFont typeface="+mj-lt"/>
-            <a:buAutoNum type="arabicPeriod"/>
-          </a:pPr>
-          <a:r>
-            <a:rPr lang="en-CA" sz="1000" kern="1200" dirty="0"/>
-            <a:t>Set environment variables.</a:t>
-          </a:r>
-        </a:p>
-        <a:p>
-          <a:pPr marL="57150" lvl="1" indent="-57150" algn="l" defTabSz="444500">
-            <a:lnSpc>
-              <a:spcPct val="90000"/>
-            </a:lnSpc>
-            <a:spcBef>
-              <a:spcPct val="0"/>
-            </a:spcBef>
-            <a:spcAft>
-              <a:spcPct val="15000"/>
-            </a:spcAft>
-            <a:buFont typeface="+mj-lt"/>
-            <a:buAutoNum type="arabicPeriod"/>
-          </a:pPr>
-          <a:r>
-            <a:rPr lang="en-CA" sz="1000" kern="1200"/>
-            <a:t>Start a SparkSession.</a:t>
-          </a:r>
-          <a:endParaRPr lang="en-CA" sz="1000" kern="1200" dirty="0"/>
-        </a:p>
-        <a:p>
-          <a:pPr marL="57150" lvl="1" indent="-57150" algn="l" defTabSz="444500">
-            <a:lnSpc>
-              <a:spcPct val="90000"/>
-            </a:lnSpc>
-            <a:spcBef>
-              <a:spcPct val="0"/>
-            </a:spcBef>
-            <a:spcAft>
-              <a:spcPct val="15000"/>
-            </a:spcAft>
-            <a:buFont typeface="+mj-lt"/>
-            <a:buAutoNum type="arabicPeriod"/>
-          </a:pPr>
-          <a:r>
-            <a:rPr lang="en-CA" sz="1000" kern="1200" dirty="0"/>
-            <a:t>Interact with SQL.</a:t>
-          </a:r>
-        </a:p>
-        <a:p>
-          <a:pPr marL="57150" lvl="1" indent="-57150" algn="l" defTabSz="444500">
-            <a:lnSpc>
-              <a:spcPct val="90000"/>
-            </a:lnSpc>
-            <a:spcBef>
-              <a:spcPct val="0"/>
-            </a:spcBef>
-            <a:spcAft>
-              <a:spcPct val="15000"/>
-            </a:spcAft>
-            <a:buFont typeface="+mj-lt"/>
-            <a:buAutoNum type="arabicPeriod"/>
-          </a:pPr>
-          <a:r>
-            <a:rPr lang="en-CA" sz="1000" kern="1200"/>
-            <a:t>Create Spark application.</a:t>
-          </a:r>
-          <a:endParaRPr lang="en-CA" sz="1000" kern="1200" dirty="0"/>
-        </a:p>
-        <a:p>
-          <a:pPr marL="57150" lvl="1" indent="-57150" algn="l" defTabSz="444500">
-            <a:lnSpc>
-              <a:spcPct val="90000"/>
-            </a:lnSpc>
-            <a:spcBef>
-              <a:spcPct val="0"/>
-            </a:spcBef>
-            <a:spcAft>
-              <a:spcPct val="15000"/>
-            </a:spcAft>
-            <a:buFont typeface="+mj-lt"/>
-            <a:buAutoNum type="arabicPeriod"/>
-          </a:pPr>
-          <a:r>
-            <a:rPr lang="en-US" sz="1000" kern="1200"/>
-            <a:t>Login to gcloud and check the DB.</a:t>
-          </a:r>
-          <a:endParaRPr lang="en-CA" sz="1000" kern="1200" dirty="0"/>
-        </a:p>
-        <a:p>
-          <a:pPr marL="57150" lvl="1" indent="-57150" algn="l" defTabSz="444500">
-            <a:lnSpc>
-              <a:spcPct val="90000"/>
-            </a:lnSpc>
-            <a:spcBef>
-              <a:spcPct val="0"/>
-            </a:spcBef>
-            <a:spcAft>
-              <a:spcPct val="15000"/>
-            </a:spcAft>
-            <a:buFont typeface="+mj-lt"/>
-            <a:buAutoNum type="arabicPeriod"/>
-          </a:pPr>
-          <a:r>
-            <a:rPr lang="en-US" sz="1000" kern="1200"/>
-            <a:t>Download and initialize the SQL proxy.</a:t>
-          </a:r>
-          <a:endParaRPr lang="en-CA" sz="1000" kern="1200" dirty="0"/>
-        </a:p>
-        <a:p>
-          <a:pPr marL="57150" lvl="1" indent="-57150" algn="l" defTabSz="444500">
-            <a:lnSpc>
-              <a:spcPct val="90000"/>
-            </a:lnSpc>
-            <a:spcBef>
-              <a:spcPct val="0"/>
-            </a:spcBef>
-            <a:spcAft>
-              <a:spcPct val="15000"/>
-            </a:spcAft>
-            <a:buFont typeface="+mj-lt"/>
-            <a:buAutoNum type="arabicPeriod"/>
-          </a:pPr>
-          <a:r>
-            <a:rPr lang="en-CA" sz="1000" kern="1200" dirty="0"/>
-            <a:t>Configure settings for RDS.</a:t>
-          </a:r>
-        </a:p>
-      </dsp:txBody>
-      <dsp:txXfrm>
-        <a:off x="38490" y="2288379"/>
-        <a:ext cx="2241424" cy="1083478"/>
-      </dsp:txXfrm>
-    </dsp:sp>
-    <dsp:sp modelId="{3596F136-9F9A-42A3-AAA4-EC15F13557C1}">
-      <dsp:nvSpPr>
-        <dsp:cNvPr id="0" name=""/>
-        <dsp:cNvSpPr/>
-      </dsp:nvSpPr>
-      <dsp:spPr>
-        <a:xfrm>
-          <a:off x="1633959" y="2953304"/>
-          <a:ext cx="1447572" cy="1447572"/>
-        </a:xfrm>
-        <a:prstGeom prst="leftCircularArrow">
-          <a:avLst>
-            <a:gd name="adj1" fmla="val 3935"/>
-            <a:gd name="adj2" fmla="val 493381"/>
-            <a:gd name="adj3" fmla="val 1563756"/>
-            <a:gd name="adj4" fmla="val 8319354"/>
-            <a:gd name="adj5" fmla="val 4591"/>
-          </a:avLst>
-        </a:prstGeom>
-        <a:solidFill>
-          <a:schemeClr val="accent1">
-            <a:tint val="60000"/>
-            <a:hueOff val="0"/>
-            <a:satOff val="0"/>
-            <a:lumOff val="0"/>
-            <a:alphaOff val="0"/>
-          </a:schemeClr>
-        </a:solidFill>
-        <a:ln>
-          <a:noFill/>
-        </a:ln>
-        <a:effectLst/>
-      </dsp:spPr>
-      <dsp:style>
-        <a:lnRef idx="0">
-          <a:scrgbClr r="0" g="0" b="0"/>
-        </a:lnRef>
-        <a:fillRef idx="1">
-          <a:scrgbClr r="0" g="0" b="0"/>
-        </a:fillRef>
-        <a:effectRef idx="0">
-          <a:scrgbClr r="0" g="0" b="0"/>
-        </a:effectRef>
-        <a:fontRef idx="minor">
-          <a:schemeClr val="lt1"/>
-        </a:fontRef>
-      </dsp:style>
-    </dsp:sp>
-    <dsp:sp modelId="{AB4285F8-1FED-4AE8-96D2-2343764808F4}">
-      <dsp:nvSpPr>
-        <dsp:cNvPr id="0" name=""/>
-        <dsp:cNvSpPr/>
-      </dsp:nvSpPr>
-      <dsp:spPr>
-        <a:xfrm>
-          <a:off x="1167037" y="3577281"/>
-          <a:ext cx="1350822" cy="537177"/>
-        </a:xfrm>
-        <a:prstGeom prst="roundRect">
-          <a:avLst>
-            <a:gd name="adj" fmla="val 10000"/>
-          </a:avLst>
-        </a:prstGeom>
-        <a:solidFill>
-          <a:schemeClr val="accent1">
-            <a:hueOff val="0"/>
-            <a:satOff val="0"/>
-            <a:lumOff val="0"/>
-            <a:alphaOff val="0"/>
-          </a:schemeClr>
-        </a:solidFill>
-        <a:ln w="15875" cap="flat" cmpd="sng" algn="ctr">
-          <a:solidFill>
-            <a:schemeClr val="lt1">
-              <a:hueOff val="0"/>
-              <a:satOff val="0"/>
-              <a:lumOff val="0"/>
-              <a:alphaOff val="0"/>
-            </a:schemeClr>
-          </a:solidFill>
-          <a:prstDash val="solid"/>
-        </a:ln>
-        <a:effectLst/>
-      </dsp:spPr>
-      <dsp:style>
-        <a:lnRef idx="2">
-          <a:scrgbClr r="0" g="0" b="0"/>
-        </a:lnRef>
-        <a:fillRef idx="1">
-          <a:scrgbClr r="0" g="0" b="0"/>
-        </a:fillRef>
-        <a:effectRef idx="0">
-          <a:scrgbClr r="0" g="0" b="0"/>
-        </a:effectRef>
-        <a:fontRef idx="minor">
-          <a:schemeClr val="lt1"/>
-        </a:fontRef>
-      </dsp:style>
-      <dsp:txBody>
-        <a:bodyPr spcFirstLastPara="0" vert="horz" wrap="square" lIns="26670" tIns="17780" rIns="26670" bIns="17780" numCol="1" spcCol="1270" anchor="ctr" anchorCtr="0">
-          <a:noAutofit/>
-        </a:bodyPr>
-        <a:lstStyle/>
-        <a:p>
-          <a:pPr marL="0" lvl="0" indent="0" algn="ctr" defTabSz="622300">
-            <a:lnSpc>
-              <a:spcPct val="90000"/>
-            </a:lnSpc>
-            <a:spcBef>
-              <a:spcPct val="0"/>
-            </a:spcBef>
-            <a:spcAft>
-              <a:spcPct val="35000"/>
-            </a:spcAft>
-            <a:buNone/>
-          </a:pPr>
-          <a:r>
-            <a:rPr lang="en-CA" sz="1400" b="1" kern="1200" dirty="0"/>
-            <a:t>Connect to Database</a:t>
-          </a:r>
-        </a:p>
-      </dsp:txBody>
-      <dsp:txXfrm>
-        <a:off x="1182770" y="3593014"/>
-        <a:ext cx="1319356" cy="505711"/>
-      </dsp:txXfrm>
-    </dsp:sp>
-    <dsp:sp modelId="{7A92725C-D8DF-45AE-BD94-1D4296114181}">
-      <dsp:nvSpPr>
-        <dsp:cNvPr id="0" name=""/>
-        <dsp:cNvSpPr/>
-      </dsp:nvSpPr>
-      <dsp:spPr>
-        <a:xfrm>
-          <a:off x="2527631" y="2251044"/>
-          <a:ext cx="1542759" cy="1464176"/>
-        </a:xfrm>
-        <a:prstGeom prst="roundRect">
-          <a:avLst>
-            <a:gd name="adj" fmla="val 10000"/>
-          </a:avLst>
-        </a:prstGeom>
-        <a:solidFill>
-          <a:schemeClr val="lt1">
-            <a:alpha val="90000"/>
-            <a:hueOff val="0"/>
-            <a:satOff val="0"/>
-            <a:lumOff val="0"/>
-            <a:alphaOff val="0"/>
-          </a:schemeClr>
-        </a:solidFill>
-        <a:ln w="15875" cap="flat" cmpd="sng" algn="ctr">
-          <a:solidFill>
-            <a:schemeClr val="accent1">
-              <a:hueOff val="0"/>
-              <a:satOff val="0"/>
-              <a:lumOff val="0"/>
-              <a:alphaOff val="0"/>
-            </a:schemeClr>
-          </a:solidFill>
-          <a:prstDash val="solid"/>
-        </a:ln>
-        <a:effectLst/>
-      </dsp:spPr>
-      <dsp:style>
-        <a:lnRef idx="2">
-          <a:scrgbClr r="0" g="0" b="0"/>
-        </a:lnRef>
-        <a:fillRef idx="1">
-          <a:scrgbClr r="0" g="0" b="0"/>
-        </a:fillRef>
-        <a:effectRef idx="0">
-          <a:scrgbClr r="0" g="0" b="0"/>
-        </a:effectRef>
-        <a:fontRef idx="minor"/>
-      </dsp:style>
-      <dsp:txBody>
-        <a:bodyPr spcFirstLastPara="0" vert="horz" wrap="square" lIns="36000" tIns="36000" rIns="36000" bIns="36000" numCol="1" spcCol="1270" anchor="t" anchorCtr="0">
-          <a:noAutofit/>
-        </a:bodyPr>
-        <a:lstStyle/>
-        <a:p>
-          <a:pPr marL="57150" lvl="1" indent="-57150" algn="l" defTabSz="444500">
-            <a:lnSpc>
-              <a:spcPct val="90000"/>
-            </a:lnSpc>
-            <a:spcBef>
-              <a:spcPct val="0"/>
-            </a:spcBef>
-            <a:spcAft>
-              <a:spcPct val="15000"/>
-            </a:spcAft>
-            <a:buFont typeface="+mj-lt"/>
-            <a:buAutoNum type="arabicPeriod"/>
-          </a:pPr>
-          <a:r>
-            <a:rPr lang="en-CA" sz="1000" i="0" kern="1200" dirty="0"/>
-            <a:t>Read data from DB.</a:t>
-          </a:r>
-          <a:endParaRPr lang="en-CA" sz="1000" kern="1200" dirty="0"/>
-        </a:p>
-        <a:p>
-          <a:pPr marL="57150" lvl="1" indent="-57150" algn="l" defTabSz="444500">
-            <a:lnSpc>
-              <a:spcPct val="90000"/>
-            </a:lnSpc>
-            <a:spcBef>
-              <a:spcPct val="0"/>
-            </a:spcBef>
-            <a:spcAft>
-              <a:spcPct val="15000"/>
-            </a:spcAft>
-            <a:buFont typeface="+mj-lt"/>
-            <a:buAutoNum type="arabicPeriod"/>
-          </a:pPr>
-          <a:r>
-            <a:rPr lang="en-CA" sz="1000" kern="1200" dirty="0"/>
-            <a:t>Pull tables from DB.</a:t>
-          </a:r>
-        </a:p>
-        <a:p>
-          <a:pPr marL="57150" lvl="1" indent="-57150" algn="l" defTabSz="444500">
-            <a:lnSpc>
-              <a:spcPct val="90000"/>
-            </a:lnSpc>
-            <a:spcBef>
-              <a:spcPct val="0"/>
-            </a:spcBef>
-            <a:spcAft>
-              <a:spcPct val="15000"/>
-            </a:spcAft>
-            <a:buFont typeface="+mj-lt"/>
-            <a:buAutoNum type="arabicPeriod"/>
-          </a:pPr>
-          <a:r>
-            <a:rPr lang="en-CA" sz="1000" kern="1200" dirty="0"/>
-            <a:t>Join tables into </a:t>
-          </a:r>
-          <a:r>
-            <a:rPr lang="en-CA" sz="1000" kern="1200" dirty="0" err="1"/>
-            <a:t>PySpark</a:t>
-          </a:r>
-          <a:r>
-            <a:rPr lang="en-CA" sz="1000" kern="1200" dirty="0"/>
-            <a:t> </a:t>
-          </a:r>
-          <a:r>
-            <a:rPr lang="en-CA" sz="1000" kern="1200" dirty="0" err="1"/>
-            <a:t>DataFrame</a:t>
-          </a:r>
-          <a:r>
-            <a:rPr lang="en-CA" sz="1000" kern="1200" dirty="0"/>
-            <a:t>.</a:t>
-          </a:r>
-        </a:p>
-        <a:p>
-          <a:pPr marL="57150" lvl="1" indent="-57150" algn="l" defTabSz="444500">
-            <a:lnSpc>
-              <a:spcPct val="90000"/>
-            </a:lnSpc>
-            <a:spcBef>
-              <a:spcPct val="0"/>
-            </a:spcBef>
-            <a:spcAft>
-              <a:spcPct val="15000"/>
-            </a:spcAft>
-            <a:buFont typeface="+mj-lt"/>
-            <a:buAutoNum type="arabicPeriod"/>
-          </a:pPr>
-          <a:r>
-            <a:rPr lang="en-CA" sz="1000" kern="1200" dirty="0"/>
-            <a:t>Convert to Pandas </a:t>
-          </a:r>
-          <a:r>
-            <a:rPr lang="en-CA" sz="1000" kern="1200" dirty="0" err="1"/>
-            <a:t>DataFrame</a:t>
-          </a:r>
-          <a:r>
-            <a:rPr lang="en-CA" sz="1000" kern="1200" dirty="0"/>
-            <a:t>.</a:t>
-          </a:r>
-        </a:p>
-      </dsp:txBody>
-      <dsp:txXfrm>
-        <a:off x="2561326" y="2598491"/>
-        <a:ext cx="1475369" cy="1083034"/>
-      </dsp:txXfrm>
-    </dsp:sp>
-    <dsp:sp modelId="{1A2FA48B-78E7-4721-AFD8-B2AE973E702E}">
-      <dsp:nvSpPr>
-        <dsp:cNvPr id="0" name=""/>
-        <dsp:cNvSpPr/>
-      </dsp:nvSpPr>
-      <dsp:spPr>
-        <a:xfrm>
-          <a:off x="3461571" y="1523990"/>
-          <a:ext cx="1866842" cy="1866842"/>
-        </a:xfrm>
-        <a:prstGeom prst="circularArrow">
-          <a:avLst>
-            <a:gd name="adj1" fmla="val 3051"/>
-            <a:gd name="adj2" fmla="val 374593"/>
-            <a:gd name="adj3" fmla="val 19691199"/>
-            <a:gd name="adj4" fmla="val 12816814"/>
-            <a:gd name="adj5" fmla="val 3560"/>
-          </a:avLst>
-        </a:prstGeom>
-        <a:solidFill>
-          <a:schemeClr val="accent1">
-            <a:tint val="60000"/>
-            <a:hueOff val="0"/>
-            <a:satOff val="0"/>
-            <a:lumOff val="0"/>
-            <a:alphaOff val="0"/>
-          </a:schemeClr>
-        </a:solidFill>
-        <a:ln>
-          <a:noFill/>
-        </a:ln>
-        <a:effectLst/>
-      </dsp:spPr>
-      <dsp:style>
-        <a:lnRef idx="0">
-          <a:scrgbClr r="0" g="0" b="0"/>
-        </a:lnRef>
-        <a:fillRef idx="1">
-          <a:scrgbClr r="0" g="0" b="0"/>
-        </a:fillRef>
-        <a:effectRef idx="0">
-          <a:scrgbClr r="0" g="0" b="0"/>
-        </a:effectRef>
-        <a:fontRef idx="minor">
-          <a:schemeClr val="lt1"/>
-        </a:fontRef>
-      </dsp:style>
-    </dsp:sp>
-    <dsp:sp modelId="{0FE41569-B361-460C-B5E9-5AB17A593235}">
-      <dsp:nvSpPr>
-        <dsp:cNvPr id="0" name=""/>
-        <dsp:cNvSpPr/>
-      </dsp:nvSpPr>
-      <dsp:spPr>
-        <a:xfrm>
-          <a:off x="2993628" y="1974842"/>
-          <a:ext cx="1350822" cy="537177"/>
-        </a:xfrm>
-        <a:prstGeom prst="roundRect">
-          <a:avLst>
-            <a:gd name="adj" fmla="val 10000"/>
-          </a:avLst>
-        </a:prstGeom>
-        <a:solidFill>
-          <a:schemeClr val="accent1">
-            <a:hueOff val="0"/>
-            <a:satOff val="0"/>
-            <a:lumOff val="0"/>
-            <a:alphaOff val="0"/>
-          </a:schemeClr>
-        </a:solidFill>
-        <a:ln w="15875" cap="flat" cmpd="sng" algn="ctr">
-          <a:solidFill>
-            <a:schemeClr val="lt1">
-              <a:hueOff val="0"/>
-              <a:satOff val="0"/>
-              <a:lumOff val="0"/>
-              <a:alphaOff val="0"/>
-            </a:schemeClr>
-          </a:solidFill>
-          <a:prstDash val="solid"/>
-        </a:ln>
-        <a:effectLst/>
-      </dsp:spPr>
-      <dsp:style>
-        <a:lnRef idx="2">
-          <a:scrgbClr r="0" g="0" b="0"/>
-        </a:lnRef>
-        <a:fillRef idx="1">
-          <a:scrgbClr r="0" g="0" b="0"/>
-        </a:fillRef>
-        <a:effectRef idx="0">
-          <a:scrgbClr r="0" g="0" b="0"/>
-        </a:effectRef>
-        <a:fontRef idx="minor">
-          <a:schemeClr val="lt1"/>
-        </a:fontRef>
-      </dsp:style>
-      <dsp:txBody>
-        <a:bodyPr spcFirstLastPara="0" vert="horz" wrap="square" lIns="26670" tIns="17780" rIns="26670" bIns="17780" numCol="1" spcCol="1270" anchor="ctr" anchorCtr="0">
-          <a:noAutofit/>
-        </a:bodyPr>
-        <a:lstStyle/>
-        <a:p>
-          <a:pPr marL="0" lvl="0" indent="0" algn="ctr" defTabSz="622300">
-            <a:lnSpc>
-              <a:spcPct val="90000"/>
-            </a:lnSpc>
-            <a:spcBef>
-              <a:spcPct val="0"/>
-            </a:spcBef>
-            <a:spcAft>
-              <a:spcPct val="35000"/>
-            </a:spcAft>
-            <a:buNone/>
-          </a:pPr>
-          <a:r>
-            <a:rPr lang="en-CA" sz="1400" b="1" i="0" kern="1200" dirty="0"/>
-            <a:t>Extract Tables</a:t>
-          </a:r>
-          <a:endParaRPr lang="en-CA" sz="1400" kern="1200" dirty="0"/>
-        </a:p>
-      </dsp:txBody>
-      <dsp:txXfrm>
-        <a:off x="3009361" y="1990575"/>
-        <a:ext cx="1319356" cy="505711"/>
-      </dsp:txXfrm>
-    </dsp:sp>
-    <dsp:sp modelId="{8103B998-7542-419E-BAFF-AF87BDE1FDDB}">
-      <dsp:nvSpPr>
-        <dsp:cNvPr id="0" name=""/>
-        <dsp:cNvSpPr/>
-      </dsp:nvSpPr>
-      <dsp:spPr>
-        <a:xfrm>
-          <a:off x="4356758" y="2245881"/>
-          <a:ext cx="1969955" cy="1464176"/>
-        </a:xfrm>
-        <a:prstGeom prst="roundRect">
-          <a:avLst>
-            <a:gd name="adj" fmla="val 10000"/>
-          </a:avLst>
-        </a:prstGeom>
-        <a:solidFill>
-          <a:schemeClr val="lt1">
-            <a:alpha val="90000"/>
-            <a:hueOff val="0"/>
-            <a:satOff val="0"/>
-            <a:lumOff val="0"/>
-            <a:alphaOff val="0"/>
-          </a:schemeClr>
-        </a:solidFill>
-        <a:ln w="15875" cap="flat" cmpd="sng" algn="ctr">
-          <a:solidFill>
-            <a:schemeClr val="accent1">
-              <a:hueOff val="0"/>
-              <a:satOff val="0"/>
-              <a:lumOff val="0"/>
-              <a:alphaOff val="0"/>
-            </a:schemeClr>
-          </a:solidFill>
-          <a:prstDash val="solid"/>
-        </a:ln>
-        <a:effectLst/>
-      </dsp:spPr>
-      <dsp:style>
-        <a:lnRef idx="2">
-          <a:scrgbClr r="0" g="0" b="0"/>
-        </a:lnRef>
-        <a:fillRef idx="1">
-          <a:scrgbClr r="0" g="0" b="0"/>
-        </a:fillRef>
-        <a:effectRef idx="0">
-          <a:scrgbClr r="0" g="0" b="0"/>
-        </a:effectRef>
-        <a:fontRef idx="minor"/>
-      </dsp:style>
-      <dsp:txBody>
-        <a:bodyPr spcFirstLastPara="0" vert="horz" wrap="square" lIns="36000" tIns="36000" rIns="36000" bIns="36000" numCol="1" spcCol="1270" anchor="t" anchorCtr="0">
-          <a:noAutofit/>
-        </a:bodyPr>
-        <a:lstStyle/>
-        <a:p>
-          <a:pPr marL="57150" lvl="1" indent="-57150" algn="l" defTabSz="444500">
-            <a:lnSpc>
-              <a:spcPct val="90000"/>
-            </a:lnSpc>
-            <a:spcBef>
-              <a:spcPct val="0"/>
-            </a:spcBef>
-            <a:spcAft>
-              <a:spcPct val="15000"/>
-            </a:spcAft>
-            <a:buFont typeface="+mj-lt"/>
-            <a:buAutoNum type="arabicPeriod"/>
-          </a:pPr>
-          <a:r>
-            <a:rPr lang="en-CA" sz="1000" kern="1200" dirty="0"/>
-            <a:t>Categorize into binary categories (binary) / Drop rows with 2 and 4 stars (3-category) / Keep all rows (5-category).</a:t>
-          </a:r>
-        </a:p>
-        <a:p>
-          <a:pPr marL="57150" lvl="1" indent="-57150" algn="l" defTabSz="444500">
-            <a:lnSpc>
-              <a:spcPct val="90000"/>
-            </a:lnSpc>
-            <a:spcBef>
-              <a:spcPct val="0"/>
-            </a:spcBef>
-            <a:spcAft>
-              <a:spcPct val="15000"/>
-            </a:spcAft>
-            <a:buFont typeface="+mj-lt"/>
-            <a:buAutoNum type="arabicPeriod"/>
-          </a:pPr>
-          <a:r>
-            <a:rPr lang="en-CA" sz="1000" kern="1200" dirty="0"/>
-            <a:t>Remove punctuation.</a:t>
-          </a:r>
-        </a:p>
-        <a:p>
-          <a:pPr marL="57150" lvl="1" indent="-57150" algn="l" defTabSz="444500">
-            <a:lnSpc>
-              <a:spcPct val="90000"/>
-            </a:lnSpc>
-            <a:spcBef>
-              <a:spcPct val="0"/>
-            </a:spcBef>
-            <a:spcAft>
-              <a:spcPct val="15000"/>
-            </a:spcAft>
-            <a:buFont typeface="+mj-lt"/>
-            <a:buAutoNum type="arabicPeriod"/>
-          </a:pPr>
-          <a:r>
-            <a:rPr lang="en-CA" sz="1000" kern="1200" dirty="0"/>
-            <a:t>Tokenize words.</a:t>
-          </a:r>
-        </a:p>
-        <a:p>
-          <a:pPr marL="57150" lvl="1" indent="-57150" algn="l" defTabSz="444500">
-            <a:lnSpc>
-              <a:spcPct val="90000"/>
-            </a:lnSpc>
-            <a:spcBef>
-              <a:spcPct val="0"/>
-            </a:spcBef>
-            <a:spcAft>
-              <a:spcPct val="15000"/>
-            </a:spcAft>
-            <a:buFont typeface="+mj-lt"/>
-            <a:buAutoNum type="arabicPeriod"/>
-          </a:pPr>
-          <a:r>
-            <a:rPr lang="en-CA" sz="1000" kern="1200" dirty="0"/>
-            <a:t>Remove </a:t>
-          </a:r>
-          <a:r>
-            <a:rPr lang="en-CA" sz="1000" kern="1200" dirty="0" err="1"/>
-            <a:t>stopwords</a:t>
-          </a:r>
-          <a:r>
-            <a:rPr lang="en-CA" sz="1000" kern="1200" dirty="0"/>
-            <a:t>.</a:t>
-          </a:r>
-        </a:p>
-        <a:p>
-          <a:pPr marL="57150" lvl="1" indent="-57150" algn="l" defTabSz="444500">
-            <a:lnSpc>
-              <a:spcPct val="90000"/>
-            </a:lnSpc>
-            <a:spcBef>
-              <a:spcPct val="0"/>
-            </a:spcBef>
-            <a:spcAft>
-              <a:spcPct val="15000"/>
-            </a:spcAft>
-            <a:buFont typeface="+mj-lt"/>
-            <a:buAutoNum type="arabicPeriod"/>
-          </a:pPr>
-          <a:r>
-            <a:rPr lang="en-CA" sz="1000" kern="1200" dirty="0"/>
-            <a:t>Stem remaining words.</a:t>
-          </a:r>
-        </a:p>
-      </dsp:txBody>
-      <dsp:txXfrm>
-        <a:off x="4390453" y="2279576"/>
-        <a:ext cx="1902565" cy="1083034"/>
-      </dsp:txXfrm>
-    </dsp:sp>
-    <dsp:sp modelId="{D3BFA2D9-ACCC-40C4-9007-70FD9774FD51}">
-      <dsp:nvSpPr>
-        <dsp:cNvPr id="0" name=""/>
-        <dsp:cNvSpPr/>
-      </dsp:nvSpPr>
-      <dsp:spPr>
-        <a:xfrm>
-          <a:off x="5696537" y="2697310"/>
-          <a:ext cx="1725035" cy="1725035"/>
-        </a:xfrm>
-        <a:prstGeom prst="leftCircularArrow">
-          <a:avLst>
-            <a:gd name="adj1" fmla="val 3302"/>
-            <a:gd name="adj2" fmla="val 407797"/>
-            <a:gd name="adj3" fmla="val 1818771"/>
-            <a:gd name="adj4" fmla="val 8659953"/>
-            <a:gd name="adj5" fmla="val 3853"/>
-          </a:avLst>
-        </a:prstGeom>
-        <a:solidFill>
-          <a:schemeClr val="accent1">
-            <a:tint val="60000"/>
-            <a:hueOff val="0"/>
-            <a:satOff val="0"/>
-            <a:lumOff val="0"/>
-            <a:alphaOff val="0"/>
-          </a:schemeClr>
-        </a:solidFill>
-        <a:ln>
-          <a:noFill/>
-        </a:ln>
-        <a:effectLst/>
-      </dsp:spPr>
-      <dsp:style>
-        <a:lnRef idx="0">
-          <a:scrgbClr r="0" g="0" b="0"/>
-        </a:lnRef>
-        <a:fillRef idx="1">
-          <a:scrgbClr r="0" g="0" b="0"/>
-        </a:fillRef>
-        <a:effectRef idx="0">
-          <a:scrgbClr r="0" g="0" b="0"/>
-        </a:effectRef>
-        <a:fontRef idx="minor">
-          <a:schemeClr val="lt1"/>
-        </a:fontRef>
-      </dsp:style>
-    </dsp:sp>
-    <dsp:sp modelId="{BFA2C9D0-EDA8-46BE-8090-63D70F5C3D0D}">
-      <dsp:nvSpPr>
-        <dsp:cNvPr id="0" name=""/>
-        <dsp:cNvSpPr/>
-      </dsp:nvSpPr>
-      <dsp:spPr>
-        <a:xfrm>
-          <a:off x="5233056" y="3489584"/>
-          <a:ext cx="1350822" cy="537177"/>
-        </a:xfrm>
-        <a:prstGeom prst="roundRect">
-          <a:avLst>
-            <a:gd name="adj" fmla="val 10000"/>
-          </a:avLst>
-        </a:prstGeom>
-        <a:solidFill>
-          <a:schemeClr val="accent1">
-            <a:hueOff val="0"/>
-            <a:satOff val="0"/>
-            <a:lumOff val="0"/>
-            <a:alphaOff val="0"/>
-          </a:schemeClr>
-        </a:solidFill>
-        <a:ln w="15875" cap="flat" cmpd="sng" algn="ctr">
-          <a:solidFill>
-            <a:schemeClr val="lt1">
-              <a:hueOff val="0"/>
-              <a:satOff val="0"/>
-              <a:lumOff val="0"/>
-              <a:alphaOff val="0"/>
-            </a:schemeClr>
-          </a:solidFill>
-          <a:prstDash val="solid"/>
-        </a:ln>
-        <a:effectLst/>
-      </dsp:spPr>
-      <dsp:style>
-        <a:lnRef idx="2">
-          <a:scrgbClr r="0" g="0" b="0"/>
-        </a:lnRef>
-        <a:fillRef idx="1">
-          <a:scrgbClr r="0" g="0" b="0"/>
-        </a:fillRef>
-        <a:effectRef idx="0">
-          <a:scrgbClr r="0" g="0" b="0"/>
-        </a:effectRef>
-        <a:fontRef idx="minor">
-          <a:schemeClr val="lt1"/>
-        </a:fontRef>
-      </dsp:style>
-      <dsp:txBody>
-        <a:bodyPr spcFirstLastPara="0" vert="horz" wrap="square" lIns="26670" tIns="17780" rIns="26670" bIns="17780" numCol="1" spcCol="1270" anchor="ctr" anchorCtr="0">
-          <a:noAutofit/>
-        </a:bodyPr>
-        <a:lstStyle/>
-        <a:p>
-          <a:pPr marL="0" lvl="0" indent="0" algn="ctr" defTabSz="622300">
-            <a:lnSpc>
-              <a:spcPct val="90000"/>
-            </a:lnSpc>
-            <a:spcBef>
-              <a:spcPct val="0"/>
-            </a:spcBef>
-            <a:spcAft>
-              <a:spcPct val="35000"/>
-            </a:spcAft>
-            <a:buNone/>
-          </a:pPr>
-          <a:r>
-            <a:rPr lang="en-CA" sz="1400" b="1" kern="1200" dirty="0"/>
-            <a:t>Transform / Pipeline (NLP)</a:t>
-          </a:r>
-        </a:p>
-      </dsp:txBody>
-      <dsp:txXfrm>
-        <a:off x="5248789" y="3505317"/>
-        <a:ext cx="1319356" cy="505711"/>
-      </dsp:txXfrm>
-    </dsp:sp>
-    <dsp:sp modelId="{709FE0EB-6284-463A-AE3D-3943AF96E1F5}">
-      <dsp:nvSpPr>
-        <dsp:cNvPr id="0" name=""/>
-        <dsp:cNvSpPr/>
-      </dsp:nvSpPr>
-      <dsp:spPr>
-        <a:xfrm>
-          <a:off x="6614805" y="2250467"/>
-          <a:ext cx="2015621" cy="1464176"/>
-        </a:xfrm>
-        <a:prstGeom prst="roundRect">
-          <a:avLst>
-            <a:gd name="adj" fmla="val 10000"/>
-          </a:avLst>
-        </a:prstGeom>
-        <a:solidFill>
-          <a:schemeClr val="lt1">
-            <a:alpha val="90000"/>
-            <a:hueOff val="0"/>
-            <a:satOff val="0"/>
-            <a:lumOff val="0"/>
-            <a:alphaOff val="0"/>
-          </a:schemeClr>
-        </a:solidFill>
-        <a:ln w="15875" cap="flat" cmpd="sng" algn="ctr">
-          <a:solidFill>
-            <a:schemeClr val="accent1">
-              <a:hueOff val="0"/>
-              <a:satOff val="0"/>
-              <a:lumOff val="0"/>
-              <a:alphaOff val="0"/>
-            </a:schemeClr>
-          </a:solidFill>
-          <a:prstDash val="solid"/>
-        </a:ln>
-        <a:effectLst/>
-      </dsp:spPr>
-      <dsp:style>
-        <a:lnRef idx="2">
-          <a:scrgbClr r="0" g="0" b="0"/>
-        </a:lnRef>
-        <a:fillRef idx="1">
-          <a:scrgbClr r="0" g="0" b="0"/>
-        </a:fillRef>
-        <a:effectRef idx="0">
-          <a:scrgbClr r="0" g="0" b="0"/>
-        </a:effectRef>
-        <a:fontRef idx="minor"/>
-      </dsp:style>
-      <dsp:txBody>
-        <a:bodyPr spcFirstLastPara="0" vert="horz" wrap="square" lIns="36000" tIns="0" rIns="0" bIns="0" numCol="1" spcCol="1270" anchor="t" anchorCtr="0">
-          <a:noAutofit/>
-        </a:bodyPr>
-        <a:lstStyle/>
-        <a:p>
-          <a:pPr marL="57150" lvl="1" indent="-57150" algn="l" defTabSz="444500">
-            <a:lnSpc>
-              <a:spcPct val="90000"/>
-            </a:lnSpc>
-            <a:spcBef>
-              <a:spcPct val="0"/>
-            </a:spcBef>
-            <a:spcAft>
-              <a:spcPct val="15000"/>
-            </a:spcAft>
-            <a:buFont typeface="+mj-lt"/>
-            <a:buAutoNum type="arabicPeriod" startAt="6"/>
-          </a:pPr>
-          <a:r>
-            <a:rPr lang="en-CA" sz="1000" kern="1200" dirty="0"/>
-            <a:t>Add ‘length’ column.</a:t>
-          </a:r>
-        </a:p>
-        <a:p>
-          <a:pPr marL="57150" lvl="1" indent="-57150" algn="l" defTabSz="444500">
-            <a:lnSpc>
-              <a:spcPct val="90000"/>
-            </a:lnSpc>
-            <a:spcBef>
-              <a:spcPct val="0"/>
-            </a:spcBef>
-            <a:spcAft>
-              <a:spcPct val="15000"/>
-            </a:spcAft>
-            <a:buFont typeface="+mj-lt"/>
-            <a:buAutoNum type="arabicPeriod" startAt="6"/>
-          </a:pPr>
-          <a:r>
-            <a:rPr lang="en-CA" sz="1000" kern="1200" dirty="0"/>
-            <a:t>Convert to a </a:t>
-          </a:r>
-          <a:r>
-            <a:rPr lang="en-CA" sz="1000" kern="1200" dirty="0" err="1"/>
-            <a:t>PySpark</a:t>
-          </a:r>
-          <a:r>
-            <a:rPr lang="en-CA" sz="1000" kern="1200" dirty="0"/>
-            <a:t> </a:t>
-          </a:r>
-          <a:r>
-            <a:rPr lang="en-CA" sz="1000" kern="1200" dirty="0" err="1"/>
-            <a:t>DataFrame</a:t>
-          </a:r>
-          <a:r>
-            <a:rPr lang="en-CA" sz="1000" kern="1200" dirty="0"/>
-            <a:t>.</a:t>
-          </a:r>
-        </a:p>
-        <a:p>
-          <a:pPr marL="57150" lvl="1" indent="-57150" algn="l" defTabSz="444500">
-            <a:lnSpc>
-              <a:spcPct val="90000"/>
-            </a:lnSpc>
-            <a:spcBef>
-              <a:spcPct val="0"/>
-            </a:spcBef>
-            <a:spcAft>
-              <a:spcPct val="15000"/>
-            </a:spcAft>
-            <a:buFont typeface="+mj-lt"/>
-            <a:buAutoNum type="arabicPeriod" startAt="6"/>
-          </a:pPr>
-          <a:r>
-            <a:rPr lang="en-CA" sz="1000" kern="1200" dirty="0"/>
-            <a:t>Index stars column.</a:t>
-          </a:r>
-        </a:p>
-        <a:p>
-          <a:pPr marL="57150" lvl="1" indent="-57150" algn="l" defTabSz="444500">
-            <a:lnSpc>
-              <a:spcPct val="90000"/>
-            </a:lnSpc>
-            <a:spcBef>
-              <a:spcPct val="0"/>
-            </a:spcBef>
-            <a:spcAft>
-              <a:spcPct val="15000"/>
-            </a:spcAft>
-            <a:buFont typeface="+mj-lt"/>
-            <a:buAutoNum type="arabicPeriod" startAt="6"/>
-          </a:pPr>
-          <a:r>
-            <a:rPr lang="en-CA" sz="1000" kern="1200" dirty="0"/>
-            <a:t>Hash stemmed data.</a:t>
-          </a:r>
-        </a:p>
-        <a:p>
-          <a:pPr marL="57150" lvl="1" indent="-57150" algn="l" defTabSz="444500">
-            <a:lnSpc>
-              <a:spcPct val="90000"/>
-            </a:lnSpc>
-            <a:spcBef>
-              <a:spcPct val="0"/>
-            </a:spcBef>
-            <a:spcAft>
-              <a:spcPct val="15000"/>
-            </a:spcAft>
-            <a:buFont typeface="+mj-lt"/>
-            <a:buAutoNum type="arabicPeriod" startAt="6"/>
-          </a:pPr>
-          <a:r>
-            <a:rPr lang="en-CA" sz="1000" kern="1200" dirty="0"/>
-            <a:t>Find IDF of hashed text.</a:t>
-          </a:r>
-        </a:p>
-        <a:p>
-          <a:pPr marL="57150" lvl="1" indent="-57150" algn="l" defTabSz="444500">
-            <a:lnSpc>
-              <a:spcPct val="90000"/>
-            </a:lnSpc>
-            <a:spcBef>
-              <a:spcPct val="0"/>
-            </a:spcBef>
-            <a:spcAft>
-              <a:spcPct val="15000"/>
-            </a:spcAft>
-            <a:buFont typeface="+mj-lt"/>
-            <a:buAutoNum type="arabicPeriod" startAt="6"/>
-          </a:pPr>
-          <a:r>
-            <a:rPr lang="en-CA" sz="1000" kern="1200" dirty="0"/>
-            <a:t>Vectorize IDF tokens and length.</a:t>
-          </a:r>
-        </a:p>
-      </dsp:txBody>
-      <dsp:txXfrm>
-        <a:off x="6648500" y="2597914"/>
-        <a:ext cx="1948231" cy="1083034"/>
-      </dsp:txXfrm>
-    </dsp:sp>
-    <dsp:sp modelId="{A620235A-8311-464E-944E-26FF0EA855B5}">
-      <dsp:nvSpPr>
-        <dsp:cNvPr id="0" name=""/>
-        <dsp:cNvSpPr/>
-      </dsp:nvSpPr>
-      <dsp:spPr>
-        <a:xfrm>
-          <a:off x="8277659" y="1548797"/>
-          <a:ext cx="1948383" cy="1999088"/>
-        </a:xfrm>
-        <a:prstGeom prst="circularArrow">
-          <a:avLst>
-            <a:gd name="adj1" fmla="val 2594"/>
-            <a:gd name="adj2" fmla="val 315055"/>
-            <a:gd name="adj3" fmla="val 19722511"/>
-            <a:gd name="adj4" fmla="val 12788587"/>
-            <a:gd name="adj5" fmla="val 3026"/>
-          </a:avLst>
-        </a:prstGeom>
-        <a:solidFill>
-          <a:schemeClr val="accent1">
-            <a:tint val="60000"/>
-            <a:hueOff val="0"/>
-            <a:satOff val="0"/>
-            <a:lumOff val="0"/>
-            <a:alphaOff val="0"/>
-          </a:schemeClr>
-        </a:solidFill>
-        <a:ln>
-          <a:noFill/>
-        </a:ln>
-        <a:effectLst/>
-      </dsp:spPr>
-      <dsp:style>
-        <a:lnRef idx="0">
-          <a:scrgbClr r="0" g="0" b="0"/>
-        </a:lnRef>
-        <a:fillRef idx="1">
-          <a:scrgbClr r="0" g="0" b="0"/>
-        </a:fillRef>
-        <a:effectRef idx="0">
-          <a:scrgbClr r="0" g="0" b="0"/>
-        </a:effectRef>
-        <a:fontRef idx="minor">
-          <a:schemeClr val="lt1"/>
-        </a:fontRef>
-      </dsp:style>
-    </dsp:sp>
-    <dsp:sp modelId="{64C72429-576F-49F2-9F34-06F9CAEAB159}">
-      <dsp:nvSpPr>
-        <dsp:cNvPr id="0" name=""/>
-        <dsp:cNvSpPr/>
-      </dsp:nvSpPr>
-      <dsp:spPr>
-        <a:xfrm>
-          <a:off x="7708744" y="1981767"/>
-          <a:ext cx="1350822" cy="537177"/>
-        </a:xfrm>
-        <a:prstGeom prst="roundRect">
-          <a:avLst>
-            <a:gd name="adj" fmla="val 10000"/>
-          </a:avLst>
-        </a:prstGeom>
-        <a:solidFill>
-          <a:schemeClr val="accent1">
-            <a:hueOff val="0"/>
-            <a:satOff val="0"/>
-            <a:lumOff val="0"/>
-            <a:alphaOff val="0"/>
-          </a:schemeClr>
-        </a:solidFill>
-        <a:ln w="15875" cap="flat" cmpd="sng" algn="ctr">
-          <a:solidFill>
-            <a:schemeClr val="lt1">
-              <a:hueOff val="0"/>
-              <a:satOff val="0"/>
-              <a:lumOff val="0"/>
-              <a:alphaOff val="0"/>
-            </a:schemeClr>
-          </a:solidFill>
-          <a:prstDash val="solid"/>
-        </a:ln>
-        <a:effectLst/>
-      </dsp:spPr>
-      <dsp:style>
-        <a:lnRef idx="2">
-          <a:scrgbClr r="0" g="0" b="0"/>
-        </a:lnRef>
-        <a:fillRef idx="1">
-          <a:scrgbClr r="0" g="0" b="0"/>
-        </a:fillRef>
-        <a:effectRef idx="0">
-          <a:scrgbClr r="0" g="0" b="0"/>
-        </a:effectRef>
-        <a:fontRef idx="minor">
-          <a:schemeClr val="lt1"/>
-        </a:fontRef>
-      </dsp:style>
-      <dsp:txBody>
-        <a:bodyPr spcFirstLastPara="0" vert="horz" wrap="square" lIns="26670" tIns="17780" rIns="26670" bIns="17780" numCol="1" spcCol="1270" anchor="ctr" anchorCtr="0">
-          <a:noAutofit/>
-        </a:bodyPr>
-        <a:lstStyle/>
-        <a:p>
-          <a:pPr marL="0" lvl="0" indent="0" algn="ctr" defTabSz="622300">
-            <a:lnSpc>
-              <a:spcPct val="90000"/>
-            </a:lnSpc>
-            <a:spcBef>
-              <a:spcPct val="0"/>
-            </a:spcBef>
-            <a:spcAft>
-              <a:spcPct val="35000"/>
-            </a:spcAft>
-            <a:buNone/>
-          </a:pPr>
-          <a:r>
-            <a:rPr lang="en-CA" sz="1400" b="1" kern="1200" dirty="0"/>
-            <a:t>Transform / Pipeline (NLP)</a:t>
-          </a:r>
-        </a:p>
-      </dsp:txBody>
-      <dsp:txXfrm>
-        <a:off x="7724477" y="1997500"/>
-        <a:ext cx="1319356" cy="505711"/>
-      </dsp:txXfrm>
-    </dsp:sp>
-    <dsp:sp modelId="{D9837A88-683C-4B66-9AB9-D5A72B071271}">
-      <dsp:nvSpPr>
-        <dsp:cNvPr id="0" name=""/>
-        <dsp:cNvSpPr/>
-      </dsp:nvSpPr>
-      <dsp:spPr>
-        <a:xfrm>
-          <a:off x="9089066" y="2258114"/>
-          <a:ext cx="2508573" cy="1464176"/>
-        </a:xfrm>
-        <a:prstGeom prst="roundRect">
-          <a:avLst>
-            <a:gd name="adj" fmla="val 10000"/>
-          </a:avLst>
-        </a:prstGeom>
-        <a:solidFill>
-          <a:schemeClr val="lt1">
-            <a:alpha val="90000"/>
-            <a:hueOff val="0"/>
-            <a:satOff val="0"/>
-            <a:lumOff val="0"/>
-            <a:alphaOff val="0"/>
-          </a:schemeClr>
-        </a:solidFill>
-        <a:ln w="15875" cap="flat" cmpd="sng" algn="ctr">
-          <a:solidFill>
-            <a:schemeClr val="accent1">
-              <a:hueOff val="0"/>
-              <a:satOff val="0"/>
-              <a:lumOff val="0"/>
-              <a:alphaOff val="0"/>
-            </a:schemeClr>
-          </a:solidFill>
-          <a:prstDash val="solid"/>
-        </a:ln>
-        <a:effectLst/>
-      </dsp:spPr>
-      <dsp:style>
-        <a:lnRef idx="2">
-          <a:scrgbClr r="0" g="0" b="0"/>
-        </a:lnRef>
-        <a:fillRef idx="1">
-          <a:scrgbClr r="0" g="0" b="0"/>
-        </a:fillRef>
-        <a:effectRef idx="0">
-          <a:scrgbClr r="0" g="0" b="0"/>
-        </a:effectRef>
-        <a:fontRef idx="minor"/>
-      </dsp:style>
-      <dsp:txBody>
-        <a:bodyPr spcFirstLastPara="0" vert="horz" wrap="square" lIns="36000" tIns="0" rIns="36000" bIns="0" numCol="1" spcCol="1270" anchor="t" anchorCtr="0">
-          <a:noAutofit/>
-        </a:bodyPr>
-        <a:lstStyle/>
-        <a:p>
-          <a:pPr marL="57150" lvl="1" indent="-57150" algn="l" defTabSz="444500">
-            <a:lnSpc>
-              <a:spcPct val="90000"/>
-            </a:lnSpc>
-            <a:spcBef>
-              <a:spcPct val="0"/>
-            </a:spcBef>
-            <a:spcAft>
-              <a:spcPct val="15000"/>
-            </a:spcAft>
-            <a:buFont typeface="+mj-lt"/>
-            <a:buAutoNum type="arabicPeriod"/>
-          </a:pPr>
-          <a:r>
-            <a:rPr lang="en-CA" sz="1000" kern="1200" dirty="0"/>
-            <a:t>Drop intermediate columns so ‘features’ and ‘labels’ are only ones remaining.</a:t>
-          </a:r>
-        </a:p>
-        <a:p>
-          <a:pPr marL="57150" lvl="1" indent="-57150" algn="l" defTabSz="444500">
-            <a:lnSpc>
-              <a:spcPct val="90000"/>
-            </a:lnSpc>
-            <a:spcBef>
-              <a:spcPct val="0"/>
-            </a:spcBef>
-            <a:spcAft>
-              <a:spcPct val="15000"/>
-            </a:spcAft>
-            <a:buFont typeface="+mj-lt"/>
-            <a:buAutoNum type="arabicPeriod"/>
-          </a:pPr>
-          <a:r>
-            <a:rPr lang="en-CA" sz="1000" kern="1200" dirty="0"/>
-            <a:t>Split data into training and testing sets.</a:t>
-          </a:r>
-        </a:p>
-        <a:p>
-          <a:pPr marL="57150" lvl="1" indent="-57150" algn="l" defTabSz="444500">
-            <a:lnSpc>
-              <a:spcPct val="90000"/>
-            </a:lnSpc>
-            <a:spcBef>
-              <a:spcPct val="0"/>
-            </a:spcBef>
-            <a:spcAft>
-              <a:spcPct val="15000"/>
-            </a:spcAft>
-            <a:buFont typeface="+mj-lt"/>
-            <a:buAutoNum type="arabicPeriod"/>
-          </a:pPr>
-          <a:r>
-            <a:rPr lang="en-CA" sz="1000" kern="1200" dirty="0"/>
-            <a:t> (Naïve Bayes / Logistic Regression): Create model and fit training data / (Neural Net): Specify layers, create and train model.</a:t>
-          </a:r>
-        </a:p>
-        <a:p>
-          <a:pPr marL="57150" lvl="1" indent="-57150" algn="l" defTabSz="444500">
-            <a:lnSpc>
-              <a:spcPct val="90000"/>
-            </a:lnSpc>
-            <a:spcBef>
-              <a:spcPct val="0"/>
-            </a:spcBef>
-            <a:spcAft>
-              <a:spcPct val="15000"/>
-            </a:spcAft>
-            <a:buFont typeface="+mj-lt"/>
-            <a:buAutoNum type="arabicPeriod"/>
-          </a:pPr>
-          <a:r>
-            <a:rPr lang="en-CA" sz="1000" kern="1200" dirty="0"/>
-            <a:t>Display accuracy of model prediction of rating.</a:t>
-          </a:r>
-        </a:p>
-      </dsp:txBody>
-      <dsp:txXfrm>
-        <a:off x="9122761" y="2291809"/>
-        <a:ext cx="2441183" cy="1083034"/>
-      </dsp:txXfrm>
-    </dsp:sp>
-    <dsp:sp modelId="{D0812395-5F2E-458F-B962-1A36CFCDF710}">
-      <dsp:nvSpPr>
-        <dsp:cNvPr id="0" name=""/>
-        <dsp:cNvSpPr/>
-      </dsp:nvSpPr>
-      <dsp:spPr>
-        <a:xfrm>
-          <a:off x="10246817" y="3462935"/>
-          <a:ext cx="1350822" cy="537177"/>
-        </a:xfrm>
-        <a:prstGeom prst="roundRect">
-          <a:avLst>
-            <a:gd name="adj" fmla="val 10000"/>
-          </a:avLst>
-        </a:prstGeom>
-        <a:solidFill>
-          <a:schemeClr val="accent1">
-            <a:hueOff val="0"/>
-            <a:satOff val="0"/>
-            <a:lumOff val="0"/>
-            <a:alphaOff val="0"/>
-          </a:schemeClr>
-        </a:solidFill>
-        <a:ln w="15875" cap="flat" cmpd="sng" algn="ctr">
-          <a:solidFill>
-            <a:schemeClr val="lt1">
-              <a:hueOff val="0"/>
-              <a:satOff val="0"/>
-              <a:lumOff val="0"/>
-              <a:alphaOff val="0"/>
-            </a:schemeClr>
-          </a:solidFill>
-          <a:prstDash val="solid"/>
-        </a:ln>
-        <a:effectLst/>
-      </dsp:spPr>
-      <dsp:style>
-        <a:lnRef idx="2">
-          <a:scrgbClr r="0" g="0" b="0"/>
-        </a:lnRef>
-        <a:fillRef idx="1">
-          <a:scrgbClr r="0" g="0" b="0"/>
-        </a:fillRef>
-        <a:effectRef idx="0">
-          <a:scrgbClr r="0" g="0" b="0"/>
-        </a:effectRef>
-        <a:fontRef idx="minor">
-          <a:schemeClr val="lt1"/>
-        </a:fontRef>
-      </dsp:style>
-      <dsp:txBody>
-        <a:bodyPr spcFirstLastPara="0" vert="horz" wrap="square" lIns="26670" tIns="17780" rIns="26670" bIns="17780" numCol="1" spcCol="1270" anchor="ctr" anchorCtr="0">
-          <a:noAutofit/>
-        </a:bodyPr>
-        <a:lstStyle/>
-        <a:p>
-          <a:pPr marL="0" lvl="0" indent="0" algn="ctr" defTabSz="622300">
-            <a:lnSpc>
-              <a:spcPct val="90000"/>
-            </a:lnSpc>
-            <a:spcBef>
-              <a:spcPct val="0"/>
-            </a:spcBef>
-            <a:spcAft>
-              <a:spcPct val="35000"/>
-            </a:spcAft>
-            <a:buNone/>
-          </a:pPr>
-          <a:r>
-            <a:rPr lang="en-CA" sz="1400" b="1" kern="1200" dirty="0"/>
-            <a:t>Run Machine Learning Models</a:t>
-          </a:r>
-        </a:p>
-      </dsp:txBody>
-      <dsp:txXfrm>
-        <a:off x="10262550" y="3478668"/>
-        <a:ext cx="1319356" cy="505711"/>
-      </dsp:txXfrm>
-    </dsp:sp>
-  </dsp:spTree>
-</dsp:drawing>
-</file>
-
 <file path=ppt/diagrams/layout1.xml><?xml version="1.0" encoding="utf-8"?>
 <dgm:layoutDef xmlns:dgm="http://schemas.openxmlformats.org/drawingml/2006/diagram" xmlns:a="http://schemas.openxmlformats.org/drawingml/2006/main" uniqueId="urn:microsoft.com/office/officeart/2009/3/layout/StepUpProcess">
   <dgm:title val=""/>
@@ -8678,550 +4752,6 @@
 </dgm:layoutDef>
 </file>
 
-<file path=ppt/diagrams/layout3.xml><?xml version="1.0" encoding="utf-8"?>
-<dgm:layoutDef xmlns:dgm="http://schemas.openxmlformats.org/drawingml/2006/diagram" xmlns:a="http://schemas.openxmlformats.org/drawingml/2006/main" uniqueId="urn:microsoft.com/office/officeart/2005/8/layout/hProcess4">
-  <dgm:title val=""/>
-  <dgm:desc val=""/>
-  <dgm:catLst>
-    <dgm:cat type="process" pri="4000"/>
-  </dgm:catLst>
-  <dgm:sampData>
-    <dgm:dataModel>
-      <dgm:ptLst>
-        <dgm:pt modelId="0" type="doc"/>
-        <dgm:pt modelId="1">
-          <dgm:prSet phldr="1"/>
-        </dgm:pt>
-        <dgm:pt modelId="11">
-          <dgm:prSet phldr="1"/>
-        </dgm:pt>
-        <dgm:pt modelId="12">
-          <dgm:prSet phldr="1"/>
-        </dgm:pt>
-        <dgm:pt modelId="2">
-          <dgm:prSet phldr="1"/>
-        </dgm:pt>
-        <dgm:pt modelId="21">
-          <dgm:prSet phldr="1"/>
-        </dgm:pt>
-        <dgm:pt modelId="22">
-          <dgm:prSet phldr="1"/>
-        </dgm:pt>
-        <dgm:pt modelId="3">
-          <dgm:prSet phldr="1"/>
-        </dgm:pt>
-        <dgm:pt modelId="31">
-          <dgm:prSet phldr="1"/>
-        </dgm:pt>
-        <dgm:pt modelId="32">
-          <dgm:prSet phldr="1"/>
-        </dgm:pt>
-      </dgm:ptLst>
-      <dgm:cxnLst>
-        <dgm:cxn modelId="4" srcId="0" destId="1" srcOrd="0" destOrd="0"/>
-        <dgm:cxn modelId="5" srcId="0" destId="2" srcOrd="1" destOrd="0"/>
-        <dgm:cxn modelId="6" srcId="0" destId="3" srcOrd="2" destOrd="0"/>
-        <dgm:cxn modelId="13" srcId="1" destId="11" srcOrd="0" destOrd="0"/>
-        <dgm:cxn modelId="14" srcId="1" destId="12" srcOrd="1" destOrd="0"/>
-        <dgm:cxn modelId="23" srcId="2" destId="21" srcOrd="0" destOrd="0"/>
-        <dgm:cxn modelId="24" srcId="2" destId="22" srcOrd="1" destOrd="0"/>
-        <dgm:cxn modelId="33" srcId="3" destId="31" srcOrd="0" destOrd="0"/>
-        <dgm:cxn modelId="34" srcId="3" destId="32" srcOrd="1" destOrd="0"/>
-      </dgm:cxnLst>
-      <dgm:bg/>
-      <dgm:whole/>
-    </dgm:dataModel>
-  </dgm:sampData>
-  <dgm:styleData>
-    <dgm:dataModel>
-      <dgm:ptLst>
-        <dgm:pt modelId="0" type="doc"/>
-        <dgm:pt modelId="1"/>
-        <dgm:pt modelId="11"/>
-        <dgm:pt modelId="2"/>
-        <dgm:pt modelId="21"/>
-      </dgm:ptLst>
-      <dgm:cxnLst>
-        <dgm:cxn modelId="4" srcId="0" destId="1" srcOrd="0" destOrd="0"/>
-        <dgm:cxn modelId="5" srcId="0" destId="2" srcOrd="1" destOrd="0"/>
-        <dgm:cxn modelId="13" srcId="1" destId="11" srcOrd="0" destOrd="0"/>
-        <dgm:cxn modelId="23" srcId="2" destId="21" srcOrd="0" destOrd="0"/>
-      </dgm:cxnLst>
-      <dgm:bg/>
-      <dgm:whole/>
-    </dgm:dataModel>
-  </dgm:styleData>
-  <dgm:clrData>
-    <dgm:dataModel>
-      <dgm:ptLst>
-        <dgm:pt modelId="0" type="doc"/>
-        <dgm:pt modelId="1"/>
-        <dgm:pt modelId="11"/>
-        <dgm:pt modelId="2"/>
-        <dgm:pt modelId="21"/>
-        <dgm:pt modelId="3"/>
-        <dgm:pt modelId="31"/>
-        <dgm:pt modelId="4"/>
-        <dgm:pt modelId="41"/>
-      </dgm:ptLst>
-      <dgm:cxnLst>
-        <dgm:cxn modelId="5" srcId="0" destId="1" srcOrd="0" destOrd="0"/>
-        <dgm:cxn modelId="6" srcId="0" destId="2" srcOrd="1" destOrd="0"/>
-        <dgm:cxn modelId="7" srcId="0" destId="3" srcOrd="2" destOrd="0"/>
-        <dgm:cxn modelId="8" srcId="0" destId="4" srcOrd="3" destOrd="0"/>
-        <dgm:cxn modelId="13" srcId="1" destId="11" srcOrd="0" destOrd="0"/>
-        <dgm:cxn modelId="23" srcId="2" destId="21" srcOrd="0" destOrd="0"/>
-        <dgm:cxn modelId="33" srcId="3" destId="31" srcOrd="0" destOrd="0"/>
-        <dgm:cxn modelId="43" srcId="4" destId="41" srcOrd="0" destOrd="0"/>
-      </dgm:cxnLst>
-      <dgm:bg/>
-      <dgm:whole/>
-    </dgm:dataModel>
-  </dgm:clrData>
-  <dgm:layoutNode name="Name0">
-    <dgm:varLst>
-      <dgm:dir/>
-      <dgm:animLvl val="lvl"/>
-      <dgm:resizeHandles val="exact"/>
-    </dgm:varLst>
-    <dgm:alg type="composite"/>
-    <dgm:shape xmlns:r="http://schemas.openxmlformats.org/officeDocument/2006/relationships" r:blip="">
-      <dgm:adjLst/>
-    </dgm:shape>
-    <dgm:presOf/>
-    <dgm:constrLst>
-      <dgm:constr type="w" for="ch" forName="tSp" refType="w"/>
-      <dgm:constr type="h" for="ch" forName="tSp" refType="h" fact="0.15"/>
-      <dgm:constr type="l" for="ch" forName="tSp"/>
-      <dgm:constr type="t" for="ch" forName="tSp"/>
-      <dgm:constr type="w" for="ch" forName="bSp" refType="w"/>
-      <dgm:constr type="h" for="ch" forName="bSp" refType="h" fact="0.15"/>
-      <dgm:constr type="l" for="ch" forName="bSp"/>
-      <dgm:constr type="t" for="ch" forName="bSp" refType="h" fact="0.85"/>
-      <dgm:constr type="w" for="ch" forName="process" refType="w"/>
-      <dgm:constr type="h" for="ch" forName="process" refType="h" fact="0.7"/>
-      <dgm:constr type="l" for="ch" forName="process"/>
-      <dgm:constr type="t" for="ch" forName="process" refType="h" fact="0.15"/>
-    </dgm:constrLst>
-    <dgm:ruleLst/>
-    <dgm:layoutNode name="tSp">
-      <dgm:alg type="sp"/>
-      <dgm:shape xmlns:r="http://schemas.openxmlformats.org/officeDocument/2006/relationships" r:blip="">
-        <dgm:adjLst/>
-      </dgm:shape>
-      <dgm:presOf/>
-      <dgm:constrLst/>
-      <dgm:ruleLst/>
-    </dgm:layoutNode>
-    <dgm:layoutNode name="bSp">
-      <dgm:alg type="sp"/>
-      <dgm:shape xmlns:r="http://schemas.openxmlformats.org/officeDocument/2006/relationships" r:blip="">
-        <dgm:adjLst/>
-      </dgm:shape>
-      <dgm:presOf/>
-      <dgm:constrLst/>
-      <dgm:ruleLst/>
-    </dgm:layoutNode>
-    <dgm:layoutNode name="process">
-      <dgm:choose name="Name1">
-        <dgm:if name="Name2" func="var" arg="dir" op="equ" val="norm">
-          <dgm:alg type="lin">
-            <dgm:param type="linDir" val="fromL"/>
-          </dgm:alg>
-        </dgm:if>
-        <dgm:else name="Name3">
-          <dgm:alg type="lin">
-            <dgm:param type="linDir" val="fromR"/>
-          </dgm:alg>
-        </dgm:else>
-      </dgm:choose>
-      <dgm:shape xmlns:r="http://schemas.openxmlformats.org/officeDocument/2006/relationships" r:blip="">
-        <dgm:adjLst/>
-      </dgm:shape>
-      <dgm:presOf/>
-      <dgm:constrLst>
-        <dgm:constr type="w" for="ch" forName="composite1" refType="w"/>
-        <dgm:constr type="w" for="ch" forName="composite2" refType="w" refFor="ch" refForName="composite1" op="equ"/>
-        <dgm:constr type="h" for="ch" forName="composite1" refType="h"/>
-        <dgm:constr type="h" for="ch" forName="composite2" refType="h" refFor="ch" refForName="composite1" op="equ"/>
-        <dgm:constr type="primFontSz" for="des" forName="parentNode1" val="65"/>
-        <dgm:constr type="primFontSz" for="des" forName="parentNode2" refType="primFontSz" refFor="des" refForName="parentNode1" op="equ"/>
-        <dgm:constr type="secFontSz" for="des" forName="childNode1tx" val="65"/>
-        <dgm:constr type="secFontSz" for="des" forName="childNode2tx" refType="secFontSz" refFor="des" refForName="childNode1tx" op="equ"/>
-        <dgm:constr type="w" for="des" ptType="sibTrans" refType="w" refFor="ch" refForName="composite1" op="equ" fact="0.05"/>
-      </dgm:constrLst>
-      <dgm:ruleLst/>
-      <dgm:forEach name="Name4" axis="ch" ptType="node" step="2">
-        <dgm:layoutNode name="composite1">
-          <dgm:alg type="composite">
-            <dgm:param type="ar" val="0.943"/>
-          </dgm:alg>
-          <dgm:shape xmlns:r="http://schemas.openxmlformats.org/officeDocument/2006/relationships" r:blip="">
-            <dgm:adjLst/>
-          </dgm:shape>
-          <dgm:presOf/>
-          <dgm:choose name="Name5">
-            <dgm:if name="Name6" func="var" arg="dir" op="equ" val="norm">
-              <dgm:constrLst>
-                <dgm:constr type="h" refType="w" fact="1.06"/>
-                <dgm:constr type="w" for="ch" forName="dummyNode1" refType="w"/>
-                <dgm:constr type="h" for="ch" forName="dummyNode1" refType="h"/>
-                <dgm:constr type="t" for="ch" forName="dummyNode1"/>
-                <dgm:constr type="l" for="ch" forName="dummyNode1"/>
-                <dgm:constr type="w" for="ch" forName="childNode1" refType="w" fact="0.9"/>
-                <dgm:constr type="h" for="ch" forName="childNode1" refType="h" fact="0.7"/>
-                <dgm:constr type="t" for="ch" forName="childNode1" refType="h" fact="0.15"/>
-                <dgm:constr type="l" for="ch" forName="childNode1"/>
-                <dgm:constr type="w" for="ch" forName="childNode1tx" refType="w" fact="0.9"/>
-                <dgm:constr type="h" for="ch" forName="childNode1tx" refType="h" fact="0.55"/>
-                <dgm:constr type="t" for="ch" forName="childNode1tx" refType="h" fact="0.15"/>
-                <dgm:constr type="l" for="ch" forName="childNode1tx"/>
-                <dgm:constr type="w" for="ch" forName="parentNode1" refType="w" fact="0.8"/>
-                <dgm:constr type="h" for="ch" forName="parentNode1" refType="h" fact="0.3"/>
-                <dgm:constr type="t" for="ch" forName="parentNode1" refType="h" fact="0.7"/>
-                <dgm:constr type="l" for="ch" forName="parentNode1" refType="w" fact="0.2"/>
-                <dgm:constr type="w" for="ch" forName="connSite1" refType="w" fact="0.01"/>
-                <dgm:constr type="h" for="ch" forName="connSite1" refType="h" fact="0.01"/>
-                <dgm:constr type="t" for="ch" forName="connSite1"/>
-                <dgm:constr type="l" for="ch" forName="connSite1" refType="w" fact="0.35"/>
-              </dgm:constrLst>
-            </dgm:if>
-            <dgm:else name="Name7">
-              <dgm:constrLst>
-                <dgm:constr type="h" refType="w" fact="1.06"/>
-                <dgm:constr type="w" for="ch" forName="dummyNode1" refType="w"/>
-                <dgm:constr type="h" for="ch" forName="dummyNode1" refType="h"/>
-                <dgm:constr type="t" for="ch" forName="dummyNode1"/>
-                <dgm:constr type="l" for="ch" forName="dummyNode1"/>
-                <dgm:constr type="w" for="ch" forName="childNode1" refType="w" fact="0.9"/>
-                <dgm:constr type="h" for="ch" forName="childNode1" refType="h" fact="0.7"/>
-                <dgm:constr type="t" for="ch" forName="childNode1" refType="h" fact="0.15"/>
-                <dgm:constr type="l" for="ch" forName="childNode1" refType="w" fact="0.1"/>
-                <dgm:constr type="w" for="ch" forName="childNode1tx" refType="w" fact="0.9"/>
-                <dgm:constr type="h" for="ch" forName="childNode1tx" refType="h" fact="0.55"/>
-                <dgm:constr type="t" for="ch" forName="childNode1tx" refType="h" fact="0.15"/>
-                <dgm:constr type="l" for="ch" forName="childNode1tx" refType="w" fact="0.1"/>
-                <dgm:constr type="w" for="ch" forName="parentNode1" refType="w" fact="0.8"/>
-                <dgm:constr type="h" for="ch" forName="parentNode1" refType="h" fact="0.3"/>
-                <dgm:constr type="t" for="ch" forName="parentNode1" refType="h" fact="0.7"/>
-                <dgm:constr type="l" for="ch" forName="parentNode1"/>
-                <dgm:constr type="w" for="ch" forName="connSite1" refType="w" fact="0.01"/>
-                <dgm:constr type="h" for="ch" forName="connSite1" refType="h" fact="0.01"/>
-                <dgm:constr type="t" for="ch" forName="connSite1"/>
-                <dgm:constr type="l" for="ch" forName="connSite1" refType="w" fact="0.65"/>
-              </dgm:constrLst>
-            </dgm:else>
-          </dgm:choose>
-          <dgm:ruleLst/>
-          <dgm:layoutNode name="dummyNode1">
-            <dgm:alg type="sp"/>
-            <dgm:shape xmlns:r="http://schemas.openxmlformats.org/officeDocument/2006/relationships" type="rect" r:blip="" hideGeom="1">
-              <dgm:adjLst/>
-            </dgm:shape>
-            <dgm:presOf/>
-            <dgm:constrLst/>
-            <dgm:ruleLst/>
-          </dgm:layoutNode>
-          <dgm:layoutNode name="childNode1" styleLbl="bgAcc1">
-            <dgm:varLst>
-              <dgm:bulletEnabled val="1"/>
-            </dgm:varLst>
-            <dgm:alg type="sp"/>
-            <dgm:shape xmlns:r="http://schemas.openxmlformats.org/officeDocument/2006/relationships" type="roundRect" r:blip="">
-              <dgm:adjLst>
-                <dgm:adj idx="1" val="0.1"/>
-              </dgm:adjLst>
-            </dgm:shape>
-            <dgm:presOf axis="des" ptType="node"/>
-            <dgm:constrLst/>
-            <dgm:ruleLst/>
-          </dgm:layoutNode>
-          <dgm:layoutNode name="childNode1tx" styleLbl="bgAcc1">
-            <dgm:varLst>
-              <dgm:bulletEnabled val="1"/>
-            </dgm:varLst>
-            <dgm:alg type="tx">
-              <dgm:param type="stBulletLvl" val="1"/>
-            </dgm:alg>
-            <dgm:shape xmlns:r="http://schemas.openxmlformats.org/officeDocument/2006/relationships" type="roundRect" r:blip="" hideGeom="1">
-              <dgm:adjLst>
-                <dgm:adj idx="1" val="0.1"/>
-              </dgm:adjLst>
-            </dgm:shape>
-            <dgm:presOf axis="des" ptType="node"/>
-            <dgm:constrLst>
-              <dgm:constr type="secFontSz" val="65"/>
-              <dgm:constr type="primFontSz" refType="secFontSz"/>
-              <dgm:constr type="tMarg" refType="secFontSz" fact="0.15"/>
-              <dgm:constr type="bMarg" refType="secFontSz" fact="0.15"/>
-              <dgm:constr type="lMarg" refType="secFontSz" fact="0.15"/>
-              <dgm:constr type="rMarg" refType="secFontSz" fact="0.15"/>
-            </dgm:constrLst>
-            <dgm:ruleLst>
-              <dgm:rule type="secFontSz" val="5" fact="NaN" max="NaN"/>
-            </dgm:ruleLst>
-          </dgm:layoutNode>
-          <dgm:layoutNode name="parentNode1" styleLbl="node1">
-            <dgm:varLst>
-              <dgm:chMax val="1"/>
-              <dgm:bulletEnabled val="1"/>
-            </dgm:varLst>
-            <dgm:alg type="tx"/>
-            <dgm:shape xmlns:r="http://schemas.openxmlformats.org/officeDocument/2006/relationships" type="roundRect" r:blip="">
-              <dgm:adjLst>
-                <dgm:adj idx="1" val="0.1"/>
-              </dgm:adjLst>
-            </dgm:shape>
-            <dgm:presOf axis="self"/>
-            <dgm:constrLst>
-              <dgm:constr type="tMarg" refType="primFontSz" fact="0.1"/>
-              <dgm:constr type="bMarg" refType="primFontSz" fact="0.1"/>
-              <dgm:constr type="lMarg" refType="primFontSz" fact="0.15"/>
-              <dgm:constr type="rMarg" refType="primFontSz" fact="0.15"/>
-            </dgm:constrLst>
-            <dgm:ruleLst>
-              <dgm:rule type="primFontSz" val="5" fact="NaN" max="NaN"/>
-            </dgm:ruleLst>
-          </dgm:layoutNode>
-          <dgm:layoutNode name="connSite1" moveWith="childNode1">
-            <dgm:alg type="sp"/>
-            <dgm:shape xmlns:r="http://schemas.openxmlformats.org/officeDocument/2006/relationships" r:blip="">
-              <dgm:adjLst/>
-            </dgm:shape>
-            <dgm:presOf/>
-            <dgm:constrLst/>
-            <dgm:ruleLst/>
-          </dgm:layoutNode>
-        </dgm:layoutNode>
-        <dgm:forEach name="Name8" axis="followSib" ptType="sibTrans" cnt="1">
-          <dgm:layoutNode name="Name9">
-            <dgm:alg type="conn">
-              <dgm:param type="connRout" val="curve"/>
-              <dgm:param type="srcNode" val="parentNode1"/>
-              <dgm:param type="dstNode" val="connSite2"/>
-              <dgm:param type="begPts" val="bCtr"/>
-              <dgm:param type="endPts" val="bCtr"/>
-            </dgm:alg>
-            <dgm:shape xmlns:r="http://schemas.openxmlformats.org/officeDocument/2006/relationships" type="conn" r:blip="" zOrderOff="-2">
-              <dgm:adjLst/>
-            </dgm:shape>
-            <dgm:presOf axis="self"/>
-            <dgm:choose name="Name10">
-              <dgm:if name="Name11" func="var" arg="dir" op="equ" val="norm">
-                <dgm:constrLst>
-                  <dgm:constr type="h" refType="w" fact="0.35"/>
-                  <dgm:constr type="wArH" refType="h"/>
-                  <dgm:constr type="hArH" refType="h"/>
-                  <dgm:constr type="connDist"/>
-                  <dgm:constr type="diam" refType="connDist" fact="-1.15"/>
-                  <dgm:constr type="begPad"/>
-                  <dgm:constr type="endPad"/>
-                </dgm:constrLst>
-              </dgm:if>
-              <dgm:else name="Name12">
-                <dgm:constrLst>
-                  <dgm:constr type="h" refType="w" fact="0.35"/>
-                  <dgm:constr type="wArH" refType="h"/>
-                  <dgm:constr type="hArH" refType="h"/>
-                  <dgm:constr type="connDist"/>
-                  <dgm:constr type="diam" refType="connDist" fact="1.15"/>
-                  <dgm:constr type="begPad"/>
-                  <dgm:constr type="endPad"/>
-                </dgm:constrLst>
-              </dgm:else>
-            </dgm:choose>
-            <dgm:ruleLst/>
-          </dgm:layoutNode>
-        </dgm:forEach>
-        <dgm:forEach name="Name13" axis="followSib" ptType="node" cnt="1">
-          <dgm:layoutNode name="composite2">
-            <dgm:alg type="composite">
-              <dgm:param type="ar" val="0.943"/>
-            </dgm:alg>
-            <dgm:shape xmlns:r="http://schemas.openxmlformats.org/officeDocument/2006/relationships" r:blip="">
-              <dgm:adjLst/>
-            </dgm:shape>
-            <dgm:presOf/>
-            <dgm:choose name="Name14">
-              <dgm:if name="Name15" func="var" arg="dir" op="equ" val="norm">
-                <dgm:constrLst>
-                  <dgm:constr type="h" refType="w" fact="1.06"/>
-                  <dgm:constr type="w" for="ch" forName="dummyNode2" refType="w"/>
-                  <dgm:constr type="h" for="ch" forName="dummyNode2" refType="h"/>
-                  <dgm:constr type="t" for="ch" forName="dummyNode2"/>
-                  <dgm:constr type="l" for="ch" forName="dummyNode2"/>
-                  <dgm:constr type="w" for="ch" forName="childNode2" refType="w" fact="0.9"/>
-                  <dgm:constr type="h" for="ch" forName="childNode2" refType="h" fact="0.7"/>
-                  <dgm:constr type="t" for="ch" forName="childNode2" refType="h" fact="0.15"/>
-                  <dgm:constr type="l" for="ch" forName="childNode2"/>
-                  <dgm:constr type="w" for="ch" forName="childNode2tx" refType="w" fact="0.9"/>
-                  <dgm:constr type="h" for="ch" forName="childNode2tx" refType="h" fact="0.55"/>
-                  <dgm:constr type="t" for="ch" forName="childNode2tx" refType="h" fact="0.3"/>
-                  <dgm:constr type="l" for="ch" forName="childNode2tx"/>
-                  <dgm:constr type="w" for="ch" forName="parentNode2" refType="w" fact="0.8"/>
-                  <dgm:constr type="h" for="ch" forName="parentNode2" refType="h" fact="0.3"/>
-                  <dgm:constr type="t" for="ch" forName="parentNode2"/>
-                  <dgm:constr type="l" for="ch" forName="parentNode2" refType="w" fact="0.2"/>
-                  <dgm:constr type="w" for="ch" forName="connSite2" refType="w" fact="0.01"/>
-                  <dgm:constr type="h" for="ch" forName="connSite2" refType="h" fact="0.01"/>
-                  <dgm:constr type="t" for="ch" forName="connSite2" refType="h" fact="0.99"/>
-                  <dgm:constr type="l" for="ch" forName="connSite2" refType="w" fact="0.25"/>
-                </dgm:constrLst>
-              </dgm:if>
-              <dgm:else name="Name16">
-                <dgm:constrLst>
-                  <dgm:constr type="h" refType="w" fact="1.06"/>
-                  <dgm:constr type="w" for="ch" forName="dummyNode2" refType="w"/>
-                  <dgm:constr type="h" for="ch" forName="dummyNode2" refType="h"/>
-                  <dgm:constr type="t" for="ch" forName="dummyNode2"/>
-                  <dgm:constr type="l" for="ch" forName="dummyNode2"/>
-                  <dgm:constr type="w" for="ch" forName="childNode2" refType="w" fact="0.9"/>
-                  <dgm:constr type="h" for="ch" forName="childNode2" refType="h" fact="0.7"/>
-                  <dgm:constr type="t" for="ch" forName="childNode2" refType="h" fact="0.15"/>
-                  <dgm:constr type="l" for="ch" forName="childNode2" refType="w" fact="0.1"/>
-                  <dgm:constr type="w" for="ch" forName="childNode2tx" refType="w" fact="0.9"/>
-                  <dgm:constr type="h" for="ch" forName="childNode2tx" refType="h" fact="0.55"/>
-                  <dgm:constr type="t" for="ch" forName="childNode2tx" refType="h" fact="0.3"/>
-                  <dgm:constr type="l" for="ch" forName="childNode2tx" refType="w" fact="0.1"/>
-                  <dgm:constr type="w" for="ch" forName="parentNode2" refType="w" fact="0.8"/>
-                  <dgm:constr type="h" for="ch" forName="parentNode2" refType="h" fact="0.3"/>
-                  <dgm:constr type="t" for="ch" forName="parentNode2"/>
-                  <dgm:constr type="l" for="ch" forName="parentNode2"/>
-                  <dgm:constr type="w" for="ch" forName="connSite2" refType="w" fact="0.01"/>
-                  <dgm:constr type="h" for="ch" forName="connSite2" refType="h" fact="0.01"/>
-                  <dgm:constr type="t" for="ch" forName="connSite2" refType="h" fact="0.99"/>
-                  <dgm:constr type="l" for="ch" forName="connSite2" refType="w" fact="0.85"/>
-                </dgm:constrLst>
-              </dgm:else>
-            </dgm:choose>
-            <dgm:ruleLst/>
-            <dgm:layoutNode name="dummyNode2">
-              <dgm:alg type="sp"/>
-              <dgm:shape xmlns:r="http://schemas.openxmlformats.org/officeDocument/2006/relationships" type="rect" r:blip="" hideGeom="1">
-                <dgm:adjLst/>
-              </dgm:shape>
-              <dgm:presOf/>
-              <dgm:constrLst/>
-              <dgm:ruleLst/>
-            </dgm:layoutNode>
-            <dgm:layoutNode name="childNode2" styleLbl="bgAcc1">
-              <dgm:varLst>
-                <dgm:bulletEnabled val="1"/>
-              </dgm:varLst>
-              <dgm:alg type="sp"/>
-              <dgm:shape xmlns:r="http://schemas.openxmlformats.org/officeDocument/2006/relationships" type="roundRect" r:blip="">
-                <dgm:adjLst>
-                  <dgm:adj idx="1" val="0.1"/>
-                </dgm:adjLst>
-              </dgm:shape>
-              <dgm:presOf axis="des" ptType="node"/>
-              <dgm:constrLst/>
-              <dgm:ruleLst/>
-            </dgm:layoutNode>
-            <dgm:layoutNode name="childNode2tx" styleLbl="bgAcc1">
-              <dgm:varLst>
-                <dgm:bulletEnabled val="1"/>
-              </dgm:varLst>
-              <dgm:alg type="tx">
-                <dgm:param type="stBulletLvl" val="1"/>
-              </dgm:alg>
-              <dgm:shape xmlns:r="http://schemas.openxmlformats.org/officeDocument/2006/relationships" type="roundRect" r:blip="" hideGeom="1">
-                <dgm:adjLst>
-                  <dgm:adj idx="1" val="0.1"/>
-                </dgm:adjLst>
-              </dgm:shape>
-              <dgm:presOf axis="des" ptType="node"/>
-              <dgm:constrLst>
-                <dgm:constr type="secFontSz" val="65"/>
-                <dgm:constr type="primFontSz" refType="secFontSz"/>
-                <dgm:constr type="tMarg" refType="secFontSz" fact="0.15"/>
-                <dgm:constr type="bMarg" refType="secFontSz" fact="0.15"/>
-                <dgm:constr type="lMarg" refType="secFontSz" fact="0.15"/>
-                <dgm:constr type="rMarg" refType="secFontSz" fact="0.15"/>
-              </dgm:constrLst>
-              <dgm:ruleLst>
-                <dgm:rule type="secFontSz" val="5" fact="NaN" max="NaN"/>
-              </dgm:ruleLst>
-            </dgm:layoutNode>
-            <dgm:layoutNode name="parentNode2" styleLbl="node1">
-              <dgm:varLst>
-                <dgm:chMax val="0"/>
-                <dgm:bulletEnabled val="1"/>
-              </dgm:varLst>
-              <dgm:alg type="tx"/>
-              <dgm:shape xmlns:r="http://schemas.openxmlformats.org/officeDocument/2006/relationships" type="roundRect" r:blip="">
-                <dgm:adjLst>
-                  <dgm:adj idx="1" val="0.1"/>
-                </dgm:adjLst>
-              </dgm:shape>
-              <dgm:presOf axis="self"/>
-              <dgm:constrLst>
-                <dgm:constr type="tMarg" refType="primFontSz" fact="0.1"/>
-                <dgm:constr type="bMarg" refType="primFontSz" fact="0.1"/>
-                <dgm:constr type="lMarg" refType="primFontSz" fact="0.15"/>
-                <dgm:constr type="rMarg" refType="primFontSz" fact="0.15"/>
-              </dgm:constrLst>
-              <dgm:ruleLst>
-                <dgm:rule type="primFontSz" val="5" fact="NaN" max="NaN"/>
-              </dgm:ruleLst>
-            </dgm:layoutNode>
-            <dgm:layoutNode name="connSite2" moveWith="childNode2">
-              <dgm:alg type="sp"/>
-              <dgm:shape xmlns:r="http://schemas.openxmlformats.org/officeDocument/2006/relationships" r:blip="">
-                <dgm:adjLst/>
-              </dgm:shape>
-              <dgm:presOf/>
-              <dgm:constrLst/>
-              <dgm:ruleLst/>
-            </dgm:layoutNode>
-          </dgm:layoutNode>
-          <dgm:forEach name="Name17" axis="followSib" ptType="sibTrans" cnt="1">
-            <dgm:layoutNode name="Name18">
-              <dgm:alg type="conn">
-                <dgm:param type="connRout" val="curve"/>
-                <dgm:param type="srcNode" val="parentNode2"/>
-                <dgm:param type="dstNode" val="connSite1"/>
-                <dgm:param type="begPts" val="tCtr"/>
-                <dgm:param type="endPts" val="tCtr"/>
-              </dgm:alg>
-              <dgm:shape xmlns:r="http://schemas.openxmlformats.org/officeDocument/2006/relationships" type="conn" r:blip="" zOrderOff="-2">
-                <dgm:adjLst/>
-              </dgm:shape>
-              <dgm:presOf axis="self"/>
-              <dgm:choose name="Name19">
-                <dgm:if name="Name20" func="var" arg="dir" op="equ" val="norm">
-                  <dgm:constrLst>
-                    <dgm:constr type="h" refType="w" fact="0.35"/>
-                    <dgm:constr type="wArH" refType="h"/>
-                    <dgm:constr type="hArH" refType="h"/>
-                    <dgm:constr type="connDist"/>
-                    <dgm:constr type="diam" refType="connDist" fact="1.15"/>
-                    <dgm:constr type="begPad"/>
-                    <dgm:constr type="endPad"/>
-                  </dgm:constrLst>
-                </dgm:if>
-                <dgm:else name="Name21">
-                  <dgm:constrLst>
-                    <dgm:constr type="h" refType="w" fact="0.35"/>
-                    <dgm:constr type="wArH" refType="h"/>
-                    <dgm:constr type="hArH" refType="h"/>
-                    <dgm:constr type="connDist"/>
-                    <dgm:constr type="diam" refType="connDist" fact="-1.15"/>
-                    <dgm:constr type="begPad"/>
-                    <dgm:constr type="endPad"/>
-                  </dgm:constrLst>
-                </dgm:else>
-              </dgm:choose>
-              <dgm:ruleLst/>
-            </dgm:layoutNode>
-          </dgm:forEach>
-        </dgm:forEach>
-      </dgm:forEach>
-    </dgm:layoutNode>
-  </dgm:layoutNode>
-</dgm:layoutDef>
-</file>
-
 <file path=ppt/diagrams/quickStyle1.xml><?xml version="1.0" encoding="utf-8"?>
 <dgm:styleDef xmlns:dgm="http://schemas.openxmlformats.org/drawingml/2006/diagram" xmlns:a="http://schemas.openxmlformats.org/drawingml/2006/main" uniqueId="urn:microsoft.com/office/officeart/2005/8/quickstyle/simple1">
   <dgm:title val=""/>
@@ -10257,1040 +5787,6 @@
 </file>
 
 <file path=ppt/diagrams/quickStyle2.xml><?xml version="1.0" encoding="utf-8"?>
-<dgm:styleDef xmlns:dgm="http://schemas.openxmlformats.org/drawingml/2006/diagram" xmlns:a="http://schemas.openxmlformats.org/drawingml/2006/main" uniqueId="urn:microsoft.com/office/officeart/2005/8/quickstyle/simple1">
-  <dgm:title val=""/>
-  <dgm:desc val=""/>
-  <dgm:catLst>
-    <dgm:cat type="simple" pri="10100"/>
-  </dgm:catLst>
-  <dgm:scene3d>
-    <a:camera prst="orthographicFront"/>
-    <a:lightRig rig="threePt" dir="t"/>
-  </dgm:scene3d>
-  <dgm:styleLbl name="node0">
-    <dgm:scene3d>
-      <a:camera prst="orthographicFront"/>
-      <a:lightRig rig="threePt" dir="t"/>
-    </dgm:scene3d>
-    <dgm:sp3d/>
-    <dgm:txPr/>
-    <dgm:style>
-      <a:lnRef idx="2">
-        <a:scrgbClr r="0" g="0" b="0"/>
-      </a:lnRef>
-      <a:fillRef idx="1">
-        <a:scrgbClr r="0" g="0" b="0"/>
-      </a:fillRef>
-      <a:effectRef idx="0">
-        <a:scrgbClr r="0" g="0" b="0"/>
-      </a:effectRef>
-      <a:fontRef idx="minor">
-        <a:schemeClr val="lt1"/>
-      </a:fontRef>
-    </dgm:style>
-  </dgm:styleLbl>
-  <dgm:styleLbl name="lnNode1">
-    <dgm:scene3d>
-      <a:camera prst="orthographicFront"/>
-      <a:lightRig rig="threePt" dir="t"/>
-    </dgm:scene3d>
-    <dgm:sp3d/>
-    <dgm:txPr/>
-    <dgm:style>
-      <a:lnRef idx="2">
-        <a:scrgbClr r="0" g="0" b="0"/>
-      </a:lnRef>
-      <a:fillRef idx="1">
-        <a:scrgbClr r="0" g="0" b="0"/>
-      </a:fillRef>
-      <a:effectRef idx="0">
-        <a:scrgbClr r="0" g="0" b="0"/>
-      </a:effectRef>
-      <a:fontRef idx="minor">
-        <a:schemeClr val="lt1"/>
-      </a:fontRef>
-    </dgm:style>
-  </dgm:styleLbl>
-  <dgm:styleLbl name="vennNode1">
-    <dgm:scene3d>
-      <a:camera prst="orthographicFront"/>
-      <a:lightRig rig="threePt" dir="t"/>
-    </dgm:scene3d>
-    <dgm:sp3d/>
-    <dgm:txPr/>
-    <dgm:style>
-      <a:lnRef idx="2">
-        <a:scrgbClr r="0" g="0" b="0"/>
-      </a:lnRef>
-      <a:fillRef idx="1">
-        <a:scrgbClr r="0" g="0" b="0"/>
-      </a:fillRef>
-      <a:effectRef idx="0">
-        <a:scrgbClr r="0" g="0" b="0"/>
-      </a:effectRef>
-      <a:fontRef idx="minor">
-        <a:schemeClr val="tx1"/>
-      </a:fontRef>
-    </dgm:style>
-  </dgm:styleLbl>
-  <dgm:styleLbl name="alignNode1">
-    <dgm:scene3d>
-      <a:camera prst="orthographicFront"/>
-      <a:lightRig rig="threePt" dir="t"/>
-    </dgm:scene3d>
-    <dgm:sp3d/>
-    <dgm:txPr/>
-    <dgm:style>
-      <a:lnRef idx="2">
-        <a:scrgbClr r="0" g="0" b="0"/>
-      </a:lnRef>
-      <a:fillRef idx="1">
-        <a:scrgbClr r="0" g="0" b="0"/>
-      </a:fillRef>
-      <a:effectRef idx="0">
-        <a:scrgbClr r="0" g="0" b="0"/>
-      </a:effectRef>
-      <a:fontRef idx="minor">
-        <a:schemeClr val="lt1"/>
-      </a:fontRef>
-    </dgm:style>
-  </dgm:styleLbl>
-  <dgm:styleLbl name="node1">
-    <dgm:scene3d>
-      <a:camera prst="orthographicFront"/>
-      <a:lightRig rig="threePt" dir="t"/>
-    </dgm:scene3d>
-    <dgm:sp3d/>
-    <dgm:txPr/>
-    <dgm:style>
-      <a:lnRef idx="2">
-        <a:scrgbClr r="0" g="0" b="0"/>
-      </a:lnRef>
-      <a:fillRef idx="1">
-        <a:scrgbClr r="0" g="0" b="0"/>
-      </a:fillRef>
-      <a:effectRef idx="0">
-        <a:scrgbClr r="0" g="0" b="0"/>
-      </a:effectRef>
-      <a:fontRef idx="minor">
-        <a:schemeClr val="lt1"/>
-      </a:fontRef>
-    </dgm:style>
-  </dgm:styleLbl>
-  <dgm:styleLbl name="node2">
-    <dgm:scene3d>
-      <a:camera prst="orthographicFront"/>
-      <a:lightRig rig="threePt" dir="t"/>
-    </dgm:scene3d>
-    <dgm:sp3d/>
-    <dgm:txPr/>
-    <dgm:style>
-      <a:lnRef idx="2">
-        <a:scrgbClr r="0" g="0" b="0"/>
-      </a:lnRef>
-      <a:fillRef idx="1">
-        <a:scrgbClr r="0" g="0" b="0"/>
-      </a:fillRef>
-      <a:effectRef idx="0">
-        <a:scrgbClr r="0" g="0" b="0"/>
-      </a:effectRef>
-      <a:fontRef idx="minor">
-        <a:schemeClr val="lt1"/>
-      </a:fontRef>
-    </dgm:style>
-  </dgm:styleLbl>
-  <dgm:styleLbl name="node3">
-    <dgm:scene3d>
-      <a:camera prst="orthographicFront"/>
-      <a:lightRig rig="threePt" dir="t"/>
-    </dgm:scene3d>
-    <dgm:sp3d/>
-    <dgm:txPr/>
-    <dgm:style>
-      <a:lnRef idx="2">
-        <a:scrgbClr r="0" g="0" b="0"/>
-      </a:lnRef>
-      <a:fillRef idx="1">
-        <a:scrgbClr r="0" g="0" b="0"/>
-      </a:fillRef>
-      <a:effectRef idx="0">
-        <a:scrgbClr r="0" g="0" b="0"/>
-      </a:effectRef>
-      <a:fontRef idx="minor">
-        <a:schemeClr val="lt1"/>
-      </a:fontRef>
-    </dgm:style>
-  </dgm:styleLbl>
-  <dgm:styleLbl name="node4">
-    <dgm:scene3d>
-      <a:camera prst="orthographicFront"/>
-      <a:lightRig rig="threePt" dir="t"/>
-    </dgm:scene3d>
-    <dgm:sp3d/>
-    <dgm:txPr/>
-    <dgm:style>
-      <a:lnRef idx="2">
-        <a:scrgbClr r="0" g="0" b="0"/>
-      </a:lnRef>
-      <a:fillRef idx="1">
-        <a:scrgbClr r="0" g="0" b="0"/>
-      </a:fillRef>
-      <a:effectRef idx="0">
-        <a:scrgbClr r="0" g="0" b="0"/>
-      </a:effectRef>
-      <a:fontRef idx="minor">
-        <a:schemeClr val="lt1"/>
-      </a:fontRef>
-    </dgm:style>
-  </dgm:styleLbl>
-  <dgm:styleLbl name="fgImgPlace1">
-    <dgm:scene3d>
-      <a:camera prst="orthographicFront"/>
-      <a:lightRig rig="threePt" dir="t"/>
-    </dgm:scene3d>
-    <dgm:sp3d/>
-    <dgm:txPr/>
-    <dgm:style>
-      <a:lnRef idx="2">
-        <a:scrgbClr r="0" g="0" b="0"/>
-      </a:lnRef>
-      <a:fillRef idx="1">
-        <a:scrgbClr r="0" g="0" b="0"/>
-      </a:fillRef>
-      <a:effectRef idx="0">
-        <a:scrgbClr r="0" g="0" b="0"/>
-      </a:effectRef>
-      <a:fontRef idx="minor"/>
-    </dgm:style>
-  </dgm:styleLbl>
-  <dgm:styleLbl name="alignImgPlace1">
-    <dgm:scene3d>
-      <a:camera prst="orthographicFront"/>
-      <a:lightRig rig="threePt" dir="t"/>
-    </dgm:scene3d>
-    <dgm:sp3d/>
-    <dgm:txPr/>
-    <dgm:style>
-      <a:lnRef idx="2">
-        <a:scrgbClr r="0" g="0" b="0"/>
-      </a:lnRef>
-      <a:fillRef idx="1">
-        <a:scrgbClr r="0" g="0" b="0"/>
-      </a:fillRef>
-      <a:effectRef idx="0">
-        <a:scrgbClr r="0" g="0" b="0"/>
-      </a:effectRef>
-      <a:fontRef idx="minor"/>
-    </dgm:style>
-  </dgm:styleLbl>
-  <dgm:styleLbl name="bgImgPlace1">
-    <dgm:scene3d>
-      <a:camera prst="orthographicFront"/>
-      <a:lightRig rig="threePt" dir="t"/>
-    </dgm:scene3d>
-    <dgm:sp3d/>
-    <dgm:txPr/>
-    <dgm:style>
-      <a:lnRef idx="2">
-        <a:scrgbClr r="0" g="0" b="0"/>
-      </a:lnRef>
-      <a:fillRef idx="1">
-        <a:scrgbClr r="0" g="0" b="0"/>
-      </a:fillRef>
-      <a:effectRef idx="0">
-        <a:scrgbClr r="0" g="0" b="0"/>
-      </a:effectRef>
-      <a:fontRef idx="minor"/>
-    </dgm:style>
-  </dgm:styleLbl>
-  <dgm:styleLbl name="sibTrans2D1">
-    <dgm:scene3d>
-      <a:camera prst="orthographicFront"/>
-      <a:lightRig rig="threePt" dir="t"/>
-    </dgm:scene3d>
-    <dgm:sp3d/>
-    <dgm:txPr/>
-    <dgm:style>
-      <a:lnRef idx="0">
-        <a:scrgbClr r="0" g="0" b="0"/>
-      </a:lnRef>
-      <a:fillRef idx="1">
-        <a:scrgbClr r="0" g="0" b="0"/>
-      </a:fillRef>
-      <a:effectRef idx="0">
-        <a:scrgbClr r="0" g="0" b="0"/>
-      </a:effectRef>
-      <a:fontRef idx="minor">
-        <a:schemeClr val="lt1"/>
-      </a:fontRef>
-    </dgm:style>
-  </dgm:styleLbl>
-  <dgm:styleLbl name="fgSibTrans2D1">
-    <dgm:scene3d>
-      <a:camera prst="orthographicFront"/>
-      <a:lightRig rig="threePt" dir="t"/>
-    </dgm:scene3d>
-    <dgm:sp3d/>
-    <dgm:txPr/>
-    <dgm:style>
-      <a:lnRef idx="0">
-        <a:scrgbClr r="0" g="0" b="0"/>
-      </a:lnRef>
-      <a:fillRef idx="1">
-        <a:scrgbClr r="0" g="0" b="0"/>
-      </a:fillRef>
-      <a:effectRef idx="0">
-        <a:scrgbClr r="0" g="0" b="0"/>
-      </a:effectRef>
-      <a:fontRef idx="minor">
-        <a:schemeClr val="lt1"/>
-      </a:fontRef>
-    </dgm:style>
-  </dgm:styleLbl>
-  <dgm:styleLbl name="bgSibTrans2D1">
-    <dgm:scene3d>
-      <a:camera prst="orthographicFront"/>
-      <a:lightRig rig="threePt" dir="t"/>
-    </dgm:scene3d>
-    <dgm:sp3d/>
-    <dgm:txPr/>
-    <dgm:style>
-      <a:lnRef idx="0">
-        <a:scrgbClr r="0" g="0" b="0"/>
-      </a:lnRef>
-      <a:fillRef idx="1">
-        <a:scrgbClr r="0" g="0" b="0"/>
-      </a:fillRef>
-      <a:effectRef idx="0">
-        <a:scrgbClr r="0" g="0" b="0"/>
-      </a:effectRef>
-      <a:fontRef idx="minor">
-        <a:schemeClr val="lt1"/>
-      </a:fontRef>
-    </dgm:style>
-  </dgm:styleLbl>
-  <dgm:styleLbl name="sibTrans1D1">
-    <dgm:scene3d>
-      <a:camera prst="orthographicFront"/>
-      <a:lightRig rig="threePt" dir="t"/>
-    </dgm:scene3d>
-    <dgm:sp3d/>
-    <dgm:txPr/>
-    <dgm:style>
-      <a:lnRef idx="1">
-        <a:scrgbClr r="0" g="0" b="0"/>
-      </a:lnRef>
-      <a:fillRef idx="0">
-        <a:scrgbClr r="0" g="0" b="0"/>
-      </a:fillRef>
-      <a:effectRef idx="0">
-        <a:scrgbClr r="0" g="0" b="0"/>
-      </a:effectRef>
-      <a:fontRef idx="minor"/>
-    </dgm:style>
-  </dgm:styleLbl>
-  <dgm:styleLbl name="callout">
-    <dgm:scene3d>
-      <a:camera prst="orthographicFront"/>
-      <a:lightRig rig="threePt" dir="t"/>
-    </dgm:scene3d>
-    <dgm:sp3d/>
-    <dgm:txPr/>
-    <dgm:style>
-      <a:lnRef idx="2">
-        <a:scrgbClr r="0" g="0" b="0"/>
-      </a:lnRef>
-      <a:fillRef idx="1">
-        <a:scrgbClr r="0" g="0" b="0"/>
-      </a:fillRef>
-      <a:effectRef idx="0">
-        <a:scrgbClr r="0" g="0" b="0"/>
-      </a:effectRef>
-      <a:fontRef idx="minor"/>
-    </dgm:style>
-  </dgm:styleLbl>
-  <dgm:styleLbl name="asst0">
-    <dgm:scene3d>
-      <a:camera prst="orthographicFront"/>
-      <a:lightRig rig="threePt" dir="t"/>
-    </dgm:scene3d>
-    <dgm:sp3d/>
-    <dgm:txPr/>
-    <dgm:style>
-      <a:lnRef idx="2">
-        <a:scrgbClr r="0" g="0" b="0"/>
-      </a:lnRef>
-      <a:fillRef idx="1">
-        <a:scrgbClr r="0" g="0" b="0"/>
-      </a:fillRef>
-      <a:effectRef idx="0">
-        <a:scrgbClr r="0" g="0" b="0"/>
-      </a:effectRef>
-      <a:fontRef idx="minor">
-        <a:schemeClr val="lt1"/>
-      </a:fontRef>
-    </dgm:style>
-  </dgm:styleLbl>
-  <dgm:styleLbl name="asst1">
-    <dgm:scene3d>
-      <a:camera prst="orthographicFront"/>
-      <a:lightRig rig="threePt" dir="t"/>
-    </dgm:scene3d>
-    <dgm:sp3d/>
-    <dgm:txPr/>
-    <dgm:style>
-      <a:lnRef idx="2">
-        <a:scrgbClr r="0" g="0" b="0"/>
-      </a:lnRef>
-      <a:fillRef idx="1">
-        <a:scrgbClr r="0" g="0" b="0"/>
-      </a:fillRef>
-      <a:effectRef idx="0">
-        <a:scrgbClr r="0" g="0" b="0"/>
-      </a:effectRef>
-      <a:fontRef idx="minor">
-        <a:schemeClr val="lt1"/>
-      </a:fontRef>
-    </dgm:style>
-  </dgm:styleLbl>
-  <dgm:styleLbl name="asst2">
-    <dgm:scene3d>
-      <a:camera prst="orthographicFront"/>
-      <a:lightRig rig="threePt" dir="t"/>
-    </dgm:scene3d>
-    <dgm:sp3d/>
-    <dgm:txPr/>
-    <dgm:style>
-      <a:lnRef idx="2">
-        <a:scrgbClr r="0" g="0" b="0"/>
-      </a:lnRef>
-      <a:fillRef idx="1">
-        <a:scrgbClr r="0" g="0" b="0"/>
-      </a:fillRef>
-      <a:effectRef idx="0">
-        <a:scrgbClr r="0" g="0" b="0"/>
-      </a:effectRef>
-      <a:fontRef idx="minor">
-        <a:schemeClr val="lt1"/>
-      </a:fontRef>
-    </dgm:style>
-  </dgm:styleLbl>
-  <dgm:styleLbl name="asst3">
-    <dgm:scene3d>
-      <a:camera prst="orthographicFront"/>
-      <a:lightRig rig="threePt" dir="t"/>
-    </dgm:scene3d>
-    <dgm:sp3d/>
-    <dgm:txPr/>
-    <dgm:style>
-      <a:lnRef idx="2">
-        <a:scrgbClr r="0" g="0" b="0"/>
-      </a:lnRef>
-      <a:fillRef idx="1">
-        <a:scrgbClr r="0" g="0" b="0"/>
-      </a:fillRef>
-      <a:effectRef idx="0">
-        <a:scrgbClr r="0" g="0" b="0"/>
-      </a:effectRef>
-      <a:fontRef idx="minor">
-        <a:schemeClr val="lt1"/>
-      </a:fontRef>
-    </dgm:style>
-  </dgm:styleLbl>
-  <dgm:styleLbl name="asst4">
-    <dgm:scene3d>
-      <a:camera prst="orthographicFront"/>
-      <a:lightRig rig="threePt" dir="t"/>
-    </dgm:scene3d>
-    <dgm:sp3d/>
-    <dgm:txPr/>
-    <dgm:style>
-      <a:lnRef idx="2">
-        <a:scrgbClr r="0" g="0" b="0"/>
-      </a:lnRef>
-      <a:fillRef idx="1">
-        <a:scrgbClr r="0" g="0" b="0"/>
-      </a:fillRef>
-      <a:effectRef idx="0">
-        <a:scrgbClr r="0" g="0" b="0"/>
-      </a:effectRef>
-      <a:fontRef idx="minor">
-        <a:schemeClr val="lt1"/>
-      </a:fontRef>
-    </dgm:style>
-  </dgm:styleLbl>
-  <dgm:styleLbl name="parChTrans2D1">
-    <dgm:scene3d>
-      <a:camera prst="orthographicFront"/>
-      <a:lightRig rig="threePt" dir="t"/>
-    </dgm:scene3d>
-    <dgm:sp3d/>
-    <dgm:txPr/>
-    <dgm:style>
-      <a:lnRef idx="2">
-        <a:scrgbClr r="0" g="0" b="0"/>
-      </a:lnRef>
-      <a:fillRef idx="1">
-        <a:scrgbClr r="0" g="0" b="0"/>
-      </a:fillRef>
-      <a:effectRef idx="0">
-        <a:scrgbClr r="0" g="0" b="0"/>
-      </a:effectRef>
-      <a:fontRef idx="minor">
-        <a:schemeClr val="lt1"/>
-      </a:fontRef>
-    </dgm:style>
-  </dgm:styleLbl>
-  <dgm:styleLbl name="parChTrans2D2">
-    <dgm:scene3d>
-      <a:camera prst="orthographicFront"/>
-      <a:lightRig rig="threePt" dir="t"/>
-    </dgm:scene3d>
-    <dgm:sp3d/>
-    <dgm:txPr/>
-    <dgm:style>
-      <a:lnRef idx="2">
-        <a:scrgbClr r="0" g="0" b="0"/>
-      </a:lnRef>
-      <a:fillRef idx="1">
-        <a:scrgbClr r="0" g="0" b="0"/>
-      </a:fillRef>
-      <a:effectRef idx="0">
-        <a:scrgbClr r="0" g="0" b="0"/>
-      </a:effectRef>
-      <a:fontRef idx="minor">
-        <a:schemeClr val="lt1"/>
-      </a:fontRef>
-    </dgm:style>
-  </dgm:styleLbl>
-  <dgm:styleLbl name="parChTrans2D3">
-    <dgm:scene3d>
-      <a:camera prst="orthographicFront"/>
-      <a:lightRig rig="threePt" dir="t"/>
-    </dgm:scene3d>
-    <dgm:sp3d/>
-    <dgm:txPr/>
-    <dgm:style>
-      <a:lnRef idx="2">
-        <a:scrgbClr r="0" g="0" b="0"/>
-      </a:lnRef>
-      <a:fillRef idx="1">
-        <a:scrgbClr r="0" g="0" b="0"/>
-      </a:fillRef>
-      <a:effectRef idx="0">
-        <a:scrgbClr r="0" g="0" b="0"/>
-      </a:effectRef>
-      <a:fontRef idx="minor">
-        <a:schemeClr val="lt1"/>
-      </a:fontRef>
-    </dgm:style>
-  </dgm:styleLbl>
-  <dgm:styleLbl name="parChTrans2D4">
-    <dgm:scene3d>
-      <a:camera prst="orthographicFront"/>
-      <a:lightRig rig="threePt" dir="t"/>
-    </dgm:scene3d>
-    <dgm:sp3d/>
-    <dgm:txPr/>
-    <dgm:style>
-      <a:lnRef idx="2">
-        <a:scrgbClr r="0" g="0" b="0"/>
-      </a:lnRef>
-      <a:fillRef idx="1">
-        <a:scrgbClr r="0" g="0" b="0"/>
-      </a:fillRef>
-      <a:effectRef idx="0">
-        <a:scrgbClr r="0" g="0" b="0"/>
-      </a:effectRef>
-      <a:fontRef idx="minor">
-        <a:schemeClr val="lt1"/>
-      </a:fontRef>
-    </dgm:style>
-  </dgm:styleLbl>
-  <dgm:styleLbl name="parChTrans1D1">
-    <dgm:scene3d>
-      <a:camera prst="orthographicFront"/>
-      <a:lightRig rig="threePt" dir="t"/>
-    </dgm:scene3d>
-    <dgm:sp3d/>
-    <dgm:txPr/>
-    <dgm:style>
-      <a:lnRef idx="2">
-        <a:scrgbClr r="0" g="0" b="0"/>
-      </a:lnRef>
-      <a:fillRef idx="0">
-        <a:scrgbClr r="0" g="0" b="0"/>
-      </a:fillRef>
-      <a:effectRef idx="0">
-        <a:scrgbClr r="0" g="0" b="0"/>
-      </a:effectRef>
-      <a:fontRef idx="minor"/>
-    </dgm:style>
-  </dgm:styleLbl>
-  <dgm:styleLbl name="parChTrans1D2">
-    <dgm:scene3d>
-      <a:camera prst="orthographicFront"/>
-      <a:lightRig rig="threePt" dir="t"/>
-    </dgm:scene3d>
-    <dgm:sp3d/>
-    <dgm:txPr/>
-    <dgm:style>
-      <a:lnRef idx="2">
-        <a:scrgbClr r="0" g="0" b="0"/>
-      </a:lnRef>
-      <a:fillRef idx="0">
-        <a:scrgbClr r="0" g="0" b="0"/>
-      </a:fillRef>
-      <a:effectRef idx="0">
-        <a:scrgbClr r="0" g="0" b="0"/>
-      </a:effectRef>
-      <a:fontRef idx="minor"/>
-    </dgm:style>
-  </dgm:styleLbl>
-  <dgm:styleLbl name="parChTrans1D3">
-    <dgm:scene3d>
-      <a:camera prst="orthographicFront"/>
-      <a:lightRig rig="threePt" dir="t"/>
-    </dgm:scene3d>
-    <dgm:sp3d/>
-    <dgm:txPr/>
-    <dgm:style>
-      <a:lnRef idx="2">
-        <a:scrgbClr r="0" g="0" b="0"/>
-      </a:lnRef>
-      <a:fillRef idx="0">
-        <a:scrgbClr r="0" g="0" b="0"/>
-      </a:fillRef>
-      <a:effectRef idx="0">
-        <a:scrgbClr r="0" g="0" b="0"/>
-      </a:effectRef>
-      <a:fontRef idx="minor"/>
-    </dgm:style>
-  </dgm:styleLbl>
-  <dgm:styleLbl name="parChTrans1D4">
-    <dgm:scene3d>
-      <a:camera prst="orthographicFront"/>
-      <a:lightRig rig="threePt" dir="t"/>
-    </dgm:scene3d>
-    <dgm:sp3d/>
-    <dgm:txPr/>
-    <dgm:style>
-      <a:lnRef idx="2">
-        <a:scrgbClr r="0" g="0" b="0"/>
-      </a:lnRef>
-      <a:fillRef idx="0">
-        <a:scrgbClr r="0" g="0" b="0"/>
-      </a:fillRef>
-      <a:effectRef idx="0">
-        <a:scrgbClr r="0" g="0" b="0"/>
-      </a:effectRef>
-      <a:fontRef idx="minor"/>
-    </dgm:style>
-  </dgm:styleLbl>
-  <dgm:styleLbl name="fgAcc1">
-    <dgm:scene3d>
-      <a:camera prst="orthographicFront"/>
-      <a:lightRig rig="threePt" dir="t"/>
-    </dgm:scene3d>
-    <dgm:sp3d/>
-    <dgm:txPr/>
-    <dgm:style>
-      <a:lnRef idx="2">
-        <a:scrgbClr r="0" g="0" b="0"/>
-      </a:lnRef>
-      <a:fillRef idx="1">
-        <a:scrgbClr r="0" g="0" b="0"/>
-      </a:fillRef>
-      <a:effectRef idx="0">
-        <a:scrgbClr r="0" g="0" b="0"/>
-      </a:effectRef>
-      <a:fontRef idx="minor"/>
-    </dgm:style>
-  </dgm:styleLbl>
-  <dgm:styleLbl name="conFgAcc1">
-    <dgm:scene3d>
-      <a:camera prst="orthographicFront"/>
-      <a:lightRig rig="threePt" dir="t"/>
-    </dgm:scene3d>
-    <dgm:sp3d/>
-    <dgm:txPr/>
-    <dgm:style>
-      <a:lnRef idx="2">
-        <a:scrgbClr r="0" g="0" b="0"/>
-      </a:lnRef>
-      <a:fillRef idx="1">
-        <a:scrgbClr r="0" g="0" b="0"/>
-      </a:fillRef>
-      <a:effectRef idx="0">
-        <a:scrgbClr r="0" g="0" b="0"/>
-      </a:effectRef>
-      <a:fontRef idx="minor"/>
-    </dgm:style>
-  </dgm:styleLbl>
-  <dgm:styleLbl name="alignAcc1">
-    <dgm:scene3d>
-      <a:camera prst="orthographicFront"/>
-      <a:lightRig rig="threePt" dir="t"/>
-    </dgm:scene3d>
-    <dgm:sp3d/>
-    <dgm:txPr/>
-    <dgm:style>
-      <a:lnRef idx="2">
-        <a:scrgbClr r="0" g="0" b="0"/>
-      </a:lnRef>
-      <a:fillRef idx="1">
-        <a:scrgbClr r="0" g="0" b="0"/>
-      </a:fillRef>
-      <a:effectRef idx="0">
-        <a:scrgbClr r="0" g="0" b="0"/>
-      </a:effectRef>
-      <a:fontRef idx="minor"/>
-    </dgm:style>
-  </dgm:styleLbl>
-  <dgm:styleLbl name="trAlignAcc1">
-    <dgm:scene3d>
-      <a:camera prst="orthographicFront"/>
-      <a:lightRig rig="threePt" dir="t"/>
-    </dgm:scene3d>
-    <dgm:sp3d/>
-    <dgm:txPr/>
-    <dgm:style>
-      <a:lnRef idx="1">
-        <a:scrgbClr r="0" g="0" b="0"/>
-      </a:lnRef>
-      <a:fillRef idx="1">
-        <a:scrgbClr r="0" g="0" b="0"/>
-      </a:fillRef>
-      <a:effectRef idx="0">
-        <a:scrgbClr r="0" g="0" b="0"/>
-      </a:effectRef>
-      <a:fontRef idx="minor"/>
-    </dgm:style>
-  </dgm:styleLbl>
-  <dgm:styleLbl name="bgAcc1">
-    <dgm:scene3d>
-      <a:camera prst="orthographicFront"/>
-      <a:lightRig rig="threePt" dir="t"/>
-    </dgm:scene3d>
-    <dgm:sp3d/>
-    <dgm:txPr/>
-    <dgm:style>
-      <a:lnRef idx="2">
-        <a:scrgbClr r="0" g="0" b="0"/>
-      </a:lnRef>
-      <a:fillRef idx="1">
-        <a:scrgbClr r="0" g="0" b="0"/>
-      </a:fillRef>
-      <a:effectRef idx="0">
-        <a:scrgbClr r="0" g="0" b="0"/>
-      </a:effectRef>
-      <a:fontRef idx="minor"/>
-    </dgm:style>
-  </dgm:styleLbl>
-  <dgm:styleLbl name="solidFgAcc1">
-    <dgm:scene3d>
-      <a:camera prst="orthographicFront"/>
-      <a:lightRig rig="threePt" dir="t"/>
-    </dgm:scene3d>
-    <dgm:sp3d/>
-    <dgm:txPr/>
-    <dgm:style>
-      <a:lnRef idx="2">
-        <a:scrgbClr r="0" g="0" b="0"/>
-      </a:lnRef>
-      <a:fillRef idx="1">
-        <a:scrgbClr r="0" g="0" b="0"/>
-      </a:fillRef>
-      <a:effectRef idx="0">
-        <a:scrgbClr r="0" g="0" b="0"/>
-      </a:effectRef>
-      <a:fontRef idx="minor"/>
-    </dgm:style>
-  </dgm:styleLbl>
-  <dgm:styleLbl name="solidAlignAcc1">
-    <dgm:scene3d>
-      <a:camera prst="orthographicFront"/>
-      <a:lightRig rig="threePt" dir="t"/>
-    </dgm:scene3d>
-    <dgm:sp3d/>
-    <dgm:txPr/>
-    <dgm:style>
-      <a:lnRef idx="2">
-        <a:scrgbClr r="0" g="0" b="0"/>
-      </a:lnRef>
-      <a:fillRef idx="1">
-        <a:scrgbClr r="0" g="0" b="0"/>
-      </a:fillRef>
-      <a:effectRef idx="0">
-        <a:scrgbClr r="0" g="0" b="0"/>
-      </a:effectRef>
-      <a:fontRef idx="minor"/>
-    </dgm:style>
-  </dgm:styleLbl>
-  <dgm:styleLbl name="solidBgAcc1">
-    <dgm:scene3d>
-      <a:camera prst="orthographicFront"/>
-      <a:lightRig rig="threePt" dir="t"/>
-    </dgm:scene3d>
-    <dgm:sp3d/>
-    <dgm:txPr/>
-    <dgm:style>
-      <a:lnRef idx="2">
-        <a:scrgbClr r="0" g="0" b="0"/>
-      </a:lnRef>
-      <a:fillRef idx="1">
-        <a:scrgbClr r="0" g="0" b="0"/>
-      </a:fillRef>
-      <a:effectRef idx="0">
-        <a:scrgbClr r="0" g="0" b="0"/>
-      </a:effectRef>
-      <a:fontRef idx="minor"/>
-    </dgm:style>
-  </dgm:styleLbl>
-  <dgm:styleLbl name="fgAccFollowNode1">
-    <dgm:scene3d>
-      <a:camera prst="orthographicFront"/>
-      <a:lightRig rig="threePt" dir="t"/>
-    </dgm:scene3d>
-    <dgm:sp3d/>
-    <dgm:txPr/>
-    <dgm:style>
-      <a:lnRef idx="2">
-        <a:scrgbClr r="0" g="0" b="0"/>
-      </a:lnRef>
-      <a:fillRef idx="1">
-        <a:scrgbClr r="0" g="0" b="0"/>
-      </a:fillRef>
-      <a:effectRef idx="0">
-        <a:scrgbClr r="0" g="0" b="0"/>
-      </a:effectRef>
-      <a:fontRef idx="minor"/>
-    </dgm:style>
-  </dgm:styleLbl>
-  <dgm:styleLbl name="alignAccFollowNode1">
-    <dgm:scene3d>
-      <a:camera prst="orthographicFront"/>
-      <a:lightRig rig="threePt" dir="t"/>
-    </dgm:scene3d>
-    <dgm:sp3d/>
-    <dgm:txPr/>
-    <dgm:style>
-      <a:lnRef idx="2">
-        <a:scrgbClr r="0" g="0" b="0"/>
-      </a:lnRef>
-      <a:fillRef idx="1">
-        <a:scrgbClr r="0" g="0" b="0"/>
-      </a:fillRef>
-      <a:effectRef idx="0">
-        <a:scrgbClr r="0" g="0" b="0"/>
-      </a:effectRef>
-      <a:fontRef idx="minor"/>
-    </dgm:style>
-  </dgm:styleLbl>
-  <dgm:styleLbl name="bgAccFollowNode1">
-    <dgm:scene3d>
-      <a:camera prst="orthographicFront"/>
-      <a:lightRig rig="threePt" dir="t"/>
-    </dgm:scene3d>
-    <dgm:sp3d/>
-    <dgm:txPr/>
-    <dgm:style>
-      <a:lnRef idx="2">
-        <a:scrgbClr r="0" g="0" b="0"/>
-      </a:lnRef>
-      <a:fillRef idx="1">
-        <a:scrgbClr r="0" g="0" b="0"/>
-      </a:fillRef>
-      <a:effectRef idx="0">
-        <a:scrgbClr r="0" g="0" b="0"/>
-      </a:effectRef>
-      <a:fontRef idx="minor"/>
-    </dgm:style>
-  </dgm:styleLbl>
-  <dgm:styleLbl name="fgAcc0">
-    <dgm:scene3d>
-      <a:camera prst="orthographicFront"/>
-      <a:lightRig rig="threePt" dir="t"/>
-    </dgm:scene3d>
-    <dgm:sp3d/>
-    <dgm:txPr/>
-    <dgm:style>
-      <a:lnRef idx="2">
-        <a:scrgbClr r="0" g="0" b="0"/>
-      </a:lnRef>
-      <a:fillRef idx="1">
-        <a:scrgbClr r="0" g="0" b="0"/>
-      </a:fillRef>
-      <a:effectRef idx="0">
-        <a:scrgbClr r="0" g="0" b="0"/>
-      </a:effectRef>
-      <a:fontRef idx="minor"/>
-    </dgm:style>
-  </dgm:styleLbl>
-  <dgm:styleLbl name="fgAcc2">
-    <dgm:scene3d>
-      <a:camera prst="orthographicFront"/>
-      <a:lightRig rig="threePt" dir="t"/>
-    </dgm:scene3d>
-    <dgm:sp3d/>
-    <dgm:txPr/>
-    <dgm:style>
-      <a:lnRef idx="2">
-        <a:scrgbClr r="0" g="0" b="0"/>
-      </a:lnRef>
-      <a:fillRef idx="1">
-        <a:scrgbClr r="0" g="0" b="0"/>
-      </a:fillRef>
-      <a:effectRef idx="0">
-        <a:scrgbClr r="0" g="0" b="0"/>
-      </a:effectRef>
-      <a:fontRef idx="minor"/>
-    </dgm:style>
-  </dgm:styleLbl>
-  <dgm:styleLbl name="fgAcc3">
-    <dgm:scene3d>
-      <a:camera prst="orthographicFront"/>
-      <a:lightRig rig="threePt" dir="t"/>
-    </dgm:scene3d>
-    <dgm:sp3d/>
-    <dgm:txPr/>
-    <dgm:style>
-      <a:lnRef idx="2">
-        <a:scrgbClr r="0" g="0" b="0"/>
-      </a:lnRef>
-      <a:fillRef idx="1">
-        <a:scrgbClr r="0" g="0" b="0"/>
-      </a:fillRef>
-      <a:effectRef idx="0">
-        <a:scrgbClr r="0" g="0" b="0"/>
-      </a:effectRef>
-      <a:fontRef idx="minor"/>
-    </dgm:style>
-  </dgm:styleLbl>
-  <dgm:styleLbl name="fgAcc4">
-    <dgm:scene3d>
-      <a:camera prst="orthographicFront"/>
-      <a:lightRig rig="threePt" dir="t"/>
-    </dgm:scene3d>
-    <dgm:sp3d/>
-    <dgm:txPr/>
-    <dgm:style>
-      <a:lnRef idx="2">
-        <a:scrgbClr r="0" g="0" b="0"/>
-      </a:lnRef>
-      <a:fillRef idx="1">
-        <a:scrgbClr r="0" g="0" b="0"/>
-      </a:fillRef>
-      <a:effectRef idx="0">
-        <a:scrgbClr r="0" g="0" b="0"/>
-      </a:effectRef>
-      <a:fontRef idx="minor"/>
-    </dgm:style>
-  </dgm:styleLbl>
-  <dgm:styleLbl name="bgShp">
-    <dgm:scene3d>
-      <a:camera prst="orthographicFront"/>
-      <a:lightRig rig="threePt" dir="t"/>
-    </dgm:scene3d>
-    <dgm:sp3d/>
-    <dgm:txPr/>
-    <dgm:style>
-      <a:lnRef idx="0">
-        <a:scrgbClr r="0" g="0" b="0"/>
-      </a:lnRef>
-      <a:fillRef idx="1">
-        <a:scrgbClr r="0" g="0" b="0"/>
-      </a:fillRef>
-      <a:effectRef idx="0">
-        <a:scrgbClr r="0" g="0" b="0"/>
-      </a:effectRef>
-      <a:fontRef idx="minor"/>
-    </dgm:style>
-  </dgm:styleLbl>
-  <dgm:styleLbl name="dkBgShp">
-    <dgm:scene3d>
-      <a:camera prst="orthographicFront"/>
-      <a:lightRig rig="threePt" dir="t"/>
-    </dgm:scene3d>
-    <dgm:sp3d/>
-    <dgm:txPr/>
-    <dgm:style>
-      <a:lnRef idx="0">
-        <a:scrgbClr r="0" g="0" b="0"/>
-      </a:lnRef>
-      <a:fillRef idx="1">
-        <a:scrgbClr r="0" g="0" b="0"/>
-      </a:fillRef>
-      <a:effectRef idx="0">
-        <a:scrgbClr r="0" g="0" b="0"/>
-      </a:effectRef>
-      <a:fontRef idx="minor"/>
-    </dgm:style>
-  </dgm:styleLbl>
-  <dgm:styleLbl name="trBgShp">
-    <dgm:scene3d>
-      <a:camera prst="orthographicFront"/>
-      <a:lightRig rig="threePt" dir="t"/>
-    </dgm:scene3d>
-    <dgm:sp3d/>
-    <dgm:txPr/>
-    <dgm:style>
-      <a:lnRef idx="0">
-        <a:scrgbClr r="0" g="0" b="0"/>
-      </a:lnRef>
-      <a:fillRef idx="1">
-        <a:scrgbClr r="0" g="0" b="0"/>
-      </a:fillRef>
-      <a:effectRef idx="0">
-        <a:scrgbClr r="0" g="0" b="0"/>
-      </a:effectRef>
-      <a:fontRef idx="minor"/>
-    </dgm:style>
-  </dgm:styleLbl>
-  <dgm:styleLbl name="fgShp">
-    <dgm:scene3d>
-      <a:camera prst="orthographicFront"/>
-      <a:lightRig rig="threePt" dir="t"/>
-    </dgm:scene3d>
-    <dgm:sp3d/>
-    <dgm:txPr/>
-    <dgm:style>
-      <a:lnRef idx="2">
-        <a:scrgbClr r="0" g="0" b="0"/>
-      </a:lnRef>
-      <a:fillRef idx="1">
-        <a:scrgbClr r="0" g="0" b="0"/>
-      </a:fillRef>
-      <a:effectRef idx="0">
-        <a:scrgbClr r="0" g="0" b="0"/>
-      </a:effectRef>
-      <a:fontRef idx="minor"/>
-    </dgm:style>
-  </dgm:styleLbl>
-  <dgm:styleLbl name="revTx">
-    <dgm:scene3d>
-      <a:camera prst="orthographicFront"/>
-      <a:lightRig rig="threePt" dir="t"/>
-    </dgm:scene3d>
-    <dgm:sp3d/>
-    <dgm:txPr/>
-    <dgm:style>
-      <a:lnRef idx="0">
-        <a:scrgbClr r="0" g="0" b="0"/>
-      </a:lnRef>
-      <a:fillRef idx="0">
-        <a:scrgbClr r="0" g="0" b="0"/>
-      </a:fillRef>
-      <a:effectRef idx="0">
-        <a:scrgbClr r="0" g="0" b="0"/>
-      </a:effectRef>
-      <a:fontRef idx="minor"/>
-    </dgm:style>
-  </dgm:styleLbl>
-</dgm:styleDef>
-</file>
-
-<file path=ppt/diagrams/quickStyle3.xml><?xml version="1.0" encoding="utf-8"?>
 <dgm:styleDef xmlns:dgm="http://schemas.openxmlformats.org/drawingml/2006/diagram" xmlns:a="http://schemas.openxmlformats.org/drawingml/2006/main" uniqueId="urn:microsoft.com/office/officeart/2005/8/quickstyle/simple1">
   <dgm:title val=""/>
   <dgm:desc val=""/>
@@ -12406,7 +6902,7 @@
           <a:p>
             <a:fld id="{FE07523A-9918-4474-B554-9AB7DCF0E552}" type="datetimeFigureOut">
               <a:rPr lang="en-CA" smtClean="0"/>
-              <a:t>2020-08-03</a:t>
+              <a:t>2020-08-04</a:t>
             </a:fld>
             <a:endParaRPr lang="en-CA"/>
           </a:p>
@@ -13713,35 +8209,6 @@
           <a:bodyPr/>
           <a:lstStyle/>
           <a:p>
-            <a:pPr marL="0" marR="0" lvl="0" indent="0" algn="l" defTabSz="914400" rtl="0" eaLnBrk="1" fontAlgn="auto" latinLnBrk="0" hangingPunct="1">
-              <a:lnSpc>
-                <a:spcPct val="100000"/>
-              </a:lnSpc>
-              <a:spcBef>
-                <a:spcPts val="0"/>
-              </a:spcBef>
-              <a:spcAft>
-                <a:spcPts val="0"/>
-              </a:spcAft>
-              <a:buClrTx/>
-              <a:buSzTx/>
-              <a:buFontTx/>
-              <a:buNone/>
-              <a:tabLst/>
-              <a:defRPr/>
-            </a:pPr>
-            <a:r>
-              <a:rPr lang="en-US" sz="1200" kern="1200" dirty="0">
-                <a:solidFill>
-                  <a:schemeClr val="tx1"/>
-                </a:solidFill>
-                <a:effectLst/>
-                <a:latin typeface="+mn-lt"/>
-                <a:ea typeface="+mn-ea"/>
-                <a:cs typeface="+mn-cs"/>
-              </a:rPr>
-              <a:t>Detailed process is explained in the boxes above; </a:t>
-            </a:r>
             <a:endParaRPr lang="en-CA" dirty="0"/>
           </a:p>
         </p:txBody>
@@ -13772,7 +8239,7 @@
     </p:spTree>
     <p:extLst>
       <p:ext uri="{BB962C8B-B14F-4D97-AF65-F5344CB8AC3E}">
-        <p14:creationId xmlns:p14="http://schemas.microsoft.com/office/powerpoint/2010/main" val="2527776680"/>
+        <p14:creationId xmlns:p14="http://schemas.microsoft.com/office/powerpoint/2010/main" val="32634643"/>
       </p:ext>
     </p:extLst>
   </p:cSld>
@@ -18272,38 +12739,10 @@
       </p:grpSpPr>
       <p:sp>
         <p:nvSpPr>
-          <p:cNvPr id="2" name="Title 1">
+          <p:cNvPr id="2" name="Date Placeholder 1">
             <a:extLst>
               <a:ext uri="{FF2B5EF4-FFF2-40B4-BE49-F238E27FC236}">
-                <a16:creationId xmlns:a16="http://schemas.microsoft.com/office/drawing/2014/main" id="{5490B7AB-D125-4380-B99A-C5C6518C98B2}"/>
-              </a:ext>
-            </a:extLst>
-          </p:cNvPr>
-          <p:cNvSpPr>
-            <a:spLocks noGrp="1"/>
-          </p:cNvSpPr>
-          <p:nvPr>
-            <p:ph type="title"/>
-          </p:nvPr>
-        </p:nvSpPr>
-        <p:spPr/>
-        <p:txBody>
-          <a:bodyPr/>
-          <a:lstStyle/>
-          <a:p>
-            <a:r>
-              <a:rPr lang="en-CA" dirty="0"/>
-              <a:t>Data Analysis</a:t>
-            </a:r>
-          </a:p>
-        </p:txBody>
-      </p:sp>
-      <p:sp>
-        <p:nvSpPr>
-          <p:cNvPr id="4" name="Date Placeholder 3">
-            <a:extLst>
-              <a:ext uri="{FF2B5EF4-FFF2-40B4-BE49-F238E27FC236}">
-                <a16:creationId xmlns:a16="http://schemas.microsoft.com/office/drawing/2014/main" id="{3FA713D1-EA9A-4D86-A141-CD3B7CEEC289}"/>
+                <a16:creationId xmlns:a16="http://schemas.microsoft.com/office/drawing/2014/main" id="{8D12A159-0AC0-4DF8-8ABE-BD834115C708}"/>
               </a:ext>
             </a:extLst>
           </p:cNvPr>
@@ -18329,10 +12768,10 @@
       </p:sp>
       <p:sp>
         <p:nvSpPr>
-          <p:cNvPr id="5" name="Footer Placeholder 4">
+          <p:cNvPr id="3" name="Footer Placeholder 2">
             <a:extLst>
               <a:ext uri="{FF2B5EF4-FFF2-40B4-BE49-F238E27FC236}">
-                <a16:creationId xmlns:a16="http://schemas.microsoft.com/office/drawing/2014/main" id="{61DAE74E-F6DA-46E3-B125-A321D434B6CD}"/>
+                <a16:creationId xmlns:a16="http://schemas.microsoft.com/office/drawing/2014/main" id="{5CD7F8DA-3393-4FA2-9B60-9D9D5F0AA7CE}"/>
               </a:ext>
             </a:extLst>
           </p:cNvPr>
@@ -18358,10 +12797,10 @@
       </p:sp>
       <p:sp>
         <p:nvSpPr>
-          <p:cNvPr id="6" name="Slide Number Placeholder 5">
+          <p:cNvPr id="4" name="Slide Number Placeholder 3">
             <a:extLst>
               <a:ext uri="{FF2B5EF4-FFF2-40B4-BE49-F238E27FC236}">
-                <a16:creationId xmlns:a16="http://schemas.microsoft.com/office/drawing/2014/main" id="{FAA4A434-CD86-4E00-8640-40136392DA96}"/>
+                <a16:creationId xmlns:a16="http://schemas.microsoft.com/office/drawing/2014/main" id="{63B2D386-82F1-46ED-A12C-A23E356EB138}"/>
               </a:ext>
             </a:extLst>
           </p:cNvPr>
@@ -18385,38 +12824,1582 @@
           </a:p>
         </p:txBody>
       </p:sp>
-      <p:graphicFrame>
-        <p:nvGraphicFramePr>
-          <p:cNvPr id="3" name="Diagram 2">
+      <p:grpSp>
+        <p:nvGrpSpPr>
+          <p:cNvPr id="5" name="Group 4">
             <a:extLst>
               <a:ext uri="{FF2B5EF4-FFF2-40B4-BE49-F238E27FC236}">
-                <a16:creationId xmlns:a16="http://schemas.microsoft.com/office/drawing/2014/main" id="{E15588DE-F156-4563-9FF4-7268D3637DD4}"/>
+                <a16:creationId xmlns:a16="http://schemas.microsoft.com/office/drawing/2014/main" id="{8F928F1C-7C8D-48FD-A6A6-A745F862BD2D}"/>
               </a:ext>
             </a:extLst>
           </p:cNvPr>
-          <p:cNvGraphicFramePr/>
-          <p:nvPr>
-            <p:extLst>
-              <p:ext uri="{D42A27DB-BD31-4B8C-83A1-F6EECF244321}">
-                <p14:modId xmlns:p14="http://schemas.microsoft.com/office/powerpoint/2010/main" val="3997147525"/>
-              </p:ext>
-            </p:extLst>
-          </p:nvPr>
-        </p:nvGraphicFramePr>
-        <p:xfrm>
-          <a:off x="259081" y="889602"/>
-          <a:ext cx="11597640" cy="5468435"/>
-        </p:xfrm>
-        <a:graphic>
-          <a:graphicData uri="http://schemas.openxmlformats.org/drawingml/2006/diagram">
-            <dgm:relIds xmlns:dgm="http://schemas.openxmlformats.org/drawingml/2006/diagram" xmlns:r="http://schemas.openxmlformats.org/officeDocument/2006/relationships" r:dm="rId3" r:lo="rId4" r:qs="rId5" r:cs="rId6"/>
-          </a:graphicData>
-        </a:graphic>
-      </p:graphicFrame>
+          <p:cNvGrpSpPr/>
+          <p:nvPr/>
+        </p:nvGrpSpPr>
+        <p:grpSpPr>
+          <a:xfrm>
+            <a:off x="481076" y="2600715"/>
+            <a:ext cx="3315607" cy="2935688"/>
+            <a:chOff x="79815" y="376362"/>
+            <a:chExt cx="3315607" cy="2935688"/>
+          </a:xfrm>
+        </p:grpSpPr>
+        <p:sp>
+          <p:nvSpPr>
+            <p:cNvPr id="23" name="Rectangle: Rounded Corners 22">
+              <a:extLst>
+                <a:ext uri="{FF2B5EF4-FFF2-40B4-BE49-F238E27FC236}">
+                  <a16:creationId xmlns:a16="http://schemas.microsoft.com/office/drawing/2014/main" id="{9ADD5C20-2D0A-4B6E-B3BE-061C76BA95AD}"/>
+                </a:ext>
+              </a:extLst>
+            </p:cNvPr>
+            <p:cNvSpPr/>
+            <p:nvPr/>
+          </p:nvSpPr>
+          <p:spPr>
+            <a:xfrm>
+              <a:off x="79815" y="376362"/>
+              <a:ext cx="3315607" cy="2935688"/>
+            </a:xfrm>
+            <a:prstGeom prst="roundRect">
+              <a:avLst>
+                <a:gd name="adj" fmla="val 10000"/>
+              </a:avLst>
+            </a:prstGeom>
+          </p:spPr>
+          <p:style>
+            <a:lnRef idx="2">
+              <a:schemeClr val="accent1">
+                <a:hueOff val="0"/>
+                <a:satOff val="0"/>
+                <a:lumOff val="0"/>
+                <a:alphaOff val="0"/>
+              </a:schemeClr>
+            </a:lnRef>
+            <a:fillRef idx="1">
+              <a:schemeClr val="lt1">
+                <a:alpha val="90000"/>
+                <a:hueOff val="0"/>
+                <a:satOff val="0"/>
+                <a:lumOff val="0"/>
+                <a:alphaOff val="0"/>
+              </a:schemeClr>
+            </a:fillRef>
+            <a:effectRef idx="0">
+              <a:schemeClr val="lt1">
+                <a:alpha val="90000"/>
+                <a:hueOff val="0"/>
+                <a:satOff val="0"/>
+                <a:lumOff val="0"/>
+                <a:alphaOff val="0"/>
+              </a:schemeClr>
+            </a:effectRef>
+            <a:fontRef idx="minor">
+              <a:schemeClr val="dk1">
+                <a:hueOff val="0"/>
+                <a:satOff val="0"/>
+                <a:lumOff val="0"/>
+                <a:alphaOff val="0"/>
+              </a:schemeClr>
+            </a:fontRef>
+          </p:style>
+        </p:sp>
+        <p:sp>
+          <p:nvSpPr>
+            <p:cNvPr id="24" name="Rectangle: Rounded Corners 4">
+              <a:extLst>
+                <a:ext uri="{FF2B5EF4-FFF2-40B4-BE49-F238E27FC236}">
+                  <a16:creationId xmlns:a16="http://schemas.microsoft.com/office/drawing/2014/main" id="{13CAD7C2-864D-40D9-B60F-DD0A4C0132C5}"/>
+                </a:ext>
+              </a:extLst>
+            </p:cNvPr>
+            <p:cNvSpPr txBox="1"/>
+            <p:nvPr/>
+          </p:nvSpPr>
+          <p:spPr>
+            <a:xfrm>
+              <a:off x="132139" y="442647"/>
+              <a:ext cx="3210965" cy="2172769"/>
+            </a:xfrm>
+            <a:prstGeom prst="rect">
+              <a:avLst/>
+            </a:prstGeom>
+          </p:spPr>
+          <p:style>
+            <a:lnRef idx="0">
+              <a:scrgbClr r="0" g="0" b="0"/>
+            </a:lnRef>
+            <a:fillRef idx="0">
+              <a:scrgbClr r="0" g="0" b="0"/>
+            </a:fillRef>
+            <a:effectRef idx="0">
+              <a:scrgbClr r="0" g="0" b="0"/>
+            </a:effectRef>
+            <a:fontRef idx="minor">
+              <a:schemeClr val="dk1">
+                <a:hueOff val="0"/>
+                <a:satOff val="0"/>
+                <a:lumOff val="0"/>
+                <a:alphaOff val="0"/>
+              </a:schemeClr>
+            </a:fontRef>
+          </p:style>
+          <p:txBody>
+            <a:bodyPr spcFirstLastPara="0" vert="horz" wrap="square" lIns="72000" tIns="36000" rIns="123825" bIns="123825" numCol="1" spcCol="1270" anchor="t" anchorCtr="0">
+              <a:noAutofit/>
+            </a:bodyPr>
+            <a:lstStyle/>
+            <a:p>
+              <a:pPr marL="114300" lvl="1" indent="-114300" algn="l" defTabSz="600075">
+                <a:lnSpc>
+                  <a:spcPct val="90000"/>
+                </a:lnSpc>
+                <a:spcBef>
+                  <a:spcPct val="0"/>
+                </a:spcBef>
+                <a:spcAft>
+                  <a:spcPct val="15000"/>
+                </a:spcAft>
+                <a:buFont typeface="+mj-lt"/>
+                <a:buAutoNum type="arabicPeriod"/>
+              </a:pPr>
+              <a:r>
+                <a:rPr lang="en-CA" sz="1350" kern="1200" dirty="0"/>
+                <a:t>Install Java, Spark, and </a:t>
+              </a:r>
+              <a:r>
+                <a:rPr lang="en-CA" sz="1350" kern="1200" dirty="0" err="1"/>
+                <a:t>Findspark</a:t>
+              </a:r>
+              <a:r>
+                <a:rPr lang="en-CA" sz="1350" kern="1200" dirty="0"/>
+                <a:t>.</a:t>
+              </a:r>
+            </a:p>
+            <a:p>
+              <a:pPr marL="114300" lvl="1" indent="-114300" algn="l" defTabSz="600075">
+                <a:lnSpc>
+                  <a:spcPct val="90000"/>
+                </a:lnSpc>
+                <a:spcBef>
+                  <a:spcPct val="0"/>
+                </a:spcBef>
+                <a:spcAft>
+                  <a:spcPct val="15000"/>
+                </a:spcAft>
+                <a:buFont typeface="+mj-lt"/>
+                <a:buAutoNum type="arabicPeriod"/>
+              </a:pPr>
+              <a:r>
+                <a:rPr lang="en-CA" sz="1350" kern="1200" dirty="0"/>
+                <a:t>Set environment variables.</a:t>
+              </a:r>
+            </a:p>
+            <a:p>
+              <a:pPr marL="114300" lvl="1" indent="-114300" algn="l" defTabSz="600075">
+                <a:lnSpc>
+                  <a:spcPct val="90000"/>
+                </a:lnSpc>
+                <a:spcBef>
+                  <a:spcPct val="0"/>
+                </a:spcBef>
+                <a:spcAft>
+                  <a:spcPct val="15000"/>
+                </a:spcAft>
+                <a:buFont typeface="+mj-lt"/>
+                <a:buAutoNum type="arabicPeriod"/>
+              </a:pPr>
+              <a:r>
+                <a:rPr lang="en-CA" sz="1350" kern="1200" dirty="0"/>
+                <a:t>Start a SparkSession.</a:t>
+              </a:r>
+            </a:p>
+            <a:p>
+              <a:pPr marL="114300" lvl="1" indent="-114300" algn="l" defTabSz="600075">
+                <a:lnSpc>
+                  <a:spcPct val="90000"/>
+                </a:lnSpc>
+                <a:spcBef>
+                  <a:spcPct val="0"/>
+                </a:spcBef>
+                <a:spcAft>
+                  <a:spcPct val="15000"/>
+                </a:spcAft>
+                <a:buFont typeface="+mj-lt"/>
+                <a:buAutoNum type="arabicPeriod"/>
+              </a:pPr>
+              <a:r>
+                <a:rPr lang="en-CA" sz="1350" kern="1200" dirty="0"/>
+                <a:t>Interact with SQL.</a:t>
+              </a:r>
+            </a:p>
+            <a:p>
+              <a:pPr marL="114300" lvl="1" indent="-114300" algn="l" defTabSz="600075">
+                <a:lnSpc>
+                  <a:spcPct val="90000"/>
+                </a:lnSpc>
+                <a:spcBef>
+                  <a:spcPct val="0"/>
+                </a:spcBef>
+                <a:spcAft>
+                  <a:spcPct val="15000"/>
+                </a:spcAft>
+                <a:buFont typeface="+mj-lt"/>
+                <a:buAutoNum type="arabicPeriod"/>
+              </a:pPr>
+              <a:r>
+                <a:rPr lang="en-CA" sz="1350" kern="1200" dirty="0"/>
+                <a:t>Create Spark application.</a:t>
+              </a:r>
+            </a:p>
+            <a:p>
+              <a:pPr marL="114300" lvl="1" indent="-114300" algn="l" defTabSz="600075">
+                <a:lnSpc>
+                  <a:spcPct val="90000"/>
+                </a:lnSpc>
+                <a:spcBef>
+                  <a:spcPct val="0"/>
+                </a:spcBef>
+                <a:spcAft>
+                  <a:spcPct val="15000"/>
+                </a:spcAft>
+                <a:buFont typeface="+mj-lt"/>
+                <a:buAutoNum type="arabicPeriod"/>
+              </a:pPr>
+              <a:r>
+                <a:rPr lang="en-US" sz="1350" kern="1200" dirty="0"/>
+                <a:t>Login to gcloud and check the DB.</a:t>
+              </a:r>
+              <a:endParaRPr lang="en-CA" sz="1350" kern="1200" dirty="0"/>
+            </a:p>
+            <a:p>
+              <a:pPr marL="114300" lvl="1" indent="-114300" algn="l" defTabSz="600075">
+                <a:lnSpc>
+                  <a:spcPct val="90000"/>
+                </a:lnSpc>
+                <a:spcBef>
+                  <a:spcPct val="0"/>
+                </a:spcBef>
+                <a:spcAft>
+                  <a:spcPct val="15000"/>
+                </a:spcAft>
+                <a:buFont typeface="+mj-lt"/>
+                <a:buAutoNum type="arabicPeriod"/>
+              </a:pPr>
+              <a:r>
+                <a:rPr lang="en-US" sz="1350" kern="1200" dirty="0"/>
+                <a:t>Download and initialize the SQL proxy.</a:t>
+              </a:r>
+              <a:endParaRPr lang="en-CA" sz="1350" kern="1200" dirty="0"/>
+            </a:p>
+            <a:p>
+              <a:pPr marL="114300" lvl="1" indent="-114300" algn="l" defTabSz="600075">
+                <a:lnSpc>
+                  <a:spcPct val="90000"/>
+                </a:lnSpc>
+                <a:spcBef>
+                  <a:spcPct val="0"/>
+                </a:spcBef>
+                <a:spcAft>
+                  <a:spcPct val="15000"/>
+                </a:spcAft>
+                <a:buFont typeface="+mj-lt"/>
+                <a:buAutoNum type="arabicPeriod"/>
+              </a:pPr>
+              <a:r>
+                <a:rPr lang="en-CA" sz="1350" kern="1200" dirty="0"/>
+                <a:t>Configure settings for RDS.</a:t>
+              </a:r>
+            </a:p>
+            <a:p>
+              <a:pPr marL="114300" lvl="1" indent="-114300" algn="l" defTabSz="600075">
+                <a:lnSpc>
+                  <a:spcPct val="90000"/>
+                </a:lnSpc>
+                <a:spcBef>
+                  <a:spcPct val="0"/>
+                </a:spcBef>
+                <a:spcAft>
+                  <a:spcPct val="15000"/>
+                </a:spcAft>
+                <a:buFont typeface="+mj-lt"/>
+                <a:buAutoNum type="arabicPeriod"/>
+              </a:pPr>
+              <a:r>
+                <a:rPr lang="en-CA" sz="1350" kern="1200" dirty="0"/>
+                <a:t>Read data from DB.</a:t>
+              </a:r>
+            </a:p>
+            <a:p>
+              <a:pPr marL="114300" lvl="1" indent="-114300" algn="l" defTabSz="600075">
+                <a:lnSpc>
+                  <a:spcPct val="90000"/>
+                </a:lnSpc>
+                <a:spcBef>
+                  <a:spcPct val="0"/>
+                </a:spcBef>
+                <a:spcAft>
+                  <a:spcPct val="15000"/>
+                </a:spcAft>
+                <a:buFont typeface="+mj-lt"/>
+                <a:buAutoNum type="arabicPeriod"/>
+              </a:pPr>
+              <a:r>
+                <a:rPr lang="en-CA" sz="1350" kern="1200" dirty="0"/>
+                <a:t>Pull tables from DB.</a:t>
+              </a:r>
+            </a:p>
+            <a:p>
+              <a:pPr marL="114300" lvl="1" indent="-114300" algn="l" defTabSz="600075">
+                <a:lnSpc>
+                  <a:spcPct val="90000"/>
+                </a:lnSpc>
+                <a:spcBef>
+                  <a:spcPct val="0"/>
+                </a:spcBef>
+                <a:spcAft>
+                  <a:spcPct val="15000"/>
+                </a:spcAft>
+                <a:buFont typeface="+mj-lt"/>
+                <a:buAutoNum type="arabicPeriod"/>
+              </a:pPr>
+              <a:r>
+                <a:rPr lang="en-US" sz="1350" kern="1200" dirty="0"/>
+                <a:t>Join tables into PySpark DataFrame.</a:t>
+              </a:r>
+              <a:endParaRPr lang="en-CA" sz="1350" kern="1200" dirty="0"/>
+            </a:p>
+            <a:p>
+              <a:pPr marL="114300" lvl="1" indent="-114300" algn="l" defTabSz="600075">
+                <a:lnSpc>
+                  <a:spcPct val="90000"/>
+                </a:lnSpc>
+                <a:spcBef>
+                  <a:spcPct val="0"/>
+                </a:spcBef>
+                <a:spcAft>
+                  <a:spcPct val="15000"/>
+                </a:spcAft>
+                <a:buFont typeface="+mj-lt"/>
+                <a:buAutoNum type="arabicPeriod"/>
+              </a:pPr>
+              <a:r>
+                <a:rPr lang="en-CA" sz="1350" kern="1200" dirty="0"/>
+                <a:t>Convert to Pandas DataFrame.</a:t>
+              </a:r>
+            </a:p>
+          </p:txBody>
+        </p:sp>
+      </p:grpSp>
+      <p:sp>
+        <p:nvSpPr>
+          <p:cNvPr id="6" name="Shape 5">
+            <a:extLst>
+              <a:ext uri="{FF2B5EF4-FFF2-40B4-BE49-F238E27FC236}">
+                <a16:creationId xmlns:a16="http://schemas.microsoft.com/office/drawing/2014/main" id="{2E7EC014-4D73-490C-B1B8-6E691D4C87B0}"/>
+              </a:ext>
+            </a:extLst>
+          </p:cNvPr>
+          <p:cNvSpPr/>
+          <p:nvPr/>
+        </p:nvSpPr>
+        <p:spPr>
+          <a:xfrm>
+            <a:off x="2670445" y="3917388"/>
+            <a:ext cx="2929787" cy="2523570"/>
+          </a:xfrm>
+          <a:prstGeom prst="leftCircularArrow">
+            <a:avLst>
+              <a:gd name="adj1" fmla="val 4337"/>
+              <a:gd name="adj2" fmla="val 549068"/>
+              <a:gd name="adj3" fmla="val 1485264"/>
+              <a:gd name="adj4" fmla="val 8185174"/>
+              <a:gd name="adj5" fmla="val 5059"/>
+            </a:avLst>
+          </a:prstGeom>
+        </p:spPr>
+        <p:style>
+          <a:lnRef idx="0">
+            <a:schemeClr val="accent1">
+              <a:tint val="60000"/>
+              <a:hueOff val="0"/>
+              <a:satOff val="0"/>
+              <a:lumOff val="0"/>
+              <a:alphaOff val="0"/>
+            </a:schemeClr>
+          </a:lnRef>
+          <a:fillRef idx="1">
+            <a:schemeClr val="accent1">
+              <a:tint val="60000"/>
+              <a:hueOff val="0"/>
+              <a:satOff val="0"/>
+              <a:lumOff val="0"/>
+              <a:alphaOff val="0"/>
+            </a:schemeClr>
+          </a:fillRef>
+          <a:effectRef idx="0">
+            <a:schemeClr val="accent1">
+              <a:tint val="60000"/>
+              <a:hueOff val="0"/>
+              <a:satOff val="0"/>
+              <a:lumOff val="0"/>
+              <a:alphaOff val="0"/>
+            </a:schemeClr>
+          </a:effectRef>
+          <a:fontRef idx="minor">
+            <a:schemeClr val="lt1"/>
+          </a:fontRef>
+        </p:style>
+      </p:sp>
+      <p:grpSp>
+        <p:nvGrpSpPr>
+          <p:cNvPr id="7" name="Group 6">
+            <a:extLst>
+              <a:ext uri="{FF2B5EF4-FFF2-40B4-BE49-F238E27FC236}">
+                <a16:creationId xmlns:a16="http://schemas.microsoft.com/office/drawing/2014/main" id="{B88CB737-EA76-4A4B-B153-1A709C9408B6}"/>
+              </a:ext>
+            </a:extLst>
+          </p:cNvPr>
+          <p:cNvGrpSpPr/>
+          <p:nvPr/>
+        </p:nvGrpSpPr>
+        <p:grpSpPr>
+          <a:xfrm>
+            <a:off x="2194809" y="5305384"/>
+            <a:ext cx="1958120" cy="719097"/>
+            <a:chOff x="2113588" y="2929319"/>
+            <a:chExt cx="1958120" cy="778680"/>
+          </a:xfrm>
+        </p:grpSpPr>
+        <p:sp>
+          <p:nvSpPr>
+            <p:cNvPr id="21" name="Rectangle: Rounded Corners 20">
+              <a:extLst>
+                <a:ext uri="{FF2B5EF4-FFF2-40B4-BE49-F238E27FC236}">
+                  <a16:creationId xmlns:a16="http://schemas.microsoft.com/office/drawing/2014/main" id="{F4B8D613-3DF7-46E4-8FFD-B62F13DF1D95}"/>
+                </a:ext>
+              </a:extLst>
+            </p:cNvPr>
+            <p:cNvSpPr/>
+            <p:nvPr/>
+          </p:nvSpPr>
+          <p:spPr>
+            <a:xfrm>
+              <a:off x="2113588" y="2929319"/>
+              <a:ext cx="1958120" cy="778680"/>
+            </a:xfrm>
+            <a:prstGeom prst="roundRect">
+              <a:avLst>
+                <a:gd name="adj" fmla="val 10000"/>
+              </a:avLst>
+            </a:prstGeom>
+          </p:spPr>
+          <p:style>
+            <a:lnRef idx="2">
+              <a:schemeClr val="lt1">
+                <a:hueOff val="0"/>
+                <a:satOff val="0"/>
+                <a:lumOff val="0"/>
+                <a:alphaOff val="0"/>
+              </a:schemeClr>
+            </a:lnRef>
+            <a:fillRef idx="1">
+              <a:schemeClr val="accent1">
+                <a:hueOff val="0"/>
+                <a:satOff val="0"/>
+                <a:lumOff val="0"/>
+                <a:alphaOff val="0"/>
+              </a:schemeClr>
+            </a:fillRef>
+            <a:effectRef idx="0">
+              <a:schemeClr val="accent1">
+                <a:hueOff val="0"/>
+                <a:satOff val="0"/>
+                <a:lumOff val="0"/>
+                <a:alphaOff val="0"/>
+              </a:schemeClr>
+            </a:effectRef>
+            <a:fontRef idx="minor">
+              <a:schemeClr val="lt1"/>
+            </a:fontRef>
+          </p:style>
+        </p:sp>
+        <p:sp>
+          <p:nvSpPr>
+            <p:cNvPr id="22" name="Rectangle: Rounded Corners 7">
+              <a:extLst>
+                <a:ext uri="{FF2B5EF4-FFF2-40B4-BE49-F238E27FC236}">
+                  <a16:creationId xmlns:a16="http://schemas.microsoft.com/office/drawing/2014/main" id="{7E879096-D9A2-4148-9AB5-CB367FA18322}"/>
+                </a:ext>
+              </a:extLst>
+            </p:cNvPr>
+            <p:cNvSpPr txBox="1"/>
+            <p:nvPr/>
+          </p:nvSpPr>
+          <p:spPr>
+            <a:xfrm>
+              <a:off x="2136395" y="2952126"/>
+              <a:ext cx="1912506" cy="733066"/>
+            </a:xfrm>
+            <a:prstGeom prst="rect">
+              <a:avLst/>
+            </a:prstGeom>
+          </p:spPr>
+          <p:style>
+            <a:lnRef idx="0">
+              <a:scrgbClr r="0" g="0" b="0"/>
+            </a:lnRef>
+            <a:fillRef idx="0">
+              <a:scrgbClr r="0" g="0" b="0"/>
+            </a:fillRef>
+            <a:effectRef idx="0">
+              <a:scrgbClr r="0" g="0" b="0"/>
+            </a:effectRef>
+            <a:fontRef idx="minor">
+              <a:schemeClr val="lt1"/>
+            </a:fontRef>
+          </p:style>
+          <p:txBody>
+            <a:bodyPr spcFirstLastPara="0" vert="horz" wrap="square" lIns="36195" tIns="24130" rIns="36195" bIns="24130" numCol="1" spcCol="1270" anchor="ctr" anchorCtr="0">
+              <a:noAutofit/>
+            </a:bodyPr>
+            <a:lstStyle/>
+            <a:p>
+              <a:pPr marL="0" lvl="0" indent="0" algn="ctr" defTabSz="844550">
+                <a:lnSpc>
+                  <a:spcPct val="90000"/>
+                </a:lnSpc>
+                <a:spcBef>
+                  <a:spcPct val="0"/>
+                </a:spcBef>
+                <a:spcAft>
+                  <a:spcPct val="35000"/>
+                </a:spcAft>
+                <a:buNone/>
+              </a:pPr>
+              <a:r>
+                <a:rPr lang="en-US" sz="1900" kern="1200" dirty="0"/>
+                <a:t>Connect to DB and extract tables</a:t>
+              </a:r>
+              <a:endParaRPr lang="en-CA" sz="1900" kern="1200" dirty="0"/>
+            </a:p>
+          </p:txBody>
+        </p:sp>
+      </p:grpSp>
+      <p:grpSp>
+        <p:nvGrpSpPr>
+          <p:cNvPr id="8" name="Group 7">
+            <a:extLst>
+              <a:ext uri="{FF2B5EF4-FFF2-40B4-BE49-F238E27FC236}">
+                <a16:creationId xmlns:a16="http://schemas.microsoft.com/office/drawing/2014/main" id="{52916593-2344-4829-B776-7AF94DAF0D25}"/>
+              </a:ext>
+            </a:extLst>
+          </p:cNvPr>
+          <p:cNvGrpSpPr/>
+          <p:nvPr/>
+        </p:nvGrpSpPr>
+        <p:grpSpPr>
+          <a:xfrm>
+            <a:off x="4278884" y="2598671"/>
+            <a:ext cx="3315607" cy="2939776"/>
+            <a:chOff x="4151943" y="374318"/>
+            <a:chExt cx="3315607" cy="2939776"/>
+          </a:xfrm>
+        </p:grpSpPr>
+        <p:sp>
+          <p:nvSpPr>
+            <p:cNvPr id="19" name="Rectangle: Rounded Corners 18">
+              <a:extLst>
+                <a:ext uri="{FF2B5EF4-FFF2-40B4-BE49-F238E27FC236}">
+                  <a16:creationId xmlns:a16="http://schemas.microsoft.com/office/drawing/2014/main" id="{6411042A-BF6C-467F-B05E-F837A1DF117E}"/>
+                </a:ext>
+              </a:extLst>
+            </p:cNvPr>
+            <p:cNvSpPr/>
+            <p:nvPr/>
+          </p:nvSpPr>
+          <p:spPr>
+            <a:xfrm>
+              <a:off x="4151943" y="374318"/>
+              <a:ext cx="3315607" cy="2939776"/>
+            </a:xfrm>
+            <a:prstGeom prst="roundRect">
+              <a:avLst>
+                <a:gd name="adj" fmla="val 10000"/>
+              </a:avLst>
+            </a:prstGeom>
+          </p:spPr>
+          <p:style>
+            <a:lnRef idx="2">
+              <a:schemeClr val="accent1">
+                <a:hueOff val="0"/>
+                <a:satOff val="0"/>
+                <a:lumOff val="0"/>
+                <a:alphaOff val="0"/>
+              </a:schemeClr>
+            </a:lnRef>
+            <a:fillRef idx="1">
+              <a:schemeClr val="lt1">
+                <a:alpha val="90000"/>
+                <a:hueOff val="0"/>
+                <a:satOff val="0"/>
+                <a:lumOff val="0"/>
+                <a:alphaOff val="0"/>
+              </a:schemeClr>
+            </a:fillRef>
+            <a:effectRef idx="0">
+              <a:schemeClr val="lt1">
+                <a:alpha val="90000"/>
+                <a:hueOff val="0"/>
+                <a:satOff val="0"/>
+                <a:lumOff val="0"/>
+                <a:alphaOff val="0"/>
+              </a:schemeClr>
+            </a:effectRef>
+            <a:fontRef idx="minor">
+              <a:schemeClr val="dk1">
+                <a:hueOff val="0"/>
+                <a:satOff val="0"/>
+                <a:lumOff val="0"/>
+                <a:alphaOff val="0"/>
+              </a:schemeClr>
+            </a:fontRef>
+          </p:style>
+        </p:sp>
+        <p:sp>
+          <p:nvSpPr>
+            <p:cNvPr id="20" name="Rectangle: Rounded Corners 9">
+              <a:extLst>
+                <a:ext uri="{FF2B5EF4-FFF2-40B4-BE49-F238E27FC236}">
+                  <a16:creationId xmlns:a16="http://schemas.microsoft.com/office/drawing/2014/main" id="{B737D485-1E0B-4075-B696-02CA20321E1C}"/>
+                </a:ext>
+              </a:extLst>
+            </p:cNvPr>
+            <p:cNvSpPr txBox="1"/>
+            <p:nvPr/>
+          </p:nvSpPr>
+          <p:spPr>
+            <a:xfrm>
+              <a:off x="4219595" y="1071922"/>
+              <a:ext cx="3180303" cy="2174520"/>
+            </a:xfrm>
+            <a:prstGeom prst="rect">
+              <a:avLst/>
+            </a:prstGeom>
+          </p:spPr>
+          <p:style>
+            <a:lnRef idx="0">
+              <a:scrgbClr r="0" g="0" b="0"/>
+            </a:lnRef>
+            <a:fillRef idx="0">
+              <a:scrgbClr r="0" g="0" b="0"/>
+            </a:fillRef>
+            <a:effectRef idx="0">
+              <a:scrgbClr r="0" g="0" b="0"/>
+            </a:effectRef>
+            <a:fontRef idx="minor">
+              <a:schemeClr val="dk1">
+                <a:hueOff val="0"/>
+                <a:satOff val="0"/>
+                <a:lumOff val="0"/>
+                <a:alphaOff val="0"/>
+              </a:schemeClr>
+            </a:fontRef>
+          </p:style>
+          <p:txBody>
+            <a:bodyPr spcFirstLastPara="0" vert="horz" wrap="square" lIns="108000" tIns="36000" rIns="0" bIns="0" numCol="1" spcCol="1270" anchor="b" anchorCtr="0">
+              <a:noAutofit/>
+            </a:bodyPr>
+            <a:lstStyle/>
+            <a:p>
+              <a:pPr marL="114300" lvl="1" indent="-114300" algn="l" defTabSz="600075">
+                <a:lnSpc>
+                  <a:spcPct val="90000"/>
+                </a:lnSpc>
+                <a:spcBef>
+                  <a:spcPct val="0"/>
+                </a:spcBef>
+                <a:spcAft>
+                  <a:spcPct val="15000"/>
+                </a:spcAft>
+                <a:buFont typeface="+mj-lt"/>
+                <a:buAutoNum type="arabicPeriod"/>
+              </a:pPr>
+              <a:r>
+                <a:rPr lang="en-US" sz="1350" kern="1200" dirty="0"/>
+                <a:t>Categorize data (binary / 3 categories / 5 categories).</a:t>
+              </a:r>
+              <a:endParaRPr lang="en-CA" sz="1350" kern="1200" dirty="0"/>
+            </a:p>
+            <a:p>
+              <a:pPr marL="114300" lvl="1" indent="-114300" algn="l" defTabSz="600075">
+                <a:lnSpc>
+                  <a:spcPct val="90000"/>
+                </a:lnSpc>
+                <a:spcBef>
+                  <a:spcPct val="0"/>
+                </a:spcBef>
+                <a:spcAft>
+                  <a:spcPct val="15000"/>
+                </a:spcAft>
+                <a:buFont typeface="+mj-lt"/>
+                <a:buAutoNum type="arabicPeriod"/>
+              </a:pPr>
+              <a:r>
+                <a:rPr lang="en-CA" sz="1350" kern="1200" dirty="0"/>
+                <a:t>Remove punctuation.</a:t>
+              </a:r>
+            </a:p>
+            <a:p>
+              <a:pPr marL="114300" lvl="1" indent="-114300" algn="l" defTabSz="600075">
+                <a:lnSpc>
+                  <a:spcPct val="90000"/>
+                </a:lnSpc>
+                <a:spcBef>
+                  <a:spcPct val="0"/>
+                </a:spcBef>
+                <a:spcAft>
+                  <a:spcPct val="15000"/>
+                </a:spcAft>
+                <a:buFont typeface="+mj-lt"/>
+                <a:buAutoNum type="arabicPeriod"/>
+              </a:pPr>
+              <a:r>
+                <a:rPr lang="en-CA" sz="1350" kern="1200" dirty="0"/>
+                <a:t>Tokenize words.</a:t>
+              </a:r>
+            </a:p>
+            <a:p>
+              <a:pPr marL="114300" lvl="1" indent="-114300" algn="l" defTabSz="600075">
+                <a:lnSpc>
+                  <a:spcPct val="90000"/>
+                </a:lnSpc>
+                <a:spcBef>
+                  <a:spcPct val="0"/>
+                </a:spcBef>
+                <a:spcAft>
+                  <a:spcPct val="15000"/>
+                </a:spcAft>
+                <a:buFont typeface="+mj-lt"/>
+                <a:buAutoNum type="arabicPeriod"/>
+              </a:pPr>
+              <a:r>
+                <a:rPr lang="en-CA" sz="1350" kern="1200" dirty="0"/>
+                <a:t>Remove stopwords.</a:t>
+              </a:r>
+            </a:p>
+            <a:p>
+              <a:pPr marL="114300" lvl="1" indent="-114300" algn="l" defTabSz="600075">
+                <a:lnSpc>
+                  <a:spcPct val="90000"/>
+                </a:lnSpc>
+                <a:spcBef>
+                  <a:spcPct val="0"/>
+                </a:spcBef>
+                <a:spcAft>
+                  <a:spcPct val="15000"/>
+                </a:spcAft>
+                <a:buFont typeface="+mj-lt"/>
+                <a:buAutoNum type="arabicPeriod"/>
+              </a:pPr>
+              <a:r>
+                <a:rPr lang="en-CA" sz="1350" kern="1200" dirty="0"/>
+                <a:t>Stem the remaining words.</a:t>
+              </a:r>
+            </a:p>
+            <a:p>
+              <a:pPr marL="114300" lvl="1" indent="-114300" algn="l" defTabSz="600075">
+                <a:lnSpc>
+                  <a:spcPct val="90000"/>
+                </a:lnSpc>
+                <a:spcBef>
+                  <a:spcPct val="0"/>
+                </a:spcBef>
+                <a:spcAft>
+                  <a:spcPct val="15000"/>
+                </a:spcAft>
+                <a:buFont typeface="+mj-lt"/>
+                <a:buAutoNum type="arabicPeriod"/>
+              </a:pPr>
+              <a:r>
+                <a:rPr lang="en-CA" sz="1350" kern="1200" dirty="0"/>
+                <a:t>Add ‘length’ column.</a:t>
+              </a:r>
+            </a:p>
+            <a:p>
+              <a:pPr marL="114300" lvl="1" indent="-114300" algn="l" defTabSz="600075">
+                <a:lnSpc>
+                  <a:spcPct val="90000"/>
+                </a:lnSpc>
+                <a:spcBef>
+                  <a:spcPct val="0"/>
+                </a:spcBef>
+                <a:spcAft>
+                  <a:spcPct val="15000"/>
+                </a:spcAft>
+                <a:buFont typeface="+mj-lt"/>
+                <a:buAutoNum type="arabicPeriod"/>
+              </a:pPr>
+              <a:r>
+                <a:rPr lang="en-US" sz="1350" kern="1200" dirty="0"/>
+                <a:t>Convert to a PySpark DataFrame.</a:t>
+              </a:r>
+              <a:endParaRPr lang="en-CA" sz="1350" kern="1200" dirty="0"/>
+            </a:p>
+            <a:p>
+              <a:pPr marL="114300" lvl="1" indent="-114300" algn="l" defTabSz="600075">
+                <a:lnSpc>
+                  <a:spcPct val="90000"/>
+                </a:lnSpc>
+                <a:spcBef>
+                  <a:spcPct val="0"/>
+                </a:spcBef>
+                <a:spcAft>
+                  <a:spcPct val="15000"/>
+                </a:spcAft>
+                <a:buFont typeface="+mj-lt"/>
+                <a:buAutoNum type="arabicPeriod"/>
+              </a:pPr>
+              <a:r>
+                <a:rPr lang="en-CA" sz="1350" kern="1200" dirty="0"/>
+                <a:t>Index stars column.</a:t>
+              </a:r>
+            </a:p>
+            <a:p>
+              <a:pPr marL="114300" lvl="1" indent="-114300" algn="l" defTabSz="600075">
+                <a:lnSpc>
+                  <a:spcPct val="90000"/>
+                </a:lnSpc>
+                <a:spcBef>
+                  <a:spcPct val="0"/>
+                </a:spcBef>
+                <a:spcAft>
+                  <a:spcPct val="15000"/>
+                </a:spcAft>
+                <a:buFont typeface="+mj-lt"/>
+                <a:buAutoNum type="arabicPeriod"/>
+              </a:pPr>
+              <a:r>
+                <a:rPr lang="en-CA" sz="1350" kern="1200" dirty="0"/>
+                <a:t>Hash the stemmed data.</a:t>
+              </a:r>
+            </a:p>
+            <a:p>
+              <a:pPr marL="114300" lvl="1" indent="-114300" algn="l" defTabSz="600075">
+                <a:lnSpc>
+                  <a:spcPct val="90000"/>
+                </a:lnSpc>
+                <a:spcBef>
+                  <a:spcPct val="0"/>
+                </a:spcBef>
+                <a:spcAft>
+                  <a:spcPct val="15000"/>
+                </a:spcAft>
+                <a:buFont typeface="+mj-lt"/>
+                <a:buAutoNum type="arabicPeriod"/>
+              </a:pPr>
+              <a:r>
+                <a:rPr lang="en-US" sz="1350" kern="1200" dirty="0"/>
+                <a:t>Find IDF of hashed text.</a:t>
+              </a:r>
+              <a:endParaRPr lang="en-CA" sz="1350" kern="1200" dirty="0"/>
+            </a:p>
+            <a:p>
+              <a:pPr marL="114300" lvl="1" indent="-114300" algn="l" defTabSz="600075">
+                <a:lnSpc>
+                  <a:spcPct val="90000"/>
+                </a:lnSpc>
+                <a:spcBef>
+                  <a:spcPct val="0"/>
+                </a:spcBef>
+                <a:spcAft>
+                  <a:spcPct val="15000"/>
+                </a:spcAft>
+                <a:buFont typeface="+mj-lt"/>
+                <a:buAutoNum type="arabicPeriod"/>
+              </a:pPr>
+              <a:r>
+                <a:rPr lang="en-US" sz="1350" kern="1200" dirty="0"/>
+                <a:t>Vectorize IDF tokens and length.</a:t>
+              </a:r>
+              <a:endParaRPr lang="en-CA" sz="1350" kern="1200" dirty="0"/>
+            </a:p>
+          </p:txBody>
+        </p:sp>
+      </p:grpSp>
+      <p:sp>
+        <p:nvSpPr>
+          <p:cNvPr id="9" name="Arrow: Circular 8">
+            <a:extLst>
+              <a:ext uri="{FF2B5EF4-FFF2-40B4-BE49-F238E27FC236}">
+                <a16:creationId xmlns:a16="http://schemas.microsoft.com/office/drawing/2014/main" id="{9C26A858-6FEE-4B55-9532-831EA17B0135}"/>
+              </a:ext>
+            </a:extLst>
+          </p:cNvPr>
+          <p:cNvSpPr/>
+          <p:nvPr/>
+        </p:nvSpPr>
+        <p:spPr>
+          <a:xfrm>
+            <a:off x="6487577" y="1632005"/>
+            <a:ext cx="3007256" cy="2777150"/>
+          </a:xfrm>
+          <a:prstGeom prst="circularArrow">
+            <a:avLst>
+              <a:gd name="adj1" fmla="val 4225"/>
+              <a:gd name="adj2" fmla="val 533467"/>
+              <a:gd name="adj3" fmla="val 20023636"/>
+              <a:gd name="adj4" fmla="val 13308125"/>
+              <a:gd name="adj5" fmla="val 4929"/>
+            </a:avLst>
+          </a:prstGeom>
+        </p:spPr>
+        <p:style>
+          <a:lnRef idx="0">
+            <a:schemeClr val="accent1">
+              <a:tint val="60000"/>
+              <a:hueOff val="0"/>
+              <a:satOff val="0"/>
+              <a:lumOff val="0"/>
+              <a:alphaOff val="0"/>
+            </a:schemeClr>
+          </a:lnRef>
+          <a:fillRef idx="1">
+            <a:schemeClr val="accent1">
+              <a:tint val="60000"/>
+              <a:hueOff val="0"/>
+              <a:satOff val="0"/>
+              <a:lumOff val="0"/>
+              <a:alphaOff val="0"/>
+            </a:schemeClr>
+          </a:fillRef>
+          <a:effectRef idx="0">
+            <a:schemeClr val="accent1">
+              <a:tint val="60000"/>
+              <a:hueOff val="0"/>
+              <a:satOff val="0"/>
+              <a:lumOff val="0"/>
+              <a:alphaOff val="0"/>
+            </a:schemeClr>
+          </a:effectRef>
+          <a:fontRef idx="minor">
+            <a:schemeClr val="lt1"/>
+          </a:fontRef>
+        </p:style>
+      </p:sp>
+      <p:grpSp>
+        <p:nvGrpSpPr>
+          <p:cNvPr id="10" name="Group 9">
+            <a:extLst>
+              <a:ext uri="{FF2B5EF4-FFF2-40B4-BE49-F238E27FC236}">
+                <a16:creationId xmlns:a16="http://schemas.microsoft.com/office/drawing/2014/main" id="{DAD34BFD-DBCE-4CCC-9873-960DB63B72C1}"/>
+              </a:ext>
+            </a:extLst>
+          </p:cNvPr>
+          <p:cNvGrpSpPr/>
+          <p:nvPr/>
+        </p:nvGrpSpPr>
+        <p:grpSpPr>
+          <a:xfrm>
+            <a:off x="5993870" y="2139861"/>
+            <a:ext cx="1958120" cy="719097"/>
+            <a:chOff x="6667029" y="45736"/>
+            <a:chExt cx="1958120" cy="778680"/>
+          </a:xfrm>
+        </p:grpSpPr>
+        <p:sp>
+          <p:nvSpPr>
+            <p:cNvPr id="17" name="Rectangle: Rounded Corners 16">
+              <a:extLst>
+                <a:ext uri="{FF2B5EF4-FFF2-40B4-BE49-F238E27FC236}">
+                  <a16:creationId xmlns:a16="http://schemas.microsoft.com/office/drawing/2014/main" id="{F33EFC76-6C62-492A-8B7E-76336CF45535}"/>
+                </a:ext>
+              </a:extLst>
+            </p:cNvPr>
+            <p:cNvSpPr/>
+            <p:nvPr/>
+          </p:nvSpPr>
+          <p:spPr>
+            <a:xfrm>
+              <a:off x="6667029" y="45736"/>
+              <a:ext cx="1958120" cy="778680"/>
+            </a:xfrm>
+            <a:prstGeom prst="roundRect">
+              <a:avLst>
+                <a:gd name="adj" fmla="val 10000"/>
+              </a:avLst>
+            </a:prstGeom>
+          </p:spPr>
+          <p:style>
+            <a:lnRef idx="2">
+              <a:schemeClr val="lt1">
+                <a:hueOff val="0"/>
+                <a:satOff val="0"/>
+                <a:lumOff val="0"/>
+                <a:alphaOff val="0"/>
+              </a:schemeClr>
+            </a:lnRef>
+            <a:fillRef idx="1">
+              <a:schemeClr val="accent1">
+                <a:hueOff val="0"/>
+                <a:satOff val="0"/>
+                <a:lumOff val="0"/>
+                <a:alphaOff val="0"/>
+              </a:schemeClr>
+            </a:fillRef>
+            <a:effectRef idx="0">
+              <a:schemeClr val="accent1">
+                <a:hueOff val="0"/>
+                <a:satOff val="0"/>
+                <a:lumOff val="0"/>
+                <a:alphaOff val="0"/>
+              </a:schemeClr>
+            </a:effectRef>
+            <a:fontRef idx="minor">
+              <a:schemeClr val="lt1"/>
+            </a:fontRef>
+          </p:style>
+        </p:sp>
+        <p:sp>
+          <p:nvSpPr>
+            <p:cNvPr id="18" name="Rectangle: Rounded Corners 12">
+              <a:extLst>
+                <a:ext uri="{FF2B5EF4-FFF2-40B4-BE49-F238E27FC236}">
+                  <a16:creationId xmlns:a16="http://schemas.microsoft.com/office/drawing/2014/main" id="{F2772521-8CA2-4E99-ADD6-8E2C67124E2C}"/>
+                </a:ext>
+              </a:extLst>
+            </p:cNvPr>
+            <p:cNvSpPr txBox="1"/>
+            <p:nvPr/>
+          </p:nvSpPr>
+          <p:spPr>
+            <a:xfrm>
+              <a:off x="6689836" y="68543"/>
+              <a:ext cx="1912506" cy="733066"/>
+            </a:xfrm>
+            <a:prstGeom prst="rect">
+              <a:avLst/>
+            </a:prstGeom>
+          </p:spPr>
+          <p:style>
+            <a:lnRef idx="0">
+              <a:scrgbClr r="0" g="0" b="0"/>
+            </a:lnRef>
+            <a:fillRef idx="0">
+              <a:scrgbClr r="0" g="0" b="0"/>
+            </a:fillRef>
+            <a:effectRef idx="0">
+              <a:scrgbClr r="0" g="0" b="0"/>
+            </a:effectRef>
+            <a:fontRef idx="minor">
+              <a:schemeClr val="lt1"/>
+            </a:fontRef>
+          </p:style>
+          <p:txBody>
+            <a:bodyPr spcFirstLastPara="0" vert="horz" wrap="square" lIns="36195" tIns="24130" rIns="36195" bIns="24130" numCol="1" spcCol="1270" anchor="ctr" anchorCtr="0">
+              <a:noAutofit/>
+            </a:bodyPr>
+            <a:lstStyle/>
+            <a:p>
+              <a:pPr marL="0" lvl="0" indent="0" algn="ctr" defTabSz="844550">
+                <a:lnSpc>
+                  <a:spcPct val="90000"/>
+                </a:lnSpc>
+                <a:spcBef>
+                  <a:spcPct val="0"/>
+                </a:spcBef>
+                <a:spcAft>
+                  <a:spcPct val="35000"/>
+                </a:spcAft>
+                <a:buNone/>
+              </a:pPr>
+              <a:r>
+                <a:rPr lang="en-CA" sz="1900" kern="1200" dirty="0"/>
+                <a:t>Transform / Pipeline (NLP)</a:t>
+              </a:r>
+            </a:p>
+          </p:txBody>
+        </p:sp>
+      </p:grpSp>
+      <p:grpSp>
+        <p:nvGrpSpPr>
+          <p:cNvPr id="11" name="Group 10">
+            <a:extLst>
+              <a:ext uri="{FF2B5EF4-FFF2-40B4-BE49-F238E27FC236}">
+                <a16:creationId xmlns:a16="http://schemas.microsoft.com/office/drawing/2014/main" id="{C996C8F5-2160-4C8B-9D72-BF63E4CA6677}"/>
+              </a:ext>
+            </a:extLst>
+          </p:cNvPr>
+          <p:cNvGrpSpPr/>
+          <p:nvPr/>
+        </p:nvGrpSpPr>
+        <p:grpSpPr>
+          <a:xfrm>
+            <a:off x="8136237" y="2608464"/>
+            <a:ext cx="3315607" cy="2939776"/>
+            <a:chOff x="8542696" y="384111"/>
+            <a:chExt cx="3315607" cy="2939776"/>
+          </a:xfrm>
+        </p:grpSpPr>
+        <p:sp>
+          <p:nvSpPr>
+            <p:cNvPr id="15" name="Rectangle: Rounded Corners 14">
+              <a:extLst>
+                <a:ext uri="{FF2B5EF4-FFF2-40B4-BE49-F238E27FC236}">
+                  <a16:creationId xmlns:a16="http://schemas.microsoft.com/office/drawing/2014/main" id="{97BA6B8C-1B82-4A31-8F26-94E31A0C40F6}"/>
+                </a:ext>
+              </a:extLst>
+            </p:cNvPr>
+            <p:cNvSpPr/>
+            <p:nvPr/>
+          </p:nvSpPr>
+          <p:spPr>
+            <a:xfrm>
+              <a:off x="8542696" y="384111"/>
+              <a:ext cx="3315607" cy="2939776"/>
+            </a:xfrm>
+            <a:prstGeom prst="roundRect">
+              <a:avLst>
+                <a:gd name="adj" fmla="val 10000"/>
+              </a:avLst>
+            </a:prstGeom>
+          </p:spPr>
+          <p:style>
+            <a:lnRef idx="2">
+              <a:schemeClr val="accent1">
+                <a:hueOff val="0"/>
+                <a:satOff val="0"/>
+                <a:lumOff val="0"/>
+                <a:alphaOff val="0"/>
+              </a:schemeClr>
+            </a:lnRef>
+            <a:fillRef idx="1">
+              <a:schemeClr val="lt1">
+                <a:alpha val="90000"/>
+                <a:hueOff val="0"/>
+                <a:satOff val="0"/>
+                <a:lumOff val="0"/>
+                <a:alphaOff val="0"/>
+              </a:schemeClr>
+            </a:fillRef>
+            <a:effectRef idx="0">
+              <a:schemeClr val="lt1">
+                <a:alpha val="90000"/>
+                <a:hueOff val="0"/>
+                <a:satOff val="0"/>
+                <a:lumOff val="0"/>
+                <a:alphaOff val="0"/>
+              </a:schemeClr>
+            </a:effectRef>
+            <a:fontRef idx="minor">
+              <a:schemeClr val="dk1">
+                <a:hueOff val="0"/>
+                <a:satOff val="0"/>
+                <a:lumOff val="0"/>
+                <a:alphaOff val="0"/>
+              </a:schemeClr>
+            </a:fontRef>
+          </p:style>
+        </p:sp>
+        <p:sp>
+          <p:nvSpPr>
+            <p:cNvPr id="16" name="Rectangle: Rounded Corners 14">
+              <a:extLst>
+                <a:ext uri="{FF2B5EF4-FFF2-40B4-BE49-F238E27FC236}">
+                  <a16:creationId xmlns:a16="http://schemas.microsoft.com/office/drawing/2014/main" id="{4DA210AE-3A3A-48F8-87DA-2FE4BB5339CB}"/>
+                </a:ext>
+              </a:extLst>
+            </p:cNvPr>
+            <p:cNvSpPr txBox="1"/>
+            <p:nvPr/>
+          </p:nvSpPr>
+          <p:spPr>
+            <a:xfrm>
+              <a:off x="8610348" y="451763"/>
+              <a:ext cx="3180303" cy="2174520"/>
+            </a:xfrm>
+            <a:prstGeom prst="rect">
+              <a:avLst/>
+            </a:prstGeom>
+          </p:spPr>
+          <p:style>
+            <a:lnRef idx="0">
+              <a:scrgbClr r="0" g="0" b="0"/>
+            </a:lnRef>
+            <a:fillRef idx="0">
+              <a:scrgbClr r="0" g="0" b="0"/>
+            </a:fillRef>
+            <a:effectRef idx="0">
+              <a:scrgbClr r="0" g="0" b="0"/>
+            </a:effectRef>
+            <a:fontRef idx="minor">
+              <a:schemeClr val="dk1">
+                <a:hueOff val="0"/>
+                <a:satOff val="0"/>
+                <a:lumOff val="0"/>
+                <a:alphaOff val="0"/>
+              </a:schemeClr>
+            </a:fontRef>
+          </p:style>
+          <p:txBody>
+            <a:bodyPr spcFirstLastPara="0" vert="horz" wrap="square" lIns="123825" tIns="123825" rIns="123825" bIns="123825" numCol="1" spcCol="1270" anchor="t" anchorCtr="0">
+              <a:noAutofit/>
+            </a:bodyPr>
+            <a:lstStyle/>
+            <a:p>
+              <a:pPr marL="114300" lvl="1" indent="-114300" algn="l" defTabSz="600075">
+                <a:lnSpc>
+                  <a:spcPct val="90000"/>
+                </a:lnSpc>
+                <a:spcBef>
+                  <a:spcPct val="0"/>
+                </a:spcBef>
+                <a:spcAft>
+                  <a:spcPct val="15000"/>
+                </a:spcAft>
+                <a:buFont typeface="+mj-lt"/>
+                <a:buAutoNum type="arabicPeriod"/>
+              </a:pPr>
+              <a:r>
+                <a:rPr lang="en-US" sz="1350" kern="1200" dirty="0"/>
+                <a:t>Drop intermediate columns so ‘features’ and ‘labels’ are only ones remaining.</a:t>
+              </a:r>
+              <a:endParaRPr lang="en-CA" sz="1350" kern="1200" dirty="0"/>
+            </a:p>
+            <a:p>
+              <a:pPr marL="114300" lvl="1" indent="-114300" algn="l" defTabSz="600075">
+                <a:lnSpc>
+                  <a:spcPct val="90000"/>
+                </a:lnSpc>
+                <a:spcBef>
+                  <a:spcPct val="0"/>
+                </a:spcBef>
+                <a:spcAft>
+                  <a:spcPct val="15000"/>
+                </a:spcAft>
+                <a:buFont typeface="+mj-lt"/>
+                <a:buAutoNum type="arabicPeriod"/>
+              </a:pPr>
+              <a:r>
+                <a:rPr lang="en-US" sz="1350" kern="1200" dirty="0"/>
+                <a:t>Split data into training and testing sets.</a:t>
+              </a:r>
+              <a:endParaRPr lang="en-CA" sz="1350" kern="1200" dirty="0"/>
+            </a:p>
+            <a:p>
+              <a:pPr marL="114300" lvl="1" indent="-114300" algn="l" defTabSz="600075">
+                <a:lnSpc>
+                  <a:spcPct val="90000"/>
+                </a:lnSpc>
+                <a:spcBef>
+                  <a:spcPct val="0"/>
+                </a:spcBef>
+                <a:spcAft>
+                  <a:spcPct val="15000"/>
+                </a:spcAft>
+                <a:buFont typeface="+mj-lt"/>
+                <a:buAutoNum type="arabicPeriod"/>
+              </a:pPr>
+              <a:r>
+                <a:rPr lang="en-US" sz="1350" kern="1200" dirty="0"/>
+                <a:t>Create model and fit training data (Naïve Bayes and Logistic Regression)    		     /</a:t>
+              </a:r>
+              <a:br>
+                <a:rPr lang="en-US" sz="1350" kern="1200" dirty="0"/>
+              </a:br>
+              <a:r>
+                <a:rPr lang="en-US" sz="1350" kern="1200" dirty="0"/>
+                <a:t>Specify layers, create and train model (Neural Net).</a:t>
+              </a:r>
+              <a:endParaRPr lang="en-CA" sz="1350" kern="1200" dirty="0"/>
+            </a:p>
+            <a:p>
+              <a:pPr marL="114300" lvl="1" indent="-114300" algn="l" defTabSz="600075">
+                <a:lnSpc>
+                  <a:spcPct val="90000"/>
+                </a:lnSpc>
+                <a:spcBef>
+                  <a:spcPct val="0"/>
+                </a:spcBef>
+                <a:spcAft>
+                  <a:spcPct val="15000"/>
+                </a:spcAft>
+                <a:buFont typeface="+mj-lt"/>
+                <a:buAutoNum type="arabicPeriod"/>
+              </a:pPr>
+              <a:r>
+                <a:rPr lang="en-US" sz="1350" kern="1200" dirty="0"/>
+                <a:t>Display accuracy of model prediction of rating.</a:t>
+              </a:r>
+              <a:endParaRPr lang="en-CA" sz="1350" kern="1200" dirty="0"/>
+            </a:p>
+          </p:txBody>
+        </p:sp>
+      </p:grpSp>
+      <p:grpSp>
+        <p:nvGrpSpPr>
+          <p:cNvPr id="12" name="Group 11">
+            <a:extLst>
+              <a:ext uri="{FF2B5EF4-FFF2-40B4-BE49-F238E27FC236}">
+                <a16:creationId xmlns:a16="http://schemas.microsoft.com/office/drawing/2014/main" id="{9D5CA5A9-B38B-484F-83B3-5B5BCEA16A4B}"/>
+              </a:ext>
+            </a:extLst>
+          </p:cNvPr>
+          <p:cNvGrpSpPr/>
+          <p:nvPr/>
+        </p:nvGrpSpPr>
+        <p:grpSpPr>
+          <a:xfrm>
+            <a:off x="9742555" y="5077472"/>
+            <a:ext cx="1958120" cy="778680"/>
+            <a:chOff x="9615614" y="2929319"/>
+            <a:chExt cx="1958120" cy="778680"/>
+          </a:xfrm>
+        </p:grpSpPr>
+        <p:sp>
+          <p:nvSpPr>
+            <p:cNvPr id="13" name="Rectangle: Rounded Corners 12">
+              <a:extLst>
+                <a:ext uri="{FF2B5EF4-FFF2-40B4-BE49-F238E27FC236}">
+                  <a16:creationId xmlns:a16="http://schemas.microsoft.com/office/drawing/2014/main" id="{D2E5643C-68E2-45B6-BAAC-1587B60BFD31}"/>
+                </a:ext>
+              </a:extLst>
+            </p:cNvPr>
+            <p:cNvSpPr/>
+            <p:nvPr/>
+          </p:nvSpPr>
+          <p:spPr>
+            <a:xfrm>
+              <a:off x="9615614" y="2929319"/>
+              <a:ext cx="1958120" cy="778680"/>
+            </a:xfrm>
+            <a:prstGeom prst="roundRect">
+              <a:avLst>
+                <a:gd name="adj" fmla="val 10000"/>
+              </a:avLst>
+            </a:prstGeom>
+          </p:spPr>
+          <p:style>
+            <a:lnRef idx="2">
+              <a:schemeClr val="lt1">
+                <a:hueOff val="0"/>
+                <a:satOff val="0"/>
+                <a:lumOff val="0"/>
+                <a:alphaOff val="0"/>
+              </a:schemeClr>
+            </a:lnRef>
+            <a:fillRef idx="1">
+              <a:schemeClr val="accent1">
+                <a:hueOff val="0"/>
+                <a:satOff val="0"/>
+                <a:lumOff val="0"/>
+                <a:alphaOff val="0"/>
+              </a:schemeClr>
+            </a:fillRef>
+            <a:effectRef idx="0">
+              <a:schemeClr val="accent1">
+                <a:hueOff val="0"/>
+                <a:satOff val="0"/>
+                <a:lumOff val="0"/>
+                <a:alphaOff val="0"/>
+              </a:schemeClr>
+            </a:effectRef>
+            <a:fontRef idx="minor">
+              <a:schemeClr val="lt1"/>
+            </a:fontRef>
+          </p:style>
+        </p:sp>
+        <p:sp>
+          <p:nvSpPr>
+            <p:cNvPr id="14" name="Rectangle: Rounded Corners 16">
+              <a:extLst>
+                <a:ext uri="{FF2B5EF4-FFF2-40B4-BE49-F238E27FC236}">
+                  <a16:creationId xmlns:a16="http://schemas.microsoft.com/office/drawing/2014/main" id="{A832FE63-6FEA-4EB9-A7D2-917470A7161C}"/>
+                </a:ext>
+              </a:extLst>
+            </p:cNvPr>
+            <p:cNvSpPr txBox="1"/>
+            <p:nvPr/>
+          </p:nvSpPr>
+          <p:spPr>
+            <a:xfrm>
+              <a:off x="9638421" y="2952126"/>
+              <a:ext cx="1912506" cy="733066"/>
+            </a:xfrm>
+            <a:prstGeom prst="rect">
+              <a:avLst/>
+            </a:prstGeom>
+          </p:spPr>
+          <p:style>
+            <a:lnRef idx="0">
+              <a:scrgbClr r="0" g="0" b="0"/>
+            </a:lnRef>
+            <a:fillRef idx="0">
+              <a:scrgbClr r="0" g="0" b="0"/>
+            </a:fillRef>
+            <a:effectRef idx="0">
+              <a:scrgbClr r="0" g="0" b="0"/>
+            </a:effectRef>
+            <a:fontRef idx="minor">
+              <a:schemeClr val="lt1"/>
+            </a:fontRef>
+          </p:style>
+          <p:txBody>
+            <a:bodyPr spcFirstLastPara="0" vert="horz" wrap="square" lIns="36195" tIns="24130" rIns="36195" bIns="24130" numCol="1" spcCol="1270" anchor="ctr" anchorCtr="0">
+              <a:noAutofit/>
+            </a:bodyPr>
+            <a:lstStyle/>
+            <a:p>
+              <a:pPr marL="0" lvl="0" indent="0" algn="ctr" defTabSz="844550">
+                <a:lnSpc>
+                  <a:spcPct val="90000"/>
+                </a:lnSpc>
+                <a:spcBef>
+                  <a:spcPct val="0"/>
+                </a:spcBef>
+                <a:spcAft>
+                  <a:spcPct val="35000"/>
+                </a:spcAft>
+                <a:buNone/>
+              </a:pPr>
+              <a:r>
+                <a:rPr lang="en-CA" sz="1900" kern="1200" dirty="0"/>
+                <a:t>Run Machine Learning Models</a:t>
+              </a:r>
+            </a:p>
+          </p:txBody>
+        </p:sp>
+      </p:grpSp>
+      <p:sp>
+        <p:nvSpPr>
+          <p:cNvPr id="25" name="Title 1">
+            <a:extLst>
+              <a:ext uri="{FF2B5EF4-FFF2-40B4-BE49-F238E27FC236}">
+                <a16:creationId xmlns:a16="http://schemas.microsoft.com/office/drawing/2014/main" id="{3922815F-1529-4B8C-9134-B6D956744F29}"/>
+              </a:ext>
+            </a:extLst>
+          </p:cNvPr>
+          <p:cNvSpPr txBox="1">
+            <a:spLocks/>
+          </p:cNvSpPr>
+          <p:nvPr/>
+        </p:nvSpPr>
+        <p:spPr>
+          <a:xfrm>
+            <a:off x="1097280" y="835243"/>
+            <a:ext cx="10058400" cy="1450757"/>
+          </a:xfrm>
+          <a:prstGeom prst="rect">
+            <a:avLst/>
+          </a:prstGeom>
+        </p:spPr>
+        <p:txBody>
+          <a:bodyPr/>
+          <a:lstStyle>
+            <a:lvl1pPr algn="l" defTabSz="914400" rtl="0" eaLnBrk="1" latinLnBrk="0" hangingPunct="1">
+              <a:lnSpc>
+                <a:spcPct val="90000"/>
+              </a:lnSpc>
+              <a:spcBef>
+                <a:spcPct val="0"/>
+              </a:spcBef>
+              <a:buNone/>
+              <a:defRPr sz="4700" i="0" kern="1200" spc="-50" baseline="0">
+                <a:solidFill>
+                  <a:schemeClr val="tx1">
+                    <a:lumMod val="75000"/>
+                    <a:lumOff val="25000"/>
+                  </a:schemeClr>
+                </a:solidFill>
+                <a:latin typeface="Courier New" panose="02070309020205020404" pitchFamily="49" charset="0"/>
+                <a:ea typeface="+mj-ea"/>
+                <a:cs typeface="Courier New" panose="02070309020205020404" pitchFamily="49" charset="0"/>
+              </a:defRPr>
+            </a:lvl1pPr>
+          </a:lstStyle>
+          <a:p>
+            <a:r>
+              <a:rPr lang="en-CA" dirty="0"/>
+              <a:t>Data Analysis</a:t>
+            </a:r>
+          </a:p>
+        </p:txBody>
+      </p:sp>
+      <p:cxnSp>
+        <p:nvCxnSpPr>
+          <p:cNvPr id="26" name="Straight Connector 25">
+            <a:extLst>
+              <a:ext uri="{FF2B5EF4-FFF2-40B4-BE49-F238E27FC236}">
+                <a16:creationId xmlns:a16="http://schemas.microsoft.com/office/drawing/2014/main" id="{40D365A1-0317-4780-82B1-3723F0846C4E}"/>
+              </a:ext>
+            </a:extLst>
+          </p:cNvPr>
+          <p:cNvCxnSpPr/>
+          <p:nvPr/>
+        </p:nvCxnSpPr>
+        <p:spPr>
+          <a:xfrm>
+            <a:off x="1143000" y="1638300"/>
+            <a:ext cx="10081260" cy="0"/>
+          </a:xfrm>
+          <a:prstGeom prst="line">
+            <a:avLst/>
+          </a:prstGeom>
+          <a:ln w="12700">
+            <a:solidFill>
+              <a:schemeClr val="tx1"/>
+            </a:solidFill>
+          </a:ln>
+        </p:spPr>
+        <p:style>
+          <a:lnRef idx="1">
+            <a:schemeClr val="accent1"/>
+          </a:lnRef>
+          <a:fillRef idx="0">
+            <a:schemeClr val="accent1"/>
+          </a:fillRef>
+          <a:effectRef idx="0">
+            <a:schemeClr val="accent1"/>
+          </a:effectRef>
+          <a:fontRef idx="minor">
+            <a:schemeClr val="tx1"/>
+          </a:fontRef>
+        </p:style>
+      </p:cxnSp>
+      <p:pic>
+        <p:nvPicPr>
+          <p:cNvPr id="28" name="Picture 27" descr="A picture containing drawing, food, plate&#10;&#10;Description automatically generated">
+            <a:extLst>
+              <a:ext uri="{FF2B5EF4-FFF2-40B4-BE49-F238E27FC236}">
+                <a16:creationId xmlns:a16="http://schemas.microsoft.com/office/drawing/2014/main" id="{0E64DAD4-356A-4F01-99AD-9BAA21BB4F4C}"/>
+              </a:ext>
+            </a:extLst>
+          </p:cNvPr>
+          <p:cNvPicPr>
+            <a:picLocks noChangeAspect="1"/>
+          </p:cNvPicPr>
+          <p:nvPr/>
+        </p:nvPicPr>
+        <p:blipFill>
+          <a:blip r:embed="rId3"/>
+          <a:stretch>
+            <a:fillRect/>
+          </a:stretch>
+        </p:blipFill>
+        <p:spPr>
+          <a:xfrm>
+            <a:off x="30777" y="6396560"/>
+            <a:ext cx="650001" cy="465507"/>
+          </a:xfrm>
+          <a:prstGeom prst="rect">
+            <a:avLst/>
+          </a:prstGeom>
+        </p:spPr>
+      </p:pic>
     </p:spTree>
     <p:extLst>
       <p:ext uri="{BB962C8B-B14F-4D97-AF65-F5344CB8AC3E}">
-        <p14:creationId xmlns:p14="http://schemas.microsoft.com/office/powerpoint/2010/main" val="1314899535"/>
+        <p14:creationId xmlns:p14="http://schemas.microsoft.com/office/powerpoint/2010/main" val="3300254328"/>
       </p:ext>
     </p:extLst>
   </p:cSld>
@@ -23928,21 +19911,21 @@
 </file>
 
 <file path=customXml/item1.xml><?xml version="1.0" encoding="utf-8"?>
+<?mso-contentType ?>
+<FormTemplates xmlns="http://schemas.microsoft.com/sharepoint/v3/contenttype/forms">
+  <Display>DocumentLibraryForm</Display>
+  <Edit>DocumentLibraryForm</Edit>
+  <New>DocumentLibraryForm</New>
+</FormTemplates>
+</file>
+
+<file path=customXml/item2.xml><?xml version="1.0" encoding="utf-8"?>
 <p:properties xmlns:p="http://schemas.microsoft.com/office/2006/metadata/properties" xmlns:xsi="http://www.w3.org/2001/XMLSchema-instance" xmlns:pc="http://schemas.microsoft.com/office/infopath/2007/PartnerControls">
   <documentManagement>
     <Status xmlns="71af3243-3dd4-4a8d-8c0d-dd76da1f02a5">Not started</Status>
     <MediaServiceKeyPoints xmlns="71af3243-3dd4-4a8d-8c0d-dd76da1f02a5" xsi:nil="true"/>
   </documentManagement>
 </p:properties>
-</file>
-
-<file path=customXml/item2.xml><?xml version="1.0" encoding="utf-8"?>
-<?mso-contentType ?>
-<FormTemplates xmlns="http://schemas.microsoft.com/sharepoint/v3/contenttype/forms">
-  <Display>DocumentLibraryForm</Display>
-  <Edit>DocumentLibraryForm</Edit>
-  <New>DocumentLibraryForm</New>
-</FormTemplates>
 </file>
 
 <file path=customXml/item3.xml><?xml version="1.0" encoding="utf-8"?>
@@ -24167,19 +20150,19 @@
 </file>
 
 <file path=customXml/itemProps1.xml><?xml version="1.0" encoding="utf-8"?>
+<ds:datastoreItem xmlns:ds="http://schemas.openxmlformats.org/officeDocument/2006/customXml" ds:itemID="{2E5ECA37-C458-4BA2-A090-D7A19E07B434}">
+  <ds:schemaRefs>
+    <ds:schemaRef ds:uri="http://schemas.microsoft.com/sharepoint/v3/contenttype/forms"/>
+  </ds:schemaRefs>
+</ds:datastoreItem>
+</file>
+
+<file path=customXml/itemProps2.xml><?xml version="1.0" encoding="utf-8"?>
 <ds:datastoreItem xmlns:ds="http://schemas.openxmlformats.org/officeDocument/2006/customXml" ds:itemID="{84F503EC-3FFF-4193-A86F-39150E2BAC75}">
   <ds:schemaRefs>
     <ds:schemaRef ds:uri="http://schemas.microsoft.com/office/2006/metadata/properties"/>
     <ds:schemaRef ds:uri="http://schemas.microsoft.com/office/infopath/2007/PartnerControls"/>
     <ds:schemaRef ds:uri="71af3243-3dd4-4a8d-8c0d-dd76da1f02a5"/>
-  </ds:schemaRefs>
-</ds:datastoreItem>
-</file>
-
-<file path=customXml/itemProps2.xml><?xml version="1.0" encoding="utf-8"?>
-<ds:datastoreItem xmlns:ds="http://schemas.openxmlformats.org/officeDocument/2006/customXml" ds:itemID="{2E5ECA37-C458-4BA2-A090-D7A19E07B434}">
-  <ds:schemaRefs>
-    <ds:schemaRef ds:uri="http://schemas.microsoft.com/sharepoint/v3/contenttype/forms"/>
   </ds:schemaRefs>
 </ds:datastoreItem>
 </file>
